--- a/04_continues_integration/ci.pptx
+++ b/04_continues_integration/ci.pptx
@@ -5,13 +5,17 @@
     <p:sldMasterId id="2147483648" r:id="rId1"/>
   </p:sldMasterIdLst>
   <p:notesMasterIdLst>
-    <p:notesMasterId r:id="rId3"/>
+    <p:notesMasterId r:id="rId7"/>
   </p:notesMasterIdLst>
   <p:handoutMasterIdLst>
-    <p:handoutMasterId r:id="rId4"/>
+    <p:handoutMasterId r:id="rId8"/>
   </p:handoutMasterIdLst>
   <p:sldIdLst>
     <p:sldId id="256" r:id="rId2"/>
+    <p:sldId id="257" r:id="rId3"/>
+    <p:sldId id="258" r:id="rId4"/>
+    <p:sldId id="259" r:id="rId5"/>
+    <p:sldId id="260" r:id="rId6"/>
   </p:sldIdLst>
   <p:sldSz cx="12192000" cy="6858000"/>
   <p:notesSz cx="6858000" cy="9144000"/>
@@ -4116,6 +4120,670 @@
     <p:extLst>
       <p:ext uri="{BB962C8B-B14F-4D97-AF65-F5344CB8AC3E}">
         <p14:creationId xmlns:p14="http://schemas.microsoft.com/office/powerpoint/2010/main" val="3252465941"/>
+      </p:ext>
+    </p:extLst>
+  </p:cSld>
+  <p:clrMapOvr>
+    <a:masterClrMapping/>
+  </p:clrMapOvr>
+</p:sld>
+</file>
+
+<file path=ppt/slides/slide2.xml><?xml version="1.0" encoding="utf-8"?>
+<p:sld xmlns:a="http://schemas.openxmlformats.org/drawingml/2006/main" xmlns:r="http://schemas.openxmlformats.org/officeDocument/2006/relationships" xmlns:p="http://schemas.openxmlformats.org/presentationml/2006/main">
+  <p:cSld>
+    <p:spTree>
+      <p:nvGrpSpPr>
+        <p:cNvPr id="1" name=""/>
+        <p:cNvGrpSpPr/>
+        <p:nvPr/>
+      </p:nvGrpSpPr>
+      <p:grpSpPr>
+        <a:xfrm>
+          <a:off x="0" y="0"/>
+          <a:ext cx="0" cy="0"/>
+          <a:chOff x="0" y="0"/>
+          <a:chExt cx="0" cy="0"/>
+        </a:xfrm>
+      </p:grpSpPr>
+      <p:sp>
+        <p:nvSpPr>
+          <p:cNvPr id="2" name="Title 1">
+            <a:extLst>
+              <a:ext uri="{FF2B5EF4-FFF2-40B4-BE49-F238E27FC236}">
+                <a16:creationId xmlns:a16="http://schemas.microsoft.com/office/drawing/2014/main" id="{6017292B-83CC-4127-8FB1-922F07B5F503}"/>
+              </a:ext>
+            </a:extLst>
+          </p:cNvPr>
+          <p:cNvSpPr>
+            <a:spLocks noGrp="1"/>
+          </p:cNvSpPr>
+          <p:nvPr>
+            <p:ph type="title"/>
+          </p:nvPr>
+        </p:nvSpPr>
+        <p:spPr/>
+        <p:txBody>
+          <a:bodyPr/>
+          <a:lstStyle/>
+          <a:p>
+            <a:endParaRPr lang="da-DK"/>
+          </a:p>
+        </p:txBody>
+      </p:sp>
+      <p:sp>
+        <p:nvSpPr>
+          <p:cNvPr id="3" name="Content Placeholder 2">
+            <a:extLst>
+              <a:ext uri="{FF2B5EF4-FFF2-40B4-BE49-F238E27FC236}">
+                <a16:creationId xmlns:a16="http://schemas.microsoft.com/office/drawing/2014/main" id="{8BB138C7-06FC-4D11-AB10-15CBAF37B9FB}"/>
+              </a:ext>
+            </a:extLst>
+          </p:cNvPr>
+          <p:cNvSpPr>
+            <a:spLocks noGrp="1"/>
+          </p:cNvSpPr>
+          <p:nvPr>
+            <p:ph idx="1"/>
+          </p:nvPr>
+        </p:nvSpPr>
+        <p:spPr/>
+        <p:txBody>
+          <a:bodyPr/>
+          <a:lstStyle/>
+          <a:p>
+            <a:endParaRPr lang="da-DK"/>
+          </a:p>
+        </p:txBody>
+      </p:sp>
+      <p:sp>
+        <p:nvSpPr>
+          <p:cNvPr id="4" name="Date Placeholder 3">
+            <a:extLst>
+              <a:ext uri="{FF2B5EF4-FFF2-40B4-BE49-F238E27FC236}">
+                <a16:creationId xmlns:a16="http://schemas.microsoft.com/office/drawing/2014/main" id="{0420B38B-2F7C-4ED0-83E3-56A02D59A520}"/>
+              </a:ext>
+            </a:extLst>
+          </p:cNvPr>
+          <p:cNvSpPr>
+            <a:spLocks noGrp="1"/>
+          </p:cNvSpPr>
+          <p:nvPr>
+            <p:ph type="dt" sz="half" idx="10"/>
+          </p:nvPr>
+        </p:nvSpPr>
+        <p:spPr/>
+        <p:txBody>
+          <a:bodyPr/>
+          <a:lstStyle/>
+          <a:p>
+            <a:fld id="{019E29B9-5584-4737-9C98-1B926378C778}" type="datetime1">
+              <a:rPr lang="en-US" smtClean="0"/>
+              <a:t>5/12/2021</a:t>
+            </a:fld>
+            <a:endParaRPr lang="da-DK"/>
+          </a:p>
+        </p:txBody>
+      </p:sp>
+      <p:sp>
+        <p:nvSpPr>
+          <p:cNvPr id="5" name="Footer Placeholder 4">
+            <a:extLst>
+              <a:ext uri="{FF2B5EF4-FFF2-40B4-BE49-F238E27FC236}">
+                <a16:creationId xmlns:a16="http://schemas.microsoft.com/office/drawing/2014/main" id="{F186A8F9-D2EE-461C-8CE2-9990E4575F1A}"/>
+              </a:ext>
+            </a:extLst>
+          </p:cNvPr>
+          <p:cNvSpPr>
+            <a:spLocks noGrp="1"/>
+          </p:cNvSpPr>
+          <p:nvPr>
+            <p:ph type="ftr" sz="quarter" idx="11"/>
+          </p:nvPr>
+        </p:nvSpPr>
+        <p:spPr/>
+        <p:txBody>
+          <a:bodyPr/>
+          <a:lstStyle/>
+          <a:p>
+            <a:r>
+              <a:rPr lang="da-DK"/>
+              <a:t>Nicki Skafte Detlefsen</a:t>
+            </a:r>
+          </a:p>
+        </p:txBody>
+      </p:sp>
+      <p:sp>
+        <p:nvSpPr>
+          <p:cNvPr id="6" name="Slide Number Placeholder 5">
+            <a:extLst>
+              <a:ext uri="{FF2B5EF4-FFF2-40B4-BE49-F238E27FC236}">
+                <a16:creationId xmlns:a16="http://schemas.microsoft.com/office/drawing/2014/main" id="{E21A5F62-8528-49C6-B251-E038D5533F72}"/>
+              </a:ext>
+            </a:extLst>
+          </p:cNvPr>
+          <p:cNvSpPr>
+            <a:spLocks noGrp="1"/>
+          </p:cNvSpPr>
+          <p:nvPr>
+            <p:ph type="sldNum" sz="quarter" idx="12"/>
+          </p:nvPr>
+        </p:nvSpPr>
+        <p:spPr/>
+        <p:txBody>
+          <a:bodyPr/>
+          <a:lstStyle/>
+          <a:p>
+            <a:fld id="{F6FEDE24-D50C-481B-A7B4-8AF13899101A}" type="slidenum">
+              <a:rPr lang="da-DK" smtClean="0"/>
+              <a:t>2</a:t>
+            </a:fld>
+            <a:endParaRPr lang="da-DK"/>
+          </a:p>
+        </p:txBody>
+      </p:sp>
+    </p:spTree>
+    <p:extLst>
+      <p:ext uri="{BB962C8B-B14F-4D97-AF65-F5344CB8AC3E}">
+        <p14:creationId xmlns:p14="http://schemas.microsoft.com/office/powerpoint/2010/main" val="574670851"/>
+      </p:ext>
+    </p:extLst>
+  </p:cSld>
+  <p:clrMapOvr>
+    <a:masterClrMapping/>
+  </p:clrMapOvr>
+</p:sld>
+</file>
+
+<file path=ppt/slides/slide3.xml><?xml version="1.0" encoding="utf-8"?>
+<p:sld xmlns:a="http://schemas.openxmlformats.org/drawingml/2006/main" xmlns:r="http://schemas.openxmlformats.org/officeDocument/2006/relationships" xmlns:p="http://schemas.openxmlformats.org/presentationml/2006/main">
+  <p:cSld>
+    <p:spTree>
+      <p:nvGrpSpPr>
+        <p:cNvPr id="1" name=""/>
+        <p:cNvGrpSpPr/>
+        <p:nvPr/>
+      </p:nvGrpSpPr>
+      <p:grpSpPr>
+        <a:xfrm>
+          <a:off x="0" y="0"/>
+          <a:ext cx="0" cy="0"/>
+          <a:chOff x="0" y="0"/>
+          <a:chExt cx="0" cy="0"/>
+        </a:xfrm>
+      </p:grpSpPr>
+      <p:sp>
+        <p:nvSpPr>
+          <p:cNvPr id="2" name="Title 1">
+            <a:extLst>
+              <a:ext uri="{FF2B5EF4-FFF2-40B4-BE49-F238E27FC236}">
+                <a16:creationId xmlns:a16="http://schemas.microsoft.com/office/drawing/2014/main" id="{48DA37BB-052C-4162-8B1F-A8196FDD6358}"/>
+              </a:ext>
+            </a:extLst>
+          </p:cNvPr>
+          <p:cNvSpPr>
+            <a:spLocks noGrp="1"/>
+          </p:cNvSpPr>
+          <p:nvPr>
+            <p:ph type="title"/>
+          </p:nvPr>
+        </p:nvSpPr>
+        <p:spPr/>
+        <p:txBody>
+          <a:bodyPr/>
+          <a:lstStyle/>
+          <a:p>
+            <a:endParaRPr lang="da-DK"/>
+          </a:p>
+        </p:txBody>
+      </p:sp>
+      <p:sp>
+        <p:nvSpPr>
+          <p:cNvPr id="3" name="Content Placeholder 2">
+            <a:extLst>
+              <a:ext uri="{FF2B5EF4-FFF2-40B4-BE49-F238E27FC236}">
+                <a16:creationId xmlns:a16="http://schemas.microsoft.com/office/drawing/2014/main" id="{65DD1E78-E6E0-4D6B-A490-20DA1967FE1A}"/>
+              </a:ext>
+            </a:extLst>
+          </p:cNvPr>
+          <p:cNvSpPr>
+            <a:spLocks noGrp="1"/>
+          </p:cNvSpPr>
+          <p:nvPr>
+            <p:ph idx="1"/>
+          </p:nvPr>
+        </p:nvSpPr>
+        <p:spPr/>
+        <p:txBody>
+          <a:bodyPr/>
+          <a:lstStyle/>
+          <a:p>
+            <a:endParaRPr lang="da-DK"/>
+          </a:p>
+        </p:txBody>
+      </p:sp>
+      <p:sp>
+        <p:nvSpPr>
+          <p:cNvPr id="4" name="Date Placeholder 3">
+            <a:extLst>
+              <a:ext uri="{FF2B5EF4-FFF2-40B4-BE49-F238E27FC236}">
+                <a16:creationId xmlns:a16="http://schemas.microsoft.com/office/drawing/2014/main" id="{31D842F6-9FE3-4514-ADE3-1F92A3016EDE}"/>
+              </a:ext>
+            </a:extLst>
+          </p:cNvPr>
+          <p:cNvSpPr>
+            <a:spLocks noGrp="1"/>
+          </p:cNvSpPr>
+          <p:nvPr>
+            <p:ph type="dt" sz="half" idx="10"/>
+          </p:nvPr>
+        </p:nvSpPr>
+        <p:spPr/>
+        <p:txBody>
+          <a:bodyPr/>
+          <a:lstStyle/>
+          <a:p>
+            <a:fld id="{019E29B9-5584-4737-9C98-1B926378C778}" type="datetime1">
+              <a:rPr lang="en-US" smtClean="0"/>
+              <a:t>5/12/2021</a:t>
+            </a:fld>
+            <a:endParaRPr lang="da-DK"/>
+          </a:p>
+        </p:txBody>
+      </p:sp>
+      <p:sp>
+        <p:nvSpPr>
+          <p:cNvPr id="5" name="Footer Placeholder 4">
+            <a:extLst>
+              <a:ext uri="{FF2B5EF4-FFF2-40B4-BE49-F238E27FC236}">
+                <a16:creationId xmlns:a16="http://schemas.microsoft.com/office/drawing/2014/main" id="{67C49E5E-D04D-4250-8916-1F617CA5FE9F}"/>
+              </a:ext>
+            </a:extLst>
+          </p:cNvPr>
+          <p:cNvSpPr>
+            <a:spLocks noGrp="1"/>
+          </p:cNvSpPr>
+          <p:nvPr>
+            <p:ph type="ftr" sz="quarter" idx="11"/>
+          </p:nvPr>
+        </p:nvSpPr>
+        <p:spPr/>
+        <p:txBody>
+          <a:bodyPr/>
+          <a:lstStyle/>
+          <a:p>
+            <a:r>
+              <a:rPr lang="da-DK"/>
+              <a:t>Nicki Skafte Detlefsen</a:t>
+            </a:r>
+          </a:p>
+        </p:txBody>
+      </p:sp>
+      <p:sp>
+        <p:nvSpPr>
+          <p:cNvPr id="6" name="Slide Number Placeholder 5">
+            <a:extLst>
+              <a:ext uri="{FF2B5EF4-FFF2-40B4-BE49-F238E27FC236}">
+                <a16:creationId xmlns:a16="http://schemas.microsoft.com/office/drawing/2014/main" id="{DAEE29FC-53C6-42BA-B78B-DA81FD74F33B}"/>
+              </a:ext>
+            </a:extLst>
+          </p:cNvPr>
+          <p:cNvSpPr>
+            <a:spLocks noGrp="1"/>
+          </p:cNvSpPr>
+          <p:nvPr>
+            <p:ph type="sldNum" sz="quarter" idx="12"/>
+          </p:nvPr>
+        </p:nvSpPr>
+        <p:spPr/>
+        <p:txBody>
+          <a:bodyPr/>
+          <a:lstStyle/>
+          <a:p>
+            <a:fld id="{F6FEDE24-D50C-481B-A7B4-8AF13899101A}" type="slidenum">
+              <a:rPr lang="da-DK" smtClean="0"/>
+              <a:t>3</a:t>
+            </a:fld>
+            <a:endParaRPr lang="da-DK"/>
+          </a:p>
+        </p:txBody>
+      </p:sp>
+    </p:spTree>
+    <p:extLst>
+      <p:ext uri="{BB962C8B-B14F-4D97-AF65-F5344CB8AC3E}">
+        <p14:creationId xmlns:p14="http://schemas.microsoft.com/office/powerpoint/2010/main" val="436421641"/>
+      </p:ext>
+    </p:extLst>
+  </p:cSld>
+  <p:clrMapOvr>
+    <a:masterClrMapping/>
+  </p:clrMapOvr>
+</p:sld>
+</file>
+
+<file path=ppt/slides/slide4.xml><?xml version="1.0" encoding="utf-8"?>
+<p:sld xmlns:a="http://schemas.openxmlformats.org/drawingml/2006/main" xmlns:r="http://schemas.openxmlformats.org/officeDocument/2006/relationships" xmlns:p="http://schemas.openxmlformats.org/presentationml/2006/main">
+  <p:cSld>
+    <p:spTree>
+      <p:nvGrpSpPr>
+        <p:cNvPr id="1" name=""/>
+        <p:cNvGrpSpPr/>
+        <p:nvPr/>
+      </p:nvGrpSpPr>
+      <p:grpSpPr>
+        <a:xfrm>
+          <a:off x="0" y="0"/>
+          <a:ext cx="0" cy="0"/>
+          <a:chOff x="0" y="0"/>
+          <a:chExt cx="0" cy="0"/>
+        </a:xfrm>
+      </p:grpSpPr>
+      <p:sp>
+        <p:nvSpPr>
+          <p:cNvPr id="2" name="Title 1">
+            <a:extLst>
+              <a:ext uri="{FF2B5EF4-FFF2-40B4-BE49-F238E27FC236}">
+                <a16:creationId xmlns:a16="http://schemas.microsoft.com/office/drawing/2014/main" id="{18700190-0A40-4FC2-9A54-082C9173E7C7}"/>
+              </a:ext>
+            </a:extLst>
+          </p:cNvPr>
+          <p:cNvSpPr>
+            <a:spLocks noGrp="1"/>
+          </p:cNvSpPr>
+          <p:nvPr>
+            <p:ph type="title"/>
+          </p:nvPr>
+        </p:nvSpPr>
+        <p:spPr/>
+        <p:txBody>
+          <a:bodyPr/>
+          <a:lstStyle/>
+          <a:p>
+            <a:endParaRPr lang="da-DK"/>
+          </a:p>
+        </p:txBody>
+      </p:sp>
+      <p:sp>
+        <p:nvSpPr>
+          <p:cNvPr id="3" name="Content Placeholder 2">
+            <a:extLst>
+              <a:ext uri="{FF2B5EF4-FFF2-40B4-BE49-F238E27FC236}">
+                <a16:creationId xmlns:a16="http://schemas.microsoft.com/office/drawing/2014/main" id="{080B023B-7D88-41EA-AF5E-55F01343442A}"/>
+              </a:ext>
+            </a:extLst>
+          </p:cNvPr>
+          <p:cNvSpPr>
+            <a:spLocks noGrp="1"/>
+          </p:cNvSpPr>
+          <p:nvPr>
+            <p:ph idx="1"/>
+          </p:nvPr>
+        </p:nvSpPr>
+        <p:spPr/>
+        <p:txBody>
+          <a:bodyPr/>
+          <a:lstStyle/>
+          <a:p>
+            <a:endParaRPr lang="da-DK"/>
+          </a:p>
+        </p:txBody>
+      </p:sp>
+      <p:sp>
+        <p:nvSpPr>
+          <p:cNvPr id="4" name="Date Placeholder 3">
+            <a:extLst>
+              <a:ext uri="{FF2B5EF4-FFF2-40B4-BE49-F238E27FC236}">
+                <a16:creationId xmlns:a16="http://schemas.microsoft.com/office/drawing/2014/main" id="{739AC9DC-4ED8-43A6-A60E-AC132FBDE1DA}"/>
+              </a:ext>
+            </a:extLst>
+          </p:cNvPr>
+          <p:cNvSpPr>
+            <a:spLocks noGrp="1"/>
+          </p:cNvSpPr>
+          <p:nvPr>
+            <p:ph type="dt" sz="half" idx="10"/>
+          </p:nvPr>
+        </p:nvSpPr>
+        <p:spPr/>
+        <p:txBody>
+          <a:bodyPr/>
+          <a:lstStyle/>
+          <a:p>
+            <a:fld id="{019E29B9-5584-4737-9C98-1B926378C778}" type="datetime1">
+              <a:rPr lang="en-US" smtClean="0"/>
+              <a:t>5/12/2021</a:t>
+            </a:fld>
+            <a:endParaRPr lang="da-DK"/>
+          </a:p>
+        </p:txBody>
+      </p:sp>
+      <p:sp>
+        <p:nvSpPr>
+          <p:cNvPr id="5" name="Footer Placeholder 4">
+            <a:extLst>
+              <a:ext uri="{FF2B5EF4-FFF2-40B4-BE49-F238E27FC236}">
+                <a16:creationId xmlns:a16="http://schemas.microsoft.com/office/drawing/2014/main" id="{A729A4E2-DC3C-406B-9E46-F6720C144EC8}"/>
+              </a:ext>
+            </a:extLst>
+          </p:cNvPr>
+          <p:cNvSpPr>
+            <a:spLocks noGrp="1"/>
+          </p:cNvSpPr>
+          <p:nvPr>
+            <p:ph type="ftr" sz="quarter" idx="11"/>
+          </p:nvPr>
+        </p:nvSpPr>
+        <p:spPr/>
+        <p:txBody>
+          <a:bodyPr/>
+          <a:lstStyle/>
+          <a:p>
+            <a:r>
+              <a:rPr lang="da-DK"/>
+              <a:t>Nicki Skafte Detlefsen</a:t>
+            </a:r>
+          </a:p>
+        </p:txBody>
+      </p:sp>
+      <p:sp>
+        <p:nvSpPr>
+          <p:cNvPr id="6" name="Slide Number Placeholder 5">
+            <a:extLst>
+              <a:ext uri="{FF2B5EF4-FFF2-40B4-BE49-F238E27FC236}">
+                <a16:creationId xmlns:a16="http://schemas.microsoft.com/office/drawing/2014/main" id="{DBC6B56C-8158-4A79-BC62-8A86741337CA}"/>
+              </a:ext>
+            </a:extLst>
+          </p:cNvPr>
+          <p:cNvSpPr>
+            <a:spLocks noGrp="1"/>
+          </p:cNvSpPr>
+          <p:nvPr>
+            <p:ph type="sldNum" sz="quarter" idx="12"/>
+          </p:nvPr>
+        </p:nvSpPr>
+        <p:spPr/>
+        <p:txBody>
+          <a:bodyPr/>
+          <a:lstStyle/>
+          <a:p>
+            <a:fld id="{F6FEDE24-D50C-481B-A7B4-8AF13899101A}" type="slidenum">
+              <a:rPr lang="da-DK" smtClean="0"/>
+              <a:t>4</a:t>
+            </a:fld>
+            <a:endParaRPr lang="da-DK"/>
+          </a:p>
+        </p:txBody>
+      </p:sp>
+    </p:spTree>
+    <p:extLst>
+      <p:ext uri="{BB962C8B-B14F-4D97-AF65-F5344CB8AC3E}">
+        <p14:creationId xmlns:p14="http://schemas.microsoft.com/office/powerpoint/2010/main" val="436317576"/>
+      </p:ext>
+    </p:extLst>
+  </p:cSld>
+  <p:clrMapOvr>
+    <a:masterClrMapping/>
+  </p:clrMapOvr>
+</p:sld>
+</file>
+
+<file path=ppt/slides/slide5.xml><?xml version="1.0" encoding="utf-8"?>
+<p:sld xmlns:a="http://schemas.openxmlformats.org/drawingml/2006/main" xmlns:r="http://schemas.openxmlformats.org/officeDocument/2006/relationships" xmlns:p="http://schemas.openxmlformats.org/presentationml/2006/main">
+  <p:cSld>
+    <p:spTree>
+      <p:nvGrpSpPr>
+        <p:cNvPr id="1" name=""/>
+        <p:cNvGrpSpPr/>
+        <p:nvPr/>
+      </p:nvGrpSpPr>
+      <p:grpSpPr>
+        <a:xfrm>
+          <a:off x="0" y="0"/>
+          <a:ext cx="0" cy="0"/>
+          <a:chOff x="0" y="0"/>
+          <a:chExt cx="0" cy="0"/>
+        </a:xfrm>
+      </p:grpSpPr>
+      <p:sp>
+        <p:nvSpPr>
+          <p:cNvPr id="2" name="Title 1">
+            <a:extLst>
+              <a:ext uri="{FF2B5EF4-FFF2-40B4-BE49-F238E27FC236}">
+                <a16:creationId xmlns:a16="http://schemas.microsoft.com/office/drawing/2014/main" id="{F30CAB80-0536-4C1F-B6CE-EC85D3C8B753}"/>
+              </a:ext>
+            </a:extLst>
+          </p:cNvPr>
+          <p:cNvSpPr>
+            <a:spLocks noGrp="1"/>
+          </p:cNvSpPr>
+          <p:nvPr>
+            <p:ph type="title"/>
+          </p:nvPr>
+        </p:nvSpPr>
+        <p:spPr/>
+        <p:txBody>
+          <a:bodyPr/>
+          <a:lstStyle/>
+          <a:p>
+            <a:endParaRPr lang="da-DK"/>
+          </a:p>
+        </p:txBody>
+      </p:sp>
+      <p:sp>
+        <p:nvSpPr>
+          <p:cNvPr id="3" name="Content Placeholder 2">
+            <a:extLst>
+              <a:ext uri="{FF2B5EF4-FFF2-40B4-BE49-F238E27FC236}">
+                <a16:creationId xmlns:a16="http://schemas.microsoft.com/office/drawing/2014/main" id="{8C1E39EE-762B-47D7-995F-8880FB5E5C6C}"/>
+              </a:ext>
+            </a:extLst>
+          </p:cNvPr>
+          <p:cNvSpPr>
+            <a:spLocks noGrp="1"/>
+          </p:cNvSpPr>
+          <p:nvPr>
+            <p:ph idx="1"/>
+          </p:nvPr>
+        </p:nvSpPr>
+        <p:spPr/>
+        <p:txBody>
+          <a:bodyPr/>
+          <a:lstStyle/>
+          <a:p>
+            <a:endParaRPr lang="da-DK"/>
+          </a:p>
+        </p:txBody>
+      </p:sp>
+      <p:sp>
+        <p:nvSpPr>
+          <p:cNvPr id="4" name="Date Placeholder 3">
+            <a:extLst>
+              <a:ext uri="{FF2B5EF4-FFF2-40B4-BE49-F238E27FC236}">
+                <a16:creationId xmlns:a16="http://schemas.microsoft.com/office/drawing/2014/main" id="{F64724E3-9AC5-4EBD-B3E0-26B5C8052611}"/>
+              </a:ext>
+            </a:extLst>
+          </p:cNvPr>
+          <p:cNvSpPr>
+            <a:spLocks noGrp="1"/>
+          </p:cNvSpPr>
+          <p:nvPr>
+            <p:ph type="dt" sz="half" idx="10"/>
+          </p:nvPr>
+        </p:nvSpPr>
+        <p:spPr/>
+        <p:txBody>
+          <a:bodyPr/>
+          <a:lstStyle/>
+          <a:p>
+            <a:fld id="{019E29B9-5584-4737-9C98-1B926378C778}" type="datetime1">
+              <a:rPr lang="en-US" smtClean="0"/>
+              <a:t>5/12/2021</a:t>
+            </a:fld>
+            <a:endParaRPr lang="da-DK"/>
+          </a:p>
+        </p:txBody>
+      </p:sp>
+      <p:sp>
+        <p:nvSpPr>
+          <p:cNvPr id="5" name="Footer Placeholder 4">
+            <a:extLst>
+              <a:ext uri="{FF2B5EF4-FFF2-40B4-BE49-F238E27FC236}">
+                <a16:creationId xmlns:a16="http://schemas.microsoft.com/office/drawing/2014/main" id="{EDA475A1-DBB7-4C99-9A57-A337E5DF7DB6}"/>
+              </a:ext>
+            </a:extLst>
+          </p:cNvPr>
+          <p:cNvSpPr>
+            <a:spLocks noGrp="1"/>
+          </p:cNvSpPr>
+          <p:nvPr>
+            <p:ph type="ftr" sz="quarter" idx="11"/>
+          </p:nvPr>
+        </p:nvSpPr>
+        <p:spPr/>
+        <p:txBody>
+          <a:bodyPr/>
+          <a:lstStyle/>
+          <a:p>
+            <a:r>
+              <a:rPr lang="da-DK"/>
+              <a:t>Nicki Skafte Detlefsen</a:t>
+            </a:r>
+          </a:p>
+        </p:txBody>
+      </p:sp>
+      <p:sp>
+        <p:nvSpPr>
+          <p:cNvPr id="6" name="Slide Number Placeholder 5">
+            <a:extLst>
+              <a:ext uri="{FF2B5EF4-FFF2-40B4-BE49-F238E27FC236}">
+                <a16:creationId xmlns:a16="http://schemas.microsoft.com/office/drawing/2014/main" id="{BF2D4B10-61C4-4362-AFF0-40489FFBEC9F}"/>
+              </a:ext>
+            </a:extLst>
+          </p:cNvPr>
+          <p:cNvSpPr>
+            <a:spLocks noGrp="1"/>
+          </p:cNvSpPr>
+          <p:nvPr>
+            <p:ph type="sldNum" sz="quarter" idx="12"/>
+          </p:nvPr>
+        </p:nvSpPr>
+        <p:spPr/>
+        <p:txBody>
+          <a:bodyPr/>
+          <a:lstStyle/>
+          <a:p>
+            <a:fld id="{F6FEDE24-D50C-481B-A7B4-8AF13899101A}" type="slidenum">
+              <a:rPr lang="da-DK" smtClean="0"/>
+              <a:t>5</a:t>
+            </a:fld>
+            <a:endParaRPr lang="da-DK"/>
+          </a:p>
+        </p:txBody>
+      </p:sp>
+    </p:spTree>
+    <p:extLst>
+      <p:ext uri="{BB962C8B-B14F-4D97-AF65-F5344CB8AC3E}">
+        <p14:creationId xmlns:p14="http://schemas.microsoft.com/office/powerpoint/2010/main" val="1371277988"/>
       </p:ext>
     </p:extLst>
   </p:cSld>

--- a/04_continues_integration/ci.pptx
+++ b/04_continues_integration/ci.pptx
@@ -5,10 +5,10 @@
     <p:sldMasterId id="2147483648" r:id="rId1"/>
   </p:sldMasterIdLst>
   <p:notesMasterIdLst>
-    <p:notesMasterId r:id="rId7"/>
+    <p:notesMasterId r:id="rId17"/>
   </p:notesMasterIdLst>
   <p:handoutMasterIdLst>
-    <p:handoutMasterId r:id="rId8"/>
+    <p:handoutMasterId r:id="rId18"/>
   </p:handoutMasterIdLst>
   <p:sldIdLst>
     <p:sldId id="256" r:id="rId2"/>
@@ -16,6 +16,16 @@
     <p:sldId id="258" r:id="rId4"/>
     <p:sldId id="259" r:id="rId5"/>
     <p:sldId id="260" r:id="rId6"/>
+    <p:sldId id="261" r:id="rId7"/>
+    <p:sldId id="262" r:id="rId8"/>
+    <p:sldId id="265" r:id="rId9"/>
+    <p:sldId id="266" r:id="rId10"/>
+    <p:sldId id="268" r:id="rId11"/>
+    <p:sldId id="267" r:id="rId12"/>
+    <p:sldId id="269" r:id="rId13"/>
+    <p:sldId id="270" r:id="rId14"/>
+    <p:sldId id="263" r:id="rId15"/>
+    <p:sldId id="264" r:id="rId16"/>
   </p:sldIdLst>
   <p:sldSz cx="12192000" cy="6858000"/>
   <p:notesSz cx="6858000" cy="9144000"/>
@@ -125,6 +135,2668 @@
 </p:presentation>
 </file>
 
+<file path=ppt/diagrams/colors1.xml><?xml version="1.0" encoding="utf-8"?>
+<dgm:colorsDef xmlns:dgm="http://schemas.openxmlformats.org/drawingml/2006/diagram" xmlns:a="http://schemas.openxmlformats.org/drawingml/2006/main" uniqueId="urn:microsoft.com/office/officeart/2005/8/colors/accent1_2">
+  <dgm:title val=""/>
+  <dgm:desc val=""/>
+  <dgm:catLst>
+    <dgm:cat type="accent1" pri="11200"/>
+  </dgm:catLst>
+  <dgm:styleLbl name="node0">
+    <dgm:fillClrLst meth="repeat">
+      <a:schemeClr val="accent1"/>
+    </dgm:fillClrLst>
+    <dgm:linClrLst meth="repeat">
+      <a:schemeClr val="lt1"/>
+    </dgm:linClrLst>
+    <dgm:effectClrLst/>
+    <dgm:txLinClrLst/>
+    <dgm:txFillClrLst/>
+    <dgm:txEffectClrLst/>
+  </dgm:styleLbl>
+  <dgm:styleLbl name="alignNode1">
+    <dgm:fillClrLst meth="repeat">
+      <a:schemeClr val="accent1"/>
+    </dgm:fillClrLst>
+    <dgm:linClrLst meth="repeat">
+      <a:schemeClr val="accent1"/>
+    </dgm:linClrLst>
+    <dgm:effectClrLst/>
+    <dgm:txLinClrLst/>
+    <dgm:txFillClrLst/>
+    <dgm:txEffectClrLst/>
+  </dgm:styleLbl>
+  <dgm:styleLbl name="node1">
+    <dgm:fillClrLst meth="repeat">
+      <a:schemeClr val="accent1"/>
+    </dgm:fillClrLst>
+    <dgm:linClrLst meth="repeat">
+      <a:schemeClr val="lt1"/>
+    </dgm:linClrLst>
+    <dgm:effectClrLst/>
+    <dgm:txLinClrLst/>
+    <dgm:txFillClrLst/>
+    <dgm:txEffectClrLst/>
+  </dgm:styleLbl>
+  <dgm:styleLbl name="lnNode1">
+    <dgm:fillClrLst meth="repeat">
+      <a:schemeClr val="accent1"/>
+    </dgm:fillClrLst>
+    <dgm:linClrLst meth="repeat">
+      <a:schemeClr val="lt1"/>
+    </dgm:linClrLst>
+    <dgm:effectClrLst/>
+    <dgm:txLinClrLst/>
+    <dgm:txFillClrLst/>
+    <dgm:txEffectClrLst/>
+  </dgm:styleLbl>
+  <dgm:styleLbl name="vennNode1">
+    <dgm:fillClrLst meth="repeat">
+      <a:schemeClr val="accent1">
+        <a:alpha val="50000"/>
+      </a:schemeClr>
+    </dgm:fillClrLst>
+    <dgm:linClrLst meth="repeat">
+      <a:schemeClr val="lt1"/>
+    </dgm:linClrLst>
+    <dgm:effectClrLst/>
+    <dgm:txLinClrLst/>
+    <dgm:txFillClrLst/>
+    <dgm:txEffectClrLst/>
+  </dgm:styleLbl>
+  <dgm:styleLbl name="node2">
+    <dgm:fillClrLst meth="repeat">
+      <a:schemeClr val="accent1"/>
+    </dgm:fillClrLst>
+    <dgm:linClrLst meth="repeat">
+      <a:schemeClr val="lt1"/>
+    </dgm:linClrLst>
+    <dgm:effectClrLst/>
+    <dgm:txLinClrLst/>
+    <dgm:txFillClrLst/>
+    <dgm:txEffectClrLst/>
+  </dgm:styleLbl>
+  <dgm:styleLbl name="node3">
+    <dgm:fillClrLst meth="repeat">
+      <a:schemeClr val="accent1"/>
+    </dgm:fillClrLst>
+    <dgm:linClrLst meth="repeat">
+      <a:schemeClr val="lt1"/>
+    </dgm:linClrLst>
+    <dgm:effectClrLst/>
+    <dgm:txLinClrLst/>
+    <dgm:txFillClrLst/>
+    <dgm:txEffectClrLst/>
+  </dgm:styleLbl>
+  <dgm:styleLbl name="node4">
+    <dgm:fillClrLst meth="repeat">
+      <a:schemeClr val="accent1"/>
+    </dgm:fillClrLst>
+    <dgm:linClrLst meth="repeat">
+      <a:schemeClr val="lt1"/>
+    </dgm:linClrLst>
+    <dgm:effectClrLst/>
+    <dgm:txLinClrLst/>
+    <dgm:txFillClrLst/>
+    <dgm:txEffectClrLst/>
+  </dgm:styleLbl>
+  <dgm:styleLbl name="fgImgPlace1">
+    <dgm:fillClrLst meth="repeat">
+      <a:schemeClr val="accent1">
+        <a:tint val="50000"/>
+      </a:schemeClr>
+    </dgm:fillClrLst>
+    <dgm:linClrLst meth="repeat">
+      <a:schemeClr val="lt1"/>
+    </dgm:linClrLst>
+    <dgm:effectClrLst/>
+    <dgm:txLinClrLst/>
+    <dgm:txFillClrLst meth="repeat">
+      <a:schemeClr val="lt1"/>
+    </dgm:txFillClrLst>
+    <dgm:txEffectClrLst/>
+  </dgm:styleLbl>
+  <dgm:styleLbl name="alignImgPlace1">
+    <dgm:fillClrLst meth="repeat">
+      <a:schemeClr val="accent1">
+        <a:tint val="50000"/>
+      </a:schemeClr>
+    </dgm:fillClrLst>
+    <dgm:linClrLst meth="repeat">
+      <a:schemeClr val="lt1"/>
+    </dgm:linClrLst>
+    <dgm:effectClrLst/>
+    <dgm:txLinClrLst/>
+    <dgm:txFillClrLst meth="repeat">
+      <a:schemeClr val="lt1"/>
+    </dgm:txFillClrLst>
+    <dgm:txEffectClrLst/>
+  </dgm:styleLbl>
+  <dgm:styleLbl name="bgImgPlace1">
+    <dgm:fillClrLst meth="repeat">
+      <a:schemeClr val="accent1">
+        <a:tint val="50000"/>
+      </a:schemeClr>
+    </dgm:fillClrLst>
+    <dgm:linClrLst meth="repeat">
+      <a:schemeClr val="lt1"/>
+    </dgm:linClrLst>
+    <dgm:effectClrLst/>
+    <dgm:txLinClrLst/>
+    <dgm:txFillClrLst meth="repeat">
+      <a:schemeClr val="lt1"/>
+    </dgm:txFillClrLst>
+    <dgm:txEffectClrLst/>
+  </dgm:styleLbl>
+  <dgm:styleLbl name="sibTrans2D1">
+    <dgm:fillClrLst meth="repeat">
+      <a:schemeClr val="accent1">
+        <a:tint val="60000"/>
+      </a:schemeClr>
+    </dgm:fillClrLst>
+    <dgm:linClrLst meth="repeat">
+      <a:schemeClr val="accent1">
+        <a:tint val="60000"/>
+      </a:schemeClr>
+    </dgm:linClrLst>
+    <dgm:effectClrLst/>
+    <dgm:txLinClrLst/>
+    <dgm:txFillClrLst/>
+    <dgm:txEffectClrLst/>
+  </dgm:styleLbl>
+  <dgm:styleLbl name="fgSibTrans2D1">
+    <dgm:fillClrLst meth="repeat">
+      <a:schemeClr val="accent1">
+        <a:tint val="60000"/>
+      </a:schemeClr>
+    </dgm:fillClrLst>
+    <dgm:linClrLst meth="repeat">
+      <a:schemeClr val="accent1">
+        <a:tint val="60000"/>
+      </a:schemeClr>
+    </dgm:linClrLst>
+    <dgm:effectClrLst/>
+    <dgm:txLinClrLst/>
+    <dgm:txFillClrLst/>
+    <dgm:txEffectClrLst/>
+  </dgm:styleLbl>
+  <dgm:styleLbl name="bgSibTrans2D1">
+    <dgm:fillClrLst meth="repeat">
+      <a:schemeClr val="accent1">
+        <a:tint val="60000"/>
+      </a:schemeClr>
+    </dgm:fillClrLst>
+    <dgm:linClrLst meth="repeat">
+      <a:schemeClr val="accent1">
+        <a:tint val="60000"/>
+      </a:schemeClr>
+    </dgm:linClrLst>
+    <dgm:effectClrLst/>
+    <dgm:txLinClrLst/>
+    <dgm:txFillClrLst/>
+    <dgm:txEffectClrLst/>
+  </dgm:styleLbl>
+  <dgm:styleLbl name="sibTrans1D1">
+    <dgm:fillClrLst meth="repeat">
+      <a:schemeClr val="accent1"/>
+    </dgm:fillClrLst>
+    <dgm:linClrLst meth="repeat">
+      <a:schemeClr val="accent1"/>
+    </dgm:linClrLst>
+    <dgm:effectClrLst/>
+    <dgm:txLinClrLst/>
+    <dgm:txFillClrLst meth="repeat">
+      <a:schemeClr val="tx1"/>
+    </dgm:txFillClrLst>
+    <dgm:txEffectClrLst/>
+  </dgm:styleLbl>
+  <dgm:styleLbl name="callout">
+    <dgm:fillClrLst meth="repeat">
+      <a:schemeClr val="accent1"/>
+    </dgm:fillClrLst>
+    <dgm:linClrLst meth="repeat">
+      <a:schemeClr val="accent1">
+        <a:tint val="50000"/>
+      </a:schemeClr>
+    </dgm:linClrLst>
+    <dgm:effectClrLst/>
+    <dgm:txLinClrLst/>
+    <dgm:txFillClrLst meth="repeat">
+      <a:schemeClr val="tx1"/>
+    </dgm:txFillClrLst>
+    <dgm:txEffectClrLst/>
+  </dgm:styleLbl>
+  <dgm:styleLbl name="asst0">
+    <dgm:fillClrLst meth="repeat">
+      <a:schemeClr val="accent1"/>
+    </dgm:fillClrLst>
+    <dgm:linClrLst meth="repeat">
+      <a:schemeClr val="lt1"/>
+    </dgm:linClrLst>
+    <dgm:effectClrLst/>
+    <dgm:txLinClrLst/>
+    <dgm:txFillClrLst/>
+    <dgm:txEffectClrLst/>
+  </dgm:styleLbl>
+  <dgm:styleLbl name="asst1">
+    <dgm:fillClrLst meth="repeat">
+      <a:schemeClr val="accent1"/>
+    </dgm:fillClrLst>
+    <dgm:linClrLst meth="repeat">
+      <a:schemeClr val="lt1"/>
+    </dgm:linClrLst>
+    <dgm:effectClrLst/>
+    <dgm:txLinClrLst/>
+    <dgm:txFillClrLst/>
+    <dgm:txEffectClrLst/>
+  </dgm:styleLbl>
+  <dgm:styleLbl name="asst2">
+    <dgm:fillClrLst meth="repeat">
+      <a:schemeClr val="accent1"/>
+    </dgm:fillClrLst>
+    <dgm:linClrLst meth="repeat">
+      <a:schemeClr val="lt1"/>
+    </dgm:linClrLst>
+    <dgm:effectClrLst/>
+    <dgm:txLinClrLst/>
+    <dgm:txFillClrLst/>
+    <dgm:txEffectClrLst/>
+  </dgm:styleLbl>
+  <dgm:styleLbl name="asst3">
+    <dgm:fillClrLst meth="repeat">
+      <a:schemeClr val="accent1"/>
+    </dgm:fillClrLst>
+    <dgm:linClrLst meth="repeat">
+      <a:schemeClr val="lt1"/>
+    </dgm:linClrLst>
+    <dgm:effectClrLst/>
+    <dgm:txLinClrLst/>
+    <dgm:txFillClrLst/>
+    <dgm:txEffectClrLst/>
+  </dgm:styleLbl>
+  <dgm:styleLbl name="asst4">
+    <dgm:fillClrLst meth="repeat">
+      <a:schemeClr val="accent1"/>
+    </dgm:fillClrLst>
+    <dgm:linClrLst meth="repeat">
+      <a:schemeClr val="lt1"/>
+    </dgm:linClrLst>
+    <dgm:effectClrLst/>
+    <dgm:txLinClrLst/>
+    <dgm:txFillClrLst/>
+    <dgm:txEffectClrLst/>
+  </dgm:styleLbl>
+  <dgm:styleLbl name="parChTrans2D1">
+    <dgm:fillClrLst meth="repeat">
+      <a:schemeClr val="accent1">
+        <a:tint val="60000"/>
+      </a:schemeClr>
+    </dgm:fillClrLst>
+    <dgm:linClrLst meth="repeat">
+      <a:schemeClr val="accent1">
+        <a:tint val="60000"/>
+      </a:schemeClr>
+    </dgm:linClrLst>
+    <dgm:effectClrLst/>
+    <dgm:txLinClrLst/>
+    <dgm:txFillClrLst meth="repeat">
+      <a:schemeClr val="lt1"/>
+    </dgm:txFillClrLst>
+    <dgm:txEffectClrLst/>
+  </dgm:styleLbl>
+  <dgm:styleLbl name="parChTrans2D2">
+    <dgm:fillClrLst meth="repeat">
+      <a:schemeClr val="accent1"/>
+    </dgm:fillClrLst>
+    <dgm:linClrLst meth="repeat">
+      <a:schemeClr val="accent1"/>
+    </dgm:linClrLst>
+    <dgm:effectClrLst/>
+    <dgm:txLinClrLst/>
+    <dgm:txFillClrLst meth="repeat">
+      <a:schemeClr val="lt1"/>
+    </dgm:txFillClrLst>
+    <dgm:txEffectClrLst/>
+  </dgm:styleLbl>
+  <dgm:styleLbl name="parChTrans2D3">
+    <dgm:fillClrLst meth="repeat">
+      <a:schemeClr val="accent1"/>
+    </dgm:fillClrLst>
+    <dgm:linClrLst meth="repeat">
+      <a:schemeClr val="accent1"/>
+    </dgm:linClrLst>
+    <dgm:effectClrLst/>
+    <dgm:txLinClrLst/>
+    <dgm:txFillClrLst meth="repeat">
+      <a:schemeClr val="lt1"/>
+    </dgm:txFillClrLst>
+    <dgm:txEffectClrLst/>
+  </dgm:styleLbl>
+  <dgm:styleLbl name="parChTrans2D4">
+    <dgm:fillClrLst meth="repeat">
+      <a:schemeClr val="accent1"/>
+    </dgm:fillClrLst>
+    <dgm:linClrLst meth="repeat">
+      <a:schemeClr val="accent1"/>
+    </dgm:linClrLst>
+    <dgm:effectClrLst/>
+    <dgm:txLinClrLst/>
+    <dgm:txFillClrLst meth="repeat">
+      <a:schemeClr val="lt1"/>
+    </dgm:txFillClrLst>
+    <dgm:txEffectClrLst/>
+  </dgm:styleLbl>
+  <dgm:styleLbl name="parChTrans1D1">
+    <dgm:fillClrLst meth="repeat">
+      <a:schemeClr val="accent1"/>
+    </dgm:fillClrLst>
+    <dgm:linClrLst meth="repeat">
+      <a:schemeClr val="accent1">
+        <a:shade val="60000"/>
+      </a:schemeClr>
+    </dgm:linClrLst>
+    <dgm:effectClrLst/>
+    <dgm:txLinClrLst/>
+    <dgm:txFillClrLst meth="repeat">
+      <a:schemeClr val="tx1"/>
+    </dgm:txFillClrLst>
+    <dgm:txEffectClrLst/>
+  </dgm:styleLbl>
+  <dgm:styleLbl name="parChTrans1D2">
+    <dgm:fillClrLst meth="repeat">
+      <a:schemeClr val="accent1"/>
+    </dgm:fillClrLst>
+    <dgm:linClrLst meth="repeat">
+      <a:schemeClr val="accent1">
+        <a:shade val="60000"/>
+      </a:schemeClr>
+    </dgm:linClrLst>
+    <dgm:effectClrLst/>
+    <dgm:txLinClrLst/>
+    <dgm:txFillClrLst meth="repeat">
+      <a:schemeClr val="tx1"/>
+    </dgm:txFillClrLst>
+    <dgm:txEffectClrLst/>
+  </dgm:styleLbl>
+  <dgm:styleLbl name="parChTrans1D3">
+    <dgm:fillClrLst meth="repeat">
+      <a:schemeClr val="accent1"/>
+    </dgm:fillClrLst>
+    <dgm:linClrLst meth="repeat">
+      <a:schemeClr val="accent1">
+        <a:shade val="80000"/>
+      </a:schemeClr>
+    </dgm:linClrLst>
+    <dgm:effectClrLst/>
+    <dgm:txLinClrLst/>
+    <dgm:txFillClrLst meth="repeat">
+      <a:schemeClr val="tx1"/>
+    </dgm:txFillClrLst>
+    <dgm:txEffectClrLst/>
+  </dgm:styleLbl>
+  <dgm:styleLbl name="parChTrans1D4">
+    <dgm:fillClrLst meth="repeat">
+      <a:schemeClr val="accent1"/>
+    </dgm:fillClrLst>
+    <dgm:linClrLst meth="repeat">
+      <a:schemeClr val="accent1">
+        <a:shade val="80000"/>
+      </a:schemeClr>
+    </dgm:linClrLst>
+    <dgm:effectClrLst/>
+    <dgm:txLinClrLst/>
+    <dgm:txFillClrLst meth="repeat">
+      <a:schemeClr val="tx1"/>
+    </dgm:txFillClrLst>
+    <dgm:txEffectClrLst/>
+  </dgm:styleLbl>
+  <dgm:styleLbl name="fgAcc1">
+    <dgm:fillClrLst meth="repeat">
+      <a:schemeClr val="lt1">
+        <a:alpha val="90000"/>
+      </a:schemeClr>
+    </dgm:fillClrLst>
+    <dgm:linClrLst meth="repeat">
+      <a:schemeClr val="accent1"/>
+    </dgm:linClrLst>
+    <dgm:effectClrLst/>
+    <dgm:txLinClrLst/>
+    <dgm:txFillClrLst meth="repeat">
+      <a:schemeClr val="dk1"/>
+    </dgm:txFillClrLst>
+    <dgm:txEffectClrLst/>
+  </dgm:styleLbl>
+  <dgm:styleLbl name="conFgAcc1">
+    <dgm:fillClrLst meth="repeat">
+      <a:schemeClr val="lt1">
+        <a:alpha val="90000"/>
+      </a:schemeClr>
+    </dgm:fillClrLst>
+    <dgm:linClrLst meth="repeat">
+      <a:schemeClr val="accent1"/>
+    </dgm:linClrLst>
+    <dgm:effectClrLst/>
+    <dgm:txLinClrLst/>
+    <dgm:txFillClrLst meth="repeat">
+      <a:schemeClr val="dk1"/>
+    </dgm:txFillClrLst>
+    <dgm:txEffectClrLst/>
+  </dgm:styleLbl>
+  <dgm:styleLbl name="alignAcc1">
+    <dgm:fillClrLst meth="repeat">
+      <a:schemeClr val="lt1">
+        <a:alpha val="90000"/>
+      </a:schemeClr>
+    </dgm:fillClrLst>
+    <dgm:linClrLst meth="repeat">
+      <a:schemeClr val="accent1"/>
+    </dgm:linClrLst>
+    <dgm:effectClrLst/>
+    <dgm:txLinClrLst/>
+    <dgm:txFillClrLst meth="repeat">
+      <a:schemeClr val="dk1"/>
+    </dgm:txFillClrLst>
+    <dgm:txEffectClrLst/>
+  </dgm:styleLbl>
+  <dgm:styleLbl name="trAlignAcc1">
+    <dgm:fillClrLst meth="repeat">
+      <a:schemeClr val="lt1">
+        <a:alpha val="40000"/>
+      </a:schemeClr>
+    </dgm:fillClrLst>
+    <dgm:linClrLst meth="repeat">
+      <a:schemeClr val="accent1"/>
+    </dgm:linClrLst>
+    <dgm:effectClrLst/>
+    <dgm:txLinClrLst/>
+    <dgm:txFillClrLst meth="repeat">
+      <a:schemeClr val="dk1"/>
+    </dgm:txFillClrLst>
+    <dgm:txEffectClrLst/>
+  </dgm:styleLbl>
+  <dgm:styleLbl name="bgAcc1">
+    <dgm:fillClrLst meth="repeat">
+      <a:schemeClr val="lt1">
+        <a:alpha val="90000"/>
+      </a:schemeClr>
+    </dgm:fillClrLst>
+    <dgm:linClrLst meth="repeat">
+      <a:schemeClr val="accent1"/>
+    </dgm:linClrLst>
+    <dgm:effectClrLst/>
+    <dgm:txLinClrLst/>
+    <dgm:txFillClrLst meth="repeat">
+      <a:schemeClr val="dk1"/>
+    </dgm:txFillClrLst>
+    <dgm:txEffectClrLst/>
+  </dgm:styleLbl>
+  <dgm:styleLbl name="solidFgAcc1">
+    <dgm:fillClrLst meth="repeat">
+      <a:schemeClr val="lt1"/>
+    </dgm:fillClrLst>
+    <dgm:linClrLst meth="repeat">
+      <a:schemeClr val="accent1"/>
+    </dgm:linClrLst>
+    <dgm:effectClrLst/>
+    <dgm:txLinClrLst/>
+    <dgm:txFillClrLst meth="repeat">
+      <a:schemeClr val="dk1"/>
+    </dgm:txFillClrLst>
+    <dgm:txEffectClrLst/>
+  </dgm:styleLbl>
+  <dgm:styleLbl name="solidAlignAcc1">
+    <dgm:fillClrLst meth="repeat">
+      <a:schemeClr val="lt1"/>
+    </dgm:fillClrLst>
+    <dgm:linClrLst meth="repeat">
+      <a:schemeClr val="accent1"/>
+    </dgm:linClrLst>
+    <dgm:effectClrLst/>
+    <dgm:txLinClrLst/>
+    <dgm:txFillClrLst meth="repeat">
+      <a:schemeClr val="dk1"/>
+    </dgm:txFillClrLst>
+    <dgm:txEffectClrLst/>
+  </dgm:styleLbl>
+  <dgm:styleLbl name="solidBgAcc1">
+    <dgm:fillClrLst meth="repeat">
+      <a:schemeClr val="lt1"/>
+    </dgm:fillClrLst>
+    <dgm:linClrLst meth="repeat">
+      <a:schemeClr val="accent1"/>
+    </dgm:linClrLst>
+    <dgm:effectClrLst/>
+    <dgm:txLinClrLst/>
+    <dgm:txFillClrLst meth="repeat">
+      <a:schemeClr val="dk1"/>
+    </dgm:txFillClrLst>
+    <dgm:txEffectClrLst/>
+  </dgm:styleLbl>
+  <dgm:styleLbl name="fgAccFollowNode1">
+    <dgm:fillClrLst meth="repeat">
+      <a:schemeClr val="accent1">
+        <a:alpha val="90000"/>
+        <a:tint val="40000"/>
+      </a:schemeClr>
+    </dgm:fillClrLst>
+    <dgm:linClrLst meth="repeat">
+      <a:schemeClr val="accent1">
+        <a:alpha val="90000"/>
+        <a:tint val="40000"/>
+      </a:schemeClr>
+    </dgm:linClrLst>
+    <dgm:effectClrLst/>
+    <dgm:txLinClrLst/>
+    <dgm:txFillClrLst meth="repeat">
+      <a:schemeClr val="dk1"/>
+    </dgm:txFillClrLst>
+    <dgm:txEffectClrLst/>
+  </dgm:styleLbl>
+  <dgm:styleLbl name="alignAccFollowNode1">
+    <dgm:fillClrLst meth="repeat">
+      <a:schemeClr val="accent1">
+        <a:alpha val="90000"/>
+        <a:tint val="40000"/>
+      </a:schemeClr>
+    </dgm:fillClrLst>
+    <dgm:linClrLst meth="repeat">
+      <a:schemeClr val="accent1">
+        <a:alpha val="90000"/>
+        <a:tint val="40000"/>
+      </a:schemeClr>
+    </dgm:linClrLst>
+    <dgm:effectClrLst/>
+    <dgm:txLinClrLst/>
+    <dgm:txFillClrLst meth="repeat">
+      <a:schemeClr val="dk1"/>
+    </dgm:txFillClrLst>
+    <dgm:txEffectClrLst/>
+  </dgm:styleLbl>
+  <dgm:styleLbl name="bgAccFollowNode1">
+    <dgm:fillClrLst meth="repeat">
+      <a:schemeClr val="accent1">
+        <a:alpha val="90000"/>
+        <a:tint val="40000"/>
+      </a:schemeClr>
+    </dgm:fillClrLst>
+    <dgm:linClrLst meth="repeat">
+      <a:schemeClr val="accent1">
+        <a:alpha val="90000"/>
+        <a:tint val="40000"/>
+      </a:schemeClr>
+    </dgm:linClrLst>
+    <dgm:effectClrLst/>
+    <dgm:txLinClrLst/>
+    <dgm:txFillClrLst meth="repeat">
+      <a:schemeClr val="dk1"/>
+    </dgm:txFillClrLst>
+    <dgm:txEffectClrLst/>
+  </dgm:styleLbl>
+  <dgm:styleLbl name="fgAcc0">
+    <dgm:fillClrLst meth="repeat">
+      <a:schemeClr val="lt1">
+        <a:alpha val="90000"/>
+      </a:schemeClr>
+    </dgm:fillClrLst>
+    <dgm:linClrLst meth="repeat">
+      <a:schemeClr val="accent1"/>
+    </dgm:linClrLst>
+    <dgm:effectClrLst/>
+    <dgm:txLinClrLst/>
+    <dgm:txFillClrLst meth="repeat">
+      <a:schemeClr val="dk1"/>
+    </dgm:txFillClrLst>
+    <dgm:txEffectClrLst/>
+  </dgm:styleLbl>
+  <dgm:styleLbl name="fgAcc2">
+    <dgm:fillClrLst meth="repeat">
+      <a:schemeClr val="lt1">
+        <a:alpha val="90000"/>
+      </a:schemeClr>
+    </dgm:fillClrLst>
+    <dgm:linClrLst meth="repeat">
+      <a:schemeClr val="accent1"/>
+    </dgm:linClrLst>
+    <dgm:effectClrLst/>
+    <dgm:txLinClrLst/>
+    <dgm:txFillClrLst meth="repeat">
+      <a:schemeClr val="dk1"/>
+    </dgm:txFillClrLst>
+    <dgm:txEffectClrLst/>
+  </dgm:styleLbl>
+  <dgm:styleLbl name="fgAcc3">
+    <dgm:fillClrLst meth="repeat">
+      <a:schemeClr val="lt1">
+        <a:alpha val="90000"/>
+      </a:schemeClr>
+    </dgm:fillClrLst>
+    <dgm:linClrLst meth="repeat">
+      <a:schemeClr val="accent1"/>
+    </dgm:linClrLst>
+    <dgm:effectClrLst/>
+    <dgm:txLinClrLst/>
+    <dgm:txFillClrLst meth="repeat">
+      <a:schemeClr val="dk1"/>
+    </dgm:txFillClrLst>
+    <dgm:txEffectClrLst/>
+  </dgm:styleLbl>
+  <dgm:styleLbl name="fgAcc4">
+    <dgm:fillClrLst meth="repeat">
+      <a:schemeClr val="lt1">
+        <a:alpha val="90000"/>
+      </a:schemeClr>
+    </dgm:fillClrLst>
+    <dgm:linClrLst meth="repeat">
+      <a:schemeClr val="accent1"/>
+    </dgm:linClrLst>
+    <dgm:effectClrLst/>
+    <dgm:txLinClrLst/>
+    <dgm:txFillClrLst meth="repeat">
+      <a:schemeClr val="dk1"/>
+    </dgm:txFillClrLst>
+    <dgm:txEffectClrLst/>
+  </dgm:styleLbl>
+  <dgm:styleLbl name="bgShp">
+    <dgm:fillClrLst meth="repeat">
+      <a:schemeClr val="accent1">
+        <a:tint val="40000"/>
+      </a:schemeClr>
+    </dgm:fillClrLst>
+    <dgm:linClrLst meth="repeat">
+      <a:schemeClr val="accent1"/>
+    </dgm:linClrLst>
+    <dgm:effectClrLst/>
+    <dgm:txLinClrLst/>
+    <dgm:txFillClrLst meth="repeat">
+      <a:schemeClr val="dk1"/>
+    </dgm:txFillClrLst>
+    <dgm:txEffectClrLst/>
+  </dgm:styleLbl>
+  <dgm:styleLbl name="dkBgShp">
+    <dgm:fillClrLst meth="repeat">
+      <a:schemeClr val="accent1">
+        <a:shade val="80000"/>
+      </a:schemeClr>
+    </dgm:fillClrLst>
+    <dgm:linClrLst meth="repeat">
+      <a:schemeClr val="accent1"/>
+    </dgm:linClrLst>
+    <dgm:effectClrLst/>
+    <dgm:txLinClrLst/>
+    <dgm:txFillClrLst meth="repeat">
+      <a:schemeClr val="lt1"/>
+    </dgm:txFillClrLst>
+    <dgm:txEffectClrLst/>
+  </dgm:styleLbl>
+  <dgm:styleLbl name="trBgShp">
+    <dgm:fillClrLst meth="repeat">
+      <a:schemeClr val="accent1">
+        <a:tint val="50000"/>
+        <a:alpha val="40000"/>
+      </a:schemeClr>
+    </dgm:fillClrLst>
+    <dgm:linClrLst meth="repeat">
+      <a:schemeClr val="accent1"/>
+    </dgm:linClrLst>
+    <dgm:effectClrLst/>
+    <dgm:txLinClrLst/>
+    <dgm:txFillClrLst meth="repeat">
+      <a:schemeClr val="lt1"/>
+    </dgm:txFillClrLst>
+    <dgm:txEffectClrLst/>
+  </dgm:styleLbl>
+  <dgm:styleLbl name="fgShp">
+    <dgm:fillClrLst meth="repeat">
+      <a:schemeClr val="accent1">
+        <a:tint val="60000"/>
+      </a:schemeClr>
+    </dgm:fillClrLst>
+    <dgm:linClrLst meth="repeat">
+      <a:schemeClr val="lt1"/>
+    </dgm:linClrLst>
+    <dgm:effectClrLst/>
+    <dgm:txLinClrLst/>
+    <dgm:txFillClrLst meth="repeat">
+      <a:schemeClr val="dk1"/>
+    </dgm:txFillClrLst>
+    <dgm:txEffectClrLst/>
+  </dgm:styleLbl>
+  <dgm:styleLbl name="revTx">
+    <dgm:fillClrLst meth="repeat">
+      <a:schemeClr val="lt1">
+        <a:alpha val="0"/>
+      </a:schemeClr>
+    </dgm:fillClrLst>
+    <dgm:linClrLst meth="repeat">
+      <a:schemeClr val="dk1">
+        <a:alpha val="0"/>
+      </a:schemeClr>
+    </dgm:linClrLst>
+    <dgm:effectClrLst/>
+    <dgm:txLinClrLst/>
+    <dgm:txFillClrLst meth="repeat">
+      <a:schemeClr val="tx1"/>
+    </dgm:txFillClrLst>
+    <dgm:txEffectClrLst/>
+  </dgm:styleLbl>
+</dgm:colorsDef>
+</file>
+
+<file path=ppt/diagrams/data1.xml><?xml version="1.0" encoding="utf-8"?>
+<dgm:dataModel xmlns:dgm="http://schemas.openxmlformats.org/drawingml/2006/diagram" xmlns:a="http://schemas.openxmlformats.org/drawingml/2006/main">
+  <dgm:ptLst>
+    <dgm:pt modelId="{F0CC2260-5544-4D96-BC13-44092ABF3B12}" type="doc">
+      <dgm:prSet loTypeId="urn:microsoft.com/office/officeart/2005/8/layout/cycle2" loCatId="cycle" qsTypeId="urn:microsoft.com/office/officeart/2005/8/quickstyle/simple1" qsCatId="simple" csTypeId="urn:microsoft.com/office/officeart/2005/8/colors/accent1_2" csCatId="accent1" phldr="1"/>
+      <dgm:spPr/>
+      <dgm:t>
+        <a:bodyPr/>
+        <a:lstStyle/>
+        <a:p>
+          <a:endParaRPr lang="da-DK"/>
+        </a:p>
+      </dgm:t>
+    </dgm:pt>
+    <dgm:pt modelId="{BB247119-4B77-4F63-9340-0B61B151DB79}">
+      <dgm:prSet phldrT="[Text]"/>
+      <dgm:spPr/>
+      <dgm:t>
+        <a:bodyPr/>
+        <a:lstStyle/>
+        <a:p>
+          <a:r>
+            <a:rPr lang="da-DK" dirty="0"/>
+            <a:t>Create someting</a:t>
+          </a:r>
+        </a:p>
+      </dgm:t>
+    </dgm:pt>
+    <dgm:pt modelId="{E4C223CD-729D-48E3-B8CD-755A5680911F}" type="parTrans" cxnId="{DB536753-D921-4774-B399-CA1147CBC889}">
+      <dgm:prSet/>
+      <dgm:spPr/>
+      <dgm:t>
+        <a:bodyPr/>
+        <a:lstStyle/>
+        <a:p>
+          <a:endParaRPr lang="da-DK"/>
+        </a:p>
+      </dgm:t>
+    </dgm:pt>
+    <dgm:pt modelId="{CFF80516-EAA6-46B0-A038-394CB13F4D68}" type="sibTrans" cxnId="{DB536753-D921-4774-B399-CA1147CBC889}">
+      <dgm:prSet/>
+      <dgm:spPr/>
+      <dgm:t>
+        <a:bodyPr/>
+        <a:lstStyle/>
+        <a:p>
+          <a:endParaRPr lang="da-DK"/>
+        </a:p>
+      </dgm:t>
+    </dgm:pt>
+    <dgm:pt modelId="{77964FDE-E383-4157-9B6B-F61F4F11F19D}">
+      <dgm:prSet phldrT="[Text]"/>
+      <dgm:spPr/>
+      <dgm:t>
+        <a:bodyPr/>
+        <a:lstStyle/>
+        <a:p>
+          <a:r>
+            <a:rPr lang="da-DK" dirty="0"/>
+            <a:t>Break it</a:t>
+          </a:r>
+        </a:p>
+      </dgm:t>
+    </dgm:pt>
+    <dgm:pt modelId="{E2A40C6B-3A04-4FD3-843B-83F2392E91FB}" type="parTrans" cxnId="{BA73A26A-37E0-4D8F-B34D-7D04024C0E44}">
+      <dgm:prSet/>
+      <dgm:spPr/>
+      <dgm:t>
+        <a:bodyPr/>
+        <a:lstStyle/>
+        <a:p>
+          <a:endParaRPr lang="da-DK"/>
+        </a:p>
+      </dgm:t>
+    </dgm:pt>
+    <dgm:pt modelId="{805AA5CE-B8A3-4FCE-AB6C-760647B1627A}" type="sibTrans" cxnId="{BA73A26A-37E0-4D8F-B34D-7D04024C0E44}">
+      <dgm:prSet/>
+      <dgm:spPr/>
+      <dgm:t>
+        <a:bodyPr/>
+        <a:lstStyle/>
+        <a:p>
+          <a:endParaRPr lang="da-DK"/>
+        </a:p>
+      </dgm:t>
+    </dgm:pt>
+    <dgm:pt modelId="{60FE5C1F-90D1-4B13-819F-296E4120BD4A}">
+      <dgm:prSet phldrT="[Text]"/>
+      <dgm:spPr/>
+      <dgm:t>
+        <a:bodyPr/>
+        <a:lstStyle/>
+        <a:p>
+          <a:r>
+            <a:rPr lang="da-DK" dirty="0"/>
+            <a:t>Fix it</a:t>
+          </a:r>
+        </a:p>
+      </dgm:t>
+    </dgm:pt>
+    <dgm:pt modelId="{F502597E-F058-4D08-A737-4EBEEACE636E}" type="parTrans" cxnId="{2456689A-62DA-4A9B-8D93-B499CCC85C30}">
+      <dgm:prSet/>
+      <dgm:spPr/>
+      <dgm:t>
+        <a:bodyPr/>
+        <a:lstStyle/>
+        <a:p>
+          <a:endParaRPr lang="da-DK"/>
+        </a:p>
+      </dgm:t>
+    </dgm:pt>
+    <dgm:pt modelId="{D3892340-B653-4564-BDC0-28DB59594E68}" type="sibTrans" cxnId="{2456689A-62DA-4A9B-8D93-B499CCC85C30}">
+      <dgm:prSet/>
+      <dgm:spPr/>
+      <dgm:t>
+        <a:bodyPr/>
+        <a:lstStyle/>
+        <a:p>
+          <a:endParaRPr lang="da-DK"/>
+        </a:p>
+      </dgm:t>
+    </dgm:pt>
+    <dgm:pt modelId="{E28A2A84-9039-426A-A930-947A8C0D7674}" type="pres">
+      <dgm:prSet presAssocID="{F0CC2260-5544-4D96-BC13-44092ABF3B12}" presName="cycle" presStyleCnt="0">
+        <dgm:presLayoutVars>
+          <dgm:dir/>
+          <dgm:resizeHandles val="exact"/>
+        </dgm:presLayoutVars>
+      </dgm:prSet>
+      <dgm:spPr/>
+    </dgm:pt>
+    <dgm:pt modelId="{39A00B8D-F266-4101-8E70-20D4D163CB5D}" type="pres">
+      <dgm:prSet presAssocID="{BB247119-4B77-4F63-9340-0B61B151DB79}" presName="node" presStyleLbl="node1" presStyleIdx="0" presStyleCnt="3">
+        <dgm:presLayoutVars>
+          <dgm:bulletEnabled val="1"/>
+        </dgm:presLayoutVars>
+      </dgm:prSet>
+      <dgm:spPr/>
+    </dgm:pt>
+    <dgm:pt modelId="{EA537E59-0A30-4170-9695-F6563DA45A56}" type="pres">
+      <dgm:prSet presAssocID="{CFF80516-EAA6-46B0-A038-394CB13F4D68}" presName="sibTrans" presStyleLbl="sibTrans2D1" presStyleIdx="0" presStyleCnt="3"/>
+      <dgm:spPr/>
+    </dgm:pt>
+    <dgm:pt modelId="{5CFA62CD-6C02-4DCC-9481-E9E5713D4809}" type="pres">
+      <dgm:prSet presAssocID="{CFF80516-EAA6-46B0-A038-394CB13F4D68}" presName="connectorText" presStyleLbl="sibTrans2D1" presStyleIdx="0" presStyleCnt="3"/>
+      <dgm:spPr/>
+    </dgm:pt>
+    <dgm:pt modelId="{0C798C6E-1AE4-49D3-B68E-1F1C3FF12FAC}" type="pres">
+      <dgm:prSet presAssocID="{77964FDE-E383-4157-9B6B-F61F4F11F19D}" presName="node" presStyleLbl="node1" presStyleIdx="1" presStyleCnt="3">
+        <dgm:presLayoutVars>
+          <dgm:bulletEnabled val="1"/>
+        </dgm:presLayoutVars>
+      </dgm:prSet>
+      <dgm:spPr/>
+    </dgm:pt>
+    <dgm:pt modelId="{A70B3B02-56CD-4C7C-8D41-66903E4FFA0F}" type="pres">
+      <dgm:prSet presAssocID="{805AA5CE-B8A3-4FCE-AB6C-760647B1627A}" presName="sibTrans" presStyleLbl="sibTrans2D1" presStyleIdx="1" presStyleCnt="3"/>
+      <dgm:spPr/>
+    </dgm:pt>
+    <dgm:pt modelId="{20D7A489-D412-4AD8-8CA6-48231F29C67A}" type="pres">
+      <dgm:prSet presAssocID="{805AA5CE-B8A3-4FCE-AB6C-760647B1627A}" presName="connectorText" presStyleLbl="sibTrans2D1" presStyleIdx="1" presStyleCnt="3"/>
+      <dgm:spPr/>
+    </dgm:pt>
+    <dgm:pt modelId="{550E017D-997B-459A-8995-186DE329E389}" type="pres">
+      <dgm:prSet presAssocID="{60FE5C1F-90D1-4B13-819F-296E4120BD4A}" presName="node" presStyleLbl="node1" presStyleIdx="2" presStyleCnt="3" custRadScaleRad="101685" custRadScaleInc="-1185">
+        <dgm:presLayoutVars>
+          <dgm:bulletEnabled val="1"/>
+        </dgm:presLayoutVars>
+      </dgm:prSet>
+      <dgm:spPr/>
+    </dgm:pt>
+    <dgm:pt modelId="{C4FDE06D-CD04-4691-82BC-320D44286198}" type="pres">
+      <dgm:prSet presAssocID="{D3892340-B653-4564-BDC0-28DB59594E68}" presName="sibTrans" presStyleLbl="sibTrans2D1" presStyleIdx="2" presStyleCnt="3"/>
+      <dgm:spPr/>
+    </dgm:pt>
+    <dgm:pt modelId="{F824FAFF-5718-4E38-A69C-D574F9C48A95}" type="pres">
+      <dgm:prSet presAssocID="{D3892340-B653-4564-BDC0-28DB59594E68}" presName="connectorText" presStyleLbl="sibTrans2D1" presStyleIdx="2" presStyleCnt="3"/>
+      <dgm:spPr/>
+    </dgm:pt>
+  </dgm:ptLst>
+  <dgm:cxnLst>
+    <dgm:cxn modelId="{A8059133-96DD-4FDC-BC7C-E7C1B8D02433}" type="presOf" srcId="{CFF80516-EAA6-46B0-A038-394CB13F4D68}" destId="{5CFA62CD-6C02-4DCC-9481-E9E5713D4809}" srcOrd="1" destOrd="0" presId="urn:microsoft.com/office/officeart/2005/8/layout/cycle2"/>
+    <dgm:cxn modelId="{CAF8CC39-D62B-4474-AF7B-BEB6092149EB}" type="presOf" srcId="{CFF80516-EAA6-46B0-A038-394CB13F4D68}" destId="{EA537E59-0A30-4170-9695-F6563DA45A56}" srcOrd="0" destOrd="0" presId="urn:microsoft.com/office/officeart/2005/8/layout/cycle2"/>
+    <dgm:cxn modelId="{484F9B5D-5F71-400B-A3A1-5AFED2CE8B63}" type="presOf" srcId="{77964FDE-E383-4157-9B6B-F61F4F11F19D}" destId="{0C798C6E-1AE4-49D3-B68E-1F1C3FF12FAC}" srcOrd="0" destOrd="0" presId="urn:microsoft.com/office/officeart/2005/8/layout/cycle2"/>
+    <dgm:cxn modelId="{D4038443-5965-4C12-AD82-5B28452E6C44}" type="presOf" srcId="{805AA5CE-B8A3-4FCE-AB6C-760647B1627A}" destId="{20D7A489-D412-4AD8-8CA6-48231F29C67A}" srcOrd="1" destOrd="0" presId="urn:microsoft.com/office/officeart/2005/8/layout/cycle2"/>
+    <dgm:cxn modelId="{BA73A26A-37E0-4D8F-B34D-7D04024C0E44}" srcId="{F0CC2260-5544-4D96-BC13-44092ABF3B12}" destId="{77964FDE-E383-4157-9B6B-F61F4F11F19D}" srcOrd="1" destOrd="0" parTransId="{E2A40C6B-3A04-4FD3-843B-83F2392E91FB}" sibTransId="{805AA5CE-B8A3-4FCE-AB6C-760647B1627A}"/>
+    <dgm:cxn modelId="{DB536753-D921-4774-B399-CA1147CBC889}" srcId="{F0CC2260-5544-4D96-BC13-44092ABF3B12}" destId="{BB247119-4B77-4F63-9340-0B61B151DB79}" srcOrd="0" destOrd="0" parTransId="{E4C223CD-729D-48E3-B8CD-755A5680911F}" sibTransId="{CFF80516-EAA6-46B0-A038-394CB13F4D68}"/>
+    <dgm:cxn modelId="{CCFA547F-D73B-4F7B-8792-4A6181DAE6D7}" type="presOf" srcId="{D3892340-B653-4564-BDC0-28DB59594E68}" destId="{F824FAFF-5718-4E38-A69C-D574F9C48A95}" srcOrd="1" destOrd="0" presId="urn:microsoft.com/office/officeart/2005/8/layout/cycle2"/>
+    <dgm:cxn modelId="{DC0FB08B-D8B1-4D11-BAFD-2FF6D7600B29}" type="presOf" srcId="{60FE5C1F-90D1-4B13-819F-296E4120BD4A}" destId="{550E017D-997B-459A-8995-186DE329E389}" srcOrd="0" destOrd="0" presId="urn:microsoft.com/office/officeart/2005/8/layout/cycle2"/>
+    <dgm:cxn modelId="{2456689A-62DA-4A9B-8D93-B499CCC85C30}" srcId="{F0CC2260-5544-4D96-BC13-44092ABF3B12}" destId="{60FE5C1F-90D1-4B13-819F-296E4120BD4A}" srcOrd="2" destOrd="0" parTransId="{F502597E-F058-4D08-A737-4EBEEACE636E}" sibTransId="{D3892340-B653-4564-BDC0-28DB59594E68}"/>
+    <dgm:cxn modelId="{8694719B-4045-4468-9040-A58177805453}" type="presOf" srcId="{BB247119-4B77-4F63-9340-0B61B151DB79}" destId="{39A00B8D-F266-4101-8E70-20D4D163CB5D}" srcOrd="0" destOrd="0" presId="urn:microsoft.com/office/officeart/2005/8/layout/cycle2"/>
+    <dgm:cxn modelId="{C99080A2-5893-4F6D-94F3-45E1A0851EDB}" type="presOf" srcId="{F0CC2260-5544-4D96-BC13-44092ABF3B12}" destId="{E28A2A84-9039-426A-A930-947A8C0D7674}" srcOrd="0" destOrd="0" presId="urn:microsoft.com/office/officeart/2005/8/layout/cycle2"/>
+    <dgm:cxn modelId="{C64E85E7-F444-493D-8EB3-2F6F5C12E37D}" type="presOf" srcId="{805AA5CE-B8A3-4FCE-AB6C-760647B1627A}" destId="{A70B3B02-56CD-4C7C-8D41-66903E4FFA0F}" srcOrd="0" destOrd="0" presId="urn:microsoft.com/office/officeart/2005/8/layout/cycle2"/>
+    <dgm:cxn modelId="{AF5EB0EE-90CC-4091-8769-996E20EAD9D1}" type="presOf" srcId="{D3892340-B653-4564-BDC0-28DB59594E68}" destId="{C4FDE06D-CD04-4691-82BC-320D44286198}" srcOrd="0" destOrd="0" presId="urn:microsoft.com/office/officeart/2005/8/layout/cycle2"/>
+    <dgm:cxn modelId="{962D580A-542B-4A7B-89F4-684D61B6A583}" type="presParOf" srcId="{E28A2A84-9039-426A-A930-947A8C0D7674}" destId="{39A00B8D-F266-4101-8E70-20D4D163CB5D}" srcOrd="0" destOrd="0" presId="urn:microsoft.com/office/officeart/2005/8/layout/cycle2"/>
+    <dgm:cxn modelId="{0CCD060E-2859-4870-A1CA-3FB090AD93B0}" type="presParOf" srcId="{E28A2A84-9039-426A-A930-947A8C0D7674}" destId="{EA537E59-0A30-4170-9695-F6563DA45A56}" srcOrd="1" destOrd="0" presId="urn:microsoft.com/office/officeart/2005/8/layout/cycle2"/>
+    <dgm:cxn modelId="{938371AD-549E-4644-A377-817D45D09F01}" type="presParOf" srcId="{EA537E59-0A30-4170-9695-F6563DA45A56}" destId="{5CFA62CD-6C02-4DCC-9481-E9E5713D4809}" srcOrd="0" destOrd="0" presId="urn:microsoft.com/office/officeart/2005/8/layout/cycle2"/>
+    <dgm:cxn modelId="{E1969D1F-3593-4349-849C-7D733B9F3653}" type="presParOf" srcId="{E28A2A84-9039-426A-A930-947A8C0D7674}" destId="{0C798C6E-1AE4-49D3-B68E-1F1C3FF12FAC}" srcOrd="2" destOrd="0" presId="urn:microsoft.com/office/officeart/2005/8/layout/cycle2"/>
+    <dgm:cxn modelId="{5E652886-2F2D-4E47-885D-FB0683CD73B3}" type="presParOf" srcId="{E28A2A84-9039-426A-A930-947A8C0D7674}" destId="{A70B3B02-56CD-4C7C-8D41-66903E4FFA0F}" srcOrd="3" destOrd="0" presId="urn:microsoft.com/office/officeart/2005/8/layout/cycle2"/>
+    <dgm:cxn modelId="{1CDCA3E0-365D-404C-89BE-6E8F2C242166}" type="presParOf" srcId="{A70B3B02-56CD-4C7C-8D41-66903E4FFA0F}" destId="{20D7A489-D412-4AD8-8CA6-48231F29C67A}" srcOrd="0" destOrd="0" presId="urn:microsoft.com/office/officeart/2005/8/layout/cycle2"/>
+    <dgm:cxn modelId="{B1050548-4320-4BCE-BA55-21D117FAE19F}" type="presParOf" srcId="{E28A2A84-9039-426A-A930-947A8C0D7674}" destId="{550E017D-997B-459A-8995-186DE329E389}" srcOrd="4" destOrd="0" presId="urn:microsoft.com/office/officeart/2005/8/layout/cycle2"/>
+    <dgm:cxn modelId="{7C292DB5-7629-4832-8613-FFEEEEEC13D5}" type="presParOf" srcId="{E28A2A84-9039-426A-A930-947A8C0D7674}" destId="{C4FDE06D-CD04-4691-82BC-320D44286198}" srcOrd="5" destOrd="0" presId="urn:microsoft.com/office/officeart/2005/8/layout/cycle2"/>
+    <dgm:cxn modelId="{19AD0013-5CED-4B49-A863-C55B25E89DB2}" type="presParOf" srcId="{C4FDE06D-CD04-4691-82BC-320D44286198}" destId="{F824FAFF-5718-4E38-A69C-D574F9C48A95}" srcOrd="0" destOrd="0" presId="urn:microsoft.com/office/officeart/2005/8/layout/cycle2"/>
+  </dgm:cxnLst>
+  <dgm:bg/>
+  <dgm:whole/>
+  <dgm:extLst>
+    <a:ext uri="http://schemas.microsoft.com/office/drawing/2008/diagram">
+      <dsp:dataModelExt xmlns:dsp="http://schemas.microsoft.com/office/drawing/2008/diagram" relId="rId7" minVer="http://schemas.openxmlformats.org/drawingml/2006/diagram"/>
+    </a:ext>
+  </dgm:extLst>
+</dgm:dataModel>
+</file>
+
+<file path=ppt/diagrams/drawing1.xml><?xml version="1.0" encoding="utf-8"?>
+<dsp:drawing xmlns:dgm="http://schemas.openxmlformats.org/drawingml/2006/diagram" xmlns:dsp="http://schemas.microsoft.com/office/drawing/2008/diagram" xmlns:a="http://schemas.openxmlformats.org/drawingml/2006/main">
+  <dsp:spTree>
+    <dsp:nvGrpSpPr>
+      <dsp:cNvPr id="0" name=""/>
+      <dsp:cNvGrpSpPr/>
+    </dsp:nvGrpSpPr>
+    <dsp:grpSpPr/>
+    <dsp:sp modelId="{39A00B8D-F266-4101-8E70-20D4D163CB5D}">
+      <dsp:nvSpPr>
+        <dsp:cNvPr id="0" name=""/>
+        <dsp:cNvSpPr/>
+      </dsp:nvSpPr>
+      <dsp:spPr>
+        <a:xfrm>
+          <a:off x="661977" y="210479"/>
+          <a:ext cx="880484" cy="880484"/>
+        </a:xfrm>
+        <a:prstGeom prst="ellipse">
+          <a:avLst/>
+        </a:prstGeom>
+        <a:solidFill>
+          <a:schemeClr val="accent1">
+            <a:hueOff val="0"/>
+            <a:satOff val="0"/>
+            <a:lumOff val="0"/>
+            <a:alphaOff val="0"/>
+          </a:schemeClr>
+        </a:solidFill>
+        <a:ln w="12700" cap="flat" cmpd="sng" algn="ctr">
+          <a:solidFill>
+            <a:schemeClr val="lt1">
+              <a:hueOff val="0"/>
+              <a:satOff val="0"/>
+              <a:lumOff val="0"/>
+              <a:alphaOff val="0"/>
+            </a:schemeClr>
+          </a:solidFill>
+          <a:prstDash val="solid"/>
+          <a:miter lim="800000"/>
+        </a:ln>
+        <a:effectLst/>
+      </dsp:spPr>
+      <dsp:style>
+        <a:lnRef idx="2">
+          <a:scrgbClr r="0" g="0" b="0"/>
+        </a:lnRef>
+        <a:fillRef idx="1">
+          <a:scrgbClr r="0" g="0" b="0"/>
+        </a:fillRef>
+        <a:effectRef idx="0">
+          <a:scrgbClr r="0" g="0" b="0"/>
+        </a:effectRef>
+        <a:fontRef idx="minor">
+          <a:schemeClr val="lt1"/>
+        </a:fontRef>
+      </dsp:style>
+      <dsp:txBody>
+        <a:bodyPr spcFirstLastPara="0" vert="horz" wrap="square" lIns="15240" tIns="15240" rIns="15240" bIns="15240" numCol="1" spcCol="1270" anchor="ctr" anchorCtr="0">
+          <a:noAutofit/>
+        </a:bodyPr>
+        <a:lstStyle/>
+        <a:p>
+          <a:pPr marL="0" lvl="0" indent="0" algn="ctr" defTabSz="533400">
+            <a:lnSpc>
+              <a:spcPct val="90000"/>
+            </a:lnSpc>
+            <a:spcBef>
+              <a:spcPct val="0"/>
+            </a:spcBef>
+            <a:spcAft>
+              <a:spcPct val="35000"/>
+            </a:spcAft>
+            <a:buNone/>
+          </a:pPr>
+          <a:r>
+            <a:rPr lang="da-DK" sz="1200" kern="1200" dirty="0"/>
+            <a:t>Create someting</a:t>
+          </a:r>
+        </a:p>
+      </dsp:txBody>
+      <dsp:txXfrm>
+        <a:off x="790921" y="339423"/>
+        <a:ext cx="622596" cy="622596"/>
+      </dsp:txXfrm>
+    </dsp:sp>
+    <dsp:sp modelId="{EA537E59-0A30-4170-9695-F6563DA45A56}">
+      <dsp:nvSpPr>
+        <dsp:cNvPr id="0" name=""/>
+        <dsp:cNvSpPr/>
+      </dsp:nvSpPr>
+      <dsp:spPr>
+        <a:xfrm rot="3600000">
+          <a:off x="1312384" y="1069258"/>
+          <a:ext cx="234522" cy="297163"/>
+        </a:xfrm>
+        <a:prstGeom prst="rightArrow">
+          <a:avLst>
+            <a:gd name="adj1" fmla="val 60000"/>
+            <a:gd name="adj2" fmla="val 50000"/>
+          </a:avLst>
+        </a:prstGeom>
+        <a:solidFill>
+          <a:schemeClr val="accent1">
+            <a:tint val="60000"/>
+            <a:hueOff val="0"/>
+            <a:satOff val="0"/>
+            <a:lumOff val="0"/>
+            <a:alphaOff val="0"/>
+          </a:schemeClr>
+        </a:solidFill>
+        <a:ln>
+          <a:noFill/>
+        </a:ln>
+        <a:effectLst/>
+      </dsp:spPr>
+      <dsp:style>
+        <a:lnRef idx="0">
+          <a:scrgbClr r="0" g="0" b="0"/>
+        </a:lnRef>
+        <a:fillRef idx="1">
+          <a:scrgbClr r="0" g="0" b="0"/>
+        </a:fillRef>
+        <a:effectRef idx="0">
+          <a:scrgbClr r="0" g="0" b="0"/>
+        </a:effectRef>
+        <a:fontRef idx="minor">
+          <a:schemeClr val="lt1"/>
+        </a:fontRef>
+      </dsp:style>
+      <dsp:txBody>
+        <a:bodyPr spcFirstLastPara="0" vert="horz" wrap="square" lIns="0" tIns="0" rIns="0" bIns="0" numCol="1" spcCol="1270" anchor="ctr" anchorCtr="0">
+          <a:noAutofit/>
+        </a:bodyPr>
+        <a:lstStyle/>
+        <a:p>
+          <a:pPr marL="0" lvl="0" indent="0" algn="ctr" defTabSz="444500">
+            <a:lnSpc>
+              <a:spcPct val="90000"/>
+            </a:lnSpc>
+            <a:spcBef>
+              <a:spcPct val="0"/>
+            </a:spcBef>
+            <a:spcAft>
+              <a:spcPct val="35000"/>
+            </a:spcAft>
+            <a:buNone/>
+          </a:pPr>
+          <a:endParaRPr lang="da-DK" sz="1000" kern="1200"/>
+        </a:p>
+      </dsp:txBody>
+      <dsp:txXfrm>
+        <a:off x="1329973" y="1098226"/>
+        <a:ext cx="164165" cy="178297"/>
+      </dsp:txXfrm>
+    </dsp:sp>
+    <dsp:sp modelId="{0C798C6E-1AE4-49D3-B68E-1F1C3FF12FAC}">
+      <dsp:nvSpPr>
+        <dsp:cNvPr id="0" name=""/>
+        <dsp:cNvSpPr/>
+      </dsp:nvSpPr>
+      <dsp:spPr>
+        <a:xfrm>
+          <a:off x="1323467" y="1356213"/>
+          <a:ext cx="880484" cy="880484"/>
+        </a:xfrm>
+        <a:prstGeom prst="ellipse">
+          <a:avLst/>
+        </a:prstGeom>
+        <a:solidFill>
+          <a:schemeClr val="accent1">
+            <a:hueOff val="0"/>
+            <a:satOff val="0"/>
+            <a:lumOff val="0"/>
+            <a:alphaOff val="0"/>
+          </a:schemeClr>
+        </a:solidFill>
+        <a:ln w="12700" cap="flat" cmpd="sng" algn="ctr">
+          <a:solidFill>
+            <a:schemeClr val="lt1">
+              <a:hueOff val="0"/>
+              <a:satOff val="0"/>
+              <a:lumOff val="0"/>
+              <a:alphaOff val="0"/>
+            </a:schemeClr>
+          </a:solidFill>
+          <a:prstDash val="solid"/>
+          <a:miter lim="800000"/>
+        </a:ln>
+        <a:effectLst/>
+      </dsp:spPr>
+      <dsp:style>
+        <a:lnRef idx="2">
+          <a:scrgbClr r="0" g="0" b="0"/>
+        </a:lnRef>
+        <a:fillRef idx="1">
+          <a:scrgbClr r="0" g="0" b="0"/>
+        </a:fillRef>
+        <a:effectRef idx="0">
+          <a:scrgbClr r="0" g="0" b="0"/>
+        </a:effectRef>
+        <a:fontRef idx="minor">
+          <a:schemeClr val="lt1"/>
+        </a:fontRef>
+      </dsp:style>
+      <dsp:txBody>
+        <a:bodyPr spcFirstLastPara="0" vert="horz" wrap="square" lIns="15240" tIns="15240" rIns="15240" bIns="15240" numCol="1" spcCol="1270" anchor="ctr" anchorCtr="0">
+          <a:noAutofit/>
+        </a:bodyPr>
+        <a:lstStyle/>
+        <a:p>
+          <a:pPr marL="0" lvl="0" indent="0" algn="ctr" defTabSz="533400">
+            <a:lnSpc>
+              <a:spcPct val="90000"/>
+            </a:lnSpc>
+            <a:spcBef>
+              <a:spcPct val="0"/>
+            </a:spcBef>
+            <a:spcAft>
+              <a:spcPct val="35000"/>
+            </a:spcAft>
+            <a:buNone/>
+          </a:pPr>
+          <a:r>
+            <a:rPr lang="da-DK" sz="1200" kern="1200" dirty="0"/>
+            <a:t>Break it</a:t>
+          </a:r>
+        </a:p>
+      </dsp:txBody>
+      <dsp:txXfrm>
+        <a:off x="1452411" y="1485157"/>
+        <a:ext cx="622596" cy="622596"/>
+      </dsp:txXfrm>
+    </dsp:sp>
+    <dsp:sp modelId="{A70B3B02-56CD-4C7C-8D41-66903E4FFA0F}">
+      <dsp:nvSpPr>
+        <dsp:cNvPr id="0" name=""/>
+        <dsp:cNvSpPr/>
+      </dsp:nvSpPr>
+      <dsp:spPr>
+        <a:xfrm rot="10761683">
+          <a:off x="991209" y="1655175"/>
+          <a:ext cx="234824" cy="297163"/>
+        </a:xfrm>
+        <a:prstGeom prst="rightArrow">
+          <a:avLst>
+            <a:gd name="adj1" fmla="val 60000"/>
+            <a:gd name="adj2" fmla="val 50000"/>
+          </a:avLst>
+        </a:prstGeom>
+        <a:solidFill>
+          <a:schemeClr val="accent1">
+            <a:tint val="60000"/>
+            <a:hueOff val="0"/>
+            <a:satOff val="0"/>
+            <a:lumOff val="0"/>
+            <a:alphaOff val="0"/>
+          </a:schemeClr>
+        </a:solidFill>
+        <a:ln>
+          <a:noFill/>
+        </a:ln>
+        <a:effectLst/>
+      </dsp:spPr>
+      <dsp:style>
+        <a:lnRef idx="0">
+          <a:scrgbClr r="0" g="0" b="0"/>
+        </a:lnRef>
+        <a:fillRef idx="1">
+          <a:scrgbClr r="0" g="0" b="0"/>
+        </a:fillRef>
+        <a:effectRef idx="0">
+          <a:scrgbClr r="0" g="0" b="0"/>
+        </a:effectRef>
+        <a:fontRef idx="minor">
+          <a:schemeClr val="lt1"/>
+        </a:fontRef>
+      </dsp:style>
+      <dsp:txBody>
+        <a:bodyPr spcFirstLastPara="0" vert="horz" wrap="square" lIns="0" tIns="0" rIns="0" bIns="0" numCol="1" spcCol="1270" anchor="ctr" anchorCtr="0">
+          <a:noAutofit/>
+        </a:bodyPr>
+        <a:lstStyle/>
+        <a:p>
+          <a:pPr marL="0" lvl="0" indent="0" algn="ctr" defTabSz="444500">
+            <a:lnSpc>
+              <a:spcPct val="90000"/>
+            </a:lnSpc>
+            <a:spcBef>
+              <a:spcPct val="0"/>
+            </a:spcBef>
+            <a:spcAft>
+              <a:spcPct val="35000"/>
+            </a:spcAft>
+            <a:buNone/>
+          </a:pPr>
+          <a:endParaRPr lang="da-DK" sz="1000" kern="1200"/>
+        </a:p>
+      </dsp:txBody>
+      <dsp:txXfrm rot="10800000">
+        <a:off x="1061654" y="1714215"/>
+        <a:ext cx="164377" cy="178297"/>
+      </dsp:txXfrm>
+    </dsp:sp>
+    <dsp:sp modelId="{550E017D-997B-459A-8995-186DE329E389}">
+      <dsp:nvSpPr>
+        <dsp:cNvPr id="0" name=""/>
+        <dsp:cNvSpPr/>
+      </dsp:nvSpPr>
+      <dsp:spPr>
+        <a:xfrm>
+          <a:off x="0" y="1370965"/>
+          <a:ext cx="880484" cy="880484"/>
+        </a:xfrm>
+        <a:prstGeom prst="ellipse">
+          <a:avLst/>
+        </a:prstGeom>
+        <a:solidFill>
+          <a:schemeClr val="accent1">
+            <a:hueOff val="0"/>
+            <a:satOff val="0"/>
+            <a:lumOff val="0"/>
+            <a:alphaOff val="0"/>
+          </a:schemeClr>
+        </a:solidFill>
+        <a:ln w="12700" cap="flat" cmpd="sng" algn="ctr">
+          <a:solidFill>
+            <a:schemeClr val="lt1">
+              <a:hueOff val="0"/>
+              <a:satOff val="0"/>
+              <a:lumOff val="0"/>
+              <a:alphaOff val="0"/>
+            </a:schemeClr>
+          </a:solidFill>
+          <a:prstDash val="solid"/>
+          <a:miter lim="800000"/>
+        </a:ln>
+        <a:effectLst/>
+      </dsp:spPr>
+      <dsp:style>
+        <a:lnRef idx="2">
+          <a:scrgbClr r="0" g="0" b="0"/>
+        </a:lnRef>
+        <a:fillRef idx="1">
+          <a:scrgbClr r="0" g="0" b="0"/>
+        </a:fillRef>
+        <a:effectRef idx="0">
+          <a:scrgbClr r="0" g="0" b="0"/>
+        </a:effectRef>
+        <a:fontRef idx="minor">
+          <a:schemeClr val="lt1"/>
+        </a:fontRef>
+      </dsp:style>
+      <dsp:txBody>
+        <a:bodyPr spcFirstLastPara="0" vert="horz" wrap="square" lIns="15240" tIns="15240" rIns="15240" bIns="15240" numCol="1" spcCol="1270" anchor="ctr" anchorCtr="0">
+          <a:noAutofit/>
+        </a:bodyPr>
+        <a:lstStyle/>
+        <a:p>
+          <a:pPr marL="0" lvl="0" indent="0" algn="ctr" defTabSz="533400">
+            <a:lnSpc>
+              <a:spcPct val="90000"/>
+            </a:lnSpc>
+            <a:spcBef>
+              <a:spcPct val="0"/>
+            </a:spcBef>
+            <a:spcAft>
+              <a:spcPct val="35000"/>
+            </a:spcAft>
+            <a:buNone/>
+          </a:pPr>
+          <a:r>
+            <a:rPr lang="da-DK" sz="1200" kern="1200" dirty="0"/>
+            <a:t>Fix it</a:t>
+          </a:r>
+        </a:p>
+      </dsp:txBody>
+      <dsp:txXfrm>
+        <a:off x="128944" y="1499909"/>
+        <a:ext cx="622596" cy="622596"/>
+      </dsp:txXfrm>
+    </dsp:sp>
+    <dsp:sp modelId="{C4FDE06D-CD04-4691-82BC-320D44286198}">
+      <dsp:nvSpPr>
+        <dsp:cNvPr id="0" name=""/>
+        <dsp:cNvSpPr/>
+      </dsp:nvSpPr>
+      <dsp:spPr>
+        <a:xfrm rot="17982107">
+          <a:off x="647129" y="1088318"/>
+          <a:ext cx="241432" cy="297163"/>
+        </a:xfrm>
+        <a:prstGeom prst="rightArrow">
+          <a:avLst>
+            <a:gd name="adj1" fmla="val 60000"/>
+            <a:gd name="adj2" fmla="val 50000"/>
+          </a:avLst>
+        </a:prstGeom>
+        <a:solidFill>
+          <a:schemeClr val="accent1">
+            <a:tint val="60000"/>
+            <a:hueOff val="0"/>
+            <a:satOff val="0"/>
+            <a:lumOff val="0"/>
+            <a:alphaOff val="0"/>
+          </a:schemeClr>
+        </a:solidFill>
+        <a:ln>
+          <a:noFill/>
+        </a:ln>
+        <a:effectLst/>
+      </dsp:spPr>
+      <dsp:style>
+        <a:lnRef idx="0">
+          <a:scrgbClr r="0" g="0" b="0"/>
+        </a:lnRef>
+        <a:fillRef idx="1">
+          <a:scrgbClr r="0" g="0" b="0"/>
+        </a:fillRef>
+        <a:effectRef idx="0">
+          <a:scrgbClr r="0" g="0" b="0"/>
+        </a:effectRef>
+        <a:fontRef idx="minor">
+          <a:schemeClr val="lt1"/>
+        </a:fontRef>
+      </dsp:style>
+      <dsp:txBody>
+        <a:bodyPr spcFirstLastPara="0" vert="horz" wrap="square" lIns="0" tIns="0" rIns="0" bIns="0" numCol="1" spcCol="1270" anchor="ctr" anchorCtr="0">
+          <a:noAutofit/>
+        </a:bodyPr>
+        <a:lstStyle/>
+        <a:p>
+          <a:pPr marL="0" lvl="0" indent="0" algn="ctr" defTabSz="444500">
+            <a:lnSpc>
+              <a:spcPct val="90000"/>
+            </a:lnSpc>
+            <a:spcBef>
+              <a:spcPct val="0"/>
+            </a:spcBef>
+            <a:spcAft>
+              <a:spcPct val="35000"/>
+            </a:spcAft>
+            <a:buNone/>
+          </a:pPr>
+          <a:endParaRPr lang="da-DK" sz="1000" kern="1200"/>
+        </a:p>
+      </dsp:txBody>
+      <dsp:txXfrm>
+        <a:off x="665400" y="1179208"/>
+        <a:ext cx="169002" cy="178297"/>
+      </dsp:txXfrm>
+    </dsp:sp>
+  </dsp:spTree>
+</dsp:drawing>
+</file>
+
+<file path=ppt/diagrams/layout1.xml><?xml version="1.0" encoding="utf-8"?>
+<dgm:layoutDef xmlns:dgm="http://schemas.openxmlformats.org/drawingml/2006/diagram" xmlns:a="http://schemas.openxmlformats.org/drawingml/2006/main" uniqueId="urn:microsoft.com/office/officeart/2005/8/layout/cycle2">
+  <dgm:title val=""/>
+  <dgm:desc val=""/>
+  <dgm:catLst>
+    <dgm:cat type="cycle" pri="1000"/>
+    <dgm:cat type="convert" pri="10000"/>
+  </dgm:catLst>
+  <dgm:sampData>
+    <dgm:dataModel>
+      <dgm:ptLst>
+        <dgm:pt modelId="0" type="doc"/>
+        <dgm:pt modelId="1">
+          <dgm:prSet phldr="1"/>
+        </dgm:pt>
+        <dgm:pt modelId="2">
+          <dgm:prSet phldr="1"/>
+        </dgm:pt>
+        <dgm:pt modelId="3">
+          <dgm:prSet phldr="1"/>
+        </dgm:pt>
+        <dgm:pt modelId="4">
+          <dgm:prSet phldr="1"/>
+        </dgm:pt>
+        <dgm:pt modelId="5">
+          <dgm:prSet phldr="1"/>
+        </dgm:pt>
+      </dgm:ptLst>
+      <dgm:cxnLst>
+        <dgm:cxn modelId="6" srcId="0" destId="1" srcOrd="0" destOrd="0"/>
+        <dgm:cxn modelId="7" srcId="0" destId="2" srcOrd="1" destOrd="0"/>
+        <dgm:cxn modelId="8" srcId="0" destId="3" srcOrd="2" destOrd="0"/>
+        <dgm:cxn modelId="9" srcId="0" destId="4" srcOrd="3" destOrd="0"/>
+        <dgm:cxn modelId="10" srcId="0" destId="5" srcOrd="4" destOrd="0"/>
+      </dgm:cxnLst>
+      <dgm:bg/>
+      <dgm:whole/>
+    </dgm:dataModel>
+  </dgm:sampData>
+  <dgm:styleData>
+    <dgm:dataModel>
+      <dgm:ptLst>
+        <dgm:pt modelId="0" type="doc"/>
+        <dgm:pt modelId="1"/>
+        <dgm:pt modelId="2"/>
+        <dgm:pt modelId="3"/>
+      </dgm:ptLst>
+      <dgm:cxnLst>
+        <dgm:cxn modelId="4" srcId="0" destId="1" srcOrd="0" destOrd="0"/>
+        <dgm:cxn modelId="5" srcId="0" destId="2" srcOrd="1" destOrd="0"/>
+        <dgm:cxn modelId="6" srcId="0" destId="3" srcOrd="2" destOrd="0"/>
+      </dgm:cxnLst>
+      <dgm:bg/>
+      <dgm:whole/>
+    </dgm:dataModel>
+  </dgm:styleData>
+  <dgm:clrData>
+    <dgm:dataModel>
+      <dgm:ptLst>
+        <dgm:pt modelId="0" type="doc"/>
+        <dgm:pt modelId="1"/>
+        <dgm:pt modelId="2"/>
+        <dgm:pt modelId="3"/>
+        <dgm:pt modelId="4"/>
+        <dgm:pt modelId="5"/>
+        <dgm:pt modelId="6"/>
+      </dgm:ptLst>
+      <dgm:cxnLst>
+        <dgm:cxn modelId="7" srcId="0" destId="1" srcOrd="0" destOrd="0"/>
+        <dgm:cxn modelId="8" srcId="0" destId="2" srcOrd="1" destOrd="0"/>
+        <dgm:cxn modelId="9" srcId="0" destId="3" srcOrd="2" destOrd="0"/>
+        <dgm:cxn modelId="10" srcId="0" destId="4" srcOrd="3" destOrd="0"/>
+        <dgm:cxn modelId="11" srcId="0" destId="5" srcOrd="4" destOrd="0"/>
+        <dgm:cxn modelId="12" srcId="0" destId="6" srcOrd="5" destOrd="0"/>
+      </dgm:cxnLst>
+      <dgm:bg/>
+      <dgm:whole/>
+    </dgm:dataModel>
+  </dgm:clrData>
+  <dgm:layoutNode name="cycle">
+    <dgm:varLst>
+      <dgm:dir/>
+      <dgm:resizeHandles val="exact"/>
+    </dgm:varLst>
+    <dgm:choose name="Name0">
+      <dgm:if name="Name1" func="var" arg="dir" op="equ" val="norm">
+        <dgm:choose name="Name2">
+          <dgm:if name="Name3" axis="ch" ptType="node" func="cnt" op="gt" val="2">
+            <dgm:alg type="cycle">
+              <dgm:param type="stAng" val="0"/>
+              <dgm:param type="spanAng" val="360"/>
+            </dgm:alg>
+          </dgm:if>
+          <dgm:else name="Name4">
+            <dgm:alg type="cycle">
+              <dgm:param type="stAng" val="-90"/>
+              <dgm:param type="spanAng" val="360"/>
+            </dgm:alg>
+          </dgm:else>
+        </dgm:choose>
+      </dgm:if>
+      <dgm:else name="Name5">
+        <dgm:choose name="Name6">
+          <dgm:if name="Name7" axis="ch" ptType="node" func="cnt" op="gt" val="2">
+            <dgm:alg type="cycle">
+              <dgm:param type="stAng" val="0"/>
+              <dgm:param type="spanAng" val="-360"/>
+            </dgm:alg>
+          </dgm:if>
+          <dgm:else name="Name8">
+            <dgm:alg type="cycle">
+              <dgm:param type="stAng" val="90"/>
+              <dgm:param type="spanAng" val="-360"/>
+            </dgm:alg>
+          </dgm:else>
+        </dgm:choose>
+      </dgm:else>
+    </dgm:choose>
+    <dgm:shape xmlns:r="http://schemas.openxmlformats.org/officeDocument/2006/relationships" r:blip="">
+      <dgm:adjLst/>
+    </dgm:shape>
+    <dgm:presOf/>
+    <dgm:constrLst>
+      <dgm:constr type="w" for="ch" ptType="node" refType="w"/>
+      <dgm:constr type="w" for="ch" ptType="sibTrans" refType="w" refFor="ch" refPtType="node" op="equ" fact="0.25"/>
+      <dgm:constr type="sibSp" refType="w" refFor="ch" refPtType="node" fact="0.5"/>
+      <dgm:constr type="primFontSz" for="ch" ptType="node" op="equ" val="65"/>
+      <dgm:constr type="primFontSz" for="des" forName="connectorText" op="equ" val="55"/>
+      <dgm:constr type="primFontSz" for="des" forName="connectorText" refType="primFontSz" refFor="ch" refPtType="node" op="lte" fact="0.8"/>
+    </dgm:constrLst>
+    <dgm:ruleLst/>
+    <dgm:forEach name="nodesForEach" axis="ch" ptType="node">
+      <dgm:layoutNode name="node">
+        <dgm:varLst>
+          <dgm:bulletEnabled val="1"/>
+        </dgm:varLst>
+        <dgm:alg type="tx">
+          <dgm:param type="txAnchorVertCh" val="mid"/>
+        </dgm:alg>
+        <dgm:shape xmlns:r="http://schemas.openxmlformats.org/officeDocument/2006/relationships" type="ellipse" r:blip="">
+          <dgm:adjLst/>
+        </dgm:shape>
+        <dgm:presOf axis="desOrSelf" ptType="node"/>
+        <dgm:constrLst>
+          <dgm:constr type="h" refType="w"/>
+          <dgm:constr type="lMarg" refType="primFontSz" fact="0.1"/>
+          <dgm:constr type="rMarg" refType="primFontSz" fact="0.1"/>
+          <dgm:constr type="tMarg" refType="primFontSz" fact="0.1"/>
+          <dgm:constr type="bMarg" refType="primFontSz" fact="0.1"/>
+        </dgm:constrLst>
+        <dgm:ruleLst>
+          <dgm:rule type="primFontSz" val="5" fact="NaN" max="NaN"/>
+        </dgm:ruleLst>
+      </dgm:layoutNode>
+      <dgm:choose name="Name9">
+        <dgm:if name="Name10" axis="par ch" ptType="doc node" func="cnt" op="gt" val="1">
+          <dgm:forEach name="sibTransForEach" axis="followSib" ptType="sibTrans" hideLastTrans="0" cnt="1">
+            <dgm:layoutNode name="sibTrans">
+              <dgm:choose name="Name11">
+                <dgm:if name="Name12" axis="par ch" ptType="doc node" func="cnt" op="lt" val="3">
+                  <dgm:alg type="conn">
+                    <dgm:param type="begPts" val="radial"/>
+                    <dgm:param type="endPts" val="radial"/>
+                  </dgm:alg>
+                </dgm:if>
+                <dgm:else name="Name13">
+                  <dgm:alg type="conn">
+                    <dgm:param type="begPts" val="auto"/>
+                    <dgm:param type="endPts" val="auto"/>
+                  </dgm:alg>
+                </dgm:else>
+              </dgm:choose>
+              <dgm:shape xmlns:r="http://schemas.openxmlformats.org/officeDocument/2006/relationships" type="conn" r:blip="">
+                <dgm:adjLst/>
+              </dgm:shape>
+              <dgm:presOf axis="self"/>
+              <dgm:constrLst>
+                <dgm:constr type="h" refType="w" fact="1.35"/>
+                <dgm:constr type="connDist"/>
+                <dgm:constr type="w" for="ch" refType="connDist" fact="0.45"/>
+                <dgm:constr type="h" for="ch" refType="h"/>
+              </dgm:constrLst>
+              <dgm:ruleLst/>
+              <dgm:layoutNode name="connectorText">
+                <dgm:alg type="tx">
+                  <dgm:param type="autoTxRot" val="grav"/>
+                </dgm:alg>
+                <dgm:shape xmlns:r="http://schemas.openxmlformats.org/officeDocument/2006/relationships" type="conn" r:blip="" hideGeom="1">
+                  <dgm:adjLst/>
+                </dgm:shape>
+                <dgm:presOf axis="self"/>
+                <dgm:constrLst>
+                  <dgm:constr type="lMarg"/>
+                  <dgm:constr type="rMarg"/>
+                  <dgm:constr type="tMarg"/>
+                  <dgm:constr type="bMarg"/>
+                </dgm:constrLst>
+                <dgm:ruleLst>
+                  <dgm:rule type="primFontSz" val="5" fact="NaN" max="NaN"/>
+                </dgm:ruleLst>
+              </dgm:layoutNode>
+            </dgm:layoutNode>
+          </dgm:forEach>
+        </dgm:if>
+        <dgm:else name="Name14"/>
+      </dgm:choose>
+    </dgm:forEach>
+  </dgm:layoutNode>
+</dgm:layoutDef>
+</file>
+
+<file path=ppt/diagrams/quickStyle1.xml><?xml version="1.0" encoding="utf-8"?>
+<dgm:styleDef xmlns:dgm="http://schemas.openxmlformats.org/drawingml/2006/diagram" xmlns:a="http://schemas.openxmlformats.org/drawingml/2006/main" uniqueId="urn:microsoft.com/office/officeart/2005/8/quickstyle/simple1">
+  <dgm:title val=""/>
+  <dgm:desc val=""/>
+  <dgm:catLst>
+    <dgm:cat type="simple" pri="10100"/>
+  </dgm:catLst>
+  <dgm:scene3d>
+    <a:camera prst="orthographicFront"/>
+    <a:lightRig rig="threePt" dir="t"/>
+  </dgm:scene3d>
+  <dgm:styleLbl name="node0">
+    <dgm:scene3d>
+      <a:camera prst="orthographicFront"/>
+      <a:lightRig rig="threePt" dir="t"/>
+    </dgm:scene3d>
+    <dgm:sp3d/>
+    <dgm:txPr/>
+    <dgm:style>
+      <a:lnRef idx="2">
+        <a:scrgbClr r="0" g="0" b="0"/>
+      </a:lnRef>
+      <a:fillRef idx="1">
+        <a:scrgbClr r="0" g="0" b="0"/>
+      </a:fillRef>
+      <a:effectRef idx="0">
+        <a:scrgbClr r="0" g="0" b="0"/>
+      </a:effectRef>
+      <a:fontRef idx="minor">
+        <a:schemeClr val="lt1"/>
+      </a:fontRef>
+    </dgm:style>
+  </dgm:styleLbl>
+  <dgm:styleLbl name="lnNode1">
+    <dgm:scene3d>
+      <a:camera prst="orthographicFront"/>
+      <a:lightRig rig="threePt" dir="t"/>
+    </dgm:scene3d>
+    <dgm:sp3d/>
+    <dgm:txPr/>
+    <dgm:style>
+      <a:lnRef idx="2">
+        <a:scrgbClr r="0" g="0" b="0"/>
+      </a:lnRef>
+      <a:fillRef idx="1">
+        <a:scrgbClr r="0" g="0" b="0"/>
+      </a:fillRef>
+      <a:effectRef idx="0">
+        <a:scrgbClr r="0" g="0" b="0"/>
+      </a:effectRef>
+      <a:fontRef idx="minor">
+        <a:schemeClr val="lt1"/>
+      </a:fontRef>
+    </dgm:style>
+  </dgm:styleLbl>
+  <dgm:styleLbl name="vennNode1">
+    <dgm:scene3d>
+      <a:camera prst="orthographicFront"/>
+      <a:lightRig rig="threePt" dir="t"/>
+    </dgm:scene3d>
+    <dgm:sp3d/>
+    <dgm:txPr/>
+    <dgm:style>
+      <a:lnRef idx="2">
+        <a:scrgbClr r="0" g="0" b="0"/>
+      </a:lnRef>
+      <a:fillRef idx="1">
+        <a:scrgbClr r="0" g="0" b="0"/>
+      </a:fillRef>
+      <a:effectRef idx="0">
+        <a:scrgbClr r="0" g="0" b="0"/>
+      </a:effectRef>
+      <a:fontRef idx="minor">
+        <a:schemeClr val="tx1"/>
+      </a:fontRef>
+    </dgm:style>
+  </dgm:styleLbl>
+  <dgm:styleLbl name="alignNode1">
+    <dgm:scene3d>
+      <a:camera prst="orthographicFront"/>
+      <a:lightRig rig="threePt" dir="t"/>
+    </dgm:scene3d>
+    <dgm:sp3d/>
+    <dgm:txPr/>
+    <dgm:style>
+      <a:lnRef idx="2">
+        <a:scrgbClr r="0" g="0" b="0"/>
+      </a:lnRef>
+      <a:fillRef idx="1">
+        <a:scrgbClr r="0" g="0" b="0"/>
+      </a:fillRef>
+      <a:effectRef idx="0">
+        <a:scrgbClr r="0" g="0" b="0"/>
+      </a:effectRef>
+      <a:fontRef idx="minor">
+        <a:schemeClr val="lt1"/>
+      </a:fontRef>
+    </dgm:style>
+  </dgm:styleLbl>
+  <dgm:styleLbl name="node1">
+    <dgm:scene3d>
+      <a:camera prst="orthographicFront"/>
+      <a:lightRig rig="threePt" dir="t"/>
+    </dgm:scene3d>
+    <dgm:sp3d/>
+    <dgm:txPr/>
+    <dgm:style>
+      <a:lnRef idx="2">
+        <a:scrgbClr r="0" g="0" b="0"/>
+      </a:lnRef>
+      <a:fillRef idx="1">
+        <a:scrgbClr r="0" g="0" b="0"/>
+      </a:fillRef>
+      <a:effectRef idx="0">
+        <a:scrgbClr r="0" g="0" b="0"/>
+      </a:effectRef>
+      <a:fontRef idx="minor">
+        <a:schemeClr val="lt1"/>
+      </a:fontRef>
+    </dgm:style>
+  </dgm:styleLbl>
+  <dgm:styleLbl name="node2">
+    <dgm:scene3d>
+      <a:camera prst="orthographicFront"/>
+      <a:lightRig rig="threePt" dir="t"/>
+    </dgm:scene3d>
+    <dgm:sp3d/>
+    <dgm:txPr/>
+    <dgm:style>
+      <a:lnRef idx="2">
+        <a:scrgbClr r="0" g="0" b="0"/>
+      </a:lnRef>
+      <a:fillRef idx="1">
+        <a:scrgbClr r="0" g="0" b="0"/>
+      </a:fillRef>
+      <a:effectRef idx="0">
+        <a:scrgbClr r="0" g="0" b="0"/>
+      </a:effectRef>
+      <a:fontRef idx="minor">
+        <a:schemeClr val="lt1"/>
+      </a:fontRef>
+    </dgm:style>
+  </dgm:styleLbl>
+  <dgm:styleLbl name="node3">
+    <dgm:scene3d>
+      <a:camera prst="orthographicFront"/>
+      <a:lightRig rig="threePt" dir="t"/>
+    </dgm:scene3d>
+    <dgm:sp3d/>
+    <dgm:txPr/>
+    <dgm:style>
+      <a:lnRef idx="2">
+        <a:scrgbClr r="0" g="0" b="0"/>
+      </a:lnRef>
+      <a:fillRef idx="1">
+        <a:scrgbClr r="0" g="0" b="0"/>
+      </a:fillRef>
+      <a:effectRef idx="0">
+        <a:scrgbClr r="0" g="0" b="0"/>
+      </a:effectRef>
+      <a:fontRef idx="minor">
+        <a:schemeClr val="lt1"/>
+      </a:fontRef>
+    </dgm:style>
+  </dgm:styleLbl>
+  <dgm:styleLbl name="node4">
+    <dgm:scene3d>
+      <a:camera prst="orthographicFront"/>
+      <a:lightRig rig="threePt" dir="t"/>
+    </dgm:scene3d>
+    <dgm:sp3d/>
+    <dgm:txPr/>
+    <dgm:style>
+      <a:lnRef idx="2">
+        <a:scrgbClr r="0" g="0" b="0"/>
+      </a:lnRef>
+      <a:fillRef idx="1">
+        <a:scrgbClr r="0" g="0" b="0"/>
+      </a:fillRef>
+      <a:effectRef idx="0">
+        <a:scrgbClr r="0" g="0" b="0"/>
+      </a:effectRef>
+      <a:fontRef idx="minor">
+        <a:schemeClr val="lt1"/>
+      </a:fontRef>
+    </dgm:style>
+  </dgm:styleLbl>
+  <dgm:styleLbl name="fgImgPlace1">
+    <dgm:scene3d>
+      <a:camera prst="orthographicFront"/>
+      <a:lightRig rig="threePt" dir="t"/>
+    </dgm:scene3d>
+    <dgm:sp3d/>
+    <dgm:txPr/>
+    <dgm:style>
+      <a:lnRef idx="2">
+        <a:scrgbClr r="0" g="0" b="0"/>
+      </a:lnRef>
+      <a:fillRef idx="1">
+        <a:scrgbClr r="0" g="0" b="0"/>
+      </a:fillRef>
+      <a:effectRef idx="0">
+        <a:scrgbClr r="0" g="0" b="0"/>
+      </a:effectRef>
+      <a:fontRef idx="minor"/>
+    </dgm:style>
+  </dgm:styleLbl>
+  <dgm:styleLbl name="alignImgPlace1">
+    <dgm:scene3d>
+      <a:camera prst="orthographicFront"/>
+      <a:lightRig rig="threePt" dir="t"/>
+    </dgm:scene3d>
+    <dgm:sp3d/>
+    <dgm:txPr/>
+    <dgm:style>
+      <a:lnRef idx="2">
+        <a:scrgbClr r="0" g="0" b="0"/>
+      </a:lnRef>
+      <a:fillRef idx="1">
+        <a:scrgbClr r="0" g="0" b="0"/>
+      </a:fillRef>
+      <a:effectRef idx="0">
+        <a:scrgbClr r="0" g="0" b="0"/>
+      </a:effectRef>
+      <a:fontRef idx="minor"/>
+    </dgm:style>
+  </dgm:styleLbl>
+  <dgm:styleLbl name="bgImgPlace1">
+    <dgm:scene3d>
+      <a:camera prst="orthographicFront"/>
+      <a:lightRig rig="threePt" dir="t"/>
+    </dgm:scene3d>
+    <dgm:sp3d/>
+    <dgm:txPr/>
+    <dgm:style>
+      <a:lnRef idx="2">
+        <a:scrgbClr r="0" g="0" b="0"/>
+      </a:lnRef>
+      <a:fillRef idx="1">
+        <a:scrgbClr r="0" g="0" b="0"/>
+      </a:fillRef>
+      <a:effectRef idx="0">
+        <a:scrgbClr r="0" g="0" b="0"/>
+      </a:effectRef>
+      <a:fontRef idx="minor"/>
+    </dgm:style>
+  </dgm:styleLbl>
+  <dgm:styleLbl name="sibTrans2D1">
+    <dgm:scene3d>
+      <a:camera prst="orthographicFront"/>
+      <a:lightRig rig="threePt" dir="t"/>
+    </dgm:scene3d>
+    <dgm:sp3d/>
+    <dgm:txPr/>
+    <dgm:style>
+      <a:lnRef idx="0">
+        <a:scrgbClr r="0" g="0" b="0"/>
+      </a:lnRef>
+      <a:fillRef idx="1">
+        <a:scrgbClr r="0" g="0" b="0"/>
+      </a:fillRef>
+      <a:effectRef idx="0">
+        <a:scrgbClr r="0" g="0" b="0"/>
+      </a:effectRef>
+      <a:fontRef idx="minor">
+        <a:schemeClr val="lt1"/>
+      </a:fontRef>
+    </dgm:style>
+  </dgm:styleLbl>
+  <dgm:styleLbl name="fgSibTrans2D1">
+    <dgm:scene3d>
+      <a:camera prst="orthographicFront"/>
+      <a:lightRig rig="threePt" dir="t"/>
+    </dgm:scene3d>
+    <dgm:sp3d/>
+    <dgm:txPr/>
+    <dgm:style>
+      <a:lnRef idx="0">
+        <a:scrgbClr r="0" g="0" b="0"/>
+      </a:lnRef>
+      <a:fillRef idx="1">
+        <a:scrgbClr r="0" g="0" b="0"/>
+      </a:fillRef>
+      <a:effectRef idx="0">
+        <a:scrgbClr r="0" g="0" b="0"/>
+      </a:effectRef>
+      <a:fontRef idx="minor">
+        <a:schemeClr val="lt1"/>
+      </a:fontRef>
+    </dgm:style>
+  </dgm:styleLbl>
+  <dgm:styleLbl name="bgSibTrans2D1">
+    <dgm:scene3d>
+      <a:camera prst="orthographicFront"/>
+      <a:lightRig rig="threePt" dir="t"/>
+    </dgm:scene3d>
+    <dgm:sp3d/>
+    <dgm:txPr/>
+    <dgm:style>
+      <a:lnRef idx="0">
+        <a:scrgbClr r="0" g="0" b="0"/>
+      </a:lnRef>
+      <a:fillRef idx="1">
+        <a:scrgbClr r="0" g="0" b="0"/>
+      </a:fillRef>
+      <a:effectRef idx="0">
+        <a:scrgbClr r="0" g="0" b="0"/>
+      </a:effectRef>
+      <a:fontRef idx="minor">
+        <a:schemeClr val="lt1"/>
+      </a:fontRef>
+    </dgm:style>
+  </dgm:styleLbl>
+  <dgm:styleLbl name="sibTrans1D1">
+    <dgm:scene3d>
+      <a:camera prst="orthographicFront"/>
+      <a:lightRig rig="threePt" dir="t"/>
+    </dgm:scene3d>
+    <dgm:sp3d/>
+    <dgm:txPr/>
+    <dgm:style>
+      <a:lnRef idx="1">
+        <a:scrgbClr r="0" g="0" b="0"/>
+      </a:lnRef>
+      <a:fillRef idx="0">
+        <a:scrgbClr r="0" g="0" b="0"/>
+      </a:fillRef>
+      <a:effectRef idx="0">
+        <a:scrgbClr r="0" g="0" b="0"/>
+      </a:effectRef>
+      <a:fontRef idx="minor"/>
+    </dgm:style>
+  </dgm:styleLbl>
+  <dgm:styleLbl name="callout">
+    <dgm:scene3d>
+      <a:camera prst="orthographicFront"/>
+      <a:lightRig rig="threePt" dir="t"/>
+    </dgm:scene3d>
+    <dgm:sp3d/>
+    <dgm:txPr/>
+    <dgm:style>
+      <a:lnRef idx="2">
+        <a:scrgbClr r="0" g="0" b="0"/>
+      </a:lnRef>
+      <a:fillRef idx="1">
+        <a:scrgbClr r="0" g="0" b="0"/>
+      </a:fillRef>
+      <a:effectRef idx="0">
+        <a:scrgbClr r="0" g="0" b="0"/>
+      </a:effectRef>
+      <a:fontRef idx="minor"/>
+    </dgm:style>
+  </dgm:styleLbl>
+  <dgm:styleLbl name="asst0">
+    <dgm:scene3d>
+      <a:camera prst="orthographicFront"/>
+      <a:lightRig rig="threePt" dir="t"/>
+    </dgm:scene3d>
+    <dgm:sp3d/>
+    <dgm:txPr/>
+    <dgm:style>
+      <a:lnRef idx="2">
+        <a:scrgbClr r="0" g="0" b="0"/>
+      </a:lnRef>
+      <a:fillRef idx="1">
+        <a:scrgbClr r="0" g="0" b="0"/>
+      </a:fillRef>
+      <a:effectRef idx="0">
+        <a:scrgbClr r="0" g="0" b="0"/>
+      </a:effectRef>
+      <a:fontRef idx="minor">
+        <a:schemeClr val="lt1"/>
+      </a:fontRef>
+    </dgm:style>
+  </dgm:styleLbl>
+  <dgm:styleLbl name="asst1">
+    <dgm:scene3d>
+      <a:camera prst="orthographicFront"/>
+      <a:lightRig rig="threePt" dir="t"/>
+    </dgm:scene3d>
+    <dgm:sp3d/>
+    <dgm:txPr/>
+    <dgm:style>
+      <a:lnRef idx="2">
+        <a:scrgbClr r="0" g="0" b="0"/>
+      </a:lnRef>
+      <a:fillRef idx="1">
+        <a:scrgbClr r="0" g="0" b="0"/>
+      </a:fillRef>
+      <a:effectRef idx="0">
+        <a:scrgbClr r="0" g="0" b="0"/>
+      </a:effectRef>
+      <a:fontRef idx="minor">
+        <a:schemeClr val="lt1"/>
+      </a:fontRef>
+    </dgm:style>
+  </dgm:styleLbl>
+  <dgm:styleLbl name="asst2">
+    <dgm:scene3d>
+      <a:camera prst="orthographicFront"/>
+      <a:lightRig rig="threePt" dir="t"/>
+    </dgm:scene3d>
+    <dgm:sp3d/>
+    <dgm:txPr/>
+    <dgm:style>
+      <a:lnRef idx="2">
+        <a:scrgbClr r="0" g="0" b="0"/>
+      </a:lnRef>
+      <a:fillRef idx="1">
+        <a:scrgbClr r="0" g="0" b="0"/>
+      </a:fillRef>
+      <a:effectRef idx="0">
+        <a:scrgbClr r="0" g="0" b="0"/>
+      </a:effectRef>
+      <a:fontRef idx="minor">
+        <a:schemeClr val="lt1"/>
+      </a:fontRef>
+    </dgm:style>
+  </dgm:styleLbl>
+  <dgm:styleLbl name="asst3">
+    <dgm:scene3d>
+      <a:camera prst="orthographicFront"/>
+      <a:lightRig rig="threePt" dir="t"/>
+    </dgm:scene3d>
+    <dgm:sp3d/>
+    <dgm:txPr/>
+    <dgm:style>
+      <a:lnRef idx="2">
+        <a:scrgbClr r="0" g="0" b="0"/>
+      </a:lnRef>
+      <a:fillRef idx="1">
+        <a:scrgbClr r="0" g="0" b="0"/>
+      </a:fillRef>
+      <a:effectRef idx="0">
+        <a:scrgbClr r="0" g="0" b="0"/>
+      </a:effectRef>
+      <a:fontRef idx="minor">
+        <a:schemeClr val="lt1"/>
+      </a:fontRef>
+    </dgm:style>
+  </dgm:styleLbl>
+  <dgm:styleLbl name="asst4">
+    <dgm:scene3d>
+      <a:camera prst="orthographicFront"/>
+      <a:lightRig rig="threePt" dir="t"/>
+    </dgm:scene3d>
+    <dgm:sp3d/>
+    <dgm:txPr/>
+    <dgm:style>
+      <a:lnRef idx="2">
+        <a:scrgbClr r="0" g="0" b="0"/>
+      </a:lnRef>
+      <a:fillRef idx="1">
+        <a:scrgbClr r="0" g="0" b="0"/>
+      </a:fillRef>
+      <a:effectRef idx="0">
+        <a:scrgbClr r="0" g="0" b="0"/>
+      </a:effectRef>
+      <a:fontRef idx="minor">
+        <a:schemeClr val="lt1"/>
+      </a:fontRef>
+    </dgm:style>
+  </dgm:styleLbl>
+  <dgm:styleLbl name="parChTrans2D1">
+    <dgm:scene3d>
+      <a:camera prst="orthographicFront"/>
+      <a:lightRig rig="threePt" dir="t"/>
+    </dgm:scene3d>
+    <dgm:sp3d/>
+    <dgm:txPr/>
+    <dgm:style>
+      <a:lnRef idx="2">
+        <a:scrgbClr r="0" g="0" b="0"/>
+      </a:lnRef>
+      <a:fillRef idx="1">
+        <a:scrgbClr r="0" g="0" b="0"/>
+      </a:fillRef>
+      <a:effectRef idx="0">
+        <a:scrgbClr r="0" g="0" b="0"/>
+      </a:effectRef>
+      <a:fontRef idx="minor">
+        <a:schemeClr val="lt1"/>
+      </a:fontRef>
+    </dgm:style>
+  </dgm:styleLbl>
+  <dgm:styleLbl name="parChTrans2D2">
+    <dgm:scene3d>
+      <a:camera prst="orthographicFront"/>
+      <a:lightRig rig="threePt" dir="t"/>
+    </dgm:scene3d>
+    <dgm:sp3d/>
+    <dgm:txPr/>
+    <dgm:style>
+      <a:lnRef idx="2">
+        <a:scrgbClr r="0" g="0" b="0"/>
+      </a:lnRef>
+      <a:fillRef idx="1">
+        <a:scrgbClr r="0" g="0" b="0"/>
+      </a:fillRef>
+      <a:effectRef idx="0">
+        <a:scrgbClr r="0" g="0" b="0"/>
+      </a:effectRef>
+      <a:fontRef idx="minor">
+        <a:schemeClr val="lt1"/>
+      </a:fontRef>
+    </dgm:style>
+  </dgm:styleLbl>
+  <dgm:styleLbl name="parChTrans2D3">
+    <dgm:scene3d>
+      <a:camera prst="orthographicFront"/>
+      <a:lightRig rig="threePt" dir="t"/>
+    </dgm:scene3d>
+    <dgm:sp3d/>
+    <dgm:txPr/>
+    <dgm:style>
+      <a:lnRef idx="2">
+        <a:scrgbClr r="0" g="0" b="0"/>
+      </a:lnRef>
+      <a:fillRef idx="1">
+        <a:scrgbClr r="0" g="0" b="0"/>
+      </a:fillRef>
+      <a:effectRef idx="0">
+        <a:scrgbClr r="0" g="0" b="0"/>
+      </a:effectRef>
+      <a:fontRef idx="minor">
+        <a:schemeClr val="lt1"/>
+      </a:fontRef>
+    </dgm:style>
+  </dgm:styleLbl>
+  <dgm:styleLbl name="parChTrans2D4">
+    <dgm:scene3d>
+      <a:camera prst="orthographicFront"/>
+      <a:lightRig rig="threePt" dir="t"/>
+    </dgm:scene3d>
+    <dgm:sp3d/>
+    <dgm:txPr/>
+    <dgm:style>
+      <a:lnRef idx="2">
+        <a:scrgbClr r="0" g="0" b="0"/>
+      </a:lnRef>
+      <a:fillRef idx="1">
+        <a:scrgbClr r="0" g="0" b="0"/>
+      </a:fillRef>
+      <a:effectRef idx="0">
+        <a:scrgbClr r="0" g="0" b="0"/>
+      </a:effectRef>
+      <a:fontRef idx="minor">
+        <a:schemeClr val="lt1"/>
+      </a:fontRef>
+    </dgm:style>
+  </dgm:styleLbl>
+  <dgm:styleLbl name="parChTrans1D1">
+    <dgm:scene3d>
+      <a:camera prst="orthographicFront"/>
+      <a:lightRig rig="threePt" dir="t"/>
+    </dgm:scene3d>
+    <dgm:sp3d/>
+    <dgm:txPr/>
+    <dgm:style>
+      <a:lnRef idx="2">
+        <a:scrgbClr r="0" g="0" b="0"/>
+      </a:lnRef>
+      <a:fillRef idx="0">
+        <a:scrgbClr r="0" g="0" b="0"/>
+      </a:fillRef>
+      <a:effectRef idx="0">
+        <a:scrgbClr r="0" g="0" b="0"/>
+      </a:effectRef>
+      <a:fontRef idx="minor"/>
+    </dgm:style>
+  </dgm:styleLbl>
+  <dgm:styleLbl name="parChTrans1D2">
+    <dgm:scene3d>
+      <a:camera prst="orthographicFront"/>
+      <a:lightRig rig="threePt" dir="t"/>
+    </dgm:scene3d>
+    <dgm:sp3d/>
+    <dgm:txPr/>
+    <dgm:style>
+      <a:lnRef idx="2">
+        <a:scrgbClr r="0" g="0" b="0"/>
+      </a:lnRef>
+      <a:fillRef idx="0">
+        <a:scrgbClr r="0" g="0" b="0"/>
+      </a:fillRef>
+      <a:effectRef idx="0">
+        <a:scrgbClr r="0" g="0" b="0"/>
+      </a:effectRef>
+      <a:fontRef idx="minor"/>
+    </dgm:style>
+  </dgm:styleLbl>
+  <dgm:styleLbl name="parChTrans1D3">
+    <dgm:scene3d>
+      <a:camera prst="orthographicFront"/>
+      <a:lightRig rig="threePt" dir="t"/>
+    </dgm:scene3d>
+    <dgm:sp3d/>
+    <dgm:txPr/>
+    <dgm:style>
+      <a:lnRef idx="2">
+        <a:scrgbClr r="0" g="0" b="0"/>
+      </a:lnRef>
+      <a:fillRef idx="0">
+        <a:scrgbClr r="0" g="0" b="0"/>
+      </a:fillRef>
+      <a:effectRef idx="0">
+        <a:scrgbClr r="0" g="0" b="0"/>
+      </a:effectRef>
+      <a:fontRef idx="minor"/>
+    </dgm:style>
+  </dgm:styleLbl>
+  <dgm:styleLbl name="parChTrans1D4">
+    <dgm:scene3d>
+      <a:camera prst="orthographicFront"/>
+      <a:lightRig rig="threePt" dir="t"/>
+    </dgm:scene3d>
+    <dgm:sp3d/>
+    <dgm:txPr/>
+    <dgm:style>
+      <a:lnRef idx="2">
+        <a:scrgbClr r="0" g="0" b="0"/>
+      </a:lnRef>
+      <a:fillRef idx="0">
+        <a:scrgbClr r="0" g="0" b="0"/>
+      </a:fillRef>
+      <a:effectRef idx="0">
+        <a:scrgbClr r="0" g="0" b="0"/>
+      </a:effectRef>
+      <a:fontRef idx="minor"/>
+    </dgm:style>
+  </dgm:styleLbl>
+  <dgm:styleLbl name="fgAcc1">
+    <dgm:scene3d>
+      <a:camera prst="orthographicFront"/>
+      <a:lightRig rig="threePt" dir="t"/>
+    </dgm:scene3d>
+    <dgm:sp3d/>
+    <dgm:txPr/>
+    <dgm:style>
+      <a:lnRef idx="2">
+        <a:scrgbClr r="0" g="0" b="0"/>
+      </a:lnRef>
+      <a:fillRef idx="1">
+        <a:scrgbClr r="0" g="0" b="0"/>
+      </a:fillRef>
+      <a:effectRef idx="0">
+        <a:scrgbClr r="0" g="0" b="0"/>
+      </a:effectRef>
+      <a:fontRef idx="minor"/>
+    </dgm:style>
+  </dgm:styleLbl>
+  <dgm:styleLbl name="conFgAcc1">
+    <dgm:scene3d>
+      <a:camera prst="orthographicFront"/>
+      <a:lightRig rig="threePt" dir="t"/>
+    </dgm:scene3d>
+    <dgm:sp3d/>
+    <dgm:txPr/>
+    <dgm:style>
+      <a:lnRef idx="2">
+        <a:scrgbClr r="0" g="0" b="0"/>
+      </a:lnRef>
+      <a:fillRef idx="1">
+        <a:scrgbClr r="0" g="0" b="0"/>
+      </a:fillRef>
+      <a:effectRef idx="0">
+        <a:scrgbClr r="0" g="0" b="0"/>
+      </a:effectRef>
+      <a:fontRef idx="minor"/>
+    </dgm:style>
+  </dgm:styleLbl>
+  <dgm:styleLbl name="alignAcc1">
+    <dgm:scene3d>
+      <a:camera prst="orthographicFront"/>
+      <a:lightRig rig="threePt" dir="t"/>
+    </dgm:scene3d>
+    <dgm:sp3d/>
+    <dgm:txPr/>
+    <dgm:style>
+      <a:lnRef idx="2">
+        <a:scrgbClr r="0" g="0" b="0"/>
+      </a:lnRef>
+      <a:fillRef idx="1">
+        <a:scrgbClr r="0" g="0" b="0"/>
+      </a:fillRef>
+      <a:effectRef idx="0">
+        <a:scrgbClr r="0" g="0" b="0"/>
+      </a:effectRef>
+      <a:fontRef idx="minor"/>
+    </dgm:style>
+  </dgm:styleLbl>
+  <dgm:styleLbl name="trAlignAcc1">
+    <dgm:scene3d>
+      <a:camera prst="orthographicFront"/>
+      <a:lightRig rig="threePt" dir="t"/>
+    </dgm:scene3d>
+    <dgm:sp3d/>
+    <dgm:txPr/>
+    <dgm:style>
+      <a:lnRef idx="1">
+        <a:scrgbClr r="0" g="0" b="0"/>
+      </a:lnRef>
+      <a:fillRef idx="1">
+        <a:scrgbClr r="0" g="0" b="0"/>
+      </a:fillRef>
+      <a:effectRef idx="0">
+        <a:scrgbClr r="0" g="0" b="0"/>
+      </a:effectRef>
+      <a:fontRef idx="minor"/>
+    </dgm:style>
+  </dgm:styleLbl>
+  <dgm:styleLbl name="bgAcc1">
+    <dgm:scene3d>
+      <a:camera prst="orthographicFront"/>
+      <a:lightRig rig="threePt" dir="t"/>
+    </dgm:scene3d>
+    <dgm:sp3d/>
+    <dgm:txPr/>
+    <dgm:style>
+      <a:lnRef idx="2">
+        <a:scrgbClr r="0" g="0" b="0"/>
+      </a:lnRef>
+      <a:fillRef idx="1">
+        <a:scrgbClr r="0" g="0" b="0"/>
+      </a:fillRef>
+      <a:effectRef idx="0">
+        <a:scrgbClr r="0" g="0" b="0"/>
+      </a:effectRef>
+      <a:fontRef idx="minor"/>
+    </dgm:style>
+  </dgm:styleLbl>
+  <dgm:styleLbl name="solidFgAcc1">
+    <dgm:scene3d>
+      <a:camera prst="orthographicFront"/>
+      <a:lightRig rig="threePt" dir="t"/>
+    </dgm:scene3d>
+    <dgm:sp3d/>
+    <dgm:txPr/>
+    <dgm:style>
+      <a:lnRef idx="2">
+        <a:scrgbClr r="0" g="0" b="0"/>
+      </a:lnRef>
+      <a:fillRef idx="1">
+        <a:scrgbClr r="0" g="0" b="0"/>
+      </a:fillRef>
+      <a:effectRef idx="0">
+        <a:scrgbClr r="0" g="0" b="0"/>
+      </a:effectRef>
+      <a:fontRef idx="minor"/>
+    </dgm:style>
+  </dgm:styleLbl>
+  <dgm:styleLbl name="solidAlignAcc1">
+    <dgm:scene3d>
+      <a:camera prst="orthographicFront"/>
+      <a:lightRig rig="threePt" dir="t"/>
+    </dgm:scene3d>
+    <dgm:sp3d/>
+    <dgm:txPr/>
+    <dgm:style>
+      <a:lnRef idx="2">
+        <a:scrgbClr r="0" g="0" b="0"/>
+      </a:lnRef>
+      <a:fillRef idx="1">
+        <a:scrgbClr r="0" g="0" b="0"/>
+      </a:fillRef>
+      <a:effectRef idx="0">
+        <a:scrgbClr r="0" g="0" b="0"/>
+      </a:effectRef>
+      <a:fontRef idx="minor"/>
+    </dgm:style>
+  </dgm:styleLbl>
+  <dgm:styleLbl name="solidBgAcc1">
+    <dgm:scene3d>
+      <a:camera prst="orthographicFront"/>
+      <a:lightRig rig="threePt" dir="t"/>
+    </dgm:scene3d>
+    <dgm:sp3d/>
+    <dgm:txPr/>
+    <dgm:style>
+      <a:lnRef idx="2">
+        <a:scrgbClr r="0" g="0" b="0"/>
+      </a:lnRef>
+      <a:fillRef idx="1">
+        <a:scrgbClr r="0" g="0" b="0"/>
+      </a:fillRef>
+      <a:effectRef idx="0">
+        <a:scrgbClr r="0" g="0" b="0"/>
+      </a:effectRef>
+      <a:fontRef idx="minor"/>
+    </dgm:style>
+  </dgm:styleLbl>
+  <dgm:styleLbl name="fgAccFollowNode1">
+    <dgm:scene3d>
+      <a:camera prst="orthographicFront"/>
+      <a:lightRig rig="threePt" dir="t"/>
+    </dgm:scene3d>
+    <dgm:sp3d/>
+    <dgm:txPr/>
+    <dgm:style>
+      <a:lnRef idx="2">
+        <a:scrgbClr r="0" g="0" b="0"/>
+      </a:lnRef>
+      <a:fillRef idx="1">
+        <a:scrgbClr r="0" g="0" b="0"/>
+      </a:fillRef>
+      <a:effectRef idx="0">
+        <a:scrgbClr r="0" g="0" b="0"/>
+      </a:effectRef>
+      <a:fontRef idx="minor"/>
+    </dgm:style>
+  </dgm:styleLbl>
+  <dgm:styleLbl name="alignAccFollowNode1">
+    <dgm:scene3d>
+      <a:camera prst="orthographicFront"/>
+      <a:lightRig rig="threePt" dir="t"/>
+    </dgm:scene3d>
+    <dgm:sp3d/>
+    <dgm:txPr/>
+    <dgm:style>
+      <a:lnRef idx="2">
+        <a:scrgbClr r="0" g="0" b="0"/>
+      </a:lnRef>
+      <a:fillRef idx="1">
+        <a:scrgbClr r="0" g="0" b="0"/>
+      </a:fillRef>
+      <a:effectRef idx="0">
+        <a:scrgbClr r="0" g="0" b="0"/>
+      </a:effectRef>
+      <a:fontRef idx="minor"/>
+    </dgm:style>
+  </dgm:styleLbl>
+  <dgm:styleLbl name="bgAccFollowNode1">
+    <dgm:scene3d>
+      <a:camera prst="orthographicFront"/>
+      <a:lightRig rig="threePt" dir="t"/>
+    </dgm:scene3d>
+    <dgm:sp3d/>
+    <dgm:txPr/>
+    <dgm:style>
+      <a:lnRef idx="2">
+        <a:scrgbClr r="0" g="0" b="0"/>
+      </a:lnRef>
+      <a:fillRef idx="1">
+        <a:scrgbClr r="0" g="0" b="0"/>
+      </a:fillRef>
+      <a:effectRef idx="0">
+        <a:scrgbClr r="0" g="0" b="0"/>
+      </a:effectRef>
+      <a:fontRef idx="minor"/>
+    </dgm:style>
+  </dgm:styleLbl>
+  <dgm:styleLbl name="fgAcc0">
+    <dgm:scene3d>
+      <a:camera prst="orthographicFront"/>
+      <a:lightRig rig="threePt" dir="t"/>
+    </dgm:scene3d>
+    <dgm:sp3d/>
+    <dgm:txPr/>
+    <dgm:style>
+      <a:lnRef idx="2">
+        <a:scrgbClr r="0" g="0" b="0"/>
+      </a:lnRef>
+      <a:fillRef idx="1">
+        <a:scrgbClr r="0" g="0" b="0"/>
+      </a:fillRef>
+      <a:effectRef idx="0">
+        <a:scrgbClr r="0" g="0" b="0"/>
+      </a:effectRef>
+      <a:fontRef idx="minor"/>
+    </dgm:style>
+  </dgm:styleLbl>
+  <dgm:styleLbl name="fgAcc2">
+    <dgm:scene3d>
+      <a:camera prst="orthographicFront"/>
+      <a:lightRig rig="threePt" dir="t"/>
+    </dgm:scene3d>
+    <dgm:sp3d/>
+    <dgm:txPr/>
+    <dgm:style>
+      <a:lnRef idx="2">
+        <a:scrgbClr r="0" g="0" b="0"/>
+      </a:lnRef>
+      <a:fillRef idx="1">
+        <a:scrgbClr r="0" g="0" b="0"/>
+      </a:fillRef>
+      <a:effectRef idx="0">
+        <a:scrgbClr r="0" g="0" b="0"/>
+      </a:effectRef>
+      <a:fontRef idx="minor"/>
+    </dgm:style>
+  </dgm:styleLbl>
+  <dgm:styleLbl name="fgAcc3">
+    <dgm:scene3d>
+      <a:camera prst="orthographicFront"/>
+      <a:lightRig rig="threePt" dir="t"/>
+    </dgm:scene3d>
+    <dgm:sp3d/>
+    <dgm:txPr/>
+    <dgm:style>
+      <a:lnRef idx="2">
+        <a:scrgbClr r="0" g="0" b="0"/>
+      </a:lnRef>
+      <a:fillRef idx="1">
+        <a:scrgbClr r="0" g="0" b="0"/>
+      </a:fillRef>
+      <a:effectRef idx="0">
+        <a:scrgbClr r="0" g="0" b="0"/>
+      </a:effectRef>
+      <a:fontRef idx="minor"/>
+    </dgm:style>
+  </dgm:styleLbl>
+  <dgm:styleLbl name="fgAcc4">
+    <dgm:scene3d>
+      <a:camera prst="orthographicFront"/>
+      <a:lightRig rig="threePt" dir="t"/>
+    </dgm:scene3d>
+    <dgm:sp3d/>
+    <dgm:txPr/>
+    <dgm:style>
+      <a:lnRef idx="2">
+        <a:scrgbClr r="0" g="0" b="0"/>
+      </a:lnRef>
+      <a:fillRef idx="1">
+        <a:scrgbClr r="0" g="0" b="0"/>
+      </a:fillRef>
+      <a:effectRef idx="0">
+        <a:scrgbClr r="0" g="0" b="0"/>
+      </a:effectRef>
+      <a:fontRef idx="minor"/>
+    </dgm:style>
+  </dgm:styleLbl>
+  <dgm:styleLbl name="bgShp">
+    <dgm:scene3d>
+      <a:camera prst="orthographicFront"/>
+      <a:lightRig rig="threePt" dir="t"/>
+    </dgm:scene3d>
+    <dgm:sp3d/>
+    <dgm:txPr/>
+    <dgm:style>
+      <a:lnRef idx="0">
+        <a:scrgbClr r="0" g="0" b="0"/>
+      </a:lnRef>
+      <a:fillRef idx="1">
+        <a:scrgbClr r="0" g="0" b="0"/>
+      </a:fillRef>
+      <a:effectRef idx="0">
+        <a:scrgbClr r="0" g="0" b="0"/>
+      </a:effectRef>
+      <a:fontRef idx="minor"/>
+    </dgm:style>
+  </dgm:styleLbl>
+  <dgm:styleLbl name="dkBgShp">
+    <dgm:scene3d>
+      <a:camera prst="orthographicFront"/>
+      <a:lightRig rig="threePt" dir="t"/>
+    </dgm:scene3d>
+    <dgm:sp3d/>
+    <dgm:txPr/>
+    <dgm:style>
+      <a:lnRef idx="0">
+        <a:scrgbClr r="0" g="0" b="0"/>
+      </a:lnRef>
+      <a:fillRef idx="1">
+        <a:scrgbClr r="0" g="0" b="0"/>
+      </a:fillRef>
+      <a:effectRef idx="0">
+        <a:scrgbClr r="0" g="0" b="0"/>
+      </a:effectRef>
+      <a:fontRef idx="minor"/>
+    </dgm:style>
+  </dgm:styleLbl>
+  <dgm:styleLbl name="trBgShp">
+    <dgm:scene3d>
+      <a:camera prst="orthographicFront"/>
+      <a:lightRig rig="threePt" dir="t"/>
+    </dgm:scene3d>
+    <dgm:sp3d/>
+    <dgm:txPr/>
+    <dgm:style>
+      <a:lnRef idx="0">
+        <a:scrgbClr r="0" g="0" b="0"/>
+      </a:lnRef>
+      <a:fillRef idx="1">
+        <a:scrgbClr r="0" g="0" b="0"/>
+      </a:fillRef>
+      <a:effectRef idx="0">
+        <a:scrgbClr r="0" g="0" b="0"/>
+      </a:effectRef>
+      <a:fontRef idx="minor"/>
+    </dgm:style>
+  </dgm:styleLbl>
+  <dgm:styleLbl name="fgShp">
+    <dgm:scene3d>
+      <a:camera prst="orthographicFront"/>
+      <a:lightRig rig="threePt" dir="t"/>
+    </dgm:scene3d>
+    <dgm:sp3d/>
+    <dgm:txPr/>
+    <dgm:style>
+      <a:lnRef idx="2">
+        <a:scrgbClr r="0" g="0" b="0"/>
+      </a:lnRef>
+      <a:fillRef idx="1">
+        <a:scrgbClr r="0" g="0" b="0"/>
+      </a:fillRef>
+      <a:effectRef idx="0">
+        <a:scrgbClr r="0" g="0" b="0"/>
+      </a:effectRef>
+      <a:fontRef idx="minor"/>
+    </dgm:style>
+  </dgm:styleLbl>
+  <dgm:styleLbl name="revTx">
+    <dgm:scene3d>
+      <a:camera prst="orthographicFront"/>
+      <a:lightRig rig="threePt" dir="t"/>
+    </dgm:scene3d>
+    <dgm:sp3d/>
+    <dgm:txPr/>
+    <dgm:style>
+      <a:lnRef idx="0">
+        <a:scrgbClr r="0" g="0" b="0"/>
+      </a:lnRef>
+      <a:fillRef idx="0">
+        <a:scrgbClr r="0" g="0" b="0"/>
+      </a:fillRef>
+      <a:effectRef idx="0">
+        <a:scrgbClr r="0" g="0" b="0"/>
+      </a:effectRef>
+      <a:fontRef idx="minor"/>
+    </dgm:style>
+  </dgm:styleLbl>
+</dgm:styleDef>
+</file>
+
 <file path=ppt/handoutMasters/handoutMaster1.xml><?xml version="1.0" encoding="utf-8"?>
 <p:handoutMaster xmlns:a="http://schemas.openxmlformats.org/drawingml/2006/main" xmlns:r="http://schemas.openxmlformats.org/officeDocument/2006/relationships" xmlns:p="http://schemas.openxmlformats.org/presentationml/2006/main">
   <p:cSld>
@@ -219,7 +2891,7 @@
           <a:p>
             <a:fld id="{D75CAE95-D2DD-4998-876A-092BFD628C65}" type="datetimeFigureOut">
               <a:rPr lang="da-DK" smtClean="0"/>
-              <a:t>12-05-2021</a:t>
+              <a:t>18-05-2021</a:t>
             </a:fld>
             <a:endParaRPr lang="da-DK"/>
           </a:p>
@@ -397,7 +3069,7 @@
           <a:p>
             <a:fld id="{1DA8E099-58AA-4136-B409-1CAD1943D842}" type="datetimeFigureOut">
               <a:rPr lang="da-DK" smtClean="0"/>
-              <a:t>12-05-2021</a:t>
+              <a:t>18-05-2021</a:t>
             </a:fld>
             <a:endParaRPr lang="da-DK"/>
           </a:p>
@@ -815,7 +3487,7 @@
           <a:p>
             <a:fld id="{C85334AD-9960-4065-BF34-86ED0345A76D}" type="datetime1">
               <a:rPr lang="en-US" smtClean="0"/>
-              <a:t>5/12/2021</a:t>
+              <a:t>5/18/2021</a:t>
             </a:fld>
             <a:endParaRPr lang="da-DK"/>
           </a:p>
@@ -1054,7 +3726,7 @@
           <a:p>
             <a:fld id="{C5669758-3775-48D7-A841-693E908C3BF4}" type="datetime1">
               <a:rPr lang="en-US" smtClean="0"/>
-              <a:t>5/12/2021</a:t>
+              <a:t>5/18/2021</a:t>
             </a:fld>
             <a:endParaRPr lang="da-DK"/>
           </a:p>
@@ -1267,7 +3939,7 @@
           <a:p>
             <a:fld id="{1E0C3FF1-EDBD-4F2A-8366-34A4E3728310}" type="datetime1">
               <a:rPr lang="en-US" smtClean="0"/>
-              <a:t>5/12/2021</a:t>
+              <a:t>5/18/2021</a:t>
             </a:fld>
             <a:endParaRPr lang="da-DK"/>
           </a:p>
@@ -1488,7 +4160,7 @@
           <a:p>
             <a:fld id="{019E29B9-5584-4737-9C98-1B926378C778}" type="datetime1">
               <a:rPr lang="en-US" smtClean="0"/>
-              <a:t>5/12/2021</a:t>
+              <a:t>5/18/2021</a:t>
             </a:fld>
             <a:endParaRPr lang="da-DK"/>
           </a:p>
@@ -1803,7 +4475,7 @@
           <a:p>
             <a:fld id="{FCE38F03-F67D-4508-A858-99FCD085087C}" type="datetime1">
               <a:rPr lang="en-US" smtClean="0"/>
-              <a:t>5/12/2021</a:t>
+              <a:t>5/18/2021</a:t>
             </a:fld>
             <a:endParaRPr lang="da-DK"/>
           </a:p>
@@ -2074,7 +4746,7 @@
           <a:p>
             <a:fld id="{B43F2930-3FFD-4F93-A4BD-4F0D1A0B4514}" type="datetime1">
               <a:rPr lang="en-US" smtClean="0"/>
-              <a:t>5/12/2021</a:t>
+              <a:t>5/18/2021</a:t>
             </a:fld>
             <a:endParaRPr lang="da-DK"/>
           </a:p>
@@ -2492,7 +5164,7 @@
           <a:p>
             <a:fld id="{8E0F9B9B-30CC-4693-8E0F-1A94A979E2C5}" type="datetime1">
               <a:rPr lang="en-US" smtClean="0"/>
-              <a:t>5/12/2021</a:t>
+              <a:t>5/18/2021</a:t>
             </a:fld>
             <a:endParaRPr lang="da-DK"/>
           </a:p>
@@ -2637,7 +5309,7 @@
           <a:p>
             <a:fld id="{6FE1433B-E6A7-44FF-8B55-539471B4D7C5}" type="datetime1">
               <a:rPr lang="en-US" smtClean="0"/>
-              <a:t>5/12/2021</a:t>
+              <a:t>5/18/2021</a:t>
             </a:fld>
             <a:endParaRPr lang="da-DK"/>
           </a:p>
@@ -2753,7 +5425,7 @@
           <a:p>
             <a:fld id="{624F4001-6A8C-42DA-824F-B5CC1375B861}" type="datetime1">
               <a:rPr lang="en-US" smtClean="0"/>
-              <a:t>5/12/2021</a:t>
+              <a:t>5/18/2021</a:t>
             </a:fld>
             <a:endParaRPr lang="da-DK"/>
           </a:p>
@@ -3069,7 +5741,7 @@
           <a:p>
             <a:fld id="{2D3BE137-2C5E-4078-8BA2-7D42D7E67218}" type="datetime1">
               <a:rPr lang="en-US" smtClean="0"/>
-              <a:t>5/12/2021</a:t>
+              <a:t>5/18/2021</a:t>
             </a:fld>
             <a:endParaRPr lang="da-DK"/>
           </a:p>
@@ -3361,7 +6033,7 @@
           <a:p>
             <a:fld id="{0D1436FF-56D3-4E93-92E8-71121EAB120E}" type="datetime1">
               <a:rPr lang="en-US" smtClean="0"/>
-              <a:t>5/12/2021</a:t>
+              <a:t>5/18/2021</a:t>
             </a:fld>
             <a:endParaRPr lang="da-DK"/>
           </a:p>
@@ -3607,7 +6279,7 @@
           <a:p>
             <a:fld id="{16601EF2-4BCA-4009-ACCF-B97F259DEF6F}" type="datetime1">
               <a:rPr lang="en-US" smtClean="0"/>
-              <a:t>5/12/2021</a:t>
+              <a:t>5/18/2021</a:t>
             </a:fld>
             <a:endParaRPr lang="da-DK"/>
           </a:p>
@@ -4129,6 +6801,1452 @@
 </p:sld>
 </file>
 
+<file path=ppt/slides/slide10.xml><?xml version="1.0" encoding="utf-8"?>
+<p:sld xmlns:a="http://schemas.openxmlformats.org/drawingml/2006/main" xmlns:r="http://schemas.openxmlformats.org/officeDocument/2006/relationships" xmlns:p="http://schemas.openxmlformats.org/presentationml/2006/main">
+  <p:cSld>
+    <p:spTree>
+      <p:nvGrpSpPr>
+        <p:cNvPr id="1" name=""/>
+        <p:cNvGrpSpPr/>
+        <p:nvPr/>
+      </p:nvGrpSpPr>
+      <p:grpSpPr>
+        <a:xfrm>
+          <a:off x="0" y="0"/>
+          <a:ext cx="0" cy="0"/>
+          <a:chOff x="0" y="0"/>
+          <a:chExt cx="0" cy="0"/>
+        </a:xfrm>
+      </p:grpSpPr>
+      <p:sp>
+        <p:nvSpPr>
+          <p:cNvPr id="2" name="Title 1">
+            <a:extLst>
+              <a:ext uri="{FF2B5EF4-FFF2-40B4-BE49-F238E27FC236}">
+                <a16:creationId xmlns:a16="http://schemas.microsoft.com/office/drawing/2014/main" id="{CB0BF627-459C-4603-B37E-2607DB471FB1}"/>
+              </a:ext>
+            </a:extLst>
+          </p:cNvPr>
+          <p:cNvSpPr>
+            <a:spLocks noGrp="1"/>
+          </p:cNvSpPr>
+          <p:nvPr>
+            <p:ph type="title"/>
+          </p:nvPr>
+        </p:nvSpPr>
+        <p:spPr/>
+        <p:txBody>
+          <a:bodyPr/>
+          <a:lstStyle/>
+          <a:p>
+            <a:r>
+              <a:rPr lang="da-DK" dirty="0"/>
+              <a:t>Test example 2</a:t>
+            </a:r>
+          </a:p>
+        </p:txBody>
+      </p:sp>
+      <p:sp>
+        <p:nvSpPr>
+          <p:cNvPr id="3" name="Content Placeholder 2">
+            <a:extLst>
+              <a:ext uri="{FF2B5EF4-FFF2-40B4-BE49-F238E27FC236}">
+                <a16:creationId xmlns:a16="http://schemas.microsoft.com/office/drawing/2014/main" id="{8124727B-13EC-4EAA-B197-C00112739F61}"/>
+              </a:ext>
+            </a:extLst>
+          </p:cNvPr>
+          <p:cNvSpPr>
+            <a:spLocks noGrp="1"/>
+          </p:cNvSpPr>
+          <p:nvPr>
+            <p:ph idx="1"/>
+          </p:nvPr>
+        </p:nvSpPr>
+        <p:spPr/>
+        <p:txBody>
+          <a:bodyPr/>
+          <a:lstStyle/>
+          <a:p>
+            <a:pPr marL="0" indent="0">
+              <a:buNone/>
+            </a:pPr>
+            <a:r>
+              <a:rPr lang="da-DK" dirty="0"/>
+              <a:t>Can be simple</a:t>
+            </a:r>
+          </a:p>
+        </p:txBody>
+      </p:sp>
+      <p:sp>
+        <p:nvSpPr>
+          <p:cNvPr id="4" name="Date Placeholder 3">
+            <a:extLst>
+              <a:ext uri="{FF2B5EF4-FFF2-40B4-BE49-F238E27FC236}">
+                <a16:creationId xmlns:a16="http://schemas.microsoft.com/office/drawing/2014/main" id="{0BB1F392-2926-49E9-A1CE-32DC25F040AA}"/>
+              </a:ext>
+            </a:extLst>
+          </p:cNvPr>
+          <p:cNvSpPr>
+            <a:spLocks noGrp="1"/>
+          </p:cNvSpPr>
+          <p:nvPr>
+            <p:ph type="dt" sz="half" idx="10"/>
+          </p:nvPr>
+        </p:nvSpPr>
+        <p:spPr/>
+        <p:txBody>
+          <a:bodyPr/>
+          <a:lstStyle/>
+          <a:p>
+            <a:fld id="{019E29B9-5584-4737-9C98-1B926378C778}" type="datetime1">
+              <a:rPr lang="en-US" smtClean="0"/>
+              <a:t>5/18/2021</a:t>
+            </a:fld>
+            <a:endParaRPr lang="da-DK"/>
+          </a:p>
+        </p:txBody>
+      </p:sp>
+      <p:sp>
+        <p:nvSpPr>
+          <p:cNvPr id="5" name="Footer Placeholder 4">
+            <a:extLst>
+              <a:ext uri="{FF2B5EF4-FFF2-40B4-BE49-F238E27FC236}">
+                <a16:creationId xmlns:a16="http://schemas.microsoft.com/office/drawing/2014/main" id="{D1395241-80BD-4A74-931E-1A6FBCF2378C}"/>
+              </a:ext>
+            </a:extLst>
+          </p:cNvPr>
+          <p:cNvSpPr>
+            <a:spLocks noGrp="1"/>
+          </p:cNvSpPr>
+          <p:nvPr>
+            <p:ph type="ftr" sz="quarter" idx="11"/>
+          </p:nvPr>
+        </p:nvSpPr>
+        <p:spPr/>
+        <p:txBody>
+          <a:bodyPr/>
+          <a:lstStyle/>
+          <a:p>
+            <a:r>
+              <a:rPr lang="da-DK"/>
+              <a:t>Nicki Skafte Detlefsen</a:t>
+            </a:r>
+          </a:p>
+        </p:txBody>
+      </p:sp>
+      <p:sp>
+        <p:nvSpPr>
+          <p:cNvPr id="6" name="Slide Number Placeholder 5">
+            <a:extLst>
+              <a:ext uri="{FF2B5EF4-FFF2-40B4-BE49-F238E27FC236}">
+                <a16:creationId xmlns:a16="http://schemas.microsoft.com/office/drawing/2014/main" id="{FC36F1B5-9D16-44D5-9A0D-E0A88C96DFF8}"/>
+              </a:ext>
+            </a:extLst>
+          </p:cNvPr>
+          <p:cNvSpPr>
+            <a:spLocks noGrp="1"/>
+          </p:cNvSpPr>
+          <p:nvPr>
+            <p:ph type="sldNum" sz="quarter" idx="12"/>
+          </p:nvPr>
+        </p:nvSpPr>
+        <p:spPr/>
+        <p:txBody>
+          <a:bodyPr/>
+          <a:lstStyle/>
+          <a:p>
+            <a:fld id="{F6FEDE24-D50C-481B-A7B4-8AF13899101A}" type="slidenum">
+              <a:rPr lang="da-DK" smtClean="0"/>
+              <a:t>10</a:t>
+            </a:fld>
+            <a:endParaRPr lang="da-DK"/>
+          </a:p>
+        </p:txBody>
+      </p:sp>
+      <p:pic>
+        <p:nvPicPr>
+          <p:cNvPr id="8" name="Picture 7">
+            <a:extLst>
+              <a:ext uri="{FF2B5EF4-FFF2-40B4-BE49-F238E27FC236}">
+                <a16:creationId xmlns:a16="http://schemas.microsoft.com/office/drawing/2014/main" id="{AFA5D410-3F8E-4D41-A7C3-D1AF4B9F4F50}"/>
+              </a:ext>
+            </a:extLst>
+          </p:cNvPr>
+          <p:cNvPicPr>
+            <a:picLocks noChangeAspect="1"/>
+          </p:cNvPicPr>
+          <p:nvPr/>
+        </p:nvPicPr>
+        <p:blipFill>
+          <a:blip r:embed="rId2"/>
+          <a:stretch>
+            <a:fillRect/>
+          </a:stretch>
+        </p:blipFill>
+        <p:spPr>
+          <a:xfrm>
+            <a:off x="5219700" y="1343608"/>
+            <a:ext cx="5867400" cy="1704975"/>
+          </a:xfrm>
+          <a:prstGeom prst="rect">
+            <a:avLst/>
+          </a:prstGeom>
+        </p:spPr>
+      </p:pic>
+    </p:spTree>
+    <p:extLst>
+      <p:ext uri="{BB962C8B-B14F-4D97-AF65-F5344CB8AC3E}">
+        <p14:creationId xmlns:p14="http://schemas.microsoft.com/office/powerpoint/2010/main" val="664972301"/>
+      </p:ext>
+    </p:extLst>
+  </p:cSld>
+  <p:clrMapOvr>
+    <a:masterClrMapping/>
+  </p:clrMapOvr>
+</p:sld>
+</file>
+
+<file path=ppt/slides/slide11.xml><?xml version="1.0" encoding="utf-8"?>
+<p:sld xmlns:a="http://schemas.openxmlformats.org/drawingml/2006/main" xmlns:r="http://schemas.openxmlformats.org/officeDocument/2006/relationships" xmlns:p="http://schemas.openxmlformats.org/presentationml/2006/main">
+  <p:cSld>
+    <p:spTree>
+      <p:nvGrpSpPr>
+        <p:cNvPr id="1" name=""/>
+        <p:cNvGrpSpPr/>
+        <p:nvPr/>
+      </p:nvGrpSpPr>
+      <p:grpSpPr>
+        <a:xfrm>
+          <a:off x="0" y="0"/>
+          <a:ext cx="0" cy="0"/>
+          <a:chOff x="0" y="0"/>
+          <a:chExt cx="0" cy="0"/>
+        </a:xfrm>
+      </p:grpSpPr>
+      <p:sp>
+        <p:nvSpPr>
+          <p:cNvPr id="2" name="Title 1">
+            <a:extLst>
+              <a:ext uri="{FF2B5EF4-FFF2-40B4-BE49-F238E27FC236}">
+                <a16:creationId xmlns:a16="http://schemas.microsoft.com/office/drawing/2014/main" id="{35C67118-E6C2-4BA4-B2A3-B79FE256603B}"/>
+              </a:ext>
+            </a:extLst>
+          </p:cNvPr>
+          <p:cNvSpPr>
+            <a:spLocks noGrp="1"/>
+          </p:cNvSpPr>
+          <p:nvPr>
+            <p:ph type="title"/>
+          </p:nvPr>
+        </p:nvSpPr>
+        <p:spPr/>
+        <p:txBody>
+          <a:bodyPr/>
+          <a:lstStyle/>
+          <a:p>
+            <a:r>
+              <a:rPr lang="da-DK" dirty="0"/>
+              <a:t>Test example 1</a:t>
+            </a:r>
+          </a:p>
+        </p:txBody>
+      </p:sp>
+      <p:sp>
+        <p:nvSpPr>
+          <p:cNvPr id="3" name="Content Placeholder 2">
+            <a:extLst>
+              <a:ext uri="{FF2B5EF4-FFF2-40B4-BE49-F238E27FC236}">
+                <a16:creationId xmlns:a16="http://schemas.microsoft.com/office/drawing/2014/main" id="{9F7DCAAC-3B3C-4D1B-AD45-9F550424D27B}"/>
+              </a:ext>
+            </a:extLst>
+          </p:cNvPr>
+          <p:cNvSpPr>
+            <a:spLocks noGrp="1"/>
+          </p:cNvSpPr>
+          <p:nvPr>
+            <p:ph idx="1"/>
+          </p:nvPr>
+        </p:nvSpPr>
+        <p:spPr/>
+        <p:txBody>
+          <a:bodyPr/>
+          <a:lstStyle/>
+          <a:p>
+            <a:pPr marL="0" indent="0">
+              <a:buNone/>
+            </a:pPr>
+            <a:r>
+              <a:rPr lang="da-DK" dirty="0"/>
+              <a:t>Can be very complex</a:t>
+            </a:r>
+          </a:p>
+        </p:txBody>
+      </p:sp>
+      <p:sp>
+        <p:nvSpPr>
+          <p:cNvPr id="4" name="Date Placeholder 3">
+            <a:extLst>
+              <a:ext uri="{FF2B5EF4-FFF2-40B4-BE49-F238E27FC236}">
+                <a16:creationId xmlns:a16="http://schemas.microsoft.com/office/drawing/2014/main" id="{FD7A38A4-CD0A-4C69-BEE2-551DC3601632}"/>
+              </a:ext>
+            </a:extLst>
+          </p:cNvPr>
+          <p:cNvSpPr>
+            <a:spLocks noGrp="1"/>
+          </p:cNvSpPr>
+          <p:nvPr>
+            <p:ph type="dt" sz="half" idx="10"/>
+          </p:nvPr>
+        </p:nvSpPr>
+        <p:spPr/>
+        <p:txBody>
+          <a:bodyPr/>
+          <a:lstStyle/>
+          <a:p>
+            <a:fld id="{019E29B9-5584-4737-9C98-1B926378C778}" type="datetime1">
+              <a:rPr lang="en-US" smtClean="0"/>
+              <a:t>5/18/2021</a:t>
+            </a:fld>
+            <a:endParaRPr lang="da-DK"/>
+          </a:p>
+        </p:txBody>
+      </p:sp>
+      <p:sp>
+        <p:nvSpPr>
+          <p:cNvPr id="5" name="Footer Placeholder 4">
+            <a:extLst>
+              <a:ext uri="{FF2B5EF4-FFF2-40B4-BE49-F238E27FC236}">
+                <a16:creationId xmlns:a16="http://schemas.microsoft.com/office/drawing/2014/main" id="{344808A0-ED4A-490E-A384-B5A64DBC16B9}"/>
+              </a:ext>
+            </a:extLst>
+          </p:cNvPr>
+          <p:cNvSpPr>
+            <a:spLocks noGrp="1"/>
+          </p:cNvSpPr>
+          <p:nvPr>
+            <p:ph type="ftr" sz="quarter" idx="11"/>
+          </p:nvPr>
+        </p:nvSpPr>
+        <p:spPr/>
+        <p:txBody>
+          <a:bodyPr/>
+          <a:lstStyle/>
+          <a:p>
+            <a:r>
+              <a:rPr lang="da-DK"/>
+              <a:t>Nicki Skafte Detlefsen</a:t>
+            </a:r>
+          </a:p>
+        </p:txBody>
+      </p:sp>
+      <p:sp>
+        <p:nvSpPr>
+          <p:cNvPr id="6" name="Slide Number Placeholder 5">
+            <a:extLst>
+              <a:ext uri="{FF2B5EF4-FFF2-40B4-BE49-F238E27FC236}">
+                <a16:creationId xmlns:a16="http://schemas.microsoft.com/office/drawing/2014/main" id="{4B958345-2335-4E26-8FD7-61D9AC16A890}"/>
+              </a:ext>
+            </a:extLst>
+          </p:cNvPr>
+          <p:cNvSpPr>
+            <a:spLocks noGrp="1"/>
+          </p:cNvSpPr>
+          <p:nvPr>
+            <p:ph type="sldNum" sz="quarter" idx="12"/>
+          </p:nvPr>
+        </p:nvSpPr>
+        <p:spPr/>
+        <p:txBody>
+          <a:bodyPr/>
+          <a:lstStyle/>
+          <a:p>
+            <a:fld id="{F6FEDE24-D50C-481B-A7B4-8AF13899101A}" type="slidenum">
+              <a:rPr lang="da-DK" smtClean="0"/>
+              <a:t>11</a:t>
+            </a:fld>
+            <a:endParaRPr lang="da-DK"/>
+          </a:p>
+        </p:txBody>
+      </p:sp>
+      <p:pic>
+        <p:nvPicPr>
+          <p:cNvPr id="8" name="Picture 7">
+            <a:extLst>
+              <a:ext uri="{FF2B5EF4-FFF2-40B4-BE49-F238E27FC236}">
+                <a16:creationId xmlns:a16="http://schemas.microsoft.com/office/drawing/2014/main" id="{262809FE-5570-4116-9C8A-11CD6BD42C4A}"/>
+              </a:ext>
+            </a:extLst>
+          </p:cNvPr>
+          <p:cNvPicPr>
+            <a:picLocks noChangeAspect="1"/>
+          </p:cNvPicPr>
+          <p:nvPr/>
+        </p:nvPicPr>
+        <p:blipFill>
+          <a:blip r:embed="rId2"/>
+          <a:stretch>
+            <a:fillRect/>
+          </a:stretch>
+        </p:blipFill>
+        <p:spPr>
+          <a:xfrm>
+            <a:off x="4890112" y="940824"/>
+            <a:ext cx="5782553" cy="5415526"/>
+          </a:xfrm>
+          <a:prstGeom prst="rect">
+            <a:avLst/>
+          </a:prstGeom>
+        </p:spPr>
+      </p:pic>
+    </p:spTree>
+    <p:extLst>
+      <p:ext uri="{BB962C8B-B14F-4D97-AF65-F5344CB8AC3E}">
+        <p14:creationId xmlns:p14="http://schemas.microsoft.com/office/powerpoint/2010/main" val="4140528994"/>
+      </p:ext>
+    </p:extLst>
+  </p:cSld>
+  <p:clrMapOvr>
+    <a:masterClrMapping/>
+  </p:clrMapOvr>
+</p:sld>
+</file>
+
+<file path=ppt/slides/slide12.xml><?xml version="1.0" encoding="utf-8"?>
+<p:sld xmlns:a="http://schemas.openxmlformats.org/drawingml/2006/main" xmlns:r="http://schemas.openxmlformats.org/officeDocument/2006/relationships" xmlns:p="http://schemas.openxmlformats.org/presentationml/2006/main">
+  <p:cSld>
+    <p:spTree>
+      <p:nvGrpSpPr>
+        <p:cNvPr id="1" name=""/>
+        <p:cNvGrpSpPr/>
+        <p:nvPr/>
+      </p:nvGrpSpPr>
+      <p:grpSpPr>
+        <a:xfrm>
+          <a:off x="0" y="0"/>
+          <a:ext cx="0" cy="0"/>
+          <a:chOff x="0" y="0"/>
+          <a:chExt cx="0" cy="0"/>
+        </a:xfrm>
+      </p:grpSpPr>
+      <p:sp>
+        <p:nvSpPr>
+          <p:cNvPr id="2" name="Title 1">
+            <a:extLst>
+              <a:ext uri="{FF2B5EF4-FFF2-40B4-BE49-F238E27FC236}">
+                <a16:creationId xmlns:a16="http://schemas.microsoft.com/office/drawing/2014/main" id="{C804FEF0-38D9-4225-8C87-FB9F7F0DE21C}"/>
+              </a:ext>
+            </a:extLst>
+          </p:cNvPr>
+          <p:cNvSpPr>
+            <a:spLocks noGrp="1"/>
+          </p:cNvSpPr>
+          <p:nvPr>
+            <p:ph type="title"/>
+          </p:nvPr>
+        </p:nvSpPr>
+        <p:spPr/>
+        <p:txBody>
+          <a:bodyPr/>
+          <a:lstStyle/>
+          <a:p>
+            <a:endParaRPr lang="da-DK"/>
+          </a:p>
+        </p:txBody>
+      </p:sp>
+      <p:sp>
+        <p:nvSpPr>
+          <p:cNvPr id="3" name="Content Placeholder 2">
+            <a:extLst>
+              <a:ext uri="{FF2B5EF4-FFF2-40B4-BE49-F238E27FC236}">
+                <a16:creationId xmlns:a16="http://schemas.microsoft.com/office/drawing/2014/main" id="{EDB793A9-108F-4A3C-B7EF-2D61F23C963F}"/>
+              </a:ext>
+            </a:extLst>
+          </p:cNvPr>
+          <p:cNvSpPr>
+            <a:spLocks noGrp="1"/>
+          </p:cNvSpPr>
+          <p:nvPr>
+            <p:ph idx="1"/>
+          </p:nvPr>
+        </p:nvSpPr>
+        <p:spPr/>
+        <p:txBody>
+          <a:bodyPr/>
+          <a:lstStyle/>
+          <a:p>
+            <a:endParaRPr lang="da-DK"/>
+          </a:p>
+        </p:txBody>
+      </p:sp>
+      <p:sp>
+        <p:nvSpPr>
+          <p:cNvPr id="4" name="Date Placeholder 3">
+            <a:extLst>
+              <a:ext uri="{FF2B5EF4-FFF2-40B4-BE49-F238E27FC236}">
+                <a16:creationId xmlns:a16="http://schemas.microsoft.com/office/drawing/2014/main" id="{C8FE981E-3BFB-4310-8047-58DB6DE5B1F4}"/>
+              </a:ext>
+            </a:extLst>
+          </p:cNvPr>
+          <p:cNvSpPr>
+            <a:spLocks noGrp="1"/>
+          </p:cNvSpPr>
+          <p:nvPr>
+            <p:ph type="dt" sz="half" idx="10"/>
+          </p:nvPr>
+        </p:nvSpPr>
+        <p:spPr/>
+        <p:txBody>
+          <a:bodyPr/>
+          <a:lstStyle/>
+          <a:p>
+            <a:fld id="{019E29B9-5584-4737-9C98-1B926378C778}" type="datetime1">
+              <a:rPr lang="en-US" smtClean="0"/>
+              <a:t>5/18/2021</a:t>
+            </a:fld>
+            <a:endParaRPr lang="da-DK"/>
+          </a:p>
+        </p:txBody>
+      </p:sp>
+      <p:sp>
+        <p:nvSpPr>
+          <p:cNvPr id="5" name="Footer Placeholder 4">
+            <a:extLst>
+              <a:ext uri="{FF2B5EF4-FFF2-40B4-BE49-F238E27FC236}">
+                <a16:creationId xmlns:a16="http://schemas.microsoft.com/office/drawing/2014/main" id="{0A0AD86A-71EA-492E-9217-FEBC3BEC40BC}"/>
+              </a:ext>
+            </a:extLst>
+          </p:cNvPr>
+          <p:cNvSpPr>
+            <a:spLocks noGrp="1"/>
+          </p:cNvSpPr>
+          <p:nvPr>
+            <p:ph type="ftr" sz="quarter" idx="11"/>
+          </p:nvPr>
+        </p:nvSpPr>
+        <p:spPr/>
+        <p:txBody>
+          <a:bodyPr/>
+          <a:lstStyle/>
+          <a:p>
+            <a:r>
+              <a:rPr lang="da-DK"/>
+              <a:t>Nicki Skafte Detlefsen</a:t>
+            </a:r>
+          </a:p>
+        </p:txBody>
+      </p:sp>
+      <p:sp>
+        <p:nvSpPr>
+          <p:cNvPr id="6" name="Slide Number Placeholder 5">
+            <a:extLst>
+              <a:ext uri="{FF2B5EF4-FFF2-40B4-BE49-F238E27FC236}">
+                <a16:creationId xmlns:a16="http://schemas.microsoft.com/office/drawing/2014/main" id="{E30589C7-7FCF-4587-8697-E22832317E56}"/>
+              </a:ext>
+            </a:extLst>
+          </p:cNvPr>
+          <p:cNvSpPr>
+            <a:spLocks noGrp="1"/>
+          </p:cNvSpPr>
+          <p:nvPr>
+            <p:ph type="sldNum" sz="quarter" idx="12"/>
+          </p:nvPr>
+        </p:nvSpPr>
+        <p:spPr/>
+        <p:txBody>
+          <a:bodyPr/>
+          <a:lstStyle/>
+          <a:p>
+            <a:fld id="{F6FEDE24-D50C-481B-A7B4-8AF13899101A}" type="slidenum">
+              <a:rPr lang="da-DK" smtClean="0"/>
+              <a:t>12</a:t>
+            </a:fld>
+            <a:endParaRPr lang="da-DK"/>
+          </a:p>
+        </p:txBody>
+      </p:sp>
+    </p:spTree>
+    <p:extLst>
+      <p:ext uri="{BB962C8B-B14F-4D97-AF65-F5344CB8AC3E}">
+        <p14:creationId xmlns:p14="http://schemas.microsoft.com/office/powerpoint/2010/main" val="1725267591"/>
+      </p:ext>
+    </p:extLst>
+  </p:cSld>
+  <p:clrMapOvr>
+    <a:masterClrMapping/>
+  </p:clrMapOvr>
+</p:sld>
+</file>
+
+<file path=ppt/slides/slide13.xml><?xml version="1.0" encoding="utf-8"?>
+<p:sld xmlns:a="http://schemas.openxmlformats.org/drawingml/2006/main" xmlns:r="http://schemas.openxmlformats.org/officeDocument/2006/relationships" xmlns:p="http://schemas.openxmlformats.org/presentationml/2006/main">
+  <p:cSld>
+    <p:spTree>
+      <p:nvGrpSpPr>
+        <p:cNvPr id="1" name=""/>
+        <p:cNvGrpSpPr/>
+        <p:nvPr/>
+      </p:nvGrpSpPr>
+      <p:grpSpPr>
+        <a:xfrm>
+          <a:off x="0" y="0"/>
+          <a:ext cx="0" cy="0"/>
+          <a:chOff x="0" y="0"/>
+          <a:chExt cx="0" cy="0"/>
+        </a:xfrm>
+      </p:grpSpPr>
+      <p:sp>
+        <p:nvSpPr>
+          <p:cNvPr id="2" name="Title 1">
+            <a:extLst>
+              <a:ext uri="{FF2B5EF4-FFF2-40B4-BE49-F238E27FC236}">
+                <a16:creationId xmlns:a16="http://schemas.microsoft.com/office/drawing/2014/main" id="{EAF59619-619D-4BE4-AA66-0CEAB7F7B0D7}"/>
+              </a:ext>
+            </a:extLst>
+          </p:cNvPr>
+          <p:cNvSpPr>
+            <a:spLocks noGrp="1"/>
+          </p:cNvSpPr>
+          <p:nvPr>
+            <p:ph type="title"/>
+          </p:nvPr>
+        </p:nvSpPr>
+        <p:spPr/>
+        <p:txBody>
+          <a:bodyPr/>
+          <a:lstStyle/>
+          <a:p>
+            <a:endParaRPr lang="da-DK"/>
+          </a:p>
+        </p:txBody>
+      </p:sp>
+      <p:sp>
+        <p:nvSpPr>
+          <p:cNvPr id="3" name="Content Placeholder 2">
+            <a:extLst>
+              <a:ext uri="{FF2B5EF4-FFF2-40B4-BE49-F238E27FC236}">
+                <a16:creationId xmlns:a16="http://schemas.microsoft.com/office/drawing/2014/main" id="{458F45F5-81CA-484B-935A-8C437951C320}"/>
+              </a:ext>
+            </a:extLst>
+          </p:cNvPr>
+          <p:cNvSpPr>
+            <a:spLocks noGrp="1"/>
+          </p:cNvSpPr>
+          <p:nvPr>
+            <p:ph idx="1"/>
+          </p:nvPr>
+        </p:nvSpPr>
+        <p:spPr/>
+        <p:txBody>
+          <a:bodyPr/>
+          <a:lstStyle/>
+          <a:p>
+            <a:endParaRPr lang="da-DK"/>
+          </a:p>
+        </p:txBody>
+      </p:sp>
+      <p:sp>
+        <p:nvSpPr>
+          <p:cNvPr id="4" name="Date Placeholder 3">
+            <a:extLst>
+              <a:ext uri="{FF2B5EF4-FFF2-40B4-BE49-F238E27FC236}">
+                <a16:creationId xmlns:a16="http://schemas.microsoft.com/office/drawing/2014/main" id="{28D02B8C-7B34-46F7-A2B7-B02C72AAB3D7}"/>
+              </a:ext>
+            </a:extLst>
+          </p:cNvPr>
+          <p:cNvSpPr>
+            <a:spLocks noGrp="1"/>
+          </p:cNvSpPr>
+          <p:nvPr>
+            <p:ph type="dt" sz="half" idx="10"/>
+          </p:nvPr>
+        </p:nvSpPr>
+        <p:spPr/>
+        <p:txBody>
+          <a:bodyPr/>
+          <a:lstStyle/>
+          <a:p>
+            <a:fld id="{019E29B9-5584-4737-9C98-1B926378C778}" type="datetime1">
+              <a:rPr lang="en-US" smtClean="0"/>
+              <a:t>5/18/2021</a:t>
+            </a:fld>
+            <a:endParaRPr lang="da-DK"/>
+          </a:p>
+        </p:txBody>
+      </p:sp>
+      <p:sp>
+        <p:nvSpPr>
+          <p:cNvPr id="5" name="Footer Placeholder 4">
+            <a:extLst>
+              <a:ext uri="{FF2B5EF4-FFF2-40B4-BE49-F238E27FC236}">
+                <a16:creationId xmlns:a16="http://schemas.microsoft.com/office/drawing/2014/main" id="{C4FACB2A-EE92-414E-AE8A-169E7208098F}"/>
+              </a:ext>
+            </a:extLst>
+          </p:cNvPr>
+          <p:cNvSpPr>
+            <a:spLocks noGrp="1"/>
+          </p:cNvSpPr>
+          <p:nvPr>
+            <p:ph type="ftr" sz="quarter" idx="11"/>
+          </p:nvPr>
+        </p:nvSpPr>
+        <p:spPr/>
+        <p:txBody>
+          <a:bodyPr/>
+          <a:lstStyle/>
+          <a:p>
+            <a:r>
+              <a:rPr lang="da-DK"/>
+              <a:t>Nicki Skafte Detlefsen</a:t>
+            </a:r>
+          </a:p>
+        </p:txBody>
+      </p:sp>
+      <p:sp>
+        <p:nvSpPr>
+          <p:cNvPr id="6" name="Slide Number Placeholder 5">
+            <a:extLst>
+              <a:ext uri="{FF2B5EF4-FFF2-40B4-BE49-F238E27FC236}">
+                <a16:creationId xmlns:a16="http://schemas.microsoft.com/office/drawing/2014/main" id="{6579EFF0-887F-4401-BA36-3F6DA8E50278}"/>
+              </a:ext>
+            </a:extLst>
+          </p:cNvPr>
+          <p:cNvSpPr>
+            <a:spLocks noGrp="1"/>
+          </p:cNvSpPr>
+          <p:nvPr>
+            <p:ph type="sldNum" sz="quarter" idx="12"/>
+          </p:nvPr>
+        </p:nvSpPr>
+        <p:spPr/>
+        <p:txBody>
+          <a:bodyPr/>
+          <a:lstStyle/>
+          <a:p>
+            <a:fld id="{F6FEDE24-D50C-481B-A7B4-8AF13899101A}" type="slidenum">
+              <a:rPr lang="da-DK" smtClean="0"/>
+              <a:t>13</a:t>
+            </a:fld>
+            <a:endParaRPr lang="da-DK"/>
+          </a:p>
+        </p:txBody>
+      </p:sp>
+    </p:spTree>
+    <p:extLst>
+      <p:ext uri="{BB962C8B-B14F-4D97-AF65-F5344CB8AC3E}">
+        <p14:creationId xmlns:p14="http://schemas.microsoft.com/office/powerpoint/2010/main" val="1212895918"/>
+      </p:ext>
+    </p:extLst>
+  </p:cSld>
+  <p:clrMapOvr>
+    <a:masterClrMapping/>
+  </p:clrMapOvr>
+</p:sld>
+</file>
+
+<file path=ppt/slides/slide14.xml><?xml version="1.0" encoding="utf-8"?>
+<p:sld xmlns:a="http://schemas.openxmlformats.org/drawingml/2006/main" xmlns:r="http://schemas.openxmlformats.org/officeDocument/2006/relationships" xmlns:p="http://schemas.openxmlformats.org/presentationml/2006/main">
+  <p:cSld>
+    <p:spTree>
+      <p:nvGrpSpPr>
+        <p:cNvPr id="1" name=""/>
+        <p:cNvGrpSpPr/>
+        <p:nvPr/>
+      </p:nvGrpSpPr>
+      <p:grpSpPr>
+        <a:xfrm>
+          <a:off x="0" y="0"/>
+          <a:ext cx="0" cy="0"/>
+          <a:chOff x="0" y="0"/>
+          <a:chExt cx="0" cy="0"/>
+        </a:xfrm>
+      </p:grpSpPr>
+      <p:sp>
+        <p:nvSpPr>
+          <p:cNvPr id="2" name="Title 1">
+            <a:extLst>
+              <a:ext uri="{FF2B5EF4-FFF2-40B4-BE49-F238E27FC236}">
+                <a16:creationId xmlns:a16="http://schemas.microsoft.com/office/drawing/2014/main" id="{F75C798D-9614-4664-A637-FC146124E21A}"/>
+              </a:ext>
+            </a:extLst>
+          </p:cNvPr>
+          <p:cNvSpPr>
+            <a:spLocks noGrp="1"/>
+          </p:cNvSpPr>
+          <p:nvPr>
+            <p:ph type="title"/>
+          </p:nvPr>
+        </p:nvSpPr>
+        <p:spPr/>
+        <p:txBody>
+          <a:bodyPr/>
+          <a:lstStyle/>
+          <a:p>
+            <a:r>
+              <a:rPr lang="da-DK" dirty="0"/>
+              <a:t>Advanced: Use bots</a:t>
+            </a:r>
+          </a:p>
+        </p:txBody>
+      </p:sp>
+      <p:sp>
+        <p:nvSpPr>
+          <p:cNvPr id="3" name="Content Placeholder 2">
+            <a:extLst>
+              <a:ext uri="{FF2B5EF4-FFF2-40B4-BE49-F238E27FC236}">
+                <a16:creationId xmlns:a16="http://schemas.microsoft.com/office/drawing/2014/main" id="{354DA073-B537-4918-AFF8-AC9085F4F2DA}"/>
+              </a:ext>
+            </a:extLst>
+          </p:cNvPr>
+          <p:cNvSpPr>
+            <a:spLocks noGrp="1"/>
+          </p:cNvSpPr>
+          <p:nvPr>
+            <p:ph idx="1"/>
+          </p:nvPr>
+        </p:nvSpPr>
+        <p:spPr/>
+        <p:txBody>
+          <a:bodyPr/>
+          <a:lstStyle/>
+          <a:p>
+            <a:pPr marL="0" indent="0">
+              <a:buNone/>
+            </a:pPr>
+            <a:r>
+              <a:rPr lang="da-DK" dirty="0"/>
+              <a:t>Bots can take care of tidious task for you (like linting)</a:t>
+            </a:r>
+          </a:p>
+        </p:txBody>
+      </p:sp>
+      <p:sp>
+        <p:nvSpPr>
+          <p:cNvPr id="4" name="Date Placeholder 3">
+            <a:extLst>
+              <a:ext uri="{FF2B5EF4-FFF2-40B4-BE49-F238E27FC236}">
+                <a16:creationId xmlns:a16="http://schemas.microsoft.com/office/drawing/2014/main" id="{A38678BB-F0B7-4FEC-98EB-3E466C913495}"/>
+              </a:ext>
+            </a:extLst>
+          </p:cNvPr>
+          <p:cNvSpPr>
+            <a:spLocks noGrp="1"/>
+          </p:cNvSpPr>
+          <p:nvPr>
+            <p:ph type="dt" sz="half" idx="10"/>
+          </p:nvPr>
+        </p:nvSpPr>
+        <p:spPr/>
+        <p:txBody>
+          <a:bodyPr/>
+          <a:lstStyle/>
+          <a:p>
+            <a:fld id="{019E29B9-5584-4737-9C98-1B926378C778}" type="datetime1">
+              <a:rPr lang="en-US" smtClean="0"/>
+              <a:t>5/18/2021</a:t>
+            </a:fld>
+            <a:endParaRPr lang="da-DK"/>
+          </a:p>
+        </p:txBody>
+      </p:sp>
+      <p:sp>
+        <p:nvSpPr>
+          <p:cNvPr id="5" name="Footer Placeholder 4">
+            <a:extLst>
+              <a:ext uri="{FF2B5EF4-FFF2-40B4-BE49-F238E27FC236}">
+                <a16:creationId xmlns:a16="http://schemas.microsoft.com/office/drawing/2014/main" id="{7DC01D13-A7AE-486A-B461-0BC988932A1E}"/>
+              </a:ext>
+            </a:extLst>
+          </p:cNvPr>
+          <p:cNvSpPr>
+            <a:spLocks noGrp="1"/>
+          </p:cNvSpPr>
+          <p:nvPr>
+            <p:ph type="ftr" sz="quarter" idx="11"/>
+          </p:nvPr>
+        </p:nvSpPr>
+        <p:spPr/>
+        <p:txBody>
+          <a:bodyPr/>
+          <a:lstStyle/>
+          <a:p>
+            <a:r>
+              <a:rPr lang="da-DK"/>
+              <a:t>Nicki Skafte Detlefsen</a:t>
+            </a:r>
+          </a:p>
+        </p:txBody>
+      </p:sp>
+      <p:sp>
+        <p:nvSpPr>
+          <p:cNvPr id="6" name="Slide Number Placeholder 5">
+            <a:extLst>
+              <a:ext uri="{FF2B5EF4-FFF2-40B4-BE49-F238E27FC236}">
+                <a16:creationId xmlns:a16="http://schemas.microsoft.com/office/drawing/2014/main" id="{35FE3EE1-CAD2-43C5-A925-1E7DD24EA24F}"/>
+              </a:ext>
+            </a:extLst>
+          </p:cNvPr>
+          <p:cNvSpPr>
+            <a:spLocks noGrp="1"/>
+          </p:cNvSpPr>
+          <p:nvPr>
+            <p:ph type="sldNum" sz="quarter" idx="12"/>
+          </p:nvPr>
+        </p:nvSpPr>
+        <p:spPr/>
+        <p:txBody>
+          <a:bodyPr/>
+          <a:lstStyle/>
+          <a:p>
+            <a:fld id="{F6FEDE24-D50C-481B-A7B4-8AF13899101A}" type="slidenum">
+              <a:rPr lang="da-DK" smtClean="0"/>
+              <a:t>14</a:t>
+            </a:fld>
+            <a:endParaRPr lang="da-DK"/>
+          </a:p>
+        </p:txBody>
+      </p:sp>
+      <p:pic>
+        <p:nvPicPr>
+          <p:cNvPr id="8" name="Picture 7">
+            <a:extLst>
+              <a:ext uri="{FF2B5EF4-FFF2-40B4-BE49-F238E27FC236}">
+                <a16:creationId xmlns:a16="http://schemas.microsoft.com/office/drawing/2014/main" id="{EFB3652A-BB54-4994-B86F-1E5DFCCD06DE}"/>
+              </a:ext>
+            </a:extLst>
+          </p:cNvPr>
+          <p:cNvPicPr>
+            <a:picLocks noChangeAspect="1"/>
+          </p:cNvPicPr>
+          <p:nvPr/>
+        </p:nvPicPr>
+        <p:blipFill>
+          <a:blip r:embed="rId2"/>
+          <a:stretch>
+            <a:fillRect/>
+          </a:stretch>
+        </p:blipFill>
+        <p:spPr>
+          <a:xfrm>
+            <a:off x="1117826" y="2079109"/>
+            <a:ext cx="8258175" cy="2133600"/>
+          </a:xfrm>
+          <a:prstGeom prst="rect">
+            <a:avLst/>
+          </a:prstGeom>
+        </p:spPr>
+      </p:pic>
+      <p:pic>
+        <p:nvPicPr>
+          <p:cNvPr id="10" name="Picture 9">
+            <a:extLst>
+              <a:ext uri="{FF2B5EF4-FFF2-40B4-BE49-F238E27FC236}">
+                <a16:creationId xmlns:a16="http://schemas.microsoft.com/office/drawing/2014/main" id="{9F931703-E771-4201-B819-2B635CB72A0C}"/>
+              </a:ext>
+            </a:extLst>
+          </p:cNvPr>
+          <p:cNvPicPr>
+            <a:picLocks noChangeAspect="1"/>
+          </p:cNvPicPr>
+          <p:nvPr/>
+        </p:nvPicPr>
+        <p:blipFill>
+          <a:blip r:embed="rId3"/>
+          <a:stretch>
+            <a:fillRect/>
+          </a:stretch>
+        </p:blipFill>
+        <p:spPr>
+          <a:xfrm>
+            <a:off x="111967" y="4577834"/>
+            <a:ext cx="11968066" cy="1778516"/>
+          </a:xfrm>
+          <a:prstGeom prst="rect">
+            <a:avLst/>
+          </a:prstGeom>
+        </p:spPr>
+      </p:pic>
+      <p:sp>
+        <p:nvSpPr>
+          <p:cNvPr id="16" name="Arc 15">
+            <a:extLst>
+              <a:ext uri="{FF2B5EF4-FFF2-40B4-BE49-F238E27FC236}">
+                <a16:creationId xmlns:a16="http://schemas.microsoft.com/office/drawing/2014/main" id="{FEA3762D-B493-4B97-88A7-E034D85F4346}"/>
+              </a:ext>
+            </a:extLst>
+          </p:cNvPr>
+          <p:cNvSpPr/>
+          <p:nvPr/>
+        </p:nvSpPr>
+        <p:spPr>
+          <a:xfrm rot="16200000">
+            <a:off x="-377315" y="3878569"/>
+            <a:ext cx="3246160" cy="1350628"/>
+          </a:xfrm>
+          <a:prstGeom prst="arc">
+            <a:avLst/>
+          </a:prstGeom>
+          <a:noFill/>
+          <a:ln w="38100">
+            <a:solidFill>
+              <a:srgbClr val="FF0000"/>
+            </a:solidFill>
+          </a:ln>
+        </p:spPr>
+        <p:style>
+          <a:lnRef idx="1">
+            <a:schemeClr val="accent1"/>
+          </a:lnRef>
+          <a:fillRef idx="0">
+            <a:schemeClr val="accent1"/>
+          </a:fillRef>
+          <a:effectRef idx="0">
+            <a:schemeClr val="accent1"/>
+          </a:effectRef>
+          <a:fontRef idx="minor">
+            <a:schemeClr val="tx1"/>
+          </a:fontRef>
+        </p:style>
+        <p:txBody>
+          <a:bodyPr rtlCol="0" anchor="ctr"/>
+          <a:lstStyle/>
+          <a:p>
+            <a:pPr algn="ctr"/>
+            <a:endParaRPr lang="da-DK"/>
+          </a:p>
+        </p:txBody>
+      </p:sp>
+      <p:cxnSp>
+        <p:nvCxnSpPr>
+          <p:cNvPr id="18" name="Straight Arrow Connector 17">
+            <a:extLst>
+              <a:ext uri="{FF2B5EF4-FFF2-40B4-BE49-F238E27FC236}">
+                <a16:creationId xmlns:a16="http://schemas.microsoft.com/office/drawing/2014/main" id="{0D7000F7-CB60-407D-88EA-02D70BABA686}"/>
+              </a:ext>
+            </a:extLst>
+          </p:cNvPr>
+          <p:cNvCxnSpPr>
+            <a:cxnSpLocks/>
+          </p:cNvCxnSpPr>
+          <p:nvPr/>
+        </p:nvCxnSpPr>
+        <p:spPr>
+          <a:xfrm>
+            <a:off x="570450" y="4433888"/>
+            <a:ext cx="0" cy="188118"/>
+          </a:xfrm>
+          <a:prstGeom prst="straightConnector1">
+            <a:avLst/>
+          </a:prstGeom>
+          <a:ln>
+            <a:solidFill>
+              <a:srgbClr val="FF0000"/>
+            </a:solidFill>
+            <a:tailEnd type="triangle"/>
+          </a:ln>
+        </p:spPr>
+        <p:style>
+          <a:lnRef idx="1">
+            <a:schemeClr val="accent1"/>
+          </a:lnRef>
+          <a:fillRef idx="0">
+            <a:schemeClr val="accent1"/>
+          </a:fillRef>
+          <a:effectRef idx="0">
+            <a:schemeClr val="accent1"/>
+          </a:effectRef>
+          <a:fontRef idx="minor">
+            <a:schemeClr val="tx1"/>
+          </a:fontRef>
+        </p:style>
+      </p:cxnSp>
+      <p:sp>
+        <p:nvSpPr>
+          <p:cNvPr id="22" name="Rectangle 21">
+            <a:extLst>
+              <a:ext uri="{FF2B5EF4-FFF2-40B4-BE49-F238E27FC236}">
+                <a16:creationId xmlns:a16="http://schemas.microsoft.com/office/drawing/2014/main" id="{2010C28E-E20E-42F8-A38F-AAE9EB9D4AD3}"/>
+              </a:ext>
+            </a:extLst>
+          </p:cNvPr>
+          <p:cNvSpPr/>
+          <p:nvPr/>
+        </p:nvSpPr>
+        <p:spPr>
+          <a:xfrm>
+            <a:off x="1117826" y="2079109"/>
+            <a:ext cx="1222702" cy="303364"/>
+          </a:xfrm>
+          <a:prstGeom prst="rect">
+            <a:avLst/>
+          </a:prstGeom>
+          <a:ln>
+            <a:noFill/>
+          </a:ln>
+        </p:spPr>
+        <p:style>
+          <a:lnRef idx="2">
+            <a:schemeClr val="dk1">
+              <a:shade val="50000"/>
+            </a:schemeClr>
+          </a:lnRef>
+          <a:fillRef idx="1">
+            <a:schemeClr val="dk1"/>
+          </a:fillRef>
+          <a:effectRef idx="0">
+            <a:schemeClr val="dk1"/>
+          </a:effectRef>
+          <a:fontRef idx="minor">
+            <a:schemeClr val="lt1"/>
+          </a:fontRef>
+        </p:style>
+        <p:txBody>
+          <a:bodyPr rtlCol="0" anchor="ctr"/>
+          <a:lstStyle/>
+          <a:p>
+            <a:pPr algn="ctr"/>
+            <a:endParaRPr lang="da-DK"/>
+          </a:p>
+        </p:txBody>
+      </p:sp>
+      <p:sp>
+        <p:nvSpPr>
+          <p:cNvPr id="23" name="Rectangle 22">
+            <a:extLst>
+              <a:ext uri="{FF2B5EF4-FFF2-40B4-BE49-F238E27FC236}">
+                <a16:creationId xmlns:a16="http://schemas.microsoft.com/office/drawing/2014/main" id="{DDD89903-544C-4D48-9A31-72FBE8842C76}"/>
+              </a:ext>
+            </a:extLst>
+          </p:cNvPr>
+          <p:cNvSpPr/>
+          <p:nvPr/>
+        </p:nvSpPr>
+        <p:spPr>
+          <a:xfrm>
+            <a:off x="1491830" y="2448052"/>
+            <a:ext cx="290126" cy="303364"/>
+          </a:xfrm>
+          <a:prstGeom prst="rect">
+            <a:avLst/>
+          </a:prstGeom>
+          <a:ln>
+            <a:noFill/>
+          </a:ln>
+        </p:spPr>
+        <p:style>
+          <a:lnRef idx="2">
+            <a:schemeClr val="dk1">
+              <a:shade val="50000"/>
+            </a:schemeClr>
+          </a:lnRef>
+          <a:fillRef idx="1">
+            <a:schemeClr val="dk1"/>
+          </a:fillRef>
+          <a:effectRef idx="0">
+            <a:schemeClr val="dk1"/>
+          </a:effectRef>
+          <a:fontRef idx="minor">
+            <a:schemeClr val="lt1"/>
+          </a:fontRef>
+        </p:style>
+        <p:txBody>
+          <a:bodyPr rtlCol="0" anchor="ctr"/>
+          <a:lstStyle/>
+          <a:p>
+            <a:pPr algn="ctr"/>
+            <a:endParaRPr lang="da-DK"/>
+          </a:p>
+        </p:txBody>
+      </p:sp>
+      <p:sp>
+        <p:nvSpPr>
+          <p:cNvPr id="24" name="Rectangle 23">
+            <a:extLst>
+              <a:ext uri="{FF2B5EF4-FFF2-40B4-BE49-F238E27FC236}">
+                <a16:creationId xmlns:a16="http://schemas.microsoft.com/office/drawing/2014/main" id="{D7AE0641-BB94-4136-985E-71AC3CD43D54}"/>
+              </a:ext>
+            </a:extLst>
+          </p:cNvPr>
+          <p:cNvSpPr/>
+          <p:nvPr/>
+        </p:nvSpPr>
+        <p:spPr>
+          <a:xfrm>
+            <a:off x="1485891" y="3159838"/>
+            <a:ext cx="290126" cy="303364"/>
+          </a:xfrm>
+          <a:prstGeom prst="rect">
+            <a:avLst/>
+          </a:prstGeom>
+          <a:ln>
+            <a:noFill/>
+          </a:ln>
+        </p:spPr>
+        <p:style>
+          <a:lnRef idx="2">
+            <a:schemeClr val="dk1">
+              <a:shade val="50000"/>
+            </a:schemeClr>
+          </a:lnRef>
+          <a:fillRef idx="1">
+            <a:schemeClr val="dk1"/>
+          </a:fillRef>
+          <a:effectRef idx="0">
+            <a:schemeClr val="dk1"/>
+          </a:effectRef>
+          <a:fontRef idx="minor">
+            <a:schemeClr val="lt1"/>
+          </a:fontRef>
+        </p:style>
+        <p:txBody>
+          <a:bodyPr rtlCol="0" anchor="ctr"/>
+          <a:lstStyle/>
+          <a:p>
+            <a:pPr algn="ctr"/>
+            <a:endParaRPr lang="da-DK"/>
+          </a:p>
+        </p:txBody>
+      </p:sp>
+      <p:sp>
+        <p:nvSpPr>
+          <p:cNvPr id="25" name="Rectangle 24">
+            <a:extLst>
+              <a:ext uri="{FF2B5EF4-FFF2-40B4-BE49-F238E27FC236}">
+                <a16:creationId xmlns:a16="http://schemas.microsoft.com/office/drawing/2014/main" id="{F7A073CB-FF64-4E70-B07B-5E3489CEE49A}"/>
+              </a:ext>
+            </a:extLst>
+          </p:cNvPr>
+          <p:cNvSpPr/>
+          <p:nvPr/>
+        </p:nvSpPr>
+        <p:spPr>
+          <a:xfrm>
+            <a:off x="1485891" y="3859850"/>
+            <a:ext cx="290126" cy="303364"/>
+          </a:xfrm>
+          <a:prstGeom prst="rect">
+            <a:avLst/>
+          </a:prstGeom>
+          <a:ln>
+            <a:noFill/>
+          </a:ln>
+        </p:spPr>
+        <p:style>
+          <a:lnRef idx="2">
+            <a:schemeClr val="dk1">
+              <a:shade val="50000"/>
+            </a:schemeClr>
+          </a:lnRef>
+          <a:fillRef idx="1">
+            <a:schemeClr val="dk1"/>
+          </a:fillRef>
+          <a:effectRef idx="0">
+            <a:schemeClr val="dk1"/>
+          </a:effectRef>
+          <a:fontRef idx="minor">
+            <a:schemeClr val="lt1"/>
+          </a:fontRef>
+        </p:style>
+        <p:txBody>
+          <a:bodyPr rtlCol="0" anchor="ctr"/>
+          <a:lstStyle/>
+          <a:p>
+            <a:pPr algn="ctr"/>
+            <a:endParaRPr lang="da-DK"/>
+          </a:p>
+        </p:txBody>
+      </p:sp>
+    </p:spTree>
+    <p:extLst>
+      <p:ext uri="{BB962C8B-B14F-4D97-AF65-F5344CB8AC3E}">
+        <p14:creationId xmlns:p14="http://schemas.microsoft.com/office/powerpoint/2010/main" val="208512110"/>
+      </p:ext>
+    </p:extLst>
+  </p:cSld>
+  <p:clrMapOvr>
+    <a:masterClrMapping/>
+  </p:clrMapOvr>
+</p:sld>
+</file>
+
+<file path=ppt/slides/slide15.xml><?xml version="1.0" encoding="utf-8"?>
+<p:sld xmlns:a="http://schemas.openxmlformats.org/drawingml/2006/main" xmlns:r="http://schemas.openxmlformats.org/officeDocument/2006/relationships" xmlns:p="http://schemas.openxmlformats.org/presentationml/2006/main">
+  <p:cSld>
+    <p:spTree>
+      <p:nvGrpSpPr>
+        <p:cNvPr id="1" name=""/>
+        <p:cNvGrpSpPr/>
+        <p:nvPr/>
+      </p:nvGrpSpPr>
+      <p:grpSpPr>
+        <a:xfrm>
+          <a:off x="0" y="0"/>
+          <a:ext cx="0" cy="0"/>
+          <a:chOff x="0" y="0"/>
+          <a:chExt cx="0" cy="0"/>
+        </a:xfrm>
+      </p:grpSpPr>
+      <p:sp>
+        <p:nvSpPr>
+          <p:cNvPr id="2" name="Title 1">
+            <a:extLst>
+              <a:ext uri="{FF2B5EF4-FFF2-40B4-BE49-F238E27FC236}">
+                <a16:creationId xmlns:a16="http://schemas.microsoft.com/office/drawing/2014/main" id="{6D61B4D3-0319-42FA-8A8B-4149503565A0}"/>
+              </a:ext>
+            </a:extLst>
+          </p:cNvPr>
+          <p:cNvSpPr>
+            <a:spLocks noGrp="1"/>
+          </p:cNvSpPr>
+          <p:nvPr>
+            <p:ph type="title"/>
+          </p:nvPr>
+        </p:nvSpPr>
+        <p:spPr/>
+        <p:txBody>
+          <a:bodyPr/>
+          <a:lstStyle/>
+          <a:p>
+            <a:r>
+              <a:rPr lang="da-DK" dirty="0"/>
+              <a:t>The future is here</a:t>
+            </a:r>
+          </a:p>
+        </p:txBody>
+      </p:sp>
+      <p:pic>
+        <p:nvPicPr>
+          <p:cNvPr id="8" name="Content Placeholder 7">
+            <a:extLst>
+              <a:ext uri="{FF2B5EF4-FFF2-40B4-BE49-F238E27FC236}">
+                <a16:creationId xmlns:a16="http://schemas.microsoft.com/office/drawing/2014/main" id="{2ABA0442-32E9-413A-8163-F3640033A66C}"/>
+              </a:ext>
+            </a:extLst>
+          </p:cNvPr>
+          <p:cNvPicPr>
+            <a:picLocks noGrp="1" noChangeAspect="1"/>
+          </p:cNvPicPr>
+          <p:nvPr>
+            <p:ph idx="1"/>
+          </p:nvPr>
+        </p:nvPicPr>
+        <p:blipFill>
+          <a:blip r:embed="rId2">
+            <a:extLst>
+              <a:ext uri="{28A0092B-C50C-407E-A947-70E740481C1C}">
+                <a14:useLocalDpi xmlns:a14="http://schemas.microsoft.com/office/drawing/2010/main" val="0"/>
+              </a:ext>
+            </a:extLst>
+          </a:blip>
+          <a:stretch>
+            <a:fillRect/>
+          </a:stretch>
+        </p:blipFill>
+        <p:spPr>
+          <a:xfrm>
+            <a:off x="1822727" y="919752"/>
+            <a:ext cx="8193728" cy="5300318"/>
+          </a:xfrm>
+        </p:spPr>
+      </p:pic>
+      <p:sp>
+        <p:nvSpPr>
+          <p:cNvPr id="4" name="Date Placeholder 3">
+            <a:extLst>
+              <a:ext uri="{FF2B5EF4-FFF2-40B4-BE49-F238E27FC236}">
+                <a16:creationId xmlns:a16="http://schemas.microsoft.com/office/drawing/2014/main" id="{B02E0894-40E7-4336-8884-BE34C5933D90}"/>
+              </a:ext>
+            </a:extLst>
+          </p:cNvPr>
+          <p:cNvSpPr>
+            <a:spLocks noGrp="1"/>
+          </p:cNvSpPr>
+          <p:nvPr>
+            <p:ph type="dt" sz="half" idx="10"/>
+          </p:nvPr>
+        </p:nvSpPr>
+        <p:spPr/>
+        <p:txBody>
+          <a:bodyPr/>
+          <a:lstStyle/>
+          <a:p>
+            <a:fld id="{019E29B9-5584-4737-9C98-1B926378C778}" type="datetime1">
+              <a:rPr lang="en-US" smtClean="0"/>
+              <a:t>5/18/2021</a:t>
+            </a:fld>
+            <a:endParaRPr lang="da-DK"/>
+          </a:p>
+        </p:txBody>
+      </p:sp>
+      <p:sp>
+        <p:nvSpPr>
+          <p:cNvPr id="5" name="Footer Placeholder 4">
+            <a:extLst>
+              <a:ext uri="{FF2B5EF4-FFF2-40B4-BE49-F238E27FC236}">
+                <a16:creationId xmlns:a16="http://schemas.microsoft.com/office/drawing/2014/main" id="{5F482BEA-F413-451E-8C4C-AC26D899C263}"/>
+              </a:ext>
+            </a:extLst>
+          </p:cNvPr>
+          <p:cNvSpPr>
+            <a:spLocks noGrp="1"/>
+          </p:cNvSpPr>
+          <p:nvPr>
+            <p:ph type="ftr" sz="quarter" idx="11"/>
+          </p:nvPr>
+        </p:nvSpPr>
+        <p:spPr/>
+        <p:txBody>
+          <a:bodyPr/>
+          <a:lstStyle/>
+          <a:p>
+            <a:r>
+              <a:rPr lang="da-DK"/>
+              <a:t>Nicki Skafte Detlefsen</a:t>
+            </a:r>
+          </a:p>
+        </p:txBody>
+      </p:sp>
+      <p:sp>
+        <p:nvSpPr>
+          <p:cNvPr id="6" name="Slide Number Placeholder 5">
+            <a:extLst>
+              <a:ext uri="{FF2B5EF4-FFF2-40B4-BE49-F238E27FC236}">
+                <a16:creationId xmlns:a16="http://schemas.microsoft.com/office/drawing/2014/main" id="{9679B603-CDD4-4014-991C-92C337C8DEA3}"/>
+              </a:ext>
+            </a:extLst>
+          </p:cNvPr>
+          <p:cNvSpPr>
+            <a:spLocks noGrp="1"/>
+          </p:cNvSpPr>
+          <p:nvPr>
+            <p:ph type="sldNum" sz="quarter" idx="12"/>
+          </p:nvPr>
+        </p:nvSpPr>
+        <p:spPr/>
+        <p:txBody>
+          <a:bodyPr/>
+          <a:lstStyle/>
+          <a:p>
+            <a:fld id="{F6FEDE24-D50C-481B-A7B4-8AF13899101A}" type="slidenum">
+              <a:rPr lang="da-DK" smtClean="0"/>
+              <a:t>15</a:t>
+            </a:fld>
+            <a:endParaRPr lang="da-DK"/>
+          </a:p>
+        </p:txBody>
+      </p:sp>
+    </p:spTree>
+    <p:extLst>
+      <p:ext uri="{BB962C8B-B14F-4D97-AF65-F5344CB8AC3E}">
+        <p14:creationId xmlns:p14="http://schemas.microsoft.com/office/powerpoint/2010/main" val="1925155323"/>
+      </p:ext>
+    </p:extLst>
+  </p:cSld>
+  <p:clrMapOvr>
+    <a:masterClrMapping/>
+  </p:clrMapOvr>
+</p:sld>
+</file>
+
 <file path=ppt/slides/slide2.xml><?xml version="1.0" encoding="utf-8"?>
 <p:sld xmlns:a="http://schemas.openxmlformats.org/drawingml/2006/main" xmlns:r="http://schemas.openxmlformats.org/officeDocument/2006/relationships" xmlns:p="http://schemas.openxmlformats.org/presentationml/2006/main">
   <p:cSld>
@@ -4167,7 +8285,10 @@
           <a:bodyPr/>
           <a:lstStyle/>
           <a:p>
-            <a:endParaRPr lang="da-DK"/>
+            <a:r>
+              <a:rPr lang="da-DK" dirty="0"/>
+              <a:t>What is continues integration?</a:t>
+            </a:r>
           </a:p>
         </p:txBody>
       </p:sp>
@@ -4192,7 +8313,66 @@
           <a:bodyPr/>
           <a:lstStyle/>
           <a:p>
-            <a:endParaRPr lang="da-DK"/>
+            <a:r>
+              <a:rPr lang="da-DK" dirty="0"/>
+              <a:t>Software practise</a:t>
+            </a:r>
+          </a:p>
+          <a:p>
+            <a:pPr lvl="1"/>
+            <a:endParaRPr lang="da-DK" dirty="0"/>
+          </a:p>
+          <a:p>
+            <a:pPr lvl="1"/>
+            <a:r>
+              <a:rPr lang="da-DK" dirty="0"/>
+              <a:t>Frequitly commit code to shared reposatory</a:t>
+            </a:r>
+          </a:p>
+          <a:p>
+            <a:pPr lvl="1"/>
+            <a:endParaRPr lang="da-DK" dirty="0"/>
+          </a:p>
+          <a:p>
+            <a:pPr lvl="1"/>
+            <a:r>
+              <a:rPr lang="da-DK" dirty="0"/>
+              <a:t>By commit sooner than later, errors are captured early</a:t>
+            </a:r>
+          </a:p>
+          <a:p>
+            <a:pPr lvl="1"/>
+            <a:endParaRPr lang="da-DK" dirty="0"/>
+          </a:p>
+          <a:p>
+            <a:pPr lvl="1"/>
+            <a:r>
+              <a:rPr lang="da-DK" dirty="0"/>
+              <a:t>Make merging easier</a:t>
+            </a:r>
+          </a:p>
+          <a:p>
+            <a:pPr lvl="1"/>
+            <a:endParaRPr lang="da-DK" dirty="0"/>
+          </a:p>
+          <a:p>
+            <a:pPr lvl="1"/>
+            <a:r>
+              <a:rPr lang="da-DK" dirty="0"/>
+              <a:t>Automate build + test</a:t>
+            </a:r>
+          </a:p>
+          <a:p>
+            <a:pPr marL="0" indent="0">
+              <a:buNone/>
+            </a:pPr>
+            <a:endParaRPr lang="da-DK" dirty="0"/>
+          </a:p>
+          <a:p>
+            <a:r>
+              <a:rPr lang="da-DK" dirty="0"/>
+              <a:t>App independent</a:t>
+            </a:r>
           </a:p>
         </p:txBody>
       </p:sp>
@@ -4219,7 +8399,7 @@
           <a:p>
             <a:fld id="{019E29B9-5584-4737-9C98-1B926378C778}" type="datetime1">
               <a:rPr lang="en-US" smtClean="0"/>
-              <a:t>5/12/2021</a:t>
+              <a:t>5/18/2021</a:t>
             </a:fld>
             <a:endParaRPr lang="da-DK"/>
           </a:p>
@@ -4278,6 +8458,93 @@
               <a:rPr lang="da-DK" smtClean="0"/>
               <a:t>2</a:t>
             </a:fld>
+            <a:endParaRPr lang="da-DK"/>
+          </a:p>
+        </p:txBody>
+      </p:sp>
+      <p:pic>
+        <p:nvPicPr>
+          <p:cNvPr id="7" name="Picture 6" descr="Diagram&#10;&#10;Description automatically generated">
+            <a:extLst>
+              <a:ext uri="{FF2B5EF4-FFF2-40B4-BE49-F238E27FC236}">
+                <a16:creationId xmlns:a16="http://schemas.microsoft.com/office/drawing/2014/main" id="{0CA6B713-DD80-4231-86BB-60D9DB975E14}"/>
+              </a:ext>
+            </a:extLst>
+          </p:cNvPr>
+          <p:cNvPicPr>
+            <a:picLocks noChangeAspect="1"/>
+          </p:cNvPicPr>
+          <p:nvPr/>
+        </p:nvPicPr>
+        <p:blipFill rotWithShape="1">
+          <a:blip r:embed="rId2">
+            <a:extLst>
+              <a:ext uri="{28A0092B-C50C-407E-A947-70E740481C1C}">
+                <a14:useLocalDpi xmlns:a14="http://schemas.microsoft.com/office/drawing/2010/main" val="0"/>
+              </a:ext>
+            </a:extLst>
+          </a:blip>
+          <a:srcRect l="65066" t="21007"/>
+          <a:stretch/>
+        </p:blipFill>
+        <p:spPr>
+          <a:xfrm>
+            <a:off x="8633982" y="1560352"/>
+            <a:ext cx="2480394" cy="4204400"/>
+          </a:xfrm>
+          <a:prstGeom prst="rect">
+            <a:avLst/>
+          </a:prstGeom>
+        </p:spPr>
+      </p:pic>
+      <p:sp>
+        <p:nvSpPr>
+          <p:cNvPr id="8" name="Rectangle 7">
+            <a:extLst>
+              <a:ext uri="{FF2B5EF4-FFF2-40B4-BE49-F238E27FC236}">
+                <a16:creationId xmlns:a16="http://schemas.microsoft.com/office/drawing/2014/main" id="{CBB6EA17-443E-4DFB-BEB6-2C9DE276DD2D}"/>
+              </a:ext>
+            </a:extLst>
+          </p:cNvPr>
+          <p:cNvSpPr/>
+          <p:nvPr/>
+        </p:nvSpPr>
+        <p:spPr>
+          <a:xfrm>
+            <a:off x="8742003" y="4286774"/>
+            <a:ext cx="2264353" cy="545285"/>
+          </a:xfrm>
+          <a:prstGeom prst="rect">
+            <a:avLst/>
+          </a:prstGeom>
+          <a:noFill/>
+          <a:ln w="38100">
+            <a:solidFill>
+              <a:srgbClr val="FF0000"/>
+            </a:solidFill>
+          </a:ln>
+        </p:spPr>
+        <p:style>
+          <a:lnRef idx="2">
+            <a:schemeClr val="accent1">
+              <a:shade val="50000"/>
+            </a:schemeClr>
+          </a:lnRef>
+          <a:fillRef idx="1">
+            <a:schemeClr val="accent1"/>
+          </a:fillRef>
+          <a:effectRef idx="0">
+            <a:schemeClr val="accent1"/>
+          </a:effectRef>
+          <a:fontRef idx="minor">
+            <a:schemeClr val="lt1"/>
+          </a:fontRef>
+        </p:style>
+        <p:txBody>
+          <a:bodyPr rtlCol="0" anchor="ctr"/>
+          <a:lstStyle/>
+          <a:p>
+            <a:pPr algn="ctr"/>
             <a:endParaRPr lang="da-DK"/>
           </a:p>
         </p:txBody>
@@ -4333,7 +8600,10 @@
           <a:bodyPr/>
           <a:lstStyle/>
           <a:p>
-            <a:endParaRPr lang="da-DK"/>
+            <a:r>
+              <a:rPr lang="da-DK" dirty="0"/>
+              <a:t>What is continues deployment?</a:t>
+            </a:r>
           </a:p>
         </p:txBody>
       </p:sp>
@@ -4355,10 +8625,50 @@
         </p:nvSpPr>
         <p:spPr/>
         <p:txBody>
-          <a:bodyPr/>
-          <a:lstStyle/>
-          <a:p>
-            <a:endParaRPr lang="da-DK"/>
+          <a:bodyPr>
+            <a:normAutofit/>
+          </a:bodyPr>
+          <a:lstStyle/>
+          <a:p>
+            <a:r>
+              <a:rPr lang="da-DK" dirty="0"/>
+              <a:t>How to get your code to the user</a:t>
+            </a:r>
+          </a:p>
+          <a:p>
+            <a:pPr lvl="1"/>
+            <a:endParaRPr lang="da-DK" dirty="0"/>
+          </a:p>
+          <a:p>
+            <a:pPr lvl="1"/>
+            <a:r>
+              <a:rPr lang="da-DK" dirty="0"/>
+              <a:t>3 phases: Testing, staging and deploying</a:t>
+            </a:r>
+          </a:p>
+          <a:p>
+            <a:endParaRPr lang="da-DK" dirty="0"/>
+          </a:p>
+          <a:p>
+            <a:r>
+              <a:rPr lang="da-DK" dirty="0"/>
+              <a:t>App dependent</a:t>
+            </a:r>
+          </a:p>
+          <a:p>
+            <a:pPr marL="0" indent="0">
+              <a:buNone/>
+            </a:pPr>
+            <a:endParaRPr lang="da-DK" dirty="0"/>
+          </a:p>
+          <a:p>
+            <a:pPr marL="0" indent="0">
+              <a:buNone/>
+            </a:pPr>
+            <a:r>
+              <a:rPr lang="da-DK" dirty="0"/>
+              <a:t>Note: Not covered in this course</a:t>
+            </a:r>
           </a:p>
         </p:txBody>
       </p:sp>
@@ -4385,7 +8695,7 @@
           <a:p>
             <a:fld id="{019E29B9-5584-4737-9C98-1B926378C778}" type="datetime1">
               <a:rPr lang="en-US" smtClean="0"/>
-              <a:t>5/12/2021</a:t>
+              <a:t>5/18/2021</a:t>
             </a:fld>
             <a:endParaRPr lang="da-DK"/>
           </a:p>
@@ -4444,6 +8754,93 @@
               <a:rPr lang="da-DK" smtClean="0"/>
               <a:t>3</a:t>
             </a:fld>
+            <a:endParaRPr lang="da-DK"/>
+          </a:p>
+        </p:txBody>
+      </p:sp>
+      <p:pic>
+        <p:nvPicPr>
+          <p:cNvPr id="7" name="Picture 6" descr="Diagram&#10;&#10;Description automatically generated">
+            <a:extLst>
+              <a:ext uri="{FF2B5EF4-FFF2-40B4-BE49-F238E27FC236}">
+                <a16:creationId xmlns:a16="http://schemas.microsoft.com/office/drawing/2014/main" id="{3474A754-DC40-4C13-BBA9-5C3B8F61E1D4}"/>
+              </a:ext>
+            </a:extLst>
+          </p:cNvPr>
+          <p:cNvPicPr>
+            <a:picLocks noChangeAspect="1"/>
+          </p:cNvPicPr>
+          <p:nvPr/>
+        </p:nvPicPr>
+        <p:blipFill rotWithShape="1">
+          <a:blip r:embed="rId2">
+            <a:extLst>
+              <a:ext uri="{28A0092B-C50C-407E-A947-70E740481C1C}">
+                <a14:useLocalDpi xmlns:a14="http://schemas.microsoft.com/office/drawing/2010/main" val="0"/>
+              </a:ext>
+            </a:extLst>
+          </a:blip>
+          <a:srcRect l="65066" t="21007"/>
+          <a:stretch/>
+        </p:blipFill>
+        <p:spPr>
+          <a:xfrm>
+            <a:off x="8742003" y="1560352"/>
+            <a:ext cx="2480394" cy="4204400"/>
+          </a:xfrm>
+          <a:prstGeom prst="rect">
+            <a:avLst/>
+          </a:prstGeom>
+        </p:spPr>
+      </p:pic>
+      <p:sp>
+        <p:nvSpPr>
+          <p:cNvPr id="8" name="Rectangle 7">
+            <a:extLst>
+              <a:ext uri="{FF2B5EF4-FFF2-40B4-BE49-F238E27FC236}">
+                <a16:creationId xmlns:a16="http://schemas.microsoft.com/office/drawing/2014/main" id="{04E952B0-09AB-4875-AF7F-ABD953E35184}"/>
+              </a:ext>
+            </a:extLst>
+          </p:cNvPr>
+          <p:cNvSpPr/>
+          <p:nvPr/>
+        </p:nvSpPr>
+        <p:spPr>
+          <a:xfrm>
+            <a:off x="8742003" y="4286774"/>
+            <a:ext cx="2264353" cy="545285"/>
+          </a:xfrm>
+          <a:prstGeom prst="rect">
+            <a:avLst/>
+          </a:prstGeom>
+          <a:noFill/>
+          <a:ln w="38100">
+            <a:solidFill>
+              <a:srgbClr val="FF0000"/>
+            </a:solidFill>
+          </a:ln>
+        </p:spPr>
+        <p:style>
+          <a:lnRef idx="2">
+            <a:schemeClr val="accent1">
+              <a:shade val="50000"/>
+            </a:schemeClr>
+          </a:lnRef>
+          <a:fillRef idx="1">
+            <a:schemeClr val="accent1"/>
+          </a:fillRef>
+          <a:effectRef idx="0">
+            <a:schemeClr val="accent1"/>
+          </a:effectRef>
+          <a:fontRef idx="minor">
+            <a:schemeClr val="lt1"/>
+          </a:fontRef>
+        </p:style>
+        <p:txBody>
+          <a:bodyPr rtlCol="0" anchor="ctr"/>
+          <a:lstStyle/>
+          <a:p>
+            <a:pPr algn="ctr"/>
             <a:endParaRPr lang="da-DK"/>
           </a:p>
         </p:txBody>
@@ -4499,7 +8896,10 @@
           <a:bodyPr/>
           <a:lstStyle/>
           <a:p>
-            <a:endParaRPr lang="da-DK"/>
+            <a:r>
+              <a:rPr lang="da-DK" dirty="0"/>
+              <a:t>CI step 1: Commiting code</a:t>
+            </a:r>
           </a:p>
         </p:txBody>
       </p:sp>
@@ -4524,7 +8924,38 @@
           <a:bodyPr/>
           <a:lstStyle/>
           <a:p>
-            <a:endParaRPr lang="da-DK"/>
+            <a:r>
+              <a:rPr lang="da-DK" dirty="0"/>
+              <a:t>Commit frequently</a:t>
+            </a:r>
+          </a:p>
+          <a:p>
+            <a:endParaRPr lang="da-DK" dirty="0"/>
+          </a:p>
+          <a:p>
+            <a:r>
+              <a:rPr lang="da-DK" dirty="0"/>
+              <a:t>Use branches</a:t>
+            </a:r>
+          </a:p>
+          <a:p>
+            <a:endParaRPr lang="da-DK" dirty="0"/>
+          </a:p>
+          <a:p>
+            <a:r>
+              <a:rPr lang="da-DK" dirty="0"/>
+              <a:t>Make PRs</a:t>
+            </a:r>
+          </a:p>
+          <a:p>
+            <a:endParaRPr lang="da-DK" dirty="0"/>
+          </a:p>
+          <a:p>
+            <a:endParaRPr lang="da-DK" dirty="0"/>
+          </a:p>
+          <a:p>
+            <a:pPr lvl="1"/>
+            <a:endParaRPr lang="da-DK" dirty="0"/>
           </a:p>
         </p:txBody>
       </p:sp>
@@ -4551,7 +8982,7 @@
           <a:p>
             <a:fld id="{019E29B9-5584-4737-9C98-1B926378C778}" type="datetime1">
               <a:rPr lang="en-US" smtClean="0"/>
-              <a:t>5/12/2021</a:t>
+              <a:t>5/18/2021</a:t>
             </a:fld>
             <a:endParaRPr lang="da-DK"/>
           </a:p>
@@ -4614,6 +9045,64 @@
           </a:p>
         </p:txBody>
       </p:sp>
+      <p:pic>
+        <p:nvPicPr>
+          <p:cNvPr id="12" name="Picture 11">
+            <a:extLst>
+              <a:ext uri="{FF2B5EF4-FFF2-40B4-BE49-F238E27FC236}">
+                <a16:creationId xmlns:a16="http://schemas.microsoft.com/office/drawing/2014/main" id="{D61C85C5-A9D4-408A-952B-F5B11C498ED8}"/>
+              </a:ext>
+            </a:extLst>
+          </p:cNvPr>
+          <p:cNvPicPr>
+            <a:picLocks noChangeAspect="1"/>
+          </p:cNvPicPr>
+          <p:nvPr/>
+        </p:nvPicPr>
+        <p:blipFill>
+          <a:blip r:embed="rId2"/>
+          <a:stretch>
+            <a:fillRect/>
+          </a:stretch>
+        </p:blipFill>
+        <p:spPr>
+          <a:xfrm>
+            <a:off x="7118296" y="960101"/>
+            <a:ext cx="2788166" cy="5396249"/>
+          </a:xfrm>
+          <a:prstGeom prst="rect">
+            <a:avLst/>
+          </a:prstGeom>
+        </p:spPr>
+      </p:pic>
+      <p:graphicFrame>
+        <p:nvGraphicFramePr>
+          <p:cNvPr id="21" name="Diagram 20">
+            <a:extLst>
+              <a:ext uri="{FF2B5EF4-FFF2-40B4-BE49-F238E27FC236}">
+                <a16:creationId xmlns:a16="http://schemas.microsoft.com/office/drawing/2014/main" id="{31C25018-F696-44E0-BC57-54647C2F4B38}"/>
+              </a:ext>
+            </a:extLst>
+          </p:cNvPr>
+          <p:cNvGraphicFramePr/>
+          <p:nvPr>
+            <p:extLst>
+              <p:ext uri="{D42A27DB-BD31-4B8C-83A1-F6EECF244321}">
+                <p14:modId xmlns:p14="http://schemas.microsoft.com/office/powerpoint/2010/main" val="2569426726"/>
+              </p:ext>
+            </p:extLst>
+          </p:nvPr>
+        </p:nvGraphicFramePr>
+        <p:xfrm>
+          <a:off x="4913856" y="830510"/>
+          <a:ext cx="2204440" cy="2447177"/>
+        </p:xfrm>
+        <a:graphic>
+          <a:graphicData uri="http://schemas.openxmlformats.org/drawingml/2006/diagram">
+            <dgm:relIds xmlns:dgm="http://schemas.openxmlformats.org/drawingml/2006/diagram" xmlns:r="http://schemas.openxmlformats.org/officeDocument/2006/relationships" r:dm="rId3" r:lo="rId4" r:qs="rId5" r:cs="rId6"/>
+          </a:graphicData>
+        </a:graphic>
+      </p:graphicFrame>
     </p:spTree>
     <p:extLst>
       <p:ext uri="{BB962C8B-B14F-4D97-AF65-F5344CB8AC3E}">
@@ -4665,7 +9154,10 @@
           <a:bodyPr/>
           <a:lstStyle/>
           <a:p>
-            <a:endParaRPr lang="da-DK"/>
+            <a:r>
+              <a:rPr lang="da-DK" dirty="0"/>
+              <a:t>CI step 2: Automating stuff</a:t>
+            </a:r>
           </a:p>
         </p:txBody>
       </p:sp>
@@ -4690,7 +9182,60 @@
           <a:bodyPr/>
           <a:lstStyle/>
           <a:p>
-            <a:endParaRPr lang="da-DK"/>
+            <a:r>
+              <a:rPr lang="da-DK" dirty="0"/>
+              <a:t>What can be automated: EVERYTHING</a:t>
+            </a:r>
+          </a:p>
+          <a:p>
+            <a:pPr lvl="1"/>
+            <a:r>
+              <a:rPr lang="en-US" dirty="0"/>
+              <a:t>Functional tests</a:t>
+            </a:r>
+          </a:p>
+          <a:p>
+            <a:pPr lvl="1"/>
+            <a:r>
+              <a:rPr lang="en-US" dirty="0"/>
+              <a:t>Documentation creation</a:t>
+            </a:r>
+          </a:p>
+          <a:p>
+            <a:pPr lvl="1"/>
+            <a:r>
+              <a:rPr lang="en-US" dirty="0"/>
+              <a:t>Linters (which check style formatting)</a:t>
+            </a:r>
+          </a:p>
+          <a:p>
+            <a:pPr lvl="1"/>
+            <a:r>
+              <a:rPr lang="en-US" dirty="0"/>
+              <a:t>Security checks</a:t>
+            </a:r>
+          </a:p>
+          <a:p>
+            <a:pPr lvl="1"/>
+            <a:r>
+              <a:rPr lang="en-US" dirty="0"/>
+              <a:t>Code coverage</a:t>
+            </a:r>
+          </a:p>
+          <a:p>
+            <a:pPr lvl="1"/>
+            <a:r>
+              <a:rPr lang="en-US" dirty="0"/>
+              <a:t>Custom checks…</a:t>
+            </a:r>
+            <a:endParaRPr lang="da-DK" dirty="0"/>
+          </a:p>
+          <a:p>
+            <a:pPr lvl="1"/>
+            <a:endParaRPr lang="da-DK" dirty="0"/>
+          </a:p>
+          <a:p>
+            <a:endParaRPr lang="da-DK" dirty="0"/>
           </a:p>
         </p:txBody>
       </p:sp>
@@ -4717,7 +9262,7 @@
           <a:p>
             <a:fld id="{019E29B9-5584-4737-9C98-1B926378C778}" type="datetime1">
               <a:rPr lang="en-US" smtClean="0"/>
-              <a:t>5/12/2021</a:t>
+              <a:t>5/18/2021</a:t>
             </a:fld>
             <a:endParaRPr lang="da-DK"/>
           </a:p>
@@ -4784,6 +9329,1459 @@
     <p:extLst>
       <p:ext uri="{BB962C8B-B14F-4D97-AF65-F5344CB8AC3E}">
         <p14:creationId xmlns:p14="http://schemas.microsoft.com/office/powerpoint/2010/main" val="1371277988"/>
+      </p:ext>
+    </p:extLst>
+  </p:cSld>
+  <p:clrMapOvr>
+    <a:masterClrMapping/>
+  </p:clrMapOvr>
+</p:sld>
+</file>
+
+<file path=ppt/slides/slide6.xml><?xml version="1.0" encoding="utf-8"?>
+<p:sld xmlns:a="http://schemas.openxmlformats.org/drawingml/2006/main" xmlns:r="http://schemas.openxmlformats.org/officeDocument/2006/relationships" xmlns:p="http://schemas.openxmlformats.org/presentationml/2006/main">
+  <p:cSld>
+    <p:spTree>
+      <p:nvGrpSpPr>
+        <p:cNvPr id="1" name=""/>
+        <p:cNvGrpSpPr/>
+        <p:nvPr/>
+      </p:nvGrpSpPr>
+      <p:grpSpPr>
+        <a:xfrm>
+          <a:off x="0" y="0"/>
+          <a:ext cx="0" cy="0"/>
+          <a:chOff x="0" y="0"/>
+          <a:chExt cx="0" cy="0"/>
+        </a:xfrm>
+      </p:grpSpPr>
+      <p:sp>
+        <p:nvSpPr>
+          <p:cNvPr id="2" name="Title 1">
+            <a:extLst>
+              <a:ext uri="{FF2B5EF4-FFF2-40B4-BE49-F238E27FC236}">
+                <a16:creationId xmlns:a16="http://schemas.microsoft.com/office/drawing/2014/main" id="{67049641-DF90-4FBF-A399-35809E687CCD}"/>
+              </a:ext>
+            </a:extLst>
+          </p:cNvPr>
+          <p:cNvSpPr>
+            <a:spLocks noGrp="1"/>
+          </p:cNvSpPr>
+          <p:nvPr>
+            <p:ph type="title"/>
+          </p:nvPr>
+        </p:nvSpPr>
+        <p:spPr/>
+        <p:txBody>
+          <a:bodyPr/>
+          <a:lstStyle/>
+          <a:p>
+            <a:r>
+              <a:rPr lang="da-DK" dirty="0"/>
+              <a:t>A small case study</a:t>
+            </a:r>
+          </a:p>
+        </p:txBody>
+      </p:sp>
+      <p:sp>
+        <p:nvSpPr>
+          <p:cNvPr id="3" name="Content Placeholder 2">
+            <a:extLst>
+              <a:ext uri="{FF2B5EF4-FFF2-40B4-BE49-F238E27FC236}">
+                <a16:creationId xmlns:a16="http://schemas.microsoft.com/office/drawing/2014/main" id="{CD751883-3B25-4EDE-8AD8-ECA4C4D69A2C}"/>
+              </a:ext>
+            </a:extLst>
+          </p:cNvPr>
+          <p:cNvSpPr>
+            <a:spLocks noGrp="1"/>
+          </p:cNvSpPr>
+          <p:nvPr>
+            <p:ph idx="1"/>
+          </p:nvPr>
+        </p:nvSpPr>
+        <p:spPr/>
+        <p:txBody>
+          <a:bodyPr/>
+          <a:lstStyle/>
+          <a:p>
+            <a:pPr marL="0" indent="0">
+              <a:buNone/>
+            </a:pPr>
+            <a:r>
+              <a:rPr lang="da-DK" dirty="0"/>
+              <a:t>All the metric in the world – now in pytorch</a:t>
+            </a:r>
+          </a:p>
+        </p:txBody>
+      </p:sp>
+      <p:sp>
+        <p:nvSpPr>
+          <p:cNvPr id="4" name="Date Placeholder 3">
+            <a:extLst>
+              <a:ext uri="{FF2B5EF4-FFF2-40B4-BE49-F238E27FC236}">
+                <a16:creationId xmlns:a16="http://schemas.microsoft.com/office/drawing/2014/main" id="{AF9CF576-91AD-4CA9-B9A8-9D4091B9ADE5}"/>
+              </a:ext>
+            </a:extLst>
+          </p:cNvPr>
+          <p:cNvSpPr>
+            <a:spLocks noGrp="1"/>
+          </p:cNvSpPr>
+          <p:nvPr>
+            <p:ph type="dt" sz="half" idx="10"/>
+          </p:nvPr>
+        </p:nvSpPr>
+        <p:spPr/>
+        <p:txBody>
+          <a:bodyPr/>
+          <a:lstStyle/>
+          <a:p>
+            <a:fld id="{019E29B9-5584-4737-9C98-1B926378C778}" type="datetime1">
+              <a:rPr lang="en-US" smtClean="0"/>
+              <a:t>5/18/2021</a:t>
+            </a:fld>
+            <a:endParaRPr lang="da-DK"/>
+          </a:p>
+        </p:txBody>
+      </p:sp>
+      <p:sp>
+        <p:nvSpPr>
+          <p:cNvPr id="5" name="Footer Placeholder 4">
+            <a:extLst>
+              <a:ext uri="{FF2B5EF4-FFF2-40B4-BE49-F238E27FC236}">
+                <a16:creationId xmlns:a16="http://schemas.microsoft.com/office/drawing/2014/main" id="{0133C9CB-AA34-45C2-9897-822134ADE207}"/>
+              </a:ext>
+            </a:extLst>
+          </p:cNvPr>
+          <p:cNvSpPr>
+            <a:spLocks noGrp="1"/>
+          </p:cNvSpPr>
+          <p:nvPr>
+            <p:ph type="ftr" sz="quarter" idx="11"/>
+          </p:nvPr>
+        </p:nvSpPr>
+        <p:spPr/>
+        <p:txBody>
+          <a:bodyPr/>
+          <a:lstStyle/>
+          <a:p>
+            <a:r>
+              <a:rPr lang="da-DK"/>
+              <a:t>Nicki Skafte Detlefsen</a:t>
+            </a:r>
+          </a:p>
+        </p:txBody>
+      </p:sp>
+      <p:sp>
+        <p:nvSpPr>
+          <p:cNvPr id="6" name="Slide Number Placeholder 5">
+            <a:extLst>
+              <a:ext uri="{FF2B5EF4-FFF2-40B4-BE49-F238E27FC236}">
+                <a16:creationId xmlns:a16="http://schemas.microsoft.com/office/drawing/2014/main" id="{E1A20C92-F3BB-4750-964E-EB033F0189AB}"/>
+              </a:ext>
+            </a:extLst>
+          </p:cNvPr>
+          <p:cNvSpPr>
+            <a:spLocks noGrp="1"/>
+          </p:cNvSpPr>
+          <p:nvPr>
+            <p:ph type="sldNum" sz="quarter" idx="12"/>
+          </p:nvPr>
+        </p:nvSpPr>
+        <p:spPr/>
+        <p:txBody>
+          <a:bodyPr/>
+          <a:lstStyle/>
+          <a:p>
+            <a:fld id="{F6FEDE24-D50C-481B-A7B4-8AF13899101A}" type="slidenum">
+              <a:rPr lang="da-DK" smtClean="0"/>
+              <a:t>6</a:t>
+            </a:fld>
+            <a:endParaRPr lang="da-DK"/>
+          </a:p>
+        </p:txBody>
+      </p:sp>
+      <p:pic>
+        <p:nvPicPr>
+          <p:cNvPr id="8" name="Picture 7">
+            <a:extLst>
+              <a:ext uri="{FF2B5EF4-FFF2-40B4-BE49-F238E27FC236}">
+                <a16:creationId xmlns:a16="http://schemas.microsoft.com/office/drawing/2014/main" id="{D815FA1D-97D1-4E65-A3D1-91E324842F8B}"/>
+              </a:ext>
+            </a:extLst>
+          </p:cNvPr>
+          <p:cNvPicPr>
+            <a:picLocks noChangeAspect="1"/>
+          </p:cNvPicPr>
+          <p:nvPr/>
+        </p:nvPicPr>
+        <p:blipFill>
+          <a:blip r:embed="rId2"/>
+          <a:stretch>
+            <a:fillRect/>
+          </a:stretch>
+        </p:blipFill>
+        <p:spPr>
+          <a:xfrm>
+            <a:off x="931178" y="1848502"/>
+            <a:ext cx="7839381" cy="4280927"/>
+          </a:xfrm>
+          <a:prstGeom prst="rect">
+            <a:avLst/>
+          </a:prstGeom>
+        </p:spPr>
+      </p:pic>
+      <p:cxnSp>
+        <p:nvCxnSpPr>
+          <p:cNvPr id="10" name="Straight Arrow Connector 9">
+            <a:extLst>
+              <a:ext uri="{FF2B5EF4-FFF2-40B4-BE49-F238E27FC236}">
+                <a16:creationId xmlns:a16="http://schemas.microsoft.com/office/drawing/2014/main" id="{34CCBD4C-16A9-472B-9F6C-46E5DD005155}"/>
+              </a:ext>
+            </a:extLst>
+          </p:cNvPr>
+          <p:cNvCxnSpPr>
+            <a:cxnSpLocks/>
+          </p:cNvCxnSpPr>
+          <p:nvPr/>
+        </p:nvCxnSpPr>
+        <p:spPr>
+          <a:xfrm flipH="1" flipV="1">
+            <a:off x="7582234" y="2354588"/>
+            <a:ext cx="1652631" cy="964733"/>
+          </a:xfrm>
+          <a:prstGeom prst="straightConnector1">
+            <a:avLst/>
+          </a:prstGeom>
+          <a:ln w="38100">
+            <a:solidFill>
+              <a:srgbClr val="FF0000"/>
+            </a:solidFill>
+            <a:tailEnd type="triangle"/>
+          </a:ln>
+        </p:spPr>
+        <p:style>
+          <a:lnRef idx="1">
+            <a:schemeClr val="accent1"/>
+          </a:lnRef>
+          <a:fillRef idx="0">
+            <a:schemeClr val="accent1"/>
+          </a:fillRef>
+          <a:effectRef idx="0">
+            <a:schemeClr val="accent1"/>
+          </a:effectRef>
+          <a:fontRef idx="minor">
+            <a:schemeClr val="tx1"/>
+          </a:fontRef>
+        </p:style>
+      </p:cxnSp>
+      <p:sp>
+        <p:nvSpPr>
+          <p:cNvPr id="14" name="TextBox 13">
+            <a:extLst>
+              <a:ext uri="{FF2B5EF4-FFF2-40B4-BE49-F238E27FC236}">
+                <a16:creationId xmlns:a16="http://schemas.microsoft.com/office/drawing/2014/main" id="{A7A904DB-0ACD-42B5-BEBD-BFE69CDF4BB1}"/>
+              </a:ext>
+            </a:extLst>
+          </p:cNvPr>
+          <p:cNvSpPr txBox="1"/>
+          <p:nvPr/>
+        </p:nvSpPr>
+        <p:spPr>
+          <a:xfrm>
+            <a:off x="9234865" y="3243136"/>
+            <a:ext cx="1845010" cy="646331"/>
+          </a:xfrm>
+          <a:prstGeom prst="rect">
+            <a:avLst/>
+          </a:prstGeom>
+          <a:noFill/>
+        </p:spPr>
+        <p:txBody>
+          <a:bodyPr wrap="square" rtlCol="0">
+            <a:spAutoFit/>
+          </a:bodyPr>
+          <a:lstStyle/>
+          <a:p>
+            <a:r>
+              <a:rPr lang="da-DK" dirty="0"/>
+              <a:t>Have I seen that guy before?</a:t>
+            </a:r>
+          </a:p>
+        </p:txBody>
+      </p:sp>
+    </p:spTree>
+    <p:extLst>
+      <p:ext uri="{BB962C8B-B14F-4D97-AF65-F5344CB8AC3E}">
+        <p14:creationId xmlns:p14="http://schemas.microsoft.com/office/powerpoint/2010/main" val="2133461859"/>
+      </p:ext>
+    </p:extLst>
+  </p:cSld>
+  <p:clrMapOvr>
+    <a:masterClrMapping/>
+  </p:clrMapOvr>
+</p:sld>
+</file>
+
+<file path=ppt/slides/slide7.xml><?xml version="1.0" encoding="utf-8"?>
+<p:sld xmlns:a="http://schemas.openxmlformats.org/drawingml/2006/main" xmlns:r="http://schemas.openxmlformats.org/officeDocument/2006/relationships" xmlns:p="http://schemas.openxmlformats.org/presentationml/2006/main">
+  <p:cSld>
+    <p:spTree>
+      <p:nvGrpSpPr>
+        <p:cNvPr id="1" name=""/>
+        <p:cNvGrpSpPr/>
+        <p:nvPr/>
+      </p:nvGrpSpPr>
+      <p:grpSpPr>
+        <a:xfrm>
+          <a:off x="0" y="0"/>
+          <a:ext cx="0" cy="0"/>
+          <a:chOff x="0" y="0"/>
+          <a:chExt cx="0" cy="0"/>
+        </a:xfrm>
+      </p:grpSpPr>
+      <p:sp>
+        <p:nvSpPr>
+          <p:cNvPr id="2" name="Title 1">
+            <a:extLst>
+              <a:ext uri="{FF2B5EF4-FFF2-40B4-BE49-F238E27FC236}">
+                <a16:creationId xmlns:a16="http://schemas.microsoft.com/office/drawing/2014/main" id="{42BD83D9-ACD6-40F8-94DA-694874182CBA}"/>
+              </a:ext>
+            </a:extLst>
+          </p:cNvPr>
+          <p:cNvSpPr>
+            <a:spLocks noGrp="1"/>
+          </p:cNvSpPr>
+          <p:nvPr>
+            <p:ph type="title"/>
+          </p:nvPr>
+        </p:nvSpPr>
+        <p:spPr/>
+        <p:txBody>
+          <a:bodyPr/>
+          <a:lstStyle/>
+          <a:p>
+            <a:r>
+              <a:rPr lang="da-DK" dirty="0"/>
+              <a:t>A small case study</a:t>
+            </a:r>
+          </a:p>
+        </p:txBody>
+      </p:sp>
+      <p:sp>
+        <p:nvSpPr>
+          <p:cNvPr id="4" name="Date Placeholder 3">
+            <a:extLst>
+              <a:ext uri="{FF2B5EF4-FFF2-40B4-BE49-F238E27FC236}">
+                <a16:creationId xmlns:a16="http://schemas.microsoft.com/office/drawing/2014/main" id="{4EFC4E96-D115-40E0-9B32-3B93EE25DBB3}"/>
+              </a:ext>
+            </a:extLst>
+          </p:cNvPr>
+          <p:cNvSpPr>
+            <a:spLocks noGrp="1"/>
+          </p:cNvSpPr>
+          <p:nvPr>
+            <p:ph type="dt" sz="half" idx="10"/>
+          </p:nvPr>
+        </p:nvSpPr>
+        <p:spPr/>
+        <p:txBody>
+          <a:bodyPr/>
+          <a:lstStyle/>
+          <a:p>
+            <a:fld id="{019E29B9-5584-4737-9C98-1B926378C778}" type="datetime1">
+              <a:rPr lang="en-US" smtClean="0"/>
+              <a:t>5/18/2021</a:t>
+            </a:fld>
+            <a:endParaRPr lang="da-DK"/>
+          </a:p>
+        </p:txBody>
+      </p:sp>
+      <p:sp>
+        <p:nvSpPr>
+          <p:cNvPr id="5" name="Footer Placeholder 4">
+            <a:extLst>
+              <a:ext uri="{FF2B5EF4-FFF2-40B4-BE49-F238E27FC236}">
+                <a16:creationId xmlns:a16="http://schemas.microsoft.com/office/drawing/2014/main" id="{28C103F0-AAA6-4EC7-B82A-B7D82AABC470}"/>
+              </a:ext>
+            </a:extLst>
+          </p:cNvPr>
+          <p:cNvSpPr>
+            <a:spLocks noGrp="1"/>
+          </p:cNvSpPr>
+          <p:nvPr>
+            <p:ph type="ftr" sz="quarter" idx="11"/>
+          </p:nvPr>
+        </p:nvSpPr>
+        <p:spPr/>
+        <p:txBody>
+          <a:bodyPr/>
+          <a:lstStyle/>
+          <a:p>
+            <a:r>
+              <a:rPr lang="da-DK"/>
+              <a:t>Nicki Skafte Detlefsen</a:t>
+            </a:r>
+          </a:p>
+        </p:txBody>
+      </p:sp>
+      <p:sp>
+        <p:nvSpPr>
+          <p:cNvPr id="6" name="Slide Number Placeholder 5">
+            <a:extLst>
+              <a:ext uri="{FF2B5EF4-FFF2-40B4-BE49-F238E27FC236}">
+                <a16:creationId xmlns:a16="http://schemas.microsoft.com/office/drawing/2014/main" id="{BA8F9E9A-B2F5-47B1-BD79-92AE09DBCCC7}"/>
+              </a:ext>
+            </a:extLst>
+          </p:cNvPr>
+          <p:cNvSpPr>
+            <a:spLocks noGrp="1"/>
+          </p:cNvSpPr>
+          <p:nvPr>
+            <p:ph type="sldNum" sz="quarter" idx="12"/>
+          </p:nvPr>
+        </p:nvSpPr>
+        <p:spPr/>
+        <p:txBody>
+          <a:bodyPr/>
+          <a:lstStyle/>
+          <a:p>
+            <a:fld id="{F6FEDE24-D50C-481B-A7B4-8AF13899101A}" type="slidenum">
+              <a:rPr lang="da-DK" smtClean="0"/>
+              <a:t>7</a:t>
+            </a:fld>
+            <a:endParaRPr lang="da-DK"/>
+          </a:p>
+        </p:txBody>
+      </p:sp>
+      <p:pic>
+        <p:nvPicPr>
+          <p:cNvPr id="10" name="Picture 9">
+            <a:extLst>
+              <a:ext uri="{FF2B5EF4-FFF2-40B4-BE49-F238E27FC236}">
+                <a16:creationId xmlns:a16="http://schemas.microsoft.com/office/drawing/2014/main" id="{6AEC83F5-559F-4D08-A965-5DBDFC32859D}"/>
+              </a:ext>
+            </a:extLst>
+          </p:cNvPr>
+          <p:cNvPicPr>
+            <a:picLocks noChangeAspect="1"/>
+          </p:cNvPicPr>
+          <p:nvPr/>
+        </p:nvPicPr>
+        <p:blipFill>
+          <a:blip r:embed="rId2"/>
+          <a:stretch>
+            <a:fillRect/>
+          </a:stretch>
+        </p:blipFill>
+        <p:spPr>
+          <a:xfrm>
+            <a:off x="8803930" y="894498"/>
+            <a:ext cx="1922804" cy="5731574"/>
+          </a:xfrm>
+          <a:prstGeom prst="rect">
+            <a:avLst/>
+          </a:prstGeom>
+        </p:spPr>
+      </p:pic>
+      <p:sp>
+        <p:nvSpPr>
+          <p:cNvPr id="15" name="TextBox 14">
+            <a:extLst>
+              <a:ext uri="{FF2B5EF4-FFF2-40B4-BE49-F238E27FC236}">
+                <a16:creationId xmlns:a16="http://schemas.microsoft.com/office/drawing/2014/main" id="{1CA03410-ECFE-4E2F-B1FE-DAFA28859611}"/>
+              </a:ext>
+            </a:extLst>
+          </p:cNvPr>
+          <p:cNvSpPr txBox="1"/>
+          <p:nvPr/>
+        </p:nvSpPr>
+        <p:spPr>
+          <a:xfrm>
+            <a:off x="1040234" y="2237524"/>
+            <a:ext cx="4983061" cy="3816429"/>
+          </a:xfrm>
+          <a:prstGeom prst="rect">
+            <a:avLst/>
+          </a:prstGeom>
+          <a:noFill/>
+        </p:spPr>
+        <p:txBody>
+          <a:bodyPr wrap="square" rtlCol="0">
+            <a:spAutoFit/>
+          </a:bodyPr>
+          <a:lstStyle/>
+          <a:p>
+            <a:r>
+              <a:rPr lang="da-DK" sz="2800" dirty="0"/>
+              <a:t>Ranked by importance (biased)</a:t>
+            </a:r>
+          </a:p>
+          <a:p>
+            <a:pPr marL="342900" indent="-342900">
+              <a:buFont typeface="+mj-lt"/>
+              <a:buAutoNum type="arabicPeriod"/>
+            </a:pPr>
+            <a:r>
+              <a:rPr lang="da-DK" sz="2800" dirty="0"/>
+              <a:t>Source code</a:t>
+            </a:r>
+          </a:p>
+          <a:p>
+            <a:pPr marL="342900" indent="-342900">
+              <a:buFont typeface="+mj-lt"/>
+              <a:buAutoNum type="arabicPeriod"/>
+            </a:pPr>
+            <a:r>
+              <a:rPr lang="da-DK" sz="2800" dirty="0"/>
+              <a:t>Tests</a:t>
+            </a:r>
+          </a:p>
+          <a:p>
+            <a:pPr marL="342900" indent="-342900">
+              <a:buFont typeface="+mj-lt"/>
+              <a:buAutoNum type="arabicPeriod"/>
+            </a:pPr>
+            <a:r>
+              <a:rPr lang="da-DK" sz="2800" dirty="0"/>
+              <a:t>Setup</a:t>
+            </a:r>
+          </a:p>
+          <a:p>
+            <a:pPr marL="342900" indent="-342900">
+              <a:buFont typeface="+mj-lt"/>
+              <a:buAutoNum type="arabicPeriod"/>
+            </a:pPr>
+            <a:r>
+              <a:rPr lang="da-DK" sz="2800" dirty="0"/>
+              <a:t>CI workflows</a:t>
+            </a:r>
+          </a:p>
+          <a:p>
+            <a:pPr marL="342900" indent="-342900">
+              <a:buFont typeface="+mj-lt"/>
+              <a:buAutoNum type="arabicPeriod"/>
+            </a:pPr>
+            <a:r>
+              <a:rPr lang="da-DK" sz="2800" dirty="0"/>
+              <a:t>Documentation</a:t>
+            </a:r>
+          </a:p>
+          <a:p>
+            <a:pPr marL="342900" indent="-342900">
+              <a:buFont typeface="+mj-lt"/>
+              <a:buAutoNum type="arabicPeriod"/>
+            </a:pPr>
+            <a:r>
+              <a:rPr lang="da-DK" sz="2800" dirty="0"/>
+              <a:t> </a:t>
+            </a:r>
+          </a:p>
+          <a:p>
+            <a:pPr marL="342900" indent="-342900">
+              <a:buFont typeface="+mj-lt"/>
+              <a:buAutoNum type="arabicPeriod"/>
+            </a:pPr>
+            <a:endParaRPr lang="da-DK" sz="2800" dirty="0"/>
+          </a:p>
+          <a:p>
+            <a:pPr marL="342900" indent="-342900">
+              <a:buFont typeface="+mj-lt"/>
+              <a:buAutoNum type="arabicPeriod"/>
+            </a:pPr>
+            <a:endParaRPr lang="da-DK" dirty="0"/>
+          </a:p>
+        </p:txBody>
+      </p:sp>
+      <p:cxnSp>
+        <p:nvCxnSpPr>
+          <p:cNvPr id="17" name="Straight Arrow Connector 16">
+            <a:extLst>
+              <a:ext uri="{FF2B5EF4-FFF2-40B4-BE49-F238E27FC236}">
+                <a16:creationId xmlns:a16="http://schemas.microsoft.com/office/drawing/2014/main" id="{E217AE5F-7A1E-4926-A5A5-B74A22ABCFF0}"/>
+              </a:ext>
+            </a:extLst>
+          </p:cNvPr>
+          <p:cNvCxnSpPr/>
+          <p:nvPr/>
+        </p:nvCxnSpPr>
+        <p:spPr>
+          <a:xfrm flipV="1">
+            <a:off x="3322040" y="2407640"/>
+            <a:ext cx="5368954" cy="494951"/>
+          </a:xfrm>
+          <a:prstGeom prst="straightConnector1">
+            <a:avLst/>
+          </a:prstGeom>
+          <a:ln w="38100">
+            <a:solidFill>
+              <a:srgbClr val="FF0000"/>
+            </a:solidFill>
+            <a:tailEnd type="triangle"/>
+          </a:ln>
+        </p:spPr>
+        <p:style>
+          <a:lnRef idx="1">
+            <a:schemeClr val="accent1"/>
+          </a:lnRef>
+          <a:fillRef idx="0">
+            <a:schemeClr val="accent1"/>
+          </a:fillRef>
+          <a:effectRef idx="0">
+            <a:schemeClr val="accent1"/>
+          </a:effectRef>
+          <a:fontRef idx="minor">
+            <a:schemeClr val="tx1"/>
+          </a:fontRef>
+        </p:style>
+      </p:cxnSp>
+      <p:cxnSp>
+        <p:nvCxnSpPr>
+          <p:cNvPr id="18" name="Straight Arrow Connector 17">
+            <a:extLst>
+              <a:ext uri="{FF2B5EF4-FFF2-40B4-BE49-F238E27FC236}">
+                <a16:creationId xmlns:a16="http://schemas.microsoft.com/office/drawing/2014/main" id="{16EFAD7A-FF17-4C86-A831-CF7921EC08F2}"/>
+              </a:ext>
+            </a:extLst>
+          </p:cNvPr>
+          <p:cNvCxnSpPr>
+            <a:cxnSpLocks/>
+          </p:cNvCxnSpPr>
+          <p:nvPr/>
+        </p:nvCxnSpPr>
+        <p:spPr>
+          <a:xfrm flipV="1">
+            <a:off x="2281806" y="2105637"/>
+            <a:ext cx="6409188" cy="1258348"/>
+          </a:xfrm>
+          <a:prstGeom prst="straightConnector1">
+            <a:avLst/>
+          </a:prstGeom>
+          <a:ln w="38100">
+            <a:solidFill>
+              <a:srgbClr val="FF0000"/>
+            </a:solidFill>
+            <a:tailEnd type="triangle"/>
+          </a:ln>
+        </p:spPr>
+        <p:style>
+          <a:lnRef idx="1">
+            <a:schemeClr val="accent1"/>
+          </a:lnRef>
+          <a:fillRef idx="0">
+            <a:schemeClr val="accent1"/>
+          </a:fillRef>
+          <a:effectRef idx="0">
+            <a:schemeClr val="accent1"/>
+          </a:effectRef>
+          <a:fontRef idx="minor">
+            <a:schemeClr val="tx1"/>
+          </a:fontRef>
+        </p:style>
+      </p:cxnSp>
+      <p:cxnSp>
+        <p:nvCxnSpPr>
+          <p:cNvPr id="21" name="Straight Arrow Connector 20">
+            <a:extLst>
+              <a:ext uri="{FF2B5EF4-FFF2-40B4-BE49-F238E27FC236}">
+                <a16:creationId xmlns:a16="http://schemas.microsoft.com/office/drawing/2014/main" id="{B7B5F154-C78A-44E9-B8DA-7A27C0F452BA}"/>
+              </a:ext>
+            </a:extLst>
+          </p:cNvPr>
+          <p:cNvCxnSpPr>
+            <a:cxnSpLocks/>
+          </p:cNvCxnSpPr>
+          <p:nvPr/>
+        </p:nvCxnSpPr>
+        <p:spPr>
+          <a:xfrm>
+            <a:off x="2434206" y="3825381"/>
+            <a:ext cx="6256788" cy="2625753"/>
+          </a:xfrm>
+          <a:prstGeom prst="straightConnector1">
+            <a:avLst/>
+          </a:prstGeom>
+          <a:ln w="38100">
+            <a:solidFill>
+              <a:srgbClr val="FF0000"/>
+            </a:solidFill>
+            <a:tailEnd type="triangle"/>
+          </a:ln>
+        </p:spPr>
+        <p:style>
+          <a:lnRef idx="1">
+            <a:schemeClr val="accent1"/>
+          </a:lnRef>
+          <a:fillRef idx="0">
+            <a:schemeClr val="accent1"/>
+          </a:fillRef>
+          <a:effectRef idx="0">
+            <a:schemeClr val="accent1"/>
+          </a:effectRef>
+          <a:fontRef idx="minor">
+            <a:schemeClr val="tx1"/>
+          </a:fontRef>
+        </p:style>
+      </p:cxnSp>
+      <p:cxnSp>
+        <p:nvCxnSpPr>
+          <p:cNvPr id="24" name="Straight Arrow Connector 23">
+            <a:extLst>
+              <a:ext uri="{FF2B5EF4-FFF2-40B4-BE49-F238E27FC236}">
+                <a16:creationId xmlns:a16="http://schemas.microsoft.com/office/drawing/2014/main" id="{B64C3CBB-CE70-430B-AC2F-9F255D3E8D55}"/>
+              </a:ext>
+            </a:extLst>
+          </p:cNvPr>
+          <p:cNvCxnSpPr>
+            <a:cxnSpLocks/>
+          </p:cNvCxnSpPr>
+          <p:nvPr/>
+        </p:nvCxnSpPr>
+        <p:spPr>
+          <a:xfrm flipV="1">
+            <a:off x="3388071" y="1073354"/>
+            <a:ext cx="5302923" cy="3119156"/>
+          </a:xfrm>
+          <a:prstGeom prst="straightConnector1">
+            <a:avLst/>
+          </a:prstGeom>
+          <a:ln w="38100">
+            <a:solidFill>
+              <a:srgbClr val="FF0000"/>
+            </a:solidFill>
+            <a:tailEnd type="triangle"/>
+          </a:ln>
+        </p:spPr>
+        <p:style>
+          <a:lnRef idx="1">
+            <a:schemeClr val="accent1"/>
+          </a:lnRef>
+          <a:fillRef idx="0">
+            <a:schemeClr val="accent1"/>
+          </a:fillRef>
+          <a:effectRef idx="0">
+            <a:schemeClr val="accent1"/>
+          </a:effectRef>
+          <a:fontRef idx="minor">
+            <a:schemeClr val="tx1"/>
+          </a:fontRef>
+        </p:style>
+      </p:cxnSp>
+      <p:cxnSp>
+        <p:nvCxnSpPr>
+          <p:cNvPr id="27" name="Straight Arrow Connector 26">
+            <a:extLst>
+              <a:ext uri="{FF2B5EF4-FFF2-40B4-BE49-F238E27FC236}">
+                <a16:creationId xmlns:a16="http://schemas.microsoft.com/office/drawing/2014/main" id="{82E8DBF1-035D-402D-A7E0-FCD3477CA095}"/>
+              </a:ext>
+            </a:extLst>
+          </p:cNvPr>
+          <p:cNvCxnSpPr>
+            <a:cxnSpLocks/>
+          </p:cNvCxnSpPr>
+          <p:nvPr/>
+        </p:nvCxnSpPr>
+        <p:spPr>
+          <a:xfrm flipV="1">
+            <a:off x="3808602" y="1300294"/>
+            <a:ext cx="4882392" cy="3355596"/>
+          </a:xfrm>
+          <a:prstGeom prst="straightConnector1">
+            <a:avLst/>
+          </a:prstGeom>
+          <a:ln w="38100">
+            <a:solidFill>
+              <a:srgbClr val="FF0000"/>
+            </a:solidFill>
+            <a:tailEnd type="triangle"/>
+          </a:ln>
+        </p:spPr>
+        <p:style>
+          <a:lnRef idx="1">
+            <a:schemeClr val="accent1"/>
+          </a:lnRef>
+          <a:fillRef idx="0">
+            <a:schemeClr val="accent1"/>
+          </a:fillRef>
+          <a:effectRef idx="0">
+            <a:schemeClr val="accent1"/>
+          </a:effectRef>
+          <a:fontRef idx="minor">
+            <a:schemeClr val="tx1"/>
+          </a:fontRef>
+        </p:style>
+      </p:cxnSp>
+      <p:sp>
+        <p:nvSpPr>
+          <p:cNvPr id="31" name="Star: 5 Points 30">
+            <a:extLst>
+              <a:ext uri="{FF2B5EF4-FFF2-40B4-BE49-F238E27FC236}">
+                <a16:creationId xmlns:a16="http://schemas.microsoft.com/office/drawing/2014/main" id="{BBD1E726-DAEC-4087-A45D-EEA31625C63A}"/>
+              </a:ext>
+            </a:extLst>
+          </p:cNvPr>
+          <p:cNvSpPr/>
+          <p:nvPr/>
+        </p:nvSpPr>
+        <p:spPr>
+          <a:xfrm>
+            <a:off x="8464492" y="5041783"/>
+            <a:ext cx="146108" cy="150396"/>
+          </a:xfrm>
+          <a:prstGeom prst="star5">
+            <a:avLst/>
+          </a:prstGeom>
+          <a:solidFill>
+            <a:srgbClr val="FF0000"/>
+          </a:solidFill>
+          <a:ln>
+            <a:solidFill>
+              <a:srgbClr val="FF0000"/>
+            </a:solidFill>
+          </a:ln>
+        </p:spPr>
+        <p:style>
+          <a:lnRef idx="2">
+            <a:schemeClr val="accent1">
+              <a:shade val="50000"/>
+            </a:schemeClr>
+          </a:lnRef>
+          <a:fillRef idx="1">
+            <a:schemeClr val="accent1"/>
+          </a:fillRef>
+          <a:effectRef idx="0">
+            <a:schemeClr val="accent1"/>
+          </a:effectRef>
+          <a:fontRef idx="minor">
+            <a:schemeClr val="lt1"/>
+          </a:fontRef>
+        </p:style>
+        <p:txBody>
+          <a:bodyPr rtlCol="0" anchor="ctr"/>
+          <a:lstStyle/>
+          <a:p>
+            <a:pPr algn="ctr"/>
+            <a:endParaRPr lang="da-DK"/>
+          </a:p>
+        </p:txBody>
+      </p:sp>
+      <p:sp>
+        <p:nvSpPr>
+          <p:cNvPr id="32" name="Star: 5 Points 31">
+            <a:extLst>
+              <a:ext uri="{FF2B5EF4-FFF2-40B4-BE49-F238E27FC236}">
+                <a16:creationId xmlns:a16="http://schemas.microsoft.com/office/drawing/2014/main" id="{160AD1E5-B43D-4F12-B03F-CF57E644930D}"/>
+              </a:ext>
+            </a:extLst>
+          </p:cNvPr>
+          <p:cNvSpPr/>
+          <p:nvPr/>
+        </p:nvSpPr>
+        <p:spPr>
+          <a:xfrm>
+            <a:off x="8464492" y="5820061"/>
+            <a:ext cx="146108" cy="150396"/>
+          </a:xfrm>
+          <a:prstGeom prst="star5">
+            <a:avLst/>
+          </a:prstGeom>
+          <a:solidFill>
+            <a:srgbClr val="FF0000"/>
+          </a:solidFill>
+          <a:ln>
+            <a:solidFill>
+              <a:srgbClr val="FF0000"/>
+            </a:solidFill>
+          </a:ln>
+        </p:spPr>
+        <p:style>
+          <a:lnRef idx="2">
+            <a:schemeClr val="accent1">
+              <a:shade val="50000"/>
+            </a:schemeClr>
+          </a:lnRef>
+          <a:fillRef idx="1">
+            <a:schemeClr val="accent1"/>
+          </a:fillRef>
+          <a:effectRef idx="0">
+            <a:schemeClr val="accent1"/>
+          </a:effectRef>
+          <a:fontRef idx="minor">
+            <a:schemeClr val="lt1"/>
+          </a:fontRef>
+        </p:style>
+        <p:txBody>
+          <a:bodyPr rtlCol="0" anchor="ctr"/>
+          <a:lstStyle/>
+          <a:p>
+            <a:pPr algn="ctr"/>
+            <a:endParaRPr lang="da-DK"/>
+          </a:p>
+        </p:txBody>
+      </p:sp>
+      <p:sp>
+        <p:nvSpPr>
+          <p:cNvPr id="33" name="Star: 5 Points 32">
+            <a:extLst>
+              <a:ext uri="{FF2B5EF4-FFF2-40B4-BE49-F238E27FC236}">
+                <a16:creationId xmlns:a16="http://schemas.microsoft.com/office/drawing/2014/main" id="{4A99FEC6-C348-4204-ABDE-0A485E8E1C4F}"/>
+              </a:ext>
+            </a:extLst>
+          </p:cNvPr>
+          <p:cNvSpPr/>
+          <p:nvPr/>
+        </p:nvSpPr>
+        <p:spPr>
+          <a:xfrm>
+            <a:off x="8464492" y="4204876"/>
+            <a:ext cx="146108" cy="150396"/>
+          </a:xfrm>
+          <a:prstGeom prst="star5">
+            <a:avLst/>
+          </a:prstGeom>
+          <a:solidFill>
+            <a:srgbClr val="FF0000"/>
+          </a:solidFill>
+          <a:ln>
+            <a:solidFill>
+              <a:srgbClr val="FF0000"/>
+            </a:solidFill>
+          </a:ln>
+        </p:spPr>
+        <p:style>
+          <a:lnRef idx="2">
+            <a:schemeClr val="accent1">
+              <a:shade val="50000"/>
+            </a:schemeClr>
+          </a:lnRef>
+          <a:fillRef idx="1">
+            <a:schemeClr val="accent1"/>
+          </a:fillRef>
+          <a:effectRef idx="0">
+            <a:schemeClr val="accent1"/>
+          </a:effectRef>
+          <a:fontRef idx="minor">
+            <a:schemeClr val="lt1"/>
+          </a:fontRef>
+        </p:style>
+        <p:txBody>
+          <a:bodyPr rtlCol="0" anchor="ctr"/>
+          <a:lstStyle/>
+          <a:p>
+            <a:pPr algn="ctr"/>
+            <a:endParaRPr lang="da-DK"/>
+          </a:p>
+        </p:txBody>
+      </p:sp>
+      <p:sp>
+        <p:nvSpPr>
+          <p:cNvPr id="34" name="Star: 5 Points 33">
+            <a:extLst>
+              <a:ext uri="{FF2B5EF4-FFF2-40B4-BE49-F238E27FC236}">
+                <a16:creationId xmlns:a16="http://schemas.microsoft.com/office/drawing/2014/main" id="{FC514C68-6947-4601-95C3-BA2780F9FA98}"/>
+              </a:ext>
+            </a:extLst>
+          </p:cNvPr>
+          <p:cNvSpPr/>
+          <p:nvPr/>
+        </p:nvSpPr>
+        <p:spPr>
+          <a:xfrm>
+            <a:off x="8464492" y="2859007"/>
+            <a:ext cx="146108" cy="150396"/>
+          </a:xfrm>
+          <a:prstGeom prst="star5">
+            <a:avLst/>
+          </a:prstGeom>
+          <a:solidFill>
+            <a:srgbClr val="FF0000"/>
+          </a:solidFill>
+          <a:ln>
+            <a:solidFill>
+              <a:srgbClr val="FF0000"/>
+            </a:solidFill>
+          </a:ln>
+        </p:spPr>
+        <p:style>
+          <a:lnRef idx="2">
+            <a:schemeClr val="accent1">
+              <a:shade val="50000"/>
+            </a:schemeClr>
+          </a:lnRef>
+          <a:fillRef idx="1">
+            <a:schemeClr val="accent1"/>
+          </a:fillRef>
+          <a:effectRef idx="0">
+            <a:schemeClr val="accent1"/>
+          </a:effectRef>
+          <a:fontRef idx="minor">
+            <a:schemeClr val="lt1"/>
+          </a:fontRef>
+        </p:style>
+        <p:txBody>
+          <a:bodyPr rtlCol="0" anchor="ctr"/>
+          <a:lstStyle/>
+          <a:p>
+            <a:pPr algn="ctr"/>
+            <a:endParaRPr lang="da-DK"/>
+          </a:p>
+        </p:txBody>
+      </p:sp>
+      <p:sp>
+        <p:nvSpPr>
+          <p:cNvPr id="36" name="Star: 5 Points 35">
+            <a:extLst>
+              <a:ext uri="{FF2B5EF4-FFF2-40B4-BE49-F238E27FC236}">
+                <a16:creationId xmlns:a16="http://schemas.microsoft.com/office/drawing/2014/main" id="{0D739851-B53C-48F6-BB2A-76AC4D5B6F5F}"/>
+              </a:ext>
+            </a:extLst>
+          </p:cNvPr>
+          <p:cNvSpPr/>
+          <p:nvPr/>
+        </p:nvSpPr>
+        <p:spPr>
+          <a:xfrm>
+            <a:off x="1498135" y="4987861"/>
+            <a:ext cx="146108" cy="150396"/>
+          </a:xfrm>
+          <a:prstGeom prst="star5">
+            <a:avLst/>
+          </a:prstGeom>
+          <a:solidFill>
+            <a:srgbClr val="FF0000"/>
+          </a:solidFill>
+          <a:ln>
+            <a:solidFill>
+              <a:srgbClr val="FF0000"/>
+            </a:solidFill>
+          </a:ln>
+        </p:spPr>
+        <p:style>
+          <a:lnRef idx="2">
+            <a:schemeClr val="accent1">
+              <a:shade val="50000"/>
+            </a:schemeClr>
+          </a:lnRef>
+          <a:fillRef idx="1">
+            <a:schemeClr val="accent1"/>
+          </a:fillRef>
+          <a:effectRef idx="0">
+            <a:schemeClr val="accent1"/>
+          </a:effectRef>
+          <a:fontRef idx="minor">
+            <a:schemeClr val="lt1"/>
+          </a:fontRef>
+        </p:style>
+        <p:txBody>
+          <a:bodyPr rtlCol="0" anchor="ctr"/>
+          <a:lstStyle/>
+          <a:p>
+            <a:pPr algn="ctr"/>
+            <a:endParaRPr lang="da-DK"/>
+          </a:p>
+        </p:txBody>
+      </p:sp>
+    </p:spTree>
+    <p:extLst>
+      <p:ext uri="{BB962C8B-B14F-4D97-AF65-F5344CB8AC3E}">
+        <p14:creationId xmlns:p14="http://schemas.microsoft.com/office/powerpoint/2010/main" val="3261029281"/>
+      </p:ext>
+    </p:extLst>
+  </p:cSld>
+  <p:clrMapOvr>
+    <a:masterClrMapping/>
+  </p:clrMapOvr>
+</p:sld>
+</file>
+
+<file path=ppt/slides/slide8.xml><?xml version="1.0" encoding="utf-8"?>
+<p:sld xmlns:a="http://schemas.openxmlformats.org/drawingml/2006/main" xmlns:r="http://schemas.openxmlformats.org/officeDocument/2006/relationships" xmlns:p="http://schemas.openxmlformats.org/presentationml/2006/main">
+  <p:cSld>
+    <p:spTree>
+      <p:nvGrpSpPr>
+        <p:cNvPr id="1" name=""/>
+        <p:cNvGrpSpPr/>
+        <p:nvPr/>
+      </p:nvGrpSpPr>
+      <p:grpSpPr>
+        <a:xfrm>
+          <a:off x="0" y="0"/>
+          <a:ext cx="0" cy="0"/>
+          <a:chOff x="0" y="0"/>
+          <a:chExt cx="0" cy="0"/>
+        </a:xfrm>
+      </p:grpSpPr>
+      <p:sp>
+        <p:nvSpPr>
+          <p:cNvPr id="2" name="Title 1">
+            <a:extLst>
+              <a:ext uri="{FF2B5EF4-FFF2-40B4-BE49-F238E27FC236}">
+                <a16:creationId xmlns:a16="http://schemas.microsoft.com/office/drawing/2014/main" id="{6DFB8D77-5A0B-4B5A-9EF5-26E2A7DDD8EF}"/>
+              </a:ext>
+            </a:extLst>
+          </p:cNvPr>
+          <p:cNvSpPr>
+            <a:spLocks noGrp="1"/>
+          </p:cNvSpPr>
+          <p:nvPr>
+            <p:ph type="title"/>
+          </p:nvPr>
+        </p:nvSpPr>
+        <p:spPr/>
+        <p:txBody>
+          <a:bodyPr/>
+          <a:lstStyle/>
+          <a:p>
+            <a:r>
+              <a:rPr lang="da-DK" dirty="0"/>
+              <a:t>Source code</a:t>
+            </a:r>
+          </a:p>
+        </p:txBody>
+      </p:sp>
+      <p:sp>
+        <p:nvSpPr>
+          <p:cNvPr id="3" name="Content Placeholder 2">
+            <a:extLst>
+              <a:ext uri="{FF2B5EF4-FFF2-40B4-BE49-F238E27FC236}">
+                <a16:creationId xmlns:a16="http://schemas.microsoft.com/office/drawing/2014/main" id="{2BD812B6-4B73-4734-A1E5-9B93FBA005D2}"/>
+              </a:ext>
+            </a:extLst>
+          </p:cNvPr>
+          <p:cNvSpPr>
+            <a:spLocks noGrp="1"/>
+          </p:cNvSpPr>
+          <p:nvPr>
+            <p:ph idx="1"/>
+          </p:nvPr>
+        </p:nvSpPr>
+        <p:spPr/>
+        <p:txBody>
+          <a:bodyPr/>
+          <a:lstStyle/>
+          <a:p>
+            <a:endParaRPr lang="da-DK"/>
+          </a:p>
+        </p:txBody>
+      </p:sp>
+      <p:sp>
+        <p:nvSpPr>
+          <p:cNvPr id="4" name="Date Placeholder 3">
+            <a:extLst>
+              <a:ext uri="{FF2B5EF4-FFF2-40B4-BE49-F238E27FC236}">
+                <a16:creationId xmlns:a16="http://schemas.microsoft.com/office/drawing/2014/main" id="{11FBF938-9A1D-42F6-B40A-3B25618CDC9F}"/>
+              </a:ext>
+            </a:extLst>
+          </p:cNvPr>
+          <p:cNvSpPr>
+            <a:spLocks noGrp="1"/>
+          </p:cNvSpPr>
+          <p:nvPr>
+            <p:ph type="dt" sz="half" idx="10"/>
+          </p:nvPr>
+        </p:nvSpPr>
+        <p:spPr/>
+        <p:txBody>
+          <a:bodyPr/>
+          <a:lstStyle/>
+          <a:p>
+            <a:fld id="{019E29B9-5584-4737-9C98-1B926378C778}" type="datetime1">
+              <a:rPr lang="en-US" smtClean="0"/>
+              <a:t>5/18/2021</a:t>
+            </a:fld>
+            <a:endParaRPr lang="da-DK"/>
+          </a:p>
+        </p:txBody>
+      </p:sp>
+      <p:sp>
+        <p:nvSpPr>
+          <p:cNvPr id="5" name="Footer Placeholder 4">
+            <a:extLst>
+              <a:ext uri="{FF2B5EF4-FFF2-40B4-BE49-F238E27FC236}">
+                <a16:creationId xmlns:a16="http://schemas.microsoft.com/office/drawing/2014/main" id="{0EBF188C-E21B-46AB-8B8C-8E977C0B9AF7}"/>
+              </a:ext>
+            </a:extLst>
+          </p:cNvPr>
+          <p:cNvSpPr>
+            <a:spLocks noGrp="1"/>
+          </p:cNvSpPr>
+          <p:nvPr>
+            <p:ph type="ftr" sz="quarter" idx="11"/>
+          </p:nvPr>
+        </p:nvSpPr>
+        <p:spPr/>
+        <p:txBody>
+          <a:bodyPr/>
+          <a:lstStyle/>
+          <a:p>
+            <a:r>
+              <a:rPr lang="da-DK"/>
+              <a:t>Nicki Skafte Detlefsen</a:t>
+            </a:r>
+          </a:p>
+        </p:txBody>
+      </p:sp>
+      <p:sp>
+        <p:nvSpPr>
+          <p:cNvPr id="6" name="Slide Number Placeholder 5">
+            <a:extLst>
+              <a:ext uri="{FF2B5EF4-FFF2-40B4-BE49-F238E27FC236}">
+                <a16:creationId xmlns:a16="http://schemas.microsoft.com/office/drawing/2014/main" id="{80A91D58-E219-4AAD-8A61-951F269A4E64}"/>
+              </a:ext>
+            </a:extLst>
+          </p:cNvPr>
+          <p:cNvSpPr>
+            <a:spLocks noGrp="1"/>
+          </p:cNvSpPr>
+          <p:nvPr>
+            <p:ph type="sldNum" sz="quarter" idx="12"/>
+          </p:nvPr>
+        </p:nvSpPr>
+        <p:spPr/>
+        <p:txBody>
+          <a:bodyPr/>
+          <a:lstStyle/>
+          <a:p>
+            <a:fld id="{F6FEDE24-D50C-481B-A7B4-8AF13899101A}" type="slidenum">
+              <a:rPr lang="da-DK" smtClean="0"/>
+              <a:t>8</a:t>
+            </a:fld>
+            <a:endParaRPr lang="da-DK"/>
+          </a:p>
+        </p:txBody>
+      </p:sp>
+      <p:pic>
+        <p:nvPicPr>
+          <p:cNvPr id="8" name="Picture 7">
+            <a:extLst>
+              <a:ext uri="{FF2B5EF4-FFF2-40B4-BE49-F238E27FC236}">
+                <a16:creationId xmlns:a16="http://schemas.microsoft.com/office/drawing/2014/main" id="{94735927-D016-466F-9EDF-E4C2D22EFD7A}"/>
+              </a:ext>
+            </a:extLst>
+          </p:cNvPr>
+          <p:cNvPicPr>
+            <a:picLocks noChangeAspect="1"/>
+          </p:cNvPicPr>
+          <p:nvPr/>
+        </p:nvPicPr>
+        <p:blipFill>
+          <a:blip r:embed="rId2"/>
+          <a:stretch>
+            <a:fillRect/>
+          </a:stretch>
+        </p:blipFill>
+        <p:spPr>
+          <a:xfrm>
+            <a:off x="954248" y="971515"/>
+            <a:ext cx="10003583" cy="5205448"/>
+          </a:xfrm>
+          <a:prstGeom prst="rect">
+            <a:avLst/>
+          </a:prstGeom>
+        </p:spPr>
+      </p:pic>
+    </p:spTree>
+    <p:extLst>
+      <p:ext uri="{BB962C8B-B14F-4D97-AF65-F5344CB8AC3E}">
+        <p14:creationId xmlns:p14="http://schemas.microsoft.com/office/powerpoint/2010/main" val="3336392243"/>
+      </p:ext>
+    </p:extLst>
+  </p:cSld>
+  <p:clrMapOvr>
+    <a:masterClrMapping/>
+  </p:clrMapOvr>
+</p:sld>
+</file>
+
+<file path=ppt/slides/slide9.xml><?xml version="1.0" encoding="utf-8"?>
+<p:sld xmlns:a="http://schemas.openxmlformats.org/drawingml/2006/main" xmlns:r="http://schemas.openxmlformats.org/officeDocument/2006/relationships" xmlns:p="http://schemas.openxmlformats.org/presentationml/2006/main">
+  <p:cSld>
+    <p:spTree>
+      <p:nvGrpSpPr>
+        <p:cNvPr id="1" name=""/>
+        <p:cNvGrpSpPr/>
+        <p:nvPr/>
+      </p:nvGrpSpPr>
+      <p:grpSpPr>
+        <a:xfrm>
+          <a:off x="0" y="0"/>
+          <a:ext cx="0" cy="0"/>
+          <a:chOff x="0" y="0"/>
+          <a:chExt cx="0" cy="0"/>
+        </a:xfrm>
+      </p:grpSpPr>
+      <p:sp>
+        <p:nvSpPr>
+          <p:cNvPr id="2" name="Title 1">
+            <a:extLst>
+              <a:ext uri="{FF2B5EF4-FFF2-40B4-BE49-F238E27FC236}">
+                <a16:creationId xmlns:a16="http://schemas.microsoft.com/office/drawing/2014/main" id="{72A99F2D-34C5-4894-8331-BB298EB0738F}"/>
+              </a:ext>
+            </a:extLst>
+          </p:cNvPr>
+          <p:cNvSpPr>
+            <a:spLocks noGrp="1"/>
+          </p:cNvSpPr>
+          <p:nvPr>
+            <p:ph type="title"/>
+          </p:nvPr>
+        </p:nvSpPr>
+        <p:spPr/>
+        <p:txBody>
+          <a:bodyPr/>
+          <a:lstStyle/>
+          <a:p>
+            <a:r>
+              <a:rPr lang="da-DK" dirty="0"/>
+              <a:t>Test code</a:t>
+            </a:r>
+          </a:p>
+        </p:txBody>
+      </p:sp>
+      <p:sp>
+        <p:nvSpPr>
+          <p:cNvPr id="3" name="Content Placeholder 2">
+            <a:extLst>
+              <a:ext uri="{FF2B5EF4-FFF2-40B4-BE49-F238E27FC236}">
+                <a16:creationId xmlns:a16="http://schemas.microsoft.com/office/drawing/2014/main" id="{787E04AA-DBB8-4D97-BDAF-B12429A53C52}"/>
+              </a:ext>
+            </a:extLst>
+          </p:cNvPr>
+          <p:cNvSpPr>
+            <a:spLocks noGrp="1"/>
+          </p:cNvSpPr>
+          <p:nvPr>
+            <p:ph idx="1"/>
+          </p:nvPr>
+        </p:nvSpPr>
+        <p:spPr/>
+        <p:txBody>
+          <a:bodyPr/>
+          <a:lstStyle/>
+          <a:p>
+            <a:endParaRPr lang="da-DK"/>
+          </a:p>
+        </p:txBody>
+      </p:sp>
+      <p:sp>
+        <p:nvSpPr>
+          <p:cNvPr id="4" name="Date Placeholder 3">
+            <a:extLst>
+              <a:ext uri="{FF2B5EF4-FFF2-40B4-BE49-F238E27FC236}">
+                <a16:creationId xmlns:a16="http://schemas.microsoft.com/office/drawing/2014/main" id="{8468B5AB-D9D5-41F3-A2AD-73B678D1198E}"/>
+              </a:ext>
+            </a:extLst>
+          </p:cNvPr>
+          <p:cNvSpPr>
+            <a:spLocks noGrp="1"/>
+          </p:cNvSpPr>
+          <p:nvPr>
+            <p:ph type="dt" sz="half" idx="10"/>
+          </p:nvPr>
+        </p:nvSpPr>
+        <p:spPr/>
+        <p:txBody>
+          <a:bodyPr/>
+          <a:lstStyle/>
+          <a:p>
+            <a:fld id="{019E29B9-5584-4737-9C98-1B926378C778}" type="datetime1">
+              <a:rPr lang="en-US" smtClean="0"/>
+              <a:t>5/18/2021</a:t>
+            </a:fld>
+            <a:endParaRPr lang="da-DK"/>
+          </a:p>
+        </p:txBody>
+      </p:sp>
+      <p:sp>
+        <p:nvSpPr>
+          <p:cNvPr id="5" name="Footer Placeholder 4">
+            <a:extLst>
+              <a:ext uri="{FF2B5EF4-FFF2-40B4-BE49-F238E27FC236}">
+                <a16:creationId xmlns:a16="http://schemas.microsoft.com/office/drawing/2014/main" id="{B21D8B5C-F956-48C9-812A-F8F305664253}"/>
+              </a:ext>
+            </a:extLst>
+          </p:cNvPr>
+          <p:cNvSpPr>
+            <a:spLocks noGrp="1"/>
+          </p:cNvSpPr>
+          <p:nvPr>
+            <p:ph type="ftr" sz="quarter" idx="11"/>
+          </p:nvPr>
+        </p:nvSpPr>
+        <p:spPr/>
+        <p:txBody>
+          <a:bodyPr/>
+          <a:lstStyle/>
+          <a:p>
+            <a:r>
+              <a:rPr lang="da-DK"/>
+              <a:t>Nicki Skafte Detlefsen</a:t>
+            </a:r>
+          </a:p>
+        </p:txBody>
+      </p:sp>
+      <p:sp>
+        <p:nvSpPr>
+          <p:cNvPr id="6" name="Slide Number Placeholder 5">
+            <a:extLst>
+              <a:ext uri="{FF2B5EF4-FFF2-40B4-BE49-F238E27FC236}">
+                <a16:creationId xmlns:a16="http://schemas.microsoft.com/office/drawing/2014/main" id="{6B8EB881-6CAB-4280-94E1-1CD4E7D6D257}"/>
+              </a:ext>
+            </a:extLst>
+          </p:cNvPr>
+          <p:cNvSpPr>
+            <a:spLocks noGrp="1"/>
+          </p:cNvSpPr>
+          <p:nvPr>
+            <p:ph type="sldNum" sz="quarter" idx="12"/>
+          </p:nvPr>
+        </p:nvSpPr>
+        <p:spPr/>
+        <p:txBody>
+          <a:bodyPr/>
+          <a:lstStyle/>
+          <a:p>
+            <a:fld id="{F6FEDE24-D50C-481B-A7B4-8AF13899101A}" type="slidenum">
+              <a:rPr lang="da-DK" smtClean="0"/>
+              <a:t>9</a:t>
+            </a:fld>
+            <a:endParaRPr lang="da-DK"/>
+          </a:p>
+        </p:txBody>
+      </p:sp>
+      <p:pic>
+        <p:nvPicPr>
+          <p:cNvPr id="8" name="Picture 7">
+            <a:extLst>
+              <a:ext uri="{FF2B5EF4-FFF2-40B4-BE49-F238E27FC236}">
+                <a16:creationId xmlns:a16="http://schemas.microsoft.com/office/drawing/2014/main" id="{709F95A4-D247-4411-B824-AEAFC0612422}"/>
+              </a:ext>
+            </a:extLst>
+          </p:cNvPr>
+          <p:cNvPicPr>
+            <a:picLocks noChangeAspect="1"/>
+          </p:cNvPicPr>
+          <p:nvPr/>
+        </p:nvPicPr>
+        <p:blipFill>
+          <a:blip r:embed="rId2"/>
+          <a:stretch>
+            <a:fillRect/>
+          </a:stretch>
+        </p:blipFill>
+        <p:spPr>
+          <a:xfrm>
+            <a:off x="799614" y="1986511"/>
+            <a:ext cx="10592772" cy="4190452"/>
+          </a:xfrm>
+          <a:prstGeom prst="rect">
+            <a:avLst/>
+          </a:prstGeom>
+        </p:spPr>
+      </p:pic>
+    </p:spTree>
+    <p:extLst>
+      <p:ext uri="{BB962C8B-B14F-4D97-AF65-F5344CB8AC3E}">
+        <p14:creationId xmlns:p14="http://schemas.microsoft.com/office/powerpoint/2010/main" val="807144486"/>
       </p:ext>
     </p:extLst>
   </p:cSld>

--- a/04_continues_integration/ci.pptx
+++ b/04_continues_integration/ci.pptx
@@ -5,27 +5,32 @@
     <p:sldMasterId id="2147483648" r:id="rId1"/>
   </p:sldMasterIdLst>
   <p:notesMasterIdLst>
-    <p:notesMasterId r:id="rId17"/>
+    <p:notesMasterId r:id="rId22"/>
   </p:notesMasterIdLst>
   <p:handoutMasterIdLst>
-    <p:handoutMasterId r:id="rId18"/>
+    <p:handoutMasterId r:id="rId23"/>
   </p:handoutMasterIdLst>
   <p:sldIdLst>
     <p:sldId id="256" r:id="rId2"/>
     <p:sldId id="257" r:id="rId3"/>
     <p:sldId id="258" r:id="rId4"/>
     <p:sldId id="259" r:id="rId5"/>
-    <p:sldId id="260" r:id="rId6"/>
-    <p:sldId id="261" r:id="rId7"/>
-    <p:sldId id="262" r:id="rId8"/>
-    <p:sldId id="265" r:id="rId9"/>
-    <p:sldId id="266" r:id="rId10"/>
-    <p:sldId id="268" r:id="rId11"/>
-    <p:sldId id="267" r:id="rId12"/>
-    <p:sldId id="269" r:id="rId13"/>
-    <p:sldId id="270" r:id="rId14"/>
-    <p:sldId id="263" r:id="rId15"/>
-    <p:sldId id="264" r:id="rId16"/>
+    <p:sldId id="271" r:id="rId6"/>
+    <p:sldId id="272" r:id="rId7"/>
+    <p:sldId id="260" r:id="rId8"/>
+    <p:sldId id="261" r:id="rId9"/>
+    <p:sldId id="262" r:id="rId10"/>
+    <p:sldId id="265" r:id="rId11"/>
+    <p:sldId id="266" r:id="rId12"/>
+    <p:sldId id="268" r:id="rId13"/>
+    <p:sldId id="267" r:id="rId14"/>
+    <p:sldId id="269" r:id="rId15"/>
+    <p:sldId id="270" r:id="rId16"/>
+    <p:sldId id="274" r:id="rId17"/>
+    <p:sldId id="275" r:id="rId18"/>
+    <p:sldId id="273" r:id="rId19"/>
+    <p:sldId id="263" r:id="rId20"/>
+    <p:sldId id="264" r:id="rId21"/>
   </p:sldIdLst>
   <p:sldSz cx="12192000" cy="6858000"/>
   <p:notesSz cx="6858000" cy="9144000"/>
@@ -6823,7 +6828,7 @@
           <p:cNvPr id="2" name="Title 1">
             <a:extLst>
               <a:ext uri="{FF2B5EF4-FFF2-40B4-BE49-F238E27FC236}">
-                <a16:creationId xmlns:a16="http://schemas.microsoft.com/office/drawing/2014/main" id="{CB0BF627-459C-4603-B37E-2607DB471FB1}"/>
+                <a16:creationId xmlns:a16="http://schemas.microsoft.com/office/drawing/2014/main" id="{6DFB8D77-5A0B-4B5A-9EF5-26E2A7DDD8EF}"/>
               </a:ext>
             </a:extLst>
           </p:cNvPr>
@@ -6841,7 +6846,7 @@
           <a:p>
             <a:r>
               <a:rPr lang="da-DK" dirty="0"/>
-              <a:t>Test example 2</a:t>
+              <a:t>Source code</a:t>
             </a:r>
           </a:p>
         </p:txBody>
@@ -6851,7 +6856,7 @@
           <p:cNvPr id="3" name="Content Placeholder 2">
             <a:extLst>
               <a:ext uri="{FF2B5EF4-FFF2-40B4-BE49-F238E27FC236}">
-                <a16:creationId xmlns:a16="http://schemas.microsoft.com/office/drawing/2014/main" id="{8124727B-13EC-4EAA-B197-C00112739F61}"/>
+                <a16:creationId xmlns:a16="http://schemas.microsoft.com/office/drawing/2014/main" id="{2BD812B6-4B73-4734-A1E5-9B93FBA005D2}"/>
               </a:ext>
             </a:extLst>
           </p:cNvPr>
@@ -6867,13 +6872,7 @@
           <a:bodyPr/>
           <a:lstStyle/>
           <a:p>
-            <a:pPr marL="0" indent="0">
-              <a:buNone/>
-            </a:pPr>
-            <a:r>
-              <a:rPr lang="da-DK" dirty="0"/>
-              <a:t>Can be simple</a:t>
-            </a:r>
+            <a:endParaRPr lang="da-DK"/>
           </a:p>
         </p:txBody>
       </p:sp>
@@ -6882,7 +6881,7 @@
           <p:cNvPr id="4" name="Date Placeholder 3">
             <a:extLst>
               <a:ext uri="{FF2B5EF4-FFF2-40B4-BE49-F238E27FC236}">
-                <a16:creationId xmlns:a16="http://schemas.microsoft.com/office/drawing/2014/main" id="{0BB1F392-2926-49E9-A1CE-32DC25F040AA}"/>
+                <a16:creationId xmlns:a16="http://schemas.microsoft.com/office/drawing/2014/main" id="{11FBF938-9A1D-42F6-B40A-3B25618CDC9F}"/>
               </a:ext>
             </a:extLst>
           </p:cNvPr>
@@ -6911,7 +6910,7 @@
           <p:cNvPr id="5" name="Footer Placeholder 4">
             <a:extLst>
               <a:ext uri="{FF2B5EF4-FFF2-40B4-BE49-F238E27FC236}">
-                <a16:creationId xmlns:a16="http://schemas.microsoft.com/office/drawing/2014/main" id="{D1395241-80BD-4A74-931E-1A6FBCF2378C}"/>
+                <a16:creationId xmlns:a16="http://schemas.microsoft.com/office/drawing/2014/main" id="{0EBF188C-E21B-46AB-8B8C-8E977C0B9AF7}"/>
               </a:ext>
             </a:extLst>
           </p:cNvPr>
@@ -6939,7 +6938,7 @@
           <p:cNvPr id="6" name="Slide Number Placeholder 5">
             <a:extLst>
               <a:ext uri="{FF2B5EF4-FFF2-40B4-BE49-F238E27FC236}">
-                <a16:creationId xmlns:a16="http://schemas.microsoft.com/office/drawing/2014/main" id="{FC36F1B5-9D16-44D5-9A0D-E0A88C96DFF8}"/>
+                <a16:creationId xmlns:a16="http://schemas.microsoft.com/office/drawing/2014/main" id="{80A91D58-E219-4AAD-8A61-951F269A4E64}"/>
               </a:ext>
             </a:extLst>
           </p:cNvPr>
@@ -6958,6 +6957,410 @@
             <a:fld id="{F6FEDE24-D50C-481B-A7B4-8AF13899101A}" type="slidenum">
               <a:rPr lang="da-DK" smtClean="0"/>
               <a:t>10</a:t>
+            </a:fld>
+            <a:endParaRPr lang="da-DK"/>
+          </a:p>
+        </p:txBody>
+      </p:sp>
+      <p:pic>
+        <p:nvPicPr>
+          <p:cNvPr id="8" name="Picture 7">
+            <a:extLst>
+              <a:ext uri="{FF2B5EF4-FFF2-40B4-BE49-F238E27FC236}">
+                <a16:creationId xmlns:a16="http://schemas.microsoft.com/office/drawing/2014/main" id="{94735927-D016-466F-9EDF-E4C2D22EFD7A}"/>
+              </a:ext>
+            </a:extLst>
+          </p:cNvPr>
+          <p:cNvPicPr>
+            <a:picLocks noChangeAspect="1"/>
+          </p:cNvPicPr>
+          <p:nvPr/>
+        </p:nvPicPr>
+        <p:blipFill>
+          <a:blip r:embed="rId2"/>
+          <a:stretch>
+            <a:fillRect/>
+          </a:stretch>
+        </p:blipFill>
+        <p:spPr>
+          <a:xfrm>
+            <a:off x="954248" y="971515"/>
+            <a:ext cx="10003583" cy="5205448"/>
+          </a:xfrm>
+          <a:prstGeom prst="rect">
+            <a:avLst/>
+          </a:prstGeom>
+        </p:spPr>
+      </p:pic>
+    </p:spTree>
+    <p:extLst>
+      <p:ext uri="{BB962C8B-B14F-4D97-AF65-F5344CB8AC3E}">
+        <p14:creationId xmlns:p14="http://schemas.microsoft.com/office/powerpoint/2010/main" val="3336392243"/>
+      </p:ext>
+    </p:extLst>
+  </p:cSld>
+  <p:clrMapOvr>
+    <a:masterClrMapping/>
+  </p:clrMapOvr>
+</p:sld>
+</file>
+
+<file path=ppt/slides/slide11.xml><?xml version="1.0" encoding="utf-8"?>
+<p:sld xmlns:a="http://schemas.openxmlformats.org/drawingml/2006/main" xmlns:r="http://schemas.openxmlformats.org/officeDocument/2006/relationships" xmlns:p="http://schemas.openxmlformats.org/presentationml/2006/main">
+  <p:cSld>
+    <p:spTree>
+      <p:nvGrpSpPr>
+        <p:cNvPr id="1" name=""/>
+        <p:cNvGrpSpPr/>
+        <p:nvPr/>
+      </p:nvGrpSpPr>
+      <p:grpSpPr>
+        <a:xfrm>
+          <a:off x="0" y="0"/>
+          <a:ext cx="0" cy="0"/>
+          <a:chOff x="0" y="0"/>
+          <a:chExt cx="0" cy="0"/>
+        </a:xfrm>
+      </p:grpSpPr>
+      <p:sp>
+        <p:nvSpPr>
+          <p:cNvPr id="2" name="Title 1">
+            <a:extLst>
+              <a:ext uri="{FF2B5EF4-FFF2-40B4-BE49-F238E27FC236}">
+                <a16:creationId xmlns:a16="http://schemas.microsoft.com/office/drawing/2014/main" id="{72A99F2D-34C5-4894-8331-BB298EB0738F}"/>
+              </a:ext>
+            </a:extLst>
+          </p:cNvPr>
+          <p:cNvSpPr>
+            <a:spLocks noGrp="1"/>
+          </p:cNvSpPr>
+          <p:nvPr>
+            <p:ph type="title"/>
+          </p:nvPr>
+        </p:nvSpPr>
+        <p:spPr/>
+        <p:txBody>
+          <a:bodyPr/>
+          <a:lstStyle/>
+          <a:p>
+            <a:r>
+              <a:rPr lang="da-DK" dirty="0"/>
+              <a:t>Test code</a:t>
+            </a:r>
+          </a:p>
+        </p:txBody>
+      </p:sp>
+      <p:sp>
+        <p:nvSpPr>
+          <p:cNvPr id="3" name="Content Placeholder 2">
+            <a:extLst>
+              <a:ext uri="{FF2B5EF4-FFF2-40B4-BE49-F238E27FC236}">
+                <a16:creationId xmlns:a16="http://schemas.microsoft.com/office/drawing/2014/main" id="{787E04AA-DBB8-4D97-BDAF-B12429A53C52}"/>
+              </a:ext>
+            </a:extLst>
+          </p:cNvPr>
+          <p:cNvSpPr>
+            <a:spLocks noGrp="1"/>
+          </p:cNvSpPr>
+          <p:nvPr>
+            <p:ph idx="1"/>
+          </p:nvPr>
+        </p:nvSpPr>
+        <p:spPr/>
+        <p:txBody>
+          <a:bodyPr/>
+          <a:lstStyle/>
+          <a:p>
+            <a:endParaRPr lang="da-DK"/>
+          </a:p>
+        </p:txBody>
+      </p:sp>
+      <p:sp>
+        <p:nvSpPr>
+          <p:cNvPr id="4" name="Date Placeholder 3">
+            <a:extLst>
+              <a:ext uri="{FF2B5EF4-FFF2-40B4-BE49-F238E27FC236}">
+                <a16:creationId xmlns:a16="http://schemas.microsoft.com/office/drawing/2014/main" id="{8468B5AB-D9D5-41F3-A2AD-73B678D1198E}"/>
+              </a:ext>
+            </a:extLst>
+          </p:cNvPr>
+          <p:cNvSpPr>
+            <a:spLocks noGrp="1"/>
+          </p:cNvSpPr>
+          <p:nvPr>
+            <p:ph type="dt" sz="half" idx="10"/>
+          </p:nvPr>
+        </p:nvSpPr>
+        <p:spPr/>
+        <p:txBody>
+          <a:bodyPr/>
+          <a:lstStyle/>
+          <a:p>
+            <a:fld id="{019E29B9-5584-4737-9C98-1B926378C778}" type="datetime1">
+              <a:rPr lang="en-US" smtClean="0"/>
+              <a:t>5/18/2021</a:t>
+            </a:fld>
+            <a:endParaRPr lang="da-DK"/>
+          </a:p>
+        </p:txBody>
+      </p:sp>
+      <p:sp>
+        <p:nvSpPr>
+          <p:cNvPr id="5" name="Footer Placeholder 4">
+            <a:extLst>
+              <a:ext uri="{FF2B5EF4-FFF2-40B4-BE49-F238E27FC236}">
+                <a16:creationId xmlns:a16="http://schemas.microsoft.com/office/drawing/2014/main" id="{B21D8B5C-F956-48C9-812A-F8F305664253}"/>
+              </a:ext>
+            </a:extLst>
+          </p:cNvPr>
+          <p:cNvSpPr>
+            <a:spLocks noGrp="1"/>
+          </p:cNvSpPr>
+          <p:nvPr>
+            <p:ph type="ftr" sz="quarter" idx="11"/>
+          </p:nvPr>
+        </p:nvSpPr>
+        <p:spPr/>
+        <p:txBody>
+          <a:bodyPr/>
+          <a:lstStyle/>
+          <a:p>
+            <a:r>
+              <a:rPr lang="da-DK"/>
+              <a:t>Nicki Skafte Detlefsen</a:t>
+            </a:r>
+          </a:p>
+        </p:txBody>
+      </p:sp>
+      <p:sp>
+        <p:nvSpPr>
+          <p:cNvPr id="6" name="Slide Number Placeholder 5">
+            <a:extLst>
+              <a:ext uri="{FF2B5EF4-FFF2-40B4-BE49-F238E27FC236}">
+                <a16:creationId xmlns:a16="http://schemas.microsoft.com/office/drawing/2014/main" id="{6B8EB881-6CAB-4280-94E1-1CD4E7D6D257}"/>
+              </a:ext>
+            </a:extLst>
+          </p:cNvPr>
+          <p:cNvSpPr>
+            <a:spLocks noGrp="1"/>
+          </p:cNvSpPr>
+          <p:nvPr>
+            <p:ph type="sldNum" sz="quarter" idx="12"/>
+          </p:nvPr>
+        </p:nvSpPr>
+        <p:spPr/>
+        <p:txBody>
+          <a:bodyPr/>
+          <a:lstStyle/>
+          <a:p>
+            <a:fld id="{F6FEDE24-D50C-481B-A7B4-8AF13899101A}" type="slidenum">
+              <a:rPr lang="da-DK" smtClean="0"/>
+              <a:t>11</a:t>
+            </a:fld>
+            <a:endParaRPr lang="da-DK"/>
+          </a:p>
+        </p:txBody>
+      </p:sp>
+      <p:pic>
+        <p:nvPicPr>
+          <p:cNvPr id="8" name="Picture 7">
+            <a:extLst>
+              <a:ext uri="{FF2B5EF4-FFF2-40B4-BE49-F238E27FC236}">
+                <a16:creationId xmlns:a16="http://schemas.microsoft.com/office/drawing/2014/main" id="{709F95A4-D247-4411-B824-AEAFC0612422}"/>
+              </a:ext>
+            </a:extLst>
+          </p:cNvPr>
+          <p:cNvPicPr>
+            <a:picLocks noChangeAspect="1"/>
+          </p:cNvPicPr>
+          <p:nvPr/>
+        </p:nvPicPr>
+        <p:blipFill>
+          <a:blip r:embed="rId2"/>
+          <a:stretch>
+            <a:fillRect/>
+          </a:stretch>
+        </p:blipFill>
+        <p:spPr>
+          <a:xfrm>
+            <a:off x="799614" y="1986511"/>
+            <a:ext cx="10592772" cy="4190452"/>
+          </a:xfrm>
+          <a:prstGeom prst="rect">
+            <a:avLst/>
+          </a:prstGeom>
+        </p:spPr>
+      </p:pic>
+    </p:spTree>
+    <p:extLst>
+      <p:ext uri="{BB962C8B-B14F-4D97-AF65-F5344CB8AC3E}">
+        <p14:creationId xmlns:p14="http://schemas.microsoft.com/office/powerpoint/2010/main" val="807144486"/>
+      </p:ext>
+    </p:extLst>
+  </p:cSld>
+  <p:clrMapOvr>
+    <a:masterClrMapping/>
+  </p:clrMapOvr>
+</p:sld>
+</file>
+
+<file path=ppt/slides/slide12.xml><?xml version="1.0" encoding="utf-8"?>
+<p:sld xmlns:a="http://schemas.openxmlformats.org/drawingml/2006/main" xmlns:r="http://schemas.openxmlformats.org/officeDocument/2006/relationships" xmlns:p="http://schemas.openxmlformats.org/presentationml/2006/main">
+  <p:cSld>
+    <p:spTree>
+      <p:nvGrpSpPr>
+        <p:cNvPr id="1" name=""/>
+        <p:cNvGrpSpPr/>
+        <p:nvPr/>
+      </p:nvGrpSpPr>
+      <p:grpSpPr>
+        <a:xfrm>
+          <a:off x="0" y="0"/>
+          <a:ext cx="0" cy="0"/>
+          <a:chOff x="0" y="0"/>
+          <a:chExt cx="0" cy="0"/>
+        </a:xfrm>
+      </p:grpSpPr>
+      <p:sp>
+        <p:nvSpPr>
+          <p:cNvPr id="2" name="Title 1">
+            <a:extLst>
+              <a:ext uri="{FF2B5EF4-FFF2-40B4-BE49-F238E27FC236}">
+                <a16:creationId xmlns:a16="http://schemas.microsoft.com/office/drawing/2014/main" id="{CB0BF627-459C-4603-B37E-2607DB471FB1}"/>
+              </a:ext>
+            </a:extLst>
+          </p:cNvPr>
+          <p:cNvSpPr>
+            <a:spLocks noGrp="1"/>
+          </p:cNvSpPr>
+          <p:nvPr>
+            <p:ph type="title"/>
+          </p:nvPr>
+        </p:nvSpPr>
+        <p:spPr/>
+        <p:txBody>
+          <a:bodyPr/>
+          <a:lstStyle/>
+          <a:p>
+            <a:r>
+              <a:rPr lang="da-DK" dirty="0"/>
+              <a:t>Test example 2</a:t>
+            </a:r>
+          </a:p>
+        </p:txBody>
+      </p:sp>
+      <p:sp>
+        <p:nvSpPr>
+          <p:cNvPr id="3" name="Content Placeholder 2">
+            <a:extLst>
+              <a:ext uri="{FF2B5EF4-FFF2-40B4-BE49-F238E27FC236}">
+                <a16:creationId xmlns:a16="http://schemas.microsoft.com/office/drawing/2014/main" id="{8124727B-13EC-4EAA-B197-C00112739F61}"/>
+              </a:ext>
+            </a:extLst>
+          </p:cNvPr>
+          <p:cNvSpPr>
+            <a:spLocks noGrp="1"/>
+          </p:cNvSpPr>
+          <p:nvPr>
+            <p:ph idx="1"/>
+          </p:nvPr>
+        </p:nvSpPr>
+        <p:spPr/>
+        <p:txBody>
+          <a:bodyPr/>
+          <a:lstStyle/>
+          <a:p>
+            <a:pPr marL="0" indent="0">
+              <a:buNone/>
+            </a:pPr>
+            <a:r>
+              <a:rPr lang="da-DK" dirty="0"/>
+              <a:t>Can be simple</a:t>
+            </a:r>
+          </a:p>
+        </p:txBody>
+      </p:sp>
+      <p:sp>
+        <p:nvSpPr>
+          <p:cNvPr id="4" name="Date Placeholder 3">
+            <a:extLst>
+              <a:ext uri="{FF2B5EF4-FFF2-40B4-BE49-F238E27FC236}">
+                <a16:creationId xmlns:a16="http://schemas.microsoft.com/office/drawing/2014/main" id="{0BB1F392-2926-49E9-A1CE-32DC25F040AA}"/>
+              </a:ext>
+            </a:extLst>
+          </p:cNvPr>
+          <p:cNvSpPr>
+            <a:spLocks noGrp="1"/>
+          </p:cNvSpPr>
+          <p:nvPr>
+            <p:ph type="dt" sz="half" idx="10"/>
+          </p:nvPr>
+        </p:nvSpPr>
+        <p:spPr/>
+        <p:txBody>
+          <a:bodyPr/>
+          <a:lstStyle/>
+          <a:p>
+            <a:fld id="{019E29B9-5584-4737-9C98-1B926378C778}" type="datetime1">
+              <a:rPr lang="en-US" smtClean="0"/>
+              <a:t>5/18/2021</a:t>
+            </a:fld>
+            <a:endParaRPr lang="da-DK"/>
+          </a:p>
+        </p:txBody>
+      </p:sp>
+      <p:sp>
+        <p:nvSpPr>
+          <p:cNvPr id="5" name="Footer Placeholder 4">
+            <a:extLst>
+              <a:ext uri="{FF2B5EF4-FFF2-40B4-BE49-F238E27FC236}">
+                <a16:creationId xmlns:a16="http://schemas.microsoft.com/office/drawing/2014/main" id="{D1395241-80BD-4A74-931E-1A6FBCF2378C}"/>
+              </a:ext>
+            </a:extLst>
+          </p:cNvPr>
+          <p:cNvSpPr>
+            <a:spLocks noGrp="1"/>
+          </p:cNvSpPr>
+          <p:nvPr>
+            <p:ph type="ftr" sz="quarter" idx="11"/>
+          </p:nvPr>
+        </p:nvSpPr>
+        <p:spPr/>
+        <p:txBody>
+          <a:bodyPr/>
+          <a:lstStyle/>
+          <a:p>
+            <a:r>
+              <a:rPr lang="da-DK"/>
+              <a:t>Nicki Skafte Detlefsen</a:t>
+            </a:r>
+          </a:p>
+        </p:txBody>
+      </p:sp>
+      <p:sp>
+        <p:nvSpPr>
+          <p:cNvPr id="6" name="Slide Number Placeholder 5">
+            <a:extLst>
+              <a:ext uri="{FF2B5EF4-FFF2-40B4-BE49-F238E27FC236}">
+                <a16:creationId xmlns:a16="http://schemas.microsoft.com/office/drawing/2014/main" id="{FC36F1B5-9D16-44D5-9A0D-E0A88C96DFF8}"/>
+              </a:ext>
+            </a:extLst>
+          </p:cNvPr>
+          <p:cNvSpPr>
+            <a:spLocks noGrp="1"/>
+          </p:cNvSpPr>
+          <p:nvPr>
+            <p:ph type="sldNum" sz="quarter" idx="12"/>
+          </p:nvPr>
+        </p:nvSpPr>
+        <p:spPr/>
+        <p:txBody>
+          <a:bodyPr/>
+          <a:lstStyle/>
+          <a:p>
+            <a:fld id="{F6FEDE24-D50C-481B-A7B4-8AF13899101A}" type="slidenum">
+              <a:rPr lang="da-DK" smtClean="0"/>
+              <a:t>12</a:t>
             </a:fld>
             <a:endParaRPr lang="da-DK"/>
           </a:p>
@@ -7006,7 +7409,7 @@
 </p:sld>
 </file>
 
-<file path=ppt/slides/slide11.xml><?xml version="1.0" encoding="utf-8"?>
+<file path=ppt/slides/slide13.xml><?xml version="1.0" encoding="utf-8"?>
 <p:sld xmlns:a="http://schemas.openxmlformats.org/drawingml/2006/main" xmlns:r="http://schemas.openxmlformats.org/officeDocument/2006/relationships" xmlns:p="http://schemas.openxmlformats.org/presentationml/2006/main">
   <p:cSld>
     <p:spTree>
@@ -7162,7 +7565,7 @@
           <a:p>
             <a:fld id="{F6FEDE24-D50C-481B-A7B4-8AF13899101A}" type="slidenum">
               <a:rPr lang="da-DK" smtClean="0"/>
-              <a:t>11</a:t>
+              <a:t>13</a:t>
             </a:fld>
             <a:endParaRPr lang="da-DK"/>
           </a:p>
@@ -7211,338 +7614,6 @@
 </p:sld>
 </file>
 
-<file path=ppt/slides/slide12.xml><?xml version="1.0" encoding="utf-8"?>
-<p:sld xmlns:a="http://schemas.openxmlformats.org/drawingml/2006/main" xmlns:r="http://schemas.openxmlformats.org/officeDocument/2006/relationships" xmlns:p="http://schemas.openxmlformats.org/presentationml/2006/main">
-  <p:cSld>
-    <p:spTree>
-      <p:nvGrpSpPr>
-        <p:cNvPr id="1" name=""/>
-        <p:cNvGrpSpPr/>
-        <p:nvPr/>
-      </p:nvGrpSpPr>
-      <p:grpSpPr>
-        <a:xfrm>
-          <a:off x="0" y="0"/>
-          <a:ext cx="0" cy="0"/>
-          <a:chOff x="0" y="0"/>
-          <a:chExt cx="0" cy="0"/>
-        </a:xfrm>
-      </p:grpSpPr>
-      <p:sp>
-        <p:nvSpPr>
-          <p:cNvPr id="2" name="Title 1">
-            <a:extLst>
-              <a:ext uri="{FF2B5EF4-FFF2-40B4-BE49-F238E27FC236}">
-                <a16:creationId xmlns:a16="http://schemas.microsoft.com/office/drawing/2014/main" id="{C804FEF0-38D9-4225-8C87-FB9F7F0DE21C}"/>
-              </a:ext>
-            </a:extLst>
-          </p:cNvPr>
-          <p:cNvSpPr>
-            <a:spLocks noGrp="1"/>
-          </p:cNvSpPr>
-          <p:nvPr>
-            <p:ph type="title"/>
-          </p:nvPr>
-        </p:nvSpPr>
-        <p:spPr/>
-        <p:txBody>
-          <a:bodyPr/>
-          <a:lstStyle/>
-          <a:p>
-            <a:endParaRPr lang="da-DK"/>
-          </a:p>
-        </p:txBody>
-      </p:sp>
-      <p:sp>
-        <p:nvSpPr>
-          <p:cNvPr id="3" name="Content Placeholder 2">
-            <a:extLst>
-              <a:ext uri="{FF2B5EF4-FFF2-40B4-BE49-F238E27FC236}">
-                <a16:creationId xmlns:a16="http://schemas.microsoft.com/office/drawing/2014/main" id="{EDB793A9-108F-4A3C-B7EF-2D61F23C963F}"/>
-              </a:ext>
-            </a:extLst>
-          </p:cNvPr>
-          <p:cNvSpPr>
-            <a:spLocks noGrp="1"/>
-          </p:cNvSpPr>
-          <p:nvPr>
-            <p:ph idx="1"/>
-          </p:nvPr>
-        </p:nvSpPr>
-        <p:spPr/>
-        <p:txBody>
-          <a:bodyPr/>
-          <a:lstStyle/>
-          <a:p>
-            <a:endParaRPr lang="da-DK"/>
-          </a:p>
-        </p:txBody>
-      </p:sp>
-      <p:sp>
-        <p:nvSpPr>
-          <p:cNvPr id="4" name="Date Placeholder 3">
-            <a:extLst>
-              <a:ext uri="{FF2B5EF4-FFF2-40B4-BE49-F238E27FC236}">
-                <a16:creationId xmlns:a16="http://schemas.microsoft.com/office/drawing/2014/main" id="{C8FE981E-3BFB-4310-8047-58DB6DE5B1F4}"/>
-              </a:ext>
-            </a:extLst>
-          </p:cNvPr>
-          <p:cNvSpPr>
-            <a:spLocks noGrp="1"/>
-          </p:cNvSpPr>
-          <p:nvPr>
-            <p:ph type="dt" sz="half" idx="10"/>
-          </p:nvPr>
-        </p:nvSpPr>
-        <p:spPr/>
-        <p:txBody>
-          <a:bodyPr/>
-          <a:lstStyle/>
-          <a:p>
-            <a:fld id="{019E29B9-5584-4737-9C98-1B926378C778}" type="datetime1">
-              <a:rPr lang="en-US" smtClean="0"/>
-              <a:t>5/18/2021</a:t>
-            </a:fld>
-            <a:endParaRPr lang="da-DK"/>
-          </a:p>
-        </p:txBody>
-      </p:sp>
-      <p:sp>
-        <p:nvSpPr>
-          <p:cNvPr id="5" name="Footer Placeholder 4">
-            <a:extLst>
-              <a:ext uri="{FF2B5EF4-FFF2-40B4-BE49-F238E27FC236}">
-                <a16:creationId xmlns:a16="http://schemas.microsoft.com/office/drawing/2014/main" id="{0A0AD86A-71EA-492E-9217-FEBC3BEC40BC}"/>
-              </a:ext>
-            </a:extLst>
-          </p:cNvPr>
-          <p:cNvSpPr>
-            <a:spLocks noGrp="1"/>
-          </p:cNvSpPr>
-          <p:nvPr>
-            <p:ph type="ftr" sz="quarter" idx="11"/>
-          </p:nvPr>
-        </p:nvSpPr>
-        <p:spPr/>
-        <p:txBody>
-          <a:bodyPr/>
-          <a:lstStyle/>
-          <a:p>
-            <a:r>
-              <a:rPr lang="da-DK"/>
-              <a:t>Nicki Skafte Detlefsen</a:t>
-            </a:r>
-          </a:p>
-        </p:txBody>
-      </p:sp>
-      <p:sp>
-        <p:nvSpPr>
-          <p:cNvPr id="6" name="Slide Number Placeholder 5">
-            <a:extLst>
-              <a:ext uri="{FF2B5EF4-FFF2-40B4-BE49-F238E27FC236}">
-                <a16:creationId xmlns:a16="http://schemas.microsoft.com/office/drawing/2014/main" id="{E30589C7-7FCF-4587-8697-E22832317E56}"/>
-              </a:ext>
-            </a:extLst>
-          </p:cNvPr>
-          <p:cNvSpPr>
-            <a:spLocks noGrp="1"/>
-          </p:cNvSpPr>
-          <p:nvPr>
-            <p:ph type="sldNum" sz="quarter" idx="12"/>
-          </p:nvPr>
-        </p:nvSpPr>
-        <p:spPr/>
-        <p:txBody>
-          <a:bodyPr/>
-          <a:lstStyle/>
-          <a:p>
-            <a:fld id="{F6FEDE24-D50C-481B-A7B4-8AF13899101A}" type="slidenum">
-              <a:rPr lang="da-DK" smtClean="0"/>
-              <a:t>12</a:t>
-            </a:fld>
-            <a:endParaRPr lang="da-DK"/>
-          </a:p>
-        </p:txBody>
-      </p:sp>
-    </p:spTree>
-    <p:extLst>
-      <p:ext uri="{BB962C8B-B14F-4D97-AF65-F5344CB8AC3E}">
-        <p14:creationId xmlns:p14="http://schemas.microsoft.com/office/powerpoint/2010/main" val="1725267591"/>
-      </p:ext>
-    </p:extLst>
-  </p:cSld>
-  <p:clrMapOvr>
-    <a:masterClrMapping/>
-  </p:clrMapOvr>
-</p:sld>
-</file>
-
-<file path=ppt/slides/slide13.xml><?xml version="1.0" encoding="utf-8"?>
-<p:sld xmlns:a="http://schemas.openxmlformats.org/drawingml/2006/main" xmlns:r="http://schemas.openxmlformats.org/officeDocument/2006/relationships" xmlns:p="http://schemas.openxmlformats.org/presentationml/2006/main">
-  <p:cSld>
-    <p:spTree>
-      <p:nvGrpSpPr>
-        <p:cNvPr id="1" name=""/>
-        <p:cNvGrpSpPr/>
-        <p:nvPr/>
-      </p:nvGrpSpPr>
-      <p:grpSpPr>
-        <a:xfrm>
-          <a:off x="0" y="0"/>
-          <a:ext cx="0" cy="0"/>
-          <a:chOff x="0" y="0"/>
-          <a:chExt cx="0" cy="0"/>
-        </a:xfrm>
-      </p:grpSpPr>
-      <p:sp>
-        <p:nvSpPr>
-          <p:cNvPr id="2" name="Title 1">
-            <a:extLst>
-              <a:ext uri="{FF2B5EF4-FFF2-40B4-BE49-F238E27FC236}">
-                <a16:creationId xmlns:a16="http://schemas.microsoft.com/office/drawing/2014/main" id="{EAF59619-619D-4BE4-AA66-0CEAB7F7B0D7}"/>
-              </a:ext>
-            </a:extLst>
-          </p:cNvPr>
-          <p:cNvSpPr>
-            <a:spLocks noGrp="1"/>
-          </p:cNvSpPr>
-          <p:nvPr>
-            <p:ph type="title"/>
-          </p:nvPr>
-        </p:nvSpPr>
-        <p:spPr/>
-        <p:txBody>
-          <a:bodyPr/>
-          <a:lstStyle/>
-          <a:p>
-            <a:endParaRPr lang="da-DK"/>
-          </a:p>
-        </p:txBody>
-      </p:sp>
-      <p:sp>
-        <p:nvSpPr>
-          <p:cNvPr id="3" name="Content Placeholder 2">
-            <a:extLst>
-              <a:ext uri="{FF2B5EF4-FFF2-40B4-BE49-F238E27FC236}">
-                <a16:creationId xmlns:a16="http://schemas.microsoft.com/office/drawing/2014/main" id="{458F45F5-81CA-484B-935A-8C437951C320}"/>
-              </a:ext>
-            </a:extLst>
-          </p:cNvPr>
-          <p:cNvSpPr>
-            <a:spLocks noGrp="1"/>
-          </p:cNvSpPr>
-          <p:nvPr>
-            <p:ph idx="1"/>
-          </p:nvPr>
-        </p:nvSpPr>
-        <p:spPr/>
-        <p:txBody>
-          <a:bodyPr/>
-          <a:lstStyle/>
-          <a:p>
-            <a:endParaRPr lang="da-DK"/>
-          </a:p>
-        </p:txBody>
-      </p:sp>
-      <p:sp>
-        <p:nvSpPr>
-          <p:cNvPr id="4" name="Date Placeholder 3">
-            <a:extLst>
-              <a:ext uri="{FF2B5EF4-FFF2-40B4-BE49-F238E27FC236}">
-                <a16:creationId xmlns:a16="http://schemas.microsoft.com/office/drawing/2014/main" id="{28D02B8C-7B34-46F7-A2B7-B02C72AAB3D7}"/>
-              </a:ext>
-            </a:extLst>
-          </p:cNvPr>
-          <p:cNvSpPr>
-            <a:spLocks noGrp="1"/>
-          </p:cNvSpPr>
-          <p:nvPr>
-            <p:ph type="dt" sz="half" idx="10"/>
-          </p:nvPr>
-        </p:nvSpPr>
-        <p:spPr/>
-        <p:txBody>
-          <a:bodyPr/>
-          <a:lstStyle/>
-          <a:p>
-            <a:fld id="{019E29B9-5584-4737-9C98-1B926378C778}" type="datetime1">
-              <a:rPr lang="en-US" smtClean="0"/>
-              <a:t>5/18/2021</a:t>
-            </a:fld>
-            <a:endParaRPr lang="da-DK"/>
-          </a:p>
-        </p:txBody>
-      </p:sp>
-      <p:sp>
-        <p:nvSpPr>
-          <p:cNvPr id="5" name="Footer Placeholder 4">
-            <a:extLst>
-              <a:ext uri="{FF2B5EF4-FFF2-40B4-BE49-F238E27FC236}">
-                <a16:creationId xmlns:a16="http://schemas.microsoft.com/office/drawing/2014/main" id="{C4FACB2A-EE92-414E-AE8A-169E7208098F}"/>
-              </a:ext>
-            </a:extLst>
-          </p:cNvPr>
-          <p:cNvSpPr>
-            <a:spLocks noGrp="1"/>
-          </p:cNvSpPr>
-          <p:nvPr>
-            <p:ph type="ftr" sz="quarter" idx="11"/>
-          </p:nvPr>
-        </p:nvSpPr>
-        <p:spPr/>
-        <p:txBody>
-          <a:bodyPr/>
-          <a:lstStyle/>
-          <a:p>
-            <a:r>
-              <a:rPr lang="da-DK"/>
-              <a:t>Nicki Skafte Detlefsen</a:t>
-            </a:r>
-          </a:p>
-        </p:txBody>
-      </p:sp>
-      <p:sp>
-        <p:nvSpPr>
-          <p:cNvPr id="6" name="Slide Number Placeholder 5">
-            <a:extLst>
-              <a:ext uri="{FF2B5EF4-FFF2-40B4-BE49-F238E27FC236}">
-                <a16:creationId xmlns:a16="http://schemas.microsoft.com/office/drawing/2014/main" id="{6579EFF0-887F-4401-BA36-3F6DA8E50278}"/>
-              </a:ext>
-            </a:extLst>
-          </p:cNvPr>
-          <p:cNvSpPr>
-            <a:spLocks noGrp="1"/>
-          </p:cNvSpPr>
-          <p:nvPr>
-            <p:ph type="sldNum" sz="quarter" idx="12"/>
-          </p:nvPr>
-        </p:nvSpPr>
-        <p:spPr/>
-        <p:txBody>
-          <a:bodyPr/>
-          <a:lstStyle/>
-          <a:p>
-            <a:fld id="{F6FEDE24-D50C-481B-A7B4-8AF13899101A}" type="slidenum">
-              <a:rPr lang="da-DK" smtClean="0"/>
-              <a:t>13</a:t>
-            </a:fld>
-            <a:endParaRPr lang="da-DK"/>
-          </a:p>
-        </p:txBody>
-      </p:sp>
-    </p:spTree>
-    <p:extLst>
-      <p:ext uri="{BB962C8B-B14F-4D97-AF65-F5344CB8AC3E}">
-        <p14:creationId xmlns:p14="http://schemas.microsoft.com/office/powerpoint/2010/main" val="1212895918"/>
-      </p:ext>
-    </p:extLst>
-  </p:cSld>
-  <p:clrMapOvr>
-    <a:masterClrMapping/>
-  </p:clrMapOvr>
-</p:sld>
-</file>
-
 <file path=ppt/slides/slide14.xml><?xml version="1.0" encoding="utf-8"?>
 <p:sld xmlns:a="http://schemas.openxmlformats.org/drawingml/2006/main" xmlns:r="http://schemas.openxmlformats.org/officeDocument/2006/relationships" xmlns:p="http://schemas.openxmlformats.org/presentationml/2006/main">
   <p:cSld>
@@ -7565,7 +7636,7 @@
           <p:cNvPr id="2" name="Title 1">
             <a:extLst>
               <a:ext uri="{FF2B5EF4-FFF2-40B4-BE49-F238E27FC236}">
-                <a16:creationId xmlns:a16="http://schemas.microsoft.com/office/drawing/2014/main" id="{F75C798D-9614-4664-A637-FC146124E21A}"/>
+                <a16:creationId xmlns:a16="http://schemas.microsoft.com/office/drawing/2014/main" id="{C804FEF0-38D9-4225-8C87-FB9F7F0DE21C}"/>
               </a:ext>
             </a:extLst>
           </p:cNvPr>
@@ -7583,7 +7654,7 @@
           <a:p>
             <a:r>
               <a:rPr lang="da-DK" dirty="0"/>
-              <a:t>Advanced: Use bots</a:t>
+              <a:t>Setup files</a:t>
             </a:r>
           </a:p>
         </p:txBody>
@@ -7593,7 +7664,7 @@
           <p:cNvPr id="3" name="Content Placeholder 2">
             <a:extLst>
               <a:ext uri="{FF2B5EF4-FFF2-40B4-BE49-F238E27FC236}">
-                <a16:creationId xmlns:a16="http://schemas.microsoft.com/office/drawing/2014/main" id="{354DA073-B537-4918-AFF8-AC9085F4F2DA}"/>
+                <a16:creationId xmlns:a16="http://schemas.microsoft.com/office/drawing/2014/main" id="{EDB793A9-108F-4A3C-B7EF-2D61F23C963F}"/>
               </a:ext>
             </a:extLst>
           </p:cNvPr>
@@ -7604,17 +7675,59 @@
             <p:ph idx="1"/>
           </p:nvPr>
         </p:nvSpPr>
-        <p:spPr/>
-        <p:txBody>
-          <a:bodyPr/>
-          <a:lstStyle/>
-          <a:p>
-            <a:pPr marL="0" indent="0">
+        <p:spPr>
+          <a:xfrm>
+            <a:off x="838200" y="1343608"/>
+            <a:ext cx="6467130" cy="4833355"/>
+          </a:xfrm>
+        </p:spPr>
+        <p:txBody>
+          <a:bodyPr/>
+          <a:lstStyle/>
+          <a:p>
+            <a:r>
+              <a:rPr lang="da-DK" dirty="0"/>
+              <a:t>Contains all information regarding the project</a:t>
+            </a:r>
+          </a:p>
+          <a:p>
+            <a:endParaRPr lang="da-DK" dirty="0"/>
+          </a:p>
+          <a:p>
+            <a:r>
+              <a:rPr lang="da-DK" dirty="0"/>
+              <a:t>Allow people to do:</a:t>
+            </a:r>
+          </a:p>
+          <a:p>
+            <a:pPr marL="0" indent="0" algn="ctr">
               <a:buNone/>
             </a:pPr>
             <a:r>
+              <a:rPr lang="da-DK" dirty="0">
+                <a:latin typeface="+mj-lt"/>
+              </a:rPr>
+              <a:t>python setup.py install</a:t>
+            </a:r>
+          </a:p>
+          <a:p>
+            <a:pPr marL="0" indent="0" algn="ctr">
+              <a:buNone/>
+            </a:pPr>
+            <a:r>
               <a:rPr lang="da-DK" dirty="0"/>
-              <a:t>Bots can take care of tidious task for you (like linting)</a:t>
+              <a:t>or if uploaded to pip</a:t>
+            </a:r>
+          </a:p>
+          <a:p>
+            <a:pPr marL="0" indent="0" algn="ctr">
+              <a:buNone/>
+            </a:pPr>
+            <a:r>
+              <a:rPr lang="da-DK" dirty="0">
+                <a:latin typeface="+mj-lt"/>
+              </a:rPr>
+              <a:t>pip install my_package</a:t>
             </a:r>
           </a:p>
         </p:txBody>
@@ -7624,7 +7737,7 @@
           <p:cNvPr id="4" name="Date Placeholder 3">
             <a:extLst>
               <a:ext uri="{FF2B5EF4-FFF2-40B4-BE49-F238E27FC236}">
-                <a16:creationId xmlns:a16="http://schemas.microsoft.com/office/drawing/2014/main" id="{A38678BB-F0B7-4FEC-98EB-3E466C913495}"/>
+                <a16:creationId xmlns:a16="http://schemas.microsoft.com/office/drawing/2014/main" id="{C8FE981E-3BFB-4310-8047-58DB6DE5B1F4}"/>
               </a:ext>
             </a:extLst>
           </p:cNvPr>
@@ -7653,7 +7766,7 @@
           <p:cNvPr id="5" name="Footer Placeholder 4">
             <a:extLst>
               <a:ext uri="{FF2B5EF4-FFF2-40B4-BE49-F238E27FC236}">
-                <a16:creationId xmlns:a16="http://schemas.microsoft.com/office/drawing/2014/main" id="{7DC01D13-A7AE-486A-B461-0BC988932A1E}"/>
+                <a16:creationId xmlns:a16="http://schemas.microsoft.com/office/drawing/2014/main" id="{0A0AD86A-71EA-492E-9217-FEBC3BEC40BC}"/>
               </a:ext>
             </a:extLst>
           </p:cNvPr>
@@ -7681,7 +7794,7 @@
           <p:cNvPr id="6" name="Slide Number Placeholder 5">
             <a:extLst>
               <a:ext uri="{FF2B5EF4-FFF2-40B4-BE49-F238E27FC236}">
-                <a16:creationId xmlns:a16="http://schemas.microsoft.com/office/drawing/2014/main" id="{35FE3EE1-CAD2-43C5-A925-1E7DD24EA24F}"/>
+                <a16:creationId xmlns:a16="http://schemas.microsoft.com/office/drawing/2014/main" id="{E30589C7-7FCF-4587-8697-E22832317E56}"/>
               </a:ext>
             </a:extLst>
           </p:cNvPr>
@@ -7700,6 +7813,1475 @@
             <a:fld id="{F6FEDE24-D50C-481B-A7B4-8AF13899101A}" type="slidenum">
               <a:rPr lang="da-DK" smtClean="0"/>
               <a:t>14</a:t>
+            </a:fld>
+            <a:endParaRPr lang="da-DK"/>
+          </a:p>
+        </p:txBody>
+      </p:sp>
+      <p:pic>
+        <p:nvPicPr>
+          <p:cNvPr id="8" name="Picture 7">
+            <a:extLst>
+              <a:ext uri="{FF2B5EF4-FFF2-40B4-BE49-F238E27FC236}">
+                <a16:creationId xmlns:a16="http://schemas.microsoft.com/office/drawing/2014/main" id="{92FB6E5A-44D1-46DA-92C0-B8F6F2FAA40D}"/>
+              </a:ext>
+            </a:extLst>
+          </p:cNvPr>
+          <p:cNvPicPr>
+            <a:picLocks noChangeAspect="1"/>
+          </p:cNvPicPr>
+          <p:nvPr/>
+        </p:nvPicPr>
+        <p:blipFill>
+          <a:blip r:embed="rId2"/>
+          <a:stretch>
+            <a:fillRect/>
+          </a:stretch>
+        </p:blipFill>
+        <p:spPr>
+          <a:xfrm>
+            <a:off x="7576458" y="50270"/>
+            <a:ext cx="3506214" cy="6306080"/>
+          </a:xfrm>
+          <a:prstGeom prst="rect">
+            <a:avLst/>
+          </a:prstGeom>
+        </p:spPr>
+      </p:pic>
+    </p:spTree>
+    <p:extLst>
+      <p:ext uri="{BB962C8B-B14F-4D97-AF65-F5344CB8AC3E}">
+        <p14:creationId xmlns:p14="http://schemas.microsoft.com/office/powerpoint/2010/main" val="1725267591"/>
+      </p:ext>
+    </p:extLst>
+  </p:cSld>
+  <p:clrMapOvr>
+    <a:masterClrMapping/>
+  </p:clrMapOvr>
+</p:sld>
+</file>
+
+<file path=ppt/slides/slide15.xml><?xml version="1.0" encoding="utf-8"?>
+<p:sld xmlns:a="http://schemas.openxmlformats.org/drawingml/2006/main" xmlns:r="http://schemas.openxmlformats.org/officeDocument/2006/relationships" xmlns:p="http://schemas.openxmlformats.org/presentationml/2006/main">
+  <p:cSld>
+    <p:spTree>
+      <p:nvGrpSpPr>
+        <p:cNvPr id="1" name=""/>
+        <p:cNvGrpSpPr/>
+        <p:nvPr/>
+      </p:nvGrpSpPr>
+      <p:grpSpPr>
+        <a:xfrm>
+          <a:off x="0" y="0"/>
+          <a:ext cx="0" cy="0"/>
+          <a:chOff x="0" y="0"/>
+          <a:chExt cx="0" cy="0"/>
+        </a:xfrm>
+      </p:grpSpPr>
+      <p:sp>
+        <p:nvSpPr>
+          <p:cNvPr id="2" name="Title 1">
+            <a:extLst>
+              <a:ext uri="{FF2B5EF4-FFF2-40B4-BE49-F238E27FC236}">
+                <a16:creationId xmlns:a16="http://schemas.microsoft.com/office/drawing/2014/main" id="{EAF59619-619D-4BE4-AA66-0CEAB7F7B0D7}"/>
+              </a:ext>
+            </a:extLst>
+          </p:cNvPr>
+          <p:cNvSpPr>
+            <a:spLocks noGrp="1"/>
+          </p:cNvSpPr>
+          <p:nvPr>
+            <p:ph type="title"/>
+          </p:nvPr>
+        </p:nvSpPr>
+        <p:spPr/>
+        <p:txBody>
+          <a:bodyPr/>
+          <a:lstStyle/>
+          <a:p>
+            <a:r>
+              <a:rPr lang="da-DK" dirty="0"/>
+              <a:t>Workflows</a:t>
+            </a:r>
+          </a:p>
+        </p:txBody>
+      </p:sp>
+      <p:sp>
+        <p:nvSpPr>
+          <p:cNvPr id="3" name="Content Placeholder 2">
+            <a:extLst>
+              <a:ext uri="{FF2B5EF4-FFF2-40B4-BE49-F238E27FC236}">
+                <a16:creationId xmlns:a16="http://schemas.microsoft.com/office/drawing/2014/main" id="{458F45F5-81CA-484B-935A-8C437951C320}"/>
+              </a:ext>
+            </a:extLst>
+          </p:cNvPr>
+          <p:cNvSpPr>
+            <a:spLocks noGrp="1"/>
+          </p:cNvSpPr>
+          <p:nvPr>
+            <p:ph idx="1"/>
+          </p:nvPr>
+        </p:nvSpPr>
+        <p:spPr/>
+        <p:txBody>
+          <a:bodyPr/>
+          <a:lstStyle/>
+          <a:p>
+            <a:endParaRPr lang="da-DK" dirty="0"/>
+          </a:p>
+        </p:txBody>
+      </p:sp>
+      <p:sp>
+        <p:nvSpPr>
+          <p:cNvPr id="4" name="Date Placeholder 3">
+            <a:extLst>
+              <a:ext uri="{FF2B5EF4-FFF2-40B4-BE49-F238E27FC236}">
+                <a16:creationId xmlns:a16="http://schemas.microsoft.com/office/drawing/2014/main" id="{28D02B8C-7B34-46F7-A2B7-B02C72AAB3D7}"/>
+              </a:ext>
+            </a:extLst>
+          </p:cNvPr>
+          <p:cNvSpPr>
+            <a:spLocks noGrp="1"/>
+          </p:cNvSpPr>
+          <p:nvPr>
+            <p:ph type="dt" sz="half" idx="10"/>
+          </p:nvPr>
+        </p:nvSpPr>
+        <p:spPr/>
+        <p:txBody>
+          <a:bodyPr/>
+          <a:lstStyle/>
+          <a:p>
+            <a:fld id="{019E29B9-5584-4737-9C98-1B926378C778}" type="datetime1">
+              <a:rPr lang="en-US" smtClean="0"/>
+              <a:t>5/18/2021</a:t>
+            </a:fld>
+            <a:endParaRPr lang="da-DK"/>
+          </a:p>
+        </p:txBody>
+      </p:sp>
+      <p:sp>
+        <p:nvSpPr>
+          <p:cNvPr id="5" name="Footer Placeholder 4">
+            <a:extLst>
+              <a:ext uri="{FF2B5EF4-FFF2-40B4-BE49-F238E27FC236}">
+                <a16:creationId xmlns:a16="http://schemas.microsoft.com/office/drawing/2014/main" id="{C4FACB2A-EE92-414E-AE8A-169E7208098F}"/>
+              </a:ext>
+            </a:extLst>
+          </p:cNvPr>
+          <p:cNvSpPr>
+            <a:spLocks noGrp="1"/>
+          </p:cNvSpPr>
+          <p:nvPr>
+            <p:ph type="ftr" sz="quarter" idx="11"/>
+          </p:nvPr>
+        </p:nvSpPr>
+        <p:spPr/>
+        <p:txBody>
+          <a:bodyPr/>
+          <a:lstStyle/>
+          <a:p>
+            <a:r>
+              <a:rPr lang="da-DK"/>
+              <a:t>Nicki Skafte Detlefsen</a:t>
+            </a:r>
+          </a:p>
+        </p:txBody>
+      </p:sp>
+      <p:sp>
+        <p:nvSpPr>
+          <p:cNvPr id="6" name="Slide Number Placeholder 5">
+            <a:extLst>
+              <a:ext uri="{FF2B5EF4-FFF2-40B4-BE49-F238E27FC236}">
+                <a16:creationId xmlns:a16="http://schemas.microsoft.com/office/drawing/2014/main" id="{6579EFF0-887F-4401-BA36-3F6DA8E50278}"/>
+              </a:ext>
+            </a:extLst>
+          </p:cNvPr>
+          <p:cNvSpPr>
+            <a:spLocks noGrp="1"/>
+          </p:cNvSpPr>
+          <p:nvPr>
+            <p:ph type="sldNum" sz="quarter" idx="12"/>
+          </p:nvPr>
+        </p:nvSpPr>
+        <p:spPr/>
+        <p:txBody>
+          <a:bodyPr/>
+          <a:lstStyle/>
+          <a:p>
+            <a:fld id="{F6FEDE24-D50C-481B-A7B4-8AF13899101A}" type="slidenum">
+              <a:rPr lang="da-DK" smtClean="0"/>
+              <a:t>15</a:t>
+            </a:fld>
+            <a:endParaRPr lang="da-DK"/>
+          </a:p>
+        </p:txBody>
+      </p:sp>
+      <p:pic>
+        <p:nvPicPr>
+          <p:cNvPr id="8" name="Picture 7">
+            <a:extLst>
+              <a:ext uri="{FF2B5EF4-FFF2-40B4-BE49-F238E27FC236}">
+                <a16:creationId xmlns:a16="http://schemas.microsoft.com/office/drawing/2014/main" id="{B0760944-594E-48B9-B402-CAABB68EB88C}"/>
+              </a:ext>
+            </a:extLst>
+          </p:cNvPr>
+          <p:cNvPicPr>
+            <a:picLocks noChangeAspect="1"/>
+          </p:cNvPicPr>
+          <p:nvPr/>
+        </p:nvPicPr>
+        <p:blipFill>
+          <a:blip r:embed="rId2"/>
+          <a:stretch>
+            <a:fillRect/>
+          </a:stretch>
+        </p:blipFill>
+        <p:spPr>
+          <a:xfrm>
+            <a:off x="171450" y="275889"/>
+            <a:ext cx="4501870" cy="3324561"/>
+          </a:xfrm>
+          <a:prstGeom prst="rect">
+            <a:avLst/>
+          </a:prstGeom>
+        </p:spPr>
+      </p:pic>
+      <p:pic>
+        <p:nvPicPr>
+          <p:cNvPr id="10" name="Picture 9">
+            <a:extLst>
+              <a:ext uri="{FF2B5EF4-FFF2-40B4-BE49-F238E27FC236}">
+                <a16:creationId xmlns:a16="http://schemas.microsoft.com/office/drawing/2014/main" id="{B0F2AD7D-CD1F-4D1A-9965-65B9B435B6B8}"/>
+              </a:ext>
+            </a:extLst>
+          </p:cNvPr>
+          <p:cNvPicPr>
+            <a:picLocks noChangeAspect="1"/>
+          </p:cNvPicPr>
+          <p:nvPr/>
+        </p:nvPicPr>
+        <p:blipFill>
+          <a:blip r:embed="rId3"/>
+          <a:stretch>
+            <a:fillRect/>
+          </a:stretch>
+        </p:blipFill>
+        <p:spPr>
+          <a:xfrm>
+            <a:off x="2943225" y="3692717"/>
+            <a:ext cx="8982075" cy="2731227"/>
+          </a:xfrm>
+          <a:prstGeom prst="rect">
+            <a:avLst/>
+          </a:prstGeom>
+        </p:spPr>
+      </p:pic>
+      <p:sp>
+        <p:nvSpPr>
+          <p:cNvPr id="12" name="Freeform: Shape 11">
+            <a:extLst>
+              <a:ext uri="{FF2B5EF4-FFF2-40B4-BE49-F238E27FC236}">
+                <a16:creationId xmlns:a16="http://schemas.microsoft.com/office/drawing/2014/main" id="{ED65FC9C-1574-41FE-B8A3-1AA0010D9F42}"/>
+              </a:ext>
+            </a:extLst>
+          </p:cNvPr>
+          <p:cNvSpPr/>
+          <p:nvPr/>
+        </p:nvSpPr>
+        <p:spPr>
+          <a:xfrm>
+            <a:off x="1269593" y="1657350"/>
+            <a:ext cx="1730782" cy="2857500"/>
+          </a:xfrm>
+          <a:custGeom>
+            <a:avLst/>
+            <a:gdLst>
+              <a:gd name="connsiteX0" fmla="*/ 54382 w 1730782"/>
+              <a:gd name="connsiteY0" fmla="*/ 0 h 2857500"/>
+              <a:gd name="connsiteX1" fmla="*/ 1092607 w 1730782"/>
+              <a:gd name="connsiteY1" fmla="*/ 866775 h 2857500"/>
+              <a:gd name="connsiteX2" fmla="*/ 6757 w 1730782"/>
+              <a:gd name="connsiteY2" fmla="*/ 2257425 h 2857500"/>
+              <a:gd name="connsiteX3" fmla="*/ 1730782 w 1730782"/>
+              <a:gd name="connsiteY3" fmla="*/ 2857500 h 2857500"/>
+            </a:gdLst>
+            <a:ahLst/>
+            <a:cxnLst>
+              <a:cxn ang="0">
+                <a:pos x="connsiteX0" y="connsiteY0"/>
+              </a:cxn>
+              <a:cxn ang="0">
+                <a:pos x="connsiteX1" y="connsiteY1"/>
+              </a:cxn>
+              <a:cxn ang="0">
+                <a:pos x="connsiteX2" y="connsiteY2"/>
+              </a:cxn>
+              <a:cxn ang="0">
+                <a:pos x="connsiteX3" y="connsiteY3"/>
+              </a:cxn>
+            </a:cxnLst>
+            <a:rect l="l" t="t" r="r" b="b"/>
+            <a:pathLst>
+              <a:path w="1730782" h="2857500">
+                <a:moveTo>
+                  <a:pt x="54382" y="0"/>
+                </a:moveTo>
+                <a:cubicBezTo>
+                  <a:pt x="577463" y="245269"/>
+                  <a:pt x="1100544" y="490538"/>
+                  <a:pt x="1092607" y="866775"/>
+                </a:cubicBezTo>
+                <a:cubicBezTo>
+                  <a:pt x="1084670" y="1243012"/>
+                  <a:pt x="-99605" y="1925638"/>
+                  <a:pt x="6757" y="2257425"/>
+                </a:cubicBezTo>
+                <a:cubicBezTo>
+                  <a:pt x="113119" y="2589212"/>
+                  <a:pt x="921950" y="2723356"/>
+                  <a:pt x="1730782" y="2857500"/>
+                </a:cubicBezTo>
+              </a:path>
+            </a:pathLst>
+          </a:custGeom>
+          <a:noFill/>
+          <a:ln w="38100">
+            <a:solidFill>
+              <a:srgbClr val="FF0000"/>
+            </a:solidFill>
+          </a:ln>
+        </p:spPr>
+        <p:style>
+          <a:lnRef idx="2">
+            <a:schemeClr val="accent1">
+              <a:shade val="50000"/>
+            </a:schemeClr>
+          </a:lnRef>
+          <a:fillRef idx="1">
+            <a:schemeClr val="accent1"/>
+          </a:fillRef>
+          <a:effectRef idx="0">
+            <a:schemeClr val="accent1"/>
+          </a:effectRef>
+          <a:fontRef idx="minor">
+            <a:schemeClr val="lt1"/>
+          </a:fontRef>
+        </p:style>
+        <p:txBody>
+          <a:bodyPr rtlCol="0" anchor="ctr"/>
+          <a:lstStyle/>
+          <a:p>
+            <a:pPr algn="ctr"/>
+            <a:endParaRPr lang="da-DK"/>
+          </a:p>
+        </p:txBody>
+      </p:sp>
+      <p:cxnSp>
+        <p:nvCxnSpPr>
+          <p:cNvPr id="14" name="Straight Arrow Connector 13">
+            <a:extLst>
+              <a:ext uri="{FF2B5EF4-FFF2-40B4-BE49-F238E27FC236}">
+                <a16:creationId xmlns:a16="http://schemas.microsoft.com/office/drawing/2014/main" id="{6637B1C3-E726-4E9B-B5FF-92857E1F4165}"/>
+              </a:ext>
+            </a:extLst>
+          </p:cNvPr>
+          <p:cNvCxnSpPr/>
+          <p:nvPr/>
+        </p:nvCxnSpPr>
+        <p:spPr>
+          <a:xfrm>
+            <a:off x="2776538" y="4481513"/>
+            <a:ext cx="338137" cy="61912"/>
+          </a:xfrm>
+          <a:prstGeom prst="straightConnector1">
+            <a:avLst/>
+          </a:prstGeom>
+          <a:ln w="38100">
+            <a:solidFill>
+              <a:srgbClr val="FF0000"/>
+            </a:solidFill>
+            <a:tailEnd type="triangle"/>
+          </a:ln>
+        </p:spPr>
+        <p:style>
+          <a:lnRef idx="1">
+            <a:schemeClr val="accent1"/>
+          </a:lnRef>
+          <a:fillRef idx="0">
+            <a:schemeClr val="accent1"/>
+          </a:fillRef>
+          <a:effectRef idx="0">
+            <a:schemeClr val="accent1"/>
+          </a:effectRef>
+          <a:fontRef idx="minor">
+            <a:schemeClr val="tx1"/>
+          </a:fontRef>
+        </p:style>
+      </p:cxnSp>
+      <p:cxnSp>
+        <p:nvCxnSpPr>
+          <p:cNvPr id="16" name="Straight Connector 15">
+            <a:extLst>
+              <a:ext uri="{FF2B5EF4-FFF2-40B4-BE49-F238E27FC236}">
+                <a16:creationId xmlns:a16="http://schemas.microsoft.com/office/drawing/2014/main" id="{E5C0721E-E362-4FE4-8578-9F9C9BBD85CC}"/>
+              </a:ext>
+            </a:extLst>
+          </p:cNvPr>
+          <p:cNvCxnSpPr/>
+          <p:nvPr/>
+        </p:nvCxnSpPr>
+        <p:spPr>
+          <a:xfrm flipV="1">
+            <a:off x="3229761" y="4481513"/>
+            <a:ext cx="2944536" cy="0"/>
+          </a:xfrm>
+          <a:prstGeom prst="line">
+            <a:avLst/>
+          </a:prstGeom>
+          <a:ln>
+            <a:solidFill>
+              <a:srgbClr val="FF0000"/>
+            </a:solidFill>
+          </a:ln>
+        </p:spPr>
+        <p:style>
+          <a:lnRef idx="1">
+            <a:schemeClr val="accent1"/>
+          </a:lnRef>
+          <a:fillRef idx="0">
+            <a:schemeClr val="accent1"/>
+          </a:fillRef>
+          <a:effectRef idx="0">
+            <a:schemeClr val="accent1"/>
+          </a:effectRef>
+          <a:fontRef idx="minor">
+            <a:schemeClr val="tx1"/>
+          </a:fontRef>
+        </p:style>
+      </p:cxnSp>
+      <p:cxnSp>
+        <p:nvCxnSpPr>
+          <p:cNvPr id="17" name="Straight Connector 16">
+            <a:extLst>
+              <a:ext uri="{FF2B5EF4-FFF2-40B4-BE49-F238E27FC236}">
+                <a16:creationId xmlns:a16="http://schemas.microsoft.com/office/drawing/2014/main" id="{43B83977-6CD8-4D06-BCD9-84C21786E4F4}"/>
+              </a:ext>
+            </a:extLst>
+          </p:cNvPr>
+          <p:cNvCxnSpPr>
+            <a:cxnSpLocks/>
+          </p:cNvCxnSpPr>
+          <p:nvPr/>
+        </p:nvCxnSpPr>
+        <p:spPr>
+          <a:xfrm>
+            <a:off x="3229761" y="6356350"/>
+            <a:ext cx="1921079" cy="0"/>
+          </a:xfrm>
+          <a:prstGeom prst="line">
+            <a:avLst/>
+          </a:prstGeom>
+          <a:ln>
+            <a:solidFill>
+              <a:srgbClr val="FF0000"/>
+            </a:solidFill>
+          </a:ln>
+        </p:spPr>
+        <p:style>
+          <a:lnRef idx="1">
+            <a:schemeClr val="accent1"/>
+          </a:lnRef>
+          <a:fillRef idx="0">
+            <a:schemeClr val="accent1"/>
+          </a:fillRef>
+          <a:effectRef idx="0">
+            <a:schemeClr val="accent1"/>
+          </a:effectRef>
+          <a:fontRef idx="minor">
+            <a:schemeClr val="tx1"/>
+          </a:fontRef>
+        </p:style>
+      </p:cxnSp>
+    </p:spTree>
+    <p:extLst>
+      <p:ext uri="{BB962C8B-B14F-4D97-AF65-F5344CB8AC3E}">
+        <p14:creationId xmlns:p14="http://schemas.microsoft.com/office/powerpoint/2010/main" val="1212895918"/>
+      </p:ext>
+    </p:extLst>
+  </p:cSld>
+  <p:clrMapOvr>
+    <a:masterClrMapping/>
+  </p:clrMapOvr>
+</p:sld>
+</file>
+
+<file path=ppt/slides/slide16.xml><?xml version="1.0" encoding="utf-8"?>
+<p:sld xmlns:a="http://schemas.openxmlformats.org/drawingml/2006/main" xmlns:r="http://schemas.openxmlformats.org/officeDocument/2006/relationships" xmlns:p="http://schemas.openxmlformats.org/presentationml/2006/main">
+  <p:cSld>
+    <p:spTree>
+      <p:nvGrpSpPr>
+        <p:cNvPr id="1" name=""/>
+        <p:cNvGrpSpPr/>
+        <p:nvPr/>
+      </p:nvGrpSpPr>
+      <p:grpSpPr>
+        <a:xfrm>
+          <a:off x="0" y="0"/>
+          <a:ext cx="0" cy="0"/>
+          <a:chOff x="0" y="0"/>
+          <a:chExt cx="0" cy="0"/>
+        </a:xfrm>
+      </p:grpSpPr>
+      <p:sp>
+        <p:nvSpPr>
+          <p:cNvPr id="2" name="Title 1">
+            <a:extLst>
+              <a:ext uri="{FF2B5EF4-FFF2-40B4-BE49-F238E27FC236}">
+                <a16:creationId xmlns:a16="http://schemas.microsoft.com/office/drawing/2014/main" id="{AF2A0289-7557-4FBB-8A76-20E389E756F1}"/>
+              </a:ext>
+            </a:extLst>
+          </p:cNvPr>
+          <p:cNvSpPr>
+            <a:spLocks noGrp="1"/>
+          </p:cNvSpPr>
+          <p:nvPr>
+            <p:ph type="title"/>
+          </p:nvPr>
+        </p:nvSpPr>
+        <p:spPr/>
+        <p:txBody>
+          <a:bodyPr/>
+          <a:lstStyle/>
+          <a:p>
+            <a:r>
+              <a:rPr lang="da-DK" dirty="0"/>
+              <a:t>All of our workflows – 36 in total</a:t>
+            </a:r>
+          </a:p>
+        </p:txBody>
+      </p:sp>
+      <p:sp>
+        <p:nvSpPr>
+          <p:cNvPr id="3" name="Content Placeholder 2">
+            <a:extLst>
+              <a:ext uri="{FF2B5EF4-FFF2-40B4-BE49-F238E27FC236}">
+                <a16:creationId xmlns:a16="http://schemas.microsoft.com/office/drawing/2014/main" id="{D0A7822F-2F57-46F4-A62F-DE130B2A8305}"/>
+              </a:ext>
+            </a:extLst>
+          </p:cNvPr>
+          <p:cNvSpPr>
+            <a:spLocks noGrp="1"/>
+          </p:cNvSpPr>
+          <p:nvPr>
+            <p:ph idx="1"/>
+          </p:nvPr>
+        </p:nvSpPr>
+        <p:spPr/>
+        <p:txBody>
+          <a:bodyPr/>
+          <a:lstStyle/>
+          <a:p>
+            <a:endParaRPr lang="da-DK"/>
+          </a:p>
+        </p:txBody>
+      </p:sp>
+      <p:sp>
+        <p:nvSpPr>
+          <p:cNvPr id="4" name="Date Placeholder 3">
+            <a:extLst>
+              <a:ext uri="{FF2B5EF4-FFF2-40B4-BE49-F238E27FC236}">
+                <a16:creationId xmlns:a16="http://schemas.microsoft.com/office/drawing/2014/main" id="{0B850B3C-A485-45BA-8AF0-DA59374A92F1}"/>
+              </a:ext>
+            </a:extLst>
+          </p:cNvPr>
+          <p:cNvSpPr>
+            <a:spLocks noGrp="1"/>
+          </p:cNvSpPr>
+          <p:nvPr>
+            <p:ph type="dt" sz="half" idx="10"/>
+          </p:nvPr>
+        </p:nvSpPr>
+        <p:spPr/>
+        <p:txBody>
+          <a:bodyPr/>
+          <a:lstStyle/>
+          <a:p>
+            <a:fld id="{019E29B9-5584-4737-9C98-1B926378C778}" type="datetime1">
+              <a:rPr lang="en-US" smtClean="0"/>
+              <a:t>5/18/2021</a:t>
+            </a:fld>
+            <a:endParaRPr lang="da-DK"/>
+          </a:p>
+        </p:txBody>
+      </p:sp>
+      <p:sp>
+        <p:nvSpPr>
+          <p:cNvPr id="5" name="Footer Placeholder 4">
+            <a:extLst>
+              <a:ext uri="{FF2B5EF4-FFF2-40B4-BE49-F238E27FC236}">
+                <a16:creationId xmlns:a16="http://schemas.microsoft.com/office/drawing/2014/main" id="{E080DD9A-F12F-4771-9B6D-EF72AC1325D2}"/>
+              </a:ext>
+            </a:extLst>
+          </p:cNvPr>
+          <p:cNvSpPr>
+            <a:spLocks noGrp="1"/>
+          </p:cNvSpPr>
+          <p:nvPr>
+            <p:ph type="ftr" sz="quarter" idx="11"/>
+          </p:nvPr>
+        </p:nvSpPr>
+        <p:spPr/>
+        <p:txBody>
+          <a:bodyPr/>
+          <a:lstStyle/>
+          <a:p>
+            <a:r>
+              <a:rPr lang="da-DK"/>
+              <a:t>Nicki Skafte Detlefsen</a:t>
+            </a:r>
+          </a:p>
+        </p:txBody>
+      </p:sp>
+      <p:sp>
+        <p:nvSpPr>
+          <p:cNvPr id="6" name="Slide Number Placeholder 5">
+            <a:extLst>
+              <a:ext uri="{FF2B5EF4-FFF2-40B4-BE49-F238E27FC236}">
+                <a16:creationId xmlns:a16="http://schemas.microsoft.com/office/drawing/2014/main" id="{BC897A52-27F1-4D9A-A88F-F719CE68D1AB}"/>
+              </a:ext>
+            </a:extLst>
+          </p:cNvPr>
+          <p:cNvSpPr>
+            <a:spLocks noGrp="1"/>
+          </p:cNvSpPr>
+          <p:nvPr>
+            <p:ph type="sldNum" sz="quarter" idx="12"/>
+          </p:nvPr>
+        </p:nvSpPr>
+        <p:spPr/>
+        <p:txBody>
+          <a:bodyPr/>
+          <a:lstStyle/>
+          <a:p>
+            <a:fld id="{F6FEDE24-D50C-481B-A7B4-8AF13899101A}" type="slidenum">
+              <a:rPr lang="da-DK" smtClean="0"/>
+              <a:t>16</a:t>
+            </a:fld>
+            <a:endParaRPr lang="da-DK"/>
+          </a:p>
+        </p:txBody>
+      </p:sp>
+      <p:pic>
+        <p:nvPicPr>
+          <p:cNvPr id="8" name="Picture 7">
+            <a:extLst>
+              <a:ext uri="{FF2B5EF4-FFF2-40B4-BE49-F238E27FC236}">
+                <a16:creationId xmlns:a16="http://schemas.microsoft.com/office/drawing/2014/main" id="{91D0B66F-1FD2-4810-A9D1-02E6CE7CB5B4}"/>
+              </a:ext>
+            </a:extLst>
+          </p:cNvPr>
+          <p:cNvPicPr>
+            <a:picLocks noChangeAspect="1"/>
+          </p:cNvPicPr>
+          <p:nvPr/>
+        </p:nvPicPr>
+        <p:blipFill>
+          <a:blip r:embed="rId2"/>
+          <a:stretch>
+            <a:fillRect/>
+          </a:stretch>
+        </p:blipFill>
+        <p:spPr>
+          <a:xfrm>
+            <a:off x="333183" y="738356"/>
+            <a:ext cx="2849774" cy="4685003"/>
+          </a:xfrm>
+          <a:prstGeom prst="rect">
+            <a:avLst/>
+          </a:prstGeom>
+        </p:spPr>
+      </p:pic>
+      <p:pic>
+        <p:nvPicPr>
+          <p:cNvPr id="10" name="Picture 9">
+            <a:extLst>
+              <a:ext uri="{FF2B5EF4-FFF2-40B4-BE49-F238E27FC236}">
+                <a16:creationId xmlns:a16="http://schemas.microsoft.com/office/drawing/2014/main" id="{E7A3C163-12C0-4EED-B240-AD6792301407}"/>
+              </a:ext>
+            </a:extLst>
+          </p:cNvPr>
+          <p:cNvPicPr>
+            <a:picLocks noChangeAspect="1"/>
+          </p:cNvPicPr>
+          <p:nvPr/>
+        </p:nvPicPr>
+        <p:blipFill>
+          <a:blip r:embed="rId3"/>
+          <a:stretch>
+            <a:fillRect/>
+          </a:stretch>
+        </p:blipFill>
+        <p:spPr>
+          <a:xfrm>
+            <a:off x="3281138" y="4852989"/>
+            <a:ext cx="2807219" cy="1654714"/>
+          </a:xfrm>
+          <a:prstGeom prst="rect">
+            <a:avLst/>
+          </a:prstGeom>
+        </p:spPr>
+      </p:pic>
+      <p:pic>
+        <p:nvPicPr>
+          <p:cNvPr id="12" name="Picture 11">
+            <a:extLst>
+              <a:ext uri="{FF2B5EF4-FFF2-40B4-BE49-F238E27FC236}">
+                <a16:creationId xmlns:a16="http://schemas.microsoft.com/office/drawing/2014/main" id="{C011CAE6-6AD4-4C27-82C4-8DBB73349CBB}"/>
+              </a:ext>
+            </a:extLst>
+          </p:cNvPr>
+          <p:cNvPicPr>
+            <a:picLocks noChangeAspect="1"/>
+          </p:cNvPicPr>
+          <p:nvPr/>
+        </p:nvPicPr>
+        <p:blipFill>
+          <a:blip r:embed="rId4"/>
+          <a:stretch>
+            <a:fillRect/>
+          </a:stretch>
+        </p:blipFill>
+        <p:spPr>
+          <a:xfrm>
+            <a:off x="9089980" y="1520548"/>
+            <a:ext cx="2768837" cy="1987720"/>
+          </a:xfrm>
+          <a:prstGeom prst="rect">
+            <a:avLst/>
+          </a:prstGeom>
+        </p:spPr>
+      </p:pic>
+      <p:pic>
+        <p:nvPicPr>
+          <p:cNvPr id="14" name="Picture 13">
+            <a:extLst>
+              <a:ext uri="{FF2B5EF4-FFF2-40B4-BE49-F238E27FC236}">
+                <a16:creationId xmlns:a16="http://schemas.microsoft.com/office/drawing/2014/main" id="{4D66D42C-C0ED-4E65-8127-6F538B8AB815}"/>
+              </a:ext>
+            </a:extLst>
+          </p:cNvPr>
+          <p:cNvPicPr>
+            <a:picLocks noChangeAspect="1"/>
+          </p:cNvPicPr>
+          <p:nvPr/>
+        </p:nvPicPr>
+        <p:blipFill>
+          <a:blip r:embed="rId5"/>
+          <a:stretch>
+            <a:fillRect/>
+          </a:stretch>
+        </p:blipFill>
+        <p:spPr>
+          <a:xfrm>
+            <a:off x="6194181" y="3586438"/>
+            <a:ext cx="2775955" cy="2837506"/>
+          </a:xfrm>
+          <a:prstGeom prst="rect">
+            <a:avLst/>
+          </a:prstGeom>
+        </p:spPr>
+      </p:pic>
+      <p:pic>
+        <p:nvPicPr>
+          <p:cNvPr id="16" name="Picture 15">
+            <a:extLst>
+              <a:ext uri="{FF2B5EF4-FFF2-40B4-BE49-F238E27FC236}">
+                <a16:creationId xmlns:a16="http://schemas.microsoft.com/office/drawing/2014/main" id="{8CA7059D-14D1-49D8-9190-75C5FFF6F435}"/>
+              </a:ext>
+            </a:extLst>
+          </p:cNvPr>
+          <p:cNvPicPr>
+            <a:picLocks noChangeAspect="1"/>
+          </p:cNvPicPr>
+          <p:nvPr/>
+        </p:nvPicPr>
+        <p:blipFill>
+          <a:blip r:embed="rId6"/>
+          <a:stretch>
+            <a:fillRect/>
+          </a:stretch>
+        </p:blipFill>
+        <p:spPr>
+          <a:xfrm>
+            <a:off x="3281138" y="738356"/>
+            <a:ext cx="2814862" cy="3983912"/>
+          </a:xfrm>
+          <a:prstGeom prst="rect">
+            <a:avLst/>
+          </a:prstGeom>
+        </p:spPr>
+      </p:pic>
+      <p:pic>
+        <p:nvPicPr>
+          <p:cNvPr id="18" name="Picture 17">
+            <a:extLst>
+              <a:ext uri="{FF2B5EF4-FFF2-40B4-BE49-F238E27FC236}">
+                <a16:creationId xmlns:a16="http://schemas.microsoft.com/office/drawing/2014/main" id="{7B156E9D-CA59-4B61-8DA1-7524BF19E82E}"/>
+              </a:ext>
+            </a:extLst>
+          </p:cNvPr>
+          <p:cNvPicPr>
+            <a:picLocks noChangeAspect="1"/>
+          </p:cNvPicPr>
+          <p:nvPr/>
+        </p:nvPicPr>
+        <p:blipFill>
+          <a:blip r:embed="rId7"/>
+          <a:stretch>
+            <a:fillRect/>
+          </a:stretch>
+        </p:blipFill>
+        <p:spPr>
+          <a:xfrm>
+            <a:off x="6194181" y="738356"/>
+            <a:ext cx="2794810" cy="2769912"/>
+          </a:xfrm>
+          <a:prstGeom prst="rect">
+            <a:avLst/>
+          </a:prstGeom>
+        </p:spPr>
+      </p:pic>
+      <p:sp>
+        <p:nvSpPr>
+          <p:cNvPr id="20" name="TextBox 19">
+            <a:extLst>
+              <a:ext uri="{FF2B5EF4-FFF2-40B4-BE49-F238E27FC236}">
+                <a16:creationId xmlns:a16="http://schemas.microsoft.com/office/drawing/2014/main" id="{86C7424F-F3D8-4CB4-9CCA-3438930B754E}"/>
+              </a:ext>
+            </a:extLst>
+          </p:cNvPr>
+          <p:cNvSpPr txBox="1"/>
+          <p:nvPr/>
+        </p:nvSpPr>
+        <p:spPr>
+          <a:xfrm>
+            <a:off x="9089980" y="3752850"/>
+            <a:ext cx="3025820" cy="2831544"/>
+          </a:xfrm>
+          <a:prstGeom prst="rect">
+            <a:avLst/>
+          </a:prstGeom>
+          <a:noFill/>
+        </p:spPr>
+        <p:txBody>
+          <a:bodyPr wrap="square" rtlCol="0">
+            <a:spAutoFit/>
+          </a:bodyPr>
+          <a:lstStyle/>
+          <a:p>
+            <a:r>
+              <a:rPr lang="da-DK" sz="2000" dirty="0"/>
+              <a:t>Test combination of</a:t>
+            </a:r>
+          </a:p>
+          <a:p>
+            <a:pPr marL="285750" indent="-285750">
+              <a:buFontTx/>
+              <a:buChar char="-"/>
+            </a:pPr>
+            <a:r>
+              <a:rPr lang="da-DK" sz="2000" dirty="0"/>
+              <a:t>Hardware setup</a:t>
+            </a:r>
+          </a:p>
+          <a:p>
+            <a:pPr marL="285750" indent="-285750">
+              <a:buFontTx/>
+              <a:buChar char="-"/>
+            </a:pPr>
+            <a:r>
+              <a:rPr lang="da-DK" sz="2000" dirty="0"/>
+              <a:t>Operating system</a:t>
+            </a:r>
+          </a:p>
+          <a:p>
+            <a:pPr marL="285750" indent="-285750">
+              <a:buFontTx/>
+              <a:buChar char="-"/>
+            </a:pPr>
+            <a:r>
+              <a:rPr lang="da-DK" sz="2000" dirty="0"/>
+              <a:t>Python version</a:t>
+            </a:r>
+          </a:p>
+          <a:p>
+            <a:pPr marL="285750" indent="-285750">
+              <a:buFontTx/>
+              <a:buChar char="-"/>
+            </a:pPr>
+            <a:r>
+              <a:rPr lang="da-DK" sz="2000" dirty="0"/>
+              <a:t>Dependencies</a:t>
+            </a:r>
+          </a:p>
+          <a:p>
+            <a:pPr marL="285750" indent="-285750">
+              <a:buFontTx/>
+              <a:buChar char="-"/>
+            </a:pPr>
+            <a:endParaRPr lang="da-DK" sz="2000" dirty="0"/>
+          </a:p>
+          <a:p>
+            <a:r>
+              <a:rPr lang="da-DK" sz="2000" dirty="0"/>
+              <a:t>Runs tests, docs, coverage, lintint, package install ect</a:t>
+            </a:r>
+          </a:p>
+          <a:p>
+            <a:pPr marL="285750" indent="-285750">
+              <a:buFontTx/>
+              <a:buChar char="-"/>
+            </a:pPr>
+            <a:endParaRPr lang="da-DK" dirty="0"/>
+          </a:p>
+        </p:txBody>
+      </p:sp>
+    </p:spTree>
+    <p:extLst>
+      <p:ext uri="{BB962C8B-B14F-4D97-AF65-F5344CB8AC3E}">
+        <p14:creationId xmlns:p14="http://schemas.microsoft.com/office/powerpoint/2010/main" val="3174764387"/>
+      </p:ext>
+    </p:extLst>
+  </p:cSld>
+  <p:clrMapOvr>
+    <a:masterClrMapping/>
+  </p:clrMapOvr>
+</p:sld>
+</file>
+
+<file path=ppt/slides/slide17.xml><?xml version="1.0" encoding="utf-8"?>
+<p:sld xmlns:a="http://schemas.openxmlformats.org/drawingml/2006/main" xmlns:r="http://schemas.openxmlformats.org/officeDocument/2006/relationships" xmlns:p="http://schemas.openxmlformats.org/presentationml/2006/main">
+  <p:cSld>
+    <p:spTree>
+      <p:nvGrpSpPr>
+        <p:cNvPr id="1" name=""/>
+        <p:cNvGrpSpPr/>
+        <p:nvPr/>
+      </p:nvGrpSpPr>
+      <p:grpSpPr>
+        <a:xfrm>
+          <a:off x="0" y="0"/>
+          <a:ext cx="0" cy="0"/>
+          <a:chOff x="0" y="0"/>
+          <a:chExt cx="0" cy="0"/>
+        </a:xfrm>
+      </p:grpSpPr>
+      <p:sp>
+        <p:nvSpPr>
+          <p:cNvPr id="2" name="Title 1">
+            <a:extLst>
+              <a:ext uri="{FF2B5EF4-FFF2-40B4-BE49-F238E27FC236}">
+                <a16:creationId xmlns:a16="http://schemas.microsoft.com/office/drawing/2014/main" id="{0CBF86A8-6EA4-4100-A86F-B1F1B52F5514}"/>
+              </a:ext>
+            </a:extLst>
+          </p:cNvPr>
+          <p:cNvSpPr>
+            <a:spLocks noGrp="1"/>
+          </p:cNvSpPr>
+          <p:nvPr>
+            <p:ph type="title"/>
+          </p:nvPr>
+        </p:nvSpPr>
+        <p:spPr/>
+        <p:txBody>
+          <a:bodyPr/>
+          <a:lstStyle/>
+          <a:p>
+            <a:endParaRPr lang="da-DK"/>
+          </a:p>
+        </p:txBody>
+      </p:sp>
+      <p:sp>
+        <p:nvSpPr>
+          <p:cNvPr id="3" name="Content Placeholder 2">
+            <a:extLst>
+              <a:ext uri="{FF2B5EF4-FFF2-40B4-BE49-F238E27FC236}">
+                <a16:creationId xmlns:a16="http://schemas.microsoft.com/office/drawing/2014/main" id="{5994F392-1EF3-4BD2-AC7A-84109E40AE23}"/>
+              </a:ext>
+            </a:extLst>
+          </p:cNvPr>
+          <p:cNvSpPr>
+            <a:spLocks noGrp="1"/>
+          </p:cNvSpPr>
+          <p:nvPr>
+            <p:ph idx="1"/>
+          </p:nvPr>
+        </p:nvSpPr>
+        <p:spPr/>
+        <p:txBody>
+          <a:bodyPr/>
+          <a:lstStyle/>
+          <a:p>
+            <a:endParaRPr lang="da-DK"/>
+          </a:p>
+        </p:txBody>
+      </p:sp>
+      <p:sp>
+        <p:nvSpPr>
+          <p:cNvPr id="4" name="Date Placeholder 3">
+            <a:extLst>
+              <a:ext uri="{FF2B5EF4-FFF2-40B4-BE49-F238E27FC236}">
+                <a16:creationId xmlns:a16="http://schemas.microsoft.com/office/drawing/2014/main" id="{3250E2B5-000F-4E61-BF6B-57579EB5DDF9}"/>
+              </a:ext>
+            </a:extLst>
+          </p:cNvPr>
+          <p:cNvSpPr>
+            <a:spLocks noGrp="1"/>
+          </p:cNvSpPr>
+          <p:nvPr>
+            <p:ph type="dt" sz="half" idx="10"/>
+          </p:nvPr>
+        </p:nvSpPr>
+        <p:spPr/>
+        <p:txBody>
+          <a:bodyPr/>
+          <a:lstStyle/>
+          <a:p>
+            <a:fld id="{019E29B9-5584-4737-9C98-1B926378C778}" type="datetime1">
+              <a:rPr lang="en-US" smtClean="0"/>
+              <a:t>5/18/2021</a:t>
+            </a:fld>
+            <a:endParaRPr lang="da-DK"/>
+          </a:p>
+        </p:txBody>
+      </p:sp>
+      <p:sp>
+        <p:nvSpPr>
+          <p:cNvPr id="5" name="Footer Placeholder 4">
+            <a:extLst>
+              <a:ext uri="{FF2B5EF4-FFF2-40B4-BE49-F238E27FC236}">
+                <a16:creationId xmlns:a16="http://schemas.microsoft.com/office/drawing/2014/main" id="{C5E2D469-7952-4721-8121-D643D740B7C0}"/>
+              </a:ext>
+            </a:extLst>
+          </p:cNvPr>
+          <p:cNvSpPr>
+            <a:spLocks noGrp="1"/>
+          </p:cNvSpPr>
+          <p:nvPr>
+            <p:ph type="ftr" sz="quarter" idx="11"/>
+          </p:nvPr>
+        </p:nvSpPr>
+        <p:spPr/>
+        <p:txBody>
+          <a:bodyPr/>
+          <a:lstStyle/>
+          <a:p>
+            <a:r>
+              <a:rPr lang="da-DK"/>
+              <a:t>Nicki Skafte Detlefsen</a:t>
+            </a:r>
+          </a:p>
+        </p:txBody>
+      </p:sp>
+      <p:sp>
+        <p:nvSpPr>
+          <p:cNvPr id="6" name="Slide Number Placeholder 5">
+            <a:extLst>
+              <a:ext uri="{FF2B5EF4-FFF2-40B4-BE49-F238E27FC236}">
+                <a16:creationId xmlns:a16="http://schemas.microsoft.com/office/drawing/2014/main" id="{D26C0131-DA78-4786-BA3D-EC6ECD16ABB2}"/>
+              </a:ext>
+            </a:extLst>
+          </p:cNvPr>
+          <p:cNvSpPr>
+            <a:spLocks noGrp="1"/>
+          </p:cNvSpPr>
+          <p:nvPr>
+            <p:ph type="sldNum" sz="quarter" idx="12"/>
+          </p:nvPr>
+        </p:nvSpPr>
+        <p:spPr/>
+        <p:txBody>
+          <a:bodyPr/>
+          <a:lstStyle/>
+          <a:p>
+            <a:fld id="{F6FEDE24-D50C-481B-A7B4-8AF13899101A}" type="slidenum">
+              <a:rPr lang="da-DK" smtClean="0"/>
+              <a:t>17</a:t>
+            </a:fld>
+            <a:endParaRPr lang="da-DK"/>
+          </a:p>
+        </p:txBody>
+      </p:sp>
+      <p:pic>
+        <p:nvPicPr>
+          <p:cNvPr id="8" name="Picture 7">
+            <a:extLst>
+              <a:ext uri="{FF2B5EF4-FFF2-40B4-BE49-F238E27FC236}">
+                <a16:creationId xmlns:a16="http://schemas.microsoft.com/office/drawing/2014/main" id="{8BFC2E41-7485-4271-8CA3-CADAB9736253}"/>
+              </a:ext>
+            </a:extLst>
+          </p:cNvPr>
+          <p:cNvPicPr>
+            <a:picLocks noChangeAspect="1"/>
+          </p:cNvPicPr>
+          <p:nvPr/>
+        </p:nvPicPr>
+        <p:blipFill>
+          <a:blip r:embed="rId2"/>
+          <a:stretch>
+            <a:fillRect/>
+          </a:stretch>
+        </p:blipFill>
+        <p:spPr>
+          <a:xfrm>
+            <a:off x="2552700" y="995362"/>
+            <a:ext cx="7086600" cy="4867275"/>
+          </a:xfrm>
+          <a:prstGeom prst="rect">
+            <a:avLst/>
+          </a:prstGeom>
+        </p:spPr>
+      </p:pic>
+    </p:spTree>
+    <p:extLst>
+      <p:ext uri="{BB962C8B-B14F-4D97-AF65-F5344CB8AC3E}">
+        <p14:creationId xmlns:p14="http://schemas.microsoft.com/office/powerpoint/2010/main" val="3132345601"/>
+      </p:ext>
+    </p:extLst>
+  </p:cSld>
+  <p:clrMapOvr>
+    <a:masterClrMapping/>
+  </p:clrMapOvr>
+</p:sld>
+</file>
+
+<file path=ppt/slides/slide18.xml><?xml version="1.0" encoding="utf-8"?>
+<p:sld xmlns:a="http://schemas.openxmlformats.org/drawingml/2006/main" xmlns:r="http://schemas.openxmlformats.org/officeDocument/2006/relationships" xmlns:p="http://schemas.openxmlformats.org/presentationml/2006/main">
+  <p:cSld>
+    <p:spTree>
+      <p:nvGrpSpPr>
+        <p:cNvPr id="1" name=""/>
+        <p:cNvGrpSpPr/>
+        <p:nvPr/>
+      </p:nvGrpSpPr>
+      <p:grpSpPr>
+        <a:xfrm>
+          <a:off x="0" y="0"/>
+          <a:ext cx="0" cy="0"/>
+          <a:chOff x="0" y="0"/>
+          <a:chExt cx="0" cy="0"/>
+        </a:xfrm>
+      </p:grpSpPr>
+      <p:sp>
+        <p:nvSpPr>
+          <p:cNvPr id="2" name="Title 1">
+            <a:extLst>
+              <a:ext uri="{FF2B5EF4-FFF2-40B4-BE49-F238E27FC236}">
+                <a16:creationId xmlns:a16="http://schemas.microsoft.com/office/drawing/2014/main" id="{A7B836EE-7131-4000-BD56-2B4AEBAFF2A3}"/>
+              </a:ext>
+            </a:extLst>
+          </p:cNvPr>
+          <p:cNvSpPr>
+            <a:spLocks noGrp="1"/>
+          </p:cNvSpPr>
+          <p:nvPr>
+            <p:ph type="title"/>
+          </p:nvPr>
+        </p:nvSpPr>
+        <p:spPr/>
+        <p:txBody>
+          <a:bodyPr/>
+          <a:lstStyle/>
+          <a:p>
+            <a:r>
+              <a:rPr lang="da-DK" dirty="0"/>
+              <a:t>Other files to consider</a:t>
+            </a:r>
+          </a:p>
+        </p:txBody>
+      </p:sp>
+      <p:sp>
+        <p:nvSpPr>
+          <p:cNvPr id="3" name="Content Placeholder 2">
+            <a:extLst>
+              <a:ext uri="{FF2B5EF4-FFF2-40B4-BE49-F238E27FC236}">
+                <a16:creationId xmlns:a16="http://schemas.microsoft.com/office/drawing/2014/main" id="{9C8C0846-2A43-49C8-8B1E-FCDAD7F13D83}"/>
+              </a:ext>
+            </a:extLst>
+          </p:cNvPr>
+          <p:cNvSpPr>
+            <a:spLocks noGrp="1"/>
+          </p:cNvSpPr>
+          <p:nvPr>
+            <p:ph idx="1"/>
+          </p:nvPr>
+        </p:nvSpPr>
+        <p:spPr/>
+        <p:txBody>
+          <a:bodyPr/>
+          <a:lstStyle/>
+          <a:p>
+            <a:endParaRPr lang="da-DK"/>
+          </a:p>
+        </p:txBody>
+      </p:sp>
+      <p:sp>
+        <p:nvSpPr>
+          <p:cNvPr id="4" name="Date Placeholder 3">
+            <a:extLst>
+              <a:ext uri="{FF2B5EF4-FFF2-40B4-BE49-F238E27FC236}">
+                <a16:creationId xmlns:a16="http://schemas.microsoft.com/office/drawing/2014/main" id="{06CAB8B9-AB88-4E48-B498-4A82B723E2B4}"/>
+              </a:ext>
+            </a:extLst>
+          </p:cNvPr>
+          <p:cNvSpPr>
+            <a:spLocks noGrp="1"/>
+          </p:cNvSpPr>
+          <p:nvPr>
+            <p:ph type="dt" sz="half" idx="10"/>
+          </p:nvPr>
+        </p:nvSpPr>
+        <p:spPr/>
+        <p:txBody>
+          <a:bodyPr/>
+          <a:lstStyle/>
+          <a:p>
+            <a:fld id="{019E29B9-5584-4737-9C98-1B926378C778}" type="datetime1">
+              <a:rPr lang="en-US" smtClean="0"/>
+              <a:t>5/18/2021</a:t>
+            </a:fld>
+            <a:endParaRPr lang="da-DK"/>
+          </a:p>
+        </p:txBody>
+      </p:sp>
+      <p:sp>
+        <p:nvSpPr>
+          <p:cNvPr id="5" name="Footer Placeholder 4">
+            <a:extLst>
+              <a:ext uri="{FF2B5EF4-FFF2-40B4-BE49-F238E27FC236}">
+                <a16:creationId xmlns:a16="http://schemas.microsoft.com/office/drawing/2014/main" id="{0CB85BA3-F717-409F-8CCC-608CB7FDFC1C}"/>
+              </a:ext>
+            </a:extLst>
+          </p:cNvPr>
+          <p:cNvSpPr>
+            <a:spLocks noGrp="1"/>
+          </p:cNvSpPr>
+          <p:nvPr>
+            <p:ph type="ftr" sz="quarter" idx="11"/>
+          </p:nvPr>
+        </p:nvSpPr>
+        <p:spPr/>
+        <p:txBody>
+          <a:bodyPr/>
+          <a:lstStyle/>
+          <a:p>
+            <a:r>
+              <a:rPr lang="da-DK"/>
+              <a:t>Nicki Skafte Detlefsen</a:t>
+            </a:r>
+          </a:p>
+        </p:txBody>
+      </p:sp>
+      <p:sp>
+        <p:nvSpPr>
+          <p:cNvPr id="6" name="Slide Number Placeholder 5">
+            <a:extLst>
+              <a:ext uri="{FF2B5EF4-FFF2-40B4-BE49-F238E27FC236}">
+                <a16:creationId xmlns:a16="http://schemas.microsoft.com/office/drawing/2014/main" id="{805C3730-5356-4249-9A99-F1C6D1E7FDCB}"/>
+              </a:ext>
+            </a:extLst>
+          </p:cNvPr>
+          <p:cNvSpPr>
+            <a:spLocks noGrp="1"/>
+          </p:cNvSpPr>
+          <p:nvPr>
+            <p:ph type="sldNum" sz="quarter" idx="12"/>
+          </p:nvPr>
+        </p:nvSpPr>
+        <p:spPr/>
+        <p:txBody>
+          <a:bodyPr/>
+          <a:lstStyle/>
+          <a:p>
+            <a:fld id="{F6FEDE24-D50C-481B-A7B4-8AF13899101A}" type="slidenum">
+              <a:rPr lang="da-DK" smtClean="0"/>
+              <a:t>18</a:t>
+            </a:fld>
+            <a:endParaRPr lang="da-DK"/>
+          </a:p>
+        </p:txBody>
+      </p:sp>
+    </p:spTree>
+    <p:extLst>
+      <p:ext uri="{BB962C8B-B14F-4D97-AF65-F5344CB8AC3E}">
+        <p14:creationId xmlns:p14="http://schemas.microsoft.com/office/powerpoint/2010/main" val="4064511878"/>
+      </p:ext>
+    </p:extLst>
+  </p:cSld>
+  <p:clrMapOvr>
+    <a:masterClrMapping/>
+  </p:clrMapOvr>
+</p:sld>
+</file>
+
+<file path=ppt/slides/slide19.xml><?xml version="1.0" encoding="utf-8"?>
+<p:sld xmlns:a="http://schemas.openxmlformats.org/drawingml/2006/main" xmlns:r="http://schemas.openxmlformats.org/officeDocument/2006/relationships" xmlns:p="http://schemas.openxmlformats.org/presentationml/2006/main">
+  <p:cSld>
+    <p:spTree>
+      <p:nvGrpSpPr>
+        <p:cNvPr id="1" name=""/>
+        <p:cNvGrpSpPr/>
+        <p:nvPr/>
+      </p:nvGrpSpPr>
+      <p:grpSpPr>
+        <a:xfrm>
+          <a:off x="0" y="0"/>
+          <a:ext cx="0" cy="0"/>
+          <a:chOff x="0" y="0"/>
+          <a:chExt cx="0" cy="0"/>
+        </a:xfrm>
+      </p:grpSpPr>
+      <p:sp>
+        <p:nvSpPr>
+          <p:cNvPr id="2" name="Title 1">
+            <a:extLst>
+              <a:ext uri="{FF2B5EF4-FFF2-40B4-BE49-F238E27FC236}">
+                <a16:creationId xmlns:a16="http://schemas.microsoft.com/office/drawing/2014/main" id="{F75C798D-9614-4664-A637-FC146124E21A}"/>
+              </a:ext>
+            </a:extLst>
+          </p:cNvPr>
+          <p:cNvSpPr>
+            <a:spLocks noGrp="1"/>
+          </p:cNvSpPr>
+          <p:nvPr>
+            <p:ph type="title"/>
+          </p:nvPr>
+        </p:nvSpPr>
+        <p:spPr/>
+        <p:txBody>
+          <a:bodyPr/>
+          <a:lstStyle/>
+          <a:p>
+            <a:r>
+              <a:rPr lang="da-DK" dirty="0"/>
+              <a:t>Advanced: Use bots</a:t>
+            </a:r>
+          </a:p>
+        </p:txBody>
+      </p:sp>
+      <p:sp>
+        <p:nvSpPr>
+          <p:cNvPr id="3" name="Content Placeholder 2">
+            <a:extLst>
+              <a:ext uri="{FF2B5EF4-FFF2-40B4-BE49-F238E27FC236}">
+                <a16:creationId xmlns:a16="http://schemas.microsoft.com/office/drawing/2014/main" id="{354DA073-B537-4918-AFF8-AC9085F4F2DA}"/>
+              </a:ext>
+            </a:extLst>
+          </p:cNvPr>
+          <p:cNvSpPr>
+            <a:spLocks noGrp="1"/>
+          </p:cNvSpPr>
+          <p:nvPr>
+            <p:ph idx="1"/>
+          </p:nvPr>
+        </p:nvSpPr>
+        <p:spPr/>
+        <p:txBody>
+          <a:bodyPr/>
+          <a:lstStyle/>
+          <a:p>
+            <a:pPr marL="0" indent="0">
+              <a:buNone/>
+            </a:pPr>
+            <a:r>
+              <a:rPr lang="da-DK" dirty="0"/>
+              <a:t>Bots can take care of tidious task for you (like linting)</a:t>
+            </a:r>
+          </a:p>
+        </p:txBody>
+      </p:sp>
+      <p:sp>
+        <p:nvSpPr>
+          <p:cNvPr id="4" name="Date Placeholder 3">
+            <a:extLst>
+              <a:ext uri="{FF2B5EF4-FFF2-40B4-BE49-F238E27FC236}">
+                <a16:creationId xmlns:a16="http://schemas.microsoft.com/office/drawing/2014/main" id="{A38678BB-F0B7-4FEC-98EB-3E466C913495}"/>
+              </a:ext>
+            </a:extLst>
+          </p:cNvPr>
+          <p:cNvSpPr>
+            <a:spLocks noGrp="1"/>
+          </p:cNvSpPr>
+          <p:nvPr>
+            <p:ph type="dt" sz="half" idx="10"/>
+          </p:nvPr>
+        </p:nvSpPr>
+        <p:spPr/>
+        <p:txBody>
+          <a:bodyPr/>
+          <a:lstStyle/>
+          <a:p>
+            <a:fld id="{019E29B9-5584-4737-9C98-1B926378C778}" type="datetime1">
+              <a:rPr lang="en-US" smtClean="0"/>
+              <a:t>5/18/2021</a:t>
+            </a:fld>
+            <a:endParaRPr lang="da-DK"/>
+          </a:p>
+        </p:txBody>
+      </p:sp>
+      <p:sp>
+        <p:nvSpPr>
+          <p:cNvPr id="5" name="Footer Placeholder 4">
+            <a:extLst>
+              <a:ext uri="{FF2B5EF4-FFF2-40B4-BE49-F238E27FC236}">
+                <a16:creationId xmlns:a16="http://schemas.microsoft.com/office/drawing/2014/main" id="{7DC01D13-A7AE-486A-B461-0BC988932A1E}"/>
+              </a:ext>
+            </a:extLst>
+          </p:cNvPr>
+          <p:cNvSpPr>
+            <a:spLocks noGrp="1"/>
+          </p:cNvSpPr>
+          <p:nvPr>
+            <p:ph type="ftr" sz="quarter" idx="11"/>
+          </p:nvPr>
+        </p:nvSpPr>
+        <p:spPr/>
+        <p:txBody>
+          <a:bodyPr/>
+          <a:lstStyle/>
+          <a:p>
+            <a:r>
+              <a:rPr lang="da-DK"/>
+              <a:t>Nicki Skafte Detlefsen</a:t>
+            </a:r>
+          </a:p>
+        </p:txBody>
+      </p:sp>
+      <p:sp>
+        <p:nvSpPr>
+          <p:cNvPr id="6" name="Slide Number Placeholder 5">
+            <a:extLst>
+              <a:ext uri="{FF2B5EF4-FFF2-40B4-BE49-F238E27FC236}">
+                <a16:creationId xmlns:a16="http://schemas.microsoft.com/office/drawing/2014/main" id="{35FE3EE1-CAD2-43C5-A925-1E7DD24EA24F}"/>
+              </a:ext>
+            </a:extLst>
+          </p:cNvPr>
+          <p:cNvSpPr>
+            <a:spLocks noGrp="1"/>
+          </p:cNvSpPr>
+          <p:nvPr>
+            <p:ph type="sldNum" sz="quarter" idx="12"/>
+          </p:nvPr>
+        </p:nvSpPr>
+        <p:spPr/>
+        <p:txBody>
+          <a:bodyPr/>
+          <a:lstStyle/>
+          <a:p>
+            <a:fld id="{F6FEDE24-D50C-481B-A7B4-8AF13899101A}" type="slidenum">
+              <a:rPr lang="da-DK" smtClean="0"/>
+              <a:t>19</a:t>
             </a:fld>
             <a:endParaRPr lang="da-DK"/>
           </a:p>
@@ -8068,185 +9650,6 @@
 </p:sld>
 </file>
 
-<file path=ppt/slides/slide15.xml><?xml version="1.0" encoding="utf-8"?>
-<p:sld xmlns:a="http://schemas.openxmlformats.org/drawingml/2006/main" xmlns:r="http://schemas.openxmlformats.org/officeDocument/2006/relationships" xmlns:p="http://schemas.openxmlformats.org/presentationml/2006/main">
-  <p:cSld>
-    <p:spTree>
-      <p:nvGrpSpPr>
-        <p:cNvPr id="1" name=""/>
-        <p:cNvGrpSpPr/>
-        <p:nvPr/>
-      </p:nvGrpSpPr>
-      <p:grpSpPr>
-        <a:xfrm>
-          <a:off x="0" y="0"/>
-          <a:ext cx="0" cy="0"/>
-          <a:chOff x="0" y="0"/>
-          <a:chExt cx="0" cy="0"/>
-        </a:xfrm>
-      </p:grpSpPr>
-      <p:sp>
-        <p:nvSpPr>
-          <p:cNvPr id="2" name="Title 1">
-            <a:extLst>
-              <a:ext uri="{FF2B5EF4-FFF2-40B4-BE49-F238E27FC236}">
-                <a16:creationId xmlns:a16="http://schemas.microsoft.com/office/drawing/2014/main" id="{6D61B4D3-0319-42FA-8A8B-4149503565A0}"/>
-              </a:ext>
-            </a:extLst>
-          </p:cNvPr>
-          <p:cNvSpPr>
-            <a:spLocks noGrp="1"/>
-          </p:cNvSpPr>
-          <p:nvPr>
-            <p:ph type="title"/>
-          </p:nvPr>
-        </p:nvSpPr>
-        <p:spPr/>
-        <p:txBody>
-          <a:bodyPr/>
-          <a:lstStyle/>
-          <a:p>
-            <a:r>
-              <a:rPr lang="da-DK" dirty="0"/>
-              <a:t>The future is here</a:t>
-            </a:r>
-          </a:p>
-        </p:txBody>
-      </p:sp>
-      <p:pic>
-        <p:nvPicPr>
-          <p:cNvPr id="8" name="Content Placeholder 7">
-            <a:extLst>
-              <a:ext uri="{FF2B5EF4-FFF2-40B4-BE49-F238E27FC236}">
-                <a16:creationId xmlns:a16="http://schemas.microsoft.com/office/drawing/2014/main" id="{2ABA0442-32E9-413A-8163-F3640033A66C}"/>
-              </a:ext>
-            </a:extLst>
-          </p:cNvPr>
-          <p:cNvPicPr>
-            <a:picLocks noGrp="1" noChangeAspect="1"/>
-          </p:cNvPicPr>
-          <p:nvPr>
-            <p:ph idx="1"/>
-          </p:nvPr>
-        </p:nvPicPr>
-        <p:blipFill>
-          <a:blip r:embed="rId2">
-            <a:extLst>
-              <a:ext uri="{28A0092B-C50C-407E-A947-70E740481C1C}">
-                <a14:useLocalDpi xmlns:a14="http://schemas.microsoft.com/office/drawing/2010/main" val="0"/>
-              </a:ext>
-            </a:extLst>
-          </a:blip>
-          <a:stretch>
-            <a:fillRect/>
-          </a:stretch>
-        </p:blipFill>
-        <p:spPr>
-          <a:xfrm>
-            <a:off x="1822727" y="919752"/>
-            <a:ext cx="8193728" cy="5300318"/>
-          </a:xfrm>
-        </p:spPr>
-      </p:pic>
-      <p:sp>
-        <p:nvSpPr>
-          <p:cNvPr id="4" name="Date Placeholder 3">
-            <a:extLst>
-              <a:ext uri="{FF2B5EF4-FFF2-40B4-BE49-F238E27FC236}">
-                <a16:creationId xmlns:a16="http://schemas.microsoft.com/office/drawing/2014/main" id="{B02E0894-40E7-4336-8884-BE34C5933D90}"/>
-              </a:ext>
-            </a:extLst>
-          </p:cNvPr>
-          <p:cNvSpPr>
-            <a:spLocks noGrp="1"/>
-          </p:cNvSpPr>
-          <p:nvPr>
-            <p:ph type="dt" sz="half" idx="10"/>
-          </p:nvPr>
-        </p:nvSpPr>
-        <p:spPr/>
-        <p:txBody>
-          <a:bodyPr/>
-          <a:lstStyle/>
-          <a:p>
-            <a:fld id="{019E29B9-5584-4737-9C98-1B926378C778}" type="datetime1">
-              <a:rPr lang="en-US" smtClean="0"/>
-              <a:t>5/18/2021</a:t>
-            </a:fld>
-            <a:endParaRPr lang="da-DK"/>
-          </a:p>
-        </p:txBody>
-      </p:sp>
-      <p:sp>
-        <p:nvSpPr>
-          <p:cNvPr id="5" name="Footer Placeholder 4">
-            <a:extLst>
-              <a:ext uri="{FF2B5EF4-FFF2-40B4-BE49-F238E27FC236}">
-                <a16:creationId xmlns:a16="http://schemas.microsoft.com/office/drawing/2014/main" id="{5F482BEA-F413-451E-8C4C-AC26D899C263}"/>
-              </a:ext>
-            </a:extLst>
-          </p:cNvPr>
-          <p:cNvSpPr>
-            <a:spLocks noGrp="1"/>
-          </p:cNvSpPr>
-          <p:nvPr>
-            <p:ph type="ftr" sz="quarter" idx="11"/>
-          </p:nvPr>
-        </p:nvSpPr>
-        <p:spPr/>
-        <p:txBody>
-          <a:bodyPr/>
-          <a:lstStyle/>
-          <a:p>
-            <a:r>
-              <a:rPr lang="da-DK"/>
-              <a:t>Nicki Skafte Detlefsen</a:t>
-            </a:r>
-          </a:p>
-        </p:txBody>
-      </p:sp>
-      <p:sp>
-        <p:nvSpPr>
-          <p:cNvPr id="6" name="Slide Number Placeholder 5">
-            <a:extLst>
-              <a:ext uri="{FF2B5EF4-FFF2-40B4-BE49-F238E27FC236}">
-                <a16:creationId xmlns:a16="http://schemas.microsoft.com/office/drawing/2014/main" id="{9679B603-CDD4-4014-991C-92C337C8DEA3}"/>
-              </a:ext>
-            </a:extLst>
-          </p:cNvPr>
-          <p:cNvSpPr>
-            <a:spLocks noGrp="1"/>
-          </p:cNvSpPr>
-          <p:nvPr>
-            <p:ph type="sldNum" sz="quarter" idx="12"/>
-          </p:nvPr>
-        </p:nvSpPr>
-        <p:spPr/>
-        <p:txBody>
-          <a:bodyPr/>
-          <a:lstStyle/>
-          <a:p>
-            <a:fld id="{F6FEDE24-D50C-481B-A7B4-8AF13899101A}" type="slidenum">
-              <a:rPr lang="da-DK" smtClean="0"/>
-              <a:t>15</a:t>
-            </a:fld>
-            <a:endParaRPr lang="da-DK"/>
-          </a:p>
-        </p:txBody>
-      </p:sp>
-    </p:spTree>
-    <p:extLst>
-      <p:ext uri="{BB962C8B-B14F-4D97-AF65-F5344CB8AC3E}">
-        <p14:creationId xmlns:p14="http://schemas.microsoft.com/office/powerpoint/2010/main" val="1925155323"/>
-      </p:ext>
-    </p:extLst>
-  </p:cSld>
-  <p:clrMapOvr>
-    <a:masterClrMapping/>
-  </p:clrMapOvr>
-</p:sld>
-</file>
-
 <file path=ppt/slides/slide2.xml><?xml version="1.0" encoding="utf-8"?>
 <p:sld xmlns:a="http://schemas.openxmlformats.org/drawingml/2006/main" xmlns:r="http://schemas.openxmlformats.org/officeDocument/2006/relationships" xmlns:p="http://schemas.openxmlformats.org/presentationml/2006/main">
   <p:cSld>
@@ -8562,6 +9965,185 @@
 </p:sld>
 </file>
 
+<file path=ppt/slides/slide20.xml><?xml version="1.0" encoding="utf-8"?>
+<p:sld xmlns:a="http://schemas.openxmlformats.org/drawingml/2006/main" xmlns:r="http://schemas.openxmlformats.org/officeDocument/2006/relationships" xmlns:p="http://schemas.openxmlformats.org/presentationml/2006/main">
+  <p:cSld>
+    <p:spTree>
+      <p:nvGrpSpPr>
+        <p:cNvPr id="1" name=""/>
+        <p:cNvGrpSpPr/>
+        <p:nvPr/>
+      </p:nvGrpSpPr>
+      <p:grpSpPr>
+        <a:xfrm>
+          <a:off x="0" y="0"/>
+          <a:ext cx="0" cy="0"/>
+          <a:chOff x="0" y="0"/>
+          <a:chExt cx="0" cy="0"/>
+        </a:xfrm>
+      </p:grpSpPr>
+      <p:sp>
+        <p:nvSpPr>
+          <p:cNvPr id="2" name="Title 1">
+            <a:extLst>
+              <a:ext uri="{FF2B5EF4-FFF2-40B4-BE49-F238E27FC236}">
+                <a16:creationId xmlns:a16="http://schemas.microsoft.com/office/drawing/2014/main" id="{6D61B4D3-0319-42FA-8A8B-4149503565A0}"/>
+              </a:ext>
+            </a:extLst>
+          </p:cNvPr>
+          <p:cNvSpPr>
+            <a:spLocks noGrp="1"/>
+          </p:cNvSpPr>
+          <p:nvPr>
+            <p:ph type="title"/>
+          </p:nvPr>
+        </p:nvSpPr>
+        <p:spPr/>
+        <p:txBody>
+          <a:bodyPr/>
+          <a:lstStyle/>
+          <a:p>
+            <a:r>
+              <a:rPr lang="da-DK" dirty="0"/>
+              <a:t>The future is here</a:t>
+            </a:r>
+          </a:p>
+        </p:txBody>
+      </p:sp>
+      <p:pic>
+        <p:nvPicPr>
+          <p:cNvPr id="8" name="Content Placeholder 7">
+            <a:extLst>
+              <a:ext uri="{FF2B5EF4-FFF2-40B4-BE49-F238E27FC236}">
+                <a16:creationId xmlns:a16="http://schemas.microsoft.com/office/drawing/2014/main" id="{2ABA0442-32E9-413A-8163-F3640033A66C}"/>
+              </a:ext>
+            </a:extLst>
+          </p:cNvPr>
+          <p:cNvPicPr>
+            <a:picLocks noGrp="1" noChangeAspect="1"/>
+          </p:cNvPicPr>
+          <p:nvPr>
+            <p:ph idx="1"/>
+          </p:nvPr>
+        </p:nvPicPr>
+        <p:blipFill>
+          <a:blip r:embed="rId2">
+            <a:extLst>
+              <a:ext uri="{28A0092B-C50C-407E-A947-70E740481C1C}">
+                <a14:useLocalDpi xmlns:a14="http://schemas.microsoft.com/office/drawing/2010/main" val="0"/>
+              </a:ext>
+            </a:extLst>
+          </a:blip>
+          <a:stretch>
+            <a:fillRect/>
+          </a:stretch>
+        </p:blipFill>
+        <p:spPr>
+          <a:xfrm>
+            <a:off x="1822727" y="919752"/>
+            <a:ext cx="8193728" cy="5300318"/>
+          </a:xfrm>
+        </p:spPr>
+      </p:pic>
+      <p:sp>
+        <p:nvSpPr>
+          <p:cNvPr id="4" name="Date Placeholder 3">
+            <a:extLst>
+              <a:ext uri="{FF2B5EF4-FFF2-40B4-BE49-F238E27FC236}">
+                <a16:creationId xmlns:a16="http://schemas.microsoft.com/office/drawing/2014/main" id="{B02E0894-40E7-4336-8884-BE34C5933D90}"/>
+              </a:ext>
+            </a:extLst>
+          </p:cNvPr>
+          <p:cNvSpPr>
+            <a:spLocks noGrp="1"/>
+          </p:cNvSpPr>
+          <p:nvPr>
+            <p:ph type="dt" sz="half" idx="10"/>
+          </p:nvPr>
+        </p:nvSpPr>
+        <p:spPr/>
+        <p:txBody>
+          <a:bodyPr/>
+          <a:lstStyle/>
+          <a:p>
+            <a:fld id="{019E29B9-5584-4737-9C98-1B926378C778}" type="datetime1">
+              <a:rPr lang="en-US" smtClean="0"/>
+              <a:t>5/18/2021</a:t>
+            </a:fld>
+            <a:endParaRPr lang="da-DK"/>
+          </a:p>
+        </p:txBody>
+      </p:sp>
+      <p:sp>
+        <p:nvSpPr>
+          <p:cNvPr id="5" name="Footer Placeholder 4">
+            <a:extLst>
+              <a:ext uri="{FF2B5EF4-FFF2-40B4-BE49-F238E27FC236}">
+                <a16:creationId xmlns:a16="http://schemas.microsoft.com/office/drawing/2014/main" id="{5F482BEA-F413-451E-8C4C-AC26D899C263}"/>
+              </a:ext>
+            </a:extLst>
+          </p:cNvPr>
+          <p:cNvSpPr>
+            <a:spLocks noGrp="1"/>
+          </p:cNvSpPr>
+          <p:nvPr>
+            <p:ph type="ftr" sz="quarter" idx="11"/>
+          </p:nvPr>
+        </p:nvSpPr>
+        <p:spPr/>
+        <p:txBody>
+          <a:bodyPr/>
+          <a:lstStyle/>
+          <a:p>
+            <a:r>
+              <a:rPr lang="da-DK"/>
+              <a:t>Nicki Skafte Detlefsen</a:t>
+            </a:r>
+          </a:p>
+        </p:txBody>
+      </p:sp>
+      <p:sp>
+        <p:nvSpPr>
+          <p:cNvPr id="6" name="Slide Number Placeholder 5">
+            <a:extLst>
+              <a:ext uri="{FF2B5EF4-FFF2-40B4-BE49-F238E27FC236}">
+                <a16:creationId xmlns:a16="http://schemas.microsoft.com/office/drawing/2014/main" id="{9679B603-CDD4-4014-991C-92C337C8DEA3}"/>
+              </a:ext>
+            </a:extLst>
+          </p:cNvPr>
+          <p:cNvSpPr>
+            <a:spLocks noGrp="1"/>
+          </p:cNvSpPr>
+          <p:nvPr>
+            <p:ph type="sldNum" sz="quarter" idx="12"/>
+          </p:nvPr>
+        </p:nvSpPr>
+        <p:spPr/>
+        <p:txBody>
+          <a:bodyPr/>
+          <a:lstStyle/>
+          <a:p>
+            <a:fld id="{F6FEDE24-D50C-481B-A7B4-8AF13899101A}" type="slidenum">
+              <a:rPr lang="da-DK" smtClean="0"/>
+              <a:t>20</a:t>
+            </a:fld>
+            <a:endParaRPr lang="da-DK"/>
+          </a:p>
+        </p:txBody>
+      </p:sp>
+    </p:spTree>
+    <p:extLst>
+      <p:ext uri="{BB962C8B-B14F-4D97-AF65-F5344CB8AC3E}">
+        <p14:creationId xmlns:p14="http://schemas.microsoft.com/office/powerpoint/2010/main" val="1925155323"/>
+      </p:ext>
+    </p:extLst>
+  </p:cSld>
+  <p:clrMapOvr>
+    <a:masterClrMapping/>
+  </p:clrMapOvr>
+</p:sld>
+</file>
+
 <file path=ppt/slides/slide3.xml><?xml version="1.0" encoding="utf-8"?>
 <p:sld xmlns:a="http://schemas.openxmlformats.org/drawingml/2006/main" xmlns:r="http://schemas.openxmlformats.org/officeDocument/2006/relationships" xmlns:p="http://schemas.openxmlformats.org/presentationml/2006/main">
   <p:cSld>
@@ -8933,27 +10515,6 @@
             <a:endParaRPr lang="da-DK" dirty="0"/>
           </a:p>
           <a:p>
-            <a:r>
-              <a:rPr lang="da-DK" dirty="0"/>
-              <a:t>Use branches</a:t>
-            </a:r>
-          </a:p>
-          <a:p>
-            <a:endParaRPr lang="da-DK" dirty="0"/>
-          </a:p>
-          <a:p>
-            <a:r>
-              <a:rPr lang="da-DK" dirty="0"/>
-              <a:t>Make PRs</a:t>
-            </a:r>
-          </a:p>
-          <a:p>
-            <a:endParaRPr lang="da-DK" dirty="0"/>
-          </a:p>
-          <a:p>
-            <a:endParaRPr lang="da-DK" dirty="0"/>
-          </a:p>
-          <a:p>
             <a:pPr lvl="1"/>
             <a:endParaRPr lang="da-DK" dirty="0"/>
           </a:p>
@@ -9059,16 +10620,15 @@
           </p:cNvPicPr>
           <p:nvPr/>
         </p:nvPicPr>
-        <p:blipFill>
+        <p:blipFill rotWithShape="1">
           <a:blip r:embed="rId2"/>
-          <a:stretch>
-            <a:fillRect/>
-          </a:stretch>
+          <a:srcRect t="-1" b="-1445"/>
+          <a:stretch/>
         </p:blipFill>
         <p:spPr>
           <a:xfrm>
-            <a:off x="7118296" y="960101"/>
-            <a:ext cx="2788166" cy="5396249"/>
+            <a:off x="6530717" y="882095"/>
+            <a:ext cx="2788166" cy="5474255"/>
           </a:xfrm>
           <a:prstGeom prst="rect">
             <a:avLst/>
@@ -9088,13 +10648,13 @@
           <p:nvPr>
             <p:extLst>
               <p:ext uri="{D42A27DB-BD31-4B8C-83A1-F6EECF244321}">
-                <p14:modId xmlns:p14="http://schemas.microsoft.com/office/powerpoint/2010/main" val="2569426726"/>
+                <p14:modId xmlns:p14="http://schemas.microsoft.com/office/powerpoint/2010/main" val="4234027889"/>
               </p:ext>
             </p:extLst>
           </p:nvPr>
         </p:nvGraphicFramePr>
         <p:xfrm>
-          <a:off x="4913856" y="830510"/>
+          <a:off x="9547483" y="1276014"/>
           <a:ext cx="2204440" cy="2447177"/>
         </p:xfrm>
         <a:graphic>
@@ -9138,7 +10698,7 @@
           <p:cNvPr id="2" name="Title 1">
             <a:extLst>
               <a:ext uri="{FF2B5EF4-FFF2-40B4-BE49-F238E27FC236}">
-                <a16:creationId xmlns:a16="http://schemas.microsoft.com/office/drawing/2014/main" id="{F30CAB80-0536-4C1F-B6CE-EC85D3C8B753}"/>
+                <a16:creationId xmlns:a16="http://schemas.microsoft.com/office/drawing/2014/main" id="{18700190-0A40-4FC2-9A54-082C9173E7C7}"/>
               </a:ext>
             </a:extLst>
           </p:cNvPr>
@@ -9156,7 +10716,7 @@
           <a:p>
             <a:r>
               <a:rPr lang="da-DK" dirty="0"/>
-              <a:t>CI step 2: Automating stuff</a:t>
+              <a:t>CI step 1: Commiting code</a:t>
             </a:r>
           </a:p>
         </p:txBody>
@@ -9166,7 +10726,7 @@
           <p:cNvPr id="3" name="Content Placeholder 2">
             <a:extLst>
               <a:ext uri="{FF2B5EF4-FFF2-40B4-BE49-F238E27FC236}">
-                <a16:creationId xmlns:a16="http://schemas.microsoft.com/office/drawing/2014/main" id="{8C1E39EE-762B-47D7-995F-8880FB5E5C6C}"/>
+                <a16:creationId xmlns:a16="http://schemas.microsoft.com/office/drawing/2014/main" id="{080B023B-7D88-41EA-AF5E-55F01343442A}"/>
               </a:ext>
             </a:extLst>
           </p:cNvPr>
@@ -9184,59 +10744,22 @@
           <a:p>
             <a:r>
               <a:rPr lang="da-DK" dirty="0"/>
-              <a:t>What can be automated: EVERYTHING</a:t>
-            </a:r>
-          </a:p>
-          <a:p>
-            <a:pPr lvl="1"/>
-            <a:r>
-              <a:rPr lang="en-US" dirty="0"/>
-              <a:t>Functional tests</a:t>
-            </a:r>
-          </a:p>
-          <a:p>
-            <a:pPr lvl="1"/>
-            <a:r>
-              <a:rPr lang="en-US" dirty="0"/>
-              <a:t>Documentation creation</a:t>
-            </a:r>
-          </a:p>
-          <a:p>
-            <a:pPr lvl="1"/>
-            <a:r>
-              <a:rPr lang="en-US" dirty="0"/>
-              <a:t>Linters (which check style formatting)</a:t>
-            </a:r>
-          </a:p>
-          <a:p>
-            <a:pPr lvl="1"/>
-            <a:r>
-              <a:rPr lang="en-US" dirty="0"/>
-              <a:t>Security checks</a:t>
-            </a:r>
-          </a:p>
-          <a:p>
-            <a:pPr lvl="1"/>
-            <a:r>
-              <a:rPr lang="en-US" dirty="0"/>
-              <a:t>Code coverage</a:t>
-            </a:r>
-          </a:p>
-          <a:p>
-            <a:pPr lvl="1"/>
-            <a:r>
-              <a:rPr lang="en-US" dirty="0"/>
-              <a:t>Custom checks…</a:t>
-            </a:r>
+              <a:t> Use branches</a:t>
+            </a:r>
+          </a:p>
+          <a:p>
+            <a:endParaRPr lang="da-DK" dirty="0"/>
+          </a:p>
+          <a:p>
+            <a:endParaRPr lang="da-DK" dirty="0"/>
+          </a:p>
+          <a:p>
             <a:endParaRPr lang="da-DK" dirty="0"/>
           </a:p>
           <a:p>
             <a:pPr lvl="1"/>
             <a:endParaRPr lang="da-DK" dirty="0"/>
           </a:p>
-          <a:p>
-            <a:endParaRPr lang="da-DK" dirty="0"/>
-          </a:p>
         </p:txBody>
       </p:sp>
       <p:sp>
@@ -9244,7 +10767,7 @@
           <p:cNvPr id="4" name="Date Placeholder 3">
             <a:extLst>
               <a:ext uri="{FF2B5EF4-FFF2-40B4-BE49-F238E27FC236}">
-                <a16:creationId xmlns:a16="http://schemas.microsoft.com/office/drawing/2014/main" id="{F64724E3-9AC5-4EBD-B3E0-26B5C8052611}"/>
+                <a16:creationId xmlns:a16="http://schemas.microsoft.com/office/drawing/2014/main" id="{739AC9DC-4ED8-43A6-A60E-AC132FBDE1DA}"/>
               </a:ext>
             </a:extLst>
           </p:cNvPr>
@@ -9273,7 +10796,7 @@
           <p:cNvPr id="5" name="Footer Placeholder 4">
             <a:extLst>
               <a:ext uri="{FF2B5EF4-FFF2-40B4-BE49-F238E27FC236}">
-                <a16:creationId xmlns:a16="http://schemas.microsoft.com/office/drawing/2014/main" id="{EDA475A1-DBB7-4C99-9A57-A337E5DF7DB6}"/>
+                <a16:creationId xmlns:a16="http://schemas.microsoft.com/office/drawing/2014/main" id="{A729A4E2-DC3C-406B-9E46-F6720C144EC8}"/>
               </a:ext>
             </a:extLst>
           </p:cNvPr>
@@ -9301,7 +10824,7 @@
           <p:cNvPr id="6" name="Slide Number Placeholder 5">
             <a:extLst>
               <a:ext uri="{FF2B5EF4-FFF2-40B4-BE49-F238E27FC236}">
-                <a16:creationId xmlns:a16="http://schemas.microsoft.com/office/drawing/2014/main" id="{BF2D4B10-61C4-4362-AFF0-40489FFBEC9F}"/>
+                <a16:creationId xmlns:a16="http://schemas.microsoft.com/office/drawing/2014/main" id="{DBC6B56C-8158-4A79-BC62-8A86741337CA}"/>
               </a:ext>
             </a:extLst>
           </p:cNvPr>
@@ -9325,10 +10848,40 @@
           </a:p>
         </p:txBody>
       </p:sp>
+      <p:pic>
+        <p:nvPicPr>
+          <p:cNvPr id="8" name="Picture 7">
+            <a:extLst>
+              <a:ext uri="{FF2B5EF4-FFF2-40B4-BE49-F238E27FC236}">
+                <a16:creationId xmlns:a16="http://schemas.microsoft.com/office/drawing/2014/main" id="{A3CDDA49-6CCE-492A-A53C-E6D88C7A4A35}"/>
+              </a:ext>
+            </a:extLst>
+          </p:cNvPr>
+          <p:cNvPicPr>
+            <a:picLocks noChangeAspect="1"/>
+          </p:cNvPicPr>
+          <p:nvPr/>
+        </p:nvPicPr>
+        <p:blipFill>
+          <a:blip r:embed="rId2"/>
+          <a:stretch>
+            <a:fillRect/>
+          </a:stretch>
+        </p:blipFill>
+        <p:spPr>
+          <a:xfrm>
+            <a:off x="5158529" y="1276014"/>
+            <a:ext cx="3649249" cy="4962088"/>
+          </a:xfrm>
+          <a:prstGeom prst="rect">
+            <a:avLst/>
+          </a:prstGeom>
+        </p:spPr>
+      </p:pic>
     </p:spTree>
     <p:extLst>
       <p:ext uri="{BB962C8B-B14F-4D97-AF65-F5344CB8AC3E}">
-        <p14:creationId xmlns:p14="http://schemas.microsoft.com/office/powerpoint/2010/main" val="1371277988"/>
+        <p14:creationId xmlns:p14="http://schemas.microsoft.com/office/powerpoint/2010/main" val="3926352249"/>
       </p:ext>
     </p:extLst>
   </p:cSld>
@@ -9360,7 +10913,7 @@
           <p:cNvPr id="2" name="Title 1">
             <a:extLst>
               <a:ext uri="{FF2B5EF4-FFF2-40B4-BE49-F238E27FC236}">
-                <a16:creationId xmlns:a16="http://schemas.microsoft.com/office/drawing/2014/main" id="{67049641-DF90-4FBF-A399-35809E687CCD}"/>
+                <a16:creationId xmlns:a16="http://schemas.microsoft.com/office/drawing/2014/main" id="{18700190-0A40-4FC2-9A54-082C9173E7C7}"/>
               </a:ext>
             </a:extLst>
           </p:cNvPr>
@@ -9378,7 +10931,7 @@
           <a:p>
             <a:r>
               <a:rPr lang="da-DK" dirty="0"/>
-              <a:t>A small case study</a:t>
+              <a:t>CI step 1: Commiting code</a:t>
             </a:r>
           </a:p>
         </p:txBody>
@@ -9388,7 +10941,7 @@
           <p:cNvPr id="3" name="Content Placeholder 2">
             <a:extLst>
               <a:ext uri="{FF2B5EF4-FFF2-40B4-BE49-F238E27FC236}">
-                <a16:creationId xmlns:a16="http://schemas.microsoft.com/office/drawing/2014/main" id="{CD751883-3B25-4EDE-8AD8-ECA4C4D69A2C}"/>
+                <a16:creationId xmlns:a16="http://schemas.microsoft.com/office/drawing/2014/main" id="{080B023B-7D88-41EA-AF5E-55F01343442A}"/>
               </a:ext>
             </a:extLst>
           </p:cNvPr>
@@ -9404,13 +10957,23 @@
           <a:bodyPr/>
           <a:lstStyle/>
           <a:p>
-            <a:pPr marL="0" indent="0">
-              <a:buNone/>
-            </a:pPr>
             <a:r>
               <a:rPr lang="da-DK" dirty="0"/>
-              <a:t>All the metric in the world – now in pytorch</a:t>
-            </a:r>
+              <a:t> Use PRs, other can review your code</a:t>
+            </a:r>
+          </a:p>
+          <a:p>
+            <a:endParaRPr lang="da-DK" dirty="0"/>
+          </a:p>
+          <a:p>
+            <a:endParaRPr lang="da-DK" dirty="0"/>
+          </a:p>
+          <a:p>
+            <a:endParaRPr lang="da-DK" dirty="0"/>
+          </a:p>
+          <a:p>
+            <a:pPr lvl="1"/>
+            <a:endParaRPr lang="da-DK" dirty="0"/>
           </a:p>
         </p:txBody>
       </p:sp>
@@ -9419,7 +10982,7 @@
           <p:cNvPr id="4" name="Date Placeholder 3">
             <a:extLst>
               <a:ext uri="{FF2B5EF4-FFF2-40B4-BE49-F238E27FC236}">
-                <a16:creationId xmlns:a16="http://schemas.microsoft.com/office/drawing/2014/main" id="{AF9CF576-91AD-4CA9-B9A8-9D4091B9ADE5}"/>
+                <a16:creationId xmlns:a16="http://schemas.microsoft.com/office/drawing/2014/main" id="{739AC9DC-4ED8-43A6-A60E-AC132FBDE1DA}"/>
               </a:ext>
             </a:extLst>
           </p:cNvPr>
@@ -9448,7 +11011,7 @@
           <p:cNvPr id="5" name="Footer Placeholder 4">
             <a:extLst>
               <a:ext uri="{FF2B5EF4-FFF2-40B4-BE49-F238E27FC236}">
-                <a16:creationId xmlns:a16="http://schemas.microsoft.com/office/drawing/2014/main" id="{0133C9CB-AA34-45C2-9897-822134ADE207}"/>
+                <a16:creationId xmlns:a16="http://schemas.microsoft.com/office/drawing/2014/main" id="{A729A4E2-DC3C-406B-9E46-F6720C144EC8}"/>
               </a:ext>
             </a:extLst>
           </p:cNvPr>
@@ -9476,7 +11039,7 @@
           <p:cNvPr id="6" name="Slide Number Placeholder 5">
             <a:extLst>
               <a:ext uri="{FF2B5EF4-FFF2-40B4-BE49-F238E27FC236}">
-                <a16:creationId xmlns:a16="http://schemas.microsoft.com/office/drawing/2014/main" id="{E1A20C92-F3BB-4750-964E-EB033F0189AB}"/>
+                <a16:creationId xmlns:a16="http://schemas.microsoft.com/office/drawing/2014/main" id="{DBC6B56C-8158-4A79-BC62-8A86741337CA}"/>
               </a:ext>
             </a:extLst>
           </p:cNvPr>
@@ -9495,6 +11058,797 @@
             <a:fld id="{F6FEDE24-D50C-481B-A7B4-8AF13899101A}" type="slidenum">
               <a:rPr lang="da-DK" smtClean="0"/>
               <a:t>6</a:t>
+            </a:fld>
+            <a:endParaRPr lang="da-DK"/>
+          </a:p>
+        </p:txBody>
+      </p:sp>
+      <p:pic>
+        <p:nvPicPr>
+          <p:cNvPr id="9" name="Picture 8">
+            <a:extLst>
+              <a:ext uri="{FF2B5EF4-FFF2-40B4-BE49-F238E27FC236}">
+                <a16:creationId xmlns:a16="http://schemas.microsoft.com/office/drawing/2014/main" id="{C2C18B1E-90CB-4523-8D16-3BEA14A27FCE}"/>
+              </a:ext>
+            </a:extLst>
+          </p:cNvPr>
+          <p:cNvPicPr>
+            <a:picLocks noChangeAspect="1"/>
+          </p:cNvPicPr>
+          <p:nvPr/>
+        </p:nvPicPr>
+        <p:blipFill>
+          <a:blip r:embed="rId2"/>
+          <a:stretch>
+            <a:fillRect/>
+          </a:stretch>
+        </p:blipFill>
+        <p:spPr>
+          <a:xfrm>
+            <a:off x="1266466" y="1735525"/>
+            <a:ext cx="9875279" cy="4531132"/>
+          </a:xfrm>
+          <a:prstGeom prst="rect">
+            <a:avLst/>
+          </a:prstGeom>
+        </p:spPr>
+      </p:pic>
+      <p:sp>
+        <p:nvSpPr>
+          <p:cNvPr id="10" name="Rectangle 9">
+            <a:extLst>
+              <a:ext uri="{FF2B5EF4-FFF2-40B4-BE49-F238E27FC236}">
+                <a16:creationId xmlns:a16="http://schemas.microsoft.com/office/drawing/2014/main" id="{3BD65928-4798-42DF-8370-D13B7B659B17}"/>
+              </a:ext>
+            </a:extLst>
+          </p:cNvPr>
+          <p:cNvSpPr/>
+          <p:nvPr/>
+        </p:nvSpPr>
+        <p:spPr>
+          <a:xfrm>
+            <a:off x="2209800" y="2011680"/>
+            <a:ext cx="800100" cy="289560"/>
+          </a:xfrm>
+          <a:prstGeom prst="rect">
+            <a:avLst/>
+          </a:prstGeom>
+          <a:noFill/>
+          <a:ln w="38100">
+            <a:solidFill>
+              <a:srgbClr val="FF0000"/>
+            </a:solidFill>
+          </a:ln>
+        </p:spPr>
+        <p:style>
+          <a:lnRef idx="2">
+            <a:schemeClr val="accent1">
+              <a:shade val="50000"/>
+            </a:schemeClr>
+          </a:lnRef>
+          <a:fillRef idx="1">
+            <a:schemeClr val="accent1"/>
+          </a:fillRef>
+          <a:effectRef idx="0">
+            <a:schemeClr val="accent1"/>
+          </a:effectRef>
+          <a:fontRef idx="minor">
+            <a:schemeClr val="lt1"/>
+          </a:fontRef>
+        </p:style>
+        <p:txBody>
+          <a:bodyPr rtlCol="0" anchor="ctr"/>
+          <a:lstStyle/>
+          <a:p>
+            <a:pPr algn="ctr"/>
+            <a:endParaRPr lang="da-DK"/>
+          </a:p>
+        </p:txBody>
+      </p:sp>
+      <p:sp>
+        <p:nvSpPr>
+          <p:cNvPr id="11" name="Rectangle 10">
+            <a:extLst>
+              <a:ext uri="{FF2B5EF4-FFF2-40B4-BE49-F238E27FC236}">
+                <a16:creationId xmlns:a16="http://schemas.microsoft.com/office/drawing/2014/main" id="{379EEA97-4E6B-4DBD-9EB6-F8428C8314F7}"/>
+              </a:ext>
+            </a:extLst>
+          </p:cNvPr>
+          <p:cNvSpPr/>
+          <p:nvPr/>
+        </p:nvSpPr>
+        <p:spPr>
+          <a:xfrm>
+            <a:off x="3238500" y="2758440"/>
+            <a:ext cx="861060" cy="289560"/>
+          </a:xfrm>
+          <a:prstGeom prst="rect">
+            <a:avLst/>
+          </a:prstGeom>
+          <a:noFill/>
+          <a:ln w="38100">
+            <a:solidFill>
+              <a:srgbClr val="FF0000"/>
+            </a:solidFill>
+          </a:ln>
+        </p:spPr>
+        <p:style>
+          <a:lnRef idx="2">
+            <a:schemeClr val="accent1">
+              <a:shade val="50000"/>
+            </a:schemeClr>
+          </a:lnRef>
+          <a:fillRef idx="1">
+            <a:schemeClr val="accent1"/>
+          </a:fillRef>
+          <a:effectRef idx="0">
+            <a:schemeClr val="accent1"/>
+          </a:effectRef>
+          <a:fontRef idx="minor">
+            <a:schemeClr val="lt1"/>
+          </a:fontRef>
+        </p:style>
+        <p:txBody>
+          <a:bodyPr rtlCol="0" anchor="ctr"/>
+          <a:lstStyle/>
+          <a:p>
+            <a:pPr algn="ctr"/>
+            <a:endParaRPr lang="da-DK"/>
+          </a:p>
+        </p:txBody>
+      </p:sp>
+      <p:sp>
+        <p:nvSpPr>
+          <p:cNvPr id="12" name="Rectangle 11">
+            <a:extLst>
+              <a:ext uri="{FF2B5EF4-FFF2-40B4-BE49-F238E27FC236}">
+                <a16:creationId xmlns:a16="http://schemas.microsoft.com/office/drawing/2014/main" id="{2265A4B1-8011-4345-822B-7C6EF2AC171C}"/>
+              </a:ext>
+            </a:extLst>
+          </p:cNvPr>
+          <p:cNvSpPr/>
+          <p:nvPr/>
+        </p:nvSpPr>
+        <p:spPr>
+          <a:xfrm>
+            <a:off x="6204104" y="3767904"/>
+            <a:ext cx="3336135" cy="1406075"/>
+          </a:xfrm>
+          <a:prstGeom prst="rect">
+            <a:avLst/>
+          </a:prstGeom>
+          <a:noFill/>
+          <a:ln w="38100">
+            <a:solidFill>
+              <a:srgbClr val="FF0000"/>
+            </a:solidFill>
+          </a:ln>
+        </p:spPr>
+        <p:style>
+          <a:lnRef idx="2">
+            <a:schemeClr val="accent1">
+              <a:shade val="50000"/>
+            </a:schemeClr>
+          </a:lnRef>
+          <a:fillRef idx="1">
+            <a:schemeClr val="accent1"/>
+          </a:fillRef>
+          <a:effectRef idx="0">
+            <a:schemeClr val="accent1"/>
+          </a:effectRef>
+          <a:fontRef idx="minor">
+            <a:schemeClr val="lt1"/>
+          </a:fontRef>
+        </p:style>
+        <p:txBody>
+          <a:bodyPr rtlCol="0" anchor="ctr"/>
+          <a:lstStyle/>
+          <a:p>
+            <a:pPr algn="ctr"/>
+            <a:endParaRPr lang="da-DK"/>
+          </a:p>
+        </p:txBody>
+      </p:sp>
+      <p:sp>
+        <p:nvSpPr>
+          <p:cNvPr id="13" name="Rectangle 12">
+            <a:extLst>
+              <a:ext uri="{FF2B5EF4-FFF2-40B4-BE49-F238E27FC236}">
+                <a16:creationId xmlns:a16="http://schemas.microsoft.com/office/drawing/2014/main" id="{C08FD30A-B330-4B21-A4BB-E05318787A76}"/>
+              </a:ext>
+            </a:extLst>
+          </p:cNvPr>
+          <p:cNvSpPr/>
+          <p:nvPr/>
+        </p:nvSpPr>
+        <p:spPr>
+          <a:xfrm>
+            <a:off x="10271760" y="2975174"/>
+            <a:ext cx="792479" cy="289560"/>
+          </a:xfrm>
+          <a:prstGeom prst="rect">
+            <a:avLst/>
+          </a:prstGeom>
+          <a:noFill/>
+          <a:ln w="38100">
+            <a:solidFill>
+              <a:srgbClr val="FF0000"/>
+            </a:solidFill>
+          </a:ln>
+        </p:spPr>
+        <p:style>
+          <a:lnRef idx="2">
+            <a:schemeClr val="accent1">
+              <a:shade val="50000"/>
+            </a:schemeClr>
+          </a:lnRef>
+          <a:fillRef idx="1">
+            <a:schemeClr val="accent1"/>
+          </a:fillRef>
+          <a:effectRef idx="0">
+            <a:schemeClr val="accent1"/>
+          </a:effectRef>
+          <a:fontRef idx="minor">
+            <a:schemeClr val="lt1"/>
+          </a:fontRef>
+        </p:style>
+        <p:txBody>
+          <a:bodyPr rtlCol="0" anchor="ctr"/>
+          <a:lstStyle/>
+          <a:p>
+            <a:pPr algn="ctr"/>
+            <a:endParaRPr lang="da-DK"/>
+          </a:p>
+        </p:txBody>
+      </p:sp>
+      <p:sp>
+        <p:nvSpPr>
+          <p:cNvPr id="15" name="TextBox 14">
+            <a:extLst>
+              <a:ext uri="{FF2B5EF4-FFF2-40B4-BE49-F238E27FC236}">
+                <a16:creationId xmlns:a16="http://schemas.microsoft.com/office/drawing/2014/main" id="{B50B947D-BA09-436B-83E4-56979BB6D71D}"/>
+              </a:ext>
+            </a:extLst>
+          </p:cNvPr>
+          <p:cNvSpPr txBox="1"/>
+          <p:nvPr/>
+        </p:nvSpPr>
+        <p:spPr>
+          <a:xfrm>
+            <a:off x="3131820" y="1836420"/>
+            <a:ext cx="1181100" cy="369332"/>
+          </a:xfrm>
+          <a:prstGeom prst="rect">
+            <a:avLst/>
+          </a:prstGeom>
+          <a:noFill/>
+        </p:spPr>
+        <p:txBody>
+          <a:bodyPr wrap="square" rtlCol="0">
+            <a:spAutoFit/>
+          </a:bodyPr>
+          <a:lstStyle/>
+          <a:p>
+            <a:r>
+              <a:rPr lang="da-DK" dirty="0">
+                <a:solidFill>
+                  <a:srgbClr val="FF0000"/>
+                </a:solidFill>
+              </a:rPr>
+              <a:t>1. Find PR</a:t>
+            </a:r>
+          </a:p>
+        </p:txBody>
+      </p:sp>
+      <p:sp>
+        <p:nvSpPr>
+          <p:cNvPr id="16" name="TextBox 15">
+            <a:extLst>
+              <a:ext uri="{FF2B5EF4-FFF2-40B4-BE49-F238E27FC236}">
+                <a16:creationId xmlns:a16="http://schemas.microsoft.com/office/drawing/2014/main" id="{60E31BC7-F38D-4DC3-AA9B-A2563ED474BB}"/>
+              </a:ext>
+            </a:extLst>
+          </p:cNvPr>
+          <p:cNvSpPr txBox="1"/>
+          <p:nvPr/>
+        </p:nvSpPr>
+        <p:spPr>
+          <a:xfrm>
+            <a:off x="4122420" y="2712900"/>
+            <a:ext cx="2278380" cy="369332"/>
+          </a:xfrm>
+          <a:prstGeom prst="rect">
+            <a:avLst/>
+          </a:prstGeom>
+          <a:noFill/>
+        </p:spPr>
+        <p:txBody>
+          <a:bodyPr wrap="square" rtlCol="0">
+            <a:spAutoFit/>
+          </a:bodyPr>
+          <a:lstStyle/>
+          <a:p>
+            <a:r>
+              <a:rPr lang="da-DK" dirty="0">
+                <a:solidFill>
+                  <a:srgbClr val="FF0000"/>
+                </a:solidFill>
+              </a:rPr>
+              <a:t>2. Check changed files</a:t>
+            </a:r>
+          </a:p>
+        </p:txBody>
+      </p:sp>
+      <p:sp>
+        <p:nvSpPr>
+          <p:cNvPr id="17" name="TextBox 16">
+            <a:extLst>
+              <a:ext uri="{FF2B5EF4-FFF2-40B4-BE49-F238E27FC236}">
+                <a16:creationId xmlns:a16="http://schemas.microsoft.com/office/drawing/2014/main" id="{89BD195B-40E1-4780-808A-8C82374F81F8}"/>
+              </a:ext>
+            </a:extLst>
+          </p:cNvPr>
+          <p:cNvSpPr txBox="1"/>
+          <p:nvPr/>
+        </p:nvSpPr>
+        <p:spPr>
+          <a:xfrm>
+            <a:off x="7367886" y="3429000"/>
+            <a:ext cx="3336135" cy="369332"/>
+          </a:xfrm>
+          <a:prstGeom prst="rect">
+            <a:avLst/>
+          </a:prstGeom>
+          <a:noFill/>
+        </p:spPr>
+        <p:txBody>
+          <a:bodyPr wrap="square" rtlCol="0">
+            <a:spAutoFit/>
+          </a:bodyPr>
+          <a:lstStyle/>
+          <a:p>
+            <a:r>
+              <a:rPr lang="da-DK" dirty="0">
+                <a:solidFill>
+                  <a:srgbClr val="FF0000"/>
+                </a:solidFill>
+              </a:rPr>
+              <a:t>3. Make one or more comments</a:t>
+            </a:r>
+          </a:p>
+        </p:txBody>
+      </p:sp>
+      <p:sp>
+        <p:nvSpPr>
+          <p:cNvPr id="18" name="TextBox 17">
+            <a:extLst>
+              <a:ext uri="{FF2B5EF4-FFF2-40B4-BE49-F238E27FC236}">
+                <a16:creationId xmlns:a16="http://schemas.microsoft.com/office/drawing/2014/main" id="{D994CAC0-0F66-4609-B054-D72D06B8726A}"/>
+              </a:ext>
+            </a:extLst>
+          </p:cNvPr>
+          <p:cNvSpPr txBox="1"/>
+          <p:nvPr/>
+        </p:nvSpPr>
+        <p:spPr>
+          <a:xfrm>
+            <a:off x="8999931" y="2639542"/>
+            <a:ext cx="3336135" cy="369332"/>
+          </a:xfrm>
+          <a:prstGeom prst="rect">
+            <a:avLst/>
+          </a:prstGeom>
+          <a:noFill/>
+        </p:spPr>
+        <p:txBody>
+          <a:bodyPr wrap="square" rtlCol="0">
+            <a:spAutoFit/>
+          </a:bodyPr>
+          <a:lstStyle/>
+          <a:p>
+            <a:r>
+              <a:rPr lang="da-DK" dirty="0">
+                <a:solidFill>
+                  <a:srgbClr val="FF0000"/>
+                </a:solidFill>
+              </a:rPr>
+              <a:t>4. Send review</a:t>
+            </a:r>
+          </a:p>
+        </p:txBody>
+      </p:sp>
+    </p:spTree>
+    <p:extLst>
+      <p:ext uri="{BB962C8B-B14F-4D97-AF65-F5344CB8AC3E}">
+        <p14:creationId xmlns:p14="http://schemas.microsoft.com/office/powerpoint/2010/main" val="2486113929"/>
+      </p:ext>
+    </p:extLst>
+  </p:cSld>
+  <p:clrMapOvr>
+    <a:masterClrMapping/>
+  </p:clrMapOvr>
+</p:sld>
+</file>
+
+<file path=ppt/slides/slide7.xml><?xml version="1.0" encoding="utf-8"?>
+<p:sld xmlns:a="http://schemas.openxmlformats.org/drawingml/2006/main" xmlns:r="http://schemas.openxmlformats.org/officeDocument/2006/relationships" xmlns:p="http://schemas.openxmlformats.org/presentationml/2006/main">
+  <p:cSld>
+    <p:spTree>
+      <p:nvGrpSpPr>
+        <p:cNvPr id="1" name=""/>
+        <p:cNvGrpSpPr/>
+        <p:nvPr/>
+      </p:nvGrpSpPr>
+      <p:grpSpPr>
+        <a:xfrm>
+          <a:off x="0" y="0"/>
+          <a:ext cx="0" cy="0"/>
+          <a:chOff x="0" y="0"/>
+          <a:chExt cx="0" cy="0"/>
+        </a:xfrm>
+      </p:grpSpPr>
+      <p:sp>
+        <p:nvSpPr>
+          <p:cNvPr id="2" name="Title 1">
+            <a:extLst>
+              <a:ext uri="{FF2B5EF4-FFF2-40B4-BE49-F238E27FC236}">
+                <a16:creationId xmlns:a16="http://schemas.microsoft.com/office/drawing/2014/main" id="{F30CAB80-0536-4C1F-B6CE-EC85D3C8B753}"/>
+              </a:ext>
+            </a:extLst>
+          </p:cNvPr>
+          <p:cNvSpPr>
+            <a:spLocks noGrp="1"/>
+          </p:cNvSpPr>
+          <p:nvPr>
+            <p:ph type="title"/>
+          </p:nvPr>
+        </p:nvSpPr>
+        <p:spPr/>
+        <p:txBody>
+          <a:bodyPr/>
+          <a:lstStyle/>
+          <a:p>
+            <a:r>
+              <a:rPr lang="da-DK" dirty="0"/>
+              <a:t>CI step 2: Automating stuff</a:t>
+            </a:r>
+          </a:p>
+        </p:txBody>
+      </p:sp>
+      <p:sp>
+        <p:nvSpPr>
+          <p:cNvPr id="3" name="Content Placeholder 2">
+            <a:extLst>
+              <a:ext uri="{FF2B5EF4-FFF2-40B4-BE49-F238E27FC236}">
+                <a16:creationId xmlns:a16="http://schemas.microsoft.com/office/drawing/2014/main" id="{8C1E39EE-762B-47D7-995F-8880FB5E5C6C}"/>
+              </a:ext>
+            </a:extLst>
+          </p:cNvPr>
+          <p:cNvSpPr>
+            <a:spLocks noGrp="1"/>
+          </p:cNvSpPr>
+          <p:nvPr>
+            <p:ph idx="1"/>
+          </p:nvPr>
+        </p:nvSpPr>
+        <p:spPr/>
+        <p:txBody>
+          <a:bodyPr/>
+          <a:lstStyle/>
+          <a:p>
+            <a:r>
+              <a:rPr lang="da-DK" dirty="0"/>
+              <a:t>What can be automated: EVERYTHING</a:t>
+            </a:r>
+          </a:p>
+          <a:p>
+            <a:pPr lvl="1"/>
+            <a:r>
+              <a:rPr lang="en-US" dirty="0"/>
+              <a:t>Functional tests</a:t>
+            </a:r>
+          </a:p>
+          <a:p>
+            <a:pPr lvl="1"/>
+            <a:r>
+              <a:rPr lang="en-US" dirty="0"/>
+              <a:t>Documentation creation</a:t>
+            </a:r>
+          </a:p>
+          <a:p>
+            <a:pPr lvl="1"/>
+            <a:r>
+              <a:rPr lang="en-US" dirty="0"/>
+              <a:t>Linters (which check style formatting)</a:t>
+            </a:r>
+          </a:p>
+          <a:p>
+            <a:pPr lvl="1"/>
+            <a:r>
+              <a:rPr lang="en-US" dirty="0"/>
+              <a:t>Security checks</a:t>
+            </a:r>
+          </a:p>
+          <a:p>
+            <a:pPr lvl="1"/>
+            <a:r>
+              <a:rPr lang="en-US" dirty="0"/>
+              <a:t>Code coverage</a:t>
+            </a:r>
+          </a:p>
+          <a:p>
+            <a:pPr lvl="1"/>
+            <a:r>
+              <a:rPr lang="en-US" dirty="0"/>
+              <a:t>Custom checks…</a:t>
+            </a:r>
+            <a:endParaRPr lang="da-DK" dirty="0"/>
+          </a:p>
+          <a:p>
+            <a:pPr lvl="1"/>
+            <a:endParaRPr lang="da-DK" dirty="0"/>
+          </a:p>
+          <a:p>
+            <a:endParaRPr lang="da-DK" dirty="0"/>
+          </a:p>
+        </p:txBody>
+      </p:sp>
+      <p:sp>
+        <p:nvSpPr>
+          <p:cNvPr id="4" name="Date Placeholder 3">
+            <a:extLst>
+              <a:ext uri="{FF2B5EF4-FFF2-40B4-BE49-F238E27FC236}">
+                <a16:creationId xmlns:a16="http://schemas.microsoft.com/office/drawing/2014/main" id="{F64724E3-9AC5-4EBD-B3E0-26B5C8052611}"/>
+              </a:ext>
+            </a:extLst>
+          </p:cNvPr>
+          <p:cNvSpPr>
+            <a:spLocks noGrp="1"/>
+          </p:cNvSpPr>
+          <p:nvPr>
+            <p:ph type="dt" sz="half" idx="10"/>
+          </p:nvPr>
+        </p:nvSpPr>
+        <p:spPr/>
+        <p:txBody>
+          <a:bodyPr/>
+          <a:lstStyle/>
+          <a:p>
+            <a:fld id="{019E29B9-5584-4737-9C98-1B926378C778}" type="datetime1">
+              <a:rPr lang="en-US" smtClean="0"/>
+              <a:t>5/18/2021</a:t>
+            </a:fld>
+            <a:endParaRPr lang="da-DK"/>
+          </a:p>
+        </p:txBody>
+      </p:sp>
+      <p:sp>
+        <p:nvSpPr>
+          <p:cNvPr id="5" name="Footer Placeholder 4">
+            <a:extLst>
+              <a:ext uri="{FF2B5EF4-FFF2-40B4-BE49-F238E27FC236}">
+                <a16:creationId xmlns:a16="http://schemas.microsoft.com/office/drawing/2014/main" id="{EDA475A1-DBB7-4C99-9A57-A337E5DF7DB6}"/>
+              </a:ext>
+            </a:extLst>
+          </p:cNvPr>
+          <p:cNvSpPr>
+            <a:spLocks noGrp="1"/>
+          </p:cNvSpPr>
+          <p:nvPr>
+            <p:ph type="ftr" sz="quarter" idx="11"/>
+          </p:nvPr>
+        </p:nvSpPr>
+        <p:spPr/>
+        <p:txBody>
+          <a:bodyPr/>
+          <a:lstStyle/>
+          <a:p>
+            <a:r>
+              <a:rPr lang="da-DK"/>
+              <a:t>Nicki Skafte Detlefsen</a:t>
+            </a:r>
+          </a:p>
+        </p:txBody>
+      </p:sp>
+      <p:sp>
+        <p:nvSpPr>
+          <p:cNvPr id="6" name="Slide Number Placeholder 5">
+            <a:extLst>
+              <a:ext uri="{FF2B5EF4-FFF2-40B4-BE49-F238E27FC236}">
+                <a16:creationId xmlns:a16="http://schemas.microsoft.com/office/drawing/2014/main" id="{BF2D4B10-61C4-4362-AFF0-40489FFBEC9F}"/>
+              </a:ext>
+            </a:extLst>
+          </p:cNvPr>
+          <p:cNvSpPr>
+            <a:spLocks noGrp="1"/>
+          </p:cNvSpPr>
+          <p:nvPr>
+            <p:ph type="sldNum" sz="quarter" idx="12"/>
+          </p:nvPr>
+        </p:nvSpPr>
+        <p:spPr/>
+        <p:txBody>
+          <a:bodyPr/>
+          <a:lstStyle/>
+          <a:p>
+            <a:fld id="{F6FEDE24-D50C-481B-A7B4-8AF13899101A}" type="slidenum">
+              <a:rPr lang="da-DK" smtClean="0"/>
+              <a:t>7</a:t>
+            </a:fld>
+            <a:endParaRPr lang="da-DK"/>
+          </a:p>
+        </p:txBody>
+      </p:sp>
+    </p:spTree>
+    <p:extLst>
+      <p:ext uri="{BB962C8B-B14F-4D97-AF65-F5344CB8AC3E}">
+        <p14:creationId xmlns:p14="http://schemas.microsoft.com/office/powerpoint/2010/main" val="1371277988"/>
+      </p:ext>
+    </p:extLst>
+  </p:cSld>
+  <p:clrMapOvr>
+    <a:masterClrMapping/>
+  </p:clrMapOvr>
+</p:sld>
+</file>
+
+<file path=ppt/slides/slide8.xml><?xml version="1.0" encoding="utf-8"?>
+<p:sld xmlns:a="http://schemas.openxmlformats.org/drawingml/2006/main" xmlns:r="http://schemas.openxmlformats.org/officeDocument/2006/relationships" xmlns:p="http://schemas.openxmlformats.org/presentationml/2006/main">
+  <p:cSld>
+    <p:spTree>
+      <p:nvGrpSpPr>
+        <p:cNvPr id="1" name=""/>
+        <p:cNvGrpSpPr/>
+        <p:nvPr/>
+      </p:nvGrpSpPr>
+      <p:grpSpPr>
+        <a:xfrm>
+          <a:off x="0" y="0"/>
+          <a:ext cx="0" cy="0"/>
+          <a:chOff x="0" y="0"/>
+          <a:chExt cx="0" cy="0"/>
+        </a:xfrm>
+      </p:grpSpPr>
+      <p:sp>
+        <p:nvSpPr>
+          <p:cNvPr id="2" name="Title 1">
+            <a:extLst>
+              <a:ext uri="{FF2B5EF4-FFF2-40B4-BE49-F238E27FC236}">
+                <a16:creationId xmlns:a16="http://schemas.microsoft.com/office/drawing/2014/main" id="{67049641-DF90-4FBF-A399-35809E687CCD}"/>
+              </a:ext>
+            </a:extLst>
+          </p:cNvPr>
+          <p:cNvSpPr>
+            <a:spLocks noGrp="1"/>
+          </p:cNvSpPr>
+          <p:nvPr>
+            <p:ph type="title"/>
+          </p:nvPr>
+        </p:nvSpPr>
+        <p:spPr/>
+        <p:txBody>
+          <a:bodyPr/>
+          <a:lstStyle/>
+          <a:p>
+            <a:r>
+              <a:rPr lang="da-DK" dirty="0"/>
+              <a:t>A small case study</a:t>
+            </a:r>
+          </a:p>
+        </p:txBody>
+      </p:sp>
+      <p:sp>
+        <p:nvSpPr>
+          <p:cNvPr id="3" name="Content Placeholder 2">
+            <a:extLst>
+              <a:ext uri="{FF2B5EF4-FFF2-40B4-BE49-F238E27FC236}">
+                <a16:creationId xmlns:a16="http://schemas.microsoft.com/office/drawing/2014/main" id="{CD751883-3B25-4EDE-8AD8-ECA4C4D69A2C}"/>
+              </a:ext>
+            </a:extLst>
+          </p:cNvPr>
+          <p:cNvSpPr>
+            <a:spLocks noGrp="1"/>
+          </p:cNvSpPr>
+          <p:nvPr>
+            <p:ph idx="1"/>
+          </p:nvPr>
+        </p:nvSpPr>
+        <p:spPr/>
+        <p:txBody>
+          <a:bodyPr/>
+          <a:lstStyle/>
+          <a:p>
+            <a:pPr marL="0" indent="0">
+              <a:buNone/>
+            </a:pPr>
+            <a:r>
+              <a:rPr lang="da-DK" dirty="0"/>
+              <a:t>All the metric in the world – now in pytorch</a:t>
+            </a:r>
+          </a:p>
+        </p:txBody>
+      </p:sp>
+      <p:sp>
+        <p:nvSpPr>
+          <p:cNvPr id="4" name="Date Placeholder 3">
+            <a:extLst>
+              <a:ext uri="{FF2B5EF4-FFF2-40B4-BE49-F238E27FC236}">
+                <a16:creationId xmlns:a16="http://schemas.microsoft.com/office/drawing/2014/main" id="{AF9CF576-91AD-4CA9-B9A8-9D4091B9ADE5}"/>
+              </a:ext>
+            </a:extLst>
+          </p:cNvPr>
+          <p:cNvSpPr>
+            <a:spLocks noGrp="1"/>
+          </p:cNvSpPr>
+          <p:nvPr>
+            <p:ph type="dt" sz="half" idx="10"/>
+          </p:nvPr>
+        </p:nvSpPr>
+        <p:spPr/>
+        <p:txBody>
+          <a:bodyPr/>
+          <a:lstStyle/>
+          <a:p>
+            <a:fld id="{019E29B9-5584-4737-9C98-1B926378C778}" type="datetime1">
+              <a:rPr lang="en-US" smtClean="0"/>
+              <a:t>5/18/2021</a:t>
+            </a:fld>
+            <a:endParaRPr lang="da-DK"/>
+          </a:p>
+        </p:txBody>
+      </p:sp>
+      <p:sp>
+        <p:nvSpPr>
+          <p:cNvPr id="5" name="Footer Placeholder 4">
+            <a:extLst>
+              <a:ext uri="{FF2B5EF4-FFF2-40B4-BE49-F238E27FC236}">
+                <a16:creationId xmlns:a16="http://schemas.microsoft.com/office/drawing/2014/main" id="{0133C9CB-AA34-45C2-9897-822134ADE207}"/>
+              </a:ext>
+            </a:extLst>
+          </p:cNvPr>
+          <p:cNvSpPr>
+            <a:spLocks noGrp="1"/>
+          </p:cNvSpPr>
+          <p:nvPr>
+            <p:ph type="ftr" sz="quarter" idx="11"/>
+          </p:nvPr>
+        </p:nvSpPr>
+        <p:spPr/>
+        <p:txBody>
+          <a:bodyPr/>
+          <a:lstStyle/>
+          <a:p>
+            <a:r>
+              <a:rPr lang="da-DK"/>
+              <a:t>Nicki Skafte Detlefsen</a:t>
+            </a:r>
+          </a:p>
+        </p:txBody>
+      </p:sp>
+      <p:sp>
+        <p:nvSpPr>
+          <p:cNvPr id="6" name="Slide Number Placeholder 5">
+            <a:extLst>
+              <a:ext uri="{FF2B5EF4-FFF2-40B4-BE49-F238E27FC236}">
+                <a16:creationId xmlns:a16="http://schemas.microsoft.com/office/drawing/2014/main" id="{E1A20C92-F3BB-4750-964E-EB033F0189AB}"/>
+              </a:ext>
+            </a:extLst>
+          </p:cNvPr>
+          <p:cNvSpPr>
+            <a:spLocks noGrp="1"/>
+          </p:cNvSpPr>
+          <p:nvPr>
+            <p:ph type="sldNum" sz="quarter" idx="12"/>
+          </p:nvPr>
+        </p:nvSpPr>
+        <p:spPr/>
+        <p:txBody>
+          <a:bodyPr/>
+          <a:lstStyle/>
+          <a:p>
+            <a:fld id="{F6FEDE24-D50C-481B-A7B4-8AF13899101A}" type="slidenum">
+              <a:rPr lang="da-DK" smtClean="0"/>
+              <a:t>8</a:t>
             </a:fld>
             <a:endParaRPr lang="da-DK"/>
           </a:p>
@@ -9622,7 +11976,7 @@
 </p:sld>
 </file>
 
-<file path=ppt/slides/slide7.xml><?xml version="1.0" encoding="utf-8"?>
+<file path=ppt/slides/slide9.xml><?xml version="1.0" encoding="utf-8"?>
 <p:sld xmlns:a="http://schemas.openxmlformats.org/drawingml/2006/main" xmlns:r="http://schemas.openxmlformats.org/officeDocument/2006/relationships" xmlns:p="http://schemas.openxmlformats.org/presentationml/2006/main">
   <p:cSld>
     <p:spTree>
@@ -9747,7 +12101,7 @@
           <a:p>
             <a:fld id="{F6FEDE24-D50C-481B-A7B4-8AF13899101A}" type="slidenum">
               <a:rPr lang="da-DK" smtClean="0"/>
-              <a:t>7</a:t>
+              <a:t>9</a:t>
             </a:fld>
             <a:endParaRPr lang="da-DK"/>
           </a:p>
@@ -10384,404 +12738,6 @@
     <p:extLst>
       <p:ext uri="{BB962C8B-B14F-4D97-AF65-F5344CB8AC3E}">
         <p14:creationId xmlns:p14="http://schemas.microsoft.com/office/powerpoint/2010/main" val="3261029281"/>
-      </p:ext>
-    </p:extLst>
-  </p:cSld>
-  <p:clrMapOvr>
-    <a:masterClrMapping/>
-  </p:clrMapOvr>
-</p:sld>
-</file>
-
-<file path=ppt/slides/slide8.xml><?xml version="1.0" encoding="utf-8"?>
-<p:sld xmlns:a="http://schemas.openxmlformats.org/drawingml/2006/main" xmlns:r="http://schemas.openxmlformats.org/officeDocument/2006/relationships" xmlns:p="http://schemas.openxmlformats.org/presentationml/2006/main">
-  <p:cSld>
-    <p:spTree>
-      <p:nvGrpSpPr>
-        <p:cNvPr id="1" name=""/>
-        <p:cNvGrpSpPr/>
-        <p:nvPr/>
-      </p:nvGrpSpPr>
-      <p:grpSpPr>
-        <a:xfrm>
-          <a:off x="0" y="0"/>
-          <a:ext cx="0" cy="0"/>
-          <a:chOff x="0" y="0"/>
-          <a:chExt cx="0" cy="0"/>
-        </a:xfrm>
-      </p:grpSpPr>
-      <p:sp>
-        <p:nvSpPr>
-          <p:cNvPr id="2" name="Title 1">
-            <a:extLst>
-              <a:ext uri="{FF2B5EF4-FFF2-40B4-BE49-F238E27FC236}">
-                <a16:creationId xmlns:a16="http://schemas.microsoft.com/office/drawing/2014/main" id="{6DFB8D77-5A0B-4B5A-9EF5-26E2A7DDD8EF}"/>
-              </a:ext>
-            </a:extLst>
-          </p:cNvPr>
-          <p:cNvSpPr>
-            <a:spLocks noGrp="1"/>
-          </p:cNvSpPr>
-          <p:nvPr>
-            <p:ph type="title"/>
-          </p:nvPr>
-        </p:nvSpPr>
-        <p:spPr/>
-        <p:txBody>
-          <a:bodyPr/>
-          <a:lstStyle/>
-          <a:p>
-            <a:r>
-              <a:rPr lang="da-DK" dirty="0"/>
-              <a:t>Source code</a:t>
-            </a:r>
-          </a:p>
-        </p:txBody>
-      </p:sp>
-      <p:sp>
-        <p:nvSpPr>
-          <p:cNvPr id="3" name="Content Placeholder 2">
-            <a:extLst>
-              <a:ext uri="{FF2B5EF4-FFF2-40B4-BE49-F238E27FC236}">
-                <a16:creationId xmlns:a16="http://schemas.microsoft.com/office/drawing/2014/main" id="{2BD812B6-4B73-4734-A1E5-9B93FBA005D2}"/>
-              </a:ext>
-            </a:extLst>
-          </p:cNvPr>
-          <p:cNvSpPr>
-            <a:spLocks noGrp="1"/>
-          </p:cNvSpPr>
-          <p:nvPr>
-            <p:ph idx="1"/>
-          </p:nvPr>
-        </p:nvSpPr>
-        <p:spPr/>
-        <p:txBody>
-          <a:bodyPr/>
-          <a:lstStyle/>
-          <a:p>
-            <a:endParaRPr lang="da-DK"/>
-          </a:p>
-        </p:txBody>
-      </p:sp>
-      <p:sp>
-        <p:nvSpPr>
-          <p:cNvPr id="4" name="Date Placeholder 3">
-            <a:extLst>
-              <a:ext uri="{FF2B5EF4-FFF2-40B4-BE49-F238E27FC236}">
-                <a16:creationId xmlns:a16="http://schemas.microsoft.com/office/drawing/2014/main" id="{11FBF938-9A1D-42F6-B40A-3B25618CDC9F}"/>
-              </a:ext>
-            </a:extLst>
-          </p:cNvPr>
-          <p:cNvSpPr>
-            <a:spLocks noGrp="1"/>
-          </p:cNvSpPr>
-          <p:nvPr>
-            <p:ph type="dt" sz="half" idx="10"/>
-          </p:nvPr>
-        </p:nvSpPr>
-        <p:spPr/>
-        <p:txBody>
-          <a:bodyPr/>
-          <a:lstStyle/>
-          <a:p>
-            <a:fld id="{019E29B9-5584-4737-9C98-1B926378C778}" type="datetime1">
-              <a:rPr lang="en-US" smtClean="0"/>
-              <a:t>5/18/2021</a:t>
-            </a:fld>
-            <a:endParaRPr lang="da-DK"/>
-          </a:p>
-        </p:txBody>
-      </p:sp>
-      <p:sp>
-        <p:nvSpPr>
-          <p:cNvPr id="5" name="Footer Placeholder 4">
-            <a:extLst>
-              <a:ext uri="{FF2B5EF4-FFF2-40B4-BE49-F238E27FC236}">
-                <a16:creationId xmlns:a16="http://schemas.microsoft.com/office/drawing/2014/main" id="{0EBF188C-E21B-46AB-8B8C-8E977C0B9AF7}"/>
-              </a:ext>
-            </a:extLst>
-          </p:cNvPr>
-          <p:cNvSpPr>
-            <a:spLocks noGrp="1"/>
-          </p:cNvSpPr>
-          <p:nvPr>
-            <p:ph type="ftr" sz="quarter" idx="11"/>
-          </p:nvPr>
-        </p:nvSpPr>
-        <p:spPr/>
-        <p:txBody>
-          <a:bodyPr/>
-          <a:lstStyle/>
-          <a:p>
-            <a:r>
-              <a:rPr lang="da-DK"/>
-              <a:t>Nicki Skafte Detlefsen</a:t>
-            </a:r>
-          </a:p>
-        </p:txBody>
-      </p:sp>
-      <p:sp>
-        <p:nvSpPr>
-          <p:cNvPr id="6" name="Slide Number Placeholder 5">
-            <a:extLst>
-              <a:ext uri="{FF2B5EF4-FFF2-40B4-BE49-F238E27FC236}">
-                <a16:creationId xmlns:a16="http://schemas.microsoft.com/office/drawing/2014/main" id="{80A91D58-E219-4AAD-8A61-951F269A4E64}"/>
-              </a:ext>
-            </a:extLst>
-          </p:cNvPr>
-          <p:cNvSpPr>
-            <a:spLocks noGrp="1"/>
-          </p:cNvSpPr>
-          <p:nvPr>
-            <p:ph type="sldNum" sz="quarter" idx="12"/>
-          </p:nvPr>
-        </p:nvSpPr>
-        <p:spPr/>
-        <p:txBody>
-          <a:bodyPr/>
-          <a:lstStyle/>
-          <a:p>
-            <a:fld id="{F6FEDE24-D50C-481B-A7B4-8AF13899101A}" type="slidenum">
-              <a:rPr lang="da-DK" smtClean="0"/>
-              <a:t>8</a:t>
-            </a:fld>
-            <a:endParaRPr lang="da-DK"/>
-          </a:p>
-        </p:txBody>
-      </p:sp>
-      <p:pic>
-        <p:nvPicPr>
-          <p:cNvPr id="8" name="Picture 7">
-            <a:extLst>
-              <a:ext uri="{FF2B5EF4-FFF2-40B4-BE49-F238E27FC236}">
-                <a16:creationId xmlns:a16="http://schemas.microsoft.com/office/drawing/2014/main" id="{94735927-D016-466F-9EDF-E4C2D22EFD7A}"/>
-              </a:ext>
-            </a:extLst>
-          </p:cNvPr>
-          <p:cNvPicPr>
-            <a:picLocks noChangeAspect="1"/>
-          </p:cNvPicPr>
-          <p:nvPr/>
-        </p:nvPicPr>
-        <p:blipFill>
-          <a:blip r:embed="rId2"/>
-          <a:stretch>
-            <a:fillRect/>
-          </a:stretch>
-        </p:blipFill>
-        <p:spPr>
-          <a:xfrm>
-            <a:off x="954248" y="971515"/>
-            <a:ext cx="10003583" cy="5205448"/>
-          </a:xfrm>
-          <a:prstGeom prst="rect">
-            <a:avLst/>
-          </a:prstGeom>
-        </p:spPr>
-      </p:pic>
-    </p:spTree>
-    <p:extLst>
-      <p:ext uri="{BB962C8B-B14F-4D97-AF65-F5344CB8AC3E}">
-        <p14:creationId xmlns:p14="http://schemas.microsoft.com/office/powerpoint/2010/main" val="3336392243"/>
-      </p:ext>
-    </p:extLst>
-  </p:cSld>
-  <p:clrMapOvr>
-    <a:masterClrMapping/>
-  </p:clrMapOvr>
-</p:sld>
-</file>
-
-<file path=ppt/slides/slide9.xml><?xml version="1.0" encoding="utf-8"?>
-<p:sld xmlns:a="http://schemas.openxmlformats.org/drawingml/2006/main" xmlns:r="http://schemas.openxmlformats.org/officeDocument/2006/relationships" xmlns:p="http://schemas.openxmlformats.org/presentationml/2006/main">
-  <p:cSld>
-    <p:spTree>
-      <p:nvGrpSpPr>
-        <p:cNvPr id="1" name=""/>
-        <p:cNvGrpSpPr/>
-        <p:nvPr/>
-      </p:nvGrpSpPr>
-      <p:grpSpPr>
-        <a:xfrm>
-          <a:off x="0" y="0"/>
-          <a:ext cx="0" cy="0"/>
-          <a:chOff x="0" y="0"/>
-          <a:chExt cx="0" cy="0"/>
-        </a:xfrm>
-      </p:grpSpPr>
-      <p:sp>
-        <p:nvSpPr>
-          <p:cNvPr id="2" name="Title 1">
-            <a:extLst>
-              <a:ext uri="{FF2B5EF4-FFF2-40B4-BE49-F238E27FC236}">
-                <a16:creationId xmlns:a16="http://schemas.microsoft.com/office/drawing/2014/main" id="{72A99F2D-34C5-4894-8331-BB298EB0738F}"/>
-              </a:ext>
-            </a:extLst>
-          </p:cNvPr>
-          <p:cNvSpPr>
-            <a:spLocks noGrp="1"/>
-          </p:cNvSpPr>
-          <p:nvPr>
-            <p:ph type="title"/>
-          </p:nvPr>
-        </p:nvSpPr>
-        <p:spPr/>
-        <p:txBody>
-          <a:bodyPr/>
-          <a:lstStyle/>
-          <a:p>
-            <a:r>
-              <a:rPr lang="da-DK" dirty="0"/>
-              <a:t>Test code</a:t>
-            </a:r>
-          </a:p>
-        </p:txBody>
-      </p:sp>
-      <p:sp>
-        <p:nvSpPr>
-          <p:cNvPr id="3" name="Content Placeholder 2">
-            <a:extLst>
-              <a:ext uri="{FF2B5EF4-FFF2-40B4-BE49-F238E27FC236}">
-                <a16:creationId xmlns:a16="http://schemas.microsoft.com/office/drawing/2014/main" id="{787E04AA-DBB8-4D97-BDAF-B12429A53C52}"/>
-              </a:ext>
-            </a:extLst>
-          </p:cNvPr>
-          <p:cNvSpPr>
-            <a:spLocks noGrp="1"/>
-          </p:cNvSpPr>
-          <p:nvPr>
-            <p:ph idx="1"/>
-          </p:nvPr>
-        </p:nvSpPr>
-        <p:spPr/>
-        <p:txBody>
-          <a:bodyPr/>
-          <a:lstStyle/>
-          <a:p>
-            <a:endParaRPr lang="da-DK"/>
-          </a:p>
-        </p:txBody>
-      </p:sp>
-      <p:sp>
-        <p:nvSpPr>
-          <p:cNvPr id="4" name="Date Placeholder 3">
-            <a:extLst>
-              <a:ext uri="{FF2B5EF4-FFF2-40B4-BE49-F238E27FC236}">
-                <a16:creationId xmlns:a16="http://schemas.microsoft.com/office/drawing/2014/main" id="{8468B5AB-D9D5-41F3-A2AD-73B678D1198E}"/>
-              </a:ext>
-            </a:extLst>
-          </p:cNvPr>
-          <p:cNvSpPr>
-            <a:spLocks noGrp="1"/>
-          </p:cNvSpPr>
-          <p:nvPr>
-            <p:ph type="dt" sz="half" idx="10"/>
-          </p:nvPr>
-        </p:nvSpPr>
-        <p:spPr/>
-        <p:txBody>
-          <a:bodyPr/>
-          <a:lstStyle/>
-          <a:p>
-            <a:fld id="{019E29B9-5584-4737-9C98-1B926378C778}" type="datetime1">
-              <a:rPr lang="en-US" smtClean="0"/>
-              <a:t>5/18/2021</a:t>
-            </a:fld>
-            <a:endParaRPr lang="da-DK"/>
-          </a:p>
-        </p:txBody>
-      </p:sp>
-      <p:sp>
-        <p:nvSpPr>
-          <p:cNvPr id="5" name="Footer Placeholder 4">
-            <a:extLst>
-              <a:ext uri="{FF2B5EF4-FFF2-40B4-BE49-F238E27FC236}">
-                <a16:creationId xmlns:a16="http://schemas.microsoft.com/office/drawing/2014/main" id="{B21D8B5C-F956-48C9-812A-F8F305664253}"/>
-              </a:ext>
-            </a:extLst>
-          </p:cNvPr>
-          <p:cNvSpPr>
-            <a:spLocks noGrp="1"/>
-          </p:cNvSpPr>
-          <p:nvPr>
-            <p:ph type="ftr" sz="quarter" idx="11"/>
-          </p:nvPr>
-        </p:nvSpPr>
-        <p:spPr/>
-        <p:txBody>
-          <a:bodyPr/>
-          <a:lstStyle/>
-          <a:p>
-            <a:r>
-              <a:rPr lang="da-DK"/>
-              <a:t>Nicki Skafte Detlefsen</a:t>
-            </a:r>
-          </a:p>
-        </p:txBody>
-      </p:sp>
-      <p:sp>
-        <p:nvSpPr>
-          <p:cNvPr id="6" name="Slide Number Placeholder 5">
-            <a:extLst>
-              <a:ext uri="{FF2B5EF4-FFF2-40B4-BE49-F238E27FC236}">
-                <a16:creationId xmlns:a16="http://schemas.microsoft.com/office/drawing/2014/main" id="{6B8EB881-6CAB-4280-94E1-1CD4E7D6D257}"/>
-              </a:ext>
-            </a:extLst>
-          </p:cNvPr>
-          <p:cNvSpPr>
-            <a:spLocks noGrp="1"/>
-          </p:cNvSpPr>
-          <p:nvPr>
-            <p:ph type="sldNum" sz="quarter" idx="12"/>
-          </p:nvPr>
-        </p:nvSpPr>
-        <p:spPr/>
-        <p:txBody>
-          <a:bodyPr/>
-          <a:lstStyle/>
-          <a:p>
-            <a:fld id="{F6FEDE24-D50C-481B-A7B4-8AF13899101A}" type="slidenum">
-              <a:rPr lang="da-DK" smtClean="0"/>
-              <a:t>9</a:t>
-            </a:fld>
-            <a:endParaRPr lang="da-DK"/>
-          </a:p>
-        </p:txBody>
-      </p:sp>
-      <p:pic>
-        <p:nvPicPr>
-          <p:cNvPr id="8" name="Picture 7">
-            <a:extLst>
-              <a:ext uri="{FF2B5EF4-FFF2-40B4-BE49-F238E27FC236}">
-                <a16:creationId xmlns:a16="http://schemas.microsoft.com/office/drawing/2014/main" id="{709F95A4-D247-4411-B824-AEAFC0612422}"/>
-              </a:ext>
-            </a:extLst>
-          </p:cNvPr>
-          <p:cNvPicPr>
-            <a:picLocks noChangeAspect="1"/>
-          </p:cNvPicPr>
-          <p:nvPr/>
-        </p:nvPicPr>
-        <p:blipFill>
-          <a:blip r:embed="rId2"/>
-          <a:stretch>
-            <a:fillRect/>
-          </a:stretch>
-        </p:blipFill>
-        <p:spPr>
-          <a:xfrm>
-            <a:off x="799614" y="1986511"/>
-            <a:ext cx="10592772" cy="4190452"/>
-          </a:xfrm>
-          <a:prstGeom prst="rect">
-            <a:avLst/>
-          </a:prstGeom>
-        </p:spPr>
-      </p:pic>
-    </p:spTree>
-    <p:extLst>
-      <p:ext uri="{BB962C8B-B14F-4D97-AF65-F5344CB8AC3E}">
-        <p14:creationId xmlns:p14="http://schemas.microsoft.com/office/powerpoint/2010/main" val="807144486"/>
       </p:ext>
     </p:extLst>
   </p:cSld>

--- a/04_continues_integration/ci.pptx
+++ b/04_continues_integration/ci.pptx
@@ -5,32 +5,35 @@
     <p:sldMasterId id="2147483648" r:id="rId1"/>
   </p:sldMasterIdLst>
   <p:notesMasterIdLst>
-    <p:notesMasterId r:id="rId22"/>
+    <p:notesMasterId r:id="rId25"/>
   </p:notesMasterIdLst>
   <p:handoutMasterIdLst>
-    <p:handoutMasterId r:id="rId23"/>
+    <p:handoutMasterId r:id="rId26"/>
   </p:handoutMasterIdLst>
   <p:sldIdLst>
     <p:sldId id="256" r:id="rId2"/>
     <p:sldId id="257" r:id="rId3"/>
     <p:sldId id="258" r:id="rId4"/>
-    <p:sldId id="259" r:id="rId5"/>
-    <p:sldId id="271" r:id="rId6"/>
-    <p:sldId id="272" r:id="rId7"/>
-    <p:sldId id="260" r:id="rId8"/>
-    <p:sldId id="261" r:id="rId9"/>
-    <p:sldId id="262" r:id="rId10"/>
-    <p:sldId id="265" r:id="rId11"/>
-    <p:sldId id="266" r:id="rId12"/>
-    <p:sldId id="268" r:id="rId13"/>
-    <p:sldId id="267" r:id="rId14"/>
-    <p:sldId id="269" r:id="rId15"/>
-    <p:sldId id="270" r:id="rId16"/>
-    <p:sldId id="274" r:id="rId17"/>
-    <p:sldId id="275" r:id="rId18"/>
-    <p:sldId id="273" r:id="rId19"/>
-    <p:sldId id="263" r:id="rId20"/>
-    <p:sldId id="264" r:id="rId21"/>
+    <p:sldId id="276" r:id="rId5"/>
+    <p:sldId id="261" r:id="rId6"/>
+    <p:sldId id="259" r:id="rId7"/>
+    <p:sldId id="271" r:id="rId8"/>
+    <p:sldId id="272" r:id="rId9"/>
+    <p:sldId id="260" r:id="rId10"/>
+    <p:sldId id="262" r:id="rId11"/>
+    <p:sldId id="265" r:id="rId12"/>
+    <p:sldId id="266" r:id="rId13"/>
+    <p:sldId id="268" r:id="rId14"/>
+    <p:sldId id="267" r:id="rId15"/>
+    <p:sldId id="269" r:id="rId16"/>
+    <p:sldId id="277" r:id="rId17"/>
+    <p:sldId id="278" r:id="rId18"/>
+    <p:sldId id="270" r:id="rId19"/>
+    <p:sldId id="274" r:id="rId20"/>
+    <p:sldId id="275" r:id="rId21"/>
+    <p:sldId id="273" r:id="rId22"/>
+    <p:sldId id="263" r:id="rId23"/>
+    <p:sldId id="264" r:id="rId24"/>
   </p:sldIdLst>
   <p:sldSz cx="12192000" cy="6858000"/>
   <p:notesSz cx="6858000" cy="9144000"/>
@@ -1116,8 +1119,8 @@
       </dsp:nvSpPr>
       <dsp:spPr>
         <a:xfrm>
-          <a:off x="661977" y="210479"/>
-          <a:ext cx="880484" cy="880484"/>
+          <a:off x="1031314" y="687"/>
+          <a:ext cx="1308691" cy="1308691"/>
         </a:xfrm>
         <a:prstGeom prst="ellipse">
           <a:avLst/>
@@ -1159,12 +1162,12 @@
         </a:fontRef>
       </dsp:style>
       <dsp:txBody>
-        <a:bodyPr spcFirstLastPara="0" vert="horz" wrap="square" lIns="15240" tIns="15240" rIns="15240" bIns="15240" numCol="1" spcCol="1270" anchor="ctr" anchorCtr="0">
+        <a:bodyPr spcFirstLastPara="0" vert="horz" wrap="square" lIns="22860" tIns="22860" rIns="22860" bIns="22860" numCol="1" spcCol="1270" anchor="ctr" anchorCtr="0">
           <a:noAutofit/>
         </a:bodyPr>
         <a:lstStyle/>
         <a:p>
-          <a:pPr marL="0" lvl="0" indent="0" algn="ctr" defTabSz="533400">
+          <a:pPr marL="0" lvl="0" indent="0" algn="ctr" defTabSz="800100">
             <a:lnSpc>
               <a:spcPct val="90000"/>
             </a:lnSpc>
@@ -1177,14 +1180,14 @@
             <a:buNone/>
           </a:pPr>
           <a:r>
-            <a:rPr lang="da-DK" sz="1200" kern="1200" dirty="0"/>
+            <a:rPr lang="da-DK" sz="1800" kern="1200" dirty="0"/>
             <a:t>Create someting</a:t>
           </a:r>
         </a:p>
       </dsp:txBody>
       <dsp:txXfrm>
-        <a:off x="790921" y="339423"/>
-        <a:ext cx="622596" cy="622596"/>
+        <a:off x="1222967" y="192340"/>
+        <a:ext cx="925385" cy="925385"/>
       </dsp:txXfrm>
     </dsp:sp>
     <dsp:sp modelId="{EA537E59-0A30-4170-9695-F6563DA45A56}">
@@ -1194,8 +1197,8 @@
       </dsp:nvSpPr>
       <dsp:spPr>
         <a:xfrm rot="3600000">
-          <a:off x="1312384" y="1069258"/>
-          <a:ext cx="234522" cy="297163"/>
+          <a:off x="1998093" y="1276028"/>
+          <a:ext cx="347202" cy="441683"/>
         </a:xfrm>
         <a:prstGeom prst="rightArrow">
           <a:avLst>
@@ -1237,7 +1240,7 @@
         </a:bodyPr>
         <a:lstStyle/>
         <a:p>
-          <a:pPr marL="0" lvl="0" indent="0" algn="ctr" defTabSz="444500">
+          <a:pPr marL="0" lvl="0" indent="0" algn="ctr" defTabSz="666750">
             <a:lnSpc>
               <a:spcPct val="90000"/>
             </a:lnSpc>
@@ -1249,12 +1252,12 @@
             </a:spcAft>
             <a:buNone/>
           </a:pPr>
-          <a:endParaRPr lang="da-DK" sz="1000" kern="1200"/>
+          <a:endParaRPr lang="da-DK" sz="1500" kern="1200"/>
         </a:p>
       </dsp:txBody>
       <dsp:txXfrm>
-        <a:off x="1329973" y="1098226"/>
-        <a:ext cx="164165" cy="178297"/>
+        <a:off x="2024133" y="1319262"/>
+        <a:ext cx="243041" cy="265009"/>
       </dsp:txXfrm>
     </dsp:sp>
     <dsp:sp modelId="{0C798C6E-1AE4-49D3-B68E-1F1C3FF12FAC}">
@@ -1264,8 +1267,8 @@
       </dsp:nvSpPr>
       <dsp:spPr>
         <a:xfrm>
-          <a:off x="1323467" y="1356213"/>
-          <a:ext cx="880484" cy="880484"/>
+          <a:off x="2013210" y="1701380"/>
+          <a:ext cx="1308691" cy="1308691"/>
         </a:xfrm>
         <a:prstGeom prst="ellipse">
           <a:avLst/>
@@ -1307,12 +1310,12 @@
         </a:fontRef>
       </dsp:style>
       <dsp:txBody>
-        <a:bodyPr spcFirstLastPara="0" vert="horz" wrap="square" lIns="15240" tIns="15240" rIns="15240" bIns="15240" numCol="1" spcCol="1270" anchor="ctr" anchorCtr="0">
+        <a:bodyPr spcFirstLastPara="0" vert="horz" wrap="square" lIns="22860" tIns="22860" rIns="22860" bIns="22860" numCol="1" spcCol="1270" anchor="ctr" anchorCtr="0">
           <a:noAutofit/>
         </a:bodyPr>
         <a:lstStyle/>
         <a:p>
-          <a:pPr marL="0" lvl="0" indent="0" algn="ctr" defTabSz="533400">
+          <a:pPr marL="0" lvl="0" indent="0" algn="ctr" defTabSz="800100">
             <a:lnSpc>
               <a:spcPct val="90000"/>
             </a:lnSpc>
@@ -1325,14 +1328,14 @@
             <a:buNone/>
           </a:pPr>
           <a:r>
-            <a:rPr lang="da-DK" sz="1200" kern="1200" dirty="0"/>
+            <a:rPr lang="da-DK" sz="1800" kern="1200" dirty="0"/>
             <a:t>Break it</a:t>
           </a:r>
         </a:p>
       </dsp:txBody>
       <dsp:txXfrm>
-        <a:off x="1452411" y="1485157"/>
-        <a:ext cx="622596" cy="622596"/>
+        <a:off x="2204863" y="1893033"/>
+        <a:ext cx="925385" cy="925385"/>
       </dsp:txXfrm>
     </dsp:sp>
     <dsp:sp modelId="{A70B3B02-56CD-4C7C-8D41-66903E4FFA0F}">
@@ -1341,9 +1344,9 @@
         <dsp:cNvSpPr/>
       </dsp:nvSpPr>
       <dsp:spPr>
-        <a:xfrm rot="10761683">
-          <a:off x="991209" y="1655175"/>
-          <a:ext cx="234824" cy="297163"/>
+        <a:xfrm rot="10798802">
+          <a:off x="1514899" y="2135225"/>
+          <a:ext cx="352139" cy="441683"/>
         </a:xfrm>
         <a:prstGeom prst="rightArrow">
           <a:avLst>
@@ -1385,7 +1388,7 @@
         </a:bodyPr>
         <a:lstStyle/>
         <a:p>
-          <a:pPr marL="0" lvl="0" indent="0" algn="ctr" defTabSz="444500">
+          <a:pPr marL="0" lvl="0" indent="0" algn="ctr" defTabSz="666750">
             <a:lnSpc>
               <a:spcPct val="90000"/>
             </a:lnSpc>
@@ -1397,12 +1400,12 @@
             </a:spcAft>
             <a:buNone/>
           </a:pPr>
-          <a:endParaRPr lang="da-DK" sz="1000" kern="1200"/>
+          <a:endParaRPr lang="da-DK" sz="1500" kern="1200"/>
         </a:p>
       </dsp:txBody>
       <dsp:txXfrm rot="10800000">
-        <a:off x="1061654" y="1714215"/>
-        <a:ext cx="164377" cy="178297"/>
+        <a:off x="1620541" y="2223544"/>
+        <a:ext cx="246497" cy="265009"/>
       </dsp:txXfrm>
     </dsp:sp>
     <dsp:sp modelId="{550E017D-997B-459A-8995-186DE329E389}">
@@ -1412,8 +1415,8 @@
       </dsp:nvSpPr>
       <dsp:spPr>
         <a:xfrm>
-          <a:off x="0" y="1370965"/>
-          <a:ext cx="880484" cy="880484"/>
+          <a:off x="40104" y="1702068"/>
+          <a:ext cx="1308691" cy="1308691"/>
         </a:xfrm>
         <a:prstGeom prst="ellipse">
           <a:avLst/>
@@ -1455,12 +1458,12 @@
         </a:fontRef>
       </dsp:style>
       <dsp:txBody>
-        <a:bodyPr spcFirstLastPara="0" vert="horz" wrap="square" lIns="15240" tIns="15240" rIns="15240" bIns="15240" numCol="1" spcCol="1270" anchor="ctr" anchorCtr="0">
+        <a:bodyPr spcFirstLastPara="0" vert="horz" wrap="square" lIns="22860" tIns="22860" rIns="22860" bIns="22860" numCol="1" spcCol="1270" anchor="ctr" anchorCtr="0">
           <a:noAutofit/>
         </a:bodyPr>
         <a:lstStyle/>
         <a:p>
-          <a:pPr marL="0" lvl="0" indent="0" algn="ctr" defTabSz="533400">
+          <a:pPr marL="0" lvl="0" indent="0" algn="ctr" defTabSz="800100">
             <a:lnSpc>
               <a:spcPct val="90000"/>
             </a:lnSpc>
@@ -1473,14 +1476,14 @@
             <a:buNone/>
           </a:pPr>
           <a:r>
-            <a:rPr lang="da-DK" sz="1200" kern="1200" dirty="0"/>
+            <a:rPr lang="da-DK" sz="1800" kern="1200" dirty="0"/>
             <a:t>Fix it</a:t>
           </a:r>
         </a:p>
       </dsp:txBody>
       <dsp:txXfrm>
-        <a:off x="128944" y="1499909"/>
-        <a:ext cx="622596" cy="622596"/>
+        <a:off x="231757" y="1893721"/>
+        <a:ext cx="925385" cy="925385"/>
       </dsp:txXfrm>
     </dsp:sp>
     <dsp:sp modelId="{C4FDE06D-CD04-4691-82BC-320D44286198}">
@@ -1489,9 +1492,9 @@
         <dsp:cNvSpPr/>
       </dsp:nvSpPr>
       <dsp:spPr>
-        <a:xfrm rot="17982107">
-          <a:off x="647129" y="1088318"/>
-          <a:ext cx="241432" cy="297163"/>
+        <a:xfrm rot="18013484">
+          <a:off x="1010071" y="1293441"/>
+          <a:ext cx="349994" cy="441683"/>
         </a:xfrm>
         <a:prstGeom prst="rightArrow">
           <a:avLst>
@@ -1533,7 +1536,7 @@
         </a:bodyPr>
         <a:lstStyle/>
         <a:p>
-          <a:pPr marL="0" lvl="0" indent="0" algn="ctr" defTabSz="444500">
+          <a:pPr marL="0" lvl="0" indent="0" algn="ctr" defTabSz="666750">
             <a:lnSpc>
               <a:spcPct val="90000"/>
             </a:lnSpc>
@@ -1545,12 +1548,12 @@
             </a:spcAft>
             <a:buNone/>
           </a:pPr>
-          <a:endParaRPr lang="da-DK" sz="1000" kern="1200"/>
+          <a:endParaRPr lang="da-DK" sz="1500" kern="1200"/>
         </a:p>
       </dsp:txBody>
       <dsp:txXfrm>
-        <a:off x="665400" y="1179208"/>
-        <a:ext cx="169002" cy="178297"/>
+        <a:off x="1036142" y="1427140"/>
+        <a:ext cx="244996" cy="265009"/>
       </dsp:txXfrm>
     </dsp:sp>
   </dsp:spTree>
@@ -2896,7 +2899,7 @@
           <a:p>
             <a:fld id="{D75CAE95-D2DD-4998-876A-092BFD628C65}" type="datetimeFigureOut">
               <a:rPr lang="da-DK" smtClean="0"/>
-              <a:t>18-05-2021</a:t>
+              <a:t>19-05-2021</a:t>
             </a:fld>
             <a:endParaRPr lang="da-DK"/>
           </a:p>
@@ -3074,7 +3077,7 @@
           <a:p>
             <a:fld id="{1DA8E099-58AA-4136-B409-1CAD1943D842}" type="datetimeFigureOut">
               <a:rPr lang="da-DK" smtClean="0"/>
-              <a:t>18-05-2021</a:t>
+              <a:t>19-05-2021</a:t>
             </a:fld>
             <a:endParaRPr lang="da-DK"/>
           </a:p>
@@ -3492,7 +3495,7 @@
           <a:p>
             <a:fld id="{C85334AD-9960-4065-BF34-86ED0345A76D}" type="datetime1">
               <a:rPr lang="en-US" smtClean="0"/>
-              <a:t>5/18/2021</a:t>
+              <a:t>5/19/2021</a:t>
             </a:fld>
             <a:endParaRPr lang="da-DK"/>
           </a:p>
@@ -3731,7 +3734,7 @@
           <a:p>
             <a:fld id="{C5669758-3775-48D7-A841-693E908C3BF4}" type="datetime1">
               <a:rPr lang="en-US" smtClean="0"/>
-              <a:t>5/18/2021</a:t>
+              <a:t>5/19/2021</a:t>
             </a:fld>
             <a:endParaRPr lang="da-DK"/>
           </a:p>
@@ -3944,7 +3947,7 @@
           <a:p>
             <a:fld id="{1E0C3FF1-EDBD-4F2A-8366-34A4E3728310}" type="datetime1">
               <a:rPr lang="en-US" smtClean="0"/>
-              <a:t>5/18/2021</a:t>
+              <a:t>5/19/2021</a:t>
             </a:fld>
             <a:endParaRPr lang="da-DK"/>
           </a:p>
@@ -4165,7 +4168,7 @@
           <a:p>
             <a:fld id="{019E29B9-5584-4737-9C98-1B926378C778}" type="datetime1">
               <a:rPr lang="en-US" smtClean="0"/>
-              <a:t>5/18/2021</a:t>
+              <a:t>5/19/2021</a:t>
             </a:fld>
             <a:endParaRPr lang="da-DK"/>
           </a:p>
@@ -4480,7 +4483,7 @@
           <a:p>
             <a:fld id="{FCE38F03-F67D-4508-A858-99FCD085087C}" type="datetime1">
               <a:rPr lang="en-US" smtClean="0"/>
-              <a:t>5/18/2021</a:t>
+              <a:t>5/19/2021</a:t>
             </a:fld>
             <a:endParaRPr lang="da-DK"/>
           </a:p>
@@ -4751,7 +4754,7 @@
           <a:p>
             <a:fld id="{B43F2930-3FFD-4F93-A4BD-4F0D1A0B4514}" type="datetime1">
               <a:rPr lang="en-US" smtClean="0"/>
-              <a:t>5/18/2021</a:t>
+              <a:t>5/19/2021</a:t>
             </a:fld>
             <a:endParaRPr lang="da-DK"/>
           </a:p>
@@ -5169,7 +5172,7 @@
           <a:p>
             <a:fld id="{8E0F9B9B-30CC-4693-8E0F-1A94A979E2C5}" type="datetime1">
               <a:rPr lang="en-US" smtClean="0"/>
-              <a:t>5/18/2021</a:t>
+              <a:t>5/19/2021</a:t>
             </a:fld>
             <a:endParaRPr lang="da-DK"/>
           </a:p>
@@ -5314,7 +5317,7 @@
           <a:p>
             <a:fld id="{6FE1433B-E6A7-44FF-8B55-539471B4D7C5}" type="datetime1">
               <a:rPr lang="en-US" smtClean="0"/>
-              <a:t>5/18/2021</a:t>
+              <a:t>5/19/2021</a:t>
             </a:fld>
             <a:endParaRPr lang="da-DK"/>
           </a:p>
@@ -5430,7 +5433,7 @@
           <a:p>
             <a:fld id="{624F4001-6A8C-42DA-824F-B5CC1375B861}" type="datetime1">
               <a:rPr lang="en-US" smtClean="0"/>
-              <a:t>5/18/2021</a:t>
+              <a:t>5/19/2021</a:t>
             </a:fld>
             <a:endParaRPr lang="da-DK"/>
           </a:p>
@@ -5746,7 +5749,7 @@
           <a:p>
             <a:fld id="{2D3BE137-2C5E-4078-8BA2-7D42D7E67218}" type="datetime1">
               <a:rPr lang="en-US" smtClean="0"/>
-              <a:t>5/18/2021</a:t>
+              <a:t>5/19/2021</a:t>
             </a:fld>
             <a:endParaRPr lang="da-DK"/>
           </a:p>
@@ -6038,7 +6041,7 @@
           <a:p>
             <a:fld id="{0D1436FF-56D3-4E93-92E8-71121EAB120E}" type="datetime1">
               <a:rPr lang="en-US" smtClean="0"/>
-              <a:t>5/18/2021</a:t>
+              <a:t>5/19/2021</a:t>
             </a:fld>
             <a:endParaRPr lang="da-DK"/>
           </a:p>
@@ -6284,7 +6287,7 @@
           <a:p>
             <a:fld id="{16601EF2-4BCA-4009-ACCF-B97F259DEF6F}" type="datetime1">
               <a:rPr lang="en-US" smtClean="0"/>
-              <a:t>5/18/2021</a:t>
+              <a:t>5/19/2021</a:t>
             </a:fld>
             <a:endParaRPr lang="da-DK"/>
           </a:p>
@@ -6828,7 +6831,7 @@
           <p:cNvPr id="2" name="Title 1">
             <a:extLst>
               <a:ext uri="{FF2B5EF4-FFF2-40B4-BE49-F238E27FC236}">
-                <a16:creationId xmlns:a16="http://schemas.microsoft.com/office/drawing/2014/main" id="{6DFB8D77-5A0B-4B5A-9EF5-26E2A7DDD8EF}"/>
+                <a16:creationId xmlns:a16="http://schemas.microsoft.com/office/drawing/2014/main" id="{42BD83D9-ACD6-40F8-94DA-694874182CBA}"/>
               </a:ext>
             </a:extLst>
           </p:cNvPr>
@@ -6846,33 +6849,8 @@
           <a:p>
             <a:r>
               <a:rPr lang="da-DK" dirty="0"/>
-              <a:t>Source code</a:t>
-            </a:r>
-          </a:p>
-        </p:txBody>
-      </p:sp>
-      <p:sp>
-        <p:nvSpPr>
-          <p:cNvPr id="3" name="Content Placeholder 2">
-            <a:extLst>
-              <a:ext uri="{FF2B5EF4-FFF2-40B4-BE49-F238E27FC236}">
-                <a16:creationId xmlns:a16="http://schemas.microsoft.com/office/drawing/2014/main" id="{2BD812B6-4B73-4734-A1E5-9B93FBA005D2}"/>
-              </a:ext>
-            </a:extLst>
-          </p:cNvPr>
-          <p:cNvSpPr>
-            <a:spLocks noGrp="1"/>
-          </p:cNvSpPr>
-          <p:nvPr>
-            <p:ph idx="1"/>
-          </p:nvPr>
-        </p:nvSpPr>
-        <p:spPr/>
-        <p:txBody>
-          <a:bodyPr/>
-          <a:lstStyle/>
-          <a:p>
-            <a:endParaRPr lang="da-DK"/>
+              <a:t>A small casestudy</a:t>
+            </a:r>
           </a:p>
         </p:txBody>
       </p:sp>
@@ -6881,7 +6859,7 @@
           <p:cNvPr id="4" name="Date Placeholder 3">
             <a:extLst>
               <a:ext uri="{FF2B5EF4-FFF2-40B4-BE49-F238E27FC236}">
-                <a16:creationId xmlns:a16="http://schemas.microsoft.com/office/drawing/2014/main" id="{11FBF938-9A1D-42F6-B40A-3B25618CDC9F}"/>
+                <a16:creationId xmlns:a16="http://schemas.microsoft.com/office/drawing/2014/main" id="{4EFC4E96-D115-40E0-9B32-3B93EE25DBB3}"/>
               </a:ext>
             </a:extLst>
           </p:cNvPr>
@@ -6899,7 +6877,7 @@
           <a:p>
             <a:fld id="{019E29B9-5584-4737-9C98-1B926378C778}" type="datetime1">
               <a:rPr lang="en-US" smtClean="0"/>
-              <a:t>5/18/2021</a:t>
+              <a:t>5/19/2021</a:t>
             </a:fld>
             <a:endParaRPr lang="da-DK"/>
           </a:p>
@@ -6910,7 +6888,7 @@
           <p:cNvPr id="5" name="Footer Placeholder 4">
             <a:extLst>
               <a:ext uri="{FF2B5EF4-FFF2-40B4-BE49-F238E27FC236}">
-                <a16:creationId xmlns:a16="http://schemas.microsoft.com/office/drawing/2014/main" id="{0EBF188C-E21B-46AB-8B8C-8E977C0B9AF7}"/>
+                <a16:creationId xmlns:a16="http://schemas.microsoft.com/office/drawing/2014/main" id="{28C103F0-AAA6-4EC7-B82A-B7D82AABC470}"/>
               </a:ext>
             </a:extLst>
           </p:cNvPr>
@@ -6938,7 +6916,7 @@
           <p:cNvPr id="6" name="Slide Number Placeholder 5">
             <a:extLst>
               <a:ext uri="{FF2B5EF4-FFF2-40B4-BE49-F238E27FC236}">
-                <a16:creationId xmlns:a16="http://schemas.microsoft.com/office/drawing/2014/main" id="{80A91D58-E219-4AAD-8A61-951F269A4E64}"/>
+                <a16:creationId xmlns:a16="http://schemas.microsoft.com/office/drawing/2014/main" id="{BA8F9E9A-B2F5-47B1-BD79-92AE09DBCCC7}"/>
               </a:ext>
             </a:extLst>
           </p:cNvPr>
@@ -6957,6 +6935,802 @@
             <a:fld id="{F6FEDE24-D50C-481B-A7B4-8AF13899101A}" type="slidenum">
               <a:rPr lang="da-DK" smtClean="0"/>
               <a:t>10</a:t>
+            </a:fld>
+            <a:endParaRPr lang="da-DK"/>
+          </a:p>
+        </p:txBody>
+      </p:sp>
+      <p:pic>
+        <p:nvPicPr>
+          <p:cNvPr id="10" name="Picture 9">
+            <a:extLst>
+              <a:ext uri="{FF2B5EF4-FFF2-40B4-BE49-F238E27FC236}">
+                <a16:creationId xmlns:a16="http://schemas.microsoft.com/office/drawing/2014/main" id="{6AEC83F5-559F-4D08-A965-5DBDFC32859D}"/>
+              </a:ext>
+            </a:extLst>
+          </p:cNvPr>
+          <p:cNvPicPr>
+            <a:picLocks noChangeAspect="1"/>
+          </p:cNvPicPr>
+          <p:nvPr/>
+        </p:nvPicPr>
+        <p:blipFill>
+          <a:blip r:embed="rId2"/>
+          <a:stretch>
+            <a:fillRect/>
+          </a:stretch>
+        </p:blipFill>
+        <p:spPr>
+          <a:xfrm>
+            <a:off x="8803930" y="894498"/>
+            <a:ext cx="1922804" cy="5731574"/>
+          </a:xfrm>
+          <a:prstGeom prst="rect">
+            <a:avLst/>
+          </a:prstGeom>
+        </p:spPr>
+      </p:pic>
+      <p:sp>
+        <p:nvSpPr>
+          <p:cNvPr id="15" name="TextBox 14">
+            <a:extLst>
+              <a:ext uri="{FF2B5EF4-FFF2-40B4-BE49-F238E27FC236}">
+                <a16:creationId xmlns:a16="http://schemas.microsoft.com/office/drawing/2014/main" id="{1CA03410-ECFE-4E2F-B1FE-DAFA28859611}"/>
+              </a:ext>
+            </a:extLst>
+          </p:cNvPr>
+          <p:cNvSpPr txBox="1"/>
+          <p:nvPr/>
+        </p:nvSpPr>
+        <p:spPr>
+          <a:xfrm>
+            <a:off x="1040234" y="2237524"/>
+            <a:ext cx="4983061" cy="3816429"/>
+          </a:xfrm>
+          <a:prstGeom prst="rect">
+            <a:avLst/>
+          </a:prstGeom>
+          <a:noFill/>
+        </p:spPr>
+        <p:txBody>
+          <a:bodyPr wrap="square" rtlCol="0">
+            <a:spAutoFit/>
+          </a:bodyPr>
+          <a:lstStyle/>
+          <a:p>
+            <a:r>
+              <a:rPr lang="da-DK" sz="2800" dirty="0"/>
+              <a:t>Ranked by importance (biased)</a:t>
+            </a:r>
+          </a:p>
+          <a:p>
+            <a:pPr marL="342900" indent="-342900">
+              <a:buFont typeface="+mj-lt"/>
+              <a:buAutoNum type="arabicPeriod"/>
+            </a:pPr>
+            <a:r>
+              <a:rPr lang="da-DK" sz="2800" dirty="0"/>
+              <a:t>Source code</a:t>
+            </a:r>
+          </a:p>
+          <a:p>
+            <a:pPr marL="342900" indent="-342900">
+              <a:buFont typeface="+mj-lt"/>
+              <a:buAutoNum type="arabicPeriod"/>
+            </a:pPr>
+            <a:r>
+              <a:rPr lang="da-DK" sz="2800" dirty="0"/>
+              <a:t>Tests</a:t>
+            </a:r>
+          </a:p>
+          <a:p>
+            <a:pPr marL="342900" indent="-342900">
+              <a:buFont typeface="+mj-lt"/>
+              <a:buAutoNum type="arabicPeriod"/>
+            </a:pPr>
+            <a:r>
+              <a:rPr lang="da-DK" sz="2800" dirty="0"/>
+              <a:t>Setup</a:t>
+            </a:r>
+          </a:p>
+          <a:p>
+            <a:pPr marL="342900" indent="-342900">
+              <a:buFont typeface="+mj-lt"/>
+              <a:buAutoNum type="arabicPeriod"/>
+            </a:pPr>
+            <a:r>
+              <a:rPr lang="da-DK" sz="2800" dirty="0"/>
+              <a:t>CI workflows</a:t>
+            </a:r>
+          </a:p>
+          <a:p>
+            <a:pPr marL="342900" indent="-342900">
+              <a:buFont typeface="+mj-lt"/>
+              <a:buAutoNum type="arabicPeriod"/>
+            </a:pPr>
+            <a:r>
+              <a:rPr lang="da-DK" sz="2800" dirty="0"/>
+              <a:t>Documentation</a:t>
+            </a:r>
+          </a:p>
+          <a:p>
+            <a:pPr marL="342900" indent="-342900">
+              <a:buFont typeface="+mj-lt"/>
+              <a:buAutoNum type="arabicPeriod"/>
+            </a:pPr>
+            <a:r>
+              <a:rPr lang="da-DK" sz="2800" dirty="0"/>
+              <a:t> </a:t>
+            </a:r>
+          </a:p>
+          <a:p>
+            <a:pPr marL="342900" indent="-342900">
+              <a:buFont typeface="+mj-lt"/>
+              <a:buAutoNum type="arabicPeriod"/>
+            </a:pPr>
+            <a:endParaRPr lang="da-DK" sz="2800" dirty="0"/>
+          </a:p>
+          <a:p>
+            <a:pPr marL="342900" indent="-342900">
+              <a:buFont typeface="+mj-lt"/>
+              <a:buAutoNum type="arabicPeriod"/>
+            </a:pPr>
+            <a:endParaRPr lang="da-DK" dirty="0"/>
+          </a:p>
+        </p:txBody>
+      </p:sp>
+      <p:cxnSp>
+        <p:nvCxnSpPr>
+          <p:cNvPr id="17" name="Straight Arrow Connector 16">
+            <a:extLst>
+              <a:ext uri="{FF2B5EF4-FFF2-40B4-BE49-F238E27FC236}">
+                <a16:creationId xmlns:a16="http://schemas.microsoft.com/office/drawing/2014/main" id="{E217AE5F-7A1E-4926-A5A5-B74A22ABCFF0}"/>
+              </a:ext>
+            </a:extLst>
+          </p:cNvPr>
+          <p:cNvCxnSpPr/>
+          <p:nvPr/>
+        </p:nvCxnSpPr>
+        <p:spPr>
+          <a:xfrm flipV="1">
+            <a:off x="3322040" y="2407640"/>
+            <a:ext cx="5368954" cy="494951"/>
+          </a:xfrm>
+          <a:prstGeom prst="straightConnector1">
+            <a:avLst/>
+          </a:prstGeom>
+          <a:ln w="38100">
+            <a:solidFill>
+              <a:srgbClr val="FF0000"/>
+            </a:solidFill>
+            <a:tailEnd type="triangle"/>
+          </a:ln>
+        </p:spPr>
+        <p:style>
+          <a:lnRef idx="1">
+            <a:schemeClr val="accent1"/>
+          </a:lnRef>
+          <a:fillRef idx="0">
+            <a:schemeClr val="accent1"/>
+          </a:fillRef>
+          <a:effectRef idx="0">
+            <a:schemeClr val="accent1"/>
+          </a:effectRef>
+          <a:fontRef idx="minor">
+            <a:schemeClr val="tx1"/>
+          </a:fontRef>
+        </p:style>
+      </p:cxnSp>
+      <p:cxnSp>
+        <p:nvCxnSpPr>
+          <p:cNvPr id="18" name="Straight Arrow Connector 17">
+            <a:extLst>
+              <a:ext uri="{FF2B5EF4-FFF2-40B4-BE49-F238E27FC236}">
+                <a16:creationId xmlns:a16="http://schemas.microsoft.com/office/drawing/2014/main" id="{16EFAD7A-FF17-4C86-A831-CF7921EC08F2}"/>
+              </a:ext>
+            </a:extLst>
+          </p:cNvPr>
+          <p:cNvCxnSpPr>
+            <a:cxnSpLocks/>
+          </p:cNvCxnSpPr>
+          <p:nvPr/>
+        </p:nvCxnSpPr>
+        <p:spPr>
+          <a:xfrm flipV="1">
+            <a:off x="2281806" y="2105637"/>
+            <a:ext cx="6409188" cy="1258348"/>
+          </a:xfrm>
+          <a:prstGeom prst="straightConnector1">
+            <a:avLst/>
+          </a:prstGeom>
+          <a:ln w="38100">
+            <a:solidFill>
+              <a:srgbClr val="FF0000"/>
+            </a:solidFill>
+            <a:tailEnd type="triangle"/>
+          </a:ln>
+        </p:spPr>
+        <p:style>
+          <a:lnRef idx="1">
+            <a:schemeClr val="accent1"/>
+          </a:lnRef>
+          <a:fillRef idx="0">
+            <a:schemeClr val="accent1"/>
+          </a:fillRef>
+          <a:effectRef idx="0">
+            <a:schemeClr val="accent1"/>
+          </a:effectRef>
+          <a:fontRef idx="minor">
+            <a:schemeClr val="tx1"/>
+          </a:fontRef>
+        </p:style>
+      </p:cxnSp>
+      <p:cxnSp>
+        <p:nvCxnSpPr>
+          <p:cNvPr id="21" name="Straight Arrow Connector 20">
+            <a:extLst>
+              <a:ext uri="{FF2B5EF4-FFF2-40B4-BE49-F238E27FC236}">
+                <a16:creationId xmlns:a16="http://schemas.microsoft.com/office/drawing/2014/main" id="{B7B5F154-C78A-44E9-B8DA-7A27C0F452BA}"/>
+              </a:ext>
+            </a:extLst>
+          </p:cNvPr>
+          <p:cNvCxnSpPr>
+            <a:cxnSpLocks/>
+          </p:cNvCxnSpPr>
+          <p:nvPr/>
+        </p:nvCxnSpPr>
+        <p:spPr>
+          <a:xfrm>
+            <a:off x="2434206" y="3825381"/>
+            <a:ext cx="6256788" cy="2625753"/>
+          </a:xfrm>
+          <a:prstGeom prst="straightConnector1">
+            <a:avLst/>
+          </a:prstGeom>
+          <a:ln w="38100">
+            <a:solidFill>
+              <a:srgbClr val="FF0000"/>
+            </a:solidFill>
+            <a:tailEnd type="triangle"/>
+          </a:ln>
+        </p:spPr>
+        <p:style>
+          <a:lnRef idx="1">
+            <a:schemeClr val="accent1"/>
+          </a:lnRef>
+          <a:fillRef idx="0">
+            <a:schemeClr val="accent1"/>
+          </a:fillRef>
+          <a:effectRef idx="0">
+            <a:schemeClr val="accent1"/>
+          </a:effectRef>
+          <a:fontRef idx="minor">
+            <a:schemeClr val="tx1"/>
+          </a:fontRef>
+        </p:style>
+      </p:cxnSp>
+      <p:cxnSp>
+        <p:nvCxnSpPr>
+          <p:cNvPr id="24" name="Straight Arrow Connector 23">
+            <a:extLst>
+              <a:ext uri="{FF2B5EF4-FFF2-40B4-BE49-F238E27FC236}">
+                <a16:creationId xmlns:a16="http://schemas.microsoft.com/office/drawing/2014/main" id="{B64C3CBB-CE70-430B-AC2F-9F255D3E8D55}"/>
+              </a:ext>
+            </a:extLst>
+          </p:cNvPr>
+          <p:cNvCxnSpPr>
+            <a:cxnSpLocks/>
+          </p:cNvCxnSpPr>
+          <p:nvPr/>
+        </p:nvCxnSpPr>
+        <p:spPr>
+          <a:xfrm flipV="1">
+            <a:off x="3388071" y="1073354"/>
+            <a:ext cx="5302923" cy="3119156"/>
+          </a:xfrm>
+          <a:prstGeom prst="straightConnector1">
+            <a:avLst/>
+          </a:prstGeom>
+          <a:ln w="38100">
+            <a:solidFill>
+              <a:srgbClr val="FF0000"/>
+            </a:solidFill>
+            <a:tailEnd type="triangle"/>
+          </a:ln>
+        </p:spPr>
+        <p:style>
+          <a:lnRef idx="1">
+            <a:schemeClr val="accent1"/>
+          </a:lnRef>
+          <a:fillRef idx="0">
+            <a:schemeClr val="accent1"/>
+          </a:fillRef>
+          <a:effectRef idx="0">
+            <a:schemeClr val="accent1"/>
+          </a:effectRef>
+          <a:fontRef idx="minor">
+            <a:schemeClr val="tx1"/>
+          </a:fontRef>
+        </p:style>
+      </p:cxnSp>
+      <p:cxnSp>
+        <p:nvCxnSpPr>
+          <p:cNvPr id="27" name="Straight Arrow Connector 26">
+            <a:extLst>
+              <a:ext uri="{FF2B5EF4-FFF2-40B4-BE49-F238E27FC236}">
+                <a16:creationId xmlns:a16="http://schemas.microsoft.com/office/drawing/2014/main" id="{82E8DBF1-035D-402D-A7E0-FCD3477CA095}"/>
+              </a:ext>
+            </a:extLst>
+          </p:cNvPr>
+          <p:cNvCxnSpPr>
+            <a:cxnSpLocks/>
+          </p:cNvCxnSpPr>
+          <p:nvPr/>
+        </p:nvCxnSpPr>
+        <p:spPr>
+          <a:xfrm flipV="1">
+            <a:off x="3808602" y="1300294"/>
+            <a:ext cx="4882392" cy="3355596"/>
+          </a:xfrm>
+          <a:prstGeom prst="straightConnector1">
+            <a:avLst/>
+          </a:prstGeom>
+          <a:ln w="38100">
+            <a:solidFill>
+              <a:srgbClr val="FF0000"/>
+            </a:solidFill>
+            <a:tailEnd type="triangle"/>
+          </a:ln>
+        </p:spPr>
+        <p:style>
+          <a:lnRef idx="1">
+            <a:schemeClr val="accent1"/>
+          </a:lnRef>
+          <a:fillRef idx="0">
+            <a:schemeClr val="accent1"/>
+          </a:fillRef>
+          <a:effectRef idx="0">
+            <a:schemeClr val="accent1"/>
+          </a:effectRef>
+          <a:fontRef idx="minor">
+            <a:schemeClr val="tx1"/>
+          </a:fontRef>
+        </p:style>
+      </p:cxnSp>
+      <p:sp>
+        <p:nvSpPr>
+          <p:cNvPr id="31" name="Star: 5 Points 30">
+            <a:extLst>
+              <a:ext uri="{FF2B5EF4-FFF2-40B4-BE49-F238E27FC236}">
+                <a16:creationId xmlns:a16="http://schemas.microsoft.com/office/drawing/2014/main" id="{BBD1E726-DAEC-4087-A45D-EEA31625C63A}"/>
+              </a:ext>
+            </a:extLst>
+          </p:cNvPr>
+          <p:cNvSpPr/>
+          <p:nvPr/>
+        </p:nvSpPr>
+        <p:spPr>
+          <a:xfrm>
+            <a:off x="8464492" y="5041783"/>
+            <a:ext cx="146108" cy="150396"/>
+          </a:xfrm>
+          <a:prstGeom prst="star5">
+            <a:avLst/>
+          </a:prstGeom>
+          <a:solidFill>
+            <a:srgbClr val="FF0000"/>
+          </a:solidFill>
+          <a:ln>
+            <a:solidFill>
+              <a:srgbClr val="FF0000"/>
+            </a:solidFill>
+          </a:ln>
+        </p:spPr>
+        <p:style>
+          <a:lnRef idx="2">
+            <a:schemeClr val="accent1">
+              <a:shade val="50000"/>
+            </a:schemeClr>
+          </a:lnRef>
+          <a:fillRef idx="1">
+            <a:schemeClr val="accent1"/>
+          </a:fillRef>
+          <a:effectRef idx="0">
+            <a:schemeClr val="accent1"/>
+          </a:effectRef>
+          <a:fontRef idx="minor">
+            <a:schemeClr val="lt1"/>
+          </a:fontRef>
+        </p:style>
+        <p:txBody>
+          <a:bodyPr rtlCol="0" anchor="ctr"/>
+          <a:lstStyle/>
+          <a:p>
+            <a:pPr algn="ctr"/>
+            <a:endParaRPr lang="da-DK"/>
+          </a:p>
+        </p:txBody>
+      </p:sp>
+      <p:sp>
+        <p:nvSpPr>
+          <p:cNvPr id="32" name="Star: 5 Points 31">
+            <a:extLst>
+              <a:ext uri="{FF2B5EF4-FFF2-40B4-BE49-F238E27FC236}">
+                <a16:creationId xmlns:a16="http://schemas.microsoft.com/office/drawing/2014/main" id="{160AD1E5-B43D-4F12-B03F-CF57E644930D}"/>
+              </a:ext>
+            </a:extLst>
+          </p:cNvPr>
+          <p:cNvSpPr/>
+          <p:nvPr/>
+        </p:nvSpPr>
+        <p:spPr>
+          <a:xfrm>
+            <a:off x="8464492" y="5820061"/>
+            <a:ext cx="146108" cy="150396"/>
+          </a:xfrm>
+          <a:prstGeom prst="star5">
+            <a:avLst/>
+          </a:prstGeom>
+          <a:solidFill>
+            <a:srgbClr val="FF0000"/>
+          </a:solidFill>
+          <a:ln>
+            <a:solidFill>
+              <a:srgbClr val="FF0000"/>
+            </a:solidFill>
+          </a:ln>
+        </p:spPr>
+        <p:style>
+          <a:lnRef idx="2">
+            <a:schemeClr val="accent1">
+              <a:shade val="50000"/>
+            </a:schemeClr>
+          </a:lnRef>
+          <a:fillRef idx="1">
+            <a:schemeClr val="accent1"/>
+          </a:fillRef>
+          <a:effectRef idx="0">
+            <a:schemeClr val="accent1"/>
+          </a:effectRef>
+          <a:fontRef idx="minor">
+            <a:schemeClr val="lt1"/>
+          </a:fontRef>
+        </p:style>
+        <p:txBody>
+          <a:bodyPr rtlCol="0" anchor="ctr"/>
+          <a:lstStyle/>
+          <a:p>
+            <a:pPr algn="ctr"/>
+            <a:endParaRPr lang="da-DK"/>
+          </a:p>
+        </p:txBody>
+      </p:sp>
+      <p:sp>
+        <p:nvSpPr>
+          <p:cNvPr id="33" name="Star: 5 Points 32">
+            <a:extLst>
+              <a:ext uri="{FF2B5EF4-FFF2-40B4-BE49-F238E27FC236}">
+                <a16:creationId xmlns:a16="http://schemas.microsoft.com/office/drawing/2014/main" id="{4A99FEC6-C348-4204-ABDE-0A485E8E1C4F}"/>
+              </a:ext>
+            </a:extLst>
+          </p:cNvPr>
+          <p:cNvSpPr/>
+          <p:nvPr/>
+        </p:nvSpPr>
+        <p:spPr>
+          <a:xfrm>
+            <a:off x="8464492" y="4204876"/>
+            <a:ext cx="146108" cy="150396"/>
+          </a:xfrm>
+          <a:prstGeom prst="star5">
+            <a:avLst/>
+          </a:prstGeom>
+          <a:solidFill>
+            <a:srgbClr val="FF0000"/>
+          </a:solidFill>
+          <a:ln>
+            <a:solidFill>
+              <a:srgbClr val="FF0000"/>
+            </a:solidFill>
+          </a:ln>
+        </p:spPr>
+        <p:style>
+          <a:lnRef idx="2">
+            <a:schemeClr val="accent1">
+              <a:shade val="50000"/>
+            </a:schemeClr>
+          </a:lnRef>
+          <a:fillRef idx="1">
+            <a:schemeClr val="accent1"/>
+          </a:fillRef>
+          <a:effectRef idx="0">
+            <a:schemeClr val="accent1"/>
+          </a:effectRef>
+          <a:fontRef idx="minor">
+            <a:schemeClr val="lt1"/>
+          </a:fontRef>
+        </p:style>
+        <p:txBody>
+          <a:bodyPr rtlCol="0" anchor="ctr"/>
+          <a:lstStyle/>
+          <a:p>
+            <a:pPr algn="ctr"/>
+            <a:endParaRPr lang="da-DK"/>
+          </a:p>
+        </p:txBody>
+      </p:sp>
+      <p:sp>
+        <p:nvSpPr>
+          <p:cNvPr id="34" name="Star: 5 Points 33">
+            <a:extLst>
+              <a:ext uri="{FF2B5EF4-FFF2-40B4-BE49-F238E27FC236}">
+                <a16:creationId xmlns:a16="http://schemas.microsoft.com/office/drawing/2014/main" id="{FC514C68-6947-4601-95C3-BA2780F9FA98}"/>
+              </a:ext>
+            </a:extLst>
+          </p:cNvPr>
+          <p:cNvSpPr/>
+          <p:nvPr/>
+        </p:nvSpPr>
+        <p:spPr>
+          <a:xfrm>
+            <a:off x="8464492" y="2859007"/>
+            <a:ext cx="146108" cy="150396"/>
+          </a:xfrm>
+          <a:prstGeom prst="star5">
+            <a:avLst/>
+          </a:prstGeom>
+          <a:solidFill>
+            <a:srgbClr val="FF0000"/>
+          </a:solidFill>
+          <a:ln>
+            <a:solidFill>
+              <a:srgbClr val="FF0000"/>
+            </a:solidFill>
+          </a:ln>
+        </p:spPr>
+        <p:style>
+          <a:lnRef idx="2">
+            <a:schemeClr val="accent1">
+              <a:shade val="50000"/>
+            </a:schemeClr>
+          </a:lnRef>
+          <a:fillRef idx="1">
+            <a:schemeClr val="accent1"/>
+          </a:fillRef>
+          <a:effectRef idx="0">
+            <a:schemeClr val="accent1"/>
+          </a:effectRef>
+          <a:fontRef idx="minor">
+            <a:schemeClr val="lt1"/>
+          </a:fontRef>
+        </p:style>
+        <p:txBody>
+          <a:bodyPr rtlCol="0" anchor="ctr"/>
+          <a:lstStyle/>
+          <a:p>
+            <a:pPr algn="ctr"/>
+            <a:endParaRPr lang="da-DK"/>
+          </a:p>
+        </p:txBody>
+      </p:sp>
+      <p:sp>
+        <p:nvSpPr>
+          <p:cNvPr id="36" name="Star: 5 Points 35">
+            <a:extLst>
+              <a:ext uri="{FF2B5EF4-FFF2-40B4-BE49-F238E27FC236}">
+                <a16:creationId xmlns:a16="http://schemas.microsoft.com/office/drawing/2014/main" id="{0D739851-B53C-48F6-BB2A-76AC4D5B6F5F}"/>
+              </a:ext>
+            </a:extLst>
+          </p:cNvPr>
+          <p:cNvSpPr/>
+          <p:nvPr/>
+        </p:nvSpPr>
+        <p:spPr>
+          <a:xfrm>
+            <a:off x="1498135" y="4987861"/>
+            <a:ext cx="146108" cy="150396"/>
+          </a:xfrm>
+          <a:prstGeom prst="star5">
+            <a:avLst/>
+          </a:prstGeom>
+          <a:solidFill>
+            <a:srgbClr val="FF0000"/>
+          </a:solidFill>
+          <a:ln>
+            <a:solidFill>
+              <a:srgbClr val="FF0000"/>
+            </a:solidFill>
+          </a:ln>
+        </p:spPr>
+        <p:style>
+          <a:lnRef idx="2">
+            <a:schemeClr val="accent1">
+              <a:shade val="50000"/>
+            </a:schemeClr>
+          </a:lnRef>
+          <a:fillRef idx="1">
+            <a:schemeClr val="accent1"/>
+          </a:fillRef>
+          <a:effectRef idx="0">
+            <a:schemeClr val="accent1"/>
+          </a:effectRef>
+          <a:fontRef idx="minor">
+            <a:schemeClr val="lt1"/>
+          </a:fontRef>
+        </p:style>
+        <p:txBody>
+          <a:bodyPr rtlCol="0" anchor="ctr"/>
+          <a:lstStyle/>
+          <a:p>
+            <a:pPr algn="ctr"/>
+            <a:endParaRPr lang="da-DK"/>
+          </a:p>
+        </p:txBody>
+      </p:sp>
+    </p:spTree>
+    <p:extLst>
+      <p:ext uri="{BB962C8B-B14F-4D97-AF65-F5344CB8AC3E}">
+        <p14:creationId xmlns:p14="http://schemas.microsoft.com/office/powerpoint/2010/main" val="3261029281"/>
+      </p:ext>
+    </p:extLst>
+  </p:cSld>
+  <p:clrMapOvr>
+    <a:masterClrMapping/>
+  </p:clrMapOvr>
+</p:sld>
+</file>
+
+<file path=ppt/slides/slide11.xml><?xml version="1.0" encoding="utf-8"?>
+<p:sld xmlns:a="http://schemas.openxmlformats.org/drawingml/2006/main" xmlns:r="http://schemas.openxmlformats.org/officeDocument/2006/relationships" xmlns:p="http://schemas.openxmlformats.org/presentationml/2006/main">
+  <p:cSld>
+    <p:spTree>
+      <p:nvGrpSpPr>
+        <p:cNvPr id="1" name=""/>
+        <p:cNvGrpSpPr/>
+        <p:nvPr/>
+      </p:nvGrpSpPr>
+      <p:grpSpPr>
+        <a:xfrm>
+          <a:off x="0" y="0"/>
+          <a:ext cx="0" cy="0"/>
+          <a:chOff x="0" y="0"/>
+          <a:chExt cx="0" cy="0"/>
+        </a:xfrm>
+      </p:grpSpPr>
+      <p:sp>
+        <p:nvSpPr>
+          <p:cNvPr id="2" name="Title 1">
+            <a:extLst>
+              <a:ext uri="{FF2B5EF4-FFF2-40B4-BE49-F238E27FC236}">
+                <a16:creationId xmlns:a16="http://schemas.microsoft.com/office/drawing/2014/main" id="{6DFB8D77-5A0B-4B5A-9EF5-26E2A7DDD8EF}"/>
+              </a:ext>
+            </a:extLst>
+          </p:cNvPr>
+          <p:cNvSpPr>
+            <a:spLocks noGrp="1"/>
+          </p:cNvSpPr>
+          <p:nvPr>
+            <p:ph type="title"/>
+          </p:nvPr>
+        </p:nvSpPr>
+        <p:spPr/>
+        <p:txBody>
+          <a:bodyPr/>
+          <a:lstStyle/>
+          <a:p>
+            <a:r>
+              <a:rPr lang="da-DK" dirty="0"/>
+              <a:t>Source code</a:t>
+            </a:r>
+          </a:p>
+        </p:txBody>
+      </p:sp>
+      <p:sp>
+        <p:nvSpPr>
+          <p:cNvPr id="3" name="Content Placeholder 2">
+            <a:extLst>
+              <a:ext uri="{FF2B5EF4-FFF2-40B4-BE49-F238E27FC236}">
+                <a16:creationId xmlns:a16="http://schemas.microsoft.com/office/drawing/2014/main" id="{2BD812B6-4B73-4734-A1E5-9B93FBA005D2}"/>
+              </a:ext>
+            </a:extLst>
+          </p:cNvPr>
+          <p:cNvSpPr>
+            <a:spLocks noGrp="1"/>
+          </p:cNvSpPr>
+          <p:nvPr>
+            <p:ph idx="1"/>
+          </p:nvPr>
+        </p:nvSpPr>
+        <p:spPr/>
+        <p:txBody>
+          <a:bodyPr/>
+          <a:lstStyle/>
+          <a:p>
+            <a:endParaRPr lang="da-DK"/>
+          </a:p>
+        </p:txBody>
+      </p:sp>
+      <p:sp>
+        <p:nvSpPr>
+          <p:cNvPr id="4" name="Date Placeholder 3">
+            <a:extLst>
+              <a:ext uri="{FF2B5EF4-FFF2-40B4-BE49-F238E27FC236}">
+                <a16:creationId xmlns:a16="http://schemas.microsoft.com/office/drawing/2014/main" id="{11FBF938-9A1D-42F6-B40A-3B25618CDC9F}"/>
+              </a:ext>
+            </a:extLst>
+          </p:cNvPr>
+          <p:cNvSpPr>
+            <a:spLocks noGrp="1"/>
+          </p:cNvSpPr>
+          <p:nvPr>
+            <p:ph type="dt" sz="half" idx="10"/>
+          </p:nvPr>
+        </p:nvSpPr>
+        <p:spPr/>
+        <p:txBody>
+          <a:bodyPr/>
+          <a:lstStyle/>
+          <a:p>
+            <a:fld id="{019E29B9-5584-4737-9C98-1B926378C778}" type="datetime1">
+              <a:rPr lang="en-US" smtClean="0"/>
+              <a:t>5/19/2021</a:t>
+            </a:fld>
+            <a:endParaRPr lang="da-DK"/>
+          </a:p>
+        </p:txBody>
+      </p:sp>
+      <p:sp>
+        <p:nvSpPr>
+          <p:cNvPr id="5" name="Footer Placeholder 4">
+            <a:extLst>
+              <a:ext uri="{FF2B5EF4-FFF2-40B4-BE49-F238E27FC236}">
+                <a16:creationId xmlns:a16="http://schemas.microsoft.com/office/drawing/2014/main" id="{0EBF188C-E21B-46AB-8B8C-8E977C0B9AF7}"/>
+              </a:ext>
+            </a:extLst>
+          </p:cNvPr>
+          <p:cNvSpPr>
+            <a:spLocks noGrp="1"/>
+          </p:cNvSpPr>
+          <p:nvPr>
+            <p:ph type="ftr" sz="quarter" idx="11"/>
+          </p:nvPr>
+        </p:nvSpPr>
+        <p:spPr/>
+        <p:txBody>
+          <a:bodyPr/>
+          <a:lstStyle/>
+          <a:p>
+            <a:r>
+              <a:rPr lang="da-DK"/>
+              <a:t>Nicki Skafte Detlefsen</a:t>
+            </a:r>
+          </a:p>
+        </p:txBody>
+      </p:sp>
+      <p:sp>
+        <p:nvSpPr>
+          <p:cNvPr id="6" name="Slide Number Placeholder 5">
+            <a:extLst>
+              <a:ext uri="{FF2B5EF4-FFF2-40B4-BE49-F238E27FC236}">
+                <a16:creationId xmlns:a16="http://schemas.microsoft.com/office/drawing/2014/main" id="{80A91D58-E219-4AAD-8A61-951F269A4E64}"/>
+              </a:ext>
+            </a:extLst>
+          </p:cNvPr>
+          <p:cNvSpPr>
+            <a:spLocks noGrp="1"/>
+          </p:cNvSpPr>
+          <p:nvPr>
+            <p:ph type="sldNum" sz="quarter" idx="12"/>
+          </p:nvPr>
+        </p:nvSpPr>
+        <p:spPr/>
+        <p:txBody>
+          <a:bodyPr/>
+          <a:lstStyle/>
+          <a:p>
+            <a:fld id="{F6FEDE24-D50C-481B-A7B4-8AF13899101A}" type="slidenum">
+              <a:rPr lang="da-DK" smtClean="0"/>
+              <a:t>11</a:t>
             </a:fld>
             <a:endParaRPr lang="da-DK"/>
           </a:p>
@@ -7005,7 +7779,7 @@
 </p:sld>
 </file>
 
-<file path=ppt/slides/slide11.xml><?xml version="1.0" encoding="utf-8"?>
+<file path=ppt/slides/slide12.xml><?xml version="1.0" encoding="utf-8"?>
 <p:sld xmlns:a="http://schemas.openxmlformats.org/drawingml/2006/main" xmlns:r="http://schemas.openxmlformats.org/officeDocument/2006/relationships" xmlns:p="http://schemas.openxmlformats.org/presentationml/2006/main">
   <p:cSld>
     <p:spTree>
@@ -7071,7 +7845,10 @@
           <a:bodyPr/>
           <a:lstStyle/>
           <a:p>
-            <a:endParaRPr lang="da-DK"/>
+            <a:r>
+              <a:rPr lang="da-DK" dirty="0"/>
+              <a:t>In total we have 6365 tests</a:t>
+            </a:r>
           </a:p>
         </p:txBody>
       </p:sp>
@@ -7098,7 +7875,7 @@
           <a:p>
             <a:fld id="{019E29B9-5584-4737-9C98-1B926378C778}" type="datetime1">
               <a:rPr lang="en-US" smtClean="0"/>
-              <a:t>5/18/2021</a:t>
+              <a:t>5/19/2021</a:t>
             </a:fld>
             <a:endParaRPr lang="da-DK"/>
           </a:p>
@@ -7155,7 +7932,7 @@
           <a:p>
             <a:fld id="{F6FEDE24-D50C-481B-A7B4-8AF13899101A}" type="slidenum">
               <a:rPr lang="da-DK" smtClean="0"/>
-              <a:t>11</a:t>
+              <a:t>12</a:t>
             </a:fld>
             <a:endParaRPr lang="da-DK"/>
           </a:p>
@@ -7204,7 +7981,7 @@
 </p:sld>
 </file>
 
-<file path=ppt/slides/slide12.xml><?xml version="1.0" encoding="utf-8"?>
+<file path=ppt/slides/slide13.xml><?xml version="1.0" encoding="utf-8"?>
 <p:sld xmlns:a="http://schemas.openxmlformats.org/drawingml/2006/main" xmlns:r="http://schemas.openxmlformats.org/officeDocument/2006/relationships" xmlns:p="http://schemas.openxmlformats.org/presentationml/2006/main">
   <p:cSld>
     <p:spTree>
@@ -7244,7 +8021,7 @@
           <a:p>
             <a:r>
               <a:rPr lang="da-DK" dirty="0"/>
-              <a:t>Test example 2</a:t>
+              <a:t>Test example 1</a:t>
             </a:r>
           </a:p>
         </p:txBody>
@@ -7303,7 +8080,7 @@
           <a:p>
             <a:fld id="{019E29B9-5584-4737-9C98-1B926378C778}" type="datetime1">
               <a:rPr lang="en-US" smtClean="0"/>
-              <a:t>5/18/2021</a:t>
+              <a:t>5/19/2021</a:t>
             </a:fld>
             <a:endParaRPr lang="da-DK"/>
           </a:p>
@@ -7360,7 +8137,7 @@
           <a:p>
             <a:fld id="{F6FEDE24-D50C-481B-A7B4-8AF13899101A}" type="slidenum">
               <a:rPr lang="da-DK" smtClean="0"/>
-              <a:t>12</a:t>
+              <a:t>13</a:t>
             </a:fld>
             <a:endParaRPr lang="da-DK"/>
           </a:p>
@@ -7409,7 +8186,7 @@
 </p:sld>
 </file>
 
-<file path=ppt/slides/slide13.xml><?xml version="1.0" encoding="utf-8"?>
+<file path=ppt/slides/slide14.xml><?xml version="1.0" encoding="utf-8"?>
 <p:sld xmlns:a="http://schemas.openxmlformats.org/drawingml/2006/main" xmlns:r="http://schemas.openxmlformats.org/officeDocument/2006/relationships" xmlns:p="http://schemas.openxmlformats.org/presentationml/2006/main">
   <p:cSld>
     <p:spTree>
@@ -7449,7 +8226,7 @@
           <a:p>
             <a:r>
               <a:rPr lang="da-DK" dirty="0"/>
-              <a:t>Test example 1</a:t>
+              <a:t>Test example 2</a:t>
             </a:r>
           </a:p>
         </p:txBody>
@@ -7508,7 +8285,7 @@
           <a:p>
             <a:fld id="{019E29B9-5584-4737-9C98-1B926378C778}" type="datetime1">
               <a:rPr lang="en-US" smtClean="0"/>
-              <a:t>5/18/2021</a:t>
+              <a:t>5/19/2021</a:t>
             </a:fld>
             <a:endParaRPr lang="da-DK"/>
           </a:p>
@@ -7565,7 +8342,7 @@
           <a:p>
             <a:fld id="{F6FEDE24-D50C-481B-A7B4-8AF13899101A}" type="slidenum">
               <a:rPr lang="da-DK" smtClean="0"/>
-              <a:t>13</a:t>
+              <a:t>14</a:t>
             </a:fld>
             <a:endParaRPr lang="da-DK"/>
           </a:p>
@@ -7614,7 +8391,7 @@
 </p:sld>
 </file>
 
-<file path=ppt/slides/slide14.xml><?xml version="1.0" encoding="utf-8"?>
+<file path=ppt/slides/slide15.xml><?xml version="1.0" encoding="utf-8"?>
 <p:sld xmlns:a="http://schemas.openxmlformats.org/drawingml/2006/main" xmlns:r="http://schemas.openxmlformats.org/officeDocument/2006/relationships" xmlns:p="http://schemas.openxmlformats.org/presentationml/2006/main">
   <p:cSld>
     <p:spTree>
@@ -7755,7 +8532,7 @@
           <a:p>
             <a:fld id="{019E29B9-5584-4737-9C98-1B926378C778}" type="datetime1">
               <a:rPr lang="en-US" smtClean="0"/>
-              <a:t>5/18/2021</a:t>
+              <a:t>5/19/2021</a:t>
             </a:fld>
             <a:endParaRPr lang="da-DK"/>
           </a:p>
@@ -7812,7 +8589,7 @@
           <a:p>
             <a:fld id="{F6FEDE24-D50C-481B-A7B4-8AF13899101A}" type="slidenum">
               <a:rPr lang="da-DK" smtClean="0"/>
-              <a:t>14</a:t>
+              <a:t>15</a:t>
             </a:fld>
             <a:endParaRPr lang="da-DK"/>
           </a:p>
@@ -7840,7 +8617,7 @@
         </p:blipFill>
         <p:spPr>
           <a:xfrm>
-            <a:off x="7576458" y="50270"/>
+            <a:off x="7584847" y="136525"/>
             <a:ext cx="3506214" cy="6306080"/>
           </a:xfrm>
           <a:prstGeom prst="rect">
@@ -7861,7 +8638,7 @@
 </p:sld>
 </file>
 
-<file path=ppt/slides/slide15.xml><?xml version="1.0" encoding="utf-8"?>
+<file path=ppt/slides/slide16.xml><?xml version="1.0" encoding="utf-8"?>
 <p:sld xmlns:a="http://schemas.openxmlformats.org/drawingml/2006/main" xmlns:r="http://schemas.openxmlformats.org/officeDocument/2006/relationships" xmlns:p="http://schemas.openxmlformats.org/presentationml/2006/main">
   <p:cSld>
     <p:spTree>
@@ -7883,7 +8660,7 @@
           <p:cNvPr id="2" name="Title 1">
             <a:extLst>
               <a:ext uri="{FF2B5EF4-FFF2-40B4-BE49-F238E27FC236}">
-                <a16:creationId xmlns:a16="http://schemas.microsoft.com/office/drawing/2014/main" id="{EAF59619-619D-4BE4-AA66-0CEAB7F7B0D7}"/>
+                <a16:creationId xmlns:a16="http://schemas.microsoft.com/office/drawing/2014/main" id="{83006D5A-5BDE-40EC-B072-4DDF6BB1F38A}"/>
               </a:ext>
             </a:extLst>
           </p:cNvPr>
@@ -7901,7 +8678,7 @@
           <a:p>
             <a:r>
               <a:rPr lang="da-DK" dirty="0"/>
-              <a:t>Workflows</a:t>
+              <a:t>Github actions</a:t>
             </a:r>
           </a:p>
         </p:txBody>
@@ -7911,7 +8688,7 @@
           <p:cNvPr id="3" name="Content Placeholder 2">
             <a:extLst>
               <a:ext uri="{FF2B5EF4-FFF2-40B4-BE49-F238E27FC236}">
-                <a16:creationId xmlns:a16="http://schemas.microsoft.com/office/drawing/2014/main" id="{458F45F5-81CA-484B-935A-8C437951C320}"/>
+                <a16:creationId xmlns:a16="http://schemas.microsoft.com/office/drawing/2014/main" id="{299F9DE5-89B1-4E86-8D1F-F2C6C97B8E86}"/>
               </a:ext>
             </a:extLst>
           </p:cNvPr>
@@ -7927,8 +8704,35 @@
           <a:bodyPr/>
           <a:lstStyle/>
           <a:p>
+            <a:r>
+              <a:rPr lang="da-DK" dirty="0"/>
+              <a:t>Build-in CI for github</a:t>
+            </a:r>
+          </a:p>
+          <a:p>
+            <a:r>
+              <a:rPr lang="da-DK" dirty="0"/>
+              <a:t>Free 2,000 automation minutes/month (public reposatory)</a:t>
+            </a:r>
+          </a:p>
+          <a:p>
             <a:endParaRPr lang="da-DK" dirty="0"/>
           </a:p>
+          <a:p>
+            <a:endParaRPr lang="da-DK" dirty="0"/>
+          </a:p>
+          <a:p>
+            <a:r>
+              <a:rPr lang="da-DK" dirty="0"/>
+              <a:t>Many ready to go workflows</a:t>
+            </a:r>
+          </a:p>
+          <a:p>
+            <a:endParaRPr lang="da-DK" dirty="0"/>
+          </a:p>
+          <a:p>
+            <a:endParaRPr lang="da-DK" dirty="0"/>
+          </a:p>
         </p:txBody>
       </p:sp>
       <p:sp>
@@ -7936,7 +8740,7 @@
           <p:cNvPr id="4" name="Date Placeholder 3">
             <a:extLst>
               <a:ext uri="{FF2B5EF4-FFF2-40B4-BE49-F238E27FC236}">
-                <a16:creationId xmlns:a16="http://schemas.microsoft.com/office/drawing/2014/main" id="{28D02B8C-7B34-46F7-A2B7-B02C72AAB3D7}"/>
+                <a16:creationId xmlns:a16="http://schemas.microsoft.com/office/drawing/2014/main" id="{F9DF9FF7-EC69-47BE-B647-2BB4000FFD11}"/>
               </a:ext>
             </a:extLst>
           </p:cNvPr>
@@ -7954,7 +8758,7 @@
           <a:p>
             <a:fld id="{019E29B9-5584-4737-9C98-1B926378C778}" type="datetime1">
               <a:rPr lang="en-US" smtClean="0"/>
-              <a:t>5/18/2021</a:t>
+              <a:t>5/19/2021</a:t>
             </a:fld>
             <a:endParaRPr lang="da-DK"/>
           </a:p>
@@ -7965,7 +8769,7 @@
           <p:cNvPr id="5" name="Footer Placeholder 4">
             <a:extLst>
               <a:ext uri="{FF2B5EF4-FFF2-40B4-BE49-F238E27FC236}">
-                <a16:creationId xmlns:a16="http://schemas.microsoft.com/office/drawing/2014/main" id="{C4FACB2A-EE92-414E-AE8A-169E7208098F}"/>
+                <a16:creationId xmlns:a16="http://schemas.microsoft.com/office/drawing/2014/main" id="{99619323-A637-404D-9A24-AD0E42BBEB74}"/>
               </a:ext>
             </a:extLst>
           </p:cNvPr>
@@ -7993,7 +8797,7 @@
           <p:cNvPr id="6" name="Slide Number Placeholder 5">
             <a:extLst>
               <a:ext uri="{FF2B5EF4-FFF2-40B4-BE49-F238E27FC236}">
-                <a16:creationId xmlns:a16="http://schemas.microsoft.com/office/drawing/2014/main" id="{6579EFF0-887F-4401-BA36-3F6DA8E50278}"/>
+                <a16:creationId xmlns:a16="http://schemas.microsoft.com/office/drawing/2014/main" id="{BBA0A1E5-97F8-4889-A63A-33070E9FDE68}"/>
               </a:ext>
             </a:extLst>
           </p:cNvPr>
@@ -8011,7 +8815,7 @@
           <a:p>
             <a:fld id="{F6FEDE24-D50C-481B-A7B4-8AF13899101A}" type="slidenum">
               <a:rPr lang="da-DK" smtClean="0"/>
-              <a:t>15</a:t>
+              <a:t>16</a:t>
             </a:fld>
             <a:endParaRPr lang="da-DK"/>
           </a:p>
@@ -8022,7 +8826,7 @@
           <p:cNvPr id="8" name="Picture 7">
             <a:extLst>
               <a:ext uri="{FF2B5EF4-FFF2-40B4-BE49-F238E27FC236}">
-                <a16:creationId xmlns:a16="http://schemas.microsoft.com/office/drawing/2014/main" id="{B0760944-594E-48B9-B402-CAABB68EB88C}"/>
+                <a16:creationId xmlns:a16="http://schemas.microsoft.com/office/drawing/2014/main" id="{5DC4A965-D9B7-4A44-859F-B071E0FB17B1}"/>
               </a:ext>
             </a:extLst>
           </p:cNvPr>
@@ -8039,7 +8843,914 @@
         </p:blipFill>
         <p:spPr>
           <a:xfrm>
-            <a:off x="171450" y="275889"/>
+            <a:off x="2038350" y="2298068"/>
+            <a:ext cx="8115300" cy="1095375"/>
+          </a:xfrm>
+          <a:prstGeom prst="rect">
+            <a:avLst/>
+          </a:prstGeom>
+        </p:spPr>
+      </p:pic>
+      <p:pic>
+        <p:nvPicPr>
+          <p:cNvPr id="10" name="Picture 9">
+            <a:extLst>
+              <a:ext uri="{FF2B5EF4-FFF2-40B4-BE49-F238E27FC236}">
+                <a16:creationId xmlns:a16="http://schemas.microsoft.com/office/drawing/2014/main" id="{6CE27818-6499-40C2-A9EB-5E00E831AFE0}"/>
+              </a:ext>
+            </a:extLst>
+          </p:cNvPr>
+          <p:cNvPicPr>
+            <a:picLocks noChangeAspect="1"/>
+          </p:cNvPicPr>
+          <p:nvPr/>
+        </p:nvPicPr>
+        <p:blipFill>
+          <a:blip r:embed="rId3"/>
+          <a:stretch>
+            <a:fillRect/>
+          </a:stretch>
+        </p:blipFill>
+        <p:spPr>
+          <a:xfrm>
+            <a:off x="2784410" y="3787420"/>
+            <a:ext cx="6623180" cy="2636524"/>
+          </a:xfrm>
+          <a:prstGeom prst="rect">
+            <a:avLst/>
+          </a:prstGeom>
+        </p:spPr>
+      </p:pic>
+    </p:spTree>
+    <p:extLst>
+      <p:ext uri="{BB962C8B-B14F-4D97-AF65-F5344CB8AC3E}">
+        <p14:creationId xmlns:p14="http://schemas.microsoft.com/office/powerpoint/2010/main" val="2250795840"/>
+      </p:ext>
+    </p:extLst>
+  </p:cSld>
+  <p:clrMapOvr>
+    <a:masterClrMapping/>
+  </p:clrMapOvr>
+</p:sld>
+</file>
+
+<file path=ppt/slides/slide17.xml><?xml version="1.0" encoding="utf-8"?>
+<p:sld xmlns:a="http://schemas.openxmlformats.org/drawingml/2006/main" xmlns:r="http://schemas.openxmlformats.org/officeDocument/2006/relationships" xmlns:p="http://schemas.openxmlformats.org/presentationml/2006/main">
+  <p:cSld>
+    <p:spTree>
+      <p:nvGrpSpPr>
+        <p:cNvPr id="1" name=""/>
+        <p:cNvGrpSpPr/>
+        <p:nvPr/>
+      </p:nvGrpSpPr>
+      <p:grpSpPr>
+        <a:xfrm>
+          <a:off x="0" y="0"/>
+          <a:ext cx="0" cy="0"/>
+          <a:chOff x="0" y="0"/>
+          <a:chExt cx="0" cy="0"/>
+        </a:xfrm>
+      </p:grpSpPr>
+      <p:sp>
+        <p:nvSpPr>
+          <p:cNvPr id="2" name="Title 1">
+            <a:extLst>
+              <a:ext uri="{FF2B5EF4-FFF2-40B4-BE49-F238E27FC236}">
+                <a16:creationId xmlns:a16="http://schemas.microsoft.com/office/drawing/2014/main" id="{8054D454-9B77-41DB-A124-53C4A4C11007}"/>
+              </a:ext>
+            </a:extLst>
+          </p:cNvPr>
+          <p:cNvSpPr>
+            <a:spLocks noGrp="1"/>
+          </p:cNvSpPr>
+          <p:nvPr>
+            <p:ph type="title"/>
+          </p:nvPr>
+        </p:nvSpPr>
+        <p:spPr/>
+        <p:txBody>
+          <a:bodyPr/>
+          <a:lstStyle/>
+          <a:p>
+            <a:r>
+              <a:rPr lang="da-DK" dirty="0"/>
+              <a:t>The anatomy of a workflow file</a:t>
+            </a:r>
+          </a:p>
+        </p:txBody>
+      </p:sp>
+      <p:sp>
+        <p:nvSpPr>
+          <p:cNvPr id="4" name="Date Placeholder 3">
+            <a:extLst>
+              <a:ext uri="{FF2B5EF4-FFF2-40B4-BE49-F238E27FC236}">
+                <a16:creationId xmlns:a16="http://schemas.microsoft.com/office/drawing/2014/main" id="{F8C43C24-8202-4459-BEBC-DA7F9F260B66}"/>
+              </a:ext>
+            </a:extLst>
+          </p:cNvPr>
+          <p:cNvSpPr>
+            <a:spLocks noGrp="1"/>
+          </p:cNvSpPr>
+          <p:nvPr>
+            <p:ph type="dt" sz="half" idx="10"/>
+          </p:nvPr>
+        </p:nvSpPr>
+        <p:spPr/>
+        <p:txBody>
+          <a:bodyPr/>
+          <a:lstStyle/>
+          <a:p>
+            <a:fld id="{019E29B9-5584-4737-9C98-1B926378C778}" type="datetime1">
+              <a:rPr lang="en-US" smtClean="0"/>
+              <a:t>5/19/2021</a:t>
+            </a:fld>
+            <a:endParaRPr lang="da-DK"/>
+          </a:p>
+        </p:txBody>
+      </p:sp>
+      <p:sp>
+        <p:nvSpPr>
+          <p:cNvPr id="5" name="Footer Placeholder 4">
+            <a:extLst>
+              <a:ext uri="{FF2B5EF4-FFF2-40B4-BE49-F238E27FC236}">
+                <a16:creationId xmlns:a16="http://schemas.microsoft.com/office/drawing/2014/main" id="{62630B59-43CC-46A1-AEB4-8099CCBE4AA9}"/>
+              </a:ext>
+            </a:extLst>
+          </p:cNvPr>
+          <p:cNvSpPr>
+            <a:spLocks noGrp="1"/>
+          </p:cNvSpPr>
+          <p:nvPr>
+            <p:ph type="ftr" sz="quarter" idx="11"/>
+          </p:nvPr>
+        </p:nvSpPr>
+        <p:spPr/>
+        <p:txBody>
+          <a:bodyPr/>
+          <a:lstStyle/>
+          <a:p>
+            <a:r>
+              <a:rPr lang="da-DK"/>
+              <a:t>Nicki Skafte Detlefsen</a:t>
+            </a:r>
+          </a:p>
+        </p:txBody>
+      </p:sp>
+      <p:sp>
+        <p:nvSpPr>
+          <p:cNvPr id="6" name="Slide Number Placeholder 5">
+            <a:extLst>
+              <a:ext uri="{FF2B5EF4-FFF2-40B4-BE49-F238E27FC236}">
+                <a16:creationId xmlns:a16="http://schemas.microsoft.com/office/drawing/2014/main" id="{7349C9DB-F6DA-48D8-8F46-C9BA4CD9A812}"/>
+              </a:ext>
+            </a:extLst>
+          </p:cNvPr>
+          <p:cNvSpPr>
+            <a:spLocks noGrp="1"/>
+          </p:cNvSpPr>
+          <p:nvPr>
+            <p:ph type="sldNum" sz="quarter" idx="12"/>
+          </p:nvPr>
+        </p:nvSpPr>
+        <p:spPr/>
+        <p:txBody>
+          <a:bodyPr/>
+          <a:lstStyle/>
+          <a:p>
+            <a:fld id="{F6FEDE24-D50C-481B-A7B4-8AF13899101A}" type="slidenum">
+              <a:rPr lang="da-DK" smtClean="0"/>
+              <a:t>17</a:t>
+            </a:fld>
+            <a:endParaRPr lang="da-DK"/>
+          </a:p>
+        </p:txBody>
+      </p:sp>
+      <p:pic>
+        <p:nvPicPr>
+          <p:cNvPr id="8" name="Picture 7">
+            <a:extLst>
+              <a:ext uri="{FF2B5EF4-FFF2-40B4-BE49-F238E27FC236}">
+                <a16:creationId xmlns:a16="http://schemas.microsoft.com/office/drawing/2014/main" id="{A6608F2F-AE28-489C-8050-7A35C7A28F1C}"/>
+              </a:ext>
+            </a:extLst>
+          </p:cNvPr>
+          <p:cNvPicPr>
+            <a:picLocks noChangeAspect="1"/>
+          </p:cNvPicPr>
+          <p:nvPr/>
+        </p:nvPicPr>
+        <p:blipFill>
+          <a:blip r:embed="rId2"/>
+          <a:stretch>
+            <a:fillRect/>
+          </a:stretch>
+        </p:blipFill>
+        <p:spPr>
+          <a:xfrm>
+            <a:off x="6096000" y="1032394"/>
+            <a:ext cx="5151846" cy="5144569"/>
+          </a:xfrm>
+          <a:prstGeom prst="rect">
+            <a:avLst/>
+          </a:prstGeom>
+        </p:spPr>
+      </p:pic>
+      <p:sp>
+        <p:nvSpPr>
+          <p:cNvPr id="9" name="Left Brace 8">
+            <a:extLst>
+              <a:ext uri="{FF2B5EF4-FFF2-40B4-BE49-F238E27FC236}">
+                <a16:creationId xmlns:a16="http://schemas.microsoft.com/office/drawing/2014/main" id="{4302D7AA-2167-4A46-A5B2-BD0DA21FDD16}"/>
+              </a:ext>
+            </a:extLst>
+          </p:cNvPr>
+          <p:cNvSpPr/>
+          <p:nvPr/>
+        </p:nvSpPr>
+        <p:spPr>
+          <a:xfrm>
+            <a:off x="5779367" y="1884784"/>
+            <a:ext cx="219284" cy="699796"/>
+          </a:xfrm>
+          <a:prstGeom prst="leftBrace">
+            <a:avLst/>
+          </a:prstGeom>
+          <a:ln w="12700">
+            <a:solidFill>
+              <a:srgbClr val="FF0000"/>
+            </a:solidFill>
+          </a:ln>
+        </p:spPr>
+        <p:style>
+          <a:lnRef idx="1">
+            <a:schemeClr val="accent1"/>
+          </a:lnRef>
+          <a:fillRef idx="0">
+            <a:schemeClr val="accent1"/>
+          </a:fillRef>
+          <a:effectRef idx="0">
+            <a:schemeClr val="accent1"/>
+          </a:effectRef>
+          <a:fontRef idx="minor">
+            <a:schemeClr val="tx1"/>
+          </a:fontRef>
+        </p:style>
+        <p:txBody>
+          <a:bodyPr rtlCol="0" anchor="ctr"/>
+          <a:lstStyle/>
+          <a:p>
+            <a:pPr algn="ctr"/>
+            <a:endParaRPr lang="da-DK"/>
+          </a:p>
+        </p:txBody>
+      </p:sp>
+      <p:sp>
+        <p:nvSpPr>
+          <p:cNvPr id="10" name="Left Brace 9">
+            <a:extLst>
+              <a:ext uri="{FF2B5EF4-FFF2-40B4-BE49-F238E27FC236}">
+                <a16:creationId xmlns:a16="http://schemas.microsoft.com/office/drawing/2014/main" id="{0F8DB1C9-4D63-4C53-BEB6-4A28F33FFF26}"/>
+              </a:ext>
+            </a:extLst>
+          </p:cNvPr>
+          <p:cNvSpPr/>
+          <p:nvPr/>
+        </p:nvSpPr>
+        <p:spPr>
+          <a:xfrm>
+            <a:off x="5805183" y="2916657"/>
+            <a:ext cx="219284" cy="573372"/>
+          </a:xfrm>
+          <a:prstGeom prst="leftBrace">
+            <a:avLst/>
+          </a:prstGeom>
+          <a:ln w="12700">
+            <a:solidFill>
+              <a:srgbClr val="FF0000"/>
+            </a:solidFill>
+          </a:ln>
+        </p:spPr>
+        <p:style>
+          <a:lnRef idx="1">
+            <a:schemeClr val="accent1"/>
+          </a:lnRef>
+          <a:fillRef idx="0">
+            <a:schemeClr val="accent1"/>
+          </a:fillRef>
+          <a:effectRef idx="0">
+            <a:schemeClr val="accent1"/>
+          </a:effectRef>
+          <a:fontRef idx="minor">
+            <a:schemeClr val="tx1"/>
+          </a:fontRef>
+        </p:style>
+        <p:txBody>
+          <a:bodyPr rtlCol="0" anchor="ctr"/>
+          <a:lstStyle/>
+          <a:p>
+            <a:pPr algn="ctr"/>
+            <a:endParaRPr lang="da-DK"/>
+          </a:p>
+        </p:txBody>
+      </p:sp>
+      <p:sp>
+        <p:nvSpPr>
+          <p:cNvPr id="11" name="Left Brace 10">
+            <a:extLst>
+              <a:ext uri="{FF2B5EF4-FFF2-40B4-BE49-F238E27FC236}">
+                <a16:creationId xmlns:a16="http://schemas.microsoft.com/office/drawing/2014/main" id="{049D148E-0DF0-4B3F-9ACC-0ADB98FD8751}"/>
+              </a:ext>
+            </a:extLst>
+          </p:cNvPr>
+          <p:cNvSpPr/>
+          <p:nvPr/>
+        </p:nvSpPr>
+        <p:spPr>
+          <a:xfrm>
+            <a:off x="5805183" y="3564351"/>
+            <a:ext cx="219284" cy="640993"/>
+          </a:xfrm>
+          <a:prstGeom prst="leftBrace">
+            <a:avLst/>
+          </a:prstGeom>
+          <a:ln w="12700">
+            <a:solidFill>
+              <a:srgbClr val="FF0000"/>
+            </a:solidFill>
+          </a:ln>
+        </p:spPr>
+        <p:style>
+          <a:lnRef idx="1">
+            <a:schemeClr val="accent1"/>
+          </a:lnRef>
+          <a:fillRef idx="0">
+            <a:schemeClr val="accent1"/>
+          </a:fillRef>
+          <a:effectRef idx="0">
+            <a:schemeClr val="accent1"/>
+          </a:effectRef>
+          <a:fontRef idx="minor">
+            <a:schemeClr val="tx1"/>
+          </a:fontRef>
+        </p:style>
+        <p:txBody>
+          <a:bodyPr rtlCol="0" anchor="ctr"/>
+          <a:lstStyle/>
+          <a:p>
+            <a:pPr algn="ctr"/>
+            <a:endParaRPr lang="da-DK"/>
+          </a:p>
+        </p:txBody>
+      </p:sp>
+      <p:sp>
+        <p:nvSpPr>
+          <p:cNvPr id="12" name="Left Brace 11">
+            <a:extLst>
+              <a:ext uri="{FF2B5EF4-FFF2-40B4-BE49-F238E27FC236}">
+                <a16:creationId xmlns:a16="http://schemas.microsoft.com/office/drawing/2014/main" id="{56B95499-0376-4122-9B14-5F66669FF48D}"/>
+              </a:ext>
+            </a:extLst>
+          </p:cNvPr>
+          <p:cNvSpPr/>
+          <p:nvPr/>
+        </p:nvSpPr>
+        <p:spPr>
+          <a:xfrm>
+            <a:off x="5805183" y="4348163"/>
+            <a:ext cx="219284" cy="554019"/>
+          </a:xfrm>
+          <a:prstGeom prst="leftBrace">
+            <a:avLst/>
+          </a:prstGeom>
+          <a:ln w="12700">
+            <a:solidFill>
+              <a:srgbClr val="FF0000"/>
+            </a:solidFill>
+          </a:ln>
+        </p:spPr>
+        <p:style>
+          <a:lnRef idx="1">
+            <a:schemeClr val="accent1"/>
+          </a:lnRef>
+          <a:fillRef idx="0">
+            <a:schemeClr val="accent1"/>
+          </a:fillRef>
+          <a:effectRef idx="0">
+            <a:schemeClr val="accent1"/>
+          </a:effectRef>
+          <a:fontRef idx="minor">
+            <a:schemeClr val="tx1"/>
+          </a:fontRef>
+        </p:style>
+        <p:txBody>
+          <a:bodyPr rtlCol="0" anchor="ctr"/>
+          <a:lstStyle/>
+          <a:p>
+            <a:pPr algn="ctr"/>
+            <a:endParaRPr lang="da-DK"/>
+          </a:p>
+        </p:txBody>
+      </p:sp>
+      <p:sp>
+        <p:nvSpPr>
+          <p:cNvPr id="13" name="Left Brace 12">
+            <a:extLst>
+              <a:ext uri="{FF2B5EF4-FFF2-40B4-BE49-F238E27FC236}">
+                <a16:creationId xmlns:a16="http://schemas.microsoft.com/office/drawing/2014/main" id="{9A60B9F6-E005-49E6-BEE4-B5354901C39C}"/>
+              </a:ext>
+            </a:extLst>
+          </p:cNvPr>
+          <p:cNvSpPr/>
+          <p:nvPr/>
+        </p:nvSpPr>
+        <p:spPr>
+          <a:xfrm>
+            <a:off x="5805183" y="4988719"/>
+            <a:ext cx="219284" cy="642026"/>
+          </a:xfrm>
+          <a:prstGeom prst="leftBrace">
+            <a:avLst/>
+          </a:prstGeom>
+          <a:ln w="12700">
+            <a:solidFill>
+              <a:srgbClr val="FF0000"/>
+            </a:solidFill>
+          </a:ln>
+        </p:spPr>
+        <p:style>
+          <a:lnRef idx="1">
+            <a:schemeClr val="accent1"/>
+          </a:lnRef>
+          <a:fillRef idx="0">
+            <a:schemeClr val="accent1"/>
+          </a:fillRef>
+          <a:effectRef idx="0">
+            <a:schemeClr val="accent1"/>
+          </a:effectRef>
+          <a:fontRef idx="minor">
+            <a:schemeClr val="tx1"/>
+          </a:fontRef>
+        </p:style>
+        <p:txBody>
+          <a:bodyPr rtlCol="0" anchor="ctr"/>
+          <a:lstStyle/>
+          <a:p>
+            <a:pPr algn="ctr"/>
+            <a:endParaRPr lang="da-DK"/>
+          </a:p>
+        </p:txBody>
+      </p:sp>
+      <p:sp>
+        <p:nvSpPr>
+          <p:cNvPr id="14" name="Left Brace 13">
+            <a:extLst>
+              <a:ext uri="{FF2B5EF4-FFF2-40B4-BE49-F238E27FC236}">
+                <a16:creationId xmlns:a16="http://schemas.microsoft.com/office/drawing/2014/main" id="{33027B71-F97A-443C-9755-1ACEAAF2B279}"/>
+              </a:ext>
+            </a:extLst>
+          </p:cNvPr>
+          <p:cNvSpPr/>
+          <p:nvPr/>
+        </p:nvSpPr>
+        <p:spPr>
+          <a:xfrm>
+            <a:off x="5807942" y="5767270"/>
+            <a:ext cx="216525" cy="319206"/>
+          </a:xfrm>
+          <a:prstGeom prst="leftBrace">
+            <a:avLst/>
+          </a:prstGeom>
+          <a:ln w="12700">
+            <a:solidFill>
+              <a:srgbClr val="FF0000"/>
+            </a:solidFill>
+          </a:ln>
+        </p:spPr>
+        <p:style>
+          <a:lnRef idx="1">
+            <a:schemeClr val="accent1"/>
+          </a:lnRef>
+          <a:fillRef idx="0">
+            <a:schemeClr val="accent1"/>
+          </a:fillRef>
+          <a:effectRef idx="0">
+            <a:schemeClr val="accent1"/>
+          </a:effectRef>
+          <a:fontRef idx="minor">
+            <a:schemeClr val="tx1"/>
+          </a:fontRef>
+        </p:style>
+        <p:txBody>
+          <a:bodyPr rtlCol="0" anchor="ctr"/>
+          <a:lstStyle/>
+          <a:p>
+            <a:pPr algn="ctr"/>
+            <a:endParaRPr lang="da-DK"/>
+          </a:p>
+        </p:txBody>
+      </p:sp>
+      <p:sp>
+        <p:nvSpPr>
+          <p:cNvPr id="15" name="TextBox 14">
+            <a:extLst>
+              <a:ext uri="{FF2B5EF4-FFF2-40B4-BE49-F238E27FC236}">
+                <a16:creationId xmlns:a16="http://schemas.microsoft.com/office/drawing/2014/main" id="{F439FFFF-ED00-463A-9F41-350041BD9B57}"/>
+              </a:ext>
+            </a:extLst>
+          </p:cNvPr>
+          <p:cNvSpPr txBox="1"/>
+          <p:nvPr/>
+        </p:nvSpPr>
+        <p:spPr>
+          <a:xfrm>
+            <a:off x="2611554" y="2050016"/>
+            <a:ext cx="4541520" cy="369332"/>
+          </a:xfrm>
+          <a:prstGeom prst="rect">
+            <a:avLst/>
+          </a:prstGeom>
+          <a:noFill/>
+        </p:spPr>
+        <p:txBody>
+          <a:bodyPr wrap="square" rtlCol="0">
+            <a:spAutoFit/>
+          </a:bodyPr>
+          <a:lstStyle/>
+          <a:p>
+            <a:r>
+              <a:rPr lang="da-DK" dirty="0"/>
+              <a:t>When tests should be triggered</a:t>
+            </a:r>
+          </a:p>
+        </p:txBody>
+      </p:sp>
+      <p:sp>
+        <p:nvSpPr>
+          <p:cNvPr id="16" name="TextBox 15">
+            <a:extLst>
+              <a:ext uri="{FF2B5EF4-FFF2-40B4-BE49-F238E27FC236}">
+                <a16:creationId xmlns:a16="http://schemas.microsoft.com/office/drawing/2014/main" id="{18A1CBA1-6A91-451C-9237-EC6933CA79C2}"/>
+              </a:ext>
+            </a:extLst>
+          </p:cNvPr>
+          <p:cNvSpPr txBox="1"/>
+          <p:nvPr/>
+        </p:nvSpPr>
+        <p:spPr>
+          <a:xfrm>
+            <a:off x="1638301" y="3007381"/>
+            <a:ext cx="4541520" cy="369332"/>
+          </a:xfrm>
+          <a:prstGeom prst="rect">
+            <a:avLst/>
+          </a:prstGeom>
+          <a:noFill/>
+        </p:spPr>
+        <p:txBody>
+          <a:bodyPr wrap="square" rtlCol="0">
+            <a:spAutoFit/>
+          </a:bodyPr>
+          <a:lstStyle/>
+          <a:p>
+            <a:r>
+              <a:rPr lang="da-DK" dirty="0"/>
+              <a:t>Define Operating system + python version</a:t>
+            </a:r>
+          </a:p>
+        </p:txBody>
+      </p:sp>
+      <p:sp>
+        <p:nvSpPr>
+          <p:cNvPr id="17" name="TextBox 16">
+            <a:extLst>
+              <a:ext uri="{FF2B5EF4-FFF2-40B4-BE49-F238E27FC236}">
+                <a16:creationId xmlns:a16="http://schemas.microsoft.com/office/drawing/2014/main" id="{EA66F77B-2A40-4B49-91CA-616D716156CE}"/>
+              </a:ext>
+            </a:extLst>
+          </p:cNvPr>
+          <p:cNvSpPr txBox="1"/>
+          <p:nvPr/>
+        </p:nvSpPr>
+        <p:spPr>
+          <a:xfrm>
+            <a:off x="4312920" y="3688850"/>
+            <a:ext cx="4541520" cy="369332"/>
+          </a:xfrm>
+          <a:prstGeom prst="rect">
+            <a:avLst/>
+          </a:prstGeom>
+          <a:noFill/>
+        </p:spPr>
+        <p:txBody>
+          <a:bodyPr wrap="square" rtlCol="0">
+            <a:spAutoFit/>
+          </a:bodyPr>
+          <a:lstStyle/>
+          <a:p>
+            <a:r>
+              <a:rPr lang="da-DK" dirty="0"/>
+              <a:t>Setup python</a:t>
+            </a:r>
+          </a:p>
+        </p:txBody>
+      </p:sp>
+      <p:sp>
+        <p:nvSpPr>
+          <p:cNvPr id="18" name="TextBox 17">
+            <a:extLst>
+              <a:ext uri="{FF2B5EF4-FFF2-40B4-BE49-F238E27FC236}">
+                <a16:creationId xmlns:a16="http://schemas.microsoft.com/office/drawing/2014/main" id="{1344882E-4C73-4FBB-A252-DBDA38752E91}"/>
+              </a:ext>
+            </a:extLst>
+          </p:cNvPr>
+          <p:cNvSpPr txBox="1"/>
+          <p:nvPr/>
+        </p:nvSpPr>
+        <p:spPr>
+          <a:xfrm>
+            <a:off x="3644065" y="4437878"/>
+            <a:ext cx="4541520" cy="369332"/>
+          </a:xfrm>
+          <a:prstGeom prst="rect">
+            <a:avLst/>
+          </a:prstGeom>
+          <a:noFill/>
+        </p:spPr>
+        <p:txBody>
+          <a:bodyPr wrap="square" rtlCol="0">
+            <a:spAutoFit/>
+          </a:bodyPr>
+          <a:lstStyle/>
+          <a:p>
+            <a:r>
+              <a:rPr lang="da-DK" dirty="0"/>
+              <a:t>Install dependencies</a:t>
+            </a:r>
+          </a:p>
+        </p:txBody>
+      </p:sp>
+      <p:sp>
+        <p:nvSpPr>
+          <p:cNvPr id="19" name="TextBox 18">
+            <a:extLst>
+              <a:ext uri="{FF2B5EF4-FFF2-40B4-BE49-F238E27FC236}">
+                <a16:creationId xmlns:a16="http://schemas.microsoft.com/office/drawing/2014/main" id="{72E4C5F3-8D08-40EF-A070-05E84205327C}"/>
+              </a:ext>
+            </a:extLst>
+          </p:cNvPr>
+          <p:cNvSpPr txBox="1"/>
+          <p:nvPr/>
+        </p:nvSpPr>
+        <p:spPr>
+          <a:xfrm>
+            <a:off x="3017520" y="5125066"/>
+            <a:ext cx="4541520" cy="369332"/>
+          </a:xfrm>
+          <a:prstGeom prst="rect">
+            <a:avLst/>
+          </a:prstGeom>
+          <a:noFill/>
+        </p:spPr>
+        <p:txBody>
+          <a:bodyPr wrap="square" rtlCol="0">
+            <a:spAutoFit/>
+          </a:bodyPr>
+          <a:lstStyle/>
+          <a:p>
+            <a:r>
+              <a:rPr lang="da-DK" dirty="0"/>
+              <a:t>Check linting (stop if errors)</a:t>
+            </a:r>
+          </a:p>
+        </p:txBody>
+      </p:sp>
+      <p:sp>
+        <p:nvSpPr>
+          <p:cNvPr id="20" name="TextBox 19">
+            <a:extLst>
+              <a:ext uri="{FF2B5EF4-FFF2-40B4-BE49-F238E27FC236}">
+                <a16:creationId xmlns:a16="http://schemas.microsoft.com/office/drawing/2014/main" id="{381D6BF7-D8EE-4653-B0F9-5F08DC8BBC1A}"/>
+              </a:ext>
+            </a:extLst>
+          </p:cNvPr>
+          <p:cNvSpPr txBox="1"/>
+          <p:nvPr/>
+        </p:nvSpPr>
+        <p:spPr>
+          <a:xfrm>
+            <a:off x="4709160" y="5721971"/>
+            <a:ext cx="4541520" cy="369332"/>
+          </a:xfrm>
+          <a:prstGeom prst="rect">
+            <a:avLst/>
+          </a:prstGeom>
+          <a:noFill/>
+        </p:spPr>
+        <p:txBody>
+          <a:bodyPr wrap="square" rtlCol="0">
+            <a:spAutoFit/>
+          </a:bodyPr>
+          <a:lstStyle/>
+          <a:p>
+            <a:r>
+              <a:rPr lang="da-DK" dirty="0"/>
+              <a:t>Run tests</a:t>
+            </a:r>
+          </a:p>
+        </p:txBody>
+      </p:sp>
+    </p:spTree>
+    <p:extLst>
+      <p:ext uri="{BB962C8B-B14F-4D97-AF65-F5344CB8AC3E}">
+        <p14:creationId xmlns:p14="http://schemas.microsoft.com/office/powerpoint/2010/main" val="1473876351"/>
+      </p:ext>
+    </p:extLst>
+  </p:cSld>
+  <p:clrMapOvr>
+    <a:masterClrMapping/>
+  </p:clrMapOvr>
+</p:sld>
+</file>
+
+<file path=ppt/slides/slide18.xml><?xml version="1.0" encoding="utf-8"?>
+<p:sld xmlns:a="http://schemas.openxmlformats.org/drawingml/2006/main" xmlns:r="http://schemas.openxmlformats.org/officeDocument/2006/relationships" xmlns:p="http://schemas.openxmlformats.org/presentationml/2006/main">
+  <p:cSld>
+    <p:spTree>
+      <p:nvGrpSpPr>
+        <p:cNvPr id="1" name=""/>
+        <p:cNvGrpSpPr/>
+        <p:nvPr/>
+      </p:nvGrpSpPr>
+      <p:grpSpPr>
+        <a:xfrm>
+          <a:off x="0" y="0"/>
+          <a:ext cx="0" cy="0"/>
+          <a:chOff x="0" y="0"/>
+          <a:chExt cx="0" cy="0"/>
+        </a:xfrm>
+      </p:grpSpPr>
+      <p:sp>
+        <p:nvSpPr>
+          <p:cNvPr id="2" name="Title 1">
+            <a:extLst>
+              <a:ext uri="{FF2B5EF4-FFF2-40B4-BE49-F238E27FC236}">
+                <a16:creationId xmlns:a16="http://schemas.microsoft.com/office/drawing/2014/main" id="{EAF59619-619D-4BE4-AA66-0CEAB7F7B0D7}"/>
+              </a:ext>
+            </a:extLst>
+          </p:cNvPr>
+          <p:cNvSpPr>
+            <a:spLocks noGrp="1"/>
+          </p:cNvSpPr>
+          <p:nvPr>
+            <p:ph type="title"/>
+          </p:nvPr>
+        </p:nvSpPr>
+        <p:spPr/>
+        <p:txBody>
+          <a:bodyPr/>
+          <a:lstStyle/>
+          <a:p>
+            <a:r>
+              <a:rPr lang="da-DK" dirty="0"/>
+              <a:t>A small case study </a:t>
+            </a:r>
+          </a:p>
+        </p:txBody>
+      </p:sp>
+      <p:sp>
+        <p:nvSpPr>
+          <p:cNvPr id="3" name="Content Placeholder 2">
+            <a:extLst>
+              <a:ext uri="{FF2B5EF4-FFF2-40B4-BE49-F238E27FC236}">
+                <a16:creationId xmlns:a16="http://schemas.microsoft.com/office/drawing/2014/main" id="{458F45F5-81CA-484B-935A-8C437951C320}"/>
+              </a:ext>
+            </a:extLst>
+          </p:cNvPr>
+          <p:cNvSpPr>
+            <a:spLocks noGrp="1"/>
+          </p:cNvSpPr>
+          <p:nvPr>
+            <p:ph idx="1"/>
+          </p:nvPr>
+        </p:nvSpPr>
+        <p:spPr/>
+        <p:txBody>
+          <a:bodyPr/>
+          <a:lstStyle/>
+          <a:p>
+            <a:endParaRPr lang="da-DK" dirty="0"/>
+          </a:p>
+        </p:txBody>
+      </p:sp>
+      <p:sp>
+        <p:nvSpPr>
+          <p:cNvPr id="4" name="Date Placeholder 3">
+            <a:extLst>
+              <a:ext uri="{FF2B5EF4-FFF2-40B4-BE49-F238E27FC236}">
+                <a16:creationId xmlns:a16="http://schemas.microsoft.com/office/drawing/2014/main" id="{28D02B8C-7B34-46F7-A2B7-B02C72AAB3D7}"/>
+              </a:ext>
+            </a:extLst>
+          </p:cNvPr>
+          <p:cNvSpPr>
+            <a:spLocks noGrp="1"/>
+          </p:cNvSpPr>
+          <p:nvPr>
+            <p:ph type="dt" sz="half" idx="10"/>
+          </p:nvPr>
+        </p:nvSpPr>
+        <p:spPr/>
+        <p:txBody>
+          <a:bodyPr/>
+          <a:lstStyle/>
+          <a:p>
+            <a:fld id="{019E29B9-5584-4737-9C98-1B926378C778}" type="datetime1">
+              <a:rPr lang="en-US" smtClean="0"/>
+              <a:t>5/19/2021</a:t>
+            </a:fld>
+            <a:endParaRPr lang="da-DK"/>
+          </a:p>
+        </p:txBody>
+      </p:sp>
+      <p:sp>
+        <p:nvSpPr>
+          <p:cNvPr id="5" name="Footer Placeholder 4">
+            <a:extLst>
+              <a:ext uri="{FF2B5EF4-FFF2-40B4-BE49-F238E27FC236}">
+                <a16:creationId xmlns:a16="http://schemas.microsoft.com/office/drawing/2014/main" id="{C4FACB2A-EE92-414E-AE8A-169E7208098F}"/>
+              </a:ext>
+            </a:extLst>
+          </p:cNvPr>
+          <p:cNvSpPr>
+            <a:spLocks noGrp="1"/>
+          </p:cNvSpPr>
+          <p:nvPr>
+            <p:ph type="ftr" sz="quarter" idx="11"/>
+          </p:nvPr>
+        </p:nvSpPr>
+        <p:spPr/>
+        <p:txBody>
+          <a:bodyPr/>
+          <a:lstStyle/>
+          <a:p>
+            <a:r>
+              <a:rPr lang="da-DK"/>
+              <a:t>Nicki Skafte Detlefsen</a:t>
+            </a:r>
+          </a:p>
+        </p:txBody>
+      </p:sp>
+      <p:sp>
+        <p:nvSpPr>
+          <p:cNvPr id="6" name="Slide Number Placeholder 5">
+            <a:extLst>
+              <a:ext uri="{FF2B5EF4-FFF2-40B4-BE49-F238E27FC236}">
+                <a16:creationId xmlns:a16="http://schemas.microsoft.com/office/drawing/2014/main" id="{6579EFF0-887F-4401-BA36-3F6DA8E50278}"/>
+              </a:ext>
+            </a:extLst>
+          </p:cNvPr>
+          <p:cNvSpPr>
+            <a:spLocks noGrp="1"/>
+          </p:cNvSpPr>
+          <p:nvPr>
+            <p:ph type="sldNum" sz="quarter" idx="12"/>
+          </p:nvPr>
+        </p:nvSpPr>
+        <p:spPr/>
+        <p:txBody>
+          <a:bodyPr/>
+          <a:lstStyle/>
+          <a:p>
+            <a:fld id="{F6FEDE24-D50C-481B-A7B4-8AF13899101A}" type="slidenum">
+              <a:rPr lang="da-DK" smtClean="0"/>
+              <a:t>18</a:t>
+            </a:fld>
+            <a:endParaRPr lang="da-DK"/>
+          </a:p>
+        </p:txBody>
+      </p:sp>
+      <p:pic>
+        <p:nvPicPr>
+          <p:cNvPr id="8" name="Picture 7">
+            <a:extLst>
+              <a:ext uri="{FF2B5EF4-FFF2-40B4-BE49-F238E27FC236}">
+                <a16:creationId xmlns:a16="http://schemas.microsoft.com/office/drawing/2014/main" id="{B0760944-594E-48B9-B402-CAABB68EB88C}"/>
+              </a:ext>
+            </a:extLst>
+          </p:cNvPr>
+          <p:cNvPicPr>
+            <a:picLocks noChangeAspect="1"/>
+          </p:cNvPicPr>
+          <p:nvPr/>
+        </p:nvPicPr>
+        <p:blipFill>
+          <a:blip r:embed="rId2"/>
+          <a:stretch>
+            <a:fillRect/>
+          </a:stretch>
+        </p:blipFill>
+        <p:spPr>
+          <a:xfrm>
+            <a:off x="200159" y="795889"/>
             <a:ext cx="4501870" cy="3324561"/>
           </a:xfrm>
           <a:prstGeom prst="rect">
@@ -8091,8 +9802,8 @@
         </p:nvSpPr>
         <p:spPr>
           <a:xfrm>
-            <a:off x="1269593" y="1657350"/>
-            <a:ext cx="1730782" cy="2857500"/>
+            <a:off x="1357706" y="2133645"/>
+            <a:ext cx="1209675" cy="2240997"/>
           </a:xfrm>
           <a:custGeom>
             <a:avLst/>
@@ -8186,13 +9897,15 @@
               </a:ext>
             </a:extLst>
           </p:cNvPr>
-          <p:cNvCxnSpPr/>
+          <p:cNvCxnSpPr>
+            <a:cxnSpLocks/>
+          </p:cNvCxnSpPr>
           <p:nvPr/>
         </p:nvCxnSpPr>
         <p:spPr>
           <a:xfrm>
-            <a:off x="2776538" y="4481513"/>
-            <a:ext cx="338137" cy="61912"/>
+            <a:off x="2451094" y="4349247"/>
+            <a:ext cx="635793" cy="130701"/>
           </a:xfrm>
           <a:prstGeom prst="straightConnector1">
             <a:avLst/>
@@ -8239,7 +9952,7 @@
           <a:prstGeom prst="line">
             <a:avLst/>
           </a:prstGeom>
-          <a:ln>
+          <a:ln w="38100">
             <a:solidFill>
               <a:srgbClr val="FF0000"/>
             </a:solidFill>
@@ -8282,7 +9995,7 @@
           <a:prstGeom prst="line">
             <a:avLst/>
           </a:prstGeom>
-          <a:ln>
+          <a:ln w="38100">
             <a:solidFill>
               <a:srgbClr val="FF0000"/>
             </a:solidFill>
@@ -8303,6 +10016,58 @@
           </a:fontRef>
         </p:style>
       </p:cxnSp>
+      <p:sp>
+        <p:nvSpPr>
+          <p:cNvPr id="7" name="Rectangle 6">
+            <a:extLst>
+              <a:ext uri="{FF2B5EF4-FFF2-40B4-BE49-F238E27FC236}">
+                <a16:creationId xmlns:a16="http://schemas.microsoft.com/office/drawing/2014/main" id="{E8669E7C-41A7-4E2F-983A-7EA63ADFD1D4}"/>
+              </a:ext>
+            </a:extLst>
+          </p:cNvPr>
+          <p:cNvSpPr/>
+          <p:nvPr/>
+        </p:nvSpPr>
+        <p:spPr>
+          <a:xfrm>
+            <a:off x="1078335" y="795890"/>
+            <a:ext cx="1610686" cy="344896"/>
+          </a:xfrm>
+          <a:prstGeom prst="rect">
+            <a:avLst/>
+          </a:prstGeom>
+          <a:noFill/>
+          <a:ln w="38100">
+            <a:solidFill>
+              <a:srgbClr val="FF0000"/>
+            </a:solidFill>
+          </a:ln>
+        </p:spPr>
+        <p:style>
+          <a:lnRef idx="2">
+            <a:schemeClr val="accent1">
+              <a:shade val="50000"/>
+            </a:schemeClr>
+          </a:lnRef>
+          <a:fillRef idx="1">
+            <a:schemeClr val="accent1"/>
+          </a:fillRef>
+          <a:effectRef idx="0">
+            <a:schemeClr val="accent1"/>
+          </a:effectRef>
+          <a:fontRef idx="minor">
+            <a:schemeClr val="lt1"/>
+          </a:fontRef>
+        </p:style>
+        <p:txBody>
+          <a:bodyPr rtlCol="0" anchor="ctr"/>
+          <a:lstStyle/>
+          <a:p>
+            <a:pPr algn="ctr"/>
+            <a:endParaRPr lang="da-DK"/>
+          </a:p>
+        </p:txBody>
+      </p:sp>
     </p:spTree>
     <p:extLst>
       <p:ext uri="{BB962C8B-B14F-4D97-AF65-F5344CB8AC3E}">
@@ -8316,7 +10081,7 @@
 </p:sld>
 </file>
 
-<file path=ppt/slides/slide16.xml><?xml version="1.0" encoding="utf-8"?>
+<file path=ppt/slides/slide19.xml><?xml version="1.0" encoding="utf-8"?>
 <p:sld xmlns:a="http://schemas.openxmlformats.org/drawingml/2006/main" xmlns:r="http://schemas.openxmlformats.org/officeDocument/2006/relationships" xmlns:p="http://schemas.openxmlformats.org/presentationml/2006/main">
   <p:cSld>
     <p:spTree>
@@ -8409,7 +10174,7 @@
           <a:p>
             <a:fld id="{019E29B9-5584-4737-9C98-1B926378C778}" type="datetime1">
               <a:rPr lang="en-US" smtClean="0"/>
-              <a:t>5/18/2021</a:t>
+              <a:t>5/19/2021</a:t>
             </a:fld>
             <a:endParaRPr lang="da-DK"/>
           </a:p>
@@ -8466,7 +10231,7 @@
           <a:p>
             <a:fld id="{F6FEDE24-D50C-481B-A7B4-8AF13899101A}" type="slidenum">
               <a:rPr lang="da-DK" smtClean="0"/>
-              <a:t>16</a:t>
+              <a:t>19</a:t>
             </a:fld>
             <a:endParaRPr lang="da-DK"/>
           </a:p>
@@ -8747,6 +10512,83 @@
           </a:p>
         </p:txBody>
       </p:sp>
+      <p:cxnSp>
+        <p:nvCxnSpPr>
+          <p:cNvPr id="9" name="Straight Arrow Connector 8">
+            <a:extLst>
+              <a:ext uri="{FF2B5EF4-FFF2-40B4-BE49-F238E27FC236}">
+                <a16:creationId xmlns:a16="http://schemas.microsoft.com/office/drawing/2014/main" id="{A95E4F95-DFD1-474E-91B6-34ACB3CD3D9D}"/>
+              </a:ext>
+            </a:extLst>
+          </p:cNvPr>
+          <p:cNvCxnSpPr/>
+          <p:nvPr/>
+        </p:nvCxnSpPr>
+        <p:spPr>
+          <a:xfrm flipV="1">
+            <a:off x="8858774" y="1166070"/>
+            <a:ext cx="461395" cy="117446"/>
+          </a:xfrm>
+          <a:prstGeom prst="straightConnector1">
+            <a:avLst/>
+          </a:prstGeom>
+          <a:ln w="38100">
+            <a:solidFill>
+              <a:srgbClr val="FF0000"/>
+            </a:solidFill>
+            <a:tailEnd type="triangle"/>
+          </a:ln>
+        </p:spPr>
+        <p:style>
+          <a:lnRef idx="1">
+            <a:schemeClr val="accent1"/>
+          </a:lnRef>
+          <a:fillRef idx="0">
+            <a:schemeClr val="accent1"/>
+          </a:fillRef>
+          <a:effectRef idx="0">
+            <a:schemeClr val="accent1"/>
+          </a:effectRef>
+          <a:fontRef idx="minor">
+            <a:schemeClr val="tx1"/>
+          </a:fontRef>
+        </p:style>
+      </p:cxnSp>
+      <p:sp>
+        <p:nvSpPr>
+          <p:cNvPr id="17" name="TextBox 16">
+            <a:extLst>
+              <a:ext uri="{FF2B5EF4-FFF2-40B4-BE49-F238E27FC236}">
+                <a16:creationId xmlns:a16="http://schemas.microsoft.com/office/drawing/2014/main" id="{78CBADD7-787C-4D3E-9163-0533C4C24D76}"/>
+              </a:ext>
+            </a:extLst>
+          </p:cNvPr>
+          <p:cNvSpPr txBox="1"/>
+          <p:nvPr/>
+        </p:nvSpPr>
+        <p:spPr>
+          <a:xfrm>
+            <a:off x="9320169" y="941099"/>
+            <a:ext cx="3025820" cy="400110"/>
+          </a:xfrm>
+          <a:prstGeom prst="rect">
+            <a:avLst/>
+          </a:prstGeom>
+          <a:noFill/>
+        </p:spPr>
+        <p:txBody>
+          <a:bodyPr wrap="square" rtlCol="0">
+            <a:spAutoFit/>
+          </a:bodyPr>
+          <a:lstStyle/>
+          <a:p>
+            <a:r>
+              <a:rPr lang="da-DK" sz="2000" dirty="0"/>
+              <a:t>Not github actions</a:t>
+            </a:r>
+          </a:p>
+        </p:txBody>
+      </p:sp>
     </p:spTree>
     <p:extLst>
       <p:ext uri="{BB962C8B-B14F-4D97-AF65-F5344CB8AC3E}">
@@ -8760,7 +10602,7 @@
 </p:sld>
 </file>
 
-<file path=ppt/slides/slide17.xml><?xml version="1.0" encoding="utf-8"?>
+<file path=ppt/slides/slide2.xml><?xml version="1.0" encoding="utf-8"?>
 <p:sld xmlns:a="http://schemas.openxmlformats.org/drawingml/2006/main" xmlns:r="http://schemas.openxmlformats.org/officeDocument/2006/relationships" xmlns:p="http://schemas.openxmlformats.org/presentationml/2006/main">
   <p:cSld>
     <p:spTree>
@@ -8782,7 +10624,7 @@
           <p:cNvPr id="2" name="Title 1">
             <a:extLst>
               <a:ext uri="{FF2B5EF4-FFF2-40B4-BE49-F238E27FC236}">
-                <a16:creationId xmlns:a16="http://schemas.microsoft.com/office/drawing/2014/main" id="{0CBF86A8-6EA4-4100-A86F-B1F1B52F5514}"/>
+                <a16:creationId xmlns:a16="http://schemas.microsoft.com/office/drawing/2014/main" id="{6017292B-83CC-4127-8FB1-922F07B5F503}"/>
               </a:ext>
             </a:extLst>
           </p:cNvPr>
@@ -8798,7 +10640,10 @@
           <a:bodyPr/>
           <a:lstStyle/>
           <a:p>
-            <a:endParaRPr lang="da-DK"/>
+            <a:r>
+              <a:rPr lang="da-DK" dirty="0"/>
+              <a:t>What is continues integration?</a:t>
+            </a:r>
           </a:p>
         </p:txBody>
       </p:sp>
@@ -8807,7 +10652,7 @@
           <p:cNvPr id="3" name="Content Placeholder 2">
             <a:extLst>
               <a:ext uri="{FF2B5EF4-FFF2-40B4-BE49-F238E27FC236}">
-                <a16:creationId xmlns:a16="http://schemas.microsoft.com/office/drawing/2014/main" id="{5994F392-1EF3-4BD2-AC7A-84109E40AE23}"/>
+                <a16:creationId xmlns:a16="http://schemas.microsoft.com/office/drawing/2014/main" id="{8BB138C7-06FC-4D11-AB10-15CBAF37B9FB}"/>
               </a:ext>
             </a:extLst>
           </p:cNvPr>
@@ -8823,7 +10668,66 @@
           <a:bodyPr/>
           <a:lstStyle/>
           <a:p>
-            <a:endParaRPr lang="da-DK"/>
+            <a:r>
+              <a:rPr lang="da-DK" dirty="0"/>
+              <a:t>Software practise</a:t>
+            </a:r>
+          </a:p>
+          <a:p>
+            <a:pPr lvl="1"/>
+            <a:endParaRPr lang="da-DK" dirty="0"/>
+          </a:p>
+          <a:p>
+            <a:pPr lvl="1"/>
+            <a:r>
+              <a:rPr lang="da-DK" dirty="0"/>
+              <a:t>Frequitly commit code to shared reposatory</a:t>
+            </a:r>
+          </a:p>
+          <a:p>
+            <a:pPr lvl="1"/>
+            <a:endParaRPr lang="da-DK" dirty="0"/>
+          </a:p>
+          <a:p>
+            <a:pPr lvl="1"/>
+            <a:r>
+              <a:rPr lang="da-DK" dirty="0"/>
+              <a:t>By commit sooner than later, errors are captured early</a:t>
+            </a:r>
+          </a:p>
+          <a:p>
+            <a:pPr lvl="1"/>
+            <a:endParaRPr lang="da-DK" dirty="0"/>
+          </a:p>
+          <a:p>
+            <a:pPr lvl="1"/>
+            <a:r>
+              <a:rPr lang="da-DK" dirty="0"/>
+              <a:t>Make merging easier</a:t>
+            </a:r>
+          </a:p>
+          <a:p>
+            <a:pPr lvl="1"/>
+            <a:endParaRPr lang="da-DK" dirty="0"/>
+          </a:p>
+          <a:p>
+            <a:pPr lvl="1"/>
+            <a:r>
+              <a:rPr lang="da-DK" dirty="0"/>
+              <a:t>Automate build + test</a:t>
+            </a:r>
+          </a:p>
+          <a:p>
+            <a:pPr marL="0" indent="0">
+              <a:buNone/>
+            </a:pPr>
+            <a:endParaRPr lang="da-DK" dirty="0"/>
+          </a:p>
+          <a:p>
+            <a:r>
+              <a:rPr lang="da-DK" dirty="0"/>
+              <a:t>App independent</a:t>
+            </a:r>
           </a:p>
         </p:txBody>
       </p:sp>
@@ -8832,7 +10736,7 @@
           <p:cNvPr id="4" name="Date Placeholder 3">
             <a:extLst>
               <a:ext uri="{FF2B5EF4-FFF2-40B4-BE49-F238E27FC236}">
-                <a16:creationId xmlns:a16="http://schemas.microsoft.com/office/drawing/2014/main" id="{3250E2B5-000F-4E61-BF6B-57579EB5DDF9}"/>
+                <a16:creationId xmlns:a16="http://schemas.microsoft.com/office/drawing/2014/main" id="{0420B38B-2F7C-4ED0-83E3-56A02D59A520}"/>
               </a:ext>
             </a:extLst>
           </p:cNvPr>
@@ -8850,7 +10754,7 @@
           <a:p>
             <a:fld id="{019E29B9-5584-4737-9C98-1B926378C778}" type="datetime1">
               <a:rPr lang="en-US" smtClean="0"/>
-              <a:t>5/18/2021</a:t>
+              <a:t>5/19/2021</a:t>
             </a:fld>
             <a:endParaRPr lang="da-DK"/>
           </a:p>
@@ -8861,7 +10765,7 @@
           <p:cNvPr id="5" name="Footer Placeholder 4">
             <a:extLst>
               <a:ext uri="{FF2B5EF4-FFF2-40B4-BE49-F238E27FC236}">
-                <a16:creationId xmlns:a16="http://schemas.microsoft.com/office/drawing/2014/main" id="{C5E2D469-7952-4721-8121-D643D740B7C0}"/>
+                <a16:creationId xmlns:a16="http://schemas.microsoft.com/office/drawing/2014/main" id="{F186A8F9-D2EE-461C-8CE2-9990E4575F1A}"/>
               </a:ext>
             </a:extLst>
           </p:cNvPr>
@@ -8889,7 +10793,7 @@
           <p:cNvPr id="6" name="Slide Number Placeholder 5">
             <a:extLst>
               <a:ext uri="{FF2B5EF4-FFF2-40B4-BE49-F238E27FC236}">
-                <a16:creationId xmlns:a16="http://schemas.microsoft.com/office/drawing/2014/main" id="{D26C0131-DA78-4786-BA3D-EC6ECD16ABB2}"/>
+                <a16:creationId xmlns:a16="http://schemas.microsoft.com/office/drawing/2014/main" id="{E21A5F62-8528-49C6-B251-E038D5533F72}"/>
               </a:ext>
             </a:extLst>
           </p:cNvPr>
@@ -8907,7 +10811,263 @@
           <a:p>
             <a:fld id="{F6FEDE24-D50C-481B-A7B4-8AF13899101A}" type="slidenum">
               <a:rPr lang="da-DK" smtClean="0"/>
-              <a:t>17</a:t>
+              <a:t>2</a:t>
+            </a:fld>
+            <a:endParaRPr lang="da-DK"/>
+          </a:p>
+        </p:txBody>
+      </p:sp>
+      <p:pic>
+        <p:nvPicPr>
+          <p:cNvPr id="7" name="Picture 6" descr="Diagram&#10;&#10;Description automatically generated">
+            <a:extLst>
+              <a:ext uri="{FF2B5EF4-FFF2-40B4-BE49-F238E27FC236}">
+                <a16:creationId xmlns:a16="http://schemas.microsoft.com/office/drawing/2014/main" id="{0CA6B713-DD80-4231-86BB-60D9DB975E14}"/>
+              </a:ext>
+            </a:extLst>
+          </p:cNvPr>
+          <p:cNvPicPr>
+            <a:picLocks noChangeAspect="1"/>
+          </p:cNvPicPr>
+          <p:nvPr/>
+        </p:nvPicPr>
+        <p:blipFill rotWithShape="1">
+          <a:blip r:embed="rId2">
+            <a:extLst>
+              <a:ext uri="{28A0092B-C50C-407E-A947-70E740481C1C}">
+                <a14:useLocalDpi xmlns:a14="http://schemas.microsoft.com/office/drawing/2010/main" val="0"/>
+              </a:ext>
+            </a:extLst>
+          </a:blip>
+          <a:srcRect l="65066" t="21007"/>
+          <a:stretch/>
+        </p:blipFill>
+        <p:spPr>
+          <a:xfrm>
+            <a:off x="8633982" y="1560352"/>
+            <a:ext cx="2480394" cy="4204400"/>
+          </a:xfrm>
+          <a:prstGeom prst="rect">
+            <a:avLst/>
+          </a:prstGeom>
+        </p:spPr>
+      </p:pic>
+      <p:sp>
+        <p:nvSpPr>
+          <p:cNvPr id="8" name="Rectangle 7">
+            <a:extLst>
+              <a:ext uri="{FF2B5EF4-FFF2-40B4-BE49-F238E27FC236}">
+                <a16:creationId xmlns:a16="http://schemas.microsoft.com/office/drawing/2014/main" id="{CBB6EA17-443E-4DFB-BEB6-2C9DE276DD2D}"/>
+              </a:ext>
+            </a:extLst>
+          </p:cNvPr>
+          <p:cNvSpPr/>
+          <p:nvPr/>
+        </p:nvSpPr>
+        <p:spPr>
+          <a:xfrm>
+            <a:off x="8742003" y="4286774"/>
+            <a:ext cx="2264353" cy="545285"/>
+          </a:xfrm>
+          <a:prstGeom prst="rect">
+            <a:avLst/>
+          </a:prstGeom>
+          <a:noFill/>
+          <a:ln w="38100">
+            <a:solidFill>
+              <a:srgbClr val="FF0000"/>
+            </a:solidFill>
+          </a:ln>
+        </p:spPr>
+        <p:style>
+          <a:lnRef idx="2">
+            <a:schemeClr val="accent1">
+              <a:shade val="50000"/>
+            </a:schemeClr>
+          </a:lnRef>
+          <a:fillRef idx="1">
+            <a:schemeClr val="accent1"/>
+          </a:fillRef>
+          <a:effectRef idx="0">
+            <a:schemeClr val="accent1"/>
+          </a:effectRef>
+          <a:fontRef idx="minor">
+            <a:schemeClr val="lt1"/>
+          </a:fontRef>
+        </p:style>
+        <p:txBody>
+          <a:bodyPr rtlCol="0" anchor="ctr"/>
+          <a:lstStyle/>
+          <a:p>
+            <a:pPr algn="ctr"/>
+            <a:endParaRPr lang="da-DK"/>
+          </a:p>
+        </p:txBody>
+      </p:sp>
+    </p:spTree>
+    <p:extLst>
+      <p:ext uri="{BB962C8B-B14F-4D97-AF65-F5344CB8AC3E}">
+        <p14:creationId xmlns:p14="http://schemas.microsoft.com/office/powerpoint/2010/main" val="574670851"/>
+      </p:ext>
+    </p:extLst>
+  </p:cSld>
+  <p:clrMapOvr>
+    <a:masterClrMapping/>
+  </p:clrMapOvr>
+</p:sld>
+</file>
+
+<file path=ppt/slides/slide20.xml><?xml version="1.0" encoding="utf-8"?>
+<p:sld xmlns:a="http://schemas.openxmlformats.org/drawingml/2006/main" xmlns:r="http://schemas.openxmlformats.org/officeDocument/2006/relationships" xmlns:p="http://schemas.openxmlformats.org/presentationml/2006/main">
+  <p:cSld>
+    <p:spTree>
+      <p:nvGrpSpPr>
+        <p:cNvPr id="1" name=""/>
+        <p:cNvGrpSpPr/>
+        <p:nvPr/>
+      </p:nvGrpSpPr>
+      <p:grpSpPr>
+        <a:xfrm>
+          <a:off x="0" y="0"/>
+          <a:ext cx="0" cy="0"/>
+          <a:chOff x="0" y="0"/>
+          <a:chExt cx="0" cy="0"/>
+        </a:xfrm>
+      </p:grpSpPr>
+      <p:sp>
+        <p:nvSpPr>
+          <p:cNvPr id="2" name="Title 1">
+            <a:extLst>
+              <a:ext uri="{FF2B5EF4-FFF2-40B4-BE49-F238E27FC236}">
+                <a16:creationId xmlns:a16="http://schemas.microsoft.com/office/drawing/2014/main" id="{0CBF86A8-6EA4-4100-A86F-B1F1B52F5514}"/>
+              </a:ext>
+            </a:extLst>
+          </p:cNvPr>
+          <p:cNvSpPr>
+            <a:spLocks noGrp="1"/>
+          </p:cNvSpPr>
+          <p:nvPr>
+            <p:ph type="title"/>
+          </p:nvPr>
+        </p:nvSpPr>
+        <p:spPr/>
+        <p:txBody>
+          <a:bodyPr/>
+          <a:lstStyle/>
+          <a:p>
+            <a:r>
+              <a:rPr lang="da-DK" dirty="0"/>
+              <a:t>Each PR triggers all tests</a:t>
+            </a:r>
+          </a:p>
+        </p:txBody>
+      </p:sp>
+      <p:sp>
+        <p:nvSpPr>
+          <p:cNvPr id="3" name="Content Placeholder 2">
+            <a:extLst>
+              <a:ext uri="{FF2B5EF4-FFF2-40B4-BE49-F238E27FC236}">
+                <a16:creationId xmlns:a16="http://schemas.microsoft.com/office/drawing/2014/main" id="{5994F392-1EF3-4BD2-AC7A-84109E40AE23}"/>
+              </a:ext>
+            </a:extLst>
+          </p:cNvPr>
+          <p:cNvSpPr>
+            <a:spLocks noGrp="1"/>
+          </p:cNvSpPr>
+          <p:nvPr>
+            <p:ph idx="1"/>
+          </p:nvPr>
+        </p:nvSpPr>
+        <p:spPr/>
+        <p:txBody>
+          <a:bodyPr/>
+          <a:lstStyle/>
+          <a:p>
+            <a:endParaRPr lang="da-DK"/>
+          </a:p>
+        </p:txBody>
+      </p:sp>
+      <p:sp>
+        <p:nvSpPr>
+          <p:cNvPr id="4" name="Date Placeholder 3">
+            <a:extLst>
+              <a:ext uri="{FF2B5EF4-FFF2-40B4-BE49-F238E27FC236}">
+                <a16:creationId xmlns:a16="http://schemas.microsoft.com/office/drawing/2014/main" id="{3250E2B5-000F-4E61-BF6B-57579EB5DDF9}"/>
+              </a:ext>
+            </a:extLst>
+          </p:cNvPr>
+          <p:cNvSpPr>
+            <a:spLocks noGrp="1"/>
+          </p:cNvSpPr>
+          <p:nvPr>
+            <p:ph type="dt" sz="half" idx="10"/>
+          </p:nvPr>
+        </p:nvSpPr>
+        <p:spPr/>
+        <p:txBody>
+          <a:bodyPr/>
+          <a:lstStyle/>
+          <a:p>
+            <a:fld id="{019E29B9-5584-4737-9C98-1B926378C778}" type="datetime1">
+              <a:rPr lang="en-US" smtClean="0"/>
+              <a:t>5/19/2021</a:t>
+            </a:fld>
+            <a:endParaRPr lang="da-DK"/>
+          </a:p>
+        </p:txBody>
+      </p:sp>
+      <p:sp>
+        <p:nvSpPr>
+          <p:cNvPr id="5" name="Footer Placeholder 4">
+            <a:extLst>
+              <a:ext uri="{FF2B5EF4-FFF2-40B4-BE49-F238E27FC236}">
+                <a16:creationId xmlns:a16="http://schemas.microsoft.com/office/drawing/2014/main" id="{C5E2D469-7952-4721-8121-D643D740B7C0}"/>
+              </a:ext>
+            </a:extLst>
+          </p:cNvPr>
+          <p:cNvSpPr>
+            <a:spLocks noGrp="1"/>
+          </p:cNvSpPr>
+          <p:nvPr>
+            <p:ph type="ftr" sz="quarter" idx="11"/>
+          </p:nvPr>
+        </p:nvSpPr>
+        <p:spPr/>
+        <p:txBody>
+          <a:bodyPr/>
+          <a:lstStyle/>
+          <a:p>
+            <a:r>
+              <a:rPr lang="da-DK"/>
+              <a:t>Nicki Skafte Detlefsen</a:t>
+            </a:r>
+          </a:p>
+        </p:txBody>
+      </p:sp>
+      <p:sp>
+        <p:nvSpPr>
+          <p:cNvPr id="6" name="Slide Number Placeholder 5">
+            <a:extLst>
+              <a:ext uri="{FF2B5EF4-FFF2-40B4-BE49-F238E27FC236}">
+                <a16:creationId xmlns:a16="http://schemas.microsoft.com/office/drawing/2014/main" id="{D26C0131-DA78-4786-BA3D-EC6ECD16ABB2}"/>
+              </a:ext>
+            </a:extLst>
+          </p:cNvPr>
+          <p:cNvSpPr>
+            <a:spLocks noGrp="1"/>
+          </p:cNvSpPr>
+          <p:nvPr>
+            <p:ph type="sldNum" sz="quarter" idx="12"/>
+          </p:nvPr>
+        </p:nvSpPr>
+        <p:spPr/>
+        <p:txBody>
+          <a:bodyPr/>
+          <a:lstStyle/>
+          <a:p>
+            <a:fld id="{F6FEDE24-D50C-481B-A7B4-8AF13899101A}" type="slidenum">
+              <a:rPr lang="da-DK" smtClean="0"/>
+              <a:t>20</a:t>
             </a:fld>
             <a:endParaRPr lang="da-DK"/>
           </a:p>
@@ -8956,7 +11116,7 @@
 </p:sld>
 </file>
 
-<file path=ppt/slides/slide18.xml><?xml version="1.0" encoding="utf-8"?>
+<file path=ppt/slides/slide21.xml><?xml version="1.0" encoding="utf-8"?>
 <p:sld xmlns:a="http://schemas.openxmlformats.org/drawingml/2006/main" xmlns:r="http://schemas.openxmlformats.org/officeDocument/2006/relationships" xmlns:p="http://schemas.openxmlformats.org/presentationml/2006/main">
   <p:cSld>
     <p:spTree>
@@ -9022,7 +11182,46 @@
           <a:bodyPr/>
           <a:lstStyle/>
           <a:p>
-            <a:endParaRPr lang="da-DK"/>
+            <a:r>
+              <a:rPr lang="da-DK" dirty="0">
+                <a:latin typeface="+mj-lt"/>
+              </a:rPr>
+              <a:t>reguirements.txt </a:t>
+            </a:r>
+          </a:p>
+          <a:p>
+            <a:r>
+              <a:rPr lang="da-DK" dirty="0">
+                <a:latin typeface="+mj-lt"/>
+              </a:rPr>
+              <a:t>LICENSE</a:t>
+            </a:r>
+          </a:p>
+          <a:p>
+            <a:r>
+              <a:rPr lang="da-DK" dirty="0">
+                <a:latin typeface="+mj-lt"/>
+              </a:rPr>
+              <a:t>README.md</a:t>
+            </a:r>
+          </a:p>
+          <a:p>
+            <a:r>
+              <a:rPr lang="da-DK" dirty="0">
+                <a:latin typeface="+mj-lt"/>
+              </a:rPr>
+              <a:t>.gitignore</a:t>
+            </a:r>
+          </a:p>
+          <a:p>
+            <a:endParaRPr lang="da-DK" dirty="0">
+              <a:latin typeface="+mj-lt"/>
+            </a:endParaRPr>
+          </a:p>
+          <a:p>
+            <a:endParaRPr lang="da-DK" dirty="0">
+              <a:latin typeface="+mj-lt"/>
+            </a:endParaRPr>
           </a:p>
         </p:txBody>
       </p:sp>
@@ -9049,7 +11248,7 @@
           <a:p>
             <a:fld id="{019E29B9-5584-4737-9C98-1B926378C778}" type="datetime1">
               <a:rPr lang="en-US" smtClean="0"/>
-              <a:t>5/18/2021</a:t>
+              <a:t>5/19/2021</a:t>
             </a:fld>
             <a:endParaRPr lang="da-DK"/>
           </a:p>
@@ -9106,12 +11305,42 @@
           <a:p>
             <a:fld id="{F6FEDE24-D50C-481B-A7B4-8AF13899101A}" type="slidenum">
               <a:rPr lang="da-DK" smtClean="0"/>
-              <a:t>18</a:t>
+              <a:t>21</a:t>
             </a:fld>
             <a:endParaRPr lang="da-DK"/>
           </a:p>
         </p:txBody>
       </p:sp>
+      <p:pic>
+        <p:nvPicPr>
+          <p:cNvPr id="7" name="Picture 6">
+            <a:extLst>
+              <a:ext uri="{FF2B5EF4-FFF2-40B4-BE49-F238E27FC236}">
+                <a16:creationId xmlns:a16="http://schemas.microsoft.com/office/drawing/2014/main" id="{E6782463-D315-4C80-99B9-510E1E58391B}"/>
+              </a:ext>
+            </a:extLst>
+          </p:cNvPr>
+          <p:cNvPicPr>
+            <a:picLocks noChangeAspect="1"/>
+          </p:cNvPicPr>
+          <p:nvPr/>
+        </p:nvPicPr>
+        <p:blipFill>
+          <a:blip r:embed="rId2"/>
+          <a:stretch>
+            <a:fillRect/>
+          </a:stretch>
+        </p:blipFill>
+        <p:spPr>
+          <a:xfrm>
+            <a:off x="8884139" y="807338"/>
+            <a:ext cx="1922804" cy="5731574"/>
+          </a:xfrm>
+          <a:prstGeom prst="rect">
+            <a:avLst/>
+          </a:prstGeom>
+        </p:spPr>
+      </p:pic>
     </p:spTree>
     <p:extLst>
       <p:ext uri="{BB962C8B-B14F-4D97-AF65-F5344CB8AC3E}">
@@ -9125,7 +11354,7 @@
 </p:sld>
 </file>
 
-<file path=ppt/slides/slide19.xml><?xml version="1.0" encoding="utf-8"?>
+<file path=ppt/slides/slide22.xml><?xml version="1.0" encoding="utf-8"?>
 <p:sld xmlns:a="http://schemas.openxmlformats.org/drawingml/2006/main" xmlns:r="http://schemas.openxmlformats.org/officeDocument/2006/relationships" xmlns:p="http://schemas.openxmlformats.org/presentationml/2006/main">
   <p:cSld>
     <p:spTree>
@@ -9224,7 +11453,7 @@
           <a:p>
             <a:fld id="{019E29B9-5584-4737-9C98-1B926378C778}" type="datetime1">
               <a:rPr lang="en-US" smtClean="0"/>
-              <a:t>5/18/2021</a:t>
+              <a:t>5/19/2021</a:t>
             </a:fld>
             <a:endParaRPr lang="da-DK"/>
           </a:p>
@@ -9281,7 +11510,7 @@
           <a:p>
             <a:fld id="{F6FEDE24-D50C-481B-A7B4-8AF13899101A}" type="slidenum">
               <a:rPr lang="da-DK" smtClean="0"/>
-              <a:t>19</a:t>
+              <a:t>22</a:t>
             </a:fld>
             <a:endParaRPr lang="da-DK"/>
           </a:p>
@@ -9650,7 +11879,7 @@
 </p:sld>
 </file>
 
-<file path=ppt/slides/slide2.xml><?xml version="1.0" encoding="utf-8"?>
+<file path=ppt/slides/slide23.xml><?xml version="1.0" encoding="utf-8"?>
 <p:sld xmlns:a="http://schemas.openxmlformats.org/drawingml/2006/main" xmlns:r="http://schemas.openxmlformats.org/officeDocument/2006/relationships" xmlns:p="http://schemas.openxmlformats.org/presentationml/2006/main">
   <p:cSld>
     <p:spTree>
@@ -9672,7 +11901,7 @@
           <p:cNvPr id="2" name="Title 1">
             <a:extLst>
               <a:ext uri="{FF2B5EF4-FFF2-40B4-BE49-F238E27FC236}">
-                <a16:creationId xmlns:a16="http://schemas.microsoft.com/office/drawing/2014/main" id="{6017292B-83CC-4127-8FB1-922F07B5F503}"/>
+                <a16:creationId xmlns:a16="http://schemas.microsoft.com/office/drawing/2014/main" id="{6D61B4D3-0319-42FA-8A8B-4149503565A0}"/>
               </a:ext>
             </a:extLst>
           </p:cNvPr>
@@ -9690,7 +11919,186 @@
           <a:p>
             <a:r>
               <a:rPr lang="da-DK" dirty="0"/>
-              <a:t>What is continues integration?</a:t>
+              <a:t>The future is here</a:t>
+            </a:r>
+          </a:p>
+        </p:txBody>
+      </p:sp>
+      <p:pic>
+        <p:nvPicPr>
+          <p:cNvPr id="8" name="Content Placeholder 7">
+            <a:extLst>
+              <a:ext uri="{FF2B5EF4-FFF2-40B4-BE49-F238E27FC236}">
+                <a16:creationId xmlns:a16="http://schemas.microsoft.com/office/drawing/2014/main" id="{2ABA0442-32E9-413A-8163-F3640033A66C}"/>
+              </a:ext>
+            </a:extLst>
+          </p:cNvPr>
+          <p:cNvPicPr>
+            <a:picLocks noGrp="1" noChangeAspect="1"/>
+          </p:cNvPicPr>
+          <p:nvPr>
+            <p:ph idx="1"/>
+          </p:nvPr>
+        </p:nvPicPr>
+        <p:blipFill>
+          <a:blip r:embed="rId2">
+            <a:extLst>
+              <a:ext uri="{28A0092B-C50C-407E-A947-70E740481C1C}">
+                <a14:useLocalDpi xmlns:a14="http://schemas.microsoft.com/office/drawing/2010/main" val="0"/>
+              </a:ext>
+            </a:extLst>
+          </a:blip>
+          <a:stretch>
+            <a:fillRect/>
+          </a:stretch>
+        </p:blipFill>
+        <p:spPr>
+          <a:xfrm>
+            <a:off x="1822727" y="919752"/>
+            <a:ext cx="8193728" cy="5300318"/>
+          </a:xfrm>
+        </p:spPr>
+      </p:pic>
+      <p:sp>
+        <p:nvSpPr>
+          <p:cNvPr id="4" name="Date Placeholder 3">
+            <a:extLst>
+              <a:ext uri="{FF2B5EF4-FFF2-40B4-BE49-F238E27FC236}">
+                <a16:creationId xmlns:a16="http://schemas.microsoft.com/office/drawing/2014/main" id="{B02E0894-40E7-4336-8884-BE34C5933D90}"/>
+              </a:ext>
+            </a:extLst>
+          </p:cNvPr>
+          <p:cNvSpPr>
+            <a:spLocks noGrp="1"/>
+          </p:cNvSpPr>
+          <p:nvPr>
+            <p:ph type="dt" sz="half" idx="10"/>
+          </p:nvPr>
+        </p:nvSpPr>
+        <p:spPr/>
+        <p:txBody>
+          <a:bodyPr/>
+          <a:lstStyle/>
+          <a:p>
+            <a:fld id="{019E29B9-5584-4737-9C98-1B926378C778}" type="datetime1">
+              <a:rPr lang="en-US" smtClean="0"/>
+              <a:t>5/19/2021</a:t>
+            </a:fld>
+            <a:endParaRPr lang="da-DK"/>
+          </a:p>
+        </p:txBody>
+      </p:sp>
+      <p:sp>
+        <p:nvSpPr>
+          <p:cNvPr id="5" name="Footer Placeholder 4">
+            <a:extLst>
+              <a:ext uri="{FF2B5EF4-FFF2-40B4-BE49-F238E27FC236}">
+                <a16:creationId xmlns:a16="http://schemas.microsoft.com/office/drawing/2014/main" id="{5F482BEA-F413-451E-8C4C-AC26D899C263}"/>
+              </a:ext>
+            </a:extLst>
+          </p:cNvPr>
+          <p:cNvSpPr>
+            <a:spLocks noGrp="1"/>
+          </p:cNvSpPr>
+          <p:nvPr>
+            <p:ph type="ftr" sz="quarter" idx="11"/>
+          </p:nvPr>
+        </p:nvSpPr>
+        <p:spPr/>
+        <p:txBody>
+          <a:bodyPr/>
+          <a:lstStyle/>
+          <a:p>
+            <a:r>
+              <a:rPr lang="da-DK"/>
+              <a:t>Nicki Skafte Detlefsen</a:t>
+            </a:r>
+          </a:p>
+        </p:txBody>
+      </p:sp>
+      <p:sp>
+        <p:nvSpPr>
+          <p:cNvPr id="6" name="Slide Number Placeholder 5">
+            <a:extLst>
+              <a:ext uri="{FF2B5EF4-FFF2-40B4-BE49-F238E27FC236}">
+                <a16:creationId xmlns:a16="http://schemas.microsoft.com/office/drawing/2014/main" id="{9679B603-CDD4-4014-991C-92C337C8DEA3}"/>
+              </a:ext>
+            </a:extLst>
+          </p:cNvPr>
+          <p:cNvSpPr>
+            <a:spLocks noGrp="1"/>
+          </p:cNvSpPr>
+          <p:nvPr>
+            <p:ph type="sldNum" sz="quarter" idx="12"/>
+          </p:nvPr>
+        </p:nvSpPr>
+        <p:spPr/>
+        <p:txBody>
+          <a:bodyPr/>
+          <a:lstStyle/>
+          <a:p>
+            <a:fld id="{F6FEDE24-D50C-481B-A7B4-8AF13899101A}" type="slidenum">
+              <a:rPr lang="da-DK" smtClean="0"/>
+              <a:t>23</a:t>
+            </a:fld>
+            <a:endParaRPr lang="da-DK"/>
+          </a:p>
+        </p:txBody>
+      </p:sp>
+    </p:spTree>
+    <p:extLst>
+      <p:ext uri="{BB962C8B-B14F-4D97-AF65-F5344CB8AC3E}">
+        <p14:creationId xmlns:p14="http://schemas.microsoft.com/office/powerpoint/2010/main" val="1925155323"/>
+      </p:ext>
+    </p:extLst>
+  </p:cSld>
+  <p:clrMapOvr>
+    <a:masterClrMapping/>
+  </p:clrMapOvr>
+</p:sld>
+</file>
+
+<file path=ppt/slides/slide3.xml><?xml version="1.0" encoding="utf-8"?>
+<p:sld xmlns:a="http://schemas.openxmlformats.org/drawingml/2006/main" xmlns:r="http://schemas.openxmlformats.org/officeDocument/2006/relationships" xmlns:p="http://schemas.openxmlformats.org/presentationml/2006/main">
+  <p:cSld>
+    <p:spTree>
+      <p:nvGrpSpPr>
+        <p:cNvPr id="1" name=""/>
+        <p:cNvGrpSpPr/>
+        <p:nvPr/>
+      </p:nvGrpSpPr>
+      <p:grpSpPr>
+        <a:xfrm>
+          <a:off x="0" y="0"/>
+          <a:ext cx="0" cy="0"/>
+          <a:chOff x="0" y="0"/>
+          <a:chExt cx="0" cy="0"/>
+        </a:xfrm>
+      </p:grpSpPr>
+      <p:sp>
+        <p:nvSpPr>
+          <p:cNvPr id="2" name="Title 1">
+            <a:extLst>
+              <a:ext uri="{FF2B5EF4-FFF2-40B4-BE49-F238E27FC236}">
+                <a16:creationId xmlns:a16="http://schemas.microsoft.com/office/drawing/2014/main" id="{48DA37BB-052C-4162-8B1F-A8196FDD6358}"/>
+              </a:ext>
+            </a:extLst>
+          </p:cNvPr>
+          <p:cNvSpPr>
+            <a:spLocks noGrp="1"/>
+          </p:cNvSpPr>
+          <p:nvPr>
+            <p:ph type="title"/>
+          </p:nvPr>
+        </p:nvSpPr>
+        <p:spPr/>
+        <p:txBody>
+          <a:bodyPr/>
+          <a:lstStyle/>
+          <a:p>
+            <a:r>
+              <a:rPr lang="da-DK" dirty="0"/>
+              <a:t>What is continues deployment?</a:t>
             </a:r>
           </a:p>
         </p:txBody>
@@ -9700,7 +12108,7 @@
           <p:cNvPr id="3" name="Content Placeholder 2">
             <a:extLst>
               <a:ext uri="{FF2B5EF4-FFF2-40B4-BE49-F238E27FC236}">
-                <a16:creationId xmlns:a16="http://schemas.microsoft.com/office/drawing/2014/main" id="{8BB138C7-06FC-4D11-AB10-15CBAF37B9FB}"/>
+                <a16:creationId xmlns:a16="http://schemas.microsoft.com/office/drawing/2014/main" id="{65DD1E78-E6E0-4D6B-A490-20DA1967FE1A}"/>
               </a:ext>
             </a:extLst>
           </p:cNvPr>
@@ -9713,12 +12121,14 @@
         </p:nvSpPr>
         <p:spPr/>
         <p:txBody>
-          <a:bodyPr/>
+          <a:bodyPr>
+            <a:normAutofit/>
+          </a:bodyPr>
           <a:lstStyle/>
           <a:p>
             <a:r>
               <a:rPr lang="da-DK" dirty="0"/>
-              <a:t>Software practise</a:t>
+              <a:t>How to get your code to the user</a:t>
             </a:r>
           </a:p>
           <a:p>
@@ -9729,40 +12139,16 @@
             <a:pPr lvl="1"/>
             <a:r>
               <a:rPr lang="da-DK" dirty="0"/>
-              <a:t>Frequitly commit code to shared reposatory</a:t>
-            </a:r>
-          </a:p>
-          <a:p>
-            <a:pPr lvl="1"/>
+              <a:t>3 phases: Testing, staging and deploying</a:t>
+            </a:r>
+          </a:p>
+          <a:p>
             <a:endParaRPr lang="da-DK" dirty="0"/>
           </a:p>
           <a:p>
-            <a:pPr lvl="1"/>
             <a:r>
               <a:rPr lang="da-DK" dirty="0"/>
-              <a:t>By commit sooner than later, errors are captured early</a:t>
-            </a:r>
-          </a:p>
-          <a:p>
-            <a:pPr lvl="1"/>
-            <a:endParaRPr lang="da-DK" dirty="0"/>
-          </a:p>
-          <a:p>
-            <a:pPr lvl="1"/>
-            <a:r>
-              <a:rPr lang="da-DK" dirty="0"/>
-              <a:t>Make merging easier</a:t>
-            </a:r>
-          </a:p>
-          <a:p>
-            <a:pPr lvl="1"/>
-            <a:endParaRPr lang="da-DK" dirty="0"/>
-          </a:p>
-          <a:p>
-            <a:pPr lvl="1"/>
-            <a:r>
-              <a:rPr lang="da-DK" dirty="0"/>
-              <a:t>Automate build + test</a:t>
+              <a:t>App dependent</a:t>
             </a:r>
           </a:p>
           <a:p>
@@ -9772,9 +12158,12 @@
             <a:endParaRPr lang="da-DK" dirty="0"/>
           </a:p>
           <a:p>
+            <a:pPr marL="0" indent="0">
+              <a:buNone/>
+            </a:pPr>
             <a:r>
               <a:rPr lang="da-DK" dirty="0"/>
-              <a:t>App independent</a:t>
+              <a:t>Note: Not covered in this course</a:t>
             </a:r>
           </a:p>
         </p:txBody>
@@ -9784,7 +12173,7 @@
           <p:cNvPr id="4" name="Date Placeholder 3">
             <a:extLst>
               <a:ext uri="{FF2B5EF4-FFF2-40B4-BE49-F238E27FC236}">
-                <a16:creationId xmlns:a16="http://schemas.microsoft.com/office/drawing/2014/main" id="{0420B38B-2F7C-4ED0-83E3-56A02D59A520}"/>
+                <a16:creationId xmlns:a16="http://schemas.microsoft.com/office/drawing/2014/main" id="{31D842F6-9FE3-4514-ADE3-1F92A3016EDE}"/>
               </a:ext>
             </a:extLst>
           </p:cNvPr>
@@ -9802,7 +12191,7 @@
           <a:p>
             <a:fld id="{019E29B9-5584-4737-9C98-1B926378C778}" type="datetime1">
               <a:rPr lang="en-US" smtClean="0"/>
-              <a:t>5/18/2021</a:t>
+              <a:t>5/19/2021</a:t>
             </a:fld>
             <a:endParaRPr lang="da-DK"/>
           </a:p>
@@ -9813,7 +12202,7 @@
           <p:cNvPr id="5" name="Footer Placeholder 4">
             <a:extLst>
               <a:ext uri="{FF2B5EF4-FFF2-40B4-BE49-F238E27FC236}">
-                <a16:creationId xmlns:a16="http://schemas.microsoft.com/office/drawing/2014/main" id="{F186A8F9-D2EE-461C-8CE2-9990E4575F1A}"/>
+                <a16:creationId xmlns:a16="http://schemas.microsoft.com/office/drawing/2014/main" id="{67C49E5E-D04D-4250-8916-1F617CA5FE9F}"/>
               </a:ext>
             </a:extLst>
           </p:cNvPr>
@@ -9841,7 +12230,7 @@
           <p:cNvPr id="6" name="Slide Number Placeholder 5">
             <a:extLst>
               <a:ext uri="{FF2B5EF4-FFF2-40B4-BE49-F238E27FC236}">
-                <a16:creationId xmlns:a16="http://schemas.microsoft.com/office/drawing/2014/main" id="{E21A5F62-8528-49C6-B251-E038D5533F72}"/>
+                <a16:creationId xmlns:a16="http://schemas.microsoft.com/office/drawing/2014/main" id="{DAEE29FC-53C6-42BA-B78B-DA81FD74F33B}"/>
               </a:ext>
             </a:extLst>
           </p:cNvPr>
@@ -9859,7 +12248,7 @@
           <a:p>
             <a:fld id="{F6FEDE24-D50C-481B-A7B4-8AF13899101A}" type="slidenum">
               <a:rPr lang="da-DK" smtClean="0"/>
-              <a:t>2</a:t>
+              <a:t>3</a:t>
             </a:fld>
             <a:endParaRPr lang="da-DK"/>
           </a:p>
@@ -9870,7 +12259,7 @@
           <p:cNvPr id="7" name="Picture 6" descr="Diagram&#10;&#10;Description automatically generated">
             <a:extLst>
               <a:ext uri="{FF2B5EF4-FFF2-40B4-BE49-F238E27FC236}">
-                <a16:creationId xmlns:a16="http://schemas.microsoft.com/office/drawing/2014/main" id="{0CA6B713-DD80-4231-86BB-60D9DB975E14}"/>
+                <a16:creationId xmlns:a16="http://schemas.microsoft.com/office/drawing/2014/main" id="{3474A754-DC40-4C13-BBA9-5C3B8F61E1D4}"/>
               </a:ext>
             </a:extLst>
           </p:cNvPr>
@@ -9892,7 +12281,7 @@
         </p:blipFill>
         <p:spPr>
           <a:xfrm>
-            <a:off x="8633982" y="1560352"/>
+            <a:off x="8742003" y="1560352"/>
             <a:ext cx="2480394" cy="4204400"/>
           </a:xfrm>
           <a:prstGeom prst="rect">
@@ -9905,7 +12294,7 @@
           <p:cNvPr id="8" name="Rectangle 7">
             <a:extLst>
               <a:ext uri="{FF2B5EF4-FFF2-40B4-BE49-F238E27FC236}">
-                <a16:creationId xmlns:a16="http://schemas.microsoft.com/office/drawing/2014/main" id="{CBB6EA17-443E-4DFB-BEB6-2C9DE276DD2D}"/>
+                <a16:creationId xmlns:a16="http://schemas.microsoft.com/office/drawing/2014/main" id="{04E952B0-09AB-4875-AF7F-ABD953E35184}"/>
               </a:ext>
             </a:extLst>
           </p:cNvPr>
@@ -9955,481 +12344,6 @@
     </p:spTree>
     <p:extLst>
       <p:ext uri="{BB962C8B-B14F-4D97-AF65-F5344CB8AC3E}">
-        <p14:creationId xmlns:p14="http://schemas.microsoft.com/office/powerpoint/2010/main" val="574670851"/>
-      </p:ext>
-    </p:extLst>
-  </p:cSld>
-  <p:clrMapOvr>
-    <a:masterClrMapping/>
-  </p:clrMapOvr>
-</p:sld>
-</file>
-
-<file path=ppt/slides/slide20.xml><?xml version="1.0" encoding="utf-8"?>
-<p:sld xmlns:a="http://schemas.openxmlformats.org/drawingml/2006/main" xmlns:r="http://schemas.openxmlformats.org/officeDocument/2006/relationships" xmlns:p="http://schemas.openxmlformats.org/presentationml/2006/main">
-  <p:cSld>
-    <p:spTree>
-      <p:nvGrpSpPr>
-        <p:cNvPr id="1" name=""/>
-        <p:cNvGrpSpPr/>
-        <p:nvPr/>
-      </p:nvGrpSpPr>
-      <p:grpSpPr>
-        <a:xfrm>
-          <a:off x="0" y="0"/>
-          <a:ext cx="0" cy="0"/>
-          <a:chOff x="0" y="0"/>
-          <a:chExt cx="0" cy="0"/>
-        </a:xfrm>
-      </p:grpSpPr>
-      <p:sp>
-        <p:nvSpPr>
-          <p:cNvPr id="2" name="Title 1">
-            <a:extLst>
-              <a:ext uri="{FF2B5EF4-FFF2-40B4-BE49-F238E27FC236}">
-                <a16:creationId xmlns:a16="http://schemas.microsoft.com/office/drawing/2014/main" id="{6D61B4D3-0319-42FA-8A8B-4149503565A0}"/>
-              </a:ext>
-            </a:extLst>
-          </p:cNvPr>
-          <p:cNvSpPr>
-            <a:spLocks noGrp="1"/>
-          </p:cNvSpPr>
-          <p:nvPr>
-            <p:ph type="title"/>
-          </p:nvPr>
-        </p:nvSpPr>
-        <p:spPr/>
-        <p:txBody>
-          <a:bodyPr/>
-          <a:lstStyle/>
-          <a:p>
-            <a:r>
-              <a:rPr lang="da-DK" dirty="0"/>
-              <a:t>The future is here</a:t>
-            </a:r>
-          </a:p>
-        </p:txBody>
-      </p:sp>
-      <p:pic>
-        <p:nvPicPr>
-          <p:cNvPr id="8" name="Content Placeholder 7">
-            <a:extLst>
-              <a:ext uri="{FF2B5EF4-FFF2-40B4-BE49-F238E27FC236}">
-                <a16:creationId xmlns:a16="http://schemas.microsoft.com/office/drawing/2014/main" id="{2ABA0442-32E9-413A-8163-F3640033A66C}"/>
-              </a:ext>
-            </a:extLst>
-          </p:cNvPr>
-          <p:cNvPicPr>
-            <a:picLocks noGrp="1" noChangeAspect="1"/>
-          </p:cNvPicPr>
-          <p:nvPr>
-            <p:ph idx="1"/>
-          </p:nvPr>
-        </p:nvPicPr>
-        <p:blipFill>
-          <a:blip r:embed="rId2">
-            <a:extLst>
-              <a:ext uri="{28A0092B-C50C-407E-A947-70E740481C1C}">
-                <a14:useLocalDpi xmlns:a14="http://schemas.microsoft.com/office/drawing/2010/main" val="0"/>
-              </a:ext>
-            </a:extLst>
-          </a:blip>
-          <a:stretch>
-            <a:fillRect/>
-          </a:stretch>
-        </p:blipFill>
-        <p:spPr>
-          <a:xfrm>
-            <a:off x="1822727" y="919752"/>
-            <a:ext cx="8193728" cy="5300318"/>
-          </a:xfrm>
-        </p:spPr>
-      </p:pic>
-      <p:sp>
-        <p:nvSpPr>
-          <p:cNvPr id="4" name="Date Placeholder 3">
-            <a:extLst>
-              <a:ext uri="{FF2B5EF4-FFF2-40B4-BE49-F238E27FC236}">
-                <a16:creationId xmlns:a16="http://schemas.microsoft.com/office/drawing/2014/main" id="{B02E0894-40E7-4336-8884-BE34C5933D90}"/>
-              </a:ext>
-            </a:extLst>
-          </p:cNvPr>
-          <p:cNvSpPr>
-            <a:spLocks noGrp="1"/>
-          </p:cNvSpPr>
-          <p:nvPr>
-            <p:ph type="dt" sz="half" idx="10"/>
-          </p:nvPr>
-        </p:nvSpPr>
-        <p:spPr/>
-        <p:txBody>
-          <a:bodyPr/>
-          <a:lstStyle/>
-          <a:p>
-            <a:fld id="{019E29B9-5584-4737-9C98-1B926378C778}" type="datetime1">
-              <a:rPr lang="en-US" smtClean="0"/>
-              <a:t>5/18/2021</a:t>
-            </a:fld>
-            <a:endParaRPr lang="da-DK"/>
-          </a:p>
-        </p:txBody>
-      </p:sp>
-      <p:sp>
-        <p:nvSpPr>
-          <p:cNvPr id="5" name="Footer Placeholder 4">
-            <a:extLst>
-              <a:ext uri="{FF2B5EF4-FFF2-40B4-BE49-F238E27FC236}">
-                <a16:creationId xmlns:a16="http://schemas.microsoft.com/office/drawing/2014/main" id="{5F482BEA-F413-451E-8C4C-AC26D899C263}"/>
-              </a:ext>
-            </a:extLst>
-          </p:cNvPr>
-          <p:cNvSpPr>
-            <a:spLocks noGrp="1"/>
-          </p:cNvSpPr>
-          <p:nvPr>
-            <p:ph type="ftr" sz="quarter" idx="11"/>
-          </p:nvPr>
-        </p:nvSpPr>
-        <p:spPr/>
-        <p:txBody>
-          <a:bodyPr/>
-          <a:lstStyle/>
-          <a:p>
-            <a:r>
-              <a:rPr lang="da-DK"/>
-              <a:t>Nicki Skafte Detlefsen</a:t>
-            </a:r>
-          </a:p>
-        </p:txBody>
-      </p:sp>
-      <p:sp>
-        <p:nvSpPr>
-          <p:cNvPr id="6" name="Slide Number Placeholder 5">
-            <a:extLst>
-              <a:ext uri="{FF2B5EF4-FFF2-40B4-BE49-F238E27FC236}">
-                <a16:creationId xmlns:a16="http://schemas.microsoft.com/office/drawing/2014/main" id="{9679B603-CDD4-4014-991C-92C337C8DEA3}"/>
-              </a:ext>
-            </a:extLst>
-          </p:cNvPr>
-          <p:cNvSpPr>
-            <a:spLocks noGrp="1"/>
-          </p:cNvSpPr>
-          <p:nvPr>
-            <p:ph type="sldNum" sz="quarter" idx="12"/>
-          </p:nvPr>
-        </p:nvSpPr>
-        <p:spPr/>
-        <p:txBody>
-          <a:bodyPr/>
-          <a:lstStyle/>
-          <a:p>
-            <a:fld id="{F6FEDE24-D50C-481B-A7B4-8AF13899101A}" type="slidenum">
-              <a:rPr lang="da-DK" smtClean="0"/>
-              <a:t>20</a:t>
-            </a:fld>
-            <a:endParaRPr lang="da-DK"/>
-          </a:p>
-        </p:txBody>
-      </p:sp>
-    </p:spTree>
-    <p:extLst>
-      <p:ext uri="{BB962C8B-B14F-4D97-AF65-F5344CB8AC3E}">
-        <p14:creationId xmlns:p14="http://schemas.microsoft.com/office/powerpoint/2010/main" val="1925155323"/>
-      </p:ext>
-    </p:extLst>
-  </p:cSld>
-  <p:clrMapOvr>
-    <a:masterClrMapping/>
-  </p:clrMapOvr>
-</p:sld>
-</file>
-
-<file path=ppt/slides/slide3.xml><?xml version="1.0" encoding="utf-8"?>
-<p:sld xmlns:a="http://schemas.openxmlformats.org/drawingml/2006/main" xmlns:r="http://schemas.openxmlformats.org/officeDocument/2006/relationships" xmlns:p="http://schemas.openxmlformats.org/presentationml/2006/main">
-  <p:cSld>
-    <p:spTree>
-      <p:nvGrpSpPr>
-        <p:cNvPr id="1" name=""/>
-        <p:cNvGrpSpPr/>
-        <p:nvPr/>
-      </p:nvGrpSpPr>
-      <p:grpSpPr>
-        <a:xfrm>
-          <a:off x="0" y="0"/>
-          <a:ext cx="0" cy="0"/>
-          <a:chOff x="0" y="0"/>
-          <a:chExt cx="0" cy="0"/>
-        </a:xfrm>
-      </p:grpSpPr>
-      <p:sp>
-        <p:nvSpPr>
-          <p:cNvPr id="2" name="Title 1">
-            <a:extLst>
-              <a:ext uri="{FF2B5EF4-FFF2-40B4-BE49-F238E27FC236}">
-                <a16:creationId xmlns:a16="http://schemas.microsoft.com/office/drawing/2014/main" id="{48DA37BB-052C-4162-8B1F-A8196FDD6358}"/>
-              </a:ext>
-            </a:extLst>
-          </p:cNvPr>
-          <p:cNvSpPr>
-            <a:spLocks noGrp="1"/>
-          </p:cNvSpPr>
-          <p:nvPr>
-            <p:ph type="title"/>
-          </p:nvPr>
-        </p:nvSpPr>
-        <p:spPr/>
-        <p:txBody>
-          <a:bodyPr/>
-          <a:lstStyle/>
-          <a:p>
-            <a:r>
-              <a:rPr lang="da-DK" dirty="0"/>
-              <a:t>What is continues deployment?</a:t>
-            </a:r>
-          </a:p>
-        </p:txBody>
-      </p:sp>
-      <p:sp>
-        <p:nvSpPr>
-          <p:cNvPr id="3" name="Content Placeholder 2">
-            <a:extLst>
-              <a:ext uri="{FF2B5EF4-FFF2-40B4-BE49-F238E27FC236}">
-                <a16:creationId xmlns:a16="http://schemas.microsoft.com/office/drawing/2014/main" id="{65DD1E78-E6E0-4D6B-A490-20DA1967FE1A}"/>
-              </a:ext>
-            </a:extLst>
-          </p:cNvPr>
-          <p:cNvSpPr>
-            <a:spLocks noGrp="1"/>
-          </p:cNvSpPr>
-          <p:nvPr>
-            <p:ph idx="1"/>
-          </p:nvPr>
-        </p:nvSpPr>
-        <p:spPr/>
-        <p:txBody>
-          <a:bodyPr>
-            <a:normAutofit/>
-          </a:bodyPr>
-          <a:lstStyle/>
-          <a:p>
-            <a:r>
-              <a:rPr lang="da-DK" dirty="0"/>
-              <a:t>How to get your code to the user</a:t>
-            </a:r>
-          </a:p>
-          <a:p>
-            <a:pPr lvl="1"/>
-            <a:endParaRPr lang="da-DK" dirty="0"/>
-          </a:p>
-          <a:p>
-            <a:pPr lvl="1"/>
-            <a:r>
-              <a:rPr lang="da-DK" dirty="0"/>
-              <a:t>3 phases: Testing, staging and deploying</a:t>
-            </a:r>
-          </a:p>
-          <a:p>
-            <a:endParaRPr lang="da-DK" dirty="0"/>
-          </a:p>
-          <a:p>
-            <a:r>
-              <a:rPr lang="da-DK" dirty="0"/>
-              <a:t>App dependent</a:t>
-            </a:r>
-          </a:p>
-          <a:p>
-            <a:pPr marL="0" indent="0">
-              <a:buNone/>
-            </a:pPr>
-            <a:endParaRPr lang="da-DK" dirty="0"/>
-          </a:p>
-          <a:p>
-            <a:pPr marL="0" indent="0">
-              <a:buNone/>
-            </a:pPr>
-            <a:r>
-              <a:rPr lang="da-DK" dirty="0"/>
-              <a:t>Note: Not covered in this course</a:t>
-            </a:r>
-          </a:p>
-        </p:txBody>
-      </p:sp>
-      <p:sp>
-        <p:nvSpPr>
-          <p:cNvPr id="4" name="Date Placeholder 3">
-            <a:extLst>
-              <a:ext uri="{FF2B5EF4-FFF2-40B4-BE49-F238E27FC236}">
-                <a16:creationId xmlns:a16="http://schemas.microsoft.com/office/drawing/2014/main" id="{31D842F6-9FE3-4514-ADE3-1F92A3016EDE}"/>
-              </a:ext>
-            </a:extLst>
-          </p:cNvPr>
-          <p:cNvSpPr>
-            <a:spLocks noGrp="1"/>
-          </p:cNvSpPr>
-          <p:nvPr>
-            <p:ph type="dt" sz="half" idx="10"/>
-          </p:nvPr>
-        </p:nvSpPr>
-        <p:spPr/>
-        <p:txBody>
-          <a:bodyPr/>
-          <a:lstStyle/>
-          <a:p>
-            <a:fld id="{019E29B9-5584-4737-9C98-1B926378C778}" type="datetime1">
-              <a:rPr lang="en-US" smtClean="0"/>
-              <a:t>5/18/2021</a:t>
-            </a:fld>
-            <a:endParaRPr lang="da-DK"/>
-          </a:p>
-        </p:txBody>
-      </p:sp>
-      <p:sp>
-        <p:nvSpPr>
-          <p:cNvPr id="5" name="Footer Placeholder 4">
-            <a:extLst>
-              <a:ext uri="{FF2B5EF4-FFF2-40B4-BE49-F238E27FC236}">
-                <a16:creationId xmlns:a16="http://schemas.microsoft.com/office/drawing/2014/main" id="{67C49E5E-D04D-4250-8916-1F617CA5FE9F}"/>
-              </a:ext>
-            </a:extLst>
-          </p:cNvPr>
-          <p:cNvSpPr>
-            <a:spLocks noGrp="1"/>
-          </p:cNvSpPr>
-          <p:nvPr>
-            <p:ph type="ftr" sz="quarter" idx="11"/>
-          </p:nvPr>
-        </p:nvSpPr>
-        <p:spPr/>
-        <p:txBody>
-          <a:bodyPr/>
-          <a:lstStyle/>
-          <a:p>
-            <a:r>
-              <a:rPr lang="da-DK"/>
-              <a:t>Nicki Skafte Detlefsen</a:t>
-            </a:r>
-          </a:p>
-        </p:txBody>
-      </p:sp>
-      <p:sp>
-        <p:nvSpPr>
-          <p:cNvPr id="6" name="Slide Number Placeholder 5">
-            <a:extLst>
-              <a:ext uri="{FF2B5EF4-FFF2-40B4-BE49-F238E27FC236}">
-                <a16:creationId xmlns:a16="http://schemas.microsoft.com/office/drawing/2014/main" id="{DAEE29FC-53C6-42BA-B78B-DA81FD74F33B}"/>
-              </a:ext>
-            </a:extLst>
-          </p:cNvPr>
-          <p:cNvSpPr>
-            <a:spLocks noGrp="1"/>
-          </p:cNvSpPr>
-          <p:nvPr>
-            <p:ph type="sldNum" sz="quarter" idx="12"/>
-          </p:nvPr>
-        </p:nvSpPr>
-        <p:spPr/>
-        <p:txBody>
-          <a:bodyPr/>
-          <a:lstStyle/>
-          <a:p>
-            <a:fld id="{F6FEDE24-D50C-481B-A7B4-8AF13899101A}" type="slidenum">
-              <a:rPr lang="da-DK" smtClean="0"/>
-              <a:t>3</a:t>
-            </a:fld>
-            <a:endParaRPr lang="da-DK"/>
-          </a:p>
-        </p:txBody>
-      </p:sp>
-      <p:pic>
-        <p:nvPicPr>
-          <p:cNvPr id="7" name="Picture 6" descr="Diagram&#10;&#10;Description automatically generated">
-            <a:extLst>
-              <a:ext uri="{FF2B5EF4-FFF2-40B4-BE49-F238E27FC236}">
-                <a16:creationId xmlns:a16="http://schemas.microsoft.com/office/drawing/2014/main" id="{3474A754-DC40-4C13-BBA9-5C3B8F61E1D4}"/>
-              </a:ext>
-            </a:extLst>
-          </p:cNvPr>
-          <p:cNvPicPr>
-            <a:picLocks noChangeAspect="1"/>
-          </p:cNvPicPr>
-          <p:nvPr/>
-        </p:nvPicPr>
-        <p:blipFill rotWithShape="1">
-          <a:blip r:embed="rId2">
-            <a:extLst>
-              <a:ext uri="{28A0092B-C50C-407E-A947-70E740481C1C}">
-                <a14:useLocalDpi xmlns:a14="http://schemas.microsoft.com/office/drawing/2010/main" val="0"/>
-              </a:ext>
-            </a:extLst>
-          </a:blip>
-          <a:srcRect l="65066" t="21007"/>
-          <a:stretch/>
-        </p:blipFill>
-        <p:spPr>
-          <a:xfrm>
-            <a:off x="8742003" y="1560352"/>
-            <a:ext cx="2480394" cy="4204400"/>
-          </a:xfrm>
-          <a:prstGeom prst="rect">
-            <a:avLst/>
-          </a:prstGeom>
-        </p:spPr>
-      </p:pic>
-      <p:sp>
-        <p:nvSpPr>
-          <p:cNvPr id="8" name="Rectangle 7">
-            <a:extLst>
-              <a:ext uri="{FF2B5EF4-FFF2-40B4-BE49-F238E27FC236}">
-                <a16:creationId xmlns:a16="http://schemas.microsoft.com/office/drawing/2014/main" id="{04E952B0-09AB-4875-AF7F-ABD953E35184}"/>
-              </a:ext>
-            </a:extLst>
-          </p:cNvPr>
-          <p:cNvSpPr/>
-          <p:nvPr/>
-        </p:nvSpPr>
-        <p:spPr>
-          <a:xfrm>
-            <a:off x="8742003" y="4286774"/>
-            <a:ext cx="2264353" cy="545285"/>
-          </a:xfrm>
-          <a:prstGeom prst="rect">
-            <a:avLst/>
-          </a:prstGeom>
-          <a:noFill/>
-          <a:ln w="38100">
-            <a:solidFill>
-              <a:srgbClr val="FF0000"/>
-            </a:solidFill>
-          </a:ln>
-        </p:spPr>
-        <p:style>
-          <a:lnRef idx="2">
-            <a:schemeClr val="accent1">
-              <a:shade val="50000"/>
-            </a:schemeClr>
-          </a:lnRef>
-          <a:fillRef idx="1">
-            <a:schemeClr val="accent1"/>
-          </a:fillRef>
-          <a:effectRef idx="0">
-            <a:schemeClr val="accent1"/>
-          </a:effectRef>
-          <a:fontRef idx="minor">
-            <a:schemeClr val="lt1"/>
-          </a:fontRef>
-        </p:style>
-        <p:txBody>
-          <a:bodyPr rtlCol="0" anchor="ctr"/>
-          <a:lstStyle/>
-          <a:p>
-            <a:pPr algn="ctr"/>
-            <a:endParaRPr lang="da-DK"/>
-          </a:p>
-        </p:txBody>
-      </p:sp>
-    </p:spTree>
-    <p:extLst>
-      <p:ext uri="{BB962C8B-B14F-4D97-AF65-F5344CB8AC3E}">
         <p14:creationId xmlns:p14="http://schemas.microsoft.com/office/powerpoint/2010/main" val="436421641"/>
       </p:ext>
     </p:extLst>
@@ -10462,7 +12376,7 @@
           <p:cNvPr id="2" name="Title 1">
             <a:extLst>
               <a:ext uri="{FF2B5EF4-FFF2-40B4-BE49-F238E27FC236}">
-                <a16:creationId xmlns:a16="http://schemas.microsoft.com/office/drawing/2014/main" id="{18700190-0A40-4FC2-9A54-082C9173E7C7}"/>
+                <a16:creationId xmlns:a16="http://schemas.microsoft.com/office/drawing/2014/main" id="{AA6E2C97-C9F2-4A84-89D8-4CE87DC4F0E6}"/>
               </a:ext>
             </a:extLst>
           </p:cNvPr>
@@ -10480,7 +12394,7 @@
           <a:p>
             <a:r>
               <a:rPr lang="da-DK" dirty="0"/>
-              <a:t>CI step 1: Commiting code</a:t>
+              <a:t>What should you know about CI?</a:t>
             </a:r>
           </a:p>
         </p:txBody>
@@ -10490,7 +12404,7 @@
           <p:cNvPr id="3" name="Content Placeholder 2">
             <a:extLst>
               <a:ext uri="{FF2B5EF4-FFF2-40B4-BE49-F238E27FC236}">
-                <a16:creationId xmlns:a16="http://schemas.microsoft.com/office/drawing/2014/main" id="{080B023B-7D88-41EA-AF5E-55F01343442A}"/>
+                <a16:creationId xmlns:a16="http://schemas.microsoft.com/office/drawing/2014/main" id="{3D6FFF7B-0244-40BF-A6DD-EFBD091028C6}"/>
               </a:ext>
             </a:extLst>
           </p:cNvPr>
@@ -10508,16 +12422,37 @@
           <a:p>
             <a:r>
               <a:rPr lang="da-DK" dirty="0"/>
-              <a:t>Commit frequently</a:t>
+              <a:t>CI is one of those topics that are best though as learning-by-doing</a:t>
             </a:r>
           </a:p>
           <a:p>
             <a:endParaRPr lang="da-DK" dirty="0"/>
+          </a:p>
+          <a:p>
+            <a:r>
+              <a:rPr lang="da-DK" dirty="0"/>
+              <a:t>If you understand how to use git, the rest is basically googling stuff</a:t>
+            </a:r>
+          </a:p>
+          <a:p>
+            <a:endParaRPr lang="da-DK" dirty="0"/>
+          </a:p>
+          <a:p>
+            <a:pPr marL="0" indent="0">
+              <a:buNone/>
+            </a:pPr>
+            <a:r>
+              <a:rPr lang="da-DK" dirty="0"/>
+              <a:t>Lets look at a practical axample</a:t>
+            </a:r>
           </a:p>
           <a:p>
             <a:pPr lvl="1"/>
             <a:endParaRPr lang="da-DK" dirty="0"/>
           </a:p>
+          <a:p>
+            <a:endParaRPr lang="da-DK" dirty="0"/>
+          </a:p>
         </p:txBody>
       </p:sp>
       <p:sp>
@@ -10525,7 +12460,7 @@
           <p:cNvPr id="4" name="Date Placeholder 3">
             <a:extLst>
               <a:ext uri="{FF2B5EF4-FFF2-40B4-BE49-F238E27FC236}">
-                <a16:creationId xmlns:a16="http://schemas.microsoft.com/office/drawing/2014/main" id="{739AC9DC-4ED8-43A6-A60E-AC132FBDE1DA}"/>
+                <a16:creationId xmlns:a16="http://schemas.microsoft.com/office/drawing/2014/main" id="{AC582E96-10CE-4032-8721-22024C963E66}"/>
               </a:ext>
             </a:extLst>
           </p:cNvPr>
@@ -10543,7 +12478,7 @@
           <a:p>
             <a:fld id="{019E29B9-5584-4737-9C98-1B926378C778}" type="datetime1">
               <a:rPr lang="en-US" smtClean="0"/>
-              <a:t>5/18/2021</a:t>
+              <a:t>5/19/2021</a:t>
             </a:fld>
             <a:endParaRPr lang="da-DK"/>
           </a:p>
@@ -10554,7 +12489,7 @@
           <p:cNvPr id="5" name="Footer Placeholder 4">
             <a:extLst>
               <a:ext uri="{FF2B5EF4-FFF2-40B4-BE49-F238E27FC236}">
-                <a16:creationId xmlns:a16="http://schemas.microsoft.com/office/drawing/2014/main" id="{A729A4E2-DC3C-406B-9E46-F6720C144EC8}"/>
+                <a16:creationId xmlns:a16="http://schemas.microsoft.com/office/drawing/2014/main" id="{229897C6-91E1-4481-81D6-52AE9754F1C3}"/>
               </a:ext>
             </a:extLst>
           </p:cNvPr>
@@ -10582,7 +12517,7 @@
           <p:cNvPr id="6" name="Slide Number Placeholder 5">
             <a:extLst>
               <a:ext uri="{FF2B5EF4-FFF2-40B4-BE49-F238E27FC236}">
-                <a16:creationId xmlns:a16="http://schemas.microsoft.com/office/drawing/2014/main" id="{DBC6B56C-8158-4A79-BC62-8A86741337CA}"/>
+                <a16:creationId xmlns:a16="http://schemas.microsoft.com/office/drawing/2014/main" id="{B9C7D9B7-BF93-4774-8A6A-D0150E0D9136}"/>
               </a:ext>
             </a:extLst>
           </p:cNvPr>
@@ -10606,67 +12541,10 @@
           </a:p>
         </p:txBody>
       </p:sp>
-      <p:pic>
-        <p:nvPicPr>
-          <p:cNvPr id="12" name="Picture 11">
-            <a:extLst>
-              <a:ext uri="{FF2B5EF4-FFF2-40B4-BE49-F238E27FC236}">
-                <a16:creationId xmlns:a16="http://schemas.microsoft.com/office/drawing/2014/main" id="{D61C85C5-A9D4-408A-952B-F5B11C498ED8}"/>
-              </a:ext>
-            </a:extLst>
-          </p:cNvPr>
-          <p:cNvPicPr>
-            <a:picLocks noChangeAspect="1"/>
-          </p:cNvPicPr>
-          <p:nvPr/>
-        </p:nvPicPr>
-        <p:blipFill rotWithShape="1">
-          <a:blip r:embed="rId2"/>
-          <a:srcRect t="-1" b="-1445"/>
-          <a:stretch/>
-        </p:blipFill>
-        <p:spPr>
-          <a:xfrm>
-            <a:off x="6530717" y="882095"/>
-            <a:ext cx="2788166" cy="5474255"/>
-          </a:xfrm>
-          <a:prstGeom prst="rect">
-            <a:avLst/>
-          </a:prstGeom>
-        </p:spPr>
-      </p:pic>
-      <p:graphicFrame>
-        <p:nvGraphicFramePr>
-          <p:cNvPr id="21" name="Diagram 20">
-            <a:extLst>
-              <a:ext uri="{FF2B5EF4-FFF2-40B4-BE49-F238E27FC236}">
-                <a16:creationId xmlns:a16="http://schemas.microsoft.com/office/drawing/2014/main" id="{31C25018-F696-44E0-BC57-54647C2F4B38}"/>
-              </a:ext>
-            </a:extLst>
-          </p:cNvPr>
-          <p:cNvGraphicFramePr/>
-          <p:nvPr>
-            <p:extLst>
-              <p:ext uri="{D42A27DB-BD31-4B8C-83A1-F6EECF244321}">
-                <p14:modId xmlns:p14="http://schemas.microsoft.com/office/powerpoint/2010/main" val="4234027889"/>
-              </p:ext>
-            </p:extLst>
-          </p:nvPr>
-        </p:nvGraphicFramePr>
-        <p:xfrm>
-          <a:off x="9547483" y="1276014"/>
-          <a:ext cx="2204440" cy="2447177"/>
-        </p:xfrm>
-        <a:graphic>
-          <a:graphicData uri="http://schemas.openxmlformats.org/drawingml/2006/diagram">
-            <dgm:relIds xmlns:dgm="http://schemas.openxmlformats.org/drawingml/2006/diagram" xmlns:r="http://schemas.openxmlformats.org/officeDocument/2006/relationships" r:dm="rId3" r:lo="rId4" r:qs="rId5" r:cs="rId6"/>
-          </a:graphicData>
-        </a:graphic>
-      </p:graphicFrame>
     </p:spTree>
     <p:extLst>
       <p:ext uri="{BB962C8B-B14F-4D97-AF65-F5344CB8AC3E}">
-        <p14:creationId xmlns:p14="http://schemas.microsoft.com/office/powerpoint/2010/main" val="436317576"/>
+        <p14:creationId xmlns:p14="http://schemas.microsoft.com/office/powerpoint/2010/main" val="533928425"/>
       </p:ext>
     </p:extLst>
   </p:cSld>
@@ -10698,7 +12576,7 @@
           <p:cNvPr id="2" name="Title 1">
             <a:extLst>
               <a:ext uri="{FF2B5EF4-FFF2-40B4-BE49-F238E27FC236}">
-                <a16:creationId xmlns:a16="http://schemas.microsoft.com/office/drawing/2014/main" id="{18700190-0A40-4FC2-9A54-082C9173E7C7}"/>
+                <a16:creationId xmlns:a16="http://schemas.microsoft.com/office/drawing/2014/main" id="{67049641-DF90-4FBF-A399-35809E687CCD}"/>
               </a:ext>
             </a:extLst>
           </p:cNvPr>
@@ -10716,7 +12594,7 @@
           <a:p>
             <a:r>
               <a:rPr lang="da-DK" dirty="0"/>
-              <a:t>CI step 1: Commiting code</a:t>
+              <a:t>A small case study</a:t>
             </a:r>
           </a:p>
         </p:txBody>
@@ -10726,7 +12604,7 @@
           <p:cNvPr id="3" name="Content Placeholder 2">
             <a:extLst>
               <a:ext uri="{FF2B5EF4-FFF2-40B4-BE49-F238E27FC236}">
-                <a16:creationId xmlns:a16="http://schemas.microsoft.com/office/drawing/2014/main" id="{080B023B-7D88-41EA-AF5E-55F01343442A}"/>
+                <a16:creationId xmlns:a16="http://schemas.microsoft.com/office/drawing/2014/main" id="{CD751883-3B25-4EDE-8AD8-ECA4C4D69A2C}"/>
               </a:ext>
             </a:extLst>
           </p:cNvPr>
@@ -10742,23 +12620,13 @@
           <a:bodyPr/>
           <a:lstStyle/>
           <a:p>
+            <a:pPr marL="0" indent="0">
+              <a:buNone/>
+            </a:pPr>
             <a:r>
               <a:rPr lang="da-DK" dirty="0"/>
-              <a:t> Use branches</a:t>
-            </a:r>
-          </a:p>
-          <a:p>
-            <a:endParaRPr lang="da-DK" dirty="0"/>
-          </a:p>
-          <a:p>
-            <a:endParaRPr lang="da-DK" dirty="0"/>
-          </a:p>
-          <a:p>
-            <a:endParaRPr lang="da-DK" dirty="0"/>
-          </a:p>
-          <a:p>
-            <a:pPr lvl="1"/>
-            <a:endParaRPr lang="da-DK" dirty="0"/>
+              <a:t>All the metric in the world – now in pytorch</a:t>
+            </a:r>
           </a:p>
         </p:txBody>
       </p:sp>
@@ -10767,7 +12635,7 @@
           <p:cNvPr id="4" name="Date Placeholder 3">
             <a:extLst>
               <a:ext uri="{FF2B5EF4-FFF2-40B4-BE49-F238E27FC236}">
-                <a16:creationId xmlns:a16="http://schemas.microsoft.com/office/drawing/2014/main" id="{739AC9DC-4ED8-43A6-A60E-AC132FBDE1DA}"/>
+                <a16:creationId xmlns:a16="http://schemas.microsoft.com/office/drawing/2014/main" id="{AF9CF576-91AD-4CA9-B9A8-9D4091B9ADE5}"/>
               </a:ext>
             </a:extLst>
           </p:cNvPr>
@@ -10785,7 +12653,7 @@
           <a:p>
             <a:fld id="{019E29B9-5584-4737-9C98-1B926378C778}" type="datetime1">
               <a:rPr lang="en-US" smtClean="0"/>
-              <a:t>5/18/2021</a:t>
+              <a:t>5/19/2021</a:t>
             </a:fld>
             <a:endParaRPr lang="da-DK"/>
           </a:p>
@@ -10796,7 +12664,7 @@
           <p:cNvPr id="5" name="Footer Placeholder 4">
             <a:extLst>
               <a:ext uri="{FF2B5EF4-FFF2-40B4-BE49-F238E27FC236}">
-                <a16:creationId xmlns:a16="http://schemas.microsoft.com/office/drawing/2014/main" id="{A729A4E2-DC3C-406B-9E46-F6720C144EC8}"/>
+                <a16:creationId xmlns:a16="http://schemas.microsoft.com/office/drawing/2014/main" id="{0133C9CB-AA34-45C2-9897-822134ADE207}"/>
               </a:ext>
             </a:extLst>
           </p:cNvPr>
@@ -10824,7 +12692,7 @@
           <p:cNvPr id="6" name="Slide Number Placeholder 5">
             <a:extLst>
               <a:ext uri="{FF2B5EF4-FFF2-40B4-BE49-F238E27FC236}">
-                <a16:creationId xmlns:a16="http://schemas.microsoft.com/office/drawing/2014/main" id="{DBC6B56C-8158-4A79-BC62-8A86741337CA}"/>
+                <a16:creationId xmlns:a16="http://schemas.microsoft.com/office/drawing/2014/main" id="{E1A20C92-F3BB-4750-964E-EB033F0189AB}"/>
               </a:ext>
             </a:extLst>
           </p:cNvPr>
@@ -10843,1012 +12711,6 @@
             <a:fld id="{F6FEDE24-D50C-481B-A7B4-8AF13899101A}" type="slidenum">
               <a:rPr lang="da-DK" smtClean="0"/>
               <a:t>5</a:t>
-            </a:fld>
-            <a:endParaRPr lang="da-DK"/>
-          </a:p>
-        </p:txBody>
-      </p:sp>
-      <p:pic>
-        <p:nvPicPr>
-          <p:cNvPr id="8" name="Picture 7">
-            <a:extLst>
-              <a:ext uri="{FF2B5EF4-FFF2-40B4-BE49-F238E27FC236}">
-                <a16:creationId xmlns:a16="http://schemas.microsoft.com/office/drawing/2014/main" id="{A3CDDA49-6CCE-492A-A53C-E6D88C7A4A35}"/>
-              </a:ext>
-            </a:extLst>
-          </p:cNvPr>
-          <p:cNvPicPr>
-            <a:picLocks noChangeAspect="1"/>
-          </p:cNvPicPr>
-          <p:nvPr/>
-        </p:nvPicPr>
-        <p:blipFill>
-          <a:blip r:embed="rId2"/>
-          <a:stretch>
-            <a:fillRect/>
-          </a:stretch>
-        </p:blipFill>
-        <p:spPr>
-          <a:xfrm>
-            <a:off x="5158529" y="1276014"/>
-            <a:ext cx="3649249" cy="4962088"/>
-          </a:xfrm>
-          <a:prstGeom prst="rect">
-            <a:avLst/>
-          </a:prstGeom>
-        </p:spPr>
-      </p:pic>
-    </p:spTree>
-    <p:extLst>
-      <p:ext uri="{BB962C8B-B14F-4D97-AF65-F5344CB8AC3E}">
-        <p14:creationId xmlns:p14="http://schemas.microsoft.com/office/powerpoint/2010/main" val="3926352249"/>
-      </p:ext>
-    </p:extLst>
-  </p:cSld>
-  <p:clrMapOvr>
-    <a:masterClrMapping/>
-  </p:clrMapOvr>
-</p:sld>
-</file>
-
-<file path=ppt/slides/slide6.xml><?xml version="1.0" encoding="utf-8"?>
-<p:sld xmlns:a="http://schemas.openxmlformats.org/drawingml/2006/main" xmlns:r="http://schemas.openxmlformats.org/officeDocument/2006/relationships" xmlns:p="http://schemas.openxmlformats.org/presentationml/2006/main">
-  <p:cSld>
-    <p:spTree>
-      <p:nvGrpSpPr>
-        <p:cNvPr id="1" name=""/>
-        <p:cNvGrpSpPr/>
-        <p:nvPr/>
-      </p:nvGrpSpPr>
-      <p:grpSpPr>
-        <a:xfrm>
-          <a:off x="0" y="0"/>
-          <a:ext cx="0" cy="0"/>
-          <a:chOff x="0" y="0"/>
-          <a:chExt cx="0" cy="0"/>
-        </a:xfrm>
-      </p:grpSpPr>
-      <p:sp>
-        <p:nvSpPr>
-          <p:cNvPr id="2" name="Title 1">
-            <a:extLst>
-              <a:ext uri="{FF2B5EF4-FFF2-40B4-BE49-F238E27FC236}">
-                <a16:creationId xmlns:a16="http://schemas.microsoft.com/office/drawing/2014/main" id="{18700190-0A40-4FC2-9A54-082C9173E7C7}"/>
-              </a:ext>
-            </a:extLst>
-          </p:cNvPr>
-          <p:cNvSpPr>
-            <a:spLocks noGrp="1"/>
-          </p:cNvSpPr>
-          <p:nvPr>
-            <p:ph type="title"/>
-          </p:nvPr>
-        </p:nvSpPr>
-        <p:spPr/>
-        <p:txBody>
-          <a:bodyPr/>
-          <a:lstStyle/>
-          <a:p>
-            <a:r>
-              <a:rPr lang="da-DK" dirty="0"/>
-              <a:t>CI step 1: Commiting code</a:t>
-            </a:r>
-          </a:p>
-        </p:txBody>
-      </p:sp>
-      <p:sp>
-        <p:nvSpPr>
-          <p:cNvPr id="3" name="Content Placeholder 2">
-            <a:extLst>
-              <a:ext uri="{FF2B5EF4-FFF2-40B4-BE49-F238E27FC236}">
-                <a16:creationId xmlns:a16="http://schemas.microsoft.com/office/drawing/2014/main" id="{080B023B-7D88-41EA-AF5E-55F01343442A}"/>
-              </a:ext>
-            </a:extLst>
-          </p:cNvPr>
-          <p:cNvSpPr>
-            <a:spLocks noGrp="1"/>
-          </p:cNvSpPr>
-          <p:nvPr>
-            <p:ph idx="1"/>
-          </p:nvPr>
-        </p:nvSpPr>
-        <p:spPr/>
-        <p:txBody>
-          <a:bodyPr/>
-          <a:lstStyle/>
-          <a:p>
-            <a:r>
-              <a:rPr lang="da-DK" dirty="0"/>
-              <a:t> Use PRs, other can review your code</a:t>
-            </a:r>
-          </a:p>
-          <a:p>
-            <a:endParaRPr lang="da-DK" dirty="0"/>
-          </a:p>
-          <a:p>
-            <a:endParaRPr lang="da-DK" dirty="0"/>
-          </a:p>
-          <a:p>
-            <a:endParaRPr lang="da-DK" dirty="0"/>
-          </a:p>
-          <a:p>
-            <a:pPr lvl="1"/>
-            <a:endParaRPr lang="da-DK" dirty="0"/>
-          </a:p>
-        </p:txBody>
-      </p:sp>
-      <p:sp>
-        <p:nvSpPr>
-          <p:cNvPr id="4" name="Date Placeholder 3">
-            <a:extLst>
-              <a:ext uri="{FF2B5EF4-FFF2-40B4-BE49-F238E27FC236}">
-                <a16:creationId xmlns:a16="http://schemas.microsoft.com/office/drawing/2014/main" id="{739AC9DC-4ED8-43A6-A60E-AC132FBDE1DA}"/>
-              </a:ext>
-            </a:extLst>
-          </p:cNvPr>
-          <p:cNvSpPr>
-            <a:spLocks noGrp="1"/>
-          </p:cNvSpPr>
-          <p:nvPr>
-            <p:ph type="dt" sz="half" idx="10"/>
-          </p:nvPr>
-        </p:nvSpPr>
-        <p:spPr/>
-        <p:txBody>
-          <a:bodyPr/>
-          <a:lstStyle/>
-          <a:p>
-            <a:fld id="{019E29B9-5584-4737-9C98-1B926378C778}" type="datetime1">
-              <a:rPr lang="en-US" smtClean="0"/>
-              <a:t>5/18/2021</a:t>
-            </a:fld>
-            <a:endParaRPr lang="da-DK"/>
-          </a:p>
-        </p:txBody>
-      </p:sp>
-      <p:sp>
-        <p:nvSpPr>
-          <p:cNvPr id="5" name="Footer Placeholder 4">
-            <a:extLst>
-              <a:ext uri="{FF2B5EF4-FFF2-40B4-BE49-F238E27FC236}">
-                <a16:creationId xmlns:a16="http://schemas.microsoft.com/office/drawing/2014/main" id="{A729A4E2-DC3C-406B-9E46-F6720C144EC8}"/>
-              </a:ext>
-            </a:extLst>
-          </p:cNvPr>
-          <p:cNvSpPr>
-            <a:spLocks noGrp="1"/>
-          </p:cNvSpPr>
-          <p:nvPr>
-            <p:ph type="ftr" sz="quarter" idx="11"/>
-          </p:nvPr>
-        </p:nvSpPr>
-        <p:spPr/>
-        <p:txBody>
-          <a:bodyPr/>
-          <a:lstStyle/>
-          <a:p>
-            <a:r>
-              <a:rPr lang="da-DK"/>
-              <a:t>Nicki Skafte Detlefsen</a:t>
-            </a:r>
-          </a:p>
-        </p:txBody>
-      </p:sp>
-      <p:sp>
-        <p:nvSpPr>
-          <p:cNvPr id="6" name="Slide Number Placeholder 5">
-            <a:extLst>
-              <a:ext uri="{FF2B5EF4-FFF2-40B4-BE49-F238E27FC236}">
-                <a16:creationId xmlns:a16="http://schemas.microsoft.com/office/drawing/2014/main" id="{DBC6B56C-8158-4A79-BC62-8A86741337CA}"/>
-              </a:ext>
-            </a:extLst>
-          </p:cNvPr>
-          <p:cNvSpPr>
-            <a:spLocks noGrp="1"/>
-          </p:cNvSpPr>
-          <p:nvPr>
-            <p:ph type="sldNum" sz="quarter" idx="12"/>
-          </p:nvPr>
-        </p:nvSpPr>
-        <p:spPr/>
-        <p:txBody>
-          <a:bodyPr/>
-          <a:lstStyle/>
-          <a:p>
-            <a:fld id="{F6FEDE24-D50C-481B-A7B4-8AF13899101A}" type="slidenum">
-              <a:rPr lang="da-DK" smtClean="0"/>
-              <a:t>6</a:t>
-            </a:fld>
-            <a:endParaRPr lang="da-DK"/>
-          </a:p>
-        </p:txBody>
-      </p:sp>
-      <p:pic>
-        <p:nvPicPr>
-          <p:cNvPr id="9" name="Picture 8">
-            <a:extLst>
-              <a:ext uri="{FF2B5EF4-FFF2-40B4-BE49-F238E27FC236}">
-                <a16:creationId xmlns:a16="http://schemas.microsoft.com/office/drawing/2014/main" id="{C2C18B1E-90CB-4523-8D16-3BEA14A27FCE}"/>
-              </a:ext>
-            </a:extLst>
-          </p:cNvPr>
-          <p:cNvPicPr>
-            <a:picLocks noChangeAspect="1"/>
-          </p:cNvPicPr>
-          <p:nvPr/>
-        </p:nvPicPr>
-        <p:blipFill>
-          <a:blip r:embed="rId2"/>
-          <a:stretch>
-            <a:fillRect/>
-          </a:stretch>
-        </p:blipFill>
-        <p:spPr>
-          <a:xfrm>
-            <a:off x="1266466" y="1735525"/>
-            <a:ext cx="9875279" cy="4531132"/>
-          </a:xfrm>
-          <a:prstGeom prst="rect">
-            <a:avLst/>
-          </a:prstGeom>
-        </p:spPr>
-      </p:pic>
-      <p:sp>
-        <p:nvSpPr>
-          <p:cNvPr id="10" name="Rectangle 9">
-            <a:extLst>
-              <a:ext uri="{FF2B5EF4-FFF2-40B4-BE49-F238E27FC236}">
-                <a16:creationId xmlns:a16="http://schemas.microsoft.com/office/drawing/2014/main" id="{3BD65928-4798-42DF-8370-D13B7B659B17}"/>
-              </a:ext>
-            </a:extLst>
-          </p:cNvPr>
-          <p:cNvSpPr/>
-          <p:nvPr/>
-        </p:nvSpPr>
-        <p:spPr>
-          <a:xfrm>
-            <a:off x="2209800" y="2011680"/>
-            <a:ext cx="800100" cy="289560"/>
-          </a:xfrm>
-          <a:prstGeom prst="rect">
-            <a:avLst/>
-          </a:prstGeom>
-          <a:noFill/>
-          <a:ln w="38100">
-            <a:solidFill>
-              <a:srgbClr val="FF0000"/>
-            </a:solidFill>
-          </a:ln>
-        </p:spPr>
-        <p:style>
-          <a:lnRef idx="2">
-            <a:schemeClr val="accent1">
-              <a:shade val="50000"/>
-            </a:schemeClr>
-          </a:lnRef>
-          <a:fillRef idx="1">
-            <a:schemeClr val="accent1"/>
-          </a:fillRef>
-          <a:effectRef idx="0">
-            <a:schemeClr val="accent1"/>
-          </a:effectRef>
-          <a:fontRef idx="minor">
-            <a:schemeClr val="lt1"/>
-          </a:fontRef>
-        </p:style>
-        <p:txBody>
-          <a:bodyPr rtlCol="0" anchor="ctr"/>
-          <a:lstStyle/>
-          <a:p>
-            <a:pPr algn="ctr"/>
-            <a:endParaRPr lang="da-DK"/>
-          </a:p>
-        </p:txBody>
-      </p:sp>
-      <p:sp>
-        <p:nvSpPr>
-          <p:cNvPr id="11" name="Rectangle 10">
-            <a:extLst>
-              <a:ext uri="{FF2B5EF4-FFF2-40B4-BE49-F238E27FC236}">
-                <a16:creationId xmlns:a16="http://schemas.microsoft.com/office/drawing/2014/main" id="{379EEA97-4E6B-4DBD-9EB6-F8428C8314F7}"/>
-              </a:ext>
-            </a:extLst>
-          </p:cNvPr>
-          <p:cNvSpPr/>
-          <p:nvPr/>
-        </p:nvSpPr>
-        <p:spPr>
-          <a:xfrm>
-            <a:off x="3238500" y="2758440"/>
-            <a:ext cx="861060" cy="289560"/>
-          </a:xfrm>
-          <a:prstGeom prst="rect">
-            <a:avLst/>
-          </a:prstGeom>
-          <a:noFill/>
-          <a:ln w="38100">
-            <a:solidFill>
-              <a:srgbClr val="FF0000"/>
-            </a:solidFill>
-          </a:ln>
-        </p:spPr>
-        <p:style>
-          <a:lnRef idx="2">
-            <a:schemeClr val="accent1">
-              <a:shade val="50000"/>
-            </a:schemeClr>
-          </a:lnRef>
-          <a:fillRef idx="1">
-            <a:schemeClr val="accent1"/>
-          </a:fillRef>
-          <a:effectRef idx="0">
-            <a:schemeClr val="accent1"/>
-          </a:effectRef>
-          <a:fontRef idx="minor">
-            <a:schemeClr val="lt1"/>
-          </a:fontRef>
-        </p:style>
-        <p:txBody>
-          <a:bodyPr rtlCol="0" anchor="ctr"/>
-          <a:lstStyle/>
-          <a:p>
-            <a:pPr algn="ctr"/>
-            <a:endParaRPr lang="da-DK"/>
-          </a:p>
-        </p:txBody>
-      </p:sp>
-      <p:sp>
-        <p:nvSpPr>
-          <p:cNvPr id="12" name="Rectangle 11">
-            <a:extLst>
-              <a:ext uri="{FF2B5EF4-FFF2-40B4-BE49-F238E27FC236}">
-                <a16:creationId xmlns:a16="http://schemas.microsoft.com/office/drawing/2014/main" id="{2265A4B1-8011-4345-822B-7C6EF2AC171C}"/>
-              </a:ext>
-            </a:extLst>
-          </p:cNvPr>
-          <p:cNvSpPr/>
-          <p:nvPr/>
-        </p:nvSpPr>
-        <p:spPr>
-          <a:xfrm>
-            <a:off x="6204104" y="3767904"/>
-            <a:ext cx="3336135" cy="1406075"/>
-          </a:xfrm>
-          <a:prstGeom prst="rect">
-            <a:avLst/>
-          </a:prstGeom>
-          <a:noFill/>
-          <a:ln w="38100">
-            <a:solidFill>
-              <a:srgbClr val="FF0000"/>
-            </a:solidFill>
-          </a:ln>
-        </p:spPr>
-        <p:style>
-          <a:lnRef idx="2">
-            <a:schemeClr val="accent1">
-              <a:shade val="50000"/>
-            </a:schemeClr>
-          </a:lnRef>
-          <a:fillRef idx="1">
-            <a:schemeClr val="accent1"/>
-          </a:fillRef>
-          <a:effectRef idx="0">
-            <a:schemeClr val="accent1"/>
-          </a:effectRef>
-          <a:fontRef idx="minor">
-            <a:schemeClr val="lt1"/>
-          </a:fontRef>
-        </p:style>
-        <p:txBody>
-          <a:bodyPr rtlCol="0" anchor="ctr"/>
-          <a:lstStyle/>
-          <a:p>
-            <a:pPr algn="ctr"/>
-            <a:endParaRPr lang="da-DK"/>
-          </a:p>
-        </p:txBody>
-      </p:sp>
-      <p:sp>
-        <p:nvSpPr>
-          <p:cNvPr id="13" name="Rectangle 12">
-            <a:extLst>
-              <a:ext uri="{FF2B5EF4-FFF2-40B4-BE49-F238E27FC236}">
-                <a16:creationId xmlns:a16="http://schemas.microsoft.com/office/drawing/2014/main" id="{C08FD30A-B330-4B21-A4BB-E05318787A76}"/>
-              </a:ext>
-            </a:extLst>
-          </p:cNvPr>
-          <p:cNvSpPr/>
-          <p:nvPr/>
-        </p:nvSpPr>
-        <p:spPr>
-          <a:xfrm>
-            <a:off x="10271760" y="2975174"/>
-            <a:ext cx="792479" cy="289560"/>
-          </a:xfrm>
-          <a:prstGeom prst="rect">
-            <a:avLst/>
-          </a:prstGeom>
-          <a:noFill/>
-          <a:ln w="38100">
-            <a:solidFill>
-              <a:srgbClr val="FF0000"/>
-            </a:solidFill>
-          </a:ln>
-        </p:spPr>
-        <p:style>
-          <a:lnRef idx="2">
-            <a:schemeClr val="accent1">
-              <a:shade val="50000"/>
-            </a:schemeClr>
-          </a:lnRef>
-          <a:fillRef idx="1">
-            <a:schemeClr val="accent1"/>
-          </a:fillRef>
-          <a:effectRef idx="0">
-            <a:schemeClr val="accent1"/>
-          </a:effectRef>
-          <a:fontRef idx="minor">
-            <a:schemeClr val="lt1"/>
-          </a:fontRef>
-        </p:style>
-        <p:txBody>
-          <a:bodyPr rtlCol="0" anchor="ctr"/>
-          <a:lstStyle/>
-          <a:p>
-            <a:pPr algn="ctr"/>
-            <a:endParaRPr lang="da-DK"/>
-          </a:p>
-        </p:txBody>
-      </p:sp>
-      <p:sp>
-        <p:nvSpPr>
-          <p:cNvPr id="15" name="TextBox 14">
-            <a:extLst>
-              <a:ext uri="{FF2B5EF4-FFF2-40B4-BE49-F238E27FC236}">
-                <a16:creationId xmlns:a16="http://schemas.microsoft.com/office/drawing/2014/main" id="{B50B947D-BA09-436B-83E4-56979BB6D71D}"/>
-              </a:ext>
-            </a:extLst>
-          </p:cNvPr>
-          <p:cNvSpPr txBox="1"/>
-          <p:nvPr/>
-        </p:nvSpPr>
-        <p:spPr>
-          <a:xfrm>
-            <a:off x="3131820" y="1836420"/>
-            <a:ext cx="1181100" cy="369332"/>
-          </a:xfrm>
-          <a:prstGeom prst="rect">
-            <a:avLst/>
-          </a:prstGeom>
-          <a:noFill/>
-        </p:spPr>
-        <p:txBody>
-          <a:bodyPr wrap="square" rtlCol="0">
-            <a:spAutoFit/>
-          </a:bodyPr>
-          <a:lstStyle/>
-          <a:p>
-            <a:r>
-              <a:rPr lang="da-DK" dirty="0">
-                <a:solidFill>
-                  <a:srgbClr val="FF0000"/>
-                </a:solidFill>
-              </a:rPr>
-              <a:t>1. Find PR</a:t>
-            </a:r>
-          </a:p>
-        </p:txBody>
-      </p:sp>
-      <p:sp>
-        <p:nvSpPr>
-          <p:cNvPr id="16" name="TextBox 15">
-            <a:extLst>
-              <a:ext uri="{FF2B5EF4-FFF2-40B4-BE49-F238E27FC236}">
-                <a16:creationId xmlns:a16="http://schemas.microsoft.com/office/drawing/2014/main" id="{60E31BC7-F38D-4DC3-AA9B-A2563ED474BB}"/>
-              </a:ext>
-            </a:extLst>
-          </p:cNvPr>
-          <p:cNvSpPr txBox="1"/>
-          <p:nvPr/>
-        </p:nvSpPr>
-        <p:spPr>
-          <a:xfrm>
-            <a:off x="4122420" y="2712900"/>
-            <a:ext cx="2278380" cy="369332"/>
-          </a:xfrm>
-          <a:prstGeom prst="rect">
-            <a:avLst/>
-          </a:prstGeom>
-          <a:noFill/>
-        </p:spPr>
-        <p:txBody>
-          <a:bodyPr wrap="square" rtlCol="0">
-            <a:spAutoFit/>
-          </a:bodyPr>
-          <a:lstStyle/>
-          <a:p>
-            <a:r>
-              <a:rPr lang="da-DK" dirty="0">
-                <a:solidFill>
-                  <a:srgbClr val="FF0000"/>
-                </a:solidFill>
-              </a:rPr>
-              <a:t>2. Check changed files</a:t>
-            </a:r>
-          </a:p>
-        </p:txBody>
-      </p:sp>
-      <p:sp>
-        <p:nvSpPr>
-          <p:cNvPr id="17" name="TextBox 16">
-            <a:extLst>
-              <a:ext uri="{FF2B5EF4-FFF2-40B4-BE49-F238E27FC236}">
-                <a16:creationId xmlns:a16="http://schemas.microsoft.com/office/drawing/2014/main" id="{89BD195B-40E1-4780-808A-8C82374F81F8}"/>
-              </a:ext>
-            </a:extLst>
-          </p:cNvPr>
-          <p:cNvSpPr txBox="1"/>
-          <p:nvPr/>
-        </p:nvSpPr>
-        <p:spPr>
-          <a:xfrm>
-            <a:off x="7367886" y="3429000"/>
-            <a:ext cx="3336135" cy="369332"/>
-          </a:xfrm>
-          <a:prstGeom prst="rect">
-            <a:avLst/>
-          </a:prstGeom>
-          <a:noFill/>
-        </p:spPr>
-        <p:txBody>
-          <a:bodyPr wrap="square" rtlCol="0">
-            <a:spAutoFit/>
-          </a:bodyPr>
-          <a:lstStyle/>
-          <a:p>
-            <a:r>
-              <a:rPr lang="da-DK" dirty="0">
-                <a:solidFill>
-                  <a:srgbClr val="FF0000"/>
-                </a:solidFill>
-              </a:rPr>
-              <a:t>3. Make one or more comments</a:t>
-            </a:r>
-          </a:p>
-        </p:txBody>
-      </p:sp>
-      <p:sp>
-        <p:nvSpPr>
-          <p:cNvPr id="18" name="TextBox 17">
-            <a:extLst>
-              <a:ext uri="{FF2B5EF4-FFF2-40B4-BE49-F238E27FC236}">
-                <a16:creationId xmlns:a16="http://schemas.microsoft.com/office/drawing/2014/main" id="{D994CAC0-0F66-4609-B054-D72D06B8726A}"/>
-              </a:ext>
-            </a:extLst>
-          </p:cNvPr>
-          <p:cNvSpPr txBox="1"/>
-          <p:nvPr/>
-        </p:nvSpPr>
-        <p:spPr>
-          <a:xfrm>
-            <a:off x="8999931" y="2639542"/>
-            <a:ext cx="3336135" cy="369332"/>
-          </a:xfrm>
-          <a:prstGeom prst="rect">
-            <a:avLst/>
-          </a:prstGeom>
-          <a:noFill/>
-        </p:spPr>
-        <p:txBody>
-          <a:bodyPr wrap="square" rtlCol="0">
-            <a:spAutoFit/>
-          </a:bodyPr>
-          <a:lstStyle/>
-          <a:p>
-            <a:r>
-              <a:rPr lang="da-DK" dirty="0">
-                <a:solidFill>
-                  <a:srgbClr val="FF0000"/>
-                </a:solidFill>
-              </a:rPr>
-              <a:t>4. Send review</a:t>
-            </a:r>
-          </a:p>
-        </p:txBody>
-      </p:sp>
-    </p:spTree>
-    <p:extLst>
-      <p:ext uri="{BB962C8B-B14F-4D97-AF65-F5344CB8AC3E}">
-        <p14:creationId xmlns:p14="http://schemas.microsoft.com/office/powerpoint/2010/main" val="2486113929"/>
-      </p:ext>
-    </p:extLst>
-  </p:cSld>
-  <p:clrMapOvr>
-    <a:masterClrMapping/>
-  </p:clrMapOvr>
-</p:sld>
-</file>
-
-<file path=ppt/slides/slide7.xml><?xml version="1.0" encoding="utf-8"?>
-<p:sld xmlns:a="http://schemas.openxmlformats.org/drawingml/2006/main" xmlns:r="http://schemas.openxmlformats.org/officeDocument/2006/relationships" xmlns:p="http://schemas.openxmlformats.org/presentationml/2006/main">
-  <p:cSld>
-    <p:spTree>
-      <p:nvGrpSpPr>
-        <p:cNvPr id="1" name=""/>
-        <p:cNvGrpSpPr/>
-        <p:nvPr/>
-      </p:nvGrpSpPr>
-      <p:grpSpPr>
-        <a:xfrm>
-          <a:off x="0" y="0"/>
-          <a:ext cx="0" cy="0"/>
-          <a:chOff x="0" y="0"/>
-          <a:chExt cx="0" cy="0"/>
-        </a:xfrm>
-      </p:grpSpPr>
-      <p:sp>
-        <p:nvSpPr>
-          <p:cNvPr id="2" name="Title 1">
-            <a:extLst>
-              <a:ext uri="{FF2B5EF4-FFF2-40B4-BE49-F238E27FC236}">
-                <a16:creationId xmlns:a16="http://schemas.microsoft.com/office/drawing/2014/main" id="{F30CAB80-0536-4C1F-B6CE-EC85D3C8B753}"/>
-              </a:ext>
-            </a:extLst>
-          </p:cNvPr>
-          <p:cNvSpPr>
-            <a:spLocks noGrp="1"/>
-          </p:cNvSpPr>
-          <p:nvPr>
-            <p:ph type="title"/>
-          </p:nvPr>
-        </p:nvSpPr>
-        <p:spPr/>
-        <p:txBody>
-          <a:bodyPr/>
-          <a:lstStyle/>
-          <a:p>
-            <a:r>
-              <a:rPr lang="da-DK" dirty="0"/>
-              <a:t>CI step 2: Automating stuff</a:t>
-            </a:r>
-          </a:p>
-        </p:txBody>
-      </p:sp>
-      <p:sp>
-        <p:nvSpPr>
-          <p:cNvPr id="3" name="Content Placeholder 2">
-            <a:extLst>
-              <a:ext uri="{FF2B5EF4-FFF2-40B4-BE49-F238E27FC236}">
-                <a16:creationId xmlns:a16="http://schemas.microsoft.com/office/drawing/2014/main" id="{8C1E39EE-762B-47D7-995F-8880FB5E5C6C}"/>
-              </a:ext>
-            </a:extLst>
-          </p:cNvPr>
-          <p:cNvSpPr>
-            <a:spLocks noGrp="1"/>
-          </p:cNvSpPr>
-          <p:nvPr>
-            <p:ph idx="1"/>
-          </p:nvPr>
-        </p:nvSpPr>
-        <p:spPr/>
-        <p:txBody>
-          <a:bodyPr/>
-          <a:lstStyle/>
-          <a:p>
-            <a:r>
-              <a:rPr lang="da-DK" dirty="0"/>
-              <a:t>What can be automated: EVERYTHING</a:t>
-            </a:r>
-          </a:p>
-          <a:p>
-            <a:pPr lvl="1"/>
-            <a:r>
-              <a:rPr lang="en-US" dirty="0"/>
-              <a:t>Functional tests</a:t>
-            </a:r>
-          </a:p>
-          <a:p>
-            <a:pPr lvl="1"/>
-            <a:r>
-              <a:rPr lang="en-US" dirty="0"/>
-              <a:t>Documentation creation</a:t>
-            </a:r>
-          </a:p>
-          <a:p>
-            <a:pPr lvl="1"/>
-            <a:r>
-              <a:rPr lang="en-US" dirty="0"/>
-              <a:t>Linters (which check style formatting)</a:t>
-            </a:r>
-          </a:p>
-          <a:p>
-            <a:pPr lvl="1"/>
-            <a:r>
-              <a:rPr lang="en-US" dirty="0"/>
-              <a:t>Security checks</a:t>
-            </a:r>
-          </a:p>
-          <a:p>
-            <a:pPr lvl="1"/>
-            <a:r>
-              <a:rPr lang="en-US" dirty="0"/>
-              <a:t>Code coverage</a:t>
-            </a:r>
-          </a:p>
-          <a:p>
-            <a:pPr lvl="1"/>
-            <a:r>
-              <a:rPr lang="en-US" dirty="0"/>
-              <a:t>Custom checks…</a:t>
-            </a:r>
-            <a:endParaRPr lang="da-DK" dirty="0"/>
-          </a:p>
-          <a:p>
-            <a:pPr lvl="1"/>
-            <a:endParaRPr lang="da-DK" dirty="0"/>
-          </a:p>
-          <a:p>
-            <a:endParaRPr lang="da-DK" dirty="0"/>
-          </a:p>
-        </p:txBody>
-      </p:sp>
-      <p:sp>
-        <p:nvSpPr>
-          <p:cNvPr id="4" name="Date Placeholder 3">
-            <a:extLst>
-              <a:ext uri="{FF2B5EF4-FFF2-40B4-BE49-F238E27FC236}">
-                <a16:creationId xmlns:a16="http://schemas.microsoft.com/office/drawing/2014/main" id="{F64724E3-9AC5-4EBD-B3E0-26B5C8052611}"/>
-              </a:ext>
-            </a:extLst>
-          </p:cNvPr>
-          <p:cNvSpPr>
-            <a:spLocks noGrp="1"/>
-          </p:cNvSpPr>
-          <p:nvPr>
-            <p:ph type="dt" sz="half" idx="10"/>
-          </p:nvPr>
-        </p:nvSpPr>
-        <p:spPr/>
-        <p:txBody>
-          <a:bodyPr/>
-          <a:lstStyle/>
-          <a:p>
-            <a:fld id="{019E29B9-5584-4737-9C98-1B926378C778}" type="datetime1">
-              <a:rPr lang="en-US" smtClean="0"/>
-              <a:t>5/18/2021</a:t>
-            </a:fld>
-            <a:endParaRPr lang="da-DK"/>
-          </a:p>
-        </p:txBody>
-      </p:sp>
-      <p:sp>
-        <p:nvSpPr>
-          <p:cNvPr id="5" name="Footer Placeholder 4">
-            <a:extLst>
-              <a:ext uri="{FF2B5EF4-FFF2-40B4-BE49-F238E27FC236}">
-                <a16:creationId xmlns:a16="http://schemas.microsoft.com/office/drawing/2014/main" id="{EDA475A1-DBB7-4C99-9A57-A337E5DF7DB6}"/>
-              </a:ext>
-            </a:extLst>
-          </p:cNvPr>
-          <p:cNvSpPr>
-            <a:spLocks noGrp="1"/>
-          </p:cNvSpPr>
-          <p:nvPr>
-            <p:ph type="ftr" sz="quarter" idx="11"/>
-          </p:nvPr>
-        </p:nvSpPr>
-        <p:spPr/>
-        <p:txBody>
-          <a:bodyPr/>
-          <a:lstStyle/>
-          <a:p>
-            <a:r>
-              <a:rPr lang="da-DK"/>
-              <a:t>Nicki Skafte Detlefsen</a:t>
-            </a:r>
-          </a:p>
-        </p:txBody>
-      </p:sp>
-      <p:sp>
-        <p:nvSpPr>
-          <p:cNvPr id="6" name="Slide Number Placeholder 5">
-            <a:extLst>
-              <a:ext uri="{FF2B5EF4-FFF2-40B4-BE49-F238E27FC236}">
-                <a16:creationId xmlns:a16="http://schemas.microsoft.com/office/drawing/2014/main" id="{BF2D4B10-61C4-4362-AFF0-40489FFBEC9F}"/>
-              </a:ext>
-            </a:extLst>
-          </p:cNvPr>
-          <p:cNvSpPr>
-            <a:spLocks noGrp="1"/>
-          </p:cNvSpPr>
-          <p:nvPr>
-            <p:ph type="sldNum" sz="quarter" idx="12"/>
-          </p:nvPr>
-        </p:nvSpPr>
-        <p:spPr/>
-        <p:txBody>
-          <a:bodyPr/>
-          <a:lstStyle/>
-          <a:p>
-            <a:fld id="{F6FEDE24-D50C-481B-A7B4-8AF13899101A}" type="slidenum">
-              <a:rPr lang="da-DK" smtClean="0"/>
-              <a:t>7</a:t>
-            </a:fld>
-            <a:endParaRPr lang="da-DK"/>
-          </a:p>
-        </p:txBody>
-      </p:sp>
-    </p:spTree>
-    <p:extLst>
-      <p:ext uri="{BB962C8B-B14F-4D97-AF65-F5344CB8AC3E}">
-        <p14:creationId xmlns:p14="http://schemas.microsoft.com/office/powerpoint/2010/main" val="1371277988"/>
-      </p:ext>
-    </p:extLst>
-  </p:cSld>
-  <p:clrMapOvr>
-    <a:masterClrMapping/>
-  </p:clrMapOvr>
-</p:sld>
-</file>
-
-<file path=ppt/slides/slide8.xml><?xml version="1.0" encoding="utf-8"?>
-<p:sld xmlns:a="http://schemas.openxmlformats.org/drawingml/2006/main" xmlns:r="http://schemas.openxmlformats.org/officeDocument/2006/relationships" xmlns:p="http://schemas.openxmlformats.org/presentationml/2006/main">
-  <p:cSld>
-    <p:spTree>
-      <p:nvGrpSpPr>
-        <p:cNvPr id="1" name=""/>
-        <p:cNvGrpSpPr/>
-        <p:nvPr/>
-      </p:nvGrpSpPr>
-      <p:grpSpPr>
-        <a:xfrm>
-          <a:off x="0" y="0"/>
-          <a:ext cx="0" cy="0"/>
-          <a:chOff x="0" y="0"/>
-          <a:chExt cx="0" cy="0"/>
-        </a:xfrm>
-      </p:grpSpPr>
-      <p:sp>
-        <p:nvSpPr>
-          <p:cNvPr id="2" name="Title 1">
-            <a:extLst>
-              <a:ext uri="{FF2B5EF4-FFF2-40B4-BE49-F238E27FC236}">
-                <a16:creationId xmlns:a16="http://schemas.microsoft.com/office/drawing/2014/main" id="{67049641-DF90-4FBF-A399-35809E687CCD}"/>
-              </a:ext>
-            </a:extLst>
-          </p:cNvPr>
-          <p:cNvSpPr>
-            <a:spLocks noGrp="1"/>
-          </p:cNvSpPr>
-          <p:nvPr>
-            <p:ph type="title"/>
-          </p:nvPr>
-        </p:nvSpPr>
-        <p:spPr/>
-        <p:txBody>
-          <a:bodyPr/>
-          <a:lstStyle/>
-          <a:p>
-            <a:r>
-              <a:rPr lang="da-DK" dirty="0"/>
-              <a:t>A small case study</a:t>
-            </a:r>
-          </a:p>
-        </p:txBody>
-      </p:sp>
-      <p:sp>
-        <p:nvSpPr>
-          <p:cNvPr id="3" name="Content Placeholder 2">
-            <a:extLst>
-              <a:ext uri="{FF2B5EF4-FFF2-40B4-BE49-F238E27FC236}">
-                <a16:creationId xmlns:a16="http://schemas.microsoft.com/office/drawing/2014/main" id="{CD751883-3B25-4EDE-8AD8-ECA4C4D69A2C}"/>
-              </a:ext>
-            </a:extLst>
-          </p:cNvPr>
-          <p:cNvSpPr>
-            <a:spLocks noGrp="1"/>
-          </p:cNvSpPr>
-          <p:nvPr>
-            <p:ph idx="1"/>
-          </p:nvPr>
-        </p:nvSpPr>
-        <p:spPr/>
-        <p:txBody>
-          <a:bodyPr/>
-          <a:lstStyle/>
-          <a:p>
-            <a:pPr marL="0" indent="0">
-              <a:buNone/>
-            </a:pPr>
-            <a:r>
-              <a:rPr lang="da-DK" dirty="0"/>
-              <a:t>All the metric in the world – now in pytorch</a:t>
-            </a:r>
-          </a:p>
-        </p:txBody>
-      </p:sp>
-      <p:sp>
-        <p:nvSpPr>
-          <p:cNvPr id="4" name="Date Placeholder 3">
-            <a:extLst>
-              <a:ext uri="{FF2B5EF4-FFF2-40B4-BE49-F238E27FC236}">
-                <a16:creationId xmlns:a16="http://schemas.microsoft.com/office/drawing/2014/main" id="{AF9CF576-91AD-4CA9-B9A8-9D4091B9ADE5}"/>
-              </a:ext>
-            </a:extLst>
-          </p:cNvPr>
-          <p:cNvSpPr>
-            <a:spLocks noGrp="1"/>
-          </p:cNvSpPr>
-          <p:nvPr>
-            <p:ph type="dt" sz="half" idx="10"/>
-          </p:nvPr>
-        </p:nvSpPr>
-        <p:spPr/>
-        <p:txBody>
-          <a:bodyPr/>
-          <a:lstStyle/>
-          <a:p>
-            <a:fld id="{019E29B9-5584-4737-9C98-1B926378C778}" type="datetime1">
-              <a:rPr lang="en-US" smtClean="0"/>
-              <a:t>5/18/2021</a:t>
-            </a:fld>
-            <a:endParaRPr lang="da-DK"/>
-          </a:p>
-        </p:txBody>
-      </p:sp>
-      <p:sp>
-        <p:nvSpPr>
-          <p:cNvPr id="5" name="Footer Placeholder 4">
-            <a:extLst>
-              <a:ext uri="{FF2B5EF4-FFF2-40B4-BE49-F238E27FC236}">
-                <a16:creationId xmlns:a16="http://schemas.microsoft.com/office/drawing/2014/main" id="{0133C9CB-AA34-45C2-9897-822134ADE207}"/>
-              </a:ext>
-            </a:extLst>
-          </p:cNvPr>
-          <p:cNvSpPr>
-            <a:spLocks noGrp="1"/>
-          </p:cNvSpPr>
-          <p:nvPr>
-            <p:ph type="ftr" sz="quarter" idx="11"/>
-          </p:nvPr>
-        </p:nvSpPr>
-        <p:spPr/>
-        <p:txBody>
-          <a:bodyPr/>
-          <a:lstStyle/>
-          <a:p>
-            <a:r>
-              <a:rPr lang="da-DK"/>
-              <a:t>Nicki Skafte Detlefsen</a:t>
-            </a:r>
-          </a:p>
-        </p:txBody>
-      </p:sp>
-      <p:sp>
-        <p:nvSpPr>
-          <p:cNvPr id="6" name="Slide Number Placeholder 5">
-            <a:extLst>
-              <a:ext uri="{FF2B5EF4-FFF2-40B4-BE49-F238E27FC236}">
-                <a16:creationId xmlns:a16="http://schemas.microsoft.com/office/drawing/2014/main" id="{E1A20C92-F3BB-4750-964E-EB033F0189AB}"/>
-              </a:ext>
-            </a:extLst>
-          </p:cNvPr>
-          <p:cNvSpPr>
-            <a:spLocks noGrp="1"/>
-          </p:cNvSpPr>
-          <p:nvPr>
-            <p:ph type="sldNum" sz="quarter" idx="12"/>
-          </p:nvPr>
-        </p:nvSpPr>
-        <p:spPr/>
-        <p:txBody>
-          <a:bodyPr/>
-          <a:lstStyle/>
-          <a:p>
-            <a:fld id="{F6FEDE24-D50C-481B-A7B4-8AF13899101A}" type="slidenum">
-              <a:rPr lang="da-DK" smtClean="0"/>
-              <a:t>8</a:t>
             </a:fld>
             <a:endParaRPr lang="da-DK"/>
           </a:p>
@@ -11976,7 +12838,7 @@
 </p:sld>
 </file>
 
-<file path=ppt/slides/slide9.xml><?xml version="1.0" encoding="utf-8"?>
+<file path=ppt/slides/slide6.xml><?xml version="1.0" encoding="utf-8"?>
 <p:sld xmlns:a="http://schemas.openxmlformats.org/drawingml/2006/main" xmlns:r="http://schemas.openxmlformats.org/officeDocument/2006/relationships" xmlns:p="http://schemas.openxmlformats.org/presentationml/2006/main">
   <p:cSld>
     <p:spTree>
@@ -11998,7 +12860,7 @@
           <p:cNvPr id="2" name="Title 1">
             <a:extLst>
               <a:ext uri="{FF2B5EF4-FFF2-40B4-BE49-F238E27FC236}">
-                <a16:creationId xmlns:a16="http://schemas.microsoft.com/office/drawing/2014/main" id="{42BD83D9-ACD6-40F8-94DA-694874182CBA}"/>
+                <a16:creationId xmlns:a16="http://schemas.microsoft.com/office/drawing/2014/main" id="{18700190-0A40-4FC2-9A54-082C9173E7C7}"/>
               </a:ext>
             </a:extLst>
           </p:cNvPr>
@@ -12016,8 +12878,69 @@
           <a:p>
             <a:r>
               <a:rPr lang="da-DK" dirty="0"/>
-              <a:t>A small case study</a:t>
-            </a:r>
+              <a:t>CI step 1: Commiting code</a:t>
+            </a:r>
+          </a:p>
+        </p:txBody>
+      </p:sp>
+      <p:sp>
+        <p:nvSpPr>
+          <p:cNvPr id="3" name="Content Placeholder 2">
+            <a:extLst>
+              <a:ext uri="{FF2B5EF4-FFF2-40B4-BE49-F238E27FC236}">
+                <a16:creationId xmlns:a16="http://schemas.microsoft.com/office/drawing/2014/main" id="{080B023B-7D88-41EA-AF5E-55F01343442A}"/>
+              </a:ext>
+            </a:extLst>
+          </p:cNvPr>
+          <p:cNvSpPr>
+            <a:spLocks noGrp="1"/>
+          </p:cNvSpPr>
+          <p:nvPr>
+            <p:ph idx="1"/>
+          </p:nvPr>
+        </p:nvSpPr>
+        <p:spPr>
+          <a:xfrm>
+            <a:off x="838200" y="1343608"/>
+            <a:ext cx="4228750" cy="4833355"/>
+          </a:xfrm>
+        </p:spPr>
+        <p:txBody>
+          <a:bodyPr/>
+          <a:lstStyle/>
+          <a:p>
+            <a:r>
+              <a:rPr lang="da-DK" dirty="0"/>
+              <a:t>Commit frequently</a:t>
+            </a:r>
+          </a:p>
+          <a:p>
+            <a:endParaRPr lang="da-DK" dirty="0"/>
+          </a:p>
+          <a:p>
+            <a:pPr lvl="1"/>
+            <a:r>
+              <a:rPr lang="da-DK" dirty="0"/>
+              <a:t>Catch errors sooner than later</a:t>
+            </a:r>
+          </a:p>
+          <a:p>
+            <a:pPr lvl="1"/>
+            <a:endParaRPr lang="da-DK" dirty="0"/>
+          </a:p>
+          <a:p>
+            <a:pPr lvl="1"/>
+            <a:r>
+              <a:rPr lang="da-DK" dirty="0"/>
+              <a:t>Merging can be done automatically</a:t>
+            </a:r>
+          </a:p>
+          <a:p>
+            <a:endParaRPr lang="da-DK" dirty="0"/>
+          </a:p>
+          <a:p>
+            <a:pPr lvl="1"/>
+            <a:endParaRPr lang="da-DK" dirty="0"/>
           </a:p>
         </p:txBody>
       </p:sp>
@@ -12026,7 +12949,7 @@
           <p:cNvPr id="4" name="Date Placeholder 3">
             <a:extLst>
               <a:ext uri="{FF2B5EF4-FFF2-40B4-BE49-F238E27FC236}">
-                <a16:creationId xmlns:a16="http://schemas.microsoft.com/office/drawing/2014/main" id="{4EFC4E96-D115-40E0-9B32-3B93EE25DBB3}"/>
+                <a16:creationId xmlns:a16="http://schemas.microsoft.com/office/drawing/2014/main" id="{739AC9DC-4ED8-43A6-A60E-AC132FBDE1DA}"/>
               </a:ext>
             </a:extLst>
           </p:cNvPr>
@@ -12044,7 +12967,7 @@
           <a:p>
             <a:fld id="{019E29B9-5584-4737-9C98-1B926378C778}" type="datetime1">
               <a:rPr lang="en-US" smtClean="0"/>
-              <a:t>5/18/2021</a:t>
+              <a:t>5/19/2021</a:t>
             </a:fld>
             <a:endParaRPr lang="da-DK"/>
           </a:p>
@@ -12055,7 +12978,7 @@
           <p:cNvPr id="5" name="Footer Placeholder 4">
             <a:extLst>
               <a:ext uri="{FF2B5EF4-FFF2-40B4-BE49-F238E27FC236}">
-                <a16:creationId xmlns:a16="http://schemas.microsoft.com/office/drawing/2014/main" id="{28C103F0-AAA6-4EC7-B82A-B7D82AABC470}"/>
+                <a16:creationId xmlns:a16="http://schemas.microsoft.com/office/drawing/2014/main" id="{A729A4E2-DC3C-406B-9E46-F6720C144EC8}"/>
               </a:ext>
             </a:extLst>
           </p:cNvPr>
@@ -12083,7 +13006,7 @@
           <p:cNvPr id="6" name="Slide Number Placeholder 5">
             <a:extLst>
               <a:ext uri="{FF2B5EF4-FFF2-40B4-BE49-F238E27FC236}">
-                <a16:creationId xmlns:a16="http://schemas.microsoft.com/office/drawing/2014/main" id="{BA8F9E9A-B2F5-47B1-BD79-92AE09DBCCC7}"/>
+                <a16:creationId xmlns:a16="http://schemas.microsoft.com/office/drawing/2014/main" id="{DBC6B56C-8158-4A79-BC62-8A86741337CA}"/>
               </a:ext>
             </a:extLst>
           </p:cNvPr>
@@ -12101,7 +13024,7 @@
           <a:p>
             <a:fld id="{F6FEDE24-D50C-481B-A7B4-8AF13899101A}" type="slidenum">
               <a:rPr lang="da-DK" smtClean="0"/>
-              <a:t>9</a:t>
+              <a:t>6</a:t>
             </a:fld>
             <a:endParaRPr lang="da-DK"/>
           </a:p>
@@ -12109,10 +13032,10 @@
       </p:sp>
       <p:pic>
         <p:nvPicPr>
-          <p:cNvPr id="10" name="Picture 9">
-            <a:extLst>
-              <a:ext uri="{FF2B5EF4-FFF2-40B4-BE49-F238E27FC236}">
-                <a16:creationId xmlns:a16="http://schemas.microsoft.com/office/drawing/2014/main" id="{6AEC83F5-559F-4D08-A965-5DBDFC32859D}"/>
+          <p:cNvPr id="12" name="Picture 11">
+            <a:extLst>
+              <a:ext uri="{FF2B5EF4-FFF2-40B4-BE49-F238E27FC236}">
+                <a16:creationId xmlns:a16="http://schemas.microsoft.com/office/drawing/2014/main" id="{D61C85C5-A9D4-408A-952B-F5B11C498ED8}"/>
               </a:ext>
             </a:extLst>
           </p:cNvPr>
@@ -12121,147 +13044,67 @@
           </p:cNvPicPr>
           <p:nvPr/>
         </p:nvPicPr>
-        <p:blipFill>
+        <p:blipFill rotWithShape="1">
           <a:blip r:embed="rId2"/>
-          <a:stretch>
-            <a:fillRect/>
-          </a:stretch>
+          <a:srcRect t="-1" b="-1445"/>
+          <a:stretch/>
         </p:blipFill>
         <p:spPr>
           <a:xfrm>
-            <a:off x="8803930" y="894498"/>
-            <a:ext cx="1922804" cy="5731574"/>
+            <a:off x="5365234" y="882095"/>
+            <a:ext cx="2788166" cy="5474255"/>
           </a:xfrm>
           <a:prstGeom prst="rect">
             <a:avLst/>
           </a:prstGeom>
         </p:spPr>
       </p:pic>
-      <p:sp>
-        <p:nvSpPr>
-          <p:cNvPr id="15" name="TextBox 14">
-            <a:extLst>
-              <a:ext uri="{FF2B5EF4-FFF2-40B4-BE49-F238E27FC236}">
-                <a16:creationId xmlns:a16="http://schemas.microsoft.com/office/drawing/2014/main" id="{1CA03410-ECFE-4E2F-B1FE-DAFA28859611}"/>
-              </a:ext>
-            </a:extLst>
-          </p:cNvPr>
-          <p:cNvSpPr txBox="1"/>
-          <p:nvPr/>
-        </p:nvSpPr>
-        <p:spPr>
-          <a:xfrm>
-            <a:off x="1040234" y="2237524"/>
-            <a:ext cx="4983061" cy="3816429"/>
-          </a:xfrm>
-          <a:prstGeom prst="rect">
-            <a:avLst/>
-          </a:prstGeom>
-          <a:noFill/>
-        </p:spPr>
-        <p:txBody>
-          <a:bodyPr wrap="square" rtlCol="0">
-            <a:spAutoFit/>
-          </a:bodyPr>
-          <a:lstStyle/>
-          <a:p>
-            <a:r>
-              <a:rPr lang="da-DK" sz="2800" dirty="0"/>
-              <a:t>Ranked by importance (biased)</a:t>
-            </a:r>
-          </a:p>
-          <a:p>
-            <a:pPr marL="342900" indent="-342900">
-              <a:buFont typeface="+mj-lt"/>
-              <a:buAutoNum type="arabicPeriod"/>
-            </a:pPr>
-            <a:r>
-              <a:rPr lang="da-DK" sz="2800" dirty="0"/>
-              <a:t>Source code</a:t>
-            </a:r>
-          </a:p>
-          <a:p>
-            <a:pPr marL="342900" indent="-342900">
-              <a:buFont typeface="+mj-lt"/>
-              <a:buAutoNum type="arabicPeriod"/>
-            </a:pPr>
-            <a:r>
-              <a:rPr lang="da-DK" sz="2800" dirty="0"/>
-              <a:t>Tests</a:t>
-            </a:r>
-          </a:p>
-          <a:p>
-            <a:pPr marL="342900" indent="-342900">
-              <a:buFont typeface="+mj-lt"/>
-              <a:buAutoNum type="arabicPeriod"/>
-            </a:pPr>
-            <a:r>
-              <a:rPr lang="da-DK" sz="2800" dirty="0"/>
-              <a:t>Setup</a:t>
-            </a:r>
-          </a:p>
-          <a:p>
-            <a:pPr marL="342900" indent="-342900">
-              <a:buFont typeface="+mj-lt"/>
-              <a:buAutoNum type="arabicPeriod"/>
-            </a:pPr>
-            <a:r>
-              <a:rPr lang="da-DK" sz="2800" dirty="0"/>
-              <a:t>CI workflows</a:t>
-            </a:r>
-          </a:p>
-          <a:p>
-            <a:pPr marL="342900" indent="-342900">
-              <a:buFont typeface="+mj-lt"/>
-              <a:buAutoNum type="arabicPeriod"/>
-            </a:pPr>
-            <a:r>
-              <a:rPr lang="da-DK" sz="2800" dirty="0"/>
-              <a:t>Documentation</a:t>
-            </a:r>
-          </a:p>
-          <a:p>
-            <a:pPr marL="342900" indent="-342900">
-              <a:buFont typeface="+mj-lt"/>
-              <a:buAutoNum type="arabicPeriod"/>
-            </a:pPr>
-            <a:r>
-              <a:rPr lang="da-DK" sz="2800" dirty="0"/>
-              <a:t> </a:t>
-            </a:r>
-          </a:p>
-          <a:p>
-            <a:pPr marL="342900" indent="-342900">
-              <a:buFont typeface="+mj-lt"/>
-              <a:buAutoNum type="arabicPeriod"/>
-            </a:pPr>
-            <a:endParaRPr lang="da-DK" sz="2800" dirty="0"/>
-          </a:p>
-          <a:p>
-            <a:pPr marL="342900" indent="-342900">
-              <a:buFont typeface="+mj-lt"/>
-              <a:buAutoNum type="arabicPeriod"/>
-            </a:pPr>
-            <a:endParaRPr lang="da-DK" dirty="0"/>
-          </a:p>
-        </p:txBody>
-      </p:sp>
+      <p:graphicFrame>
+        <p:nvGraphicFramePr>
+          <p:cNvPr id="21" name="Diagram 20">
+            <a:extLst>
+              <a:ext uri="{FF2B5EF4-FFF2-40B4-BE49-F238E27FC236}">
+                <a16:creationId xmlns:a16="http://schemas.microsoft.com/office/drawing/2014/main" id="{31C25018-F696-44E0-BC57-54647C2F4B38}"/>
+              </a:ext>
+            </a:extLst>
+          </p:cNvPr>
+          <p:cNvGraphicFramePr/>
+          <p:nvPr>
+            <p:extLst>
+              <p:ext uri="{D42A27DB-BD31-4B8C-83A1-F6EECF244321}">
+                <p14:modId xmlns:p14="http://schemas.microsoft.com/office/powerpoint/2010/main" val="2014030901"/>
+              </p:ext>
+            </p:extLst>
+          </p:nvPr>
+        </p:nvGraphicFramePr>
+        <p:xfrm>
+          <a:off x="8380602" y="1276014"/>
+          <a:ext cx="3371321" cy="3010760"/>
+        </p:xfrm>
+        <a:graphic>
+          <a:graphicData uri="http://schemas.openxmlformats.org/drawingml/2006/diagram">
+            <dgm:relIds xmlns:dgm="http://schemas.openxmlformats.org/drawingml/2006/diagram" xmlns:r="http://schemas.openxmlformats.org/officeDocument/2006/relationships" r:dm="rId3" r:lo="rId4" r:qs="rId5" r:cs="rId6"/>
+          </a:graphicData>
+        </a:graphic>
+      </p:graphicFrame>
       <p:cxnSp>
         <p:nvCxnSpPr>
-          <p:cNvPr id="17" name="Straight Arrow Connector 16">
-            <a:extLst>
-              <a:ext uri="{FF2B5EF4-FFF2-40B4-BE49-F238E27FC236}">
-                <a16:creationId xmlns:a16="http://schemas.microsoft.com/office/drawing/2014/main" id="{E217AE5F-7A1E-4926-A5A5-B74A22ABCFF0}"/>
-              </a:ext>
-            </a:extLst>
-          </p:cNvPr>
-          <p:cNvCxnSpPr/>
+          <p:cNvPr id="8" name="Straight Arrow Connector 7">
+            <a:extLst>
+              <a:ext uri="{FF2B5EF4-FFF2-40B4-BE49-F238E27FC236}">
+                <a16:creationId xmlns:a16="http://schemas.microsoft.com/office/drawing/2014/main" id="{6546DB1E-D32C-4E57-9D1F-CC1029D790E3}"/>
+              </a:ext>
+            </a:extLst>
+          </p:cNvPr>
+          <p:cNvCxnSpPr>
+            <a:cxnSpLocks/>
+          </p:cNvCxnSpPr>
           <p:nvPr/>
         </p:nvCxnSpPr>
         <p:spPr>
           <a:xfrm flipV="1">
-            <a:off x="3322040" y="2407640"/>
-            <a:ext cx="5368954" cy="494951"/>
+            <a:off x="3389152" y="3429000"/>
+            <a:ext cx="1976082" cy="547383"/>
           </a:xfrm>
           <a:prstGeom prst="straightConnector1">
             <a:avLst/>
@@ -12288,206 +13131,485 @@
           </a:fontRef>
         </p:style>
       </p:cxnSp>
-      <p:cxnSp>
-        <p:nvCxnSpPr>
-          <p:cNvPr id="18" name="Straight Arrow Connector 17">
-            <a:extLst>
-              <a:ext uri="{FF2B5EF4-FFF2-40B4-BE49-F238E27FC236}">
-                <a16:creationId xmlns:a16="http://schemas.microsoft.com/office/drawing/2014/main" id="{16EFAD7A-FF17-4C86-A831-CF7921EC08F2}"/>
-              </a:ext>
-            </a:extLst>
-          </p:cNvPr>
-          <p:cNvCxnSpPr>
-            <a:cxnSpLocks/>
-          </p:cNvCxnSpPr>
+    </p:spTree>
+    <p:extLst>
+      <p:ext uri="{BB962C8B-B14F-4D97-AF65-F5344CB8AC3E}">
+        <p14:creationId xmlns:p14="http://schemas.microsoft.com/office/powerpoint/2010/main" val="436317576"/>
+      </p:ext>
+    </p:extLst>
+  </p:cSld>
+  <p:clrMapOvr>
+    <a:masterClrMapping/>
+  </p:clrMapOvr>
+</p:sld>
+</file>
+
+<file path=ppt/slides/slide7.xml><?xml version="1.0" encoding="utf-8"?>
+<p:sld xmlns:a="http://schemas.openxmlformats.org/drawingml/2006/main" xmlns:r="http://schemas.openxmlformats.org/officeDocument/2006/relationships" xmlns:p="http://schemas.openxmlformats.org/presentationml/2006/main">
+  <p:cSld>
+    <p:spTree>
+      <p:nvGrpSpPr>
+        <p:cNvPr id="1" name=""/>
+        <p:cNvGrpSpPr/>
+        <p:nvPr/>
+      </p:nvGrpSpPr>
+      <p:grpSpPr>
+        <a:xfrm>
+          <a:off x="0" y="0"/>
+          <a:ext cx="0" cy="0"/>
+          <a:chOff x="0" y="0"/>
+          <a:chExt cx="0" cy="0"/>
+        </a:xfrm>
+      </p:grpSpPr>
+      <p:sp>
+        <p:nvSpPr>
+          <p:cNvPr id="2" name="Title 1">
+            <a:extLst>
+              <a:ext uri="{FF2B5EF4-FFF2-40B4-BE49-F238E27FC236}">
+                <a16:creationId xmlns:a16="http://schemas.microsoft.com/office/drawing/2014/main" id="{18700190-0A40-4FC2-9A54-082C9173E7C7}"/>
+              </a:ext>
+            </a:extLst>
+          </p:cNvPr>
+          <p:cNvSpPr>
+            <a:spLocks noGrp="1"/>
+          </p:cNvSpPr>
+          <p:nvPr>
+            <p:ph type="title"/>
+          </p:nvPr>
+        </p:nvSpPr>
+        <p:spPr/>
+        <p:txBody>
+          <a:bodyPr/>
+          <a:lstStyle/>
+          <a:p>
+            <a:r>
+              <a:rPr lang="da-DK" dirty="0"/>
+              <a:t>CI step 1: Commiting code</a:t>
+            </a:r>
+          </a:p>
+        </p:txBody>
+      </p:sp>
+      <p:sp>
+        <p:nvSpPr>
+          <p:cNvPr id="3" name="Content Placeholder 2">
+            <a:extLst>
+              <a:ext uri="{FF2B5EF4-FFF2-40B4-BE49-F238E27FC236}">
+                <a16:creationId xmlns:a16="http://schemas.microsoft.com/office/drawing/2014/main" id="{080B023B-7D88-41EA-AF5E-55F01343442A}"/>
+              </a:ext>
+            </a:extLst>
+          </p:cNvPr>
+          <p:cNvSpPr>
+            <a:spLocks noGrp="1"/>
+          </p:cNvSpPr>
+          <p:nvPr>
+            <p:ph idx="1"/>
+          </p:nvPr>
+        </p:nvSpPr>
+        <p:spPr>
+          <a:xfrm>
+            <a:off x="838200" y="1343608"/>
+            <a:ext cx="6485389" cy="4833355"/>
+          </a:xfrm>
+        </p:spPr>
+        <p:txBody>
+          <a:bodyPr/>
+          <a:lstStyle/>
+          <a:p>
+            <a:r>
+              <a:rPr lang="da-DK" dirty="0"/>
+              <a:t> Use branches</a:t>
+            </a:r>
+          </a:p>
+          <a:p>
+            <a:pPr lvl="1"/>
+            <a:endParaRPr lang="da-DK" dirty="0"/>
+          </a:p>
+          <a:p>
+            <a:pPr lvl="1"/>
+            <a:r>
+              <a:rPr lang="da-DK" dirty="0"/>
+              <a:t>Enables parallel workflow</a:t>
+            </a:r>
+          </a:p>
+          <a:p>
+            <a:pPr lvl="1"/>
+            <a:endParaRPr lang="da-DK" dirty="0"/>
+          </a:p>
+          <a:p>
+            <a:pPr lvl="1"/>
+            <a:r>
+              <a:rPr lang="da-DK" dirty="0"/>
+              <a:t>Experimental features/changes are keept away from ”stable” master </a:t>
+            </a:r>
+          </a:p>
+          <a:p>
+            <a:endParaRPr lang="da-DK" dirty="0"/>
+          </a:p>
+          <a:p>
+            <a:endParaRPr lang="da-DK" dirty="0"/>
+          </a:p>
+          <a:p>
+            <a:endParaRPr lang="da-DK" dirty="0"/>
+          </a:p>
+          <a:p>
+            <a:pPr lvl="1"/>
+            <a:endParaRPr lang="da-DK" dirty="0"/>
+          </a:p>
+        </p:txBody>
+      </p:sp>
+      <p:sp>
+        <p:nvSpPr>
+          <p:cNvPr id="4" name="Date Placeholder 3">
+            <a:extLst>
+              <a:ext uri="{FF2B5EF4-FFF2-40B4-BE49-F238E27FC236}">
+                <a16:creationId xmlns:a16="http://schemas.microsoft.com/office/drawing/2014/main" id="{739AC9DC-4ED8-43A6-A60E-AC132FBDE1DA}"/>
+              </a:ext>
+            </a:extLst>
+          </p:cNvPr>
+          <p:cNvSpPr>
+            <a:spLocks noGrp="1"/>
+          </p:cNvSpPr>
+          <p:nvPr>
+            <p:ph type="dt" sz="half" idx="10"/>
+          </p:nvPr>
+        </p:nvSpPr>
+        <p:spPr/>
+        <p:txBody>
+          <a:bodyPr/>
+          <a:lstStyle/>
+          <a:p>
+            <a:fld id="{019E29B9-5584-4737-9C98-1B926378C778}" type="datetime1">
+              <a:rPr lang="en-US" smtClean="0"/>
+              <a:t>5/19/2021</a:t>
+            </a:fld>
+            <a:endParaRPr lang="da-DK"/>
+          </a:p>
+        </p:txBody>
+      </p:sp>
+      <p:sp>
+        <p:nvSpPr>
+          <p:cNvPr id="5" name="Footer Placeholder 4">
+            <a:extLst>
+              <a:ext uri="{FF2B5EF4-FFF2-40B4-BE49-F238E27FC236}">
+                <a16:creationId xmlns:a16="http://schemas.microsoft.com/office/drawing/2014/main" id="{A729A4E2-DC3C-406B-9E46-F6720C144EC8}"/>
+              </a:ext>
+            </a:extLst>
+          </p:cNvPr>
+          <p:cNvSpPr>
+            <a:spLocks noGrp="1"/>
+          </p:cNvSpPr>
+          <p:nvPr>
+            <p:ph type="ftr" sz="quarter" idx="11"/>
+          </p:nvPr>
+        </p:nvSpPr>
+        <p:spPr/>
+        <p:txBody>
+          <a:bodyPr/>
+          <a:lstStyle/>
+          <a:p>
+            <a:r>
+              <a:rPr lang="da-DK"/>
+              <a:t>Nicki Skafte Detlefsen</a:t>
+            </a:r>
+          </a:p>
+        </p:txBody>
+      </p:sp>
+      <p:sp>
+        <p:nvSpPr>
+          <p:cNvPr id="6" name="Slide Number Placeholder 5">
+            <a:extLst>
+              <a:ext uri="{FF2B5EF4-FFF2-40B4-BE49-F238E27FC236}">
+                <a16:creationId xmlns:a16="http://schemas.microsoft.com/office/drawing/2014/main" id="{DBC6B56C-8158-4A79-BC62-8A86741337CA}"/>
+              </a:ext>
+            </a:extLst>
+          </p:cNvPr>
+          <p:cNvSpPr>
+            <a:spLocks noGrp="1"/>
+          </p:cNvSpPr>
+          <p:nvPr>
+            <p:ph type="sldNum" sz="quarter" idx="12"/>
+          </p:nvPr>
+        </p:nvSpPr>
+        <p:spPr/>
+        <p:txBody>
+          <a:bodyPr/>
+          <a:lstStyle/>
+          <a:p>
+            <a:fld id="{F6FEDE24-D50C-481B-A7B4-8AF13899101A}" type="slidenum">
+              <a:rPr lang="da-DK" smtClean="0"/>
+              <a:t>7</a:t>
+            </a:fld>
+            <a:endParaRPr lang="da-DK"/>
+          </a:p>
+        </p:txBody>
+      </p:sp>
+      <p:pic>
+        <p:nvPicPr>
+          <p:cNvPr id="8" name="Picture 7">
+            <a:extLst>
+              <a:ext uri="{FF2B5EF4-FFF2-40B4-BE49-F238E27FC236}">
+                <a16:creationId xmlns:a16="http://schemas.microsoft.com/office/drawing/2014/main" id="{A3CDDA49-6CCE-492A-A53C-E6D88C7A4A35}"/>
+              </a:ext>
+            </a:extLst>
+          </p:cNvPr>
+          <p:cNvPicPr>
+            <a:picLocks noChangeAspect="1"/>
+          </p:cNvPicPr>
           <p:nvPr/>
-        </p:nvCxnSpPr>
+        </p:nvPicPr>
+        <p:blipFill>
+          <a:blip r:embed="rId2"/>
+          <a:stretch>
+            <a:fillRect/>
+          </a:stretch>
+        </p:blipFill>
         <p:spPr>
-          <a:xfrm flipV="1">
-            <a:off x="2281806" y="2105637"/>
-            <a:ext cx="6409188" cy="1258348"/>
+          <a:xfrm>
+            <a:off x="7704551" y="1214875"/>
+            <a:ext cx="3649249" cy="4962088"/>
           </a:xfrm>
-          <a:prstGeom prst="straightConnector1">
+          <a:prstGeom prst="rect">
             <a:avLst/>
           </a:prstGeom>
-          <a:ln w="38100">
-            <a:solidFill>
-              <a:srgbClr val="FF0000"/>
-            </a:solidFill>
-            <a:tailEnd type="triangle"/>
-          </a:ln>
         </p:spPr>
-        <p:style>
-          <a:lnRef idx="1">
-            <a:schemeClr val="accent1"/>
-          </a:lnRef>
-          <a:fillRef idx="0">
-            <a:schemeClr val="accent1"/>
-          </a:fillRef>
-          <a:effectRef idx="0">
-            <a:schemeClr val="accent1"/>
-          </a:effectRef>
-          <a:fontRef idx="minor">
-            <a:schemeClr val="tx1"/>
-          </a:fontRef>
-        </p:style>
-      </p:cxnSp>
-      <p:cxnSp>
-        <p:nvCxnSpPr>
-          <p:cNvPr id="21" name="Straight Arrow Connector 20">
-            <a:extLst>
-              <a:ext uri="{FF2B5EF4-FFF2-40B4-BE49-F238E27FC236}">
-                <a16:creationId xmlns:a16="http://schemas.microsoft.com/office/drawing/2014/main" id="{B7B5F154-C78A-44E9-B8DA-7A27C0F452BA}"/>
-              </a:ext>
-            </a:extLst>
-          </p:cNvPr>
-          <p:cNvCxnSpPr>
-            <a:cxnSpLocks/>
-          </p:cNvCxnSpPr>
+      </p:pic>
+    </p:spTree>
+    <p:extLst>
+      <p:ext uri="{BB962C8B-B14F-4D97-AF65-F5344CB8AC3E}">
+        <p14:creationId xmlns:p14="http://schemas.microsoft.com/office/powerpoint/2010/main" val="3926352249"/>
+      </p:ext>
+    </p:extLst>
+  </p:cSld>
+  <p:clrMapOvr>
+    <a:masterClrMapping/>
+  </p:clrMapOvr>
+</p:sld>
+</file>
+
+<file path=ppt/slides/slide8.xml><?xml version="1.0" encoding="utf-8"?>
+<p:sld xmlns:a="http://schemas.openxmlformats.org/drawingml/2006/main" xmlns:r="http://schemas.openxmlformats.org/officeDocument/2006/relationships" xmlns:p="http://schemas.openxmlformats.org/presentationml/2006/main">
+  <p:cSld>
+    <p:spTree>
+      <p:nvGrpSpPr>
+        <p:cNvPr id="1" name=""/>
+        <p:cNvGrpSpPr/>
+        <p:nvPr/>
+      </p:nvGrpSpPr>
+      <p:grpSpPr>
+        <a:xfrm>
+          <a:off x="0" y="0"/>
+          <a:ext cx="0" cy="0"/>
+          <a:chOff x="0" y="0"/>
+          <a:chExt cx="0" cy="0"/>
+        </a:xfrm>
+      </p:grpSpPr>
+      <p:sp>
+        <p:nvSpPr>
+          <p:cNvPr id="2" name="Title 1">
+            <a:extLst>
+              <a:ext uri="{FF2B5EF4-FFF2-40B4-BE49-F238E27FC236}">
+                <a16:creationId xmlns:a16="http://schemas.microsoft.com/office/drawing/2014/main" id="{18700190-0A40-4FC2-9A54-082C9173E7C7}"/>
+              </a:ext>
+            </a:extLst>
+          </p:cNvPr>
+          <p:cNvSpPr>
+            <a:spLocks noGrp="1"/>
+          </p:cNvSpPr>
+          <p:nvPr>
+            <p:ph type="title"/>
+          </p:nvPr>
+        </p:nvSpPr>
+        <p:spPr/>
+        <p:txBody>
+          <a:bodyPr/>
+          <a:lstStyle/>
+          <a:p>
+            <a:r>
+              <a:rPr lang="da-DK" dirty="0"/>
+              <a:t>CI step 1: Commiting code</a:t>
+            </a:r>
+          </a:p>
+        </p:txBody>
+      </p:sp>
+      <p:sp>
+        <p:nvSpPr>
+          <p:cNvPr id="3" name="Content Placeholder 2">
+            <a:extLst>
+              <a:ext uri="{FF2B5EF4-FFF2-40B4-BE49-F238E27FC236}">
+                <a16:creationId xmlns:a16="http://schemas.microsoft.com/office/drawing/2014/main" id="{080B023B-7D88-41EA-AF5E-55F01343442A}"/>
+              </a:ext>
+            </a:extLst>
+          </p:cNvPr>
+          <p:cNvSpPr>
+            <a:spLocks noGrp="1"/>
+          </p:cNvSpPr>
+          <p:nvPr>
+            <p:ph idx="1"/>
+          </p:nvPr>
+        </p:nvSpPr>
+        <p:spPr/>
+        <p:txBody>
+          <a:bodyPr/>
+          <a:lstStyle/>
+          <a:p>
+            <a:r>
+              <a:rPr lang="da-DK" dirty="0"/>
+              <a:t> Use PRs, other can review your code</a:t>
+            </a:r>
+          </a:p>
+          <a:p>
+            <a:endParaRPr lang="da-DK" dirty="0"/>
+          </a:p>
+          <a:p>
+            <a:endParaRPr lang="da-DK" dirty="0"/>
+          </a:p>
+          <a:p>
+            <a:endParaRPr lang="da-DK" dirty="0"/>
+          </a:p>
+          <a:p>
+            <a:pPr lvl="1"/>
+            <a:endParaRPr lang="da-DK" dirty="0"/>
+          </a:p>
+        </p:txBody>
+      </p:sp>
+      <p:sp>
+        <p:nvSpPr>
+          <p:cNvPr id="4" name="Date Placeholder 3">
+            <a:extLst>
+              <a:ext uri="{FF2B5EF4-FFF2-40B4-BE49-F238E27FC236}">
+                <a16:creationId xmlns:a16="http://schemas.microsoft.com/office/drawing/2014/main" id="{739AC9DC-4ED8-43A6-A60E-AC132FBDE1DA}"/>
+              </a:ext>
+            </a:extLst>
+          </p:cNvPr>
+          <p:cNvSpPr>
+            <a:spLocks noGrp="1"/>
+          </p:cNvSpPr>
+          <p:nvPr>
+            <p:ph type="dt" sz="half" idx="10"/>
+          </p:nvPr>
+        </p:nvSpPr>
+        <p:spPr/>
+        <p:txBody>
+          <a:bodyPr/>
+          <a:lstStyle/>
+          <a:p>
+            <a:fld id="{019E29B9-5584-4737-9C98-1B926378C778}" type="datetime1">
+              <a:rPr lang="en-US" smtClean="0"/>
+              <a:t>5/19/2021</a:t>
+            </a:fld>
+            <a:endParaRPr lang="da-DK"/>
+          </a:p>
+        </p:txBody>
+      </p:sp>
+      <p:sp>
+        <p:nvSpPr>
+          <p:cNvPr id="5" name="Footer Placeholder 4">
+            <a:extLst>
+              <a:ext uri="{FF2B5EF4-FFF2-40B4-BE49-F238E27FC236}">
+                <a16:creationId xmlns:a16="http://schemas.microsoft.com/office/drawing/2014/main" id="{A729A4E2-DC3C-406B-9E46-F6720C144EC8}"/>
+              </a:ext>
+            </a:extLst>
+          </p:cNvPr>
+          <p:cNvSpPr>
+            <a:spLocks noGrp="1"/>
+          </p:cNvSpPr>
+          <p:nvPr>
+            <p:ph type="ftr" sz="quarter" idx="11"/>
+          </p:nvPr>
+        </p:nvSpPr>
+        <p:spPr/>
+        <p:txBody>
+          <a:bodyPr/>
+          <a:lstStyle/>
+          <a:p>
+            <a:r>
+              <a:rPr lang="da-DK"/>
+              <a:t>Nicki Skafte Detlefsen</a:t>
+            </a:r>
+          </a:p>
+        </p:txBody>
+      </p:sp>
+      <p:sp>
+        <p:nvSpPr>
+          <p:cNvPr id="6" name="Slide Number Placeholder 5">
+            <a:extLst>
+              <a:ext uri="{FF2B5EF4-FFF2-40B4-BE49-F238E27FC236}">
+                <a16:creationId xmlns:a16="http://schemas.microsoft.com/office/drawing/2014/main" id="{DBC6B56C-8158-4A79-BC62-8A86741337CA}"/>
+              </a:ext>
+            </a:extLst>
+          </p:cNvPr>
+          <p:cNvSpPr>
+            <a:spLocks noGrp="1"/>
+          </p:cNvSpPr>
+          <p:nvPr>
+            <p:ph type="sldNum" sz="quarter" idx="12"/>
+          </p:nvPr>
+        </p:nvSpPr>
+        <p:spPr/>
+        <p:txBody>
+          <a:bodyPr/>
+          <a:lstStyle/>
+          <a:p>
+            <a:fld id="{F6FEDE24-D50C-481B-A7B4-8AF13899101A}" type="slidenum">
+              <a:rPr lang="da-DK" smtClean="0"/>
+              <a:t>8</a:t>
+            </a:fld>
+            <a:endParaRPr lang="da-DK"/>
+          </a:p>
+        </p:txBody>
+      </p:sp>
+      <p:pic>
+        <p:nvPicPr>
+          <p:cNvPr id="9" name="Picture 8">
+            <a:extLst>
+              <a:ext uri="{FF2B5EF4-FFF2-40B4-BE49-F238E27FC236}">
+                <a16:creationId xmlns:a16="http://schemas.microsoft.com/office/drawing/2014/main" id="{C2C18B1E-90CB-4523-8D16-3BEA14A27FCE}"/>
+              </a:ext>
+            </a:extLst>
+          </p:cNvPr>
+          <p:cNvPicPr>
+            <a:picLocks noChangeAspect="1"/>
+          </p:cNvPicPr>
           <p:nvPr/>
-        </p:nvCxnSpPr>
+        </p:nvPicPr>
+        <p:blipFill>
+          <a:blip r:embed="rId2"/>
+          <a:stretch>
+            <a:fillRect/>
+          </a:stretch>
+        </p:blipFill>
         <p:spPr>
           <a:xfrm>
-            <a:off x="2434206" y="3825381"/>
-            <a:ext cx="6256788" cy="2625753"/>
+            <a:off x="1266466" y="1735525"/>
+            <a:ext cx="9875279" cy="4531132"/>
           </a:xfrm>
-          <a:prstGeom prst="straightConnector1">
+          <a:prstGeom prst="rect">
             <a:avLst/>
           </a:prstGeom>
-          <a:ln w="38100">
-            <a:solidFill>
-              <a:srgbClr val="FF0000"/>
-            </a:solidFill>
-            <a:tailEnd type="triangle"/>
-          </a:ln>
         </p:spPr>
-        <p:style>
-          <a:lnRef idx="1">
-            <a:schemeClr val="accent1"/>
-          </a:lnRef>
-          <a:fillRef idx="0">
-            <a:schemeClr val="accent1"/>
-          </a:fillRef>
-          <a:effectRef idx="0">
-            <a:schemeClr val="accent1"/>
-          </a:effectRef>
-          <a:fontRef idx="minor">
-            <a:schemeClr val="tx1"/>
-          </a:fontRef>
-        </p:style>
-      </p:cxnSp>
-      <p:cxnSp>
-        <p:nvCxnSpPr>
-          <p:cNvPr id="24" name="Straight Arrow Connector 23">
-            <a:extLst>
-              <a:ext uri="{FF2B5EF4-FFF2-40B4-BE49-F238E27FC236}">
-                <a16:creationId xmlns:a16="http://schemas.microsoft.com/office/drawing/2014/main" id="{B64C3CBB-CE70-430B-AC2F-9F255D3E8D55}"/>
-              </a:ext>
-            </a:extLst>
-          </p:cNvPr>
-          <p:cNvCxnSpPr>
-            <a:cxnSpLocks/>
-          </p:cNvCxnSpPr>
+      </p:pic>
+      <p:sp>
+        <p:nvSpPr>
+          <p:cNvPr id="10" name="Rectangle 9">
+            <a:extLst>
+              <a:ext uri="{FF2B5EF4-FFF2-40B4-BE49-F238E27FC236}">
+                <a16:creationId xmlns:a16="http://schemas.microsoft.com/office/drawing/2014/main" id="{3BD65928-4798-42DF-8370-D13B7B659B17}"/>
+              </a:ext>
+            </a:extLst>
+          </p:cNvPr>
+          <p:cNvSpPr/>
           <p:nvPr/>
-        </p:nvCxnSpPr>
+        </p:nvSpPr>
         <p:spPr>
-          <a:xfrm flipV="1">
-            <a:off x="3388071" y="1073354"/>
-            <a:ext cx="5302923" cy="3119156"/>
+          <a:xfrm>
+            <a:off x="2209800" y="2011680"/>
+            <a:ext cx="800100" cy="289560"/>
           </a:xfrm>
-          <a:prstGeom prst="straightConnector1">
+          <a:prstGeom prst="rect">
             <a:avLst/>
           </a:prstGeom>
+          <a:noFill/>
           <a:ln w="38100">
-            <a:solidFill>
-              <a:srgbClr val="FF0000"/>
-            </a:solidFill>
-            <a:tailEnd type="triangle"/>
-          </a:ln>
-        </p:spPr>
-        <p:style>
-          <a:lnRef idx="1">
-            <a:schemeClr val="accent1"/>
-          </a:lnRef>
-          <a:fillRef idx="0">
-            <a:schemeClr val="accent1"/>
-          </a:fillRef>
-          <a:effectRef idx="0">
-            <a:schemeClr val="accent1"/>
-          </a:effectRef>
-          <a:fontRef idx="minor">
-            <a:schemeClr val="tx1"/>
-          </a:fontRef>
-        </p:style>
-      </p:cxnSp>
-      <p:cxnSp>
-        <p:nvCxnSpPr>
-          <p:cNvPr id="27" name="Straight Arrow Connector 26">
-            <a:extLst>
-              <a:ext uri="{FF2B5EF4-FFF2-40B4-BE49-F238E27FC236}">
-                <a16:creationId xmlns:a16="http://schemas.microsoft.com/office/drawing/2014/main" id="{82E8DBF1-035D-402D-A7E0-FCD3477CA095}"/>
-              </a:ext>
-            </a:extLst>
-          </p:cNvPr>
-          <p:cNvCxnSpPr>
-            <a:cxnSpLocks/>
-          </p:cNvCxnSpPr>
-          <p:nvPr/>
-        </p:nvCxnSpPr>
-        <p:spPr>
-          <a:xfrm flipV="1">
-            <a:off x="3808602" y="1300294"/>
-            <a:ext cx="4882392" cy="3355596"/>
-          </a:xfrm>
-          <a:prstGeom prst="straightConnector1">
-            <a:avLst/>
-          </a:prstGeom>
-          <a:ln w="38100">
-            <a:solidFill>
-              <a:srgbClr val="FF0000"/>
-            </a:solidFill>
-            <a:tailEnd type="triangle"/>
-          </a:ln>
-        </p:spPr>
-        <p:style>
-          <a:lnRef idx="1">
-            <a:schemeClr val="accent1"/>
-          </a:lnRef>
-          <a:fillRef idx="0">
-            <a:schemeClr val="accent1"/>
-          </a:fillRef>
-          <a:effectRef idx="0">
-            <a:schemeClr val="accent1"/>
-          </a:effectRef>
-          <a:fontRef idx="minor">
-            <a:schemeClr val="tx1"/>
-          </a:fontRef>
-        </p:style>
-      </p:cxnSp>
-      <p:sp>
-        <p:nvSpPr>
-          <p:cNvPr id="31" name="Star: 5 Points 30">
-            <a:extLst>
-              <a:ext uri="{FF2B5EF4-FFF2-40B4-BE49-F238E27FC236}">
-                <a16:creationId xmlns:a16="http://schemas.microsoft.com/office/drawing/2014/main" id="{BBD1E726-DAEC-4087-A45D-EEA31625C63A}"/>
-              </a:ext>
-            </a:extLst>
-          </p:cNvPr>
-          <p:cNvSpPr/>
-          <p:nvPr/>
-        </p:nvSpPr>
-        <p:spPr>
-          <a:xfrm>
-            <a:off x="8464492" y="5041783"/>
-            <a:ext cx="146108" cy="150396"/>
-          </a:xfrm>
-          <a:prstGeom prst="star5">
-            <a:avLst/>
-          </a:prstGeom>
-          <a:solidFill>
-            <a:srgbClr val="FF0000"/>
-          </a:solidFill>
-          <a:ln>
             <a:solidFill>
               <a:srgbClr val="FF0000"/>
             </a:solidFill>
@@ -12520,10 +13642,10 @@
       </p:sp>
       <p:sp>
         <p:nvSpPr>
-          <p:cNvPr id="32" name="Star: 5 Points 31">
-            <a:extLst>
-              <a:ext uri="{FF2B5EF4-FFF2-40B4-BE49-F238E27FC236}">
-                <a16:creationId xmlns:a16="http://schemas.microsoft.com/office/drawing/2014/main" id="{160AD1E5-B43D-4F12-B03F-CF57E644930D}"/>
+          <p:cNvPr id="11" name="Rectangle 10">
+            <a:extLst>
+              <a:ext uri="{FF2B5EF4-FFF2-40B4-BE49-F238E27FC236}">
+                <a16:creationId xmlns:a16="http://schemas.microsoft.com/office/drawing/2014/main" id="{379EEA97-4E6B-4DBD-9EB6-F8428C8314F7}"/>
               </a:ext>
             </a:extLst>
           </p:cNvPr>
@@ -12532,16 +13654,14 @@
         </p:nvSpPr>
         <p:spPr>
           <a:xfrm>
-            <a:off x="8464492" y="5820061"/>
-            <a:ext cx="146108" cy="150396"/>
+            <a:off x="3238500" y="2758440"/>
+            <a:ext cx="861060" cy="289560"/>
           </a:xfrm>
-          <a:prstGeom prst="star5">
+          <a:prstGeom prst="rect">
             <a:avLst/>
           </a:prstGeom>
-          <a:solidFill>
-            <a:srgbClr val="FF0000"/>
-          </a:solidFill>
-          <a:ln>
+          <a:noFill/>
+          <a:ln w="38100">
             <a:solidFill>
               <a:srgbClr val="FF0000"/>
             </a:solidFill>
@@ -12574,10 +13694,10 @@
       </p:sp>
       <p:sp>
         <p:nvSpPr>
-          <p:cNvPr id="33" name="Star: 5 Points 32">
-            <a:extLst>
-              <a:ext uri="{FF2B5EF4-FFF2-40B4-BE49-F238E27FC236}">
-                <a16:creationId xmlns:a16="http://schemas.microsoft.com/office/drawing/2014/main" id="{4A99FEC6-C348-4204-ABDE-0A485E8E1C4F}"/>
+          <p:cNvPr id="12" name="Rectangle 11">
+            <a:extLst>
+              <a:ext uri="{FF2B5EF4-FFF2-40B4-BE49-F238E27FC236}">
+                <a16:creationId xmlns:a16="http://schemas.microsoft.com/office/drawing/2014/main" id="{2265A4B1-8011-4345-822B-7C6EF2AC171C}"/>
               </a:ext>
             </a:extLst>
           </p:cNvPr>
@@ -12586,16 +13706,14 @@
         </p:nvSpPr>
         <p:spPr>
           <a:xfrm>
-            <a:off x="8464492" y="4204876"/>
-            <a:ext cx="146108" cy="150396"/>
+            <a:off x="6204104" y="3767904"/>
+            <a:ext cx="3336135" cy="1406075"/>
           </a:xfrm>
-          <a:prstGeom prst="star5">
+          <a:prstGeom prst="rect">
             <a:avLst/>
           </a:prstGeom>
-          <a:solidFill>
-            <a:srgbClr val="FF0000"/>
-          </a:solidFill>
-          <a:ln>
+          <a:noFill/>
+          <a:ln w="38100">
             <a:solidFill>
               <a:srgbClr val="FF0000"/>
             </a:solidFill>
@@ -12628,10 +13746,10 @@
       </p:sp>
       <p:sp>
         <p:nvSpPr>
-          <p:cNvPr id="34" name="Star: 5 Points 33">
-            <a:extLst>
-              <a:ext uri="{FF2B5EF4-FFF2-40B4-BE49-F238E27FC236}">
-                <a16:creationId xmlns:a16="http://schemas.microsoft.com/office/drawing/2014/main" id="{FC514C68-6947-4601-95C3-BA2780F9FA98}"/>
+          <p:cNvPr id="13" name="Rectangle 12">
+            <a:extLst>
+              <a:ext uri="{FF2B5EF4-FFF2-40B4-BE49-F238E27FC236}">
+                <a16:creationId xmlns:a16="http://schemas.microsoft.com/office/drawing/2014/main" id="{C08FD30A-B330-4B21-A4BB-E05318787A76}"/>
               </a:ext>
             </a:extLst>
           </p:cNvPr>
@@ -12640,16 +13758,14 @@
         </p:nvSpPr>
         <p:spPr>
           <a:xfrm>
-            <a:off x="8464492" y="2859007"/>
-            <a:ext cx="146108" cy="150396"/>
+            <a:off x="10271760" y="2975174"/>
+            <a:ext cx="792479" cy="289560"/>
           </a:xfrm>
-          <a:prstGeom prst="star5">
+          <a:prstGeom prst="rect">
             <a:avLst/>
           </a:prstGeom>
-          <a:solidFill>
-            <a:srgbClr val="FF0000"/>
-          </a:solidFill>
-          <a:ln>
+          <a:noFill/>
+          <a:ln w="38100">
             <a:solidFill>
               <a:srgbClr val="FF0000"/>
             </a:solidFill>
@@ -12682,62 +13798,386 @@
       </p:sp>
       <p:sp>
         <p:nvSpPr>
-          <p:cNvPr id="36" name="Star: 5 Points 35">
-            <a:extLst>
-              <a:ext uri="{FF2B5EF4-FFF2-40B4-BE49-F238E27FC236}">
-                <a16:creationId xmlns:a16="http://schemas.microsoft.com/office/drawing/2014/main" id="{0D739851-B53C-48F6-BB2A-76AC4D5B6F5F}"/>
-              </a:ext>
-            </a:extLst>
-          </p:cNvPr>
-          <p:cNvSpPr/>
+          <p:cNvPr id="15" name="TextBox 14">
+            <a:extLst>
+              <a:ext uri="{FF2B5EF4-FFF2-40B4-BE49-F238E27FC236}">
+                <a16:creationId xmlns:a16="http://schemas.microsoft.com/office/drawing/2014/main" id="{B50B947D-BA09-436B-83E4-56979BB6D71D}"/>
+              </a:ext>
+            </a:extLst>
+          </p:cNvPr>
+          <p:cNvSpPr txBox="1"/>
           <p:nvPr/>
         </p:nvSpPr>
         <p:spPr>
           <a:xfrm>
-            <a:off x="1498135" y="4987861"/>
-            <a:ext cx="146108" cy="150396"/>
+            <a:off x="3131820" y="1836420"/>
+            <a:ext cx="1181100" cy="369332"/>
           </a:xfrm>
-          <a:prstGeom prst="star5">
+          <a:prstGeom prst="rect">
             <a:avLst/>
           </a:prstGeom>
-          <a:solidFill>
-            <a:srgbClr val="FF0000"/>
-          </a:solidFill>
-          <a:ln>
-            <a:solidFill>
-              <a:srgbClr val="FF0000"/>
-            </a:solidFill>
-          </a:ln>
+          <a:noFill/>
         </p:spPr>
-        <p:style>
-          <a:lnRef idx="2">
-            <a:schemeClr val="accent1">
-              <a:shade val="50000"/>
-            </a:schemeClr>
-          </a:lnRef>
-          <a:fillRef idx="1">
-            <a:schemeClr val="accent1"/>
-          </a:fillRef>
-          <a:effectRef idx="0">
-            <a:schemeClr val="accent1"/>
-          </a:effectRef>
-          <a:fontRef idx="minor">
-            <a:schemeClr val="lt1"/>
-          </a:fontRef>
-        </p:style>
-        <p:txBody>
-          <a:bodyPr rtlCol="0" anchor="ctr"/>
-          <a:lstStyle/>
-          <a:p>
-            <a:pPr algn="ctr"/>
-            <a:endParaRPr lang="da-DK"/>
+        <p:txBody>
+          <a:bodyPr wrap="square" rtlCol="0">
+            <a:spAutoFit/>
+          </a:bodyPr>
+          <a:lstStyle/>
+          <a:p>
+            <a:r>
+              <a:rPr lang="da-DK" dirty="0">
+                <a:solidFill>
+                  <a:srgbClr val="FF0000"/>
+                </a:solidFill>
+              </a:rPr>
+              <a:t>1. Find PR</a:t>
+            </a:r>
+          </a:p>
+        </p:txBody>
+      </p:sp>
+      <p:sp>
+        <p:nvSpPr>
+          <p:cNvPr id="16" name="TextBox 15">
+            <a:extLst>
+              <a:ext uri="{FF2B5EF4-FFF2-40B4-BE49-F238E27FC236}">
+                <a16:creationId xmlns:a16="http://schemas.microsoft.com/office/drawing/2014/main" id="{60E31BC7-F38D-4DC3-AA9B-A2563ED474BB}"/>
+              </a:ext>
+            </a:extLst>
+          </p:cNvPr>
+          <p:cNvSpPr txBox="1"/>
+          <p:nvPr/>
+        </p:nvSpPr>
+        <p:spPr>
+          <a:xfrm>
+            <a:off x="4122420" y="2712900"/>
+            <a:ext cx="2278380" cy="369332"/>
+          </a:xfrm>
+          <a:prstGeom prst="rect">
+            <a:avLst/>
+          </a:prstGeom>
+          <a:noFill/>
+        </p:spPr>
+        <p:txBody>
+          <a:bodyPr wrap="square" rtlCol="0">
+            <a:spAutoFit/>
+          </a:bodyPr>
+          <a:lstStyle/>
+          <a:p>
+            <a:r>
+              <a:rPr lang="da-DK" dirty="0">
+                <a:solidFill>
+                  <a:srgbClr val="FF0000"/>
+                </a:solidFill>
+              </a:rPr>
+              <a:t>2. Check changed files</a:t>
+            </a:r>
+          </a:p>
+        </p:txBody>
+      </p:sp>
+      <p:sp>
+        <p:nvSpPr>
+          <p:cNvPr id="17" name="TextBox 16">
+            <a:extLst>
+              <a:ext uri="{FF2B5EF4-FFF2-40B4-BE49-F238E27FC236}">
+                <a16:creationId xmlns:a16="http://schemas.microsoft.com/office/drawing/2014/main" id="{89BD195B-40E1-4780-808A-8C82374F81F8}"/>
+              </a:ext>
+            </a:extLst>
+          </p:cNvPr>
+          <p:cNvSpPr txBox="1"/>
+          <p:nvPr/>
+        </p:nvSpPr>
+        <p:spPr>
+          <a:xfrm>
+            <a:off x="7367886" y="3429000"/>
+            <a:ext cx="3336135" cy="369332"/>
+          </a:xfrm>
+          <a:prstGeom prst="rect">
+            <a:avLst/>
+          </a:prstGeom>
+          <a:noFill/>
+        </p:spPr>
+        <p:txBody>
+          <a:bodyPr wrap="square" rtlCol="0">
+            <a:spAutoFit/>
+          </a:bodyPr>
+          <a:lstStyle/>
+          <a:p>
+            <a:r>
+              <a:rPr lang="da-DK" dirty="0">
+                <a:solidFill>
+                  <a:srgbClr val="FF0000"/>
+                </a:solidFill>
+              </a:rPr>
+              <a:t>3. Make one or more comments</a:t>
+            </a:r>
+          </a:p>
+        </p:txBody>
+      </p:sp>
+      <p:sp>
+        <p:nvSpPr>
+          <p:cNvPr id="18" name="TextBox 17">
+            <a:extLst>
+              <a:ext uri="{FF2B5EF4-FFF2-40B4-BE49-F238E27FC236}">
+                <a16:creationId xmlns:a16="http://schemas.microsoft.com/office/drawing/2014/main" id="{D994CAC0-0F66-4609-B054-D72D06B8726A}"/>
+              </a:ext>
+            </a:extLst>
+          </p:cNvPr>
+          <p:cNvSpPr txBox="1"/>
+          <p:nvPr/>
+        </p:nvSpPr>
+        <p:spPr>
+          <a:xfrm>
+            <a:off x="8999931" y="2639542"/>
+            <a:ext cx="3336135" cy="369332"/>
+          </a:xfrm>
+          <a:prstGeom prst="rect">
+            <a:avLst/>
+          </a:prstGeom>
+          <a:noFill/>
+        </p:spPr>
+        <p:txBody>
+          <a:bodyPr wrap="square" rtlCol="0">
+            <a:spAutoFit/>
+          </a:bodyPr>
+          <a:lstStyle/>
+          <a:p>
+            <a:r>
+              <a:rPr lang="da-DK" dirty="0">
+                <a:solidFill>
+                  <a:srgbClr val="FF0000"/>
+                </a:solidFill>
+              </a:rPr>
+              <a:t>4. Send review</a:t>
+            </a:r>
           </a:p>
         </p:txBody>
       </p:sp>
     </p:spTree>
     <p:extLst>
       <p:ext uri="{BB962C8B-B14F-4D97-AF65-F5344CB8AC3E}">
-        <p14:creationId xmlns:p14="http://schemas.microsoft.com/office/powerpoint/2010/main" val="3261029281"/>
+        <p14:creationId xmlns:p14="http://schemas.microsoft.com/office/powerpoint/2010/main" val="2486113929"/>
+      </p:ext>
+    </p:extLst>
+  </p:cSld>
+  <p:clrMapOvr>
+    <a:masterClrMapping/>
+  </p:clrMapOvr>
+</p:sld>
+</file>
+
+<file path=ppt/slides/slide9.xml><?xml version="1.0" encoding="utf-8"?>
+<p:sld xmlns:a="http://schemas.openxmlformats.org/drawingml/2006/main" xmlns:r="http://schemas.openxmlformats.org/officeDocument/2006/relationships" xmlns:p="http://schemas.openxmlformats.org/presentationml/2006/main">
+  <p:cSld>
+    <p:spTree>
+      <p:nvGrpSpPr>
+        <p:cNvPr id="1" name=""/>
+        <p:cNvGrpSpPr/>
+        <p:nvPr/>
+      </p:nvGrpSpPr>
+      <p:grpSpPr>
+        <a:xfrm>
+          <a:off x="0" y="0"/>
+          <a:ext cx="0" cy="0"/>
+          <a:chOff x="0" y="0"/>
+          <a:chExt cx="0" cy="0"/>
+        </a:xfrm>
+      </p:grpSpPr>
+      <p:sp>
+        <p:nvSpPr>
+          <p:cNvPr id="2" name="Title 1">
+            <a:extLst>
+              <a:ext uri="{FF2B5EF4-FFF2-40B4-BE49-F238E27FC236}">
+                <a16:creationId xmlns:a16="http://schemas.microsoft.com/office/drawing/2014/main" id="{F30CAB80-0536-4C1F-B6CE-EC85D3C8B753}"/>
+              </a:ext>
+            </a:extLst>
+          </p:cNvPr>
+          <p:cNvSpPr>
+            <a:spLocks noGrp="1"/>
+          </p:cNvSpPr>
+          <p:nvPr>
+            <p:ph type="title"/>
+          </p:nvPr>
+        </p:nvSpPr>
+        <p:spPr/>
+        <p:txBody>
+          <a:bodyPr/>
+          <a:lstStyle/>
+          <a:p>
+            <a:r>
+              <a:rPr lang="da-DK" dirty="0"/>
+              <a:t>CI step 2: Automating stuff</a:t>
+            </a:r>
+          </a:p>
+        </p:txBody>
+      </p:sp>
+      <p:sp>
+        <p:nvSpPr>
+          <p:cNvPr id="3" name="Content Placeholder 2">
+            <a:extLst>
+              <a:ext uri="{FF2B5EF4-FFF2-40B4-BE49-F238E27FC236}">
+                <a16:creationId xmlns:a16="http://schemas.microsoft.com/office/drawing/2014/main" id="{8C1E39EE-762B-47D7-995F-8880FB5E5C6C}"/>
+              </a:ext>
+            </a:extLst>
+          </p:cNvPr>
+          <p:cNvSpPr>
+            <a:spLocks noGrp="1"/>
+          </p:cNvSpPr>
+          <p:nvPr>
+            <p:ph idx="1"/>
+          </p:nvPr>
+        </p:nvSpPr>
+        <p:spPr/>
+        <p:txBody>
+          <a:bodyPr/>
+          <a:lstStyle/>
+          <a:p>
+            <a:r>
+              <a:rPr lang="da-DK" dirty="0"/>
+              <a:t>What can be automated: EVERYTHING</a:t>
+            </a:r>
+          </a:p>
+          <a:p>
+            <a:pPr lvl="1"/>
+            <a:r>
+              <a:rPr lang="en-US" dirty="0"/>
+              <a:t>Functional tests</a:t>
+            </a:r>
+          </a:p>
+          <a:p>
+            <a:pPr lvl="1"/>
+            <a:r>
+              <a:rPr lang="en-US" dirty="0"/>
+              <a:t>Documentation creation</a:t>
+            </a:r>
+          </a:p>
+          <a:p>
+            <a:pPr lvl="1"/>
+            <a:r>
+              <a:rPr lang="en-US" dirty="0"/>
+              <a:t>Linters (which check style formatting)</a:t>
+            </a:r>
+          </a:p>
+          <a:p>
+            <a:pPr lvl="1"/>
+            <a:r>
+              <a:rPr lang="en-US" dirty="0"/>
+              <a:t>Security checks</a:t>
+            </a:r>
+          </a:p>
+          <a:p>
+            <a:pPr lvl="1"/>
+            <a:r>
+              <a:rPr lang="en-US" dirty="0"/>
+              <a:t>Code coverage</a:t>
+            </a:r>
+          </a:p>
+          <a:p>
+            <a:pPr lvl="1"/>
+            <a:r>
+              <a:rPr lang="en-US" dirty="0"/>
+              <a:t>Custom checks…</a:t>
+            </a:r>
+            <a:endParaRPr lang="da-DK" dirty="0"/>
+          </a:p>
+          <a:p>
+            <a:pPr lvl="1"/>
+            <a:endParaRPr lang="da-DK" dirty="0"/>
+          </a:p>
+          <a:p>
+            <a:endParaRPr lang="da-DK" dirty="0"/>
+          </a:p>
+        </p:txBody>
+      </p:sp>
+      <p:sp>
+        <p:nvSpPr>
+          <p:cNvPr id="4" name="Date Placeholder 3">
+            <a:extLst>
+              <a:ext uri="{FF2B5EF4-FFF2-40B4-BE49-F238E27FC236}">
+                <a16:creationId xmlns:a16="http://schemas.microsoft.com/office/drawing/2014/main" id="{F64724E3-9AC5-4EBD-B3E0-26B5C8052611}"/>
+              </a:ext>
+            </a:extLst>
+          </p:cNvPr>
+          <p:cNvSpPr>
+            <a:spLocks noGrp="1"/>
+          </p:cNvSpPr>
+          <p:nvPr>
+            <p:ph type="dt" sz="half" idx="10"/>
+          </p:nvPr>
+        </p:nvSpPr>
+        <p:spPr/>
+        <p:txBody>
+          <a:bodyPr/>
+          <a:lstStyle/>
+          <a:p>
+            <a:fld id="{019E29B9-5584-4737-9C98-1B926378C778}" type="datetime1">
+              <a:rPr lang="en-US" smtClean="0"/>
+              <a:t>5/19/2021</a:t>
+            </a:fld>
+            <a:endParaRPr lang="da-DK"/>
+          </a:p>
+        </p:txBody>
+      </p:sp>
+      <p:sp>
+        <p:nvSpPr>
+          <p:cNvPr id="5" name="Footer Placeholder 4">
+            <a:extLst>
+              <a:ext uri="{FF2B5EF4-FFF2-40B4-BE49-F238E27FC236}">
+                <a16:creationId xmlns:a16="http://schemas.microsoft.com/office/drawing/2014/main" id="{EDA475A1-DBB7-4C99-9A57-A337E5DF7DB6}"/>
+              </a:ext>
+            </a:extLst>
+          </p:cNvPr>
+          <p:cNvSpPr>
+            <a:spLocks noGrp="1"/>
+          </p:cNvSpPr>
+          <p:nvPr>
+            <p:ph type="ftr" sz="quarter" idx="11"/>
+          </p:nvPr>
+        </p:nvSpPr>
+        <p:spPr/>
+        <p:txBody>
+          <a:bodyPr/>
+          <a:lstStyle/>
+          <a:p>
+            <a:r>
+              <a:rPr lang="da-DK"/>
+              <a:t>Nicki Skafte Detlefsen</a:t>
+            </a:r>
+          </a:p>
+        </p:txBody>
+      </p:sp>
+      <p:sp>
+        <p:nvSpPr>
+          <p:cNvPr id="6" name="Slide Number Placeholder 5">
+            <a:extLst>
+              <a:ext uri="{FF2B5EF4-FFF2-40B4-BE49-F238E27FC236}">
+                <a16:creationId xmlns:a16="http://schemas.microsoft.com/office/drawing/2014/main" id="{BF2D4B10-61C4-4362-AFF0-40489FFBEC9F}"/>
+              </a:ext>
+            </a:extLst>
+          </p:cNvPr>
+          <p:cNvSpPr>
+            <a:spLocks noGrp="1"/>
+          </p:cNvSpPr>
+          <p:nvPr>
+            <p:ph type="sldNum" sz="quarter" idx="12"/>
+          </p:nvPr>
+        </p:nvSpPr>
+        <p:spPr/>
+        <p:txBody>
+          <a:bodyPr/>
+          <a:lstStyle/>
+          <a:p>
+            <a:fld id="{F6FEDE24-D50C-481B-A7B4-8AF13899101A}" type="slidenum">
+              <a:rPr lang="da-DK" smtClean="0"/>
+              <a:t>9</a:t>
+            </a:fld>
+            <a:endParaRPr lang="da-DK"/>
+          </a:p>
+        </p:txBody>
+      </p:sp>
+    </p:spTree>
+    <p:extLst>
+      <p:ext uri="{BB962C8B-B14F-4D97-AF65-F5344CB8AC3E}">
+        <p14:creationId xmlns:p14="http://schemas.microsoft.com/office/powerpoint/2010/main" val="1371277988"/>
       </p:ext>
     </p:extLst>
   </p:cSld>

--- a/04_continues_integration/ci.pptx
+++ b/04_continues_integration/ci.pptx
@@ -2899,7 +2899,7 @@
           <a:p>
             <a:fld id="{D75CAE95-D2DD-4998-876A-092BFD628C65}" type="datetimeFigureOut">
               <a:rPr lang="da-DK" smtClean="0"/>
-              <a:t>19-05-2021</a:t>
+              <a:t>28-05-2021</a:t>
             </a:fld>
             <a:endParaRPr lang="da-DK"/>
           </a:p>
@@ -3077,7 +3077,7 @@
           <a:p>
             <a:fld id="{1DA8E099-58AA-4136-B409-1CAD1943D842}" type="datetimeFigureOut">
               <a:rPr lang="da-DK" smtClean="0"/>
-              <a:t>19-05-2021</a:t>
+              <a:t>28-05-2021</a:t>
             </a:fld>
             <a:endParaRPr lang="da-DK"/>
           </a:p>
@@ -3495,7 +3495,7 @@
           <a:p>
             <a:fld id="{C85334AD-9960-4065-BF34-86ED0345A76D}" type="datetime1">
               <a:rPr lang="en-US" smtClean="0"/>
-              <a:t>5/19/2021</a:t>
+              <a:t>5/28/2021</a:t>
             </a:fld>
             <a:endParaRPr lang="da-DK"/>
           </a:p>
@@ -3734,7 +3734,7 @@
           <a:p>
             <a:fld id="{C5669758-3775-48D7-A841-693E908C3BF4}" type="datetime1">
               <a:rPr lang="en-US" smtClean="0"/>
-              <a:t>5/19/2021</a:t>
+              <a:t>5/28/2021</a:t>
             </a:fld>
             <a:endParaRPr lang="da-DK"/>
           </a:p>
@@ -3947,7 +3947,7 @@
           <a:p>
             <a:fld id="{1E0C3FF1-EDBD-4F2A-8366-34A4E3728310}" type="datetime1">
               <a:rPr lang="en-US" smtClean="0"/>
-              <a:t>5/19/2021</a:t>
+              <a:t>5/28/2021</a:t>
             </a:fld>
             <a:endParaRPr lang="da-DK"/>
           </a:p>
@@ -4168,7 +4168,7 @@
           <a:p>
             <a:fld id="{019E29B9-5584-4737-9C98-1B926378C778}" type="datetime1">
               <a:rPr lang="en-US" smtClean="0"/>
-              <a:t>5/19/2021</a:t>
+              <a:t>5/28/2021</a:t>
             </a:fld>
             <a:endParaRPr lang="da-DK"/>
           </a:p>
@@ -4483,7 +4483,7 @@
           <a:p>
             <a:fld id="{FCE38F03-F67D-4508-A858-99FCD085087C}" type="datetime1">
               <a:rPr lang="en-US" smtClean="0"/>
-              <a:t>5/19/2021</a:t>
+              <a:t>5/28/2021</a:t>
             </a:fld>
             <a:endParaRPr lang="da-DK"/>
           </a:p>
@@ -4754,7 +4754,7 @@
           <a:p>
             <a:fld id="{B43F2930-3FFD-4F93-A4BD-4F0D1A0B4514}" type="datetime1">
               <a:rPr lang="en-US" smtClean="0"/>
-              <a:t>5/19/2021</a:t>
+              <a:t>5/28/2021</a:t>
             </a:fld>
             <a:endParaRPr lang="da-DK"/>
           </a:p>
@@ -5172,7 +5172,7 @@
           <a:p>
             <a:fld id="{8E0F9B9B-30CC-4693-8E0F-1A94A979E2C5}" type="datetime1">
               <a:rPr lang="en-US" smtClean="0"/>
-              <a:t>5/19/2021</a:t>
+              <a:t>5/28/2021</a:t>
             </a:fld>
             <a:endParaRPr lang="da-DK"/>
           </a:p>
@@ -5317,7 +5317,7 @@
           <a:p>
             <a:fld id="{6FE1433B-E6A7-44FF-8B55-539471B4D7C5}" type="datetime1">
               <a:rPr lang="en-US" smtClean="0"/>
-              <a:t>5/19/2021</a:t>
+              <a:t>5/28/2021</a:t>
             </a:fld>
             <a:endParaRPr lang="da-DK"/>
           </a:p>
@@ -5433,7 +5433,7 @@
           <a:p>
             <a:fld id="{624F4001-6A8C-42DA-824F-B5CC1375B861}" type="datetime1">
               <a:rPr lang="en-US" smtClean="0"/>
-              <a:t>5/19/2021</a:t>
+              <a:t>5/28/2021</a:t>
             </a:fld>
             <a:endParaRPr lang="da-DK"/>
           </a:p>
@@ -5749,7 +5749,7 @@
           <a:p>
             <a:fld id="{2D3BE137-2C5E-4078-8BA2-7D42D7E67218}" type="datetime1">
               <a:rPr lang="en-US" smtClean="0"/>
-              <a:t>5/19/2021</a:t>
+              <a:t>5/28/2021</a:t>
             </a:fld>
             <a:endParaRPr lang="da-DK"/>
           </a:p>
@@ -6041,7 +6041,7 @@
           <a:p>
             <a:fld id="{0D1436FF-56D3-4E93-92E8-71121EAB120E}" type="datetime1">
               <a:rPr lang="en-US" smtClean="0"/>
-              <a:t>5/19/2021</a:t>
+              <a:t>5/28/2021</a:t>
             </a:fld>
             <a:endParaRPr lang="da-DK"/>
           </a:p>
@@ -6287,7 +6287,7 @@
           <a:p>
             <a:fld id="{16601EF2-4BCA-4009-ACCF-B97F259DEF6F}" type="datetime1">
               <a:rPr lang="en-US" smtClean="0"/>
-              <a:t>5/19/2021</a:t>
+              <a:t>5/28/2021</a:t>
             </a:fld>
             <a:endParaRPr lang="da-DK"/>
           </a:p>
@@ -6877,7 +6877,7 @@
           <a:p>
             <a:fld id="{019E29B9-5584-4737-9C98-1B926378C778}" type="datetime1">
               <a:rPr lang="en-US" smtClean="0"/>
-              <a:t>5/19/2021</a:t>
+              <a:t>5/28/2021</a:t>
             </a:fld>
             <a:endParaRPr lang="da-DK"/>
           </a:p>
@@ -7673,7 +7673,7 @@
           <a:p>
             <a:fld id="{019E29B9-5584-4737-9C98-1B926378C778}" type="datetime1">
               <a:rPr lang="en-US" smtClean="0"/>
-              <a:t>5/19/2021</a:t>
+              <a:t>5/28/2021</a:t>
             </a:fld>
             <a:endParaRPr lang="da-DK"/>
           </a:p>
@@ -7875,7 +7875,7 @@
           <a:p>
             <a:fld id="{019E29B9-5584-4737-9C98-1B926378C778}" type="datetime1">
               <a:rPr lang="en-US" smtClean="0"/>
-              <a:t>5/19/2021</a:t>
+              <a:t>5/28/2021</a:t>
             </a:fld>
             <a:endParaRPr lang="da-DK"/>
           </a:p>
@@ -8080,7 +8080,7 @@
           <a:p>
             <a:fld id="{019E29B9-5584-4737-9C98-1B926378C778}" type="datetime1">
               <a:rPr lang="en-US" smtClean="0"/>
-              <a:t>5/19/2021</a:t>
+              <a:t>5/28/2021</a:t>
             </a:fld>
             <a:endParaRPr lang="da-DK"/>
           </a:p>
@@ -8285,7 +8285,7 @@
           <a:p>
             <a:fld id="{019E29B9-5584-4737-9C98-1B926378C778}" type="datetime1">
               <a:rPr lang="en-US" smtClean="0"/>
-              <a:t>5/19/2021</a:t>
+              <a:t>5/28/2021</a:t>
             </a:fld>
             <a:endParaRPr lang="da-DK"/>
           </a:p>
@@ -8532,7 +8532,7 @@
           <a:p>
             <a:fld id="{019E29B9-5584-4737-9C98-1B926378C778}" type="datetime1">
               <a:rPr lang="en-US" smtClean="0"/>
-              <a:t>5/19/2021</a:t>
+              <a:t>5/28/2021</a:t>
             </a:fld>
             <a:endParaRPr lang="da-DK"/>
           </a:p>
@@ -8758,7 +8758,7 @@
           <a:p>
             <a:fld id="{019E29B9-5584-4737-9C98-1B926378C778}" type="datetime1">
               <a:rPr lang="en-US" smtClean="0"/>
-              <a:t>5/19/2021</a:t>
+              <a:t>5/28/2021</a:t>
             </a:fld>
             <a:endParaRPr lang="da-DK"/>
           </a:p>
@@ -8962,7 +8962,7 @@
           <a:p>
             <a:fld id="{019E29B9-5584-4737-9C98-1B926378C778}" type="datetime1">
               <a:rPr lang="en-US" smtClean="0"/>
-              <a:t>5/19/2021</a:t>
+              <a:t>5/28/2021</a:t>
             </a:fld>
             <a:endParaRPr lang="da-DK"/>
           </a:p>
@@ -9665,7 +9665,7 @@
           <a:p>
             <a:fld id="{019E29B9-5584-4737-9C98-1B926378C778}" type="datetime1">
               <a:rPr lang="en-US" smtClean="0"/>
-              <a:t>5/19/2021</a:t>
+              <a:t>5/28/2021</a:t>
             </a:fld>
             <a:endParaRPr lang="da-DK"/>
           </a:p>
@@ -10174,7 +10174,7 @@
           <a:p>
             <a:fld id="{019E29B9-5584-4737-9C98-1B926378C778}" type="datetime1">
               <a:rPr lang="en-US" smtClean="0"/>
-              <a:t>5/19/2021</a:t>
+              <a:t>5/28/2021</a:t>
             </a:fld>
             <a:endParaRPr lang="da-DK"/>
           </a:p>
@@ -10754,7 +10754,7 @@
           <a:p>
             <a:fld id="{019E29B9-5584-4737-9C98-1B926378C778}" type="datetime1">
               <a:rPr lang="en-US" smtClean="0"/>
-              <a:t>5/19/2021</a:t>
+              <a:t>5/28/2021</a:t>
             </a:fld>
             <a:endParaRPr lang="da-DK"/>
           </a:p>
@@ -11010,7 +11010,7 @@
           <a:p>
             <a:fld id="{019E29B9-5584-4737-9C98-1B926378C778}" type="datetime1">
               <a:rPr lang="en-US" smtClean="0"/>
-              <a:t>5/19/2021</a:t>
+              <a:t>5/28/2021</a:t>
             </a:fld>
             <a:endParaRPr lang="da-DK"/>
           </a:p>
@@ -11248,7 +11248,7 @@
           <a:p>
             <a:fld id="{019E29B9-5584-4737-9C98-1B926378C778}" type="datetime1">
               <a:rPr lang="en-US" smtClean="0"/>
-              <a:t>5/19/2021</a:t>
+              <a:t>5/28/2021</a:t>
             </a:fld>
             <a:endParaRPr lang="da-DK"/>
           </a:p>
@@ -11453,7 +11453,7 @@
           <a:p>
             <a:fld id="{019E29B9-5584-4737-9C98-1B926378C778}" type="datetime1">
               <a:rPr lang="en-US" smtClean="0"/>
-              <a:t>5/19/2021</a:t>
+              <a:t>5/28/2021</a:t>
             </a:fld>
             <a:endParaRPr lang="da-DK"/>
           </a:p>
@@ -11982,7 +11982,7 @@
           <a:p>
             <a:fld id="{019E29B9-5584-4737-9C98-1B926378C778}" type="datetime1">
               <a:rPr lang="en-US" smtClean="0"/>
-              <a:t>5/19/2021</a:t>
+              <a:t>5/28/2021</a:t>
             </a:fld>
             <a:endParaRPr lang="da-DK"/>
           </a:p>
@@ -12191,7 +12191,7 @@
           <a:p>
             <a:fld id="{019E29B9-5584-4737-9C98-1B926378C778}" type="datetime1">
               <a:rPr lang="en-US" smtClean="0"/>
-              <a:t>5/19/2021</a:t>
+              <a:t>5/28/2021</a:t>
             </a:fld>
             <a:endParaRPr lang="da-DK"/>
           </a:p>
@@ -12478,7 +12478,7 @@
           <a:p>
             <a:fld id="{019E29B9-5584-4737-9C98-1B926378C778}" type="datetime1">
               <a:rPr lang="en-US" smtClean="0"/>
-              <a:t>5/19/2021</a:t>
+              <a:t>5/28/2021</a:t>
             </a:fld>
             <a:endParaRPr lang="da-DK"/>
           </a:p>
@@ -12653,7 +12653,7 @@
           <a:p>
             <a:fld id="{019E29B9-5584-4737-9C98-1B926378C778}" type="datetime1">
               <a:rPr lang="en-US" smtClean="0"/>
-              <a:t>5/19/2021</a:t>
+              <a:t>5/28/2021</a:t>
             </a:fld>
             <a:endParaRPr lang="da-DK"/>
           </a:p>
@@ -12967,7 +12967,7 @@
           <a:p>
             <a:fld id="{019E29B9-5584-4737-9C98-1B926378C778}" type="datetime1">
               <a:rPr lang="en-US" smtClean="0"/>
-              <a:t>5/19/2021</a:t>
+              <a:t>5/28/2021</a:t>
             </a:fld>
             <a:endParaRPr lang="da-DK"/>
           </a:p>
@@ -13280,7 +13280,7 @@
           <a:p>
             <a:fld id="{019E29B9-5584-4737-9C98-1B926378C778}" type="datetime1">
               <a:rPr lang="en-US" smtClean="0"/>
-              <a:t>5/19/2021</a:t>
+              <a:t>5/28/2021</a:t>
             </a:fld>
             <a:endParaRPr lang="da-DK"/>
           </a:p>
@@ -13495,7 +13495,7 @@
           <a:p>
             <a:fld id="{019E29B9-5584-4737-9C98-1B926378C778}" type="datetime1">
               <a:rPr lang="en-US" smtClean="0"/>
-              <a:t>5/19/2021</a:t>
+              <a:t>5/28/2021</a:t>
             </a:fld>
             <a:endParaRPr lang="da-DK"/>
           </a:p>
@@ -14111,7 +14111,7 @@
           <a:p>
             <a:fld id="{019E29B9-5584-4737-9C98-1B926378C778}" type="datetime1">
               <a:rPr lang="en-US" smtClean="0"/>
-              <a:t>5/19/2021</a:t>
+              <a:t>5/28/2021</a:t>
             </a:fld>
             <a:endParaRPr lang="da-DK"/>
           </a:p>

--- a/04_continues_integration/ci.pptx
+++ b/04_continues_integration/ci.pptx
@@ -6999,7 +6999,7 @@
           <a:lstStyle/>
           <a:p>
             <a:r>
-              <a:rPr lang="da-DK" sz="2800" dirty="0"/>
+              <a:rPr lang="en-US" sz="2800" dirty="0"/>
               <a:t>Ranked by importance (biased)</a:t>
             </a:r>
           </a:p>
@@ -7009,7 +7009,7 @@
               <a:buAutoNum type="arabicPeriod"/>
             </a:pPr>
             <a:r>
-              <a:rPr lang="da-DK" sz="2800" dirty="0"/>
+              <a:rPr lang="en-US" sz="2800" dirty="0"/>
               <a:t>Source code</a:t>
             </a:r>
           </a:p>
@@ -7019,7 +7019,7 @@
               <a:buAutoNum type="arabicPeriod"/>
             </a:pPr>
             <a:r>
-              <a:rPr lang="da-DK" sz="2800" dirty="0"/>
+              <a:rPr lang="en-US" sz="2800" dirty="0"/>
               <a:t>Tests</a:t>
             </a:r>
           </a:p>
@@ -7029,7 +7029,7 @@
               <a:buAutoNum type="arabicPeriod"/>
             </a:pPr>
             <a:r>
-              <a:rPr lang="da-DK" sz="2800" dirty="0"/>
+              <a:rPr lang="en-US" sz="2800" dirty="0"/>
               <a:t>Setup</a:t>
             </a:r>
           </a:p>
@@ -7039,7 +7039,7 @@
               <a:buAutoNum type="arabicPeriod"/>
             </a:pPr>
             <a:r>
-              <a:rPr lang="da-DK" sz="2800" dirty="0"/>
+              <a:rPr lang="en-US" sz="2800" dirty="0"/>
               <a:t>CI workflows</a:t>
             </a:r>
           </a:p>
@@ -7049,7 +7049,7 @@
               <a:buAutoNum type="arabicPeriod"/>
             </a:pPr>
             <a:r>
-              <a:rPr lang="da-DK" sz="2800" dirty="0"/>
+              <a:rPr lang="en-US" sz="2800" dirty="0"/>
               <a:t>Documentation</a:t>
             </a:r>
           </a:p>
@@ -7059,7 +7059,7 @@
               <a:buAutoNum type="arabicPeriod"/>
             </a:pPr>
             <a:r>
-              <a:rPr lang="da-DK" sz="2800" dirty="0"/>
+              <a:rPr lang="en-US" sz="2800" dirty="0"/>
               <a:t> </a:t>
             </a:r>
           </a:p>
@@ -7068,14 +7068,14 @@
               <a:buFont typeface="+mj-lt"/>
               <a:buAutoNum type="arabicPeriod"/>
             </a:pPr>
-            <a:endParaRPr lang="da-DK" sz="2800" dirty="0"/>
+            <a:endParaRPr lang="en-US" sz="2800" dirty="0"/>
           </a:p>
           <a:p>
             <a:pPr marL="342900" indent="-342900">
               <a:buFont typeface="+mj-lt"/>
               <a:buAutoNum type="arabicPeriod"/>
             </a:pPr>
-            <a:endParaRPr lang="da-DK" dirty="0"/>
+            <a:endParaRPr lang="en-US" dirty="0"/>
           </a:p>
         </p:txBody>
       </p:sp>
@@ -7845,8 +7845,11 @@
           <a:bodyPr/>
           <a:lstStyle/>
           <a:p>
-            <a:r>
-              <a:rPr lang="da-DK" dirty="0"/>
+            <a:pPr marL="0" indent="0">
+              <a:buNone/>
+            </a:pPr>
+            <a:r>
+              <a:rPr lang="en-US" dirty="0"/>
               <a:t>In total we have 6365 tests</a:t>
             </a:r>
           </a:p>
@@ -8463,16 +8466,16 @@
           <a:lstStyle/>
           <a:p>
             <a:r>
-              <a:rPr lang="da-DK" dirty="0"/>
+              <a:rPr lang="en-US" dirty="0"/>
               <a:t>Contains all information regarding the project</a:t>
             </a:r>
           </a:p>
           <a:p>
-            <a:endParaRPr lang="da-DK" dirty="0"/>
-          </a:p>
-          <a:p>
-            <a:r>
-              <a:rPr lang="da-DK" dirty="0"/>
+            <a:endParaRPr lang="en-US" dirty="0"/>
+          </a:p>
+          <a:p>
+            <a:r>
+              <a:rPr lang="en-US" dirty="0"/>
               <a:t>Allow people to do:</a:t>
             </a:r>
           </a:p>
@@ -8481,7 +8484,7 @@
               <a:buNone/>
             </a:pPr>
             <a:r>
-              <a:rPr lang="da-DK" dirty="0">
+              <a:rPr lang="en-US" dirty="0">
                 <a:latin typeface="+mj-lt"/>
               </a:rPr>
               <a:t>python setup.py install</a:t>
@@ -8492,7 +8495,7 @@
               <a:buNone/>
             </a:pPr>
             <a:r>
-              <a:rPr lang="da-DK" dirty="0"/>
+              <a:rPr lang="en-US" dirty="0"/>
               <a:t>or if uploaded to pip</a:t>
             </a:r>
           </a:p>
@@ -8501,11 +8504,20 @@
               <a:buNone/>
             </a:pPr>
             <a:r>
-              <a:rPr lang="da-DK" dirty="0">
+              <a:rPr lang="en-US" dirty="0">
                 <a:latin typeface="+mj-lt"/>
               </a:rPr>
-              <a:t>pip install my_package</a:t>
-            </a:r>
+              <a:t>pip install </a:t>
+            </a:r>
+            <a:r>
+              <a:rPr lang="en-US" dirty="0" err="1">
+                <a:latin typeface="+mj-lt"/>
+              </a:rPr>
+              <a:t>my_package</a:t>
+            </a:r>
+            <a:endParaRPr lang="en-US" dirty="0">
+              <a:latin typeface="+mj-lt"/>
+            </a:endParaRPr>
           </a:p>
         </p:txBody>
       </p:sp>
@@ -8705,33 +8717,38 @@
           <a:lstStyle/>
           <a:p>
             <a:r>
-              <a:rPr lang="da-DK" dirty="0"/>
-              <a:t>Build-in CI for github</a:t>
-            </a:r>
-          </a:p>
-          <a:p>
-            <a:r>
-              <a:rPr lang="da-DK" dirty="0"/>
-              <a:t>Free 2,000 automation minutes/month (public reposatory)</a:t>
-            </a:r>
-          </a:p>
-          <a:p>
-            <a:endParaRPr lang="da-DK" dirty="0"/>
-          </a:p>
-          <a:p>
-            <a:endParaRPr lang="da-DK" dirty="0"/>
-          </a:p>
-          <a:p>
-            <a:r>
-              <a:rPr lang="da-DK" dirty="0"/>
+              <a:rPr lang="en-US" dirty="0"/>
+              <a:t>Build-in CI for </a:t>
+            </a:r>
+            <a:r>
+              <a:rPr lang="en-US" dirty="0" err="1"/>
+              <a:t>github</a:t>
+            </a:r>
+            <a:endParaRPr lang="en-US" dirty="0"/>
+          </a:p>
+          <a:p>
+            <a:r>
+              <a:rPr lang="en-US" dirty="0"/>
+              <a:t>Free 2,000 automation minutes/month (public repository)</a:t>
+            </a:r>
+          </a:p>
+          <a:p>
+            <a:endParaRPr lang="en-US" dirty="0"/>
+          </a:p>
+          <a:p>
+            <a:endParaRPr lang="en-US" dirty="0"/>
+          </a:p>
+          <a:p>
+            <a:r>
+              <a:rPr lang="en-US" dirty="0"/>
               <a:t>Many ready to go workflows</a:t>
             </a:r>
           </a:p>
           <a:p>
-            <a:endParaRPr lang="da-DK" dirty="0"/>
-          </a:p>
-          <a:p>
-            <a:endParaRPr lang="da-DK" dirty="0"/>
+            <a:endParaRPr lang="en-US" dirty="0"/>
+          </a:p>
+          <a:p>
+            <a:endParaRPr lang="en-US" dirty="0"/>
           </a:p>
         </p:txBody>
       </p:sp>
@@ -10446,7 +10463,7 @@
           <a:lstStyle/>
           <a:p>
             <a:r>
-              <a:rPr lang="da-DK" sz="2000" dirty="0"/>
+              <a:rPr lang="en-US" sz="2000" dirty="0"/>
               <a:t>Test combination of</a:t>
             </a:r>
           </a:p>
@@ -10456,7 +10473,7 @@
               <a:buChar char="-"/>
             </a:pPr>
             <a:r>
-              <a:rPr lang="da-DK" sz="2000" dirty="0"/>
+              <a:rPr lang="en-US" sz="2000" dirty="0"/>
               <a:t>Hardware setup</a:t>
             </a:r>
           </a:p>
@@ -10466,7 +10483,7 @@
               <a:buChar char="-"/>
             </a:pPr>
             <a:r>
-              <a:rPr lang="da-DK" sz="2000" dirty="0"/>
+              <a:rPr lang="en-US" sz="2000" dirty="0"/>
               <a:t>Operating system</a:t>
             </a:r>
           </a:p>
@@ -10476,7 +10493,7 @@
               <a:buChar char="-"/>
             </a:pPr>
             <a:r>
-              <a:rPr lang="da-DK" sz="2000" dirty="0"/>
+              <a:rPr lang="en-US" sz="2000" dirty="0"/>
               <a:t>Python version</a:t>
             </a:r>
           </a:p>
@@ -10486,7 +10503,7 @@
               <a:buChar char="-"/>
             </a:pPr>
             <a:r>
-              <a:rPr lang="da-DK" sz="2000" dirty="0"/>
+              <a:rPr lang="en-US" sz="2000" dirty="0"/>
               <a:t>Dependencies</a:t>
             </a:r>
           </a:p>
@@ -10495,20 +10512,33 @@
               <a:buFontTx/>
               <a:buChar char="-"/>
             </a:pPr>
-            <a:endParaRPr lang="da-DK" sz="2000" dirty="0"/>
-          </a:p>
-          <a:p>
-            <a:r>
-              <a:rPr lang="da-DK" sz="2000" dirty="0"/>
-              <a:t>Runs tests, docs, coverage, lintint, package install ect</a:t>
-            </a:r>
+            <a:endParaRPr lang="en-US" sz="2000" dirty="0"/>
+          </a:p>
+          <a:p>
+            <a:r>
+              <a:rPr lang="en-US" sz="2000" dirty="0"/>
+              <a:t>Runs tests, docs, coverage, </a:t>
+            </a:r>
+            <a:r>
+              <a:rPr lang="en-US" sz="2000" dirty="0" err="1"/>
+              <a:t>lintint</a:t>
+            </a:r>
+            <a:r>
+              <a:rPr lang="en-US" sz="2000" dirty="0"/>
+              <a:t>, package install </a:t>
+            </a:r>
+            <a:r>
+              <a:rPr lang="en-US" sz="2000" dirty="0" err="1"/>
+              <a:t>ect</a:t>
+            </a:r>
+            <a:endParaRPr lang="en-US" sz="2000" dirty="0"/>
           </a:p>
           <a:p>
             <a:pPr marL="285750" indent="-285750">
               <a:buFontTx/>
               <a:buChar char="-"/>
             </a:pPr>
-            <a:endParaRPr lang="da-DK" dirty="0"/>
+            <a:endParaRPr lang="en-US" dirty="0"/>
           </a:p>
         </p:txBody>
       </p:sp>
@@ -10669,51 +10699,65 @@
           <a:lstStyle/>
           <a:p>
             <a:r>
-              <a:rPr lang="da-DK" dirty="0"/>
-              <a:t>Software practise</a:t>
-            </a:r>
+              <a:rPr lang="en-US" dirty="0"/>
+              <a:t>Software </a:t>
+            </a:r>
+            <a:r>
+              <a:rPr lang="en-US" dirty="0" err="1"/>
+              <a:t>practise</a:t>
+            </a:r>
+            <a:endParaRPr lang="en-US" dirty="0"/>
           </a:p>
           <a:p>
             <a:pPr lvl="1"/>
-            <a:endParaRPr lang="da-DK" dirty="0"/>
+            <a:endParaRPr lang="en-US" dirty="0"/>
           </a:p>
           <a:p>
             <a:pPr lvl="1"/>
             <a:r>
-              <a:rPr lang="da-DK" dirty="0"/>
-              <a:t>Frequitly commit code to shared reposatory</a:t>
-            </a:r>
+              <a:rPr lang="en-US" dirty="0" err="1"/>
+              <a:t>Frequitly</a:t>
+            </a:r>
+            <a:r>
+              <a:rPr lang="en-US" dirty="0"/>
+              <a:t> commit code to shared </a:t>
+            </a:r>
+            <a:r>
+              <a:rPr lang="en-US" dirty="0" err="1"/>
+              <a:t>reposatory</a:t>
+            </a:r>
+            <a:endParaRPr lang="en-US" dirty="0"/>
           </a:p>
           <a:p>
             <a:pPr lvl="1"/>
-            <a:endParaRPr lang="da-DK" dirty="0"/>
+            <a:endParaRPr lang="en-US" dirty="0"/>
           </a:p>
           <a:p>
             <a:pPr lvl="1"/>
             <a:r>
-              <a:rPr lang="da-DK" dirty="0"/>
+              <a:rPr lang="en-US" dirty="0"/>
               <a:t>By commit sooner than later, errors are captured early</a:t>
             </a:r>
           </a:p>
           <a:p>
             <a:pPr lvl="1"/>
-            <a:endParaRPr lang="da-DK" dirty="0"/>
+            <a:endParaRPr lang="en-US" dirty="0"/>
           </a:p>
           <a:p>
             <a:pPr lvl="1"/>
             <a:r>
-              <a:rPr lang="da-DK" dirty="0"/>
+              <a:rPr lang="en-US" dirty="0"/>
               <a:t>Make merging easier</a:t>
             </a:r>
           </a:p>
           <a:p>
             <a:pPr lvl="1"/>
-            <a:endParaRPr lang="da-DK" dirty="0"/>
+            <a:endParaRPr lang="en-US" dirty="0"/>
           </a:p>
           <a:p>
             <a:pPr lvl="1"/>
             <a:r>
-              <a:rPr lang="da-DK" dirty="0"/>
+              <a:rPr lang="en-US" dirty="0"/>
               <a:t>Automate build + test</a:t>
             </a:r>
           </a:p>
@@ -10721,11 +10765,11 @@
             <a:pPr marL="0" indent="0">
               <a:buNone/>
             </a:pPr>
-            <a:endParaRPr lang="da-DK" dirty="0"/>
-          </a:p>
-          <a:p>
-            <a:r>
-              <a:rPr lang="da-DK" dirty="0"/>
+            <a:endParaRPr lang="en-US" dirty="0"/>
+          </a:p>
+          <a:p>
+            <a:r>
+              <a:rPr lang="en-US" dirty="0"/>
               <a:t>App independent</a:t>
             </a:r>
           </a:p>
@@ -12127,27 +12171,27 @@
           <a:lstStyle/>
           <a:p>
             <a:r>
-              <a:rPr lang="da-DK" dirty="0"/>
+              <a:rPr lang="en-US" dirty="0"/>
               <a:t>How to get your code to the user</a:t>
             </a:r>
           </a:p>
           <a:p>
             <a:pPr lvl="1"/>
-            <a:endParaRPr lang="da-DK" dirty="0"/>
+            <a:endParaRPr lang="en-US" dirty="0"/>
           </a:p>
           <a:p>
             <a:pPr lvl="1"/>
             <a:r>
-              <a:rPr lang="da-DK" dirty="0"/>
+              <a:rPr lang="en-US" dirty="0"/>
               <a:t>3 phases: Testing, staging and deploying</a:t>
             </a:r>
           </a:p>
           <a:p>
-            <a:endParaRPr lang="da-DK" dirty="0"/>
-          </a:p>
-          <a:p>
-            <a:r>
-              <a:rPr lang="da-DK" dirty="0"/>
+            <a:endParaRPr lang="en-US" dirty="0"/>
+          </a:p>
+          <a:p>
+            <a:r>
+              <a:rPr lang="en-US" dirty="0"/>
               <a:t>App dependent</a:t>
             </a:r>
           </a:p>
@@ -12155,14 +12199,14 @@
             <a:pPr marL="0" indent="0">
               <a:buNone/>
             </a:pPr>
-            <a:endParaRPr lang="da-DK" dirty="0"/>
+            <a:endParaRPr lang="en-US" dirty="0"/>
           </a:p>
           <a:p>
             <a:pPr marL="0" indent="0">
               <a:buNone/>
             </a:pPr>
             <a:r>
-              <a:rPr lang="da-DK" dirty="0"/>
+              <a:rPr lang="en-US" dirty="0"/>
               <a:t>Note: Not covered in this course</a:t>
             </a:r>
           </a:p>
@@ -12421,37 +12465,37 @@
           <a:lstStyle/>
           <a:p>
             <a:r>
-              <a:rPr lang="da-DK" dirty="0"/>
+              <a:rPr lang="en-US" dirty="0"/>
               <a:t>CI is one of those topics that are best though as learning-by-doing</a:t>
             </a:r>
           </a:p>
           <a:p>
-            <a:endParaRPr lang="da-DK" dirty="0"/>
-          </a:p>
-          <a:p>
-            <a:r>
-              <a:rPr lang="da-DK" dirty="0"/>
+            <a:endParaRPr lang="en-US" dirty="0"/>
+          </a:p>
+          <a:p>
+            <a:r>
+              <a:rPr lang="en-US" dirty="0"/>
               <a:t>If you understand how to use git, the rest is basically googling stuff</a:t>
             </a:r>
           </a:p>
           <a:p>
-            <a:endParaRPr lang="da-DK" dirty="0"/>
+            <a:endParaRPr lang="en-US" dirty="0"/>
           </a:p>
           <a:p>
             <a:pPr marL="0" indent="0">
               <a:buNone/>
             </a:pPr>
             <a:r>
-              <a:rPr lang="da-DK" dirty="0"/>
-              <a:t>Lets look at a practical axample</a:t>
+              <a:rPr lang="en-US" dirty="0"/>
+              <a:t>Let's look at a practical example</a:t>
             </a:r>
           </a:p>
           <a:p>
             <a:pPr lvl="1"/>
-            <a:endParaRPr lang="da-DK" dirty="0"/>
-          </a:p>
-          <a:p>
-            <a:endParaRPr lang="da-DK" dirty="0"/>
+            <a:endParaRPr lang="en-US" dirty="0"/>
+          </a:p>
+          <a:p>
+            <a:endParaRPr lang="en-US" dirty="0"/>
           </a:p>
         </p:txBody>
       </p:sp>
@@ -12624,9 +12668,14 @@
               <a:buNone/>
             </a:pPr>
             <a:r>
-              <a:rPr lang="da-DK" dirty="0"/>
-              <a:t>All the metric in the world – now in pytorch</a:t>
-            </a:r>
+              <a:rPr lang="en-US" dirty="0"/>
+              <a:t>All the metric in the world – now in </a:t>
+            </a:r>
+            <a:r>
+              <a:rPr lang="en-US" dirty="0" err="1"/>
+              <a:t>pytorch</a:t>
+            </a:r>
+            <a:endParaRPr lang="en-US" dirty="0"/>
           </a:p>
         </p:txBody>
       </p:sp>
@@ -12819,7 +12868,7 @@
           <a:lstStyle/>
           <a:p>
             <a:r>
-              <a:rPr lang="da-DK" dirty="0"/>
+              <a:rPr lang="en-US" dirty="0"/>
               <a:t>Have I seen that guy before?</a:t>
             </a:r>
           </a:p>
@@ -12910,37 +12959,37 @@
           <a:lstStyle/>
           <a:p>
             <a:r>
-              <a:rPr lang="da-DK" dirty="0"/>
+              <a:rPr lang="en-US" dirty="0"/>
               <a:t>Commit frequently</a:t>
             </a:r>
           </a:p>
           <a:p>
-            <a:endParaRPr lang="da-DK" dirty="0"/>
+            <a:endParaRPr lang="en-US" dirty="0"/>
           </a:p>
           <a:p>
             <a:pPr lvl="1"/>
             <a:r>
-              <a:rPr lang="da-DK" dirty="0"/>
+              <a:rPr lang="en-US" dirty="0"/>
               <a:t>Catch errors sooner than later</a:t>
             </a:r>
           </a:p>
           <a:p>
             <a:pPr lvl="1"/>
-            <a:endParaRPr lang="da-DK" dirty="0"/>
+            <a:endParaRPr lang="en-US" dirty="0"/>
           </a:p>
           <a:p>
             <a:pPr lvl="1"/>
             <a:r>
-              <a:rPr lang="da-DK" dirty="0"/>
+              <a:rPr lang="en-US" dirty="0"/>
               <a:t>Merging can be done automatically</a:t>
             </a:r>
           </a:p>
           <a:p>
-            <a:endParaRPr lang="da-DK" dirty="0"/>
+            <a:endParaRPr lang="en-US" dirty="0"/>
           </a:p>
           <a:p>
             <a:pPr lvl="1"/>
-            <a:endParaRPr lang="da-DK" dirty="0"/>
+            <a:endParaRPr lang="en-US" dirty="0"/>
           </a:p>
         </p:txBody>
       </p:sp>
@@ -14032,7 +14081,7 @@
           <a:lstStyle/>
           <a:p>
             <a:r>
-              <a:rPr lang="da-DK" dirty="0"/>
+              <a:rPr lang="en-US" dirty="0"/>
               <a:t>What can be automated: EVERYTHING</a:t>
             </a:r>
           </a:p>
@@ -14077,7 +14126,6 @@
               <a:rPr lang="en-US" dirty="0"/>
               <a:t>Custom checks…</a:t>
             </a:r>
-            <a:endParaRPr lang="da-DK" dirty="0"/>
           </a:p>
           <a:p>
             <a:pPr lvl="1"/>

--- a/04_continues_integration/ci.pptx
+++ b/04_continues_integration/ci.pptx
@@ -2899,7 +2899,7 @@
           <a:p>
             <a:fld id="{D75CAE95-D2DD-4998-876A-092BFD628C65}" type="datetimeFigureOut">
               <a:rPr lang="da-DK" smtClean="0"/>
-              <a:t>28-05-2021</a:t>
+              <a:t>03-06-2021</a:t>
             </a:fld>
             <a:endParaRPr lang="da-DK"/>
           </a:p>
@@ -3077,7 +3077,7 @@
           <a:p>
             <a:fld id="{1DA8E099-58AA-4136-B409-1CAD1943D842}" type="datetimeFigureOut">
               <a:rPr lang="da-DK" smtClean="0"/>
-              <a:t>28-05-2021</a:t>
+              <a:t>03-06-2021</a:t>
             </a:fld>
             <a:endParaRPr lang="da-DK"/>
           </a:p>
@@ -3495,7 +3495,7 @@
           <a:p>
             <a:fld id="{C85334AD-9960-4065-BF34-86ED0345A76D}" type="datetime1">
               <a:rPr lang="en-US" smtClean="0"/>
-              <a:t>5/28/2021</a:t>
+              <a:t>6/3/2021</a:t>
             </a:fld>
             <a:endParaRPr lang="da-DK"/>
           </a:p>
@@ -3734,7 +3734,7 @@
           <a:p>
             <a:fld id="{C5669758-3775-48D7-A841-693E908C3BF4}" type="datetime1">
               <a:rPr lang="en-US" smtClean="0"/>
-              <a:t>5/28/2021</a:t>
+              <a:t>6/3/2021</a:t>
             </a:fld>
             <a:endParaRPr lang="da-DK"/>
           </a:p>
@@ -3947,7 +3947,7 @@
           <a:p>
             <a:fld id="{1E0C3FF1-EDBD-4F2A-8366-34A4E3728310}" type="datetime1">
               <a:rPr lang="en-US" smtClean="0"/>
-              <a:t>5/28/2021</a:t>
+              <a:t>6/3/2021</a:t>
             </a:fld>
             <a:endParaRPr lang="da-DK"/>
           </a:p>
@@ -4168,7 +4168,7 @@
           <a:p>
             <a:fld id="{019E29B9-5584-4737-9C98-1B926378C778}" type="datetime1">
               <a:rPr lang="en-US" smtClean="0"/>
-              <a:t>5/28/2021</a:t>
+              <a:t>6/3/2021</a:t>
             </a:fld>
             <a:endParaRPr lang="da-DK"/>
           </a:p>
@@ -4483,7 +4483,7 @@
           <a:p>
             <a:fld id="{FCE38F03-F67D-4508-A858-99FCD085087C}" type="datetime1">
               <a:rPr lang="en-US" smtClean="0"/>
-              <a:t>5/28/2021</a:t>
+              <a:t>6/3/2021</a:t>
             </a:fld>
             <a:endParaRPr lang="da-DK"/>
           </a:p>
@@ -4754,7 +4754,7 @@
           <a:p>
             <a:fld id="{B43F2930-3FFD-4F93-A4BD-4F0D1A0B4514}" type="datetime1">
               <a:rPr lang="en-US" smtClean="0"/>
-              <a:t>5/28/2021</a:t>
+              <a:t>6/3/2021</a:t>
             </a:fld>
             <a:endParaRPr lang="da-DK"/>
           </a:p>
@@ -5172,7 +5172,7 @@
           <a:p>
             <a:fld id="{8E0F9B9B-30CC-4693-8E0F-1A94A979E2C5}" type="datetime1">
               <a:rPr lang="en-US" smtClean="0"/>
-              <a:t>5/28/2021</a:t>
+              <a:t>6/3/2021</a:t>
             </a:fld>
             <a:endParaRPr lang="da-DK"/>
           </a:p>
@@ -5317,7 +5317,7 @@
           <a:p>
             <a:fld id="{6FE1433B-E6A7-44FF-8B55-539471B4D7C5}" type="datetime1">
               <a:rPr lang="en-US" smtClean="0"/>
-              <a:t>5/28/2021</a:t>
+              <a:t>6/3/2021</a:t>
             </a:fld>
             <a:endParaRPr lang="da-DK"/>
           </a:p>
@@ -5433,7 +5433,7 @@
           <a:p>
             <a:fld id="{624F4001-6A8C-42DA-824F-B5CC1375B861}" type="datetime1">
               <a:rPr lang="en-US" smtClean="0"/>
-              <a:t>5/28/2021</a:t>
+              <a:t>6/3/2021</a:t>
             </a:fld>
             <a:endParaRPr lang="da-DK"/>
           </a:p>
@@ -5749,7 +5749,7 @@
           <a:p>
             <a:fld id="{2D3BE137-2C5E-4078-8BA2-7D42D7E67218}" type="datetime1">
               <a:rPr lang="en-US" smtClean="0"/>
-              <a:t>5/28/2021</a:t>
+              <a:t>6/3/2021</a:t>
             </a:fld>
             <a:endParaRPr lang="da-DK"/>
           </a:p>
@@ -6041,7 +6041,7 @@
           <a:p>
             <a:fld id="{0D1436FF-56D3-4E93-92E8-71121EAB120E}" type="datetime1">
               <a:rPr lang="en-US" smtClean="0"/>
-              <a:t>5/28/2021</a:t>
+              <a:t>6/3/2021</a:t>
             </a:fld>
             <a:endParaRPr lang="da-DK"/>
           </a:p>
@@ -6287,7 +6287,7 @@
           <a:p>
             <a:fld id="{16601EF2-4BCA-4009-ACCF-B97F259DEF6F}" type="datetime1">
               <a:rPr lang="en-US" smtClean="0"/>
-              <a:t>5/28/2021</a:t>
+              <a:t>6/3/2021</a:t>
             </a:fld>
             <a:endParaRPr lang="da-DK"/>
           </a:p>
@@ -6773,7 +6773,7 @@
           <a:p>
             <a:r>
               <a:rPr lang="da-DK" dirty="0"/>
-              <a:t>02457 Machine Learning Operations</a:t>
+              <a:t>Machine Learning Operations</a:t>
             </a:r>
           </a:p>
           <a:p>
@@ -6877,7 +6877,7 @@
           <a:p>
             <a:fld id="{019E29B9-5584-4737-9C98-1B926378C778}" type="datetime1">
               <a:rPr lang="en-US" smtClean="0"/>
-              <a:t>5/28/2021</a:t>
+              <a:t>6/3/2021</a:t>
             </a:fld>
             <a:endParaRPr lang="da-DK"/>
           </a:p>
@@ -7673,7 +7673,7 @@
           <a:p>
             <a:fld id="{019E29B9-5584-4737-9C98-1B926378C778}" type="datetime1">
               <a:rPr lang="en-US" smtClean="0"/>
-              <a:t>5/28/2021</a:t>
+              <a:t>6/3/2021</a:t>
             </a:fld>
             <a:endParaRPr lang="da-DK"/>
           </a:p>
@@ -7878,7 +7878,7 @@
           <a:p>
             <a:fld id="{019E29B9-5584-4737-9C98-1B926378C778}" type="datetime1">
               <a:rPr lang="en-US" smtClean="0"/>
-              <a:t>5/28/2021</a:t>
+              <a:t>6/3/2021</a:t>
             </a:fld>
             <a:endParaRPr lang="da-DK"/>
           </a:p>
@@ -8083,7 +8083,7 @@
           <a:p>
             <a:fld id="{019E29B9-5584-4737-9C98-1B926378C778}" type="datetime1">
               <a:rPr lang="en-US" smtClean="0"/>
-              <a:t>5/28/2021</a:t>
+              <a:t>6/3/2021</a:t>
             </a:fld>
             <a:endParaRPr lang="da-DK"/>
           </a:p>
@@ -8288,7 +8288,7 @@
           <a:p>
             <a:fld id="{019E29B9-5584-4737-9C98-1B926378C778}" type="datetime1">
               <a:rPr lang="en-US" smtClean="0"/>
-              <a:t>5/28/2021</a:t>
+              <a:t>6/3/2021</a:t>
             </a:fld>
             <a:endParaRPr lang="da-DK"/>
           </a:p>
@@ -8544,7 +8544,7 @@
           <a:p>
             <a:fld id="{019E29B9-5584-4737-9C98-1B926378C778}" type="datetime1">
               <a:rPr lang="en-US" smtClean="0"/>
-              <a:t>5/28/2021</a:t>
+              <a:t>6/3/2021</a:t>
             </a:fld>
             <a:endParaRPr lang="da-DK"/>
           </a:p>
@@ -8775,7 +8775,7 @@
           <a:p>
             <a:fld id="{019E29B9-5584-4737-9C98-1B926378C778}" type="datetime1">
               <a:rPr lang="en-US" smtClean="0"/>
-              <a:t>5/28/2021</a:t>
+              <a:t>6/3/2021</a:t>
             </a:fld>
             <a:endParaRPr lang="da-DK"/>
           </a:p>
@@ -8979,7 +8979,7 @@
           <a:p>
             <a:fld id="{019E29B9-5584-4737-9C98-1B926378C778}" type="datetime1">
               <a:rPr lang="en-US" smtClean="0"/>
-              <a:t>5/28/2021</a:t>
+              <a:t>6/3/2021</a:t>
             </a:fld>
             <a:endParaRPr lang="da-DK"/>
           </a:p>
@@ -9682,7 +9682,7 @@
           <a:p>
             <a:fld id="{019E29B9-5584-4737-9C98-1B926378C778}" type="datetime1">
               <a:rPr lang="en-US" smtClean="0"/>
-              <a:t>5/28/2021</a:t>
+              <a:t>6/3/2021</a:t>
             </a:fld>
             <a:endParaRPr lang="da-DK"/>
           </a:p>
@@ -10191,7 +10191,7 @@
           <a:p>
             <a:fld id="{019E29B9-5584-4737-9C98-1B926378C778}" type="datetime1">
               <a:rPr lang="en-US" smtClean="0"/>
-              <a:t>5/28/2021</a:t>
+              <a:t>6/3/2021</a:t>
             </a:fld>
             <a:endParaRPr lang="da-DK"/>
           </a:p>
@@ -10798,7 +10798,7 @@
           <a:p>
             <a:fld id="{019E29B9-5584-4737-9C98-1B926378C778}" type="datetime1">
               <a:rPr lang="en-US" smtClean="0"/>
-              <a:t>5/28/2021</a:t>
+              <a:t>6/3/2021</a:t>
             </a:fld>
             <a:endParaRPr lang="da-DK"/>
           </a:p>
@@ -11054,7 +11054,7 @@
           <a:p>
             <a:fld id="{019E29B9-5584-4737-9C98-1B926378C778}" type="datetime1">
               <a:rPr lang="en-US" smtClean="0"/>
-              <a:t>5/28/2021</a:t>
+              <a:t>6/3/2021</a:t>
             </a:fld>
             <a:endParaRPr lang="da-DK"/>
           </a:p>
@@ -11292,7 +11292,7 @@
           <a:p>
             <a:fld id="{019E29B9-5584-4737-9C98-1B926378C778}" type="datetime1">
               <a:rPr lang="en-US" smtClean="0"/>
-              <a:t>5/28/2021</a:t>
+              <a:t>6/3/2021</a:t>
             </a:fld>
             <a:endParaRPr lang="da-DK"/>
           </a:p>
@@ -11497,7 +11497,7 @@
           <a:p>
             <a:fld id="{019E29B9-5584-4737-9C98-1B926378C778}" type="datetime1">
               <a:rPr lang="en-US" smtClean="0"/>
-              <a:t>5/28/2021</a:t>
+              <a:t>6/3/2021</a:t>
             </a:fld>
             <a:endParaRPr lang="da-DK"/>
           </a:p>
@@ -12026,7 +12026,7 @@
           <a:p>
             <a:fld id="{019E29B9-5584-4737-9C98-1B926378C778}" type="datetime1">
               <a:rPr lang="en-US" smtClean="0"/>
-              <a:t>5/28/2021</a:t>
+              <a:t>6/3/2021</a:t>
             </a:fld>
             <a:endParaRPr lang="da-DK"/>
           </a:p>
@@ -12235,7 +12235,7 @@
           <a:p>
             <a:fld id="{019E29B9-5584-4737-9C98-1B926378C778}" type="datetime1">
               <a:rPr lang="en-US" smtClean="0"/>
-              <a:t>5/28/2021</a:t>
+              <a:t>6/3/2021</a:t>
             </a:fld>
             <a:endParaRPr lang="da-DK"/>
           </a:p>
@@ -12522,7 +12522,7 @@
           <a:p>
             <a:fld id="{019E29B9-5584-4737-9C98-1B926378C778}" type="datetime1">
               <a:rPr lang="en-US" smtClean="0"/>
-              <a:t>5/28/2021</a:t>
+              <a:t>6/3/2021</a:t>
             </a:fld>
             <a:endParaRPr lang="da-DK"/>
           </a:p>
@@ -12702,7 +12702,7 @@
           <a:p>
             <a:fld id="{019E29B9-5584-4737-9C98-1B926378C778}" type="datetime1">
               <a:rPr lang="en-US" smtClean="0"/>
-              <a:t>5/28/2021</a:t>
+              <a:t>6/3/2021</a:t>
             </a:fld>
             <a:endParaRPr lang="da-DK"/>
           </a:p>
@@ -13016,7 +13016,7 @@
           <a:p>
             <a:fld id="{019E29B9-5584-4737-9C98-1B926378C778}" type="datetime1">
               <a:rPr lang="en-US" smtClean="0"/>
-              <a:t>5/28/2021</a:t>
+              <a:t>6/3/2021</a:t>
             </a:fld>
             <a:endParaRPr lang="da-DK"/>
           </a:p>
@@ -13329,7 +13329,7 @@
           <a:p>
             <a:fld id="{019E29B9-5584-4737-9C98-1B926378C778}" type="datetime1">
               <a:rPr lang="en-US" smtClean="0"/>
-              <a:t>5/28/2021</a:t>
+              <a:t>6/3/2021</a:t>
             </a:fld>
             <a:endParaRPr lang="da-DK"/>
           </a:p>
@@ -13544,7 +13544,7 @@
           <a:p>
             <a:fld id="{019E29B9-5584-4737-9C98-1B926378C778}" type="datetime1">
               <a:rPr lang="en-US" smtClean="0"/>
-              <a:t>5/28/2021</a:t>
+              <a:t>6/3/2021</a:t>
             </a:fld>
             <a:endParaRPr lang="da-DK"/>
           </a:p>
@@ -14159,7 +14159,7 @@
           <a:p>
             <a:fld id="{019E29B9-5584-4737-9C98-1B926378C778}" type="datetime1">
               <a:rPr lang="en-US" smtClean="0"/>
-              <a:t>5/28/2021</a:t>
+              <a:t>6/3/2021</a:t>
             </a:fld>
             <a:endParaRPr lang="da-DK"/>
           </a:p>

--- a/04_continues_integration/ci.pptx
+++ b/04_continues_integration/ci.pptx
@@ -5,35 +5,36 @@
     <p:sldMasterId id="2147483648" r:id="rId1"/>
   </p:sldMasterIdLst>
   <p:notesMasterIdLst>
-    <p:notesMasterId r:id="rId25"/>
+    <p:notesMasterId r:id="rId26"/>
   </p:notesMasterIdLst>
   <p:handoutMasterIdLst>
-    <p:handoutMasterId r:id="rId26"/>
+    <p:handoutMasterId r:id="rId27"/>
   </p:handoutMasterIdLst>
   <p:sldIdLst>
     <p:sldId id="256" r:id="rId2"/>
-    <p:sldId id="257" r:id="rId3"/>
-    <p:sldId id="258" r:id="rId4"/>
-    <p:sldId id="276" r:id="rId5"/>
-    <p:sldId id="261" r:id="rId6"/>
-    <p:sldId id="259" r:id="rId7"/>
-    <p:sldId id="271" r:id="rId8"/>
-    <p:sldId id="272" r:id="rId9"/>
-    <p:sldId id="260" r:id="rId10"/>
-    <p:sldId id="262" r:id="rId11"/>
-    <p:sldId id="265" r:id="rId12"/>
-    <p:sldId id="266" r:id="rId13"/>
-    <p:sldId id="268" r:id="rId14"/>
-    <p:sldId id="267" r:id="rId15"/>
-    <p:sldId id="269" r:id="rId16"/>
-    <p:sldId id="277" r:id="rId17"/>
-    <p:sldId id="278" r:id="rId18"/>
-    <p:sldId id="270" r:id="rId19"/>
-    <p:sldId id="274" r:id="rId20"/>
-    <p:sldId id="275" r:id="rId21"/>
-    <p:sldId id="273" r:id="rId22"/>
-    <p:sldId id="263" r:id="rId23"/>
-    <p:sldId id="264" r:id="rId24"/>
+    <p:sldId id="279" r:id="rId3"/>
+    <p:sldId id="257" r:id="rId4"/>
+    <p:sldId id="258" r:id="rId5"/>
+    <p:sldId id="276" r:id="rId6"/>
+    <p:sldId id="261" r:id="rId7"/>
+    <p:sldId id="259" r:id="rId8"/>
+    <p:sldId id="271" r:id="rId9"/>
+    <p:sldId id="272" r:id="rId10"/>
+    <p:sldId id="260" r:id="rId11"/>
+    <p:sldId id="262" r:id="rId12"/>
+    <p:sldId id="265" r:id="rId13"/>
+    <p:sldId id="266" r:id="rId14"/>
+    <p:sldId id="268" r:id="rId15"/>
+    <p:sldId id="267" r:id="rId16"/>
+    <p:sldId id="269" r:id="rId17"/>
+    <p:sldId id="277" r:id="rId18"/>
+    <p:sldId id="278" r:id="rId19"/>
+    <p:sldId id="270" r:id="rId20"/>
+    <p:sldId id="274" r:id="rId21"/>
+    <p:sldId id="275" r:id="rId22"/>
+    <p:sldId id="273" r:id="rId23"/>
+    <p:sldId id="263" r:id="rId24"/>
+    <p:sldId id="264" r:id="rId25"/>
   </p:sldIdLst>
   <p:sldSz cx="12192000" cy="6858000"/>
   <p:notesSz cx="6858000" cy="9144000"/>
@@ -2899,7 +2900,7 @@
           <a:p>
             <a:fld id="{D75CAE95-D2DD-4998-876A-092BFD628C65}" type="datetimeFigureOut">
               <a:rPr lang="da-DK" smtClean="0"/>
-              <a:t>03-06-2021</a:t>
+              <a:t>09-06-2021</a:t>
             </a:fld>
             <a:endParaRPr lang="da-DK"/>
           </a:p>
@@ -3077,7 +3078,7 @@
           <a:p>
             <a:fld id="{1DA8E099-58AA-4136-B409-1CAD1943D842}" type="datetimeFigureOut">
               <a:rPr lang="da-DK" smtClean="0"/>
-              <a:t>03-06-2021</a:t>
+              <a:t>09-06-2021</a:t>
             </a:fld>
             <a:endParaRPr lang="da-DK"/>
           </a:p>
@@ -3495,7 +3496,7 @@
           <a:p>
             <a:fld id="{C85334AD-9960-4065-BF34-86ED0345A76D}" type="datetime1">
               <a:rPr lang="en-US" smtClean="0"/>
-              <a:t>6/3/2021</a:t>
+              <a:t>6/9/2021</a:t>
             </a:fld>
             <a:endParaRPr lang="da-DK"/>
           </a:p>
@@ -3734,7 +3735,7 @@
           <a:p>
             <a:fld id="{C5669758-3775-48D7-A841-693E908C3BF4}" type="datetime1">
               <a:rPr lang="en-US" smtClean="0"/>
-              <a:t>6/3/2021</a:t>
+              <a:t>6/9/2021</a:t>
             </a:fld>
             <a:endParaRPr lang="da-DK"/>
           </a:p>
@@ -3947,7 +3948,7 @@
           <a:p>
             <a:fld id="{1E0C3FF1-EDBD-4F2A-8366-34A4E3728310}" type="datetime1">
               <a:rPr lang="en-US" smtClean="0"/>
-              <a:t>6/3/2021</a:t>
+              <a:t>6/9/2021</a:t>
             </a:fld>
             <a:endParaRPr lang="da-DK"/>
           </a:p>
@@ -4168,7 +4169,7 @@
           <a:p>
             <a:fld id="{019E29B9-5584-4737-9C98-1B926378C778}" type="datetime1">
               <a:rPr lang="en-US" smtClean="0"/>
-              <a:t>6/3/2021</a:t>
+              <a:t>6/9/2021</a:t>
             </a:fld>
             <a:endParaRPr lang="da-DK"/>
           </a:p>
@@ -4483,7 +4484,7 @@
           <a:p>
             <a:fld id="{FCE38F03-F67D-4508-A858-99FCD085087C}" type="datetime1">
               <a:rPr lang="en-US" smtClean="0"/>
-              <a:t>6/3/2021</a:t>
+              <a:t>6/9/2021</a:t>
             </a:fld>
             <a:endParaRPr lang="da-DK"/>
           </a:p>
@@ -4754,7 +4755,7 @@
           <a:p>
             <a:fld id="{B43F2930-3FFD-4F93-A4BD-4F0D1A0B4514}" type="datetime1">
               <a:rPr lang="en-US" smtClean="0"/>
-              <a:t>6/3/2021</a:t>
+              <a:t>6/9/2021</a:t>
             </a:fld>
             <a:endParaRPr lang="da-DK"/>
           </a:p>
@@ -5172,7 +5173,7 @@
           <a:p>
             <a:fld id="{8E0F9B9B-30CC-4693-8E0F-1A94A979E2C5}" type="datetime1">
               <a:rPr lang="en-US" smtClean="0"/>
-              <a:t>6/3/2021</a:t>
+              <a:t>6/9/2021</a:t>
             </a:fld>
             <a:endParaRPr lang="da-DK"/>
           </a:p>
@@ -5317,7 +5318,7 @@
           <a:p>
             <a:fld id="{6FE1433B-E6A7-44FF-8B55-539471B4D7C5}" type="datetime1">
               <a:rPr lang="en-US" smtClean="0"/>
-              <a:t>6/3/2021</a:t>
+              <a:t>6/9/2021</a:t>
             </a:fld>
             <a:endParaRPr lang="da-DK"/>
           </a:p>
@@ -5433,7 +5434,7 @@
           <a:p>
             <a:fld id="{624F4001-6A8C-42DA-824F-B5CC1375B861}" type="datetime1">
               <a:rPr lang="en-US" smtClean="0"/>
-              <a:t>6/3/2021</a:t>
+              <a:t>6/9/2021</a:t>
             </a:fld>
             <a:endParaRPr lang="da-DK"/>
           </a:p>
@@ -5749,7 +5750,7 @@
           <a:p>
             <a:fld id="{2D3BE137-2C5E-4078-8BA2-7D42D7E67218}" type="datetime1">
               <a:rPr lang="en-US" smtClean="0"/>
-              <a:t>6/3/2021</a:t>
+              <a:t>6/9/2021</a:t>
             </a:fld>
             <a:endParaRPr lang="da-DK"/>
           </a:p>
@@ -6041,7 +6042,7 @@
           <a:p>
             <a:fld id="{0D1436FF-56D3-4E93-92E8-71121EAB120E}" type="datetime1">
               <a:rPr lang="en-US" smtClean="0"/>
-              <a:t>6/3/2021</a:t>
+              <a:t>6/9/2021</a:t>
             </a:fld>
             <a:endParaRPr lang="da-DK"/>
           </a:p>
@@ -6287,7 +6288,7 @@
           <a:p>
             <a:fld id="{16601EF2-4BCA-4009-ACCF-B97F259DEF6F}" type="datetime1">
               <a:rPr lang="en-US" smtClean="0"/>
-              <a:t>6/3/2021</a:t>
+              <a:t>6/9/2021</a:t>
             </a:fld>
             <a:endParaRPr lang="da-DK"/>
           </a:p>
@@ -6831,7 +6832,7 @@
           <p:cNvPr id="2" name="Title 1">
             <a:extLst>
               <a:ext uri="{FF2B5EF4-FFF2-40B4-BE49-F238E27FC236}">
-                <a16:creationId xmlns:a16="http://schemas.microsoft.com/office/drawing/2014/main" id="{42BD83D9-ACD6-40F8-94DA-694874182CBA}"/>
+                <a16:creationId xmlns:a16="http://schemas.microsoft.com/office/drawing/2014/main" id="{F30CAB80-0536-4C1F-B6CE-EC85D3C8B753}"/>
               </a:ext>
             </a:extLst>
           </p:cNvPr>
@@ -6849,8 +6850,85 @@
           <a:p>
             <a:r>
               <a:rPr lang="da-DK" dirty="0"/>
-              <a:t>A small casestudy</a:t>
-            </a:r>
+              <a:t>CI step 2: Automating stuff</a:t>
+            </a:r>
+          </a:p>
+        </p:txBody>
+      </p:sp>
+      <p:sp>
+        <p:nvSpPr>
+          <p:cNvPr id="3" name="Content Placeholder 2">
+            <a:extLst>
+              <a:ext uri="{FF2B5EF4-FFF2-40B4-BE49-F238E27FC236}">
+                <a16:creationId xmlns:a16="http://schemas.microsoft.com/office/drawing/2014/main" id="{8C1E39EE-762B-47D7-995F-8880FB5E5C6C}"/>
+              </a:ext>
+            </a:extLst>
+          </p:cNvPr>
+          <p:cNvSpPr>
+            <a:spLocks noGrp="1"/>
+          </p:cNvSpPr>
+          <p:nvPr>
+            <p:ph idx="1"/>
+          </p:nvPr>
+        </p:nvSpPr>
+        <p:spPr/>
+        <p:txBody>
+          <a:bodyPr/>
+          <a:lstStyle/>
+          <a:p>
+            <a:r>
+              <a:rPr lang="en-US" dirty="0"/>
+              <a:t>What can be automated: EVERYTHING</a:t>
+            </a:r>
+          </a:p>
+          <a:p>
+            <a:pPr lvl="1"/>
+            <a:r>
+              <a:rPr lang="en-US" dirty="0"/>
+              <a:t>Functional tests</a:t>
+            </a:r>
+          </a:p>
+          <a:p>
+            <a:pPr lvl="1"/>
+            <a:r>
+              <a:rPr lang="en-US" dirty="0"/>
+              <a:t>Documentation creation</a:t>
+            </a:r>
+          </a:p>
+          <a:p>
+            <a:pPr lvl="1"/>
+            <a:r>
+              <a:rPr lang="en-US" dirty="0"/>
+              <a:t>Linters (which check style formatting)</a:t>
+            </a:r>
+          </a:p>
+          <a:p>
+            <a:pPr lvl="1"/>
+            <a:r>
+              <a:rPr lang="en-US" dirty="0"/>
+              <a:t>Security checks</a:t>
+            </a:r>
+          </a:p>
+          <a:p>
+            <a:pPr lvl="1"/>
+            <a:r>
+              <a:rPr lang="en-US" dirty="0"/>
+              <a:t>Code coverage</a:t>
+            </a:r>
+          </a:p>
+          <a:p>
+            <a:pPr lvl="1"/>
+            <a:r>
+              <a:rPr lang="en-US" dirty="0"/>
+              <a:t>Custom checks…</a:t>
+            </a:r>
+          </a:p>
+          <a:p>
+            <a:pPr lvl="1"/>
+            <a:endParaRPr lang="da-DK" dirty="0"/>
+          </a:p>
+          <a:p>
+            <a:endParaRPr lang="da-DK" dirty="0"/>
           </a:p>
         </p:txBody>
       </p:sp>
@@ -6859,7 +6937,7 @@
           <p:cNvPr id="4" name="Date Placeholder 3">
             <a:extLst>
               <a:ext uri="{FF2B5EF4-FFF2-40B4-BE49-F238E27FC236}">
-                <a16:creationId xmlns:a16="http://schemas.microsoft.com/office/drawing/2014/main" id="{4EFC4E96-D115-40E0-9B32-3B93EE25DBB3}"/>
+                <a16:creationId xmlns:a16="http://schemas.microsoft.com/office/drawing/2014/main" id="{F64724E3-9AC5-4EBD-B3E0-26B5C8052611}"/>
               </a:ext>
             </a:extLst>
           </p:cNvPr>
@@ -6877,7 +6955,7 @@
           <a:p>
             <a:fld id="{019E29B9-5584-4737-9C98-1B926378C778}" type="datetime1">
               <a:rPr lang="en-US" smtClean="0"/>
-              <a:t>6/3/2021</a:t>
+              <a:t>6/9/2021</a:t>
             </a:fld>
             <a:endParaRPr lang="da-DK"/>
           </a:p>
@@ -6888,7 +6966,7 @@
           <p:cNvPr id="5" name="Footer Placeholder 4">
             <a:extLst>
               <a:ext uri="{FF2B5EF4-FFF2-40B4-BE49-F238E27FC236}">
-                <a16:creationId xmlns:a16="http://schemas.microsoft.com/office/drawing/2014/main" id="{28C103F0-AAA6-4EC7-B82A-B7D82AABC470}"/>
+                <a16:creationId xmlns:a16="http://schemas.microsoft.com/office/drawing/2014/main" id="{EDA475A1-DBB7-4C99-9A57-A337E5DF7DB6}"/>
               </a:ext>
             </a:extLst>
           </p:cNvPr>
@@ -6916,7 +6994,7 @@
           <p:cNvPr id="6" name="Slide Number Placeholder 5">
             <a:extLst>
               <a:ext uri="{FF2B5EF4-FFF2-40B4-BE49-F238E27FC236}">
-                <a16:creationId xmlns:a16="http://schemas.microsoft.com/office/drawing/2014/main" id="{BA8F9E9A-B2F5-47B1-BD79-92AE09DBCCC7}"/>
+                <a16:creationId xmlns:a16="http://schemas.microsoft.com/office/drawing/2014/main" id="{BF2D4B10-61C4-4362-AFF0-40489FFBEC9F}"/>
               </a:ext>
             </a:extLst>
           </p:cNvPr>
@@ -6935,6 +7013,150 @@
             <a:fld id="{F6FEDE24-D50C-481B-A7B4-8AF13899101A}" type="slidenum">
               <a:rPr lang="da-DK" smtClean="0"/>
               <a:t>10</a:t>
+            </a:fld>
+            <a:endParaRPr lang="da-DK"/>
+          </a:p>
+        </p:txBody>
+      </p:sp>
+    </p:spTree>
+    <p:extLst>
+      <p:ext uri="{BB962C8B-B14F-4D97-AF65-F5344CB8AC3E}">
+        <p14:creationId xmlns:p14="http://schemas.microsoft.com/office/powerpoint/2010/main" val="1371277988"/>
+      </p:ext>
+    </p:extLst>
+  </p:cSld>
+  <p:clrMapOvr>
+    <a:masterClrMapping/>
+  </p:clrMapOvr>
+</p:sld>
+</file>
+
+<file path=ppt/slides/slide11.xml><?xml version="1.0" encoding="utf-8"?>
+<p:sld xmlns:a="http://schemas.openxmlformats.org/drawingml/2006/main" xmlns:r="http://schemas.openxmlformats.org/officeDocument/2006/relationships" xmlns:p="http://schemas.openxmlformats.org/presentationml/2006/main">
+  <p:cSld>
+    <p:spTree>
+      <p:nvGrpSpPr>
+        <p:cNvPr id="1" name=""/>
+        <p:cNvGrpSpPr/>
+        <p:nvPr/>
+      </p:nvGrpSpPr>
+      <p:grpSpPr>
+        <a:xfrm>
+          <a:off x="0" y="0"/>
+          <a:ext cx="0" cy="0"/>
+          <a:chOff x="0" y="0"/>
+          <a:chExt cx="0" cy="0"/>
+        </a:xfrm>
+      </p:grpSpPr>
+      <p:sp>
+        <p:nvSpPr>
+          <p:cNvPr id="2" name="Title 1">
+            <a:extLst>
+              <a:ext uri="{FF2B5EF4-FFF2-40B4-BE49-F238E27FC236}">
+                <a16:creationId xmlns:a16="http://schemas.microsoft.com/office/drawing/2014/main" id="{42BD83D9-ACD6-40F8-94DA-694874182CBA}"/>
+              </a:ext>
+            </a:extLst>
+          </p:cNvPr>
+          <p:cNvSpPr>
+            <a:spLocks noGrp="1"/>
+          </p:cNvSpPr>
+          <p:nvPr>
+            <p:ph type="title"/>
+          </p:nvPr>
+        </p:nvSpPr>
+        <p:spPr/>
+        <p:txBody>
+          <a:bodyPr/>
+          <a:lstStyle/>
+          <a:p>
+            <a:r>
+              <a:rPr lang="da-DK" dirty="0"/>
+              <a:t>A small casestudy</a:t>
+            </a:r>
+          </a:p>
+        </p:txBody>
+      </p:sp>
+      <p:sp>
+        <p:nvSpPr>
+          <p:cNvPr id="4" name="Date Placeholder 3">
+            <a:extLst>
+              <a:ext uri="{FF2B5EF4-FFF2-40B4-BE49-F238E27FC236}">
+                <a16:creationId xmlns:a16="http://schemas.microsoft.com/office/drawing/2014/main" id="{4EFC4E96-D115-40E0-9B32-3B93EE25DBB3}"/>
+              </a:ext>
+            </a:extLst>
+          </p:cNvPr>
+          <p:cNvSpPr>
+            <a:spLocks noGrp="1"/>
+          </p:cNvSpPr>
+          <p:nvPr>
+            <p:ph type="dt" sz="half" idx="10"/>
+          </p:nvPr>
+        </p:nvSpPr>
+        <p:spPr/>
+        <p:txBody>
+          <a:bodyPr/>
+          <a:lstStyle/>
+          <a:p>
+            <a:fld id="{019E29B9-5584-4737-9C98-1B926378C778}" type="datetime1">
+              <a:rPr lang="en-US" smtClean="0"/>
+              <a:t>6/9/2021</a:t>
+            </a:fld>
+            <a:endParaRPr lang="da-DK"/>
+          </a:p>
+        </p:txBody>
+      </p:sp>
+      <p:sp>
+        <p:nvSpPr>
+          <p:cNvPr id="5" name="Footer Placeholder 4">
+            <a:extLst>
+              <a:ext uri="{FF2B5EF4-FFF2-40B4-BE49-F238E27FC236}">
+                <a16:creationId xmlns:a16="http://schemas.microsoft.com/office/drawing/2014/main" id="{28C103F0-AAA6-4EC7-B82A-B7D82AABC470}"/>
+              </a:ext>
+            </a:extLst>
+          </p:cNvPr>
+          <p:cNvSpPr>
+            <a:spLocks noGrp="1"/>
+          </p:cNvSpPr>
+          <p:nvPr>
+            <p:ph type="ftr" sz="quarter" idx="11"/>
+          </p:nvPr>
+        </p:nvSpPr>
+        <p:spPr/>
+        <p:txBody>
+          <a:bodyPr/>
+          <a:lstStyle/>
+          <a:p>
+            <a:r>
+              <a:rPr lang="da-DK"/>
+              <a:t>Nicki Skafte Detlefsen</a:t>
+            </a:r>
+          </a:p>
+        </p:txBody>
+      </p:sp>
+      <p:sp>
+        <p:nvSpPr>
+          <p:cNvPr id="6" name="Slide Number Placeholder 5">
+            <a:extLst>
+              <a:ext uri="{FF2B5EF4-FFF2-40B4-BE49-F238E27FC236}">
+                <a16:creationId xmlns:a16="http://schemas.microsoft.com/office/drawing/2014/main" id="{BA8F9E9A-B2F5-47B1-BD79-92AE09DBCCC7}"/>
+              </a:ext>
+            </a:extLst>
+          </p:cNvPr>
+          <p:cNvSpPr>
+            <a:spLocks noGrp="1"/>
+          </p:cNvSpPr>
+          <p:nvPr>
+            <p:ph type="sldNum" sz="quarter" idx="12"/>
+          </p:nvPr>
+        </p:nvSpPr>
+        <p:spPr/>
+        <p:txBody>
+          <a:bodyPr/>
+          <a:lstStyle/>
+          <a:p>
+            <a:fld id="{F6FEDE24-D50C-481B-A7B4-8AF13899101A}" type="slidenum">
+              <a:rPr lang="da-DK" smtClean="0"/>
+              <a:t>11</a:t>
             </a:fld>
             <a:endParaRPr lang="da-DK"/>
           </a:p>
@@ -7580,7 +7802,7 @@
 </p:sld>
 </file>
 
-<file path=ppt/slides/slide11.xml><?xml version="1.0" encoding="utf-8"?>
+<file path=ppt/slides/slide12.xml><?xml version="1.0" encoding="utf-8"?>
 <p:sld xmlns:a="http://schemas.openxmlformats.org/drawingml/2006/main" xmlns:r="http://schemas.openxmlformats.org/officeDocument/2006/relationships" xmlns:p="http://schemas.openxmlformats.org/presentationml/2006/main">
   <p:cSld>
     <p:spTree>
@@ -7673,7 +7895,7 @@
           <a:p>
             <a:fld id="{019E29B9-5584-4737-9C98-1B926378C778}" type="datetime1">
               <a:rPr lang="en-US" smtClean="0"/>
-              <a:t>6/3/2021</a:t>
+              <a:t>6/9/2021</a:t>
             </a:fld>
             <a:endParaRPr lang="da-DK"/>
           </a:p>
@@ -7730,7 +7952,7 @@
           <a:p>
             <a:fld id="{F6FEDE24-D50C-481B-A7B4-8AF13899101A}" type="slidenum">
               <a:rPr lang="da-DK" smtClean="0"/>
-              <a:t>11</a:t>
+              <a:t>12</a:t>
             </a:fld>
             <a:endParaRPr lang="da-DK"/>
           </a:p>
@@ -7779,7 +8001,7 @@
 </p:sld>
 </file>
 
-<file path=ppt/slides/slide12.xml><?xml version="1.0" encoding="utf-8"?>
+<file path=ppt/slides/slide13.xml><?xml version="1.0" encoding="utf-8"?>
 <p:sld xmlns:a="http://schemas.openxmlformats.org/drawingml/2006/main" xmlns:r="http://schemas.openxmlformats.org/officeDocument/2006/relationships" xmlns:p="http://schemas.openxmlformats.org/presentationml/2006/main">
   <p:cSld>
     <p:spTree>
@@ -7878,7 +8100,7 @@
           <a:p>
             <a:fld id="{019E29B9-5584-4737-9C98-1B926378C778}" type="datetime1">
               <a:rPr lang="en-US" smtClean="0"/>
-              <a:t>6/3/2021</a:t>
+              <a:t>6/9/2021</a:t>
             </a:fld>
             <a:endParaRPr lang="da-DK"/>
           </a:p>
@@ -7935,7 +8157,7 @@
           <a:p>
             <a:fld id="{F6FEDE24-D50C-481B-A7B4-8AF13899101A}" type="slidenum">
               <a:rPr lang="da-DK" smtClean="0"/>
-              <a:t>12</a:t>
+              <a:t>13</a:t>
             </a:fld>
             <a:endParaRPr lang="da-DK"/>
           </a:p>
@@ -7984,7 +8206,7 @@
 </p:sld>
 </file>
 
-<file path=ppt/slides/slide13.xml><?xml version="1.0" encoding="utf-8"?>
+<file path=ppt/slides/slide14.xml><?xml version="1.0" encoding="utf-8"?>
 <p:sld xmlns:a="http://schemas.openxmlformats.org/drawingml/2006/main" xmlns:r="http://schemas.openxmlformats.org/officeDocument/2006/relationships" xmlns:p="http://schemas.openxmlformats.org/presentationml/2006/main">
   <p:cSld>
     <p:spTree>
@@ -8083,7 +8305,7 @@
           <a:p>
             <a:fld id="{019E29B9-5584-4737-9C98-1B926378C778}" type="datetime1">
               <a:rPr lang="en-US" smtClean="0"/>
-              <a:t>6/3/2021</a:t>
+              <a:t>6/9/2021</a:t>
             </a:fld>
             <a:endParaRPr lang="da-DK"/>
           </a:p>
@@ -8140,7 +8362,7 @@
           <a:p>
             <a:fld id="{F6FEDE24-D50C-481B-A7B4-8AF13899101A}" type="slidenum">
               <a:rPr lang="da-DK" smtClean="0"/>
-              <a:t>13</a:t>
+              <a:t>14</a:t>
             </a:fld>
             <a:endParaRPr lang="da-DK"/>
           </a:p>
@@ -8189,7 +8411,7 @@
 </p:sld>
 </file>
 
-<file path=ppt/slides/slide14.xml><?xml version="1.0" encoding="utf-8"?>
+<file path=ppt/slides/slide15.xml><?xml version="1.0" encoding="utf-8"?>
 <p:sld xmlns:a="http://schemas.openxmlformats.org/drawingml/2006/main" xmlns:r="http://schemas.openxmlformats.org/officeDocument/2006/relationships" xmlns:p="http://schemas.openxmlformats.org/presentationml/2006/main">
   <p:cSld>
     <p:spTree>
@@ -8288,7 +8510,7 @@
           <a:p>
             <a:fld id="{019E29B9-5584-4737-9C98-1B926378C778}" type="datetime1">
               <a:rPr lang="en-US" smtClean="0"/>
-              <a:t>6/3/2021</a:t>
+              <a:t>6/9/2021</a:t>
             </a:fld>
             <a:endParaRPr lang="da-DK"/>
           </a:p>
@@ -8345,7 +8567,7 @@
           <a:p>
             <a:fld id="{F6FEDE24-D50C-481B-A7B4-8AF13899101A}" type="slidenum">
               <a:rPr lang="da-DK" smtClean="0"/>
-              <a:t>14</a:t>
+              <a:t>15</a:t>
             </a:fld>
             <a:endParaRPr lang="da-DK"/>
           </a:p>
@@ -8394,7 +8616,7 @@
 </p:sld>
 </file>
 
-<file path=ppt/slides/slide15.xml><?xml version="1.0" encoding="utf-8"?>
+<file path=ppt/slides/slide16.xml><?xml version="1.0" encoding="utf-8"?>
 <p:sld xmlns:a="http://schemas.openxmlformats.org/drawingml/2006/main" xmlns:r="http://schemas.openxmlformats.org/officeDocument/2006/relationships" xmlns:p="http://schemas.openxmlformats.org/presentationml/2006/main">
   <p:cSld>
     <p:spTree>
@@ -8544,7 +8766,7 @@
           <a:p>
             <a:fld id="{019E29B9-5584-4737-9C98-1B926378C778}" type="datetime1">
               <a:rPr lang="en-US" smtClean="0"/>
-              <a:t>6/3/2021</a:t>
+              <a:t>6/9/2021</a:t>
             </a:fld>
             <a:endParaRPr lang="da-DK"/>
           </a:p>
@@ -8601,7 +8823,7 @@
           <a:p>
             <a:fld id="{F6FEDE24-D50C-481B-A7B4-8AF13899101A}" type="slidenum">
               <a:rPr lang="da-DK" smtClean="0"/>
-              <a:t>15</a:t>
+              <a:t>16</a:t>
             </a:fld>
             <a:endParaRPr lang="da-DK"/>
           </a:p>
@@ -8650,7 +8872,7 @@
 </p:sld>
 </file>
 
-<file path=ppt/slides/slide16.xml><?xml version="1.0" encoding="utf-8"?>
+<file path=ppt/slides/slide17.xml><?xml version="1.0" encoding="utf-8"?>
 <p:sld xmlns:a="http://schemas.openxmlformats.org/drawingml/2006/main" xmlns:r="http://schemas.openxmlformats.org/officeDocument/2006/relationships" xmlns:p="http://schemas.openxmlformats.org/presentationml/2006/main">
   <p:cSld>
     <p:spTree>
@@ -8775,7 +8997,7 @@
           <a:p>
             <a:fld id="{019E29B9-5584-4737-9C98-1B926378C778}" type="datetime1">
               <a:rPr lang="en-US" smtClean="0"/>
-              <a:t>6/3/2021</a:t>
+              <a:t>6/9/2021</a:t>
             </a:fld>
             <a:endParaRPr lang="da-DK"/>
           </a:p>
@@ -8832,7 +9054,7 @@
           <a:p>
             <a:fld id="{F6FEDE24-D50C-481B-A7B4-8AF13899101A}" type="slidenum">
               <a:rPr lang="da-DK" smtClean="0"/>
-              <a:t>16</a:t>
+              <a:t>17</a:t>
             </a:fld>
             <a:endParaRPr lang="da-DK"/>
           </a:p>
@@ -8911,7 +9133,7 @@
 </p:sld>
 </file>
 
-<file path=ppt/slides/slide17.xml><?xml version="1.0" encoding="utf-8"?>
+<file path=ppt/slides/slide18.xml><?xml version="1.0" encoding="utf-8"?>
 <p:sld xmlns:a="http://schemas.openxmlformats.org/drawingml/2006/main" xmlns:r="http://schemas.openxmlformats.org/officeDocument/2006/relationships" xmlns:p="http://schemas.openxmlformats.org/presentationml/2006/main">
   <p:cSld>
     <p:spTree>
@@ -8979,7 +9201,7 @@
           <a:p>
             <a:fld id="{019E29B9-5584-4737-9C98-1B926378C778}" type="datetime1">
               <a:rPr lang="en-US" smtClean="0"/>
-              <a:t>6/3/2021</a:t>
+              <a:t>6/9/2021</a:t>
             </a:fld>
             <a:endParaRPr lang="da-DK"/>
           </a:p>
@@ -9036,7 +9258,7 @@
           <a:p>
             <a:fld id="{F6FEDE24-D50C-481B-A7B4-8AF13899101A}" type="slidenum">
               <a:rPr lang="da-DK" smtClean="0"/>
-              <a:t>17</a:t>
+              <a:t>18</a:t>
             </a:fld>
             <a:endParaRPr lang="da-DK"/>
           </a:p>
@@ -9589,7 +9811,7 @@
 </p:sld>
 </file>
 
-<file path=ppt/slides/slide18.xml><?xml version="1.0" encoding="utf-8"?>
+<file path=ppt/slides/slide19.xml><?xml version="1.0" encoding="utf-8"?>
 <p:sld xmlns:a="http://schemas.openxmlformats.org/drawingml/2006/main" xmlns:r="http://schemas.openxmlformats.org/officeDocument/2006/relationships" xmlns:p="http://schemas.openxmlformats.org/presentationml/2006/main">
   <p:cSld>
     <p:spTree>
@@ -9682,7 +9904,7 @@
           <a:p>
             <a:fld id="{019E29B9-5584-4737-9C98-1B926378C778}" type="datetime1">
               <a:rPr lang="en-US" smtClean="0"/>
-              <a:t>6/3/2021</a:t>
+              <a:t>6/9/2021</a:t>
             </a:fld>
             <a:endParaRPr lang="da-DK"/>
           </a:p>
@@ -9739,7 +9961,7 @@
           <a:p>
             <a:fld id="{F6FEDE24-D50C-481B-A7B4-8AF13899101A}" type="slidenum">
               <a:rPr lang="da-DK" smtClean="0"/>
-              <a:t>18</a:t>
+              <a:t>19</a:t>
             </a:fld>
             <a:endParaRPr lang="da-DK"/>
           </a:p>
@@ -10098,7 +10320,7 @@
 </p:sld>
 </file>
 
-<file path=ppt/slides/slide19.xml><?xml version="1.0" encoding="utf-8"?>
+<file path=ppt/slides/slide2.xml><?xml version="1.0" encoding="utf-8"?>
 <p:sld xmlns:a="http://schemas.openxmlformats.org/drawingml/2006/main" xmlns:r="http://schemas.openxmlformats.org/officeDocument/2006/relationships" xmlns:p="http://schemas.openxmlformats.org/presentationml/2006/main">
   <p:cSld>
     <p:spTree>
@@ -10120,6 +10342,185 @@
           <p:cNvPr id="2" name="Title 1">
             <a:extLst>
               <a:ext uri="{FF2B5EF4-FFF2-40B4-BE49-F238E27FC236}">
+                <a16:creationId xmlns:a16="http://schemas.microsoft.com/office/drawing/2014/main" id="{2351EF07-4954-49E6-971B-0DEA9C3381C6}"/>
+              </a:ext>
+            </a:extLst>
+          </p:cNvPr>
+          <p:cNvSpPr>
+            <a:spLocks noGrp="1"/>
+          </p:cNvSpPr>
+          <p:nvPr>
+            <p:ph type="title"/>
+          </p:nvPr>
+        </p:nvSpPr>
+        <p:spPr/>
+        <p:txBody>
+          <a:bodyPr/>
+          <a:lstStyle/>
+          <a:p>
+            <a:r>
+              <a:rPr lang="da-DK" dirty="0"/>
+              <a:t>Why you should care about todays exercises</a:t>
+            </a:r>
+            <a:endParaRPr lang="en-US" dirty="0"/>
+          </a:p>
+        </p:txBody>
+      </p:sp>
+      <p:pic>
+        <p:nvPicPr>
+          <p:cNvPr id="8" name="Content Placeholder 7" descr="A picture containing text, screen, screenshot&#10;&#10;Description automatically generated">
+            <a:extLst>
+              <a:ext uri="{FF2B5EF4-FFF2-40B4-BE49-F238E27FC236}">
+                <a16:creationId xmlns:a16="http://schemas.microsoft.com/office/drawing/2014/main" id="{31D7E90D-1B29-489D-AD25-B9EF62B7DA1A}"/>
+              </a:ext>
+            </a:extLst>
+          </p:cNvPr>
+          <p:cNvPicPr>
+            <a:picLocks noGrp="1" noChangeAspect="1"/>
+          </p:cNvPicPr>
+          <p:nvPr>
+            <p:ph idx="1"/>
+          </p:nvPr>
+        </p:nvPicPr>
+        <p:blipFill rotWithShape="1">
+          <a:blip r:embed="rId2">
+            <a:extLst>
+              <a:ext uri="{28A0092B-C50C-407E-A947-70E740481C1C}">
+                <a14:useLocalDpi xmlns:a14="http://schemas.microsoft.com/office/drawing/2010/main" val="0"/>
+              </a:ext>
+            </a:extLst>
+          </a:blip>
+          <a:srcRect b="9840"/>
+          <a:stretch/>
+        </p:blipFill>
+        <p:spPr>
+          <a:xfrm>
+            <a:off x="3164210" y="616178"/>
+            <a:ext cx="6102338" cy="6018990"/>
+          </a:xfrm>
+        </p:spPr>
+      </p:pic>
+      <p:sp>
+        <p:nvSpPr>
+          <p:cNvPr id="4" name="Date Placeholder 3">
+            <a:extLst>
+              <a:ext uri="{FF2B5EF4-FFF2-40B4-BE49-F238E27FC236}">
+                <a16:creationId xmlns:a16="http://schemas.microsoft.com/office/drawing/2014/main" id="{24D2BB9F-C816-4BFE-A590-B7E3A53B80B1}"/>
+              </a:ext>
+            </a:extLst>
+          </p:cNvPr>
+          <p:cNvSpPr>
+            <a:spLocks noGrp="1"/>
+          </p:cNvSpPr>
+          <p:nvPr>
+            <p:ph type="dt" sz="half" idx="10"/>
+          </p:nvPr>
+        </p:nvSpPr>
+        <p:spPr/>
+        <p:txBody>
+          <a:bodyPr/>
+          <a:lstStyle/>
+          <a:p>
+            <a:fld id="{019E29B9-5584-4737-9C98-1B926378C778}" type="datetime1">
+              <a:rPr lang="en-US" smtClean="0"/>
+              <a:t>6/9/2021</a:t>
+            </a:fld>
+            <a:endParaRPr lang="da-DK"/>
+          </a:p>
+        </p:txBody>
+      </p:sp>
+      <p:sp>
+        <p:nvSpPr>
+          <p:cNvPr id="5" name="Footer Placeholder 4">
+            <a:extLst>
+              <a:ext uri="{FF2B5EF4-FFF2-40B4-BE49-F238E27FC236}">
+                <a16:creationId xmlns:a16="http://schemas.microsoft.com/office/drawing/2014/main" id="{F2010356-822D-44C5-B0D1-CBDE09E4FBF9}"/>
+              </a:ext>
+            </a:extLst>
+          </p:cNvPr>
+          <p:cNvSpPr>
+            <a:spLocks noGrp="1"/>
+          </p:cNvSpPr>
+          <p:nvPr>
+            <p:ph type="ftr" sz="quarter" idx="11"/>
+          </p:nvPr>
+        </p:nvSpPr>
+        <p:spPr/>
+        <p:txBody>
+          <a:bodyPr/>
+          <a:lstStyle/>
+          <a:p>
+            <a:r>
+              <a:rPr lang="da-DK"/>
+              <a:t>Nicki Skafte Detlefsen</a:t>
+            </a:r>
+          </a:p>
+        </p:txBody>
+      </p:sp>
+      <p:sp>
+        <p:nvSpPr>
+          <p:cNvPr id="6" name="Slide Number Placeholder 5">
+            <a:extLst>
+              <a:ext uri="{FF2B5EF4-FFF2-40B4-BE49-F238E27FC236}">
+                <a16:creationId xmlns:a16="http://schemas.microsoft.com/office/drawing/2014/main" id="{254C6846-5E59-4CD2-AC22-234C55EECA82}"/>
+              </a:ext>
+            </a:extLst>
+          </p:cNvPr>
+          <p:cNvSpPr>
+            <a:spLocks noGrp="1"/>
+          </p:cNvSpPr>
+          <p:nvPr>
+            <p:ph type="sldNum" sz="quarter" idx="12"/>
+          </p:nvPr>
+        </p:nvSpPr>
+        <p:spPr/>
+        <p:txBody>
+          <a:bodyPr/>
+          <a:lstStyle/>
+          <a:p>
+            <a:fld id="{F6FEDE24-D50C-481B-A7B4-8AF13899101A}" type="slidenum">
+              <a:rPr lang="da-DK" smtClean="0"/>
+              <a:t>2</a:t>
+            </a:fld>
+            <a:endParaRPr lang="da-DK"/>
+          </a:p>
+        </p:txBody>
+      </p:sp>
+    </p:spTree>
+    <p:extLst>
+      <p:ext uri="{BB962C8B-B14F-4D97-AF65-F5344CB8AC3E}">
+        <p14:creationId xmlns:p14="http://schemas.microsoft.com/office/powerpoint/2010/main" val="780434456"/>
+      </p:ext>
+    </p:extLst>
+  </p:cSld>
+  <p:clrMapOvr>
+    <a:masterClrMapping/>
+  </p:clrMapOvr>
+</p:sld>
+</file>
+
+<file path=ppt/slides/slide20.xml><?xml version="1.0" encoding="utf-8"?>
+<p:sld xmlns:a="http://schemas.openxmlformats.org/drawingml/2006/main" xmlns:r="http://schemas.openxmlformats.org/officeDocument/2006/relationships" xmlns:p="http://schemas.openxmlformats.org/presentationml/2006/main">
+  <p:cSld>
+    <p:spTree>
+      <p:nvGrpSpPr>
+        <p:cNvPr id="1" name=""/>
+        <p:cNvGrpSpPr/>
+        <p:nvPr/>
+      </p:nvGrpSpPr>
+      <p:grpSpPr>
+        <a:xfrm>
+          <a:off x="0" y="0"/>
+          <a:ext cx="0" cy="0"/>
+          <a:chOff x="0" y="0"/>
+          <a:chExt cx="0" cy="0"/>
+        </a:xfrm>
+      </p:grpSpPr>
+      <p:sp>
+        <p:nvSpPr>
+          <p:cNvPr id="2" name="Title 1">
+            <a:extLst>
+              <a:ext uri="{FF2B5EF4-FFF2-40B4-BE49-F238E27FC236}">
                 <a16:creationId xmlns:a16="http://schemas.microsoft.com/office/drawing/2014/main" id="{AF2A0289-7557-4FBB-8A76-20E389E756F1}"/>
               </a:ext>
             </a:extLst>
@@ -10191,7 +10592,7 @@
           <a:p>
             <a:fld id="{019E29B9-5584-4737-9C98-1B926378C778}" type="datetime1">
               <a:rPr lang="en-US" smtClean="0"/>
-              <a:t>6/3/2021</a:t>
+              <a:t>6/9/2021</a:t>
             </a:fld>
             <a:endParaRPr lang="da-DK"/>
           </a:p>
@@ -10248,7 +10649,7 @@
           <a:p>
             <a:fld id="{F6FEDE24-D50C-481B-A7B4-8AF13899101A}" type="slidenum">
               <a:rPr lang="da-DK" smtClean="0"/>
-              <a:t>19</a:t>
+              <a:t>20</a:t>
             </a:fld>
             <a:endParaRPr lang="da-DK"/>
           </a:p>
@@ -10632,7 +11033,7 @@
 </p:sld>
 </file>
 
-<file path=ppt/slides/slide2.xml><?xml version="1.0" encoding="utf-8"?>
+<file path=ppt/slides/slide21.xml><?xml version="1.0" encoding="utf-8"?>
 <p:sld xmlns:a="http://schemas.openxmlformats.org/drawingml/2006/main" xmlns:r="http://schemas.openxmlformats.org/officeDocument/2006/relationships" xmlns:p="http://schemas.openxmlformats.org/presentationml/2006/main">
   <p:cSld>
     <p:spTree>
@@ -10654,7 +11055,7 @@
           <p:cNvPr id="2" name="Title 1">
             <a:extLst>
               <a:ext uri="{FF2B5EF4-FFF2-40B4-BE49-F238E27FC236}">
-                <a16:creationId xmlns:a16="http://schemas.microsoft.com/office/drawing/2014/main" id="{6017292B-83CC-4127-8FB1-922F07B5F503}"/>
+                <a16:creationId xmlns:a16="http://schemas.microsoft.com/office/drawing/2014/main" id="{0CBF86A8-6EA4-4100-A86F-B1F1B52F5514}"/>
               </a:ext>
             </a:extLst>
           </p:cNvPr>
@@ -10672,7 +11073,7 @@
           <a:p>
             <a:r>
               <a:rPr lang="da-DK" dirty="0"/>
-              <a:t>What is continues integration?</a:t>
+              <a:t>Each PR triggers all tests</a:t>
             </a:r>
           </a:p>
         </p:txBody>
@@ -10682,7 +11083,7 @@
           <p:cNvPr id="3" name="Content Placeholder 2">
             <a:extLst>
               <a:ext uri="{FF2B5EF4-FFF2-40B4-BE49-F238E27FC236}">
-                <a16:creationId xmlns:a16="http://schemas.microsoft.com/office/drawing/2014/main" id="{8BB138C7-06FC-4D11-AB10-15CBAF37B9FB}"/>
+                <a16:creationId xmlns:a16="http://schemas.microsoft.com/office/drawing/2014/main" id="{5994F392-1EF3-4BD2-AC7A-84109E40AE23}"/>
               </a:ext>
             </a:extLst>
           </p:cNvPr>
@@ -10698,80 +11099,7 @@
           <a:bodyPr/>
           <a:lstStyle/>
           <a:p>
-            <a:r>
-              <a:rPr lang="en-US" dirty="0"/>
-              <a:t>Software </a:t>
-            </a:r>
-            <a:r>
-              <a:rPr lang="en-US" dirty="0" err="1"/>
-              <a:t>practise</a:t>
-            </a:r>
-            <a:endParaRPr lang="en-US" dirty="0"/>
-          </a:p>
-          <a:p>
-            <a:pPr lvl="1"/>
-            <a:endParaRPr lang="en-US" dirty="0"/>
-          </a:p>
-          <a:p>
-            <a:pPr lvl="1"/>
-            <a:r>
-              <a:rPr lang="en-US" dirty="0" err="1"/>
-              <a:t>Frequitly</a:t>
-            </a:r>
-            <a:r>
-              <a:rPr lang="en-US" dirty="0"/>
-              <a:t> commit code to shared </a:t>
-            </a:r>
-            <a:r>
-              <a:rPr lang="en-US" dirty="0" err="1"/>
-              <a:t>reposatory</a:t>
-            </a:r>
-            <a:endParaRPr lang="en-US" dirty="0"/>
-          </a:p>
-          <a:p>
-            <a:pPr lvl="1"/>
-            <a:endParaRPr lang="en-US" dirty="0"/>
-          </a:p>
-          <a:p>
-            <a:pPr lvl="1"/>
-            <a:r>
-              <a:rPr lang="en-US" dirty="0"/>
-              <a:t>By commit sooner than later, errors are captured early</a:t>
-            </a:r>
-          </a:p>
-          <a:p>
-            <a:pPr lvl="1"/>
-            <a:endParaRPr lang="en-US" dirty="0"/>
-          </a:p>
-          <a:p>
-            <a:pPr lvl="1"/>
-            <a:r>
-              <a:rPr lang="en-US" dirty="0"/>
-              <a:t>Make merging easier</a:t>
-            </a:r>
-          </a:p>
-          <a:p>
-            <a:pPr lvl="1"/>
-            <a:endParaRPr lang="en-US" dirty="0"/>
-          </a:p>
-          <a:p>
-            <a:pPr lvl="1"/>
-            <a:r>
-              <a:rPr lang="en-US" dirty="0"/>
-              <a:t>Automate build + test</a:t>
-            </a:r>
-          </a:p>
-          <a:p>
-            <a:pPr marL="0" indent="0">
-              <a:buNone/>
-            </a:pPr>
-            <a:endParaRPr lang="en-US" dirty="0"/>
-          </a:p>
-          <a:p>
-            <a:r>
-              <a:rPr lang="en-US" dirty="0"/>
-              <a:t>App independent</a:t>
-            </a:r>
+            <a:endParaRPr lang="da-DK"/>
           </a:p>
         </p:txBody>
       </p:sp>
@@ -10780,7 +11108,7 @@
           <p:cNvPr id="4" name="Date Placeholder 3">
             <a:extLst>
               <a:ext uri="{FF2B5EF4-FFF2-40B4-BE49-F238E27FC236}">
-                <a16:creationId xmlns:a16="http://schemas.microsoft.com/office/drawing/2014/main" id="{0420B38B-2F7C-4ED0-83E3-56A02D59A520}"/>
+                <a16:creationId xmlns:a16="http://schemas.microsoft.com/office/drawing/2014/main" id="{3250E2B5-000F-4E61-BF6B-57579EB5DDF9}"/>
               </a:ext>
             </a:extLst>
           </p:cNvPr>
@@ -10798,7 +11126,7 @@
           <a:p>
             <a:fld id="{019E29B9-5584-4737-9C98-1B926378C778}" type="datetime1">
               <a:rPr lang="en-US" smtClean="0"/>
-              <a:t>6/3/2021</a:t>
+              <a:t>6/9/2021</a:t>
             </a:fld>
             <a:endParaRPr lang="da-DK"/>
           </a:p>
@@ -10809,7 +11137,7 @@
           <p:cNvPr id="5" name="Footer Placeholder 4">
             <a:extLst>
               <a:ext uri="{FF2B5EF4-FFF2-40B4-BE49-F238E27FC236}">
-                <a16:creationId xmlns:a16="http://schemas.microsoft.com/office/drawing/2014/main" id="{F186A8F9-D2EE-461C-8CE2-9990E4575F1A}"/>
+                <a16:creationId xmlns:a16="http://schemas.microsoft.com/office/drawing/2014/main" id="{C5E2D469-7952-4721-8121-D643D740B7C0}"/>
               </a:ext>
             </a:extLst>
           </p:cNvPr>
@@ -10837,7 +11165,7 @@
           <p:cNvPr id="6" name="Slide Number Placeholder 5">
             <a:extLst>
               <a:ext uri="{FF2B5EF4-FFF2-40B4-BE49-F238E27FC236}">
-                <a16:creationId xmlns:a16="http://schemas.microsoft.com/office/drawing/2014/main" id="{E21A5F62-8528-49C6-B251-E038D5533F72}"/>
+                <a16:creationId xmlns:a16="http://schemas.microsoft.com/office/drawing/2014/main" id="{D26C0131-DA78-4786-BA3D-EC6ECD16ABB2}"/>
               </a:ext>
             </a:extLst>
           </p:cNvPr>
@@ -10855,263 +11183,7 @@
           <a:p>
             <a:fld id="{F6FEDE24-D50C-481B-A7B4-8AF13899101A}" type="slidenum">
               <a:rPr lang="da-DK" smtClean="0"/>
-              <a:t>2</a:t>
-            </a:fld>
-            <a:endParaRPr lang="da-DK"/>
-          </a:p>
-        </p:txBody>
-      </p:sp>
-      <p:pic>
-        <p:nvPicPr>
-          <p:cNvPr id="7" name="Picture 6" descr="Diagram&#10;&#10;Description automatically generated">
-            <a:extLst>
-              <a:ext uri="{FF2B5EF4-FFF2-40B4-BE49-F238E27FC236}">
-                <a16:creationId xmlns:a16="http://schemas.microsoft.com/office/drawing/2014/main" id="{0CA6B713-DD80-4231-86BB-60D9DB975E14}"/>
-              </a:ext>
-            </a:extLst>
-          </p:cNvPr>
-          <p:cNvPicPr>
-            <a:picLocks noChangeAspect="1"/>
-          </p:cNvPicPr>
-          <p:nvPr/>
-        </p:nvPicPr>
-        <p:blipFill rotWithShape="1">
-          <a:blip r:embed="rId2">
-            <a:extLst>
-              <a:ext uri="{28A0092B-C50C-407E-A947-70E740481C1C}">
-                <a14:useLocalDpi xmlns:a14="http://schemas.microsoft.com/office/drawing/2010/main" val="0"/>
-              </a:ext>
-            </a:extLst>
-          </a:blip>
-          <a:srcRect l="65066" t="21007"/>
-          <a:stretch/>
-        </p:blipFill>
-        <p:spPr>
-          <a:xfrm>
-            <a:off x="8633982" y="1560352"/>
-            <a:ext cx="2480394" cy="4204400"/>
-          </a:xfrm>
-          <a:prstGeom prst="rect">
-            <a:avLst/>
-          </a:prstGeom>
-        </p:spPr>
-      </p:pic>
-      <p:sp>
-        <p:nvSpPr>
-          <p:cNvPr id="8" name="Rectangle 7">
-            <a:extLst>
-              <a:ext uri="{FF2B5EF4-FFF2-40B4-BE49-F238E27FC236}">
-                <a16:creationId xmlns:a16="http://schemas.microsoft.com/office/drawing/2014/main" id="{CBB6EA17-443E-4DFB-BEB6-2C9DE276DD2D}"/>
-              </a:ext>
-            </a:extLst>
-          </p:cNvPr>
-          <p:cNvSpPr/>
-          <p:nvPr/>
-        </p:nvSpPr>
-        <p:spPr>
-          <a:xfrm>
-            <a:off x="8742003" y="4286774"/>
-            <a:ext cx="2264353" cy="545285"/>
-          </a:xfrm>
-          <a:prstGeom prst="rect">
-            <a:avLst/>
-          </a:prstGeom>
-          <a:noFill/>
-          <a:ln w="38100">
-            <a:solidFill>
-              <a:srgbClr val="FF0000"/>
-            </a:solidFill>
-          </a:ln>
-        </p:spPr>
-        <p:style>
-          <a:lnRef idx="2">
-            <a:schemeClr val="accent1">
-              <a:shade val="50000"/>
-            </a:schemeClr>
-          </a:lnRef>
-          <a:fillRef idx="1">
-            <a:schemeClr val="accent1"/>
-          </a:fillRef>
-          <a:effectRef idx="0">
-            <a:schemeClr val="accent1"/>
-          </a:effectRef>
-          <a:fontRef idx="minor">
-            <a:schemeClr val="lt1"/>
-          </a:fontRef>
-        </p:style>
-        <p:txBody>
-          <a:bodyPr rtlCol="0" anchor="ctr"/>
-          <a:lstStyle/>
-          <a:p>
-            <a:pPr algn="ctr"/>
-            <a:endParaRPr lang="da-DK"/>
-          </a:p>
-        </p:txBody>
-      </p:sp>
-    </p:spTree>
-    <p:extLst>
-      <p:ext uri="{BB962C8B-B14F-4D97-AF65-F5344CB8AC3E}">
-        <p14:creationId xmlns:p14="http://schemas.microsoft.com/office/powerpoint/2010/main" val="574670851"/>
-      </p:ext>
-    </p:extLst>
-  </p:cSld>
-  <p:clrMapOvr>
-    <a:masterClrMapping/>
-  </p:clrMapOvr>
-</p:sld>
-</file>
-
-<file path=ppt/slides/slide20.xml><?xml version="1.0" encoding="utf-8"?>
-<p:sld xmlns:a="http://schemas.openxmlformats.org/drawingml/2006/main" xmlns:r="http://schemas.openxmlformats.org/officeDocument/2006/relationships" xmlns:p="http://schemas.openxmlformats.org/presentationml/2006/main">
-  <p:cSld>
-    <p:spTree>
-      <p:nvGrpSpPr>
-        <p:cNvPr id="1" name=""/>
-        <p:cNvGrpSpPr/>
-        <p:nvPr/>
-      </p:nvGrpSpPr>
-      <p:grpSpPr>
-        <a:xfrm>
-          <a:off x="0" y="0"/>
-          <a:ext cx="0" cy="0"/>
-          <a:chOff x="0" y="0"/>
-          <a:chExt cx="0" cy="0"/>
-        </a:xfrm>
-      </p:grpSpPr>
-      <p:sp>
-        <p:nvSpPr>
-          <p:cNvPr id="2" name="Title 1">
-            <a:extLst>
-              <a:ext uri="{FF2B5EF4-FFF2-40B4-BE49-F238E27FC236}">
-                <a16:creationId xmlns:a16="http://schemas.microsoft.com/office/drawing/2014/main" id="{0CBF86A8-6EA4-4100-A86F-B1F1B52F5514}"/>
-              </a:ext>
-            </a:extLst>
-          </p:cNvPr>
-          <p:cNvSpPr>
-            <a:spLocks noGrp="1"/>
-          </p:cNvSpPr>
-          <p:nvPr>
-            <p:ph type="title"/>
-          </p:nvPr>
-        </p:nvSpPr>
-        <p:spPr/>
-        <p:txBody>
-          <a:bodyPr/>
-          <a:lstStyle/>
-          <a:p>
-            <a:r>
-              <a:rPr lang="da-DK" dirty="0"/>
-              <a:t>Each PR triggers all tests</a:t>
-            </a:r>
-          </a:p>
-        </p:txBody>
-      </p:sp>
-      <p:sp>
-        <p:nvSpPr>
-          <p:cNvPr id="3" name="Content Placeholder 2">
-            <a:extLst>
-              <a:ext uri="{FF2B5EF4-FFF2-40B4-BE49-F238E27FC236}">
-                <a16:creationId xmlns:a16="http://schemas.microsoft.com/office/drawing/2014/main" id="{5994F392-1EF3-4BD2-AC7A-84109E40AE23}"/>
-              </a:ext>
-            </a:extLst>
-          </p:cNvPr>
-          <p:cNvSpPr>
-            <a:spLocks noGrp="1"/>
-          </p:cNvSpPr>
-          <p:nvPr>
-            <p:ph idx="1"/>
-          </p:nvPr>
-        </p:nvSpPr>
-        <p:spPr/>
-        <p:txBody>
-          <a:bodyPr/>
-          <a:lstStyle/>
-          <a:p>
-            <a:endParaRPr lang="da-DK"/>
-          </a:p>
-        </p:txBody>
-      </p:sp>
-      <p:sp>
-        <p:nvSpPr>
-          <p:cNvPr id="4" name="Date Placeholder 3">
-            <a:extLst>
-              <a:ext uri="{FF2B5EF4-FFF2-40B4-BE49-F238E27FC236}">
-                <a16:creationId xmlns:a16="http://schemas.microsoft.com/office/drawing/2014/main" id="{3250E2B5-000F-4E61-BF6B-57579EB5DDF9}"/>
-              </a:ext>
-            </a:extLst>
-          </p:cNvPr>
-          <p:cNvSpPr>
-            <a:spLocks noGrp="1"/>
-          </p:cNvSpPr>
-          <p:nvPr>
-            <p:ph type="dt" sz="half" idx="10"/>
-          </p:nvPr>
-        </p:nvSpPr>
-        <p:spPr/>
-        <p:txBody>
-          <a:bodyPr/>
-          <a:lstStyle/>
-          <a:p>
-            <a:fld id="{019E29B9-5584-4737-9C98-1B926378C778}" type="datetime1">
-              <a:rPr lang="en-US" smtClean="0"/>
-              <a:t>6/3/2021</a:t>
-            </a:fld>
-            <a:endParaRPr lang="da-DK"/>
-          </a:p>
-        </p:txBody>
-      </p:sp>
-      <p:sp>
-        <p:nvSpPr>
-          <p:cNvPr id="5" name="Footer Placeholder 4">
-            <a:extLst>
-              <a:ext uri="{FF2B5EF4-FFF2-40B4-BE49-F238E27FC236}">
-                <a16:creationId xmlns:a16="http://schemas.microsoft.com/office/drawing/2014/main" id="{C5E2D469-7952-4721-8121-D643D740B7C0}"/>
-              </a:ext>
-            </a:extLst>
-          </p:cNvPr>
-          <p:cNvSpPr>
-            <a:spLocks noGrp="1"/>
-          </p:cNvSpPr>
-          <p:nvPr>
-            <p:ph type="ftr" sz="quarter" idx="11"/>
-          </p:nvPr>
-        </p:nvSpPr>
-        <p:spPr/>
-        <p:txBody>
-          <a:bodyPr/>
-          <a:lstStyle/>
-          <a:p>
-            <a:r>
-              <a:rPr lang="da-DK"/>
-              <a:t>Nicki Skafte Detlefsen</a:t>
-            </a:r>
-          </a:p>
-        </p:txBody>
-      </p:sp>
-      <p:sp>
-        <p:nvSpPr>
-          <p:cNvPr id="6" name="Slide Number Placeholder 5">
-            <a:extLst>
-              <a:ext uri="{FF2B5EF4-FFF2-40B4-BE49-F238E27FC236}">
-                <a16:creationId xmlns:a16="http://schemas.microsoft.com/office/drawing/2014/main" id="{D26C0131-DA78-4786-BA3D-EC6ECD16ABB2}"/>
-              </a:ext>
-            </a:extLst>
-          </p:cNvPr>
-          <p:cNvSpPr>
-            <a:spLocks noGrp="1"/>
-          </p:cNvSpPr>
-          <p:nvPr>
-            <p:ph type="sldNum" sz="quarter" idx="12"/>
-          </p:nvPr>
-        </p:nvSpPr>
-        <p:spPr/>
-        <p:txBody>
-          <a:bodyPr/>
-          <a:lstStyle/>
-          <a:p>
-            <a:fld id="{F6FEDE24-D50C-481B-A7B4-8AF13899101A}" type="slidenum">
-              <a:rPr lang="da-DK" smtClean="0"/>
-              <a:t>20</a:t>
+              <a:t>21</a:t>
             </a:fld>
             <a:endParaRPr lang="da-DK"/>
           </a:p>
@@ -11160,7 +11232,7 @@
 </p:sld>
 </file>
 
-<file path=ppt/slides/slide21.xml><?xml version="1.0" encoding="utf-8"?>
+<file path=ppt/slides/slide22.xml><?xml version="1.0" encoding="utf-8"?>
 <p:sld xmlns:a="http://schemas.openxmlformats.org/drawingml/2006/main" xmlns:r="http://schemas.openxmlformats.org/officeDocument/2006/relationships" xmlns:p="http://schemas.openxmlformats.org/presentationml/2006/main">
   <p:cSld>
     <p:spTree>
@@ -11292,7 +11364,7 @@
           <a:p>
             <a:fld id="{019E29B9-5584-4737-9C98-1B926378C778}" type="datetime1">
               <a:rPr lang="en-US" smtClean="0"/>
-              <a:t>6/3/2021</a:t>
+              <a:t>6/9/2021</a:t>
             </a:fld>
             <a:endParaRPr lang="da-DK"/>
           </a:p>
@@ -11349,7 +11421,7 @@
           <a:p>
             <a:fld id="{F6FEDE24-D50C-481B-A7B4-8AF13899101A}" type="slidenum">
               <a:rPr lang="da-DK" smtClean="0"/>
-              <a:t>21</a:t>
+              <a:t>22</a:t>
             </a:fld>
             <a:endParaRPr lang="da-DK"/>
           </a:p>
@@ -11398,7 +11470,7 @@
 </p:sld>
 </file>
 
-<file path=ppt/slides/slide22.xml><?xml version="1.0" encoding="utf-8"?>
+<file path=ppt/slides/slide23.xml><?xml version="1.0" encoding="utf-8"?>
 <p:sld xmlns:a="http://schemas.openxmlformats.org/drawingml/2006/main" xmlns:r="http://schemas.openxmlformats.org/officeDocument/2006/relationships" xmlns:p="http://schemas.openxmlformats.org/presentationml/2006/main">
   <p:cSld>
     <p:spTree>
@@ -11497,7 +11569,7 @@
           <a:p>
             <a:fld id="{019E29B9-5584-4737-9C98-1B926378C778}" type="datetime1">
               <a:rPr lang="en-US" smtClean="0"/>
-              <a:t>6/3/2021</a:t>
+              <a:t>6/9/2021</a:t>
             </a:fld>
             <a:endParaRPr lang="da-DK"/>
           </a:p>
@@ -11554,7 +11626,7 @@
           <a:p>
             <a:fld id="{F6FEDE24-D50C-481B-A7B4-8AF13899101A}" type="slidenum">
               <a:rPr lang="da-DK" smtClean="0"/>
-              <a:t>22</a:t>
+              <a:t>23</a:t>
             </a:fld>
             <a:endParaRPr lang="da-DK"/>
           </a:p>
@@ -11923,7 +11995,7 @@
 </p:sld>
 </file>
 
-<file path=ppt/slides/slide23.xml><?xml version="1.0" encoding="utf-8"?>
+<file path=ppt/slides/slide24.xml><?xml version="1.0" encoding="utf-8"?>
 <p:sld xmlns:a="http://schemas.openxmlformats.org/drawingml/2006/main" xmlns:r="http://schemas.openxmlformats.org/officeDocument/2006/relationships" xmlns:p="http://schemas.openxmlformats.org/presentationml/2006/main">
   <p:cSld>
     <p:spTree>
@@ -12026,7 +12098,7 @@
           <a:p>
             <a:fld id="{019E29B9-5584-4737-9C98-1B926378C778}" type="datetime1">
               <a:rPr lang="en-US" smtClean="0"/>
-              <a:t>6/3/2021</a:t>
+              <a:t>6/9/2021</a:t>
             </a:fld>
             <a:endParaRPr lang="da-DK"/>
           </a:p>
@@ -12083,7 +12155,7 @@
           <a:p>
             <a:fld id="{F6FEDE24-D50C-481B-A7B4-8AF13899101A}" type="slidenum">
               <a:rPr lang="da-DK" smtClean="0"/>
-              <a:t>23</a:t>
+              <a:t>24</a:t>
             </a:fld>
             <a:endParaRPr lang="da-DK"/>
           </a:p>
@@ -12124,7 +12196,7 @@
           <p:cNvPr id="2" name="Title 1">
             <a:extLst>
               <a:ext uri="{FF2B5EF4-FFF2-40B4-BE49-F238E27FC236}">
-                <a16:creationId xmlns:a16="http://schemas.microsoft.com/office/drawing/2014/main" id="{48DA37BB-052C-4162-8B1F-A8196FDD6358}"/>
+                <a16:creationId xmlns:a16="http://schemas.microsoft.com/office/drawing/2014/main" id="{6017292B-83CC-4127-8FB1-922F07B5F503}"/>
               </a:ext>
             </a:extLst>
           </p:cNvPr>
@@ -12142,7 +12214,7 @@
           <a:p>
             <a:r>
               <a:rPr lang="da-DK" dirty="0"/>
-              <a:t>What is continues deployment?</a:t>
+              <a:t>What is continues integration?</a:t>
             </a:r>
           </a:p>
         </p:txBody>
@@ -12152,7 +12224,7 @@
           <p:cNvPr id="3" name="Content Placeholder 2">
             <a:extLst>
               <a:ext uri="{FF2B5EF4-FFF2-40B4-BE49-F238E27FC236}">
-                <a16:creationId xmlns:a16="http://schemas.microsoft.com/office/drawing/2014/main" id="{65DD1E78-E6E0-4D6B-A490-20DA1967FE1A}"/>
+                <a16:creationId xmlns:a16="http://schemas.microsoft.com/office/drawing/2014/main" id="{8BB138C7-06FC-4D11-AB10-15CBAF37B9FB}"/>
               </a:ext>
             </a:extLst>
           </p:cNvPr>
@@ -12165,15 +12237,18 @@
         </p:nvSpPr>
         <p:spPr/>
         <p:txBody>
-          <a:bodyPr>
-            <a:normAutofit/>
-          </a:bodyPr>
+          <a:bodyPr/>
           <a:lstStyle/>
           <a:p>
             <a:r>
               <a:rPr lang="en-US" dirty="0"/>
-              <a:t>How to get your code to the user</a:t>
-            </a:r>
+              <a:t>Software </a:t>
+            </a:r>
+            <a:r>
+              <a:rPr lang="en-US" dirty="0" err="1"/>
+              <a:t>practise</a:t>
+            </a:r>
+            <a:endParaRPr lang="en-US" dirty="0"/>
           </a:p>
           <a:p>
             <a:pPr lvl="1"/>
@@ -12183,16 +12258,40 @@
             <a:pPr lvl="1"/>
             <a:r>
               <a:rPr lang="en-US" dirty="0"/>
-              <a:t>3 phases: Testing, staging and deploying</a:t>
-            </a:r>
-          </a:p>
-          <a:p>
+              <a:t>Frequently commit code to shared repository</a:t>
+            </a:r>
+          </a:p>
+          <a:p>
+            <a:pPr lvl="1"/>
             <a:endParaRPr lang="en-US" dirty="0"/>
           </a:p>
           <a:p>
+            <a:pPr lvl="1"/>
             <a:r>
               <a:rPr lang="en-US" dirty="0"/>
-              <a:t>App dependent</a:t>
+              <a:t>By commit sooner than later, errors are captured early</a:t>
+            </a:r>
+          </a:p>
+          <a:p>
+            <a:pPr lvl="1"/>
+            <a:endParaRPr lang="en-US" dirty="0"/>
+          </a:p>
+          <a:p>
+            <a:pPr lvl="1"/>
+            <a:r>
+              <a:rPr lang="en-US" dirty="0"/>
+              <a:t>Make merging easier</a:t>
+            </a:r>
+          </a:p>
+          <a:p>
+            <a:pPr lvl="1"/>
+            <a:endParaRPr lang="en-US" dirty="0"/>
+          </a:p>
+          <a:p>
+            <a:pPr lvl="1"/>
+            <a:r>
+              <a:rPr lang="en-US" dirty="0"/>
+              <a:t>Automate build + test</a:t>
             </a:r>
           </a:p>
           <a:p>
@@ -12202,12 +12301,9 @@
             <a:endParaRPr lang="en-US" dirty="0"/>
           </a:p>
           <a:p>
-            <a:pPr marL="0" indent="0">
-              <a:buNone/>
-            </a:pPr>
             <a:r>
               <a:rPr lang="en-US" dirty="0"/>
-              <a:t>Note: Not covered in this course</a:t>
+              <a:t>App independent</a:t>
             </a:r>
           </a:p>
         </p:txBody>
@@ -12217,7 +12313,7 @@
           <p:cNvPr id="4" name="Date Placeholder 3">
             <a:extLst>
               <a:ext uri="{FF2B5EF4-FFF2-40B4-BE49-F238E27FC236}">
-                <a16:creationId xmlns:a16="http://schemas.microsoft.com/office/drawing/2014/main" id="{31D842F6-9FE3-4514-ADE3-1F92A3016EDE}"/>
+                <a16:creationId xmlns:a16="http://schemas.microsoft.com/office/drawing/2014/main" id="{0420B38B-2F7C-4ED0-83E3-56A02D59A520}"/>
               </a:ext>
             </a:extLst>
           </p:cNvPr>
@@ -12235,7 +12331,7 @@
           <a:p>
             <a:fld id="{019E29B9-5584-4737-9C98-1B926378C778}" type="datetime1">
               <a:rPr lang="en-US" smtClean="0"/>
-              <a:t>6/3/2021</a:t>
+              <a:t>6/9/2021</a:t>
             </a:fld>
             <a:endParaRPr lang="da-DK"/>
           </a:p>
@@ -12246,7 +12342,7 @@
           <p:cNvPr id="5" name="Footer Placeholder 4">
             <a:extLst>
               <a:ext uri="{FF2B5EF4-FFF2-40B4-BE49-F238E27FC236}">
-                <a16:creationId xmlns:a16="http://schemas.microsoft.com/office/drawing/2014/main" id="{67C49E5E-D04D-4250-8916-1F617CA5FE9F}"/>
+                <a16:creationId xmlns:a16="http://schemas.microsoft.com/office/drawing/2014/main" id="{F186A8F9-D2EE-461C-8CE2-9990E4575F1A}"/>
               </a:ext>
             </a:extLst>
           </p:cNvPr>
@@ -12274,7 +12370,7 @@
           <p:cNvPr id="6" name="Slide Number Placeholder 5">
             <a:extLst>
               <a:ext uri="{FF2B5EF4-FFF2-40B4-BE49-F238E27FC236}">
-                <a16:creationId xmlns:a16="http://schemas.microsoft.com/office/drawing/2014/main" id="{DAEE29FC-53C6-42BA-B78B-DA81FD74F33B}"/>
+                <a16:creationId xmlns:a16="http://schemas.microsoft.com/office/drawing/2014/main" id="{E21A5F62-8528-49C6-B251-E038D5533F72}"/>
               </a:ext>
             </a:extLst>
           </p:cNvPr>
@@ -12303,7 +12399,7 @@
           <p:cNvPr id="7" name="Picture 6" descr="Diagram&#10;&#10;Description automatically generated">
             <a:extLst>
               <a:ext uri="{FF2B5EF4-FFF2-40B4-BE49-F238E27FC236}">
-                <a16:creationId xmlns:a16="http://schemas.microsoft.com/office/drawing/2014/main" id="{3474A754-DC40-4C13-BBA9-5C3B8F61E1D4}"/>
+                <a16:creationId xmlns:a16="http://schemas.microsoft.com/office/drawing/2014/main" id="{0CA6B713-DD80-4231-86BB-60D9DB975E14}"/>
               </a:ext>
             </a:extLst>
           </p:cNvPr>
@@ -12325,7 +12421,7 @@
         </p:blipFill>
         <p:spPr>
           <a:xfrm>
-            <a:off x="8742003" y="1560352"/>
+            <a:off x="8633982" y="1560352"/>
             <a:ext cx="2480394" cy="4204400"/>
           </a:xfrm>
           <a:prstGeom prst="rect">
@@ -12338,7 +12434,7 @@
           <p:cNvPr id="8" name="Rectangle 7">
             <a:extLst>
               <a:ext uri="{FF2B5EF4-FFF2-40B4-BE49-F238E27FC236}">
-                <a16:creationId xmlns:a16="http://schemas.microsoft.com/office/drawing/2014/main" id="{04E952B0-09AB-4875-AF7F-ABD953E35184}"/>
+                <a16:creationId xmlns:a16="http://schemas.microsoft.com/office/drawing/2014/main" id="{CBB6EA17-443E-4DFB-BEB6-2C9DE276DD2D}"/>
               </a:ext>
             </a:extLst>
           </p:cNvPr>
@@ -12388,7 +12484,7 @@
     </p:spTree>
     <p:extLst>
       <p:ext uri="{BB962C8B-B14F-4D97-AF65-F5344CB8AC3E}">
-        <p14:creationId xmlns:p14="http://schemas.microsoft.com/office/powerpoint/2010/main" val="436421641"/>
+        <p14:creationId xmlns:p14="http://schemas.microsoft.com/office/powerpoint/2010/main" val="574670851"/>
       </p:ext>
     </p:extLst>
   </p:cSld>
@@ -12420,7 +12516,7 @@
           <p:cNvPr id="2" name="Title 1">
             <a:extLst>
               <a:ext uri="{FF2B5EF4-FFF2-40B4-BE49-F238E27FC236}">
-                <a16:creationId xmlns:a16="http://schemas.microsoft.com/office/drawing/2014/main" id="{AA6E2C97-C9F2-4A84-89D8-4CE87DC4F0E6}"/>
+                <a16:creationId xmlns:a16="http://schemas.microsoft.com/office/drawing/2014/main" id="{48DA37BB-052C-4162-8B1F-A8196FDD6358}"/>
               </a:ext>
             </a:extLst>
           </p:cNvPr>
@@ -12438,7 +12534,7 @@
           <a:p>
             <a:r>
               <a:rPr lang="da-DK" dirty="0"/>
-              <a:t>What should you know about CI?</a:t>
+              <a:t>What is continues deployment?</a:t>
             </a:r>
           </a:p>
         </p:txBody>
@@ -12448,7 +12544,7 @@
           <p:cNvPr id="3" name="Content Placeholder 2">
             <a:extLst>
               <a:ext uri="{FF2B5EF4-FFF2-40B4-BE49-F238E27FC236}">
-                <a16:creationId xmlns:a16="http://schemas.microsoft.com/office/drawing/2014/main" id="{3D6FFF7B-0244-40BF-A6DD-EFBD091028C6}"/>
+                <a16:creationId xmlns:a16="http://schemas.microsoft.com/office/drawing/2014/main" id="{65DD1E78-E6E0-4D6B-A490-20DA1967FE1A}"/>
               </a:ext>
             </a:extLst>
           </p:cNvPr>
@@ -12461,41 +12557,50 @@
         </p:nvSpPr>
         <p:spPr/>
         <p:txBody>
-          <a:bodyPr/>
+          <a:bodyPr>
+            <a:normAutofit/>
+          </a:bodyPr>
           <a:lstStyle/>
           <a:p>
             <a:r>
               <a:rPr lang="en-US" dirty="0"/>
-              <a:t>CI is one of those topics that are best though as learning-by-doing</a:t>
-            </a:r>
-          </a:p>
-          <a:p>
+              <a:t>How to get your code to the user</a:t>
+            </a:r>
+          </a:p>
+          <a:p>
+            <a:pPr lvl="1"/>
             <a:endParaRPr lang="en-US" dirty="0"/>
           </a:p>
           <a:p>
+            <a:pPr lvl="1"/>
             <a:r>
               <a:rPr lang="en-US" dirty="0"/>
-              <a:t>If you understand how to use git, the rest is basically googling stuff</a:t>
+              <a:t>3 phases: Testing, staging and deploying</a:t>
             </a:r>
           </a:p>
           <a:p>
             <a:endParaRPr lang="en-US" dirty="0"/>
+          </a:p>
+          <a:p>
+            <a:r>
+              <a:rPr lang="en-US" dirty="0"/>
+              <a:t>App dependent</a:t>
+            </a:r>
           </a:p>
           <a:p>
             <a:pPr marL="0" indent="0">
               <a:buNone/>
             </a:pPr>
+            <a:endParaRPr lang="en-US" dirty="0"/>
+          </a:p>
+          <a:p>
+            <a:pPr marL="0" indent="0">
+              <a:buNone/>
+            </a:pPr>
             <a:r>
               <a:rPr lang="en-US" dirty="0"/>
-              <a:t>Let's look at a practical example</a:t>
-            </a:r>
-          </a:p>
-          <a:p>
-            <a:pPr lvl="1"/>
-            <a:endParaRPr lang="en-US" dirty="0"/>
-          </a:p>
-          <a:p>
-            <a:endParaRPr lang="en-US" dirty="0"/>
+              <a:t>Note: Not covered in this course</a:t>
+            </a:r>
           </a:p>
         </p:txBody>
       </p:sp>
@@ -12504,7 +12609,7 @@
           <p:cNvPr id="4" name="Date Placeholder 3">
             <a:extLst>
               <a:ext uri="{FF2B5EF4-FFF2-40B4-BE49-F238E27FC236}">
-                <a16:creationId xmlns:a16="http://schemas.microsoft.com/office/drawing/2014/main" id="{AC582E96-10CE-4032-8721-22024C963E66}"/>
+                <a16:creationId xmlns:a16="http://schemas.microsoft.com/office/drawing/2014/main" id="{31D842F6-9FE3-4514-ADE3-1F92A3016EDE}"/>
               </a:ext>
             </a:extLst>
           </p:cNvPr>
@@ -12522,7 +12627,7 @@
           <a:p>
             <a:fld id="{019E29B9-5584-4737-9C98-1B926378C778}" type="datetime1">
               <a:rPr lang="en-US" smtClean="0"/>
-              <a:t>6/3/2021</a:t>
+              <a:t>6/9/2021</a:t>
             </a:fld>
             <a:endParaRPr lang="da-DK"/>
           </a:p>
@@ -12533,7 +12638,7 @@
           <p:cNvPr id="5" name="Footer Placeholder 4">
             <a:extLst>
               <a:ext uri="{FF2B5EF4-FFF2-40B4-BE49-F238E27FC236}">
-                <a16:creationId xmlns:a16="http://schemas.microsoft.com/office/drawing/2014/main" id="{229897C6-91E1-4481-81D6-52AE9754F1C3}"/>
+                <a16:creationId xmlns:a16="http://schemas.microsoft.com/office/drawing/2014/main" id="{67C49E5E-D04D-4250-8916-1F617CA5FE9F}"/>
               </a:ext>
             </a:extLst>
           </p:cNvPr>
@@ -12561,7 +12666,7 @@
           <p:cNvPr id="6" name="Slide Number Placeholder 5">
             <a:extLst>
               <a:ext uri="{FF2B5EF4-FFF2-40B4-BE49-F238E27FC236}">
-                <a16:creationId xmlns:a16="http://schemas.microsoft.com/office/drawing/2014/main" id="{B9C7D9B7-BF93-4774-8A6A-D0150E0D9136}"/>
+                <a16:creationId xmlns:a16="http://schemas.microsoft.com/office/drawing/2014/main" id="{DAEE29FC-53C6-42BA-B78B-DA81FD74F33B}"/>
               </a:ext>
             </a:extLst>
           </p:cNvPr>
@@ -12585,10 +12690,97 @@
           </a:p>
         </p:txBody>
       </p:sp>
+      <p:pic>
+        <p:nvPicPr>
+          <p:cNvPr id="7" name="Picture 6" descr="Diagram&#10;&#10;Description automatically generated">
+            <a:extLst>
+              <a:ext uri="{FF2B5EF4-FFF2-40B4-BE49-F238E27FC236}">
+                <a16:creationId xmlns:a16="http://schemas.microsoft.com/office/drawing/2014/main" id="{3474A754-DC40-4C13-BBA9-5C3B8F61E1D4}"/>
+              </a:ext>
+            </a:extLst>
+          </p:cNvPr>
+          <p:cNvPicPr>
+            <a:picLocks noChangeAspect="1"/>
+          </p:cNvPicPr>
+          <p:nvPr/>
+        </p:nvPicPr>
+        <p:blipFill rotWithShape="1">
+          <a:blip r:embed="rId2">
+            <a:extLst>
+              <a:ext uri="{28A0092B-C50C-407E-A947-70E740481C1C}">
+                <a14:useLocalDpi xmlns:a14="http://schemas.microsoft.com/office/drawing/2010/main" val="0"/>
+              </a:ext>
+            </a:extLst>
+          </a:blip>
+          <a:srcRect l="65066" t="21007"/>
+          <a:stretch/>
+        </p:blipFill>
+        <p:spPr>
+          <a:xfrm>
+            <a:off x="8742003" y="1560352"/>
+            <a:ext cx="2480394" cy="4204400"/>
+          </a:xfrm>
+          <a:prstGeom prst="rect">
+            <a:avLst/>
+          </a:prstGeom>
+        </p:spPr>
+      </p:pic>
+      <p:sp>
+        <p:nvSpPr>
+          <p:cNvPr id="8" name="Rectangle 7">
+            <a:extLst>
+              <a:ext uri="{FF2B5EF4-FFF2-40B4-BE49-F238E27FC236}">
+                <a16:creationId xmlns:a16="http://schemas.microsoft.com/office/drawing/2014/main" id="{04E952B0-09AB-4875-AF7F-ABD953E35184}"/>
+              </a:ext>
+            </a:extLst>
+          </p:cNvPr>
+          <p:cNvSpPr/>
+          <p:nvPr/>
+        </p:nvSpPr>
+        <p:spPr>
+          <a:xfrm>
+            <a:off x="8742003" y="4286774"/>
+            <a:ext cx="2264353" cy="545285"/>
+          </a:xfrm>
+          <a:prstGeom prst="rect">
+            <a:avLst/>
+          </a:prstGeom>
+          <a:noFill/>
+          <a:ln w="38100">
+            <a:solidFill>
+              <a:srgbClr val="FF0000"/>
+            </a:solidFill>
+          </a:ln>
+        </p:spPr>
+        <p:style>
+          <a:lnRef idx="2">
+            <a:schemeClr val="accent1">
+              <a:shade val="50000"/>
+            </a:schemeClr>
+          </a:lnRef>
+          <a:fillRef idx="1">
+            <a:schemeClr val="accent1"/>
+          </a:fillRef>
+          <a:effectRef idx="0">
+            <a:schemeClr val="accent1"/>
+          </a:effectRef>
+          <a:fontRef idx="minor">
+            <a:schemeClr val="lt1"/>
+          </a:fontRef>
+        </p:style>
+        <p:txBody>
+          <a:bodyPr rtlCol="0" anchor="ctr"/>
+          <a:lstStyle/>
+          <a:p>
+            <a:pPr algn="ctr"/>
+            <a:endParaRPr lang="da-DK"/>
+          </a:p>
+        </p:txBody>
+      </p:sp>
     </p:spTree>
     <p:extLst>
       <p:ext uri="{BB962C8B-B14F-4D97-AF65-F5344CB8AC3E}">
-        <p14:creationId xmlns:p14="http://schemas.microsoft.com/office/powerpoint/2010/main" val="533928425"/>
+        <p14:creationId xmlns:p14="http://schemas.microsoft.com/office/powerpoint/2010/main" val="436421641"/>
       </p:ext>
     </p:extLst>
   </p:cSld>
@@ -12620,7 +12812,7 @@
           <p:cNvPr id="2" name="Title 1">
             <a:extLst>
               <a:ext uri="{FF2B5EF4-FFF2-40B4-BE49-F238E27FC236}">
-                <a16:creationId xmlns:a16="http://schemas.microsoft.com/office/drawing/2014/main" id="{67049641-DF90-4FBF-A399-35809E687CCD}"/>
+                <a16:creationId xmlns:a16="http://schemas.microsoft.com/office/drawing/2014/main" id="{AA6E2C97-C9F2-4A84-89D8-4CE87DC4F0E6}"/>
               </a:ext>
             </a:extLst>
           </p:cNvPr>
@@ -12638,7 +12830,7 @@
           <a:p>
             <a:r>
               <a:rPr lang="da-DK" dirty="0"/>
-              <a:t>A small case study</a:t>
+              <a:t>What should you know about CI?</a:t>
             </a:r>
           </a:p>
         </p:txBody>
@@ -12648,7 +12840,7 @@
           <p:cNvPr id="3" name="Content Placeholder 2">
             <a:extLst>
               <a:ext uri="{FF2B5EF4-FFF2-40B4-BE49-F238E27FC236}">
-                <a16:creationId xmlns:a16="http://schemas.microsoft.com/office/drawing/2014/main" id="{CD751883-3B25-4EDE-8AD8-ECA4C4D69A2C}"/>
+                <a16:creationId xmlns:a16="http://schemas.microsoft.com/office/drawing/2014/main" id="{3D6FFF7B-0244-40BF-A6DD-EFBD091028C6}"/>
               </a:ext>
             </a:extLst>
           </p:cNvPr>
@@ -12663,20 +12855,40 @@
         <p:txBody>
           <a:bodyPr/>
           <a:lstStyle/>
+          <a:p>
+            <a:r>
+              <a:rPr lang="en-US" dirty="0"/>
+              <a:t>CI is one of those topics that are best though as learning-by-doing</a:t>
+            </a:r>
+          </a:p>
+          <a:p>
+            <a:endParaRPr lang="en-US" dirty="0"/>
+          </a:p>
+          <a:p>
+            <a:r>
+              <a:rPr lang="en-US" dirty="0"/>
+              <a:t>If you understand how to use git, the rest is basically googling stuff</a:t>
+            </a:r>
+          </a:p>
+          <a:p>
+            <a:endParaRPr lang="en-US" dirty="0"/>
+          </a:p>
           <a:p>
             <a:pPr marL="0" indent="0">
               <a:buNone/>
             </a:pPr>
             <a:r>
               <a:rPr lang="en-US" dirty="0"/>
-              <a:t>All the metric in the world – now in </a:t>
-            </a:r>
-            <a:r>
-              <a:rPr lang="en-US" dirty="0" err="1"/>
-              <a:t>pytorch</a:t>
-            </a:r>
+              <a:t>Let's look at a practical example</a:t>
+            </a:r>
+          </a:p>
+          <a:p>
+            <a:pPr lvl="1"/>
             <a:endParaRPr lang="en-US" dirty="0"/>
           </a:p>
+          <a:p>
+            <a:endParaRPr lang="en-US" dirty="0"/>
+          </a:p>
         </p:txBody>
       </p:sp>
       <p:sp>
@@ -12684,7 +12896,7 @@
           <p:cNvPr id="4" name="Date Placeholder 3">
             <a:extLst>
               <a:ext uri="{FF2B5EF4-FFF2-40B4-BE49-F238E27FC236}">
-                <a16:creationId xmlns:a16="http://schemas.microsoft.com/office/drawing/2014/main" id="{AF9CF576-91AD-4CA9-B9A8-9D4091B9ADE5}"/>
+                <a16:creationId xmlns:a16="http://schemas.microsoft.com/office/drawing/2014/main" id="{AC582E96-10CE-4032-8721-22024C963E66}"/>
               </a:ext>
             </a:extLst>
           </p:cNvPr>
@@ -12702,7 +12914,7 @@
           <a:p>
             <a:fld id="{019E29B9-5584-4737-9C98-1B926378C778}" type="datetime1">
               <a:rPr lang="en-US" smtClean="0"/>
-              <a:t>6/3/2021</a:t>
+              <a:t>6/9/2021</a:t>
             </a:fld>
             <a:endParaRPr lang="da-DK"/>
           </a:p>
@@ -12713,7 +12925,7 @@
           <p:cNvPr id="5" name="Footer Placeholder 4">
             <a:extLst>
               <a:ext uri="{FF2B5EF4-FFF2-40B4-BE49-F238E27FC236}">
-                <a16:creationId xmlns:a16="http://schemas.microsoft.com/office/drawing/2014/main" id="{0133C9CB-AA34-45C2-9897-822134ADE207}"/>
+                <a16:creationId xmlns:a16="http://schemas.microsoft.com/office/drawing/2014/main" id="{229897C6-91E1-4481-81D6-52AE9754F1C3}"/>
               </a:ext>
             </a:extLst>
           </p:cNvPr>
@@ -12741,7 +12953,7 @@
           <p:cNvPr id="6" name="Slide Number Placeholder 5">
             <a:extLst>
               <a:ext uri="{FF2B5EF4-FFF2-40B4-BE49-F238E27FC236}">
-                <a16:creationId xmlns:a16="http://schemas.microsoft.com/office/drawing/2014/main" id="{E1A20C92-F3BB-4750-964E-EB033F0189AB}"/>
+                <a16:creationId xmlns:a16="http://schemas.microsoft.com/office/drawing/2014/main" id="{B9C7D9B7-BF93-4774-8A6A-D0150E0D9136}"/>
               </a:ext>
             </a:extLst>
           </p:cNvPr>
@@ -12760,6 +12972,186 @@
             <a:fld id="{F6FEDE24-D50C-481B-A7B4-8AF13899101A}" type="slidenum">
               <a:rPr lang="da-DK" smtClean="0"/>
               <a:t>5</a:t>
+            </a:fld>
+            <a:endParaRPr lang="da-DK"/>
+          </a:p>
+        </p:txBody>
+      </p:sp>
+    </p:spTree>
+    <p:extLst>
+      <p:ext uri="{BB962C8B-B14F-4D97-AF65-F5344CB8AC3E}">
+        <p14:creationId xmlns:p14="http://schemas.microsoft.com/office/powerpoint/2010/main" val="533928425"/>
+      </p:ext>
+    </p:extLst>
+  </p:cSld>
+  <p:clrMapOvr>
+    <a:masterClrMapping/>
+  </p:clrMapOvr>
+</p:sld>
+</file>
+
+<file path=ppt/slides/slide6.xml><?xml version="1.0" encoding="utf-8"?>
+<p:sld xmlns:a="http://schemas.openxmlformats.org/drawingml/2006/main" xmlns:r="http://schemas.openxmlformats.org/officeDocument/2006/relationships" xmlns:p="http://schemas.openxmlformats.org/presentationml/2006/main">
+  <p:cSld>
+    <p:spTree>
+      <p:nvGrpSpPr>
+        <p:cNvPr id="1" name=""/>
+        <p:cNvGrpSpPr/>
+        <p:nvPr/>
+      </p:nvGrpSpPr>
+      <p:grpSpPr>
+        <a:xfrm>
+          <a:off x="0" y="0"/>
+          <a:ext cx="0" cy="0"/>
+          <a:chOff x="0" y="0"/>
+          <a:chExt cx="0" cy="0"/>
+        </a:xfrm>
+      </p:grpSpPr>
+      <p:sp>
+        <p:nvSpPr>
+          <p:cNvPr id="2" name="Title 1">
+            <a:extLst>
+              <a:ext uri="{FF2B5EF4-FFF2-40B4-BE49-F238E27FC236}">
+                <a16:creationId xmlns:a16="http://schemas.microsoft.com/office/drawing/2014/main" id="{67049641-DF90-4FBF-A399-35809E687CCD}"/>
+              </a:ext>
+            </a:extLst>
+          </p:cNvPr>
+          <p:cNvSpPr>
+            <a:spLocks noGrp="1"/>
+          </p:cNvSpPr>
+          <p:nvPr>
+            <p:ph type="title"/>
+          </p:nvPr>
+        </p:nvSpPr>
+        <p:spPr/>
+        <p:txBody>
+          <a:bodyPr/>
+          <a:lstStyle/>
+          <a:p>
+            <a:r>
+              <a:rPr lang="da-DK" dirty="0"/>
+              <a:t>A small case study</a:t>
+            </a:r>
+          </a:p>
+        </p:txBody>
+      </p:sp>
+      <p:sp>
+        <p:nvSpPr>
+          <p:cNvPr id="3" name="Content Placeholder 2">
+            <a:extLst>
+              <a:ext uri="{FF2B5EF4-FFF2-40B4-BE49-F238E27FC236}">
+                <a16:creationId xmlns:a16="http://schemas.microsoft.com/office/drawing/2014/main" id="{CD751883-3B25-4EDE-8AD8-ECA4C4D69A2C}"/>
+              </a:ext>
+            </a:extLst>
+          </p:cNvPr>
+          <p:cNvSpPr>
+            <a:spLocks noGrp="1"/>
+          </p:cNvSpPr>
+          <p:nvPr>
+            <p:ph idx="1"/>
+          </p:nvPr>
+        </p:nvSpPr>
+        <p:spPr/>
+        <p:txBody>
+          <a:bodyPr/>
+          <a:lstStyle/>
+          <a:p>
+            <a:pPr marL="0" indent="0">
+              <a:buNone/>
+            </a:pPr>
+            <a:r>
+              <a:rPr lang="en-US" dirty="0"/>
+              <a:t>All the metric in the world – now in </a:t>
+            </a:r>
+            <a:r>
+              <a:rPr lang="en-US" dirty="0" err="1"/>
+              <a:t>pytorch</a:t>
+            </a:r>
+            <a:endParaRPr lang="en-US" dirty="0"/>
+          </a:p>
+        </p:txBody>
+      </p:sp>
+      <p:sp>
+        <p:nvSpPr>
+          <p:cNvPr id="4" name="Date Placeholder 3">
+            <a:extLst>
+              <a:ext uri="{FF2B5EF4-FFF2-40B4-BE49-F238E27FC236}">
+                <a16:creationId xmlns:a16="http://schemas.microsoft.com/office/drawing/2014/main" id="{AF9CF576-91AD-4CA9-B9A8-9D4091B9ADE5}"/>
+              </a:ext>
+            </a:extLst>
+          </p:cNvPr>
+          <p:cNvSpPr>
+            <a:spLocks noGrp="1"/>
+          </p:cNvSpPr>
+          <p:nvPr>
+            <p:ph type="dt" sz="half" idx="10"/>
+          </p:nvPr>
+        </p:nvSpPr>
+        <p:spPr/>
+        <p:txBody>
+          <a:bodyPr/>
+          <a:lstStyle/>
+          <a:p>
+            <a:fld id="{019E29B9-5584-4737-9C98-1B926378C778}" type="datetime1">
+              <a:rPr lang="en-US" smtClean="0"/>
+              <a:t>6/9/2021</a:t>
+            </a:fld>
+            <a:endParaRPr lang="da-DK"/>
+          </a:p>
+        </p:txBody>
+      </p:sp>
+      <p:sp>
+        <p:nvSpPr>
+          <p:cNvPr id="5" name="Footer Placeholder 4">
+            <a:extLst>
+              <a:ext uri="{FF2B5EF4-FFF2-40B4-BE49-F238E27FC236}">
+                <a16:creationId xmlns:a16="http://schemas.microsoft.com/office/drawing/2014/main" id="{0133C9CB-AA34-45C2-9897-822134ADE207}"/>
+              </a:ext>
+            </a:extLst>
+          </p:cNvPr>
+          <p:cNvSpPr>
+            <a:spLocks noGrp="1"/>
+          </p:cNvSpPr>
+          <p:nvPr>
+            <p:ph type="ftr" sz="quarter" idx="11"/>
+          </p:nvPr>
+        </p:nvSpPr>
+        <p:spPr/>
+        <p:txBody>
+          <a:bodyPr/>
+          <a:lstStyle/>
+          <a:p>
+            <a:r>
+              <a:rPr lang="da-DK"/>
+              <a:t>Nicki Skafte Detlefsen</a:t>
+            </a:r>
+          </a:p>
+        </p:txBody>
+      </p:sp>
+      <p:sp>
+        <p:nvSpPr>
+          <p:cNvPr id="6" name="Slide Number Placeholder 5">
+            <a:extLst>
+              <a:ext uri="{FF2B5EF4-FFF2-40B4-BE49-F238E27FC236}">
+                <a16:creationId xmlns:a16="http://schemas.microsoft.com/office/drawing/2014/main" id="{E1A20C92-F3BB-4750-964E-EB033F0189AB}"/>
+              </a:ext>
+            </a:extLst>
+          </p:cNvPr>
+          <p:cNvSpPr>
+            <a:spLocks noGrp="1"/>
+          </p:cNvSpPr>
+          <p:nvPr>
+            <p:ph type="sldNum" sz="quarter" idx="12"/>
+          </p:nvPr>
+        </p:nvSpPr>
+        <p:spPr/>
+        <p:txBody>
+          <a:bodyPr/>
+          <a:lstStyle/>
+          <a:p>
+            <a:fld id="{F6FEDE24-D50C-481B-A7B4-8AF13899101A}" type="slidenum">
+              <a:rPr lang="da-DK" smtClean="0"/>
+              <a:t>6</a:t>
             </a:fld>
             <a:endParaRPr lang="da-DK"/>
           </a:p>
@@ -12887,7 +13279,7 @@
 </p:sld>
 </file>
 
-<file path=ppt/slides/slide6.xml><?xml version="1.0" encoding="utf-8"?>
+<file path=ppt/slides/slide7.xml><?xml version="1.0" encoding="utf-8"?>
 <p:sld xmlns:a="http://schemas.openxmlformats.org/drawingml/2006/main" xmlns:r="http://schemas.openxmlformats.org/officeDocument/2006/relationships" xmlns:p="http://schemas.openxmlformats.org/presentationml/2006/main">
   <p:cSld>
     <p:spTree>
@@ -13016,7 +13408,7 @@
           <a:p>
             <a:fld id="{019E29B9-5584-4737-9C98-1B926378C778}" type="datetime1">
               <a:rPr lang="en-US" smtClean="0"/>
-              <a:t>6/3/2021</a:t>
+              <a:t>6/9/2021</a:t>
             </a:fld>
             <a:endParaRPr lang="da-DK"/>
           </a:p>
@@ -13073,7 +13465,7 @@
           <a:p>
             <a:fld id="{F6FEDE24-D50C-481B-A7B4-8AF13899101A}" type="slidenum">
               <a:rPr lang="da-DK" smtClean="0"/>
-              <a:t>6</a:t>
+              <a:t>7</a:t>
             </a:fld>
             <a:endParaRPr lang="da-DK"/>
           </a:p>
@@ -13193,7 +13585,7 @@
 </p:sld>
 </file>
 
-<file path=ppt/slides/slide7.xml><?xml version="1.0" encoding="utf-8"?>
+<file path=ppt/slides/slide8.xml><?xml version="1.0" encoding="utf-8"?>
 <p:sld xmlns:a="http://schemas.openxmlformats.org/drawingml/2006/main" xmlns:r="http://schemas.openxmlformats.org/officeDocument/2006/relationships" xmlns:p="http://schemas.openxmlformats.org/presentationml/2006/main">
   <p:cSld>
     <p:spTree>
@@ -13329,7 +13721,7 @@
           <a:p>
             <a:fld id="{019E29B9-5584-4737-9C98-1B926378C778}" type="datetime1">
               <a:rPr lang="en-US" smtClean="0"/>
-              <a:t>6/3/2021</a:t>
+              <a:t>6/9/2021</a:t>
             </a:fld>
             <a:endParaRPr lang="da-DK"/>
           </a:p>
@@ -13386,7 +13778,7 @@
           <a:p>
             <a:fld id="{F6FEDE24-D50C-481B-A7B4-8AF13899101A}" type="slidenum">
               <a:rPr lang="da-DK" smtClean="0"/>
-              <a:t>7</a:t>
+              <a:t>8</a:t>
             </a:fld>
             <a:endParaRPr lang="da-DK"/>
           </a:p>
@@ -13435,7 +13827,7 @@
 </p:sld>
 </file>
 
-<file path=ppt/slides/slide8.xml><?xml version="1.0" encoding="utf-8"?>
+<file path=ppt/slides/slide9.xml><?xml version="1.0" encoding="utf-8"?>
 <p:sld xmlns:a="http://schemas.openxmlformats.org/drawingml/2006/main" xmlns:r="http://schemas.openxmlformats.org/officeDocument/2006/relationships" xmlns:p="http://schemas.openxmlformats.org/presentationml/2006/main">
   <p:cSld>
     <p:spTree>
@@ -13544,7 +13936,7 @@
           <a:p>
             <a:fld id="{019E29B9-5584-4737-9C98-1B926378C778}" type="datetime1">
               <a:rPr lang="en-US" smtClean="0"/>
-              <a:t>6/3/2021</a:t>
+              <a:t>6/9/2021</a:t>
             </a:fld>
             <a:endParaRPr lang="da-DK"/>
           </a:p>
@@ -13601,7 +13993,7 @@
           <a:p>
             <a:fld id="{F6FEDE24-D50C-481B-A7B4-8AF13899101A}" type="slidenum">
               <a:rPr lang="da-DK" smtClean="0"/>
-              <a:t>8</a:t>
+              <a:t>9</a:t>
             </a:fld>
             <a:endParaRPr lang="da-DK"/>
           </a:p>
@@ -14005,227 +14397,6 @@
     <p:extLst>
       <p:ext uri="{BB962C8B-B14F-4D97-AF65-F5344CB8AC3E}">
         <p14:creationId xmlns:p14="http://schemas.microsoft.com/office/powerpoint/2010/main" val="2486113929"/>
-      </p:ext>
-    </p:extLst>
-  </p:cSld>
-  <p:clrMapOvr>
-    <a:masterClrMapping/>
-  </p:clrMapOvr>
-</p:sld>
-</file>
-
-<file path=ppt/slides/slide9.xml><?xml version="1.0" encoding="utf-8"?>
-<p:sld xmlns:a="http://schemas.openxmlformats.org/drawingml/2006/main" xmlns:r="http://schemas.openxmlformats.org/officeDocument/2006/relationships" xmlns:p="http://schemas.openxmlformats.org/presentationml/2006/main">
-  <p:cSld>
-    <p:spTree>
-      <p:nvGrpSpPr>
-        <p:cNvPr id="1" name=""/>
-        <p:cNvGrpSpPr/>
-        <p:nvPr/>
-      </p:nvGrpSpPr>
-      <p:grpSpPr>
-        <a:xfrm>
-          <a:off x="0" y="0"/>
-          <a:ext cx="0" cy="0"/>
-          <a:chOff x="0" y="0"/>
-          <a:chExt cx="0" cy="0"/>
-        </a:xfrm>
-      </p:grpSpPr>
-      <p:sp>
-        <p:nvSpPr>
-          <p:cNvPr id="2" name="Title 1">
-            <a:extLst>
-              <a:ext uri="{FF2B5EF4-FFF2-40B4-BE49-F238E27FC236}">
-                <a16:creationId xmlns:a16="http://schemas.microsoft.com/office/drawing/2014/main" id="{F30CAB80-0536-4C1F-B6CE-EC85D3C8B753}"/>
-              </a:ext>
-            </a:extLst>
-          </p:cNvPr>
-          <p:cNvSpPr>
-            <a:spLocks noGrp="1"/>
-          </p:cNvSpPr>
-          <p:nvPr>
-            <p:ph type="title"/>
-          </p:nvPr>
-        </p:nvSpPr>
-        <p:spPr/>
-        <p:txBody>
-          <a:bodyPr/>
-          <a:lstStyle/>
-          <a:p>
-            <a:r>
-              <a:rPr lang="da-DK" dirty="0"/>
-              <a:t>CI step 2: Automating stuff</a:t>
-            </a:r>
-          </a:p>
-        </p:txBody>
-      </p:sp>
-      <p:sp>
-        <p:nvSpPr>
-          <p:cNvPr id="3" name="Content Placeholder 2">
-            <a:extLst>
-              <a:ext uri="{FF2B5EF4-FFF2-40B4-BE49-F238E27FC236}">
-                <a16:creationId xmlns:a16="http://schemas.microsoft.com/office/drawing/2014/main" id="{8C1E39EE-762B-47D7-995F-8880FB5E5C6C}"/>
-              </a:ext>
-            </a:extLst>
-          </p:cNvPr>
-          <p:cNvSpPr>
-            <a:spLocks noGrp="1"/>
-          </p:cNvSpPr>
-          <p:nvPr>
-            <p:ph idx="1"/>
-          </p:nvPr>
-        </p:nvSpPr>
-        <p:spPr/>
-        <p:txBody>
-          <a:bodyPr/>
-          <a:lstStyle/>
-          <a:p>
-            <a:r>
-              <a:rPr lang="en-US" dirty="0"/>
-              <a:t>What can be automated: EVERYTHING</a:t>
-            </a:r>
-          </a:p>
-          <a:p>
-            <a:pPr lvl="1"/>
-            <a:r>
-              <a:rPr lang="en-US" dirty="0"/>
-              <a:t>Functional tests</a:t>
-            </a:r>
-          </a:p>
-          <a:p>
-            <a:pPr lvl="1"/>
-            <a:r>
-              <a:rPr lang="en-US" dirty="0"/>
-              <a:t>Documentation creation</a:t>
-            </a:r>
-          </a:p>
-          <a:p>
-            <a:pPr lvl="1"/>
-            <a:r>
-              <a:rPr lang="en-US" dirty="0"/>
-              <a:t>Linters (which check style formatting)</a:t>
-            </a:r>
-          </a:p>
-          <a:p>
-            <a:pPr lvl="1"/>
-            <a:r>
-              <a:rPr lang="en-US" dirty="0"/>
-              <a:t>Security checks</a:t>
-            </a:r>
-          </a:p>
-          <a:p>
-            <a:pPr lvl="1"/>
-            <a:r>
-              <a:rPr lang="en-US" dirty="0"/>
-              <a:t>Code coverage</a:t>
-            </a:r>
-          </a:p>
-          <a:p>
-            <a:pPr lvl="1"/>
-            <a:r>
-              <a:rPr lang="en-US" dirty="0"/>
-              <a:t>Custom checks…</a:t>
-            </a:r>
-          </a:p>
-          <a:p>
-            <a:pPr lvl="1"/>
-            <a:endParaRPr lang="da-DK" dirty="0"/>
-          </a:p>
-          <a:p>
-            <a:endParaRPr lang="da-DK" dirty="0"/>
-          </a:p>
-        </p:txBody>
-      </p:sp>
-      <p:sp>
-        <p:nvSpPr>
-          <p:cNvPr id="4" name="Date Placeholder 3">
-            <a:extLst>
-              <a:ext uri="{FF2B5EF4-FFF2-40B4-BE49-F238E27FC236}">
-                <a16:creationId xmlns:a16="http://schemas.microsoft.com/office/drawing/2014/main" id="{F64724E3-9AC5-4EBD-B3E0-26B5C8052611}"/>
-              </a:ext>
-            </a:extLst>
-          </p:cNvPr>
-          <p:cNvSpPr>
-            <a:spLocks noGrp="1"/>
-          </p:cNvSpPr>
-          <p:nvPr>
-            <p:ph type="dt" sz="half" idx="10"/>
-          </p:nvPr>
-        </p:nvSpPr>
-        <p:spPr/>
-        <p:txBody>
-          <a:bodyPr/>
-          <a:lstStyle/>
-          <a:p>
-            <a:fld id="{019E29B9-5584-4737-9C98-1B926378C778}" type="datetime1">
-              <a:rPr lang="en-US" smtClean="0"/>
-              <a:t>6/3/2021</a:t>
-            </a:fld>
-            <a:endParaRPr lang="da-DK"/>
-          </a:p>
-        </p:txBody>
-      </p:sp>
-      <p:sp>
-        <p:nvSpPr>
-          <p:cNvPr id="5" name="Footer Placeholder 4">
-            <a:extLst>
-              <a:ext uri="{FF2B5EF4-FFF2-40B4-BE49-F238E27FC236}">
-                <a16:creationId xmlns:a16="http://schemas.microsoft.com/office/drawing/2014/main" id="{EDA475A1-DBB7-4C99-9A57-A337E5DF7DB6}"/>
-              </a:ext>
-            </a:extLst>
-          </p:cNvPr>
-          <p:cNvSpPr>
-            <a:spLocks noGrp="1"/>
-          </p:cNvSpPr>
-          <p:nvPr>
-            <p:ph type="ftr" sz="quarter" idx="11"/>
-          </p:nvPr>
-        </p:nvSpPr>
-        <p:spPr/>
-        <p:txBody>
-          <a:bodyPr/>
-          <a:lstStyle/>
-          <a:p>
-            <a:r>
-              <a:rPr lang="da-DK"/>
-              <a:t>Nicki Skafte Detlefsen</a:t>
-            </a:r>
-          </a:p>
-        </p:txBody>
-      </p:sp>
-      <p:sp>
-        <p:nvSpPr>
-          <p:cNvPr id="6" name="Slide Number Placeholder 5">
-            <a:extLst>
-              <a:ext uri="{FF2B5EF4-FFF2-40B4-BE49-F238E27FC236}">
-                <a16:creationId xmlns:a16="http://schemas.microsoft.com/office/drawing/2014/main" id="{BF2D4B10-61C4-4362-AFF0-40489FFBEC9F}"/>
-              </a:ext>
-            </a:extLst>
-          </p:cNvPr>
-          <p:cNvSpPr>
-            <a:spLocks noGrp="1"/>
-          </p:cNvSpPr>
-          <p:nvPr>
-            <p:ph type="sldNum" sz="quarter" idx="12"/>
-          </p:nvPr>
-        </p:nvSpPr>
-        <p:spPr/>
-        <p:txBody>
-          <a:bodyPr/>
-          <a:lstStyle/>
-          <a:p>
-            <a:fld id="{F6FEDE24-D50C-481B-A7B4-8AF13899101A}" type="slidenum">
-              <a:rPr lang="da-DK" smtClean="0"/>
-              <a:t>9</a:t>
-            </a:fld>
-            <a:endParaRPr lang="da-DK"/>
-          </a:p>
-        </p:txBody>
-      </p:sp>
-    </p:spTree>
-    <p:extLst>
-      <p:ext uri="{BB962C8B-B14F-4D97-AF65-F5344CB8AC3E}">
-        <p14:creationId xmlns:p14="http://schemas.microsoft.com/office/powerpoint/2010/main" val="1371277988"/>
       </p:ext>
     </p:extLst>
   </p:cSld>
